--- a/Syllabus/Lecture02/Lec02.pptx
+++ b/Syllabus/Lecture02/Lec02.pptx
@@ -5,10 +5,10 @@
     <p:sldMasterId id="2147483664" r:id="rId1"/>
   </p:sldMasterIdLst>
   <p:notesMasterIdLst>
-    <p:notesMasterId r:id="rId39"/>
+    <p:notesMasterId r:id="rId43"/>
   </p:notesMasterIdLst>
   <p:handoutMasterIdLst>
-    <p:handoutMasterId r:id="rId40"/>
+    <p:handoutMasterId r:id="rId44"/>
   </p:handoutMasterIdLst>
   <p:sldIdLst>
     <p:sldId id="266" r:id="rId2"/>
@@ -33,21 +33,25 @@
     <p:sldId id="325" r:id="rId21"/>
     <p:sldId id="328" r:id="rId22"/>
     <p:sldId id="327" r:id="rId23"/>
-    <p:sldId id="330" r:id="rId24"/>
-    <p:sldId id="329" r:id="rId25"/>
-    <p:sldId id="332" r:id="rId26"/>
-    <p:sldId id="333" r:id="rId27"/>
-    <p:sldId id="334" r:id="rId28"/>
-    <p:sldId id="336" r:id="rId29"/>
-    <p:sldId id="337" r:id="rId30"/>
-    <p:sldId id="338" r:id="rId31"/>
-    <p:sldId id="339" r:id="rId32"/>
-    <p:sldId id="340" r:id="rId33"/>
-    <p:sldId id="341" r:id="rId34"/>
-    <p:sldId id="343" r:id="rId35"/>
-    <p:sldId id="342" r:id="rId36"/>
-    <p:sldId id="290" r:id="rId37"/>
-    <p:sldId id="345" r:id="rId38"/>
+    <p:sldId id="350" r:id="rId24"/>
+    <p:sldId id="349" r:id="rId25"/>
+    <p:sldId id="351" r:id="rId26"/>
+    <p:sldId id="348" r:id="rId27"/>
+    <p:sldId id="330" r:id="rId28"/>
+    <p:sldId id="329" r:id="rId29"/>
+    <p:sldId id="332" r:id="rId30"/>
+    <p:sldId id="333" r:id="rId31"/>
+    <p:sldId id="334" r:id="rId32"/>
+    <p:sldId id="336" r:id="rId33"/>
+    <p:sldId id="337" r:id="rId34"/>
+    <p:sldId id="338" r:id="rId35"/>
+    <p:sldId id="339" r:id="rId36"/>
+    <p:sldId id="340" r:id="rId37"/>
+    <p:sldId id="341" r:id="rId38"/>
+    <p:sldId id="343" r:id="rId39"/>
+    <p:sldId id="342" r:id="rId40"/>
+    <p:sldId id="290" r:id="rId41"/>
+    <p:sldId id="345" r:id="rId42"/>
   </p:sldIdLst>
   <p:sldSz cx="12192000" cy="6858000"/>
   <p:notesSz cx="6858000" cy="9144000"/>
@@ -173,6 +177,10 @@
             <p14:sldId id="325"/>
             <p14:sldId id="328"/>
             <p14:sldId id="327"/>
+            <p14:sldId id="350"/>
+            <p14:sldId id="349"/>
+            <p14:sldId id="351"/>
+            <p14:sldId id="348"/>
             <p14:sldId id="330"/>
             <p14:sldId id="329"/>
             <p14:sldId id="332"/>
@@ -2299,7 +2307,7 @@
     </p:spTree>
     <p:extLst>
       <p:ext uri="{BB962C8B-B14F-4D97-AF65-F5344CB8AC3E}">
-        <p14:creationId xmlns:p14="http://schemas.microsoft.com/office/powerpoint/2010/main" val="104545633"/>
+        <p14:creationId xmlns:p14="http://schemas.microsoft.com/office/powerpoint/2010/main" val="222933570"/>
       </p:ext>
     </p:extLst>
   </p:cSld>
@@ -2392,22 +2400,14 @@
           </a:bodyPr>
           <a:lstStyle/>
           <a:p>
-            <a:pPr marL="0" marR="0" lvl="0" indent="0" algn="l" defTabSz="609585" rtl="0" eaLnBrk="1" fontAlgn="auto" latinLnBrk="0" hangingPunct="1">
-              <a:lnSpc>
-                <a:spcPct val="100000"/>
-              </a:lnSpc>
+            <a:pPr marL="0" lvl="0" indent="0" algn="l" rtl="0">
               <a:spcBef>
                 <a:spcPts val="0"/>
               </a:spcBef>
               <a:spcAft>
                 <a:spcPts val="0"/>
               </a:spcAft>
-              <a:buClrTx/>
-              <a:buSzTx/>
-              <a:buFontTx/>
               <a:buNone/>
-              <a:tabLst/>
-              <a:defRPr/>
             </a:pPr>
             <a:endParaRPr lang="en-US" dirty="0"/>
           </a:p>
@@ -2416,7 +2416,7 @@
     </p:spTree>
     <p:extLst>
       <p:ext uri="{BB962C8B-B14F-4D97-AF65-F5344CB8AC3E}">
-        <p14:creationId xmlns:p14="http://schemas.microsoft.com/office/powerpoint/2010/main" val="3935206571"/>
+        <p14:creationId xmlns:p14="http://schemas.microsoft.com/office/powerpoint/2010/main" val="1780732841"/>
       </p:ext>
     </p:extLst>
   </p:cSld>
@@ -2509,22 +2509,14 @@
           </a:bodyPr>
           <a:lstStyle/>
           <a:p>
-            <a:pPr marL="0" marR="0" lvl="0" indent="0" algn="l" defTabSz="609585" rtl="0" eaLnBrk="1" fontAlgn="auto" latinLnBrk="0" hangingPunct="1">
-              <a:lnSpc>
-                <a:spcPct val="100000"/>
-              </a:lnSpc>
+            <a:pPr marL="0" lvl="0" indent="0" algn="l" rtl="0">
               <a:spcBef>
                 <a:spcPts val="0"/>
               </a:spcBef>
               <a:spcAft>
                 <a:spcPts val="0"/>
               </a:spcAft>
-              <a:buClrTx/>
-              <a:buSzTx/>
-              <a:buFontTx/>
               <a:buNone/>
-              <a:tabLst/>
-              <a:defRPr/>
             </a:pPr>
             <a:endParaRPr lang="en-US" dirty="0"/>
           </a:p>
@@ -2533,7 +2525,7 @@
     </p:spTree>
     <p:extLst>
       <p:ext uri="{BB962C8B-B14F-4D97-AF65-F5344CB8AC3E}">
-        <p14:creationId xmlns:p14="http://schemas.microsoft.com/office/powerpoint/2010/main" val="3938340473"/>
+        <p14:creationId xmlns:p14="http://schemas.microsoft.com/office/powerpoint/2010/main" val="690885595"/>
       </p:ext>
     </p:extLst>
   </p:cSld>
@@ -2626,22 +2618,14 @@
           </a:bodyPr>
           <a:lstStyle/>
           <a:p>
-            <a:pPr marL="0" marR="0" lvl="0" indent="0" algn="l" defTabSz="609585" rtl="0" eaLnBrk="1" fontAlgn="auto" latinLnBrk="0" hangingPunct="1">
-              <a:lnSpc>
-                <a:spcPct val="100000"/>
-              </a:lnSpc>
+            <a:pPr marL="0" lvl="0" indent="0" algn="l" rtl="0">
               <a:spcBef>
                 <a:spcPts val="0"/>
               </a:spcBef>
               <a:spcAft>
                 <a:spcPts val="0"/>
               </a:spcAft>
-              <a:buClrTx/>
-              <a:buSzTx/>
-              <a:buFontTx/>
               <a:buNone/>
-              <a:tabLst/>
-              <a:defRPr/>
             </a:pPr>
             <a:endParaRPr lang="en-US" dirty="0"/>
           </a:p>
@@ -2650,7 +2634,7 @@
     </p:spTree>
     <p:extLst>
       <p:ext uri="{BB962C8B-B14F-4D97-AF65-F5344CB8AC3E}">
-        <p14:creationId xmlns:p14="http://schemas.microsoft.com/office/powerpoint/2010/main" val="4216157522"/>
+        <p14:creationId xmlns:p14="http://schemas.microsoft.com/office/powerpoint/2010/main" val="1627882378"/>
       </p:ext>
     </p:extLst>
   </p:cSld>
@@ -2743,22 +2727,14 @@
           </a:bodyPr>
           <a:lstStyle/>
           <a:p>
-            <a:pPr marL="0" marR="0" lvl="0" indent="0" algn="l" defTabSz="609585" rtl="0" eaLnBrk="1" fontAlgn="auto" latinLnBrk="0" hangingPunct="1">
-              <a:lnSpc>
-                <a:spcPct val="100000"/>
-              </a:lnSpc>
+            <a:pPr marL="0" lvl="0" indent="0" algn="l" rtl="0">
               <a:spcBef>
                 <a:spcPts val="0"/>
               </a:spcBef>
               <a:spcAft>
                 <a:spcPts val="0"/>
               </a:spcAft>
-              <a:buClrTx/>
-              <a:buSzTx/>
-              <a:buFontTx/>
               <a:buNone/>
-              <a:tabLst/>
-              <a:defRPr/>
             </a:pPr>
             <a:endParaRPr lang="en-US" dirty="0"/>
           </a:p>
@@ -2767,7 +2743,7 @@
     </p:spTree>
     <p:extLst>
       <p:ext uri="{BB962C8B-B14F-4D97-AF65-F5344CB8AC3E}">
-        <p14:creationId xmlns:p14="http://schemas.microsoft.com/office/powerpoint/2010/main" val="759372625"/>
+        <p14:creationId xmlns:p14="http://schemas.microsoft.com/office/powerpoint/2010/main" val="104545633"/>
       </p:ext>
     </p:extLst>
   </p:cSld>
@@ -2884,7 +2860,7 @@
     </p:spTree>
     <p:extLst>
       <p:ext uri="{BB962C8B-B14F-4D97-AF65-F5344CB8AC3E}">
-        <p14:creationId xmlns:p14="http://schemas.microsoft.com/office/powerpoint/2010/main" val="1581552090"/>
+        <p14:creationId xmlns:p14="http://schemas.microsoft.com/office/powerpoint/2010/main" val="3935206571"/>
       </p:ext>
     </p:extLst>
   </p:cSld>
@@ -3001,7 +2977,7 @@
     </p:spTree>
     <p:extLst>
       <p:ext uri="{BB962C8B-B14F-4D97-AF65-F5344CB8AC3E}">
-        <p14:creationId xmlns:p14="http://schemas.microsoft.com/office/powerpoint/2010/main" val="1228587899"/>
+        <p14:creationId xmlns:p14="http://schemas.microsoft.com/office/powerpoint/2010/main" val="3938340473"/>
       </p:ext>
     </p:extLst>
   </p:cSld>
@@ -3118,7 +3094,7 @@
     </p:spTree>
     <p:extLst>
       <p:ext uri="{BB962C8B-B14F-4D97-AF65-F5344CB8AC3E}">
-        <p14:creationId xmlns:p14="http://schemas.microsoft.com/office/powerpoint/2010/main" val="230335824"/>
+        <p14:creationId xmlns:p14="http://schemas.microsoft.com/office/powerpoint/2010/main" val="4216157522"/>
       </p:ext>
     </p:extLst>
   </p:cSld>
@@ -3235,7 +3211,7 @@
     </p:spTree>
     <p:extLst>
       <p:ext uri="{BB962C8B-B14F-4D97-AF65-F5344CB8AC3E}">
-        <p14:creationId xmlns:p14="http://schemas.microsoft.com/office/powerpoint/2010/main" val="2918353796"/>
+        <p14:creationId xmlns:p14="http://schemas.microsoft.com/office/powerpoint/2010/main" val="759372625"/>
       </p:ext>
     </p:extLst>
   </p:cSld>
@@ -3464,7 +3440,7 @@
     </p:spTree>
     <p:extLst>
       <p:ext uri="{BB962C8B-B14F-4D97-AF65-F5344CB8AC3E}">
-        <p14:creationId xmlns:p14="http://schemas.microsoft.com/office/powerpoint/2010/main" val="2110576029"/>
+        <p14:creationId xmlns:p14="http://schemas.microsoft.com/office/powerpoint/2010/main" val="1581552090"/>
       </p:ext>
     </p:extLst>
   </p:cSld>
@@ -3581,7 +3557,7 @@
     </p:spTree>
     <p:extLst>
       <p:ext uri="{BB962C8B-B14F-4D97-AF65-F5344CB8AC3E}">
-        <p14:creationId xmlns:p14="http://schemas.microsoft.com/office/powerpoint/2010/main" val="390738873"/>
+        <p14:creationId xmlns:p14="http://schemas.microsoft.com/office/powerpoint/2010/main" val="1228587899"/>
       </p:ext>
     </p:extLst>
   </p:cSld>
@@ -3698,7 +3674,7 @@
     </p:spTree>
     <p:extLst>
       <p:ext uri="{BB962C8B-B14F-4D97-AF65-F5344CB8AC3E}">
-        <p14:creationId xmlns:p14="http://schemas.microsoft.com/office/powerpoint/2010/main" val="926831241"/>
+        <p14:creationId xmlns:p14="http://schemas.microsoft.com/office/powerpoint/2010/main" val="230335824"/>
       </p:ext>
     </p:extLst>
   </p:cSld>
@@ -3815,6 +3791,474 @@
     </p:spTree>
     <p:extLst>
       <p:ext uri="{BB962C8B-B14F-4D97-AF65-F5344CB8AC3E}">
+        <p14:creationId xmlns:p14="http://schemas.microsoft.com/office/powerpoint/2010/main" val="2918353796"/>
+      </p:ext>
+    </p:extLst>
+  </p:cSld>
+  <p:clrMapOvr>
+    <a:masterClrMapping/>
+  </p:clrMapOvr>
+</p:notes>
+</file>
+
+<file path=ppt/notesSlides/notesSlide34.xml><?xml version="1.0" encoding="utf-8"?>
+<p:notes xmlns:a="http://schemas.openxmlformats.org/drawingml/2006/main" xmlns:r="http://schemas.openxmlformats.org/officeDocument/2006/relationships" xmlns:p="http://schemas.openxmlformats.org/presentationml/2006/main" showMasterSp="0" showMasterPhAnim="0">
+  <p:cSld>
+    <p:spTree>
+      <p:nvGrpSpPr>
+        <p:cNvPr id="1" name="Shape 91"/>
+        <p:cNvGrpSpPr/>
+        <p:nvPr/>
+      </p:nvGrpSpPr>
+      <p:grpSpPr>
+        <a:xfrm>
+          <a:off x="0" y="0"/>
+          <a:ext cx="0" cy="0"/>
+          <a:chOff x="0" y="0"/>
+          <a:chExt cx="0" cy="0"/>
+        </a:xfrm>
+      </p:grpSpPr>
+      <p:sp>
+        <p:nvSpPr>
+          <p:cNvPr id="92" name="Google Shape;92;g921be16503_9_0:notes"/>
+          <p:cNvSpPr>
+            <a:spLocks noGrp="1" noRot="1" noChangeAspect="1"/>
+          </p:cNvSpPr>
+          <p:nvPr>
+            <p:ph type="sldImg" idx="2"/>
+          </p:nvPr>
+        </p:nvSpPr>
+        <p:spPr>
+          <a:xfrm>
+            <a:off x="381000" y="685800"/>
+            <a:ext cx="6096000" cy="3429000"/>
+          </a:xfrm>
+          <a:custGeom>
+            <a:avLst/>
+            <a:gdLst/>
+            <a:ahLst/>
+            <a:cxnLst/>
+            <a:rect l="l" t="t" r="r" b="b"/>
+            <a:pathLst>
+              <a:path w="120000" h="120000" extrusionOk="0">
+                <a:moveTo>
+                  <a:pt x="0" y="0"/>
+                </a:moveTo>
+                <a:lnTo>
+                  <a:pt x="120000" y="0"/>
+                </a:lnTo>
+                <a:lnTo>
+                  <a:pt x="120000" y="120000"/>
+                </a:lnTo>
+                <a:lnTo>
+                  <a:pt x="0" y="120000"/>
+                </a:lnTo>
+                <a:close/>
+              </a:path>
+            </a:pathLst>
+          </a:custGeom>
+        </p:spPr>
+      </p:sp>
+      <p:sp>
+        <p:nvSpPr>
+          <p:cNvPr id="93" name="Google Shape;93;g921be16503_9_0:notes"/>
+          <p:cNvSpPr txBox="1">
+            <a:spLocks noGrp="1"/>
+          </p:cNvSpPr>
+          <p:nvPr>
+            <p:ph type="body" idx="1"/>
+          </p:nvPr>
+        </p:nvSpPr>
+        <p:spPr>
+          <a:xfrm>
+            <a:off x="685800" y="4343400"/>
+            <a:ext cx="5486400" cy="4114800"/>
+          </a:xfrm>
+          <a:prstGeom prst="rect">
+            <a:avLst/>
+          </a:prstGeom>
+        </p:spPr>
+        <p:txBody>
+          <a:bodyPr spcFirstLastPara="1" wrap="square" lIns="91425" tIns="91425" rIns="91425" bIns="91425" anchor="t" anchorCtr="0">
+            <a:noAutofit/>
+          </a:bodyPr>
+          <a:lstStyle/>
+          <a:p>
+            <a:pPr marL="0" marR="0" lvl="0" indent="0" algn="l" defTabSz="609585" rtl="0" eaLnBrk="1" fontAlgn="auto" latinLnBrk="0" hangingPunct="1">
+              <a:lnSpc>
+                <a:spcPct val="100000"/>
+              </a:lnSpc>
+              <a:spcBef>
+                <a:spcPts val="0"/>
+              </a:spcBef>
+              <a:spcAft>
+                <a:spcPts val="0"/>
+              </a:spcAft>
+              <a:buClrTx/>
+              <a:buSzTx/>
+              <a:buFontTx/>
+              <a:buNone/>
+              <a:tabLst/>
+              <a:defRPr/>
+            </a:pPr>
+            <a:endParaRPr lang="en-US" dirty="0"/>
+          </a:p>
+        </p:txBody>
+      </p:sp>
+    </p:spTree>
+    <p:extLst>
+      <p:ext uri="{BB962C8B-B14F-4D97-AF65-F5344CB8AC3E}">
+        <p14:creationId xmlns:p14="http://schemas.microsoft.com/office/powerpoint/2010/main" val="2110576029"/>
+      </p:ext>
+    </p:extLst>
+  </p:cSld>
+  <p:clrMapOvr>
+    <a:masterClrMapping/>
+  </p:clrMapOvr>
+</p:notes>
+</file>
+
+<file path=ppt/notesSlides/notesSlide35.xml><?xml version="1.0" encoding="utf-8"?>
+<p:notes xmlns:a="http://schemas.openxmlformats.org/drawingml/2006/main" xmlns:r="http://schemas.openxmlformats.org/officeDocument/2006/relationships" xmlns:p="http://schemas.openxmlformats.org/presentationml/2006/main" showMasterSp="0" showMasterPhAnim="0">
+  <p:cSld>
+    <p:spTree>
+      <p:nvGrpSpPr>
+        <p:cNvPr id="1" name="Shape 91"/>
+        <p:cNvGrpSpPr/>
+        <p:nvPr/>
+      </p:nvGrpSpPr>
+      <p:grpSpPr>
+        <a:xfrm>
+          <a:off x="0" y="0"/>
+          <a:ext cx="0" cy="0"/>
+          <a:chOff x="0" y="0"/>
+          <a:chExt cx="0" cy="0"/>
+        </a:xfrm>
+      </p:grpSpPr>
+      <p:sp>
+        <p:nvSpPr>
+          <p:cNvPr id="92" name="Google Shape;92;g921be16503_9_0:notes"/>
+          <p:cNvSpPr>
+            <a:spLocks noGrp="1" noRot="1" noChangeAspect="1"/>
+          </p:cNvSpPr>
+          <p:nvPr>
+            <p:ph type="sldImg" idx="2"/>
+          </p:nvPr>
+        </p:nvSpPr>
+        <p:spPr>
+          <a:xfrm>
+            <a:off x="381000" y="685800"/>
+            <a:ext cx="6096000" cy="3429000"/>
+          </a:xfrm>
+          <a:custGeom>
+            <a:avLst/>
+            <a:gdLst/>
+            <a:ahLst/>
+            <a:cxnLst/>
+            <a:rect l="l" t="t" r="r" b="b"/>
+            <a:pathLst>
+              <a:path w="120000" h="120000" extrusionOk="0">
+                <a:moveTo>
+                  <a:pt x="0" y="0"/>
+                </a:moveTo>
+                <a:lnTo>
+                  <a:pt x="120000" y="0"/>
+                </a:lnTo>
+                <a:lnTo>
+                  <a:pt x="120000" y="120000"/>
+                </a:lnTo>
+                <a:lnTo>
+                  <a:pt x="0" y="120000"/>
+                </a:lnTo>
+                <a:close/>
+              </a:path>
+            </a:pathLst>
+          </a:custGeom>
+        </p:spPr>
+      </p:sp>
+      <p:sp>
+        <p:nvSpPr>
+          <p:cNvPr id="93" name="Google Shape;93;g921be16503_9_0:notes"/>
+          <p:cNvSpPr txBox="1">
+            <a:spLocks noGrp="1"/>
+          </p:cNvSpPr>
+          <p:nvPr>
+            <p:ph type="body" idx="1"/>
+          </p:nvPr>
+        </p:nvSpPr>
+        <p:spPr>
+          <a:xfrm>
+            <a:off x="685800" y="4343400"/>
+            <a:ext cx="5486400" cy="4114800"/>
+          </a:xfrm>
+          <a:prstGeom prst="rect">
+            <a:avLst/>
+          </a:prstGeom>
+        </p:spPr>
+        <p:txBody>
+          <a:bodyPr spcFirstLastPara="1" wrap="square" lIns="91425" tIns="91425" rIns="91425" bIns="91425" anchor="t" anchorCtr="0">
+            <a:noAutofit/>
+          </a:bodyPr>
+          <a:lstStyle/>
+          <a:p>
+            <a:pPr marL="0" marR="0" lvl="0" indent="0" algn="l" defTabSz="609585" rtl="0" eaLnBrk="1" fontAlgn="auto" latinLnBrk="0" hangingPunct="1">
+              <a:lnSpc>
+                <a:spcPct val="100000"/>
+              </a:lnSpc>
+              <a:spcBef>
+                <a:spcPts val="0"/>
+              </a:spcBef>
+              <a:spcAft>
+                <a:spcPts val="0"/>
+              </a:spcAft>
+              <a:buClrTx/>
+              <a:buSzTx/>
+              <a:buFontTx/>
+              <a:buNone/>
+              <a:tabLst/>
+              <a:defRPr/>
+            </a:pPr>
+            <a:endParaRPr lang="en-US" dirty="0"/>
+          </a:p>
+        </p:txBody>
+      </p:sp>
+    </p:spTree>
+    <p:extLst>
+      <p:ext uri="{BB962C8B-B14F-4D97-AF65-F5344CB8AC3E}">
+        <p14:creationId xmlns:p14="http://schemas.microsoft.com/office/powerpoint/2010/main" val="390738873"/>
+      </p:ext>
+    </p:extLst>
+  </p:cSld>
+  <p:clrMapOvr>
+    <a:masterClrMapping/>
+  </p:clrMapOvr>
+</p:notes>
+</file>
+
+<file path=ppt/notesSlides/notesSlide36.xml><?xml version="1.0" encoding="utf-8"?>
+<p:notes xmlns:a="http://schemas.openxmlformats.org/drawingml/2006/main" xmlns:r="http://schemas.openxmlformats.org/officeDocument/2006/relationships" xmlns:p="http://schemas.openxmlformats.org/presentationml/2006/main" showMasterSp="0" showMasterPhAnim="0">
+  <p:cSld>
+    <p:spTree>
+      <p:nvGrpSpPr>
+        <p:cNvPr id="1" name="Shape 91"/>
+        <p:cNvGrpSpPr/>
+        <p:nvPr/>
+      </p:nvGrpSpPr>
+      <p:grpSpPr>
+        <a:xfrm>
+          <a:off x="0" y="0"/>
+          <a:ext cx="0" cy="0"/>
+          <a:chOff x="0" y="0"/>
+          <a:chExt cx="0" cy="0"/>
+        </a:xfrm>
+      </p:grpSpPr>
+      <p:sp>
+        <p:nvSpPr>
+          <p:cNvPr id="92" name="Google Shape;92;g921be16503_9_0:notes"/>
+          <p:cNvSpPr>
+            <a:spLocks noGrp="1" noRot="1" noChangeAspect="1"/>
+          </p:cNvSpPr>
+          <p:nvPr>
+            <p:ph type="sldImg" idx="2"/>
+          </p:nvPr>
+        </p:nvSpPr>
+        <p:spPr>
+          <a:xfrm>
+            <a:off x="381000" y="685800"/>
+            <a:ext cx="6096000" cy="3429000"/>
+          </a:xfrm>
+          <a:custGeom>
+            <a:avLst/>
+            <a:gdLst/>
+            <a:ahLst/>
+            <a:cxnLst/>
+            <a:rect l="l" t="t" r="r" b="b"/>
+            <a:pathLst>
+              <a:path w="120000" h="120000" extrusionOk="0">
+                <a:moveTo>
+                  <a:pt x="0" y="0"/>
+                </a:moveTo>
+                <a:lnTo>
+                  <a:pt x="120000" y="0"/>
+                </a:lnTo>
+                <a:lnTo>
+                  <a:pt x="120000" y="120000"/>
+                </a:lnTo>
+                <a:lnTo>
+                  <a:pt x="0" y="120000"/>
+                </a:lnTo>
+                <a:close/>
+              </a:path>
+            </a:pathLst>
+          </a:custGeom>
+        </p:spPr>
+      </p:sp>
+      <p:sp>
+        <p:nvSpPr>
+          <p:cNvPr id="93" name="Google Shape;93;g921be16503_9_0:notes"/>
+          <p:cNvSpPr txBox="1">
+            <a:spLocks noGrp="1"/>
+          </p:cNvSpPr>
+          <p:nvPr>
+            <p:ph type="body" idx="1"/>
+          </p:nvPr>
+        </p:nvSpPr>
+        <p:spPr>
+          <a:xfrm>
+            <a:off x="685800" y="4343400"/>
+            <a:ext cx="5486400" cy="4114800"/>
+          </a:xfrm>
+          <a:prstGeom prst="rect">
+            <a:avLst/>
+          </a:prstGeom>
+        </p:spPr>
+        <p:txBody>
+          <a:bodyPr spcFirstLastPara="1" wrap="square" lIns="91425" tIns="91425" rIns="91425" bIns="91425" anchor="t" anchorCtr="0">
+            <a:noAutofit/>
+          </a:bodyPr>
+          <a:lstStyle/>
+          <a:p>
+            <a:pPr marL="0" marR="0" lvl="0" indent="0" algn="l" defTabSz="609585" rtl="0" eaLnBrk="1" fontAlgn="auto" latinLnBrk="0" hangingPunct="1">
+              <a:lnSpc>
+                <a:spcPct val="100000"/>
+              </a:lnSpc>
+              <a:spcBef>
+                <a:spcPts val="0"/>
+              </a:spcBef>
+              <a:spcAft>
+                <a:spcPts val="0"/>
+              </a:spcAft>
+              <a:buClrTx/>
+              <a:buSzTx/>
+              <a:buFontTx/>
+              <a:buNone/>
+              <a:tabLst/>
+              <a:defRPr/>
+            </a:pPr>
+            <a:endParaRPr lang="en-US" dirty="0"/>
+          </a:p>
+        </p:txBody>
+      </p:sp>
+    </p:spTree>
+    <p:extLst>
+      <p:ext uri="{BB962C8B-B14F-4D97-AF65-F5344CB8AC3E}">
+        <p14:creationId xmlns:p14="http://schemas.microsoft.com/office/powerpoint/2010/main" val="926831241"/>
+      </p:ext>
+    </p:extLst>
+  </p:cSld>
+  <p:clrMapOvr>
+    <a:masterClrMapping/>
+  </p:clrMapOvr>
+</p:notes>
+</file>
+
+<file path=ppt/notesSlides/notesSlide37.xml><?xml version="1.0" encoding="utf-8"?>
+<p:notes xmlns:a="http://schemas.openxmlformats.org/drawingml/2006/main" xmlns:r="http://schemas.openxmlformats.org/officeDocument/2006/relationships" xmlns:p="http://schemas.openxmlformats.org/presentationml/2006/main" showMasterSp="0" showMasterPhAnim="0">
+  <p:cSld>
+    <p:spTree>
+      <p:nvGrpSpPr>
+        <p:cNvPr id="1" name="Shape 91"/>
+        <p:cNvGrpSpPr/>
+        <p:nvPr/>
+      </p:nvGrpSpPr>
+      <p:grpSpPr>
+        <a:xfrm>
+          <a:off x="0" y="0"/>
+          <a:ext cx="0" cy="0"/>
+          <a:chOff x="0" y="0"/>
+          <a:chExt cx="0" cy="0"/>
+        </a:xfrm>
+      </p:grpSpPr>
+      <p:sp>
+        <p:nvSpPr>
+          <p:cNvPr id="92" name="Google Shape;92;g921be16503_9_0:notes"/>
+          <p:cNvSpPr>
+            <a:spLocks noGrp="1" noRot="1" noChangeAspect="1"/>
+          </p:cNvSpPr>
+          <p:nvPr>
+            <p:ph type="sldImg" idx="2"/>
+          </p:nvPr>
+        </p:nvSpPr>
+        <p:spPr>
+          <a:xfrm>
+            <a:off x="381000" y="685800"/>
+            <a:ext cx="6096000" cy="3429000"/>
+          </a:xfrm>
+          <a:custGeom>
+            <a:avLst/>
+            <a:gdLst/>
+            <a:ahLst/>
+            <a:cxnLst/>
+            <a:rect l="l" t="t" r="r" b="b"/>
+            <a:pathLst>
+              <a:path w="120000" h="120000" extrusionOk="0">
+                <a:moveTo>
+                  <a:pt x="0" y="0"/>
+                </a:moveTo>
+                <a:lnTo>
+                  <a:pt x="120000" y="0"/>
+                </a:lnTo>
+                <a:lnTo>
+                  <a:pt x="120000" y="120000"/>
+                </a:lnTo>
+                <a:lnTo>
+                  <a:pt x="0" y="120000"/>
+                </a:lnTo>
+                <a:close/>
+              </a:path>
+            </a:pathLst>
+          </a:custGeom>
+        </p:spPr>
+      </p:sp>
+      <p:sp>
+        <p:nvSpPr>
+          <p:cNvPr id="93" name="Google Shape;93;g921be16503_9_0:notes"/>
+          <p:cNvSpPr txBox="1">
+            <a:spLocks noGrp="1"/>
+          </p:cNvSpPr>
+          <p:nvPr>
+            <p:ph type="body" idx="1"/>
+          </p:nvPr>
+        </p:nvSpPr>
+        <p:spPr>
+          <a:xfrm>
+            <a:off x="685800" y="4343400"/>
+            <a:ext cx="5486400" cy="4114800"/>
+          </a:xfrm>
+          <a:prstGeom prst="rect">
+            <a:avLst/>
+          </a:prstGeom>
+        </p:spPr>
+        <p:txBody>
+          <a:bodyPr spcFirstLastPara="1" wrap="square" lIns="91425" tIns="91425" rIns="91425" bIns="91425" anchor="t" anchorCtr="0">
+            <a:noAutofit/>
+          </a:bodyPr>
+          <a:lstStyle/>
+          <a:p>
+            <a:pPr marL="0" marR="0" lvl="0" indent="0" algn="l" defTabSz="609585" rtl="0" eaLnBrk="1" fontAlgn="auto" latinLnBrk="0" hangingPunct="1">
+              <a:lnSpc>
+                <a:spcPct val="100000"/>
+              </a:lnSpc>
+              <a:spcBef>
+                <a:spcPts val="0"/>
+              </a:spcBef>
+              <a:spcAft>
+                <a:spcPts val="0"/>
+              </a:spcAft>
+              <a:buClrTx/>
+              <a:buSzTx/>
+              <a:buFontTx/>
+              <a:buNone/>
+              <a:tabLst/>
+              <a:defRPr/>
+            </a:pPr>
+            <a:endParaRPr lang="en-US" dirty="0"/>
+          </a:p>
+        </p:txBody>
+      </p:sp>
+    </p:spTree>
+    <p:extLst>
+      <p:ext uri="{BB962C8B-B14F-4D97-AF65-F5344CB8AC3E}">
         <p14:creationId xmlns:p14="http://schemas.microsoft.com/office/powerpoint/2010/main" val="2921899275"/>
       </p:ext>
     </p:extLst>
@@ -3825,7 +4269,7 @@
 </p:notes>
 </file>
 
-<file path=ppt/notesSlides/notesSlide34.xml><?xml version="1.0" encoding="utf-8"?>
+<file path=ppt/notesSlides/notesSlide38.xml><?xml version="1.0" encoding="utf-8"?>
 <p:notes xmlns:a="http://schemas.openxmlformats.org/drawingml/2006/main" xmlns:r="http://schemas.openxmlformats.org/officeDocument/2006/relationships" xmlns:p="http://schemas.openxmlformats.org/presentationml/2006/main" showMasterSp="0" showMasterPhAnim="0">
   <p:cSld>
     <p:spTree>
@@ -17413,47 +17857,6 @@
       </p:grpSpPr>
       <p:sp>
         <p:nvSpPr>
-          <p:cNvPr id="95" name="Google Shape;95;p14"/>
-          <p:cNvSpPr txBox="1">
-            <a:spLocks noGrp="1"/>
-          </p:cNvSpPr>
-          <p:nvPr>
-            <p:ph type="title" idx="4294967295"/>
-          </p:nvPr>
-        </p:nvSpPr>
-        <p:spPr>
-          <a:xfrm>
-            <a:off x="717173" y="559537"/>
-            <a:ext cx="10972800" cy="506789"/>
-          </a:xfrm>
-          <a:prstGeom prst="rect">
-            <a:avLst/>
-          </a:prstGeom>
-        </p:spPr>
-        <p:txBody>
-          <a:bodyPr spcFirstLastPara="1" wrap="square" lIns="121900" tIns="121900" rIns="121900" bIns="121900" anchor="ctr" anchorCtr="0">
-            <a:noAutofit/>
-          </a:bodyPr>
-          <a:lstStyle/>
-          <a:p>
-            <a:r>
-              <a:rPr lang="en-US" sz="4000" b="1" dirty="0">
-                <a:solidFill>
-                  <a:srgbClr val="E46102"/>
-                </a:solidFill>
-              </a:rPr>
-              <a:t>Simple Linear Model</a:t>
-            </a:r>
-            <a:endParaRPr sz="4000" b="1" dirty="0">
-              <a:solidFill>
-                <a:srgbClr val="E46102"/>
-              </a:solidFill>
-            </a:endParaRPr>
-          </a:p>
-        </p:txBody>
-      </p:sp>
-      <p:sp>
-        <p:nvSpPr>
           <p:cNvPr id="96" name="Google Shape;96;p14"/>
           <p:cNvSpPr txBox="1"/>
           <p:nvPr/>
@@ -17477,212 +17880,40 @@
           </a:bodyPr>
           <a:lstStyle/>
           <a:p>
-            <a:pPr marL="101598">
+            <a:pPr marL="101598" algn="ctr">
               <a:buSzPct val="100000"/>
             </a:pPr>
-            <a:endParaRPr lang="en-US" sz="2000" dirty="0"/>
-          </a:p>
-          <a:p>
-            <a:pPr marL="609585" indent="-507987">
+            <a:endParaRPr lang="en-US" dirty="0"/>
+          </a:p>
+          <a:p>
+            <a:pPr marL="101598" algn="ctr">
               <a:buSzPct val="100000"/>
-              <a:buChar char="●"/>
-            </a:pPr>
-            <a:r>
-              <a:rPr lang="en-US" sz="2000" dirty="0" err="1"/>
-              <a:t>life_satisfaction</a:t>
-            </a:r>
-            <a:r>
-              <a:rPr lang="en-US" sz="2000" dirty="0"/>
-              <a:t> = </a:t>
-            </a:r>
-            <a:r>
-              <a:rPr lang="en-US" sz="2000" i="1" dirty="0"/>
-              <a:t>θ</a:t>
-            </a:r>
-            <a:r>
-              <a:rPr lang="en-US" sz="2000" i="1" baseline="-25000" dirty="0"/>
-              <a:t>0 + </a:t>
-            </a:r>
-            <a:r>
-              <a:rPr lang="en-US" sz="2000" i="1" dirty="0"/>
-              <a:t>θ</a:t>
-            </a:r>
-            <a:r>
-              <a:rPr lang="en-US" sz="2000" i="1" baseline="-25000" dirty="0"/>
-              <a:t>1</a:t>
-            </a:r>
-            <a:r>
-              <a:rPr lang="en-US" sz="2000" i="1" dirty="0"/>
-              <a:t> x </a:t>
-            </a:r>
-            <a:r>
-              <a:rPr lang="en-US" sz="2000" i="1" dirty="0" err="1"/>
-              <a:t>GDP_per_capita</a:t>
-            </a:r>
-            <a:endParaRPr lang="en-US" sz="2000" i="1" dirty="0"/>
-          </a:p>
-          <a:p>
-            <a:pPr marL="609585" indent="-507987">
+            </a:pPr>
+            <a:endParaRPr lang="en-US" dirty="0"/>
+          </a:p>
+          <a:p>
+            <a:pPr marL="101598" algn="ctr">
               <a:buSzPct val="100000"/>
-              <a:buChar char="●"/>
-            </a:pPr>
-            <a:endParaRPr lang="en-US" sz="2000" dirty="0"/>
-          </a:p>
-          <a:p>
-            <a:pPr marL="609585" indent="-507987">
+            </a:pPr>
+            <a:endParaRPr lang="en-US" dirty="0"/>
+          </a:p>
+          <a:p>
+            <a:pPr marL="101598" algn="ctr">
               <a:buSzPct val="100000"/>
-              <a:buChar char="●"/>
-            </a:pPr>
-            <a:r>
-              <a:rPr lang="en-US" sz="2000" dirty="0"/>
-              <a:t>two model parameters, </a:t>
-            </a:r>
-            <a:r>
-              <a:rPr lang="en-US" sz="2000" i="1" dirty="0"/>
-              <a:t>θ</a:t>
-            </a:r>
-            <a:r>
-              <a:rPr lang="en-US" sz="2000" i="1" baseline="-25000" dirty="0"/>
-              <a:t>0</a:t>
-            </a:r>
-            <a:r>
-              <a:rPr lang="en-US" sz="2000" dirty="0"/>
-              <a:t> and </a:t>
-            </a:r>
-            <a:r>
-              <a:rPr lang="en-US" sz="2000" i="1" dirty="0"/>
-              <a:t>θ</a:t>
-            </a:r>
-            <a:r>
-              <a:rPr lang="en-US" sz="2000" i="1" baseline="-25000" dirty="0"/>
-              <a:t>1</a:t>
-            </a:r>
-            <a:r>
-              <a:rPr lang="en-US" sz="2000" i="1" dirty="0"/>
-              <a:t>; </a:t>
-            </a:r>
-            <a:r>
-              <a:rPr lang="en-US" sz="2000" dirty="0"/>
-              <a:t>tweaking them to make your model represent any linear function.</a:t>
-            </a:r>
-          </a:p>
-          <a:p>
-            <a:pPr marL="609585" indent="-507987">
+            </a:pPr>
+            <a:endParaRPr lang="en-US" dirty="0"/>
+          </a:p>
+          <a:p>
+            <a:pPr marL="101598" algn="ctr">
               <a:buSzPct val="100000"/>
-              <a:buChar char="●"/>
-            </a:pPr>
-            <a:endParaRPr lang="en-US" sz="2000" dirty="0"/>
-          </a:p>
-          <a:p>
-            <a:pPr marL="609585" indent="-507987">
-              <a:buSzPct val="100000"/>
-              <a:buChar char="●"/>
-            </a:pPr>
-            <a:r>
-              <a:rPr lang="en-US" sz="2000" u="sng" dirty="0"/>
-              <a:t>Before</a:t>
-            </a:r>
-            <a:r>
-              <a:rPr lang="en-US" sz="2000" dirty="0"/>
-              <a:t> you use your linear model, you need to define the parameter values of </a:t>
-            </a:r>
-            <a:r>
-              <a:rPr lang="en-US" sz="2000" i="1" dirty="0"/>
-              <a:t>θ</a:t>
-            </a:r>
-            <a:r>
-              <a:rPr lang="en-US" sz="2000" i="1" baseline="-25000" dirty="0"/>
-              <a:t>0</a:t>
-            </a:r>
-            <a:r>
-              <a:rPr lang="en-US" sz="2000" i="1" dirty="0"/>
-              <a:t> </a:t>
-            </a:r>
-            <a:r>
-              <a:rPr lang="en-US" sz="2000" dirty="0"/>
-              <a:t>and</a:t>
-            </a:r>
-            <a:r>
-              <a:rPr lang="en-US" sz="2000" i="1" baseline="-25000" dirty="0"/>
-              <a:t> </a:t>
-            </a:r>
-            <a:r>
-              <a:rPr lang="en-US" sz="2000" i="1" dirty="0"/>
-              <a:t>θ</a:t>
-            </a:r>
-            <a:r>
-              <a:rPr lang="en-US" sz="2000" i="1" baseline="-25000" dirty="0"/>
-              <a:t>1.</a:t>
-            </a:r>
-          </a:p>
-          <a:p>
-            <a:pPr marL="1219170" lvl="1" indent="-507987">
-              <a:buSzPct val="100000"/>
-              <a:buChar char="●"/>
-            </a:pPr>
-            <a:r>
-              <a:rPr lang="en-US" sz="2000" dirty="0"/>
-              <a:t>those that make your model perform best</a:t>
-            </a:r>
-          </a:p>
-        </p:txBody>
-      </p:sp>
-      <p:sp>
-        <p:nvSpPr>
-          <p:cNvPr id="3" name="TextBox 2">
-            <a:extLst>
-              <a:ext uri="{FF2B5EF4-FFF2-40B4-BE49-F238E27FC236}">
-                <a16:creationId xmlns:a16="http://schemas.microsoft.com/office/drawing/2014/main" id="{8336C952-2ED4-4267-88C4-A6FF51E45930}"/>
-              </a:ext>
-            </a:extLst>
-          </p:cNvPr>
-          <p:cNvSpPr txBox="1"/>
-          <p:nvPr/>
-        </p:nvSpPr>
-        <p:spPr>
-          <a:xfrm>
-            <a:off x="1056068" y="4336234"/>
-            <a:ext cx="9882388" cy="1200329"/>
-          </a:xfrm>
-          <a:prstGeom prst="rect">
-            <a:avLst/>
-          </a:prstGeom>
-          <a:noFill/>
-          <a:ln>
-            <a:solidFill>
-              <a:srgbClr val="E46102"/>
-            </a:solidFill>
-          </a:ln>
-        </p:spPr>
-        <p:txBody>
-          <a:bodyPr wrap="square" rtlCol="0">
-            <a:spAutoFit/>
-          </a:bodyPr>
-          <a:lstStyle/>
-          <a:p>
-            <a:pPr algn="ctr"/>
-            <a:r>
-              <a:rPr lang="en-US" b="1" dirty="0"/>
-              <a:t>Utility Function</a:t>
-            </a:r>
-            <a:r>
-              <a:rPr lang="en-US" dirty="0"/>
-              <a:t> – measures how good your model is</a:t>
-            </a:r>
-          </a:p>
-          <a:p>
-            <a:pPr algn="ctr"/>
-            <a:endParaRPr lang="en-US" dirty="0"/>
-          </a:p>
-          <a:p>
-            <a:pPr algn="ctr"/>
-            <a:r>
-              <a:rPr lang="en-US" b="1" dirty="0"/>
-              <a:t>Cost Function</a:t>
-            </a:r>
-            <a:r>
-              <a:rPr lang="en-US" dirty="0"/>
-              <a:t> – measures how bad your model is</a:t>
+            </a:pPr>
+            <a:r>
+              <a:rPr lang="en-US" sz="4800" b="1" dirty="0">
+                <a:solidFill>
+                  <a:srgbClr val="D95E00"/>
+                </a:solidFill>
+              </a:rPr>
+              <a:t>ML Models</a:t>
             </a:r>
           </a:p>
         </p:txBody>
@@ -17697,280 +17928,6 @@
   <p:clrMapOvr>
     <a:masterClrMapping/>
   </p:clrMapOvr>
-  <p:timing>
-    <p:tnLst>
-      <p:par>
-        <p:cTn id="1" dur="indefinite" restart="never" nodeType="tmRoot">
-          <p:childTnLst>
-            <p:seq concurrent="1" nextAc="seek">
-              <p:cTn id="2" dur="indefinite" nodeType="mainSeq">
-                <p:childTnLst>
-                  <p:par>
-                    <p:cTn id="3" fill="hold">
-                      <p:stCondLst>
-                        <p:cond delay="indefinite"/>
-                      </p:stCondLst>
-                      <p:childTnLst>
-                        <p:par>
-                          <p:cTn id="4" fill="hold">
-                            <p:stCondLst>
-                              <p:cond delay="0"/>
-                            </p:stCondLst>
-                            <p:childTnLst>
-                              <p:par>
-                                <p:cTn id="5" presetID="10" presetClass="entr" presetSubtype="0" fill="hold" nodeType="clickEffect">
-                                  <p:stCondLst>
-                                    <p:cond delay="0"/>
-                                  </p:stCondLst>
-                                  <p:childTnLst>
-                                    <p:set>
-                                      <p:cBhvr>
-                                        <p:cTn id="6" dur="1" fill="hold">
-                                          <p:stCondLst>
-                                            <p:cond delay="0"/>
-                                          </p:stCondLst>
-                                        </p:cTn>
-                                        <p:tgtEl>
-                                          <p:spTgt spid="96">
-                                            <p:txEl>
-                                              <p:pRg st="3" end="3"/>
-                                            </p:txEl>
-                                          </p:spTgt>
-                                        </p:tgtEl>
-                                        <p:attrNameLst>
-                                          <p:attrName>style.visibility</p:attrName>
-                                        </p:attrNameLst>
-                                      </p:cBhvr>
-                                      <p:to>
-                                        <p:strVal val="visible"/>
-                                      </p:to>
-                                    </p:set>
-                                    <p:animEffect transition="in" filter="fade">
-                                      <p:cBhvr>
-                                        <p:cTn id="7" dur="1000"/>
-                                        <p:tgtEl>
-                                          <p:spTgt spid="96">
-                                            <p:txEl>
-                                              <p:pRg st="3" end="3"/>
-                                            </p:txEl>
-                                          </p:spTgt>
-                                        </p:tgtEl>
-                                      </p:cBhvr>
-                                    </p:animEffect>
-                                  </p:childTnLst>
-                                </p:cTn>
-                              </p:par>
-                            </p:childTnLst>
-                          </p:cTn>
-                        </p:par>
-                      </p:childTnLst>
-                    </p:cTn>
-                  </p:par>
-                  <p:par>
-                    <p:cTn id="8" fill="hold">
-                      <p:stCondLst>
-                        <p:cond delay="indefinite"/>
-                      </p:stCondLst>
-                      <p:childTnLst>
-                        <p:par>
-                          <p:cTn id="9" fill="hold">
-                            <p:stCondLst>
-                              <p:cond delay="0"/>
-                            </p:stCondLst>
-                            <p:childTnLst>
-                              <p:par>
-                                <p:cTn id="10" presetID="10" presetClass="entr" presetSubtype="0" fill="hold" nodeType="clickEffect">
-                                  <p:stCondLst>
-                                    <p:cond delay="0"/>
-                                  </p:stCondLst>
-                                  <p:childTnLst>
-                                    <p:set>
-                                      <p:cBhvr>
-                                        <p:cTn id="11" dur="1" fill="hold">
-                                          <p:stCondLst>
-                                            <p:cond delay="0"/>
-                                          </p:stCondLst>
-                                        </p:cTn>
-                                        <p:tgtEl>
-                                          <p:spTgt spid="96">
-                                            <p:txEl>
-                                              <p:pRg st="5" end="5"/>
-                                            </p:txEl>
-                                          </p:spTgt>
-                                        </p:tgtEl>
-                                        <p:attrNameLst>
-                                          <p:attrName>style.visibility</p:attrName>
-                                        </p:attrNameLst>
-                                      </p:cBhvr>
-                                      <p:to>
-                                        <p:strVal val="visible"/>
-                                      </p:to>
-                                    </p:set>
-                                    <p:animEffect transition="in" filter="fade">
-                                      <p:cBhvr>
-                                        <p:cTn id="12" dur="1000"/>
-                                        <p:tgtEl>
-                                          <p:spTgt spid="96">
-                                            <p:txEl>
-                                              <p:pRg st="5" end="5"/>
-                                            </p:txEl>
-                                          </p:spTgt>
-                                        </p:tgtEl>
-                                      </p:cBhvr>
-                                    </p:animEffect>
-                                  </p:childTnLst>
-                                </p:cTn>
-                              </p:par>
-                            </p:childTnLst>
-                          </p:cTn>
-                        </p:par>
-                      </p:childTnLst>
-                    </p:cTn>
-                  </p:par>
-                  <p:par>
-                    <p:cTn id="13" fill="hold">
-                      <p:stCondLst>
-                        <p:cond delay="indefinite"/>
-                      </p:stCondLst>
-                      <p:childTnLst>
-                        <p:par>
-                          <p:cTn id="14" fill="hold">
-                            <p:stCondLst>
-                              <p:cond delay="0"/>
-                            </p:stCondLst>
-                            <p:childTnLst>
-                              <p:par>
-                                <p:cTn id="15" presetID="10" presetClass="entr" presetSubtype="0" fill="hold" nodeType="clickEffect">
-                                  <p:stCondLst>
-                                    <p:cond delay="0"/>
-                                  </p:stCondLst>
-                                  <p:childTnLst>
-                                    <p:set>
-                                      <p:cBhvr>
-                                        <p:cTn id="16" dur="1" fill="hold">
-                                          <p:stCondLst>
-                                            <p:cond delay="0"/>
-                                          </p:stCondLst>
-                                        </p:cTn>
-                                        <p:tgtEl>
-                                          <p:spTgt spid="96">
-                                            <p:txEl>
-                                              <p:pRg st="6" end="6"/>
-                                            </p:txEl>
-                                          </p:spTgt>
-                                        </p:tgtEl>
-                                        <p:attrNameLst>
-                                          <p:attrName>style.visibility</p:attrName>
-                                        </p:attrNameLst>
-                                      </p:cBhvr>
-                                      <p:to>
-                                        <p:strVal val="visible"/>
-                                      </p:to>
-                                    </p:set>
-                                    <p:animEffect transition="in" filter="fade">
-                                      <p:cBhvr>
-                                        <p:cTn id="17" dur="1000"/>
-                                        <p:tgtEl>
-                                          <p:spTgt spid="96">
-                                            <p:txEl>
-                                              <p:pRg st="6" end="6"/>
-                                            </p:txEl>
-                                          </p:spTgt>
-                                        </p:tgtEl>
-                                      </p:cBhvr>
-                                    </p:animEffect>
-                                  </p:childTnLst>
-                                </p:cTn>
-                              </p:par>
-                            </p:childTnLst>
-                          </p:cTn>
-                        </p:par>
-                      </p:childTnLst>
-                    </p:cTn>
-                  </p:par>
-                  <p:par>
-                    <p:cTn id="18" fill="hold">
-                      <p:stCondLst>
-                        <p:cond delay="indefinite"/>
-                      </p:stCondLst>
-                      <p:childTnLst>
-                        <p:par>
-                          <p:cTn id="19" fill="hold">
-                            <p:stCondLst>
-                              <p:cond delay="0"/>
-                            </p:stCondLst>
-                            <p:childTnLst>
-                              <p:par>
-                                <p:cTn id="20" presetID="10" presetClass="entr" presetSubtype="0" fill="hold" nodeType="clickEffect">
-                                  <p:stCondLst>
-                                    <p:cond delay="0"/>
-                                  </p:stCondLst>
-                                  <p:childTnLst>
-                                    <p:set>
-                                      <p:cBhvr>
-                                        <p:cTn id="21" dur="1" fill="hold">
-                                          <p:stCondLst>
-                                            <p:cond delay="0"/>
-                                          </p:stCondLst>
-                                        </p:cTn>
-                                        <p:tgtEl>
-                                          <p:spTgt spid="96">
-                                            <p:txEl>
-                                              <p:pRg st="1" end="1"/>
-                                            </p:txEl>
-                                          </p:spTgt>
-                                        </p:tgtEl>
-                                        <p:attrNameLst>
-                                          <p:attrName>style.visibility</p:attrName>
-                                        </p:attrNameLst>
-                                      </p:cBhvr>
-                                      <p:to>
-                                        <p:strVal val="visible"/>
-                                      </p:to>
-                                    </p:set>
-                                    <p:animEffect transition="in" filter="fade">
-                                      <p:cBhvr>
-                                        <p:cTn id="22" dur="1000"/>
-                                        <p:tgtEl>
-                                          <p:spTgt spid="96">
-                                            <p:txEl>
-                                              <p:pRg st="1" end="1"/>
-                                            </p:txEl>
-                                          </p:spTgt>
-                                        </p:tgtEl>
-                                      </p:cBhvr>
-                                    </p:animEffect>
-                                  </p:childTnLst>
-                                </p:cTn>
-                              </p:par>
-                            </p:childTnLst>
-                          </p:cTn>
-                        </p:par>
-                      </p:childTnLst>
-                    </p:cTn>
-                  </p:par>
-                </p:childTnLst>
-              </p:cTn>
-              <p:prevCondLst>
-                <p:cond evt="onPrev" delay="0">
-                  <p:tgtEl>
-                    <p:sldTgt/>
-                  </p:tgtEl>
-                </p:cond>
-              </p:prevCondLst>
-              <p:nextCondLst>
-                <p:cond evt="onNext" delay="0">
-                  <p:tgtEl>
-                    <p:sldTgt/>
-                  </p:tgtEl>
-                </p:cond>
-              </p:nextCondLst>
-            </p:seq>
-          </p:childTnLst>
-        </p:cTn>
-      </p:par>
-    </p:tnLst>
-  </p:timing>
 </p:sld>
 </file>
 
@@ -18022,7 +17979,7 @@
                   <a:srgbClr val="E46102"/>
                 </a:solidFill>
               </a:rPr>
-              <a:t>Linear Regression Model</a:t>
+              <a:t>Naïve Bayes Classifier</a:t>
             </a:r>
             <a:endParaRPr sz="4000" b="1" dirty="0">
               <a:solidFill>
@@ -18040,7 +17997,7 @@
         </p:nvSpPr>
         <p:spPr>
           <a:xfrm>
-            <a:off x="242735" y="851566"/>
+            <a:off x="311422" y="857900"/>
             <a:ext cx="11277600" cy="5042664"/>
           </a:xfrm>
           <a:prstGeom prst="rect">
@@ -18057,137 +18014,148 @@
           </a:bodyPr>
           <a:lstStyle/>
           <a:p>
+            <a:pPr marL="444498" indent="-342900">
+              <a:buSzPct val="100000"/>
+              <a:buFontTx/>
+              <a:buChar char="-"/>
+            </a:pPr>
+            <a:endParaRPr lang="en-US" sz="2800" dirty="0"/>
+          </a:p>
+          <a:p>
+            <a:pPr marL="444498" indent="-342900">
+              <a:buSzPct val="100000"/>
+              <a:buFontTx/>
+              <a:buChar char="-"/>
+            </a:pPr>
+            <a:r>
+              <a:rPr lang="en-US" sz="2800" dirty="0"/>
+              <a:t>Classification Algorithm for binary and multi-class classification problems</a:t>
+            </a:r>
+          </a:p>
+          <a:p>
+            <a:pPr marL="444498" indent="-342900">
+              <a:buSzPct val="100000"/>
+              <a:buFontTx/>
+              <a:buChar char="-"/>
+            </a:pPr>
+            <a:r>
+              <a:rPr lang="en-US" sz="2800" dirty="0"/>
+              <a:t>Called naïve Bayes so that calculation of probabilities for each hypothesis is simplified. </a:t>
+            </a:r>
+          </a:p>
+          <a:p>
+            <a:pPr marL="1054083" lvl="1" indent="-342900">
+              <a:buSzPct val="100000"/>
+              <a:buFontTx/>
+              <a:buChar char="-"/>
+            </a:pPr>
+            <a:r>
+              <a:rPr lang="en-US" sz="2800" dirty="0"/>
+              <a:t>Makes calculation simple.</a:t>
+            </a:r>
+          </a:p>
+          <a:p>
+            <a:pPr marL="444498" indent="-342900">
+              <a:buSzPct val="100000"/>
+              <a:buFontTx/>
+              <a:buChar char="-"/>
+            </a:pPr>
+            <a:endParaRPr lang="en-US" sz="2800" dirty="0"/>
+          </a:p>
+          <a:p>
+            <a:pPr marL="444498" indent="-342900">
+              <a:buSzPct val="100000"/>
+              <a:buFontTx/>
+              <a:buChar char="-"/>
+            </a:pPr>
+            <a:r>
+              <a:rPr lang="en-US" sz="2800" dirty="0"/>
+              <a:t>What is a hypothesis here-?</a:t>
+            </a:r>
+          </a:p>
+          <a:p>
+            <a:pPr marL="444498" indent="-342900">
+              <a:buSzPct val="100000"/>
+              <a:buFontTx/>
+              <a:buChar char="-"/>
+            </a:pPr>
+            <a:r>
+              <a:rPr lang="en-US" sz="2800" dirty="0"/>
+              <a:t>In machine learning/ classification problem</a:t>
+            </a:r>
+          </a:p>
+          <a:p>
+            <a:pPr marL="1054083" lvl="1" indent="-342900">
+              <a:buSzPct val="100000"/>
+              <a:buFontTx/>
+              <a:buChar char="-"/>
+            </a:pPr>
+            <a:r>
+              <a:rPr lang="en-US" sz="2800" dirty="0"/>
+              <a:t>we want to select the best hypothesis (</a:t>
+            </a:r>
+            <a:r>
+              <a:rPr lang="en-US" sz="2800" b="1" dirty="0"/>
+              <a:t>h</a:t>
+            </a:r>
+            <a:r>
+              <a:rPr lang="en-US" sz="2800" dirty="0"/>
+              <a:t>) given data (</a:t>
+            </a:r>
+            <a:r>
+              <a:rPr lang="en-US" sz="2800" b="1" dirty="0"/>
+              <a:t>d</a:t>
+            </a:r>
+            <a:r>
+              <a:rPr lang="en-US" sz="2800" dirty="0"/>
+              <a:t>)</a:t>
+            </a:r>
+          </a:p>
+          <a:p>
+            <a:pPr marL="1054083" lvl="1" indent="-342900">
+              <a:buSzPct val="100000"/>
+              <a:buFontTx/>
+              <a:buChar char="-"/>
+            </a:pPr>
+            <a:r>
+              <a:rPr lang="en-US" sz="2800" dirty="0"/>
+              <a:t>hypothesis (h): class to assign for a new data instance (d)</a:t>
+            </a:r>
+          </a:p>
+          <a:p>
+            <a:br>
+              <a:rPr lang="en-US" sz="2800" dirty="0"/>
+            </a:br>
+            <a:endParaRPr lang="en-US" sz="2800" dirty="0"/>
+          </a:p>
+          <a:p>
+            <a:pPr marL="444498" indent="-342900">
+              <a:buSzPct val="100000"/>
+              <a:buFontTx/>
+              <a:buChar char="-"/>
+            </a:pPr>
+            <a:endParaRPr lang="en-US" sz="2800" dirty="0"/>
+          </a:p>
+          <a:p>
+            <a:pPr marL="444498" indent="-342900">
+              <a:buSzPct val="100000"/>
+              <a:buFontTx/>
+              <a:buChar char="-"/>
+            </a:pPr>
+            <a:endParaRPr lang="en-US" sz="2800" dirty="0"/>
+          </a:p>
+          <a:p>
             <a:pPr marL="101598">
               <a:buSzPct val="100000"/>
             </a:pPr>
-            <a:endParaRPr lang="en-US" sz="2000" dirty="0"/>
-          </a:p>
-          <a:p>
-            <a:pPr marL="609585" indent="-507987">
-              <a:buSzPct val="100000"/>
-              <a:buChar char="●"/>
-            </a:pPr>
-            <a:r>
-              <a:rPr lang="en-US" sz="2000" dirty="0"/>
-              <a:t>Cost Function : measures the distance between the linear model’s predictions and the training examples; the objective is to minimize this distance.</a:t>
-            </a:r>
-          </a:p>
-          <a:p>
-            <a:pPr marL="609585" indent="-507987">
-              <a:buSzPct val="100000"/>
-              <a:buChar char="●"/>
-            </a:pPr>
-            <a:endParaRPr lang="en-US" sz="2000" dirty="0"/>
-          </a:p>
-          <a:p>
-            <a:pPr marL="609585" indent="-507987">
-              <a:buSzPct val="100000"/>
-              <a:buChar char="●"/>
-            </a:pPr>
-            <a:r>
-              <a:rPr lang="en-US" sz="2000" dirty="0"/>
-              <a:t>Model Training: Input your training data to a LR model, and it will find the parameters that make the model fit best to your data.</a:t>
-            </a:r>
-          </a:p>
-          <a:p>
-            <a:pPr marL="609585" indent="-507987">
-              <a:buSzPct val="100000"/>
-              <a:buChar char="●"/>
-            </a:pPr>
-            <a:endParaRPr lang="en-US" sz="2000" dirty="0"/>
-          </a:p>
-          <a:p>
-            <a:pPr marL="609585" indent="-507987">
-              <a:buSzPct val="100000"/>
-              <a:buChar char="●"/>
-            </a:pPr>
-            <a:r>
-              <a:rPr lang="en-US" sz="2000" dirty="0"/>
-              <a:t>In the figure, model fits the training data closely</a:t>
-            </a:r>
-          </a:p>
-          <a:p>
-            <a:pPr marL="101598">
-              <a:buSzPct val="100000"/>
-            </a:pPr>
-            <a:endParaRPr lang="en-US" sz="2000" dirty="0"/>
-          </a:p>
-        </p:txBody>
-      </p:sp>
-      <p:pic>
-        <p:nvPicPr>
-          <p:cNvPr id="2" name="Picture 1">
-            <a:extLst>
-              <a:ext uri="{FF2B5EF4-FFF2-40B4-BE49-F238E27FC236}">
-                <a16:creationId xmlns:a16="http://schemas.microsoft.com/office/drawing/2014/main" id="{BC2C8278-7422-4D2B-9F00-4537AB0686AE}"/>
-              </a:ext>
-            </a:extLst>
-          </p:cNvPr>
-          <p:cNvPicPr>
-            <a:picLocks noChangeAspect="1"/>
-          </p:cNvPicPr>
-          <p:nvPr/>
-        </p:nvPicPr>
-        <p:blipFill>
-          <a:blip r:embed="rId3"/>
-          <a:stretch>
-            <a:fillRect/>
-          </a:stretch>
-        </p:blipFill>
-        <p:spPr>
-          <a:xfrm>
-            <a:off x="7267799" y="2633073"/>
-            <a:ext cx="4195138" cy="2355343"/>
-          </a:xfrm>
-          <a:prstGeom prst="rect">
-            <a:avLst/>
-          </a:prstGeom>
-        </p:spPr>
-      </p:pic>
-      <p:sp>
-        <p:nvSpPr>
-          <p:cNvPr id="4" name="TextBox 3">
-            <a:extLst>
-              <a:ext uri="{FF2B5EF4-FFF2-40B4-BE49-F238E27FC236}">
-                <a16:creationId xmlns:a16="http://schemas.microsoft.com/office/drawing/2014/main" id="{9A8D91BB-55C7-4831-A05A-19338F66FB78}"/>
-              </a:ext>
-            </a:extLst>
-          </p:cNvPr>
-          <p:cNvSpPr txBox="1"/>
-          <p:nvPr/>
-        </p:nvSpPr>
-        <p:spPr>
-          <a:xfrm>
-            <a:off x="7426205" y="4988416"/>
-            <a:ext cx="4065431" cy="307777"/>
-          </a:xfrm>
-          <a:prstGeom prst="rect">
-            <a:avLst/>
-          </a:prstGeom>
-          <a:noFill/>
-        </p:spPr>
-        <p:txBody>
-          <a:bodyPr wrap="square" rtlCol="0">
-            <a:spAutoFit/>
-          </a:bodyPr>
-          <a:lstStyle/>
-          <a:p>
-            <a:pPr algn="ctr"/>
-            <a:r>
-              <a:rPr lang="en-US" sz="1400" i="1" dirty="0">
-                <a:solidFill>
-                  <a:srgbClr val="E46102"/>
-                </a:solidFill>
-              </a:rPr>
-              <a:t>Linear model that fits the training data best</a:t>
-            </a:r>
+            <a:endParaRPr lang="en-US" sz="2800" dirty="0"/>
           </a:p>
         </p:txBody>
       </p:sp>
     </p:spTree>
     <p:extLst>
       <p:ext uri="{BB962C8B-B14F-4D97-AF65-F5344CB8AC3E}">
-        <p14:creationId xmlns:p14="http://schemas.microsoft.com/office/powerpoint/2010/main" val="436401338"/>
+        <p14:creationId xmlns:p14="http://schemas.microsoft.com/office/powerpoint/2010/main" val="343917190"/>
       </p:ext>
     </p:extLst>
   </p:cSld>
@@ -18215,7 +18183,7 @@
                             </p:stCondLst>
                             <p:childTnLst>
                               <p:par>
-                                <p:cTn id="5" presetID="10" presetClass="entr" presetSubtype="0" fill="hold" nodeType="clickEffect">
+                                <p:cTn id="5" presetID="1" presetClass="entr" presetSubtype="0" fill="hold" grpId="0" nodeType="clickEffect">
                                   <p:stCondLst>
                                     <p:cond delay="0"/>
                                   </p:stCondLst>
@@ -18228,11 +18196,7 @@
                                           </p:stCondLst>
                                         </p:cTn>
                                         <p:tgtEl>
-                                          <p:spTgt spid="96">
-                                            <p:txEl>
-                                              <p:pRg st="1" end="1"/>
-                                            </p:txEl>
-                                          </p:spTgt>
+                                          <p:spTgt spid="96"/>
                                         </p:tgtEl>
                                         <p:attrNameLst>
                                           <p:attrName>style.visibility</p:attrName>
@@ -18242,18 +18206,6 @@
                                         <p:strVal val="visible"/>
                                       </p:to>
                                     </p:set>
-                                    <p:animEffect transition="in" filter="fade">
-                                      <p:cBhvr>
-                                        <p:cTn id="7" dur="1000"/>
-                                        <p:tgtEl>
-                                          <p:spTgt spid="96">
-                                            <p:txEl>
-                                              <p:pRg st="1" end="1"/>
-                                            </p:txEl>
-                                          </p:spTgt>
-                                        </p:tgtEl>
-                                      </p:cBhvr>
-                                    </p:animEffect>
                                   </p:childTnLst>
                                 </p:cTn>
                               </p:par>
@@ -18264,26 +18216,57 @@
                     </p:cTn>
                   </p:par>
                   <p:par>
-                    <p:cTn id="8" fill="hold">
+                    <p:cTn id="7" fill="hold">
                       <p:stCondLst>
                         <p:cond delay="indefinite"/>
                       </p:stCondLst>
                       <p:childTnLst>
                         <p:par>
-                          <p:cTn id="9" fill="hold">
+                          <p:cTn id="8" fill="hold">
                             <p:stCondLst>
                               <p:cond delay="0"/>
                             </p:stCondLst>
                             <p:childTnLst>
                               <p:par>
-                                <p:cTn id="10" presetID="10" presetClass="entr" presetSubtype="0" fill="hold" nodeType="clickEffect">
+                                <p:cTn id="9" presetID="1" presetClass="entr" presetSubtype="0" fill="hold" nodeType="clickEffect">
                                   <p:stCondLst>
                                     <p:cond delay="0"/>
                                   </p:stCondLst>
                                   <p:childTnLst>
                                     <p:set>
                                       <p:cBhvr>
-                                        <p:cTn id="11" dur="1" fill="hold">
+                                        <p:cTn id="10" dur="1" fill="hold">
+                                          <p:stCondLst>
+                                            <p:cond delay="0"/>
+                                          </p:stCondLst>
+                                        </p:cTn>
+                                        <p:tgtEl>
+                                          <p:spTgt spid="96">
+                                            <p:txEl>
+                                              <p:pRg st="2" end="2"/>
+                                            </p:txEl>
+                                          </p:spTgt>
+                                        </p:tgtEl>
+                                        <p:attrNameLst>
+                                          <p:attrName>style.visibility</p:attrName>
+                                        </p:attrNameLst>
+                                      </p:cBhvr>
+                                      <p:to>
+                                        <p:strVal val="visible"/>
+                                      </p:to>
+                                    </p:set>
+                                  </p:childTnLst>
+                                </p:cTn>
+                              </p:par>
+                              <p:par>
+                                <p:cTn id="11" presetID="1" presetClass="entr" presetSubtype="0" fill="hold" nodeType="withEffect">
+                                  <p:stCondLst>
+                                    <p:cond delay="0"/>
+                                  </p:stCondLst>
+                                  <p:childTnLst>
+                                    <p:set>
+                                      <p:cBhvr>
+                                        <p:cTn id="12" dur="1" fill="hold">
                                           <p:stCondLst>
                                             <p:cond delay="0"/>
                                           </p:stCondLst>
@@ -18303,18 +18286,6 @@
                                         <p:strVal val="visible"/>
                                       </p:to>
                                     </p:set>
-                                    <p:animEffect transition="in" filter="fade">
-                                      <p:cBhvr>
-                                        <p:cTn id="12" dur="1000"/>
-                                        <p:tgtEl>
-                                          <p:spTgt spid="96">
-                                            <p:txEl>
-                                              <p:pRg st="3" end="3"/>
-                                            </p:txEl>
-                                          </p:spTgt>
-                                        </p:tgtEl>
-                                      </p:cBhvr>
-                                    </p:animEffect>
                                   </p:childTnLst>
                                 </p:cTn>
                               </p:par>
@@ -18337,7 +18308,7 @@
                             </p:stCondLst>
                             <p:childTnLst>
                               <p:par>
-                                <p:cTn id="15" presetID="10" presetClass="entr" presetSubtype="0" fill="hold" nodeType="clickEffect">
+                                <p:cTn id="15" presetID="1" presetClass="entr" presetSubtype="0" fill="hold" nodeType="clickEffect">
                                   <p:stCondLst>
                                     <p:cond delay="0"/>
                                   </p:stCondLst>
@@ -18364,18 +18335,117 @@
                                         <p:strVal val="visible"/>
                                       </p:to>
                                     </p:set>
-                                    <p:animEffect transition="in" filter="fade">
-                                      <p:cBhvr>
-                                        <p:cTn id="17" dur="1000"/>
+                                  </p:childTnLst>
+                                </p:cTn>
+                              </p:par>
+                            </p:childTnLst>
+                          </p:cTn>
+                        </p:par>
+                      </p:childTnLst>
+                    </p:cTn>
+                  </p:par>
+                  <p:par>
+                    <p:cTn id="17" fill="hold">
+                      <p:stCondLst>
+                        <p:cond delay="indefinite"/>
+                      </p:stCondLst>
+                      <p:childTnLst>
+                        <p:par>
+                          <p:cTn id="18" fill="hold">
+                            <p:stCondLst>
+                              <p:cond delay="0"/>
+                            </p:stCondLst>
+                            <p:childTnLst>
+                              <p:par>
+                                <p:cTn id="19" presetID="1" presetClass="entr" presetSubtype="0" fill="hold" nodeType="clickEffect">
+                                  <p:stCondLst>
+                                    <p:cond delay="0"/>
+                                  </p:stCondLst>
+                                  <p:childTnLst>
+                                    <p:set>
+                                      <p:cBhvr>
+                                        <p:cTn id="20" dur="1" fill="hold">
+                                          <p:stCondLst>
+                                            <p:cond delay="0"/>
+                                          </p:stCondLst>
+                                        </p:cTn>
                                         <p:tgtEl>
                                           <p:spTgt spid="96">
                                             <p:txEl>
-                                              <p:pRg st="5" end="5"/>
+                                              <p:pRg st="6" end="6"/>
                                             </p:txEl>
                                           </p:spTgt>
                                         </p:tgtEl>
-                                      </p:cBhvr>
-                                    </p:animEffect>
+                                        <p:attrNameLst>
+                                          <p:attrName>style.visibility</p:attrName>
+                                        </p:attrNameLst>
+                                      </p:cBhvr>
+                                      <p:to>
+                                        <p:strVal val="visible"/>
+                                      </p:to>
+                                    </p:set>
+                                  </p:childTnLst>
+                                </p:cTn>
+                              </p:par>
+                              <p:par>
+                                <p:cTn id="21" presetID="1" presetClass="entr" presetSubtype="0" fill="hold" nodeType="withEffect">
+                                  <p:stCondLst>
+                                    <p:cond delay="0"/>
+                                  </p:stCondLst>
+                                  <p:childTnLst>
+                                    <p:set>
+                                      <p:cBhvr>
+                                        <p:cTn id="22" dur="1" fill="hold">
+                                          <p:stCondLst>
+                                            <p:cond delay="0"/>
+                                          </p:stCondLst>
+                                        </p:cTn>
+                                        <p:tgtEl>
+                                          <p:spTgt spid="96">
+                                            <p:txEl>
+                                              <p:pRg st="7" end="7"/>
+                                            </p:txEl>
+                                          </p:spTgt>
+                                        </p:tgtEl>
+                                        <p:attrNameLst>
+                                          <p:attrName>style.visibility</p:attrName>
+                                        </p:attrNameLst>
+                                      </p:cBhvr>
+                                      <p:to>
+                                        <p:strVal val="visible"/>
+                                      </p:to>
+                                    </p:set>
+                                  </p:childTnLst>
+                                </p:cTn>
+                              </p:par>
+                              <p:par>
+                                <p:cTn id="23" presetID="1" presetClass="entr" presetSubtype="0" fill="hold" nodeType="withEffect">
+                                  <p:stCondLst>
+                                    <p:cond delay="0"/>
+                                  </p:stCondLst>
+                                  <p:childTnLst>
+                                    <p:set>
+                                      <p:cBhvr>
+                                        <p:cTn id="24" dur="1" fill="hold">
+                                          <p:stCondLst>
+                                            <p:cond delay="0"/>
+                                          </p:stCondLst>
+                                        </p:cTn>
+                                        <p:tgtEl>
+                                          <p:spTgt spid="96">
+                                            <p:txEl>
+                                              <p:pRg st="8" end="8"/>
+                                            </p:txEl>
+                                          </p:spTgt>
+                                        </p:tgtEl>
+                                        <p:attrNameLst>
+                                          <p:attrName>style.visibility</p:attrName>
+                                        </p:attrNameLst>
+                                      </p:cBhvr>
+                                      <p:to>
+                                        <p:strVal val="visible"/>
+                                      </p:to>
+                                    </p:set>
                                   </p:childTnLst>
                                 </p:cTn>
                               </p:par>
@@ -18406,6 +18476,9 @@
         </p:cTn>
       </p:par>
     </p:tnLst>
+    <p:bldLst>
+      <p:bldP spid="96" grpId="0"/>
+    </p:bldLst>
   </p:timing>
 </p:sld>
 </file>
@@ -18458,7 +18531,7 @@
                   <a:srgbClr val="E46102"/>
                 </a:solidFill>
               </a:rPr>
-              <a:t>Challenges in ML</a:t>
+              <a:t>Bayes Theorem</a:t>
             </a:r>
             <a:endParaRPr sz="4000" b="1" dirty="0">
               <a:solidFill>
@@ -18476,8 +18549,8 @@
         </p:nvSpPr>
         <p:spPr>
           <a:xfrm>
-            <a:off x="341472" y="1120461"/>
-            <a:ext cx="11348501" cy="5379077"/>
+            <a:off x="311422" y="1338470"/>
+            <a:ext cx="11277600" cy="4517124"/>
           </a:xfrm>
           <a:prstGeom prst="rect">
             <a:avLst/>
@@ -18493,109 +18566,298 @@
           </a:bodyPr>
           <a:lstStyle/>
           <a:p>
-            <a:pPr marL="609585" indent="-507987">
+            <a:pPr marL="444498" indent="-342900">
               <a:buSzPct val="100000"/>
-              <a:buChar char="●"/>
-            </a:pPr>
-            <a:r>
-              <a:rPr lang="en-US" sz="2000" dirty="0"/>
-              <a:t>Insufficient quantity of training data</a:t>
-            </a:r>
+              <a:buFontTx/>
+              <a:buChar char="-"/>
+            </a:pPr>
+            <a:r>
+              <a:rPr lang="en-US" sz="2800" dirty="0"/>
+              <a:t>Naïve bayes classifier are a family of probabilistic classifiers based on applying the </a:t>
+            </a:r>
+            <a:r>
+              <a:rPr lang="en-US" sz="2800" b="1" dirty="0"/>
+              <a:t>Bayes’ theorem </a:t>
+            </a:r>
+            <a:r>
+              <a:rPr lang="en-US" sz="2800" dirty="0"/>
+              <a:t>with </a:t>
+            </a:r>
+            <a:r>
+              <a:rPr lang="en-US" sz="2800" u="sng" dirty="0"/>
+              <a:t>strong (naïve) independence assumptions</a:t>
+            </a:r>
+            <a:r>
+              <a:rPr lang="en-US" sz="2800" dirty="0"/>
+              <a:t> between features</a:t>
+            </a:r>
+          </a:p>
+          <a:p>
+            <a:pPr marL="444498" indent="-342900">
+              <a:buSzPct val="100000"/>
+              <a:buFontTx/>
+              <a:buChar char="-"/>
+            </a:pPr>
+            <a:endParaRPr lang="en-US" sz="2800" dirty="0"/>
+          </a:p>
+          <a:p>
+            <a:pPr marL="444498" indent="-342900">
+              <a:buSzPct val="100000"/>
+              <a:buFontTx/>
+              <a:buChar char="-"/>
+            </a:pPr>
+            <a:endParaRPr lang="en-US" sz="2800" dirty="0"/>
+          </a:p>
+          <a:p>
+            <a:pPr marL="444498" indent="-342900">
+              <a:buSzPct val="100000"/>
+              <a:buFontTx/>
+              <a:buChar char="-"/>
+            </a:pPr>
+            <a:endParaRPr lang="en-US" sz="2800" dirty="0"/>
+          </a:p>
+          <a:p>
+            <a:pPr marL="444498" indent="-342900">
+              <a:buSzPct val="100000"/>
+              <a:buFontTx/>
+              <a:buChar char="-"/>
+            </a:pPr>
+            <a:endParaRPr lang="en-US" sz="2800" dirty="0"/>
+          </a:p>
+          <a:p>
+            <a:pPr marL="444498" indent="-342900">
+              <a:buSzPct val="100000"/>
+              <a:buFontTx/>
+              <a:buChar char="-"/>
+            </a:pPr>
+            <a:endParaRPr lang="en-US" sz="2800" dirty="0"/>
+          </a:p>
+          <a:p>
+            <a:pPr marL="444498" indent="-342900">
+              <a:buSzPct val="100000"/>
+              <a:buFontTx/>
+              <a:buChar char="-"/>
+            </a:pPr>
+            <a:endParaRPr lang="en-US" sz="2800" dirty="0"/>
+          </a:p>
+          <a:p>
+            <a:pPr marL="444498" indent="-342900">
+              <a:buSzPct val="100000"/>
+              <a:buFontTx/>
+              <a:buChar char="-"/>
+            </a:pPr>
+            <a:r>
+              <a:rPr lang="en-US" sz="2800" dirty="0"/>
+              <a:t>Naïve Bayes classifier calculates conditional probability</a:t>
+            </a:r>
+          </a:p>
+          <a:p>
+            <a:pPr marL="444498" indent="-342900">
+              <a:buSzPct val="100000"/>
+              <a:buFontTx/>
+              <a:buChar char="-"/>
+            </a:pPr>
+            <a:endParaRPr lang="en-US" sz="2800" dirty="0"/>
+          </a:p>
+          <a:p>
+            <a:pPr marL="444498" indent="-342900">
+              <a:buSzPct val="100000"/>
+              <a:buFontTx/>
+              <a:buChar char="-"/>
+            </a:pPr>
+            <a:endParaRPr lang="en-US" sz="2800" dirty="0"/>
+          </a:p>
+          <a:p>
+            <a:pPr marL="444498" indent="-342900">
+              <a:buSzPct val="100000"/>
+              <a:buFontTx/>
+              <a:buChar char="-"/>
+            </a:pPr>
+            <a:endParaRPr lang="en-US" sz="2800" dirty="0"/>
+          </a:p>
+          <a:p>
+            <a:pPr marL="444498" indent="-342900">
+              <a:buSzPct val="100000"/>
+              <a:buFontTx/>
+              <a:buChar char="-"/>
+            </a:pPr>
+            <a:endParaRPr lang="en-US" sz="2800" dirty="0"/>
           </a:p>
           <a:p>
             <a:pPr marL="101598">
               <a:buSzPct val="100000"/>
             </a:pPr>
-            <a:endParaRPr lang="en-US" sz="2000" dirty="0"/>
-          </a:p>
-          <a:p>
-            <a:pPr marL="609585" indent="-507987">
-              <a:buSzPct val="100000"/>
-              <a:buChar char="●"/>
-            </a:pPr>
-            <a:r>
-              <a:rPr lang="en-US" sz="2000" dirty="0"/>
-              <a:t>Nonrepresentative Training Data – Can make inaccurate predictions</a:t>
-            </a:r>
-          </a:p>
-          <a:p>
-            <a:pPr marL="1219170" lvl="1" indent="-507987">
-              <a:buSzPct val="100000"/>
-              <a:buChar char="●"/>
-            </a:pPr>
-            <a:r>
-              <a:rPr lang="en-US" sz="2000" dirty="0"/>
-              <a:t>Sampling Noise – sample data too small</a:t>
-            </a:r>
-          </a:p>
-          <a:p>
-            <a:pPr marL="1219170" lvl="1" indent="-507987">
-              <a:buSzPct val="100000"/>
-              <a:buChar char="●"/>
-            </a:pPr>
-            <a:r>
-              <a:rPr lang="en-US" sz="2000" dirty="0"/>
-              <a:t>Sampling Bias – sample data </a:t>
-            </a:r>
-            <a:r>
-              <a:rPr lang="en-US" sz="2000" dirty="0" err="1"/>
-              <a:t>lare</a:t>
-            </a:r>
-            <a:r>
-              <a:rPr lang="en-US" sz="2000" dirty="0"/>
-              <a:t> but non-representative. Due to flawed sampling method</a:t>
-            </a:r>
-          </a:p>
-          <a:p>
-            <a:pPr marL="609585" indent="-507987">
-              <a:buSzPct val="100000"/>
-              <a:buChar char="●"/>
-            </a:pPr>
-            <a:endParaRPr lang="en-US" sz="2000" dirty="0"/>
-          </a:p>
-          <a:p>
-            <a:pPr marL="609585" indent="-507987">
-              <a:buSzPct val="100000"/>
-              <a:buChar char="●"/>
-            </a:pPr>
-            <a:endParaRPr lang="en-US" sz="2000" dirty="0"/>
+            <a:endParaRPr lang="en-US" sz="2800" dirty="0"/>
           </a:p>
         </p:txBody>
       </p:sp>
       <p:pic>
         <p:nvPicPr>
-          <p:cNvPr id="2" name="Picture 1">
+          <p:cNvPr id="1026" name="Picture 2">
             <a:extLst>
               <a:ext uri="{FF2B5EF4-FFF2-40B4-BE49-F238E27FC236}">
-                <a16:creationId xmlns:a16="http://schemas.microsoft.com/office/drawing/2014/main" id="{9043E167-4A66-4DD2-8F90-D5996B7E6155}"/>
+                <a16:creationId xmlns:a16="http://schemas.microsoft.com/office/drawing/2014/main" id="{0FC9EACC-3513-927F-7956-E92D1ADFA532}"/>
               </a:ext>
             </a:extLst>
           </p:cNvPr>
           <p:cNvPicPr>
-            <a:picLocks noChangeAspect="1"/>
+            <a:picLocks noChangeAspect="1" noChangeArrowheads="1"/>
           </p:cNvPicPr>
           <p:nvPr/>
         </p:nvPicPr>
-        <p:blipFill>
-          <a:blip r:embed="rId3"/>
-          <a:stretch>
-            <a:fillRect/>
-          </a:stretch>
+        <p:blipFill rotWithShape="1">
+          <a:blip r:embed="rId3">
+            <a:extLst>
+              <a:ext uri="{28A0092B-C50C-407E-A947-70E740481C1C}">
+                <a14:useLocalDpi xmlns:a14="http://schemas.microsoft.com/office/drawing/2010/main" val="0"/>
+              </a:ext>
+            </a:extLst>
+          </a:blip>
+          <a:srcRect l="4534" t="80485" r="54621" b="2969"/>
+          <a:stretch/>
         </p:blipFill>
-        <p:spPr>
+        <p:spPr bwMode="auto">
           <a:xfrm>
-            <a:off x="4223683" y="3318690"/>
-            <a:ext cx="6841890" cy="2418849"/>
+            <a:off x="717173" y="2910459"/>
+            <a:ext cx="4696128" cy="951222"/>
           </a:xfrm>
           <a:prstGeom prst="rect">
             <a:avLst/>
           </a:prstGeom>
+          <a:noFill/>
+          <a:extLst>
+            <a:ext uri="{909E8E84-426E-40DD-AFC4-6F175D3DCCD1}">
+              <a14:hiddenFill xmlns:a14="http://schemas.microsoft.com/office/drawing/2010/main">
+                <a:solidFill>
+                  <a:srgbClr val="FFFFFF"/>
+                </a:solidFill>
+              </a14:hiddenFill>
+            </a:ext>
+          </a:extLst>
         </p:spPr>
       </p:pic>
+      <p:pic>
+        <p:nvPicPr>
+          <p:cNvPr id="2" name="Picture 2">
+            <a:extLst>
+              <a:ext uri="{FF2B5EF4-FFF2-40B4-BE49-F238E27FC236}">
+                <a16:creationId xmlns:a16="http://schemas.microsoft.com/office/drawing/2014/main" id="{8EEF511D-6FCD-3451-743E-97DDFDD7FF52}"/>
+              </a:ext>
+            </a:extLst>
+          </p:cNvPr>
+          <p:cNvPicPr>
+            <a:picLocks noChangeAspect="1" noChangeArrowheads="1"/>
+          </p:cNvPicPr>
+          <p:nvPr/>
+        </p:nvPicPr>
+        <p:blipFill rotWithShape="1">
+          <a:blip r:embed="rId3">
+            <a:extLst>
+              <a:ext uri="{28A0092B-C50C-407E-A947-70E740481C1C}">
+                <a14:useLocalDpi xmlns:a14="http://schemas.microsoft.com/office/drawing/2010/main" val="0"/>
+              </a:ext>
+            </a:extLst>
+          </a:blip>
+          <a:srcRect l="4385" t="39043" r="47168" b="27267"/>
+          <a:stretch/>
+        </p:blipFill>
+        <p:spPr bwMode="auto">
+          <a:xfrm>
+            <a:off x="1115279" y="4174303"/>
+            <a:ext cx="3324740" cy="1155986"/>
+          </a:xfrm>
+          <a:prstGeom prst="rect">
+            <a:avLst/>
+          </a:prstGeom>
+          <a:noFill/>
+          <a:extLst>
+            <a:ext uri="{909E8E84-426E-40DD-AFC4-6F175D3DCCD1}">
+              <a14:hiddenFill xmlns:a14="http://schemas.microsoft.com/office/drawing/2010/main">
+                <a:solidFill>
+                  <a:srgbClr val="FFFFFF"/>
+                </a:solidFill>
+              </a14:hiddenFill>
+            </a:ext>
+          </a:extLst>
+        </p:spPr>
+      </p:pic>
+      <p:sp>
+        <p:nvSpPr>
+          <p:cNvPr id="4" name="TextBox 3">
+            <a:extLst>
+              <a:ext uri="{FF2B5EF4-FFF2-40B4-BE49-F238E27FC236}">
+                <a16:creationId xmlns:a16="http://schemas.microsoft.com/office/drawing/2014/main" id="{504F4A0D-9E47-8110-3DFE-FCAC1B655E8E}"/>
+              </a:ext>
+            </a:extLst>
+          </p:cNvPr>
+          <p:cNvSpPr txBox="1"/>
+          <p:nvPr/>
+        </p:nvSpPr>
+        <p:spPr>
+          <a:xfrm>
+            <a:off x="311422" y="6298463"/>
+            <a:ext cx="6434775" cy="430887"/>
+          </a:xfrm>
+          <a:prstGeom prst="rect">
+            <a:avLst/>
+          </a:prstGeom>
+          <a:noFill/>
+        </p:spPr>
+        <p:txBody>
+          <a:bodyPr wrap="none" rtlCol="0">
+            <a:spAutoFit/>
+          </a:bodyPr>
+          <a:lstStyle/>
+          <a:p>
+            <a:r>
+              <a:rPr lang="en-US" sz="1100" dirty="0">
+                <a:solidFill>
+                  <a:schemeClr val="bg1">
+                    <a:lumMod val="75000"/>
+                  </a:schemeClr>
+                </a:solidFill>
+              </a:rPr>
+              <a:t>Credit: https://towardsdatascience.com/introduction-to-na%C3%AFve-bayes-classifier-fa59e3e24aaf</a:t>
+            </a:r>
+          </a:p>
+          <a:p>
+            <a:r>
+              <a:rPr lang="en-US" sz="1100" dirty="0">
+                <a:solidFill>
+                  <a:schemeClr val="bg1">
+                    <a:lumMod val="75000"/>
+                  </a:schemeClr>
+                </a:solidFill>
+              </a:rPr>
+              <a:t>https://</a:t>
+            </a:r>
+            <a:r>
+              <a:rPr lang="en-US" sz="1100" dirty="0" err="1">
+                <a:solidFill>
+                  <a:schemeClr val="bg1">
+                    <a:lumMod val="75000"/>
+                  </a:schemeClr>
+                </a:solidFill>
+              </a:rPr>
+              <a:t>thatware.co</a:t>
+            </a:r>
+            <a:r>
+              <a:rPr lang="en-US" sz="1100" dirty="0">
+                <a:solidFill>
+                  <a:schemeClr val="bg1">
+                    <a:lumMod val="75000"/>
+                  </a:schemeClr>
+                </a:solidFill>
+              </a:rPr>
+              <a:t>/naive-bayes/</a:t>
+            </a:r>
+          </a:p>
+        </p:txBody>
+      </p:sp>
     </p:spTree>
     <p:extLst>
       <p:ext uri="{BB962C8B-B14F-4D97-AF65-F5344CB8AC3E}">
-        <p14:creationId xmlns:p14="http://schemas.microsoft.com/office/powerpoint/2010/main" val="4164504015"/>
+        <p14:creationId xmlns:p14="http://schemas.microsoft.com/office/powerpoint/2010/main" val="2990143281"/>
       </p:ext>
     </p:extLst>
   </p:cSld>
@@ -18623,7 +18885,7 @@
                             </p:stCondLst>
                             <p:childTnLst>
                               <p:par>
-                                <p:cTn id="5" presetID="10" presetClass="entr" presetSubtype="0" fill="hold" nodeType="clickEffect">
+                                <p:cTn id="5" presetID="1" presetClass="entr" presetSubtype="0" fill="hold" nodeType="clickEffect">
                                   <p:stCondLst>
                                     <p:cond delay="0"/>
                                   </p:stCondLst>
@@ -18650,18 +18912,6 @@
                                         <p:strVal val="visible"/>
                                       </p:to>
                                     </p:set>
-                                    <p:animEffect transition="in" filter="fade">
-                                      <p:cBhvr>
-                                        <p:cTn id="7" dur="1000"/>
-                                        <p:tgtEl>
-                                          <p:spTgt spid="96">
-                                            <p:txEl>
-                                              <p:pRg st="0" end="0"/>
-                                            </p:txEl>
-                                          </p:spTgt>
-                                        </p:tgtEl>
-                                      </p:cBhvr>
-                                    </p:animEffect>
                                   </p:childTnLst>
                                 </p:cTn>
                               </p:par>
@@ -18672,36 +18922,32 @@
                     </p:cTn>
                   </p:par>
                   <p:par>
-                    <p:cTn id="8" fill="hold">
+                    <p:cTn id="7" fill="hold">
                       <p:stCondLst>
                         <p:cond delay="indefinite"/>
                       </p:stCondLst>
                       <p:childTnLst>
                         <p:par>
-                          <p:cTn id="9" fill="hold">
+                          <p:cTn id="8" fill="hold">
                             <p:stCondLst>
                               <p:cond delay="0"/>
                             </p:stCondLst>
                             <p:childTnLst>
                               <p:par>
-                                <p:cTn id="10" presetID="10" presetClass="entr" presetSubtype="0" fill="hold" nodeType="clickEffect">
+                                <p:cTn id="9" presetID="1" presetClass="entr" presetSubtype="0" fill="hold" nodeType="clickEffect">
                                   <p:stCondLst>
                                     <p:cond delay="0"/>
                                   </p:stCondLst>
                                   <p:childTnLst>
                                     <p:set>
                                       <p:cBhvr>
-                                        <p:cTn id="11" dur="1" fill="hold">
+                                        <p:cTn id="10" dur="1" fill="hold">
                                           <p:stCondLst>
                                             <p:cond delay="0"/>
                                           </p:stCondLst>
                                         </p:cTn>
                                         <p:tgtEl>
-                                          <p:spTgt spid="96">
-                                            <p:txEl>
-                                              <p:pRg st="2" end="2"/>
-                                            </p:txEl>
-                                          </p:spTgt>
+                                          <p:spTgt spid="1026"/>
                                         </p:tgtEl>
                                         <p:attrNameLst>
                                           <p:attrName>style.visibility</p:attrName>
@@ -18711,18 +18957,6 @@
                                         <p:strVal val="visible"/>
                                       </p:to>
                                     </p:set>
-                                    <p:animEffect transition="in" filter="fade">
-                                      <p:cBhvr>
-                                        <p:cTn id="12" dur="1000"/>
-                                        <p:tgtEl>
-                                          <p:spTgt spid="96">
-                                            <p:txEl>
-                                              <p:pRg st="2" end="2"/>
-                                            </p:txEl>
-                                          </p:spTgt>
-                                        </p:tgtEl>
-                                      </p:cBhvr>
-                                    </p:animEffect>
                                   </p:childTnLst>
                                 </p:cTn>
                               </p:par>
@@ -18733,36 +18967,32 @@
                     </p:cTn>
                   </p:par>
                   <p:par>
-                    <p:cTn id="13" fill="hold">
+                    <p:cTn id="11" fill="hold">
                       <p:stCondLst>
                         <p:cond delay="indefinite"/>
                       </p:stCondLst>
                       <p:childTnLst>
                         <p:par>
-                          <p:cTn id="14" fill="hold">
+                          <p:cTn id="12" fill="hold">
                             <p:stCondLst>
                               <p:cond delay="0"/>
                             </p:stCondLst>
                             <p:childTnLst>
                               <p:par>
-                                <p:cTn id="15" presetID="10" presetClass="entr" presetSubtype="0" fill="hold" nodeType="clickEffect">
+                                <p:cTn id="13" presetID="1" presetClass="entr" presetSubtype="0" fill="hold" nodeType="clickEffect">
                                   <p:stCondLst>
                                     <p:cond delay="0"/>
                                   </p:stCondLst>
                                   <p:childTnLst>
                                     <p:set>
                                       <p:cBhvr>
-                                        <p:cTn id="16" dur="1" fill="hold">
+                                        <p:cTn id="14" dur="1" fill="hold">
                                           <p:stCondLst>
                                             <p:cond delay="0"/>
                                           </p:stCondLst>
                                         </p:cTn>
                                         <p:tgtEl>
-                                          <p:spTgt spid="96">
-                                            <p:txEl>
-                                              <p:pRg st="3" end="3"/>
-                                            </p:txEl>
-                                          </p:spTgt>
+                                          <p:spTgt spid="2"/>
                                         </p:tgtEl>
                                         <p:attrNameLst>
                                           <p:attrName>style.visibility</p:attrName>
@@ -18772,18 +19002,6 @@
                                         <p:strVal val="visible"/>
                                       </p:to>
                                     </p:set>
-                                    <p:animEffect transition="in" filter="fade">
-                                      <p:cBhvr>
-                                        <p:cTn id="17" dur="1000"/>
-                                        <p:tgtEl>
-                                          <p:spTgt spid="96">
-                                            <p:txEl>
-                                              <p:pRg st="3" end="3"/>
-                                            </p:txEl>
-                                          </p:spTgt>
-                                        </p:tgtEl>
-                                      </p:cBhvr>
-                                    </p:animEffect>
                                   </p:childTnLst>
                                 </p:cTn>
                               </p:par>
@@ -18794,26 +19012,26 @@
                     </p:cTn>
                   </p:par>
                   <p:par>
-                    <p:cTn id="18" fill="hold">
+                    <p:cTn id="15" fill="hold">
                       <p:stCondLst>
                         <p:cond delay="indefinite"/>
                       </p:stCondLst>
                       <p:childTnLst>
                         <p:par>
-                          <p:cTn id="19" fill="hold">
+                          <p:cTn id="16" fill="hold">
                             <p:stCondLst>
                               <p:cond delay="0"/>
                             </p:stCondLst>
                             <p:childTnLst>
                               <p:par>
-                                <p:cTn id="20" presetID="10" presetClass="entr" presetSubtype="0" fill="hold" nodeType="clickEffect">
+                                <p:cTn id="17" presetID="1" presetClass="entr" presetSubtype="0" fill="hold" grpId="0" nodeType="clickEffect">
                                   <p:stCondLst>
                                     <p:cond delay="0"/>
                                   </p:stCondLst>
                                   <p:childTnLst>
                                     <p:set>
                                       <p:cBhvr>
-                                        <p:cTn id="21" dur="1" fill="hold">
+                                        <p:cTn id="18" dur="1" fill="hold">
                                           <p:stCondLst>
                                             <p:cond delay="0"/>
                                           </p:stCondLst>
@@ -18821,7 +19039,7 @@
                                         <p:tgtEl>
                                           <p:spTgt spid="96">
                                             <p:txEl>
-                                              <p:pRg st="4" end="4"/>
+                                              <p:pRg st="0" end="0"/>
                                             </p:txEl>
                                           </p:spTgt>
                                         </p:tgtEl>
@@ -18833,18 +19051,6 @@
                                         <p:strVal val="visible"/>
                                       </p:to>
                                     </p:set>
-                                    <p:animEffect transition="in" filter="fade">
-                                      <p:cBhvr>
-                                        <p:cTn id="22" dur="1000"/>
-                                        <p:tgtEl>
-                                          <p:spTgt spid="96">
-                                            <p:txEl>
-                                              <p:pRg st="4" end="4"/>
-                                            </p:txEl>
-                                          </p:spTgt>
-                                        </p:tgtEl>
-                                      </p:cBhvr>
-                                    </p:animEffect>
                                   </p:childTnLst>
                                 </p:cTn>
                               </p:par>
@@ -18875,6 +19081,9 @@
         </p:cTn>
       </p:par>
     </p:tnLst>
+    <p:bldLst>
+      <p:bldP spid="96" grpId="0" uiExpand="1" build="allAtOnce"/>
+    </p:bldLst>
   </p:timing>
 </p:sld>
 </file>
@@ -18927,7 +19136,7 @@
                   <a:srgbClr val="E46102"/>
                 </a:solidFill>
               </a:rPr>
-              <a:t>Challenges in ML contd…</a:t>
+              <a:t>Bayes Theorem</a:t>
             </a:r>
             <a:endParaRPr sz="4000" b="1" dirty="0">
               <a:solidFill>
@@ -18945,8 +19154,8 @@
         </p:nvSpPr>
         <p:spPr>
           <a:xfrm>
-            <a:off x="341472" y="1120461"/>
-            <a:ext cx="11348501" cy="5379077"/>
+            <a:off x="311422" y="1338470"/>
+            <a:ext cx="11277600" cy="4517124"/>
           </a:xfrm>
           <a:prstGeom prst="rect">
             <a:avLst/>
@@ -18962,102 +19171,348 @@
           </a:bodyPr>
           <a:lstStyle/>
           <a:p>
-            <a:pPr marL="609585" indent="-507987">
+            <a:pPr marL="444498" indent="-342900">
               <a:buSzPct val="100000"/>
-              <a:buChar char="●"/>
-            </a:pPr>
+              <a:buFontTx/>
+              <a:buChar char="-"/>
+            </a:pPr>
+            <a:r>
+              <a:rPr lang="en-US" sz="2800" dirty="0"/>
+              <a:t>Naïve Bayes classifier calculates conditional probability, </a:t>
+            </a:r>
+            <a:r>
+              <a:rPr lang="en-US" sz="2800" i="1" dirty="0"/>
+              <a:t>p</a:t>
+            </a:r>
+            <a:r>
+              <a:rPr lang="en-US" sz="2800" dirty="0"/>
+              <a:t>	</a:t>
+            </a:r>
+          </a:p>
+          <a:p>
+            <a:pPr marL="711183" lvl="1">
+              <a:buSzPct val="100000"/>
+            </a:pPr>
+            <a:r>
+              <a:rPr lang="en-US" sz="2800" i="1" dirty="0"/>
+              <a:t>			p(C</a:t>
+            </a:r>
+            <a:r>
+              <a:rPr lang="en-US" sz="2800" i="1" baseline="-25000" dirty="0"/>
+              <a:t>k </a:t>
+            </a:r>
+            <a:r>
+              <a:rPr lang="en-US" sz="2800" i="1" dirty="0"/>
+              <a:t>|x</a:t>
+            </a:r>
+            <a:r>
+              <a:rPr lang="en-US" sz="2800" i="1" baseline="-25000" dirty="0"/>
+              <a:t>1</a:t>
+            </a:r>
+            <a:r>
+              <a:rPr lang="en-US" sz="2800" i="1" dirty="0"/>
+              <a:t>,x</a:t>
+            </a:r>
+            <a:r>
+              <a:rPr lang="en-US" sz="2800" i="1" baseline="-25000" dirty="0"/>
+              <a:t>2 ,…,</a:t>
+            </a:r>
+            <a:r>
+              <a:rPr lang="en-US" sz="2800" i="1" dirty="0" err="1"/>
+              <a:t>x</a:t>
+            </a:r>
+            <a:r>
+              <a:rPr lang="en-US" sz="2800" i="1" baseline="-25000" dirty="0" err="1"/>
+              <a:t>n</a:t>
+            </a:r>
+            <a:r>
+              <a:rPr lang="en-US" sz="2800" i="1" dirty="0"/>
+              <a:t>)</a:t>
+            </a:r>
+            <a:endParaRPr lang="en-US" sz="2800" dirty="0"/>
+          </a:p>
+          <a:p>
+            <a:r>
+              <a:rPr lang="en-US" dirty="0"/>
+              <a:t>	for each of </a:t>
+            </a:r>
+            <a:r>
+              <a:rPr lang="en-US" i="1" dirty="0"/>
+              <a:t>k</a:t>
+            </a:r>
+            <a:r>
+              <a:rPr lang="en-US" dirty="0"/>
+              <a:t> possible outcomes or classes </a:t>
+            </a:r>
+            <a:r>
+              <a:rPr lang="en-US" i="1" dirty="0"/>
+              <a:t>C</a:t>
+            </a:r>
+            <a:r>
+              <a:rPr lang="en-US" i="1" baseline="-25000" dirty="0"/>
+              <a:t>k</a:t>
+            </a:r>
+            <a:r>
+              <a:rPr lang="en-US" i="1" dirty="0"/>
+              <a:t>.</a:t>
+            </a:r>
+          </a:p>
+          <a:p>
+            <a:endParaRPr lang="en-US" i="1" dirty="0"/>
+          </a:p>
+          <a:p>
             <a:r>
               <a:rPr lang="en-US" sz="2000" dirty="0"/>
-              <a:t>Poor Quality Data</a:t>
-            </a:r>
+              <a:t>Example: We have a bunch of emails and we want to determine which one is ham and which one is spam.</a:t>
+            </a:r>
+          </a:p>
+          <a:p>
+            <a:r>
+              <a:rPr lang="en-US" sz="2000" dirty="0"/>
+              <a:t>2 classes : spam and ham</a:t>
+            </a:r>
+          </a:p>
+          <a:p>
+            <a:r>
+              <a:rPr lang="en-US" sz="2000" dirty="0"/>
+              <a:t>Using the frequency of words occurring in both classes-</a:t>
+            </a:r>
+          </a:p>
+          <a:p>
+            <a:r>
+              <a:rPr lang="en-US" sz="2000" dirty="0"/>
+              <a:t>Probability of word “money” occurring in the class </a:t>
+            </a:r>
+            <a:r>
+              <a:rPr lang="en-US" sz="2000" u="sng" dirty="0"/>
+              <a:t>spam</a:t>
+            </a:r>
+            <a:r>
+              <a:rPr lang="en-US" sz="2000" dirty="0"/>
+              <a:t> is 1/8. </a:t>
+            </a:r>
+            <a:r>
+              <a:rPr lang="en-US" sz="2000" dirty="0">
+                <a:solidFill>
+                  <a:srgbClr val="D95E00"/>
+                </a:solidFill>
+              </a:rPr>
+              <a:t>p(</a:t>
+            </a:r>
+            <a:r>
+              <a:rPr lang="en-US" sz="2000" dirty="0" err="1">
+                <a:solidFill>
+                  <a:srgbClr val="D95E00"/>
+                </a:solidFill>
+              </a:rPr>
+              <a:t>money|spam</a:t>
+            </a:r>
+            <a:r>
+              <a:rPr lang="en-US" sz="2000" dirty="0">
+                <a:solidFill>
+                  <a:srgbClr val="D95E00"/>
+                </a:solidFill>
+              </a:rPr>
+              <a:t>) = 1/8</a:t>
+            </a:r>
+          </a:p>
+          <a:p>
+            <a:r>
+              <a:rPr lang="en-US" sz="2000" dirty="0"/>
+              <a:t>Probability of word “dear” occurring in the class </a:t>
+            </a:r>
+            <a:r>
+              <a:rPr lang="en-US" sz="2000" u="sng" dirty="0"/>
+              <a:t>ham</a:t>
+            </a:r>
+            <a:r>
+              <a:rPr lang="en-US" sz="2000" dirty="0"/>
+              <a:t> is 1/10. </a:t>
+            </a:r>
+            <a:r>
+              <a:rPr lang="en-US" sz="2000" dirty="0">
+                <a:solidFill>
+                  <a:srgbClr val="D95E00"/>
+                </a:solidFill>
+              </a:rPr>
+              <a:t>p(</a:t>
+            </a:r>
+            <a:r>
+              <a:rPr lang="en-US" sz="2000" dirty="0" err="1">
+                <a:solidFill>
+                  <a:srgbClr val="D95E00"/>
+                </a:solidFill>
+              </a:rPr>
+              <a:t>dear|ham</a:t>
+            </a:r>
+            <a:r>
+              <a:rPr lang="en-US" sz="2000" dirty="0">
+                <a:solidFill>
+                  <a:srgbClr val="D95E00"/>
+                </a:solidFill>
+              </a:rPr>
+              <a:t>) = 1/10</a:t>
+            </a:r>
+            <a:endParaRPr lang="en-US" sz="2000" dirty="0"/>
+          </a:p>
+          <a:p>
+            <a:r>
+              <a:rPr lang="en-US" sz="2000" dirty="0"/>
+              <a:t>Probability of word “send” occurring in the class </a:t>
+            </a:r>
+            <a:r>
+              <a:rPr lang="en-US" sz="2000" u="sng" dirty="0"/>
+              <a:t>spam</a:t>
+            </a:r>
+            <a:r>
+              <a:rPr lang="en-US" sz="2000" dirty="0"/>
+              <a:t> is 1/15. </a:t>
+            </a:r>
+            <a:r>
+              <a:rPr lang="en-US" sz="2000" dirty="0">
+                <a:solidFill>
+                  <a:srgbClr val="D95E00"/>
+                </a:solidFill>
+              </a:rPr>
+              <a:t>p(</a:t>
+            </a:r>
+            <a:r>
+              <a:rPr lang="en-US" sz="2000" dirty="0" err="1">
+                <a:solidFill>
+                  <a:srgbClr val="D95E00"/>
+                </a:solidFill>
+              </a:rPr>
+              <a:t>send|spam</a:t>
+            </a:r>
+            <a:r>
+              <a:rPr lang="en-US" sz="2000" dirty="0">
+                <a:solidFill>
+                  <a:srgbClr val="D95E00"/>
+                </a:solidFill>
+              </a:rPr>
+              <a:t>) = 1/15</a:t>
+            </a:r>
+            <a:endParaRPr lang="en-US" sz="2000" dirty="0"/>
+          </a:p>
+          <a:p>
+            <a:r>
+              <a:rPr lang="en-US" sz="2000" dirty="0"/>
+              <a:t>….and so on</a:t>
+            </a:r>
+          </a:p>
+          <a:p>
+            <a:r>
+              <a:rPr lang="en-US" sz="2000" dirty="0"/>
+              <a:t>These are probabilities of </a:t>
+            </a:r>
+            <a:r>
+              <a:rPr lang="en-US" sz="2000" u="sng" dirty="0"/>
+              <a:t>discrete, individual words</a:t>
+            </a:r>
+            <a:r>
+              <a:rPr lang="en-US" sz="2000" dirty="0"/>
+              <a:t> -&gt; </a:t>
+            </a:r>
+            <a:r>
+              <a:rPr lang="en-US" sz="2000"/>
+              <a:t>independent features</a:t>
+            </a:r>
+            <a:endParaRPr lang="en-US" sz="2000" dirty="0"/>
+          </a:p>
+          <a:p>
+            <a:endParaRPr lang="en-US" sz="2000" dirty="0"/>
+          </a:p>
+          <a:p>
+            <a:br>
+              <a:rPr lang="en-US" sz="2800" dirty="0"/>
+            </a:br>
+            <a:endParaRPr lang="en-US" sz="2800" dirty="0"/>
           </a:p>
           <a:p>
             <a:pPr marL="101598">
               <a:buSzPct val="100000"/>
             </a:pPr>
-            <a:endParaRPr lang="en-US" sz="2000" dirty="0"/>
-          </a:p>
-          <a:p>
-            <a:pPr marL="609585" indent="-507987">
-              <a:buSzPct val="100000"/>
-              <a:buChar char="●"/>
-            </a:pPr>
-            <a:r>
-              <a:rPr lang="en-US" sz="2000" dirty="0"/>
-              <a:t>Irrelevant Features</a:t>
-            </a:r>
-          </a:p>
-          <a:p>
-            <a:pPr marL="609585" indent="-507987">
-              <a:buSzPct val="100000"/>
-              <a:buChar char="●"/>
-            </a:pPr>
-            <a:endParaRPr lang="en-US" sz="2000" dirty="0"/>
-          </a:p>
-          <a:p>
-            <a:pPr marL="609585" indent="-507987">
-              <a:buSzPct val="100000"/>
-              <a:buChar char="●"/>
-            </a:pPr>
-            <a:r>
-              <a:rPr lang="en-US" sz="2000" dirty="0"/>
-              <a:t>Overfitting Training Data</a:t>
-            </a:r>
-          </a:p>
-          <a:p>
-            <a:pPr marL="609585" indent="-507987">
-              <a:buSzPct val="100000"/>
-              <a:buChar char="●"/>
-            </a:pPr>
-            <a:endParaRPr lang="en-US" sz="2000" dirty="0"/>
-          </a:p>
-          <a:p>
-            <a:pPr marL="609585" indent="-507987">
-              <a:buSzPct val="100000"/>
-              <a:buChar char="●"/>
-            </a:pPr>
-            <a:r>
-              <a:rPr lang="en-US" sz="2000" dirty="0"/>
-              <a:t>Underfitting Training data</a:t>
-            </a:r>
-          </a:p>
-          <a:p>
-            <a:pPr marL="609585" indent="-507987">
-              <a:buSzPct val="100000"/>
-              <a:buChar char="●"/>
-            </a:pPr>
-            <a:endParaRPr lang="en-US" sz="2000" dirty="0"/>
-          </a:p>
-          <a:p>
-            <a:pPr marL="609585" indent="-507987">
-              <a:buSzPct val="100000"/>
-              <a:buChar char="●"/>
-            </a:pPr>
-            <a:r>
-              <a:rPr lang="en-US" sz="2000" dirty="0"/>
-              <a:t>Data Mismatch</a:t>
-            </a:r>
-          </a:p>
-          <a:p>
-            <a:pPr marL="609585" indent="-507987">
-              <a:buSzPct val="100000"/>
-              <a:buChar char="●"/>
-            </a:pPr>
-            <a:endParaRPr lang="en-US" sz="2000" dirty="0"/>
-          </a:p>
-          <a:p>
-            <a:pPr marL="609585" indent="-507987">
-              <a:buSzPct val="100000"/>
-              <a:buChar char="●"/>
-            </a:pPr>
-            <a:endParaRPr lang="en-US" sz="2000" dirty="0"/>
+            <a:endParaRPr lang="en-US" sz="2800" dirty="0"/>
+          </a:p>
+        </p:txBody>
+      </p:sp>
+      <p:sp>
+        <p:nvSpPr>
+          <p:cNvPr id="4" name="TextBox 3">
+            <a:extLst>
+              <a:ext uri="{FF2B5EF4-FFF2-40B4-BE49-F238E27FC236}">
+                <a16:creationId xmlns:a16="http://schemas.microsoft.com/office/drawing/2014/main" id="{504F4A0D-9E47-8110-3DFE-FCAC1B655E8E}"/>
+              </a:ext>
+            </a:extLst>
+          </p:cNvPr>
+          <p:cNvSpPr txBox="1"/>
+          <p:nvPr/>
+        </p:nvSpPr>
+        <p:spPr>
+          <a:xfrm>
+            <a:off x="311422" y="6298463"/>
+            <a:ext cx="6434775" cy="430887"/>
+          </a:xfrm>
+          <a:prstGeom prst="rect">
+            <a:avLst/>
+          </a:prstGeom>
+          <a:noFill/>
+        </p:spPr>
+        <p:txBody>
+          <a:bodyPr wrap="none" rtlCol="0">
+            <a:spAutoFit/>
+          </a:bodyPr>
+          <a:lstStyle/>
+          <a:p>
+            <a:r>
+              <a:rPr lang="en-US" sz="1100" dirty="0">
+                <a:solidFill>
+                  <a:schemeClr val="bg1">
+                    <a:lumMod val="75000"/>
+                  </a:schemeClr>
+                </a:solidFill>
+              </a:rPr>
+              <a:t>Credit: https://towardsdatascience.com/introduction-to-na%C3%AFve-bayes-classifier-fa59e3e24aaf</a:t>
+            </a:r>
+          </a:p>
+          <a:p>
+            <a:r>
+              <a:rPr lang="en-US" sz="1100" dirty="0">
+                <a:solidFill>
+                  <a:schemeClr val="bg1">
+                    <a:lumMod val="75000"/>
+                  </a:schemeClr>
+                </a:solidFill>
+              </a:rPr>
+              <a:t>https://</a:t>
+            </a:r>
+            <a:r>
+              <a:rPr lang="en-US" sz="1100" dirty="0" err="1">
+                <a:solidFill>
+                  <a:schemeClr val="bg1">
+                    <a:lumMod val="75000"/>
+                  </a:schemeClr>
+                </a:solidFill>
+              </a:rPr>
+              <a:t>thatware.co</a:t>
+            </a:r>
+            <a:r>
+              <a:rPr lang="en-US" sz="1100" dirty="0">
+                <a:solidFill>
+                  <a:schemeClr val="bg1">
+                    <a:lumMod val="75000"/>
+                  </a:schemeClr>
+                </a:solidFill>
+              </a:rPr>
+              <a:t>/naive-bayes/</a:t>
+            </a:r>
           </a:p>
         </p:txBody>
       </p:sp>
     </p:spTree>
     <p:extLst>
       <p:ext uri="{BB962C8B-B14F-4D97-AF65-F5344CB8AC3E}">
-        <p14:creationId xmlns:p14="http://schemas.microsoft.com/office/powerpoint/2010/main" val="1477134502"/>
+        <p14:creationId xmlns:p14="http://schemas.microsoft.com/office/powerpoint/2010/main" val="2590401296"/>
       </p:ext>
     </p:extLst>
   </p:cSld>
@@ -19085,7 +19540,7 @@
                             </p:stCondLst>
                             <p:childTnLst>
                               <p:par>
-                                <p:cTn id="5" presetID="10" presetClass="entr" presetSubtype="0" fill="hold" nodeType="clickEffect">
+                                <p:cTn id="5" presetID="1" presetClass="entr" presetSubtype="0" fill="hold" nodeType="clickEffect">
                                   <p:stCondLst>
                                     <p:cond delay="0"/>
                                   </p:stCondLst>
@@ -19112,18 +19567,6 @@
                                         <p:strVal val="visible"/>
                                       </p:to>
                                     </p:set>
-                                    <p:animEffect transition="in" filter="fade">
-                                      <p:cBhvr>
-                                        <p:cTn id="7" dur="1000"/>
-                                        <p:tgtEl>
-                                          <p:spTgt spid="96">
-                                            <p:txEl>
-                                              <p:pRg st="0" end="0"/>
-                                            </p:txEl>
-                                          </p:spTgt>
-                                        </p:tgtEl>
-                                      </p:cBhvr>
-                                    </p:animEffect>
                                   </p:childTnLst>
                                 </p:cTn>
                               </p:par>
@@ -19134,26 +19577,26 @@
                     </p:cTn>
                   </p:par>
                   <p:par>
-                    <p:cTn id="8" fill="hold">
+                    <p:cTn id="7" fill="hold">
                       <p:stCondLst>
                         <p:cond delay="indefinite"/>
                       </p:stCondLst>
                       <p:childTnLst>
                         <p:par>
-                          <p:cTn id="9" fill="hold">
+                          <p:cTn id="8" fill="hold">
                             <p:stCondLst>
                               <p:cond delay="0"/>
                             </p:stCondLst>
                             <p:childTnLst>
                               <p:par>
-                                <p:cTn id="10" presetID="10" presetClass="entr" presetSubtype="0" fill="hold" nodeType="clickEffect">
+                                <p:cTn id="9" presetID="1" presetClass="entr" presetSubtype="0" fill="hold" nodeType="clickEffect">
                                   <p:stCondLst>
                                     <p:cond delay="0"/>
                                   </p:stCondLst>
                                   <p:childTnLst>
                                     <p:set>
                                       <p:cBhvr>
-                                        <p:cTn id="11" dur="1" fill="hold">
+                                        <p:cTn id="10" dur="1" fill="hold">
                                           <p:stCondLst>
                                             <p:cond delay="0"/>
                                           </p:stCondLst>
@@ -19161,7 +19604,7 @@
                                         <p:tgtEl>
                                           <p:spTgt spid="96">
                                             <p:txEl>
-                                              <p:pRg st="2" end="2"/>
+                                              <p:pRg st="1" end="1"/>
                                             </p:txEl>
                                           </p:spTgt>
                                         </p:tgtEl>
@@ -19173,201 +19616,6 @@
                                         <p:strVal val="visible"/>
                                       </p:to>
                                     </p:set>
-                                    <p:animEffect transition="in" filter="fade">
-                                      <p:cBhvr>
-                                        <p:cTn id="12" dur="1000"/>
-                                        <p:tgtEl>
-                                          <p:spTgt spid="96">
-                                            <p:txEl>
-                                              <p:pRg st="2" end="2"/>
-                                            </p:txEl>
-                                          </p:spTgt>
-                                        </p:tgtEl>
-                                      </p:cBhvr>
-                                    </p:animEffect>
-                                  </p:childTnLst>
-                                </p:cTn>
-                              </p:par>
-                            </p:childTnLst>
-                          </p:cTn>
-                        </p:par>
-                      </p:childTnLst>
-                    </p:cTn>
-                  </p:par>
-                  <p:par>
-                    <p:cTn id="13" fill="hold">
-                      <p:stCondLst>
-                        <p:cond delay="indefinite"/>
-                      </p:stCondLst>
-                      <p:childTnLst>
-                        <p:par>
-                          <p:cTn id="14" fill="hold">
-                            <p:stCondLst>
-                              <p:cond delay="0"/>
-                            </p:stCondLst>
-                            <p:childTnLst>
-                              <p:par>
-                                <p:cTn id="15" presetID="10" presetClass="entr" presetSubtype="0" fill="hold" nodeType="clickEffect">
-                                  <p:stCondLst>
-                                    <p:cond delay="0"/>
-                                  </p:stCondLst>
-                                  <p:childTnLst>
-                                    <p:set>
-                                      <p:cBhvr>
-                                        <p:cTn id="16" dur="1" fill="hold">
-                                          <p:stCondLst>
-                                            <p:cond delay="0"/>
-                                          </p:stCondLst>
-                                        </p:cTn>
-                                        <p:tgtEl>
-                                          <p:spTgt spid="96">
-                                            <p:txEl>
-                                              <p:pRg st="4" end="4"/>
-                                            </p:txEl>
-                                          </p:spTgt>
-                                        </p:tgtEl>
-                                        <p:attrNameLst>
-                                          <p:attrName>style.visibility</p:attrName>
-                                        </p:attrNameLst>
-                                      </p:cBhvr>
-                                      <p:to>
-                                        <p:strVal val="visible"/>
-                                      </p:to>
-                                    </p:set>
-                                    <p:animEffect transition="in" filter="fade">
-                                      <p:cBhvr>
-                                        <p:cTn id="17" dur="1000"/>
-                                        <p:tgtEl>
-                                          <p:spTgt spid="96">
-                                            <p:txEl>
-                                              <p:pRg st="4" end="4"/>
-                                            </p:txEl>
-                                          </p:spTgt>
-                                        </p:tgtEl>
-                                      </p:cBhvr>
-                                    </p:animEffect>
-                                  </p:childTnLst>
-                                </p:cTn>
-                              </p:par>
-                            </p:childTnLst>
-                          </p:cTn>
-                        </p:par>
-                      </p:childTnLst>
-                    </p:cTn>
-                  </p:par>
-                  <p:par>
-                    <p:cTn id="18" fill="hold">
-                      <p:stCondLst>
-                        <p:cond delay="indefinite"/>
-                      </p:stCondLst>
-                      <p:childTnLst>
-                        <p:par>
-                          <p:cTn id="19" fill="hold">
-                            <p:stCondLst>
-                              <p:cond delay="0"/>
-                            </p:stCondLst>
-                            <p:childTnLst>
-                              <p:par>
-                                <p:cTn id="20" presetID="10" presetClass="entr" presetSubtype="0" fill="hold" nodeType="clickEffect">
-                                  <p:stCondLst>
-                                    <p:cond delay="0"/>
-                                  </p:stCondLst>
-                                  <p:childTnLst>
-                                    <p:set>
-                                      <p:cBhvr>
-                                        <p:cTn id="21" dur="1" fill="hold">
-                                          <p:stCondLst>
-                                            <p:cond delay="0"/>
-                                          </p:stCondLst>
-                                        </p:cTn>
-                                        <p:tgtEl>
-                                          <p:spTgt spid="96">
-                                            <p:txEl>
-                                              <p:pRg st="6" end="6"/>
-                                            </p:txEl>
-                                          </p:spTgt>
-                                        </p:tgtEl>
-                                        <p:attrNameLst>
-                                          <p:attrName>style.visibility</p:attrName>
-                                        </p:attrNameLst>
-                                      </p:cBhvr>
-                                      <p:to>
-                                        <p:strVal val="visible"/>
-                                      </p:to>
-                                    </p:set>
-                                    <p:animEffect transition="in" filter="fade">
-                                      <p:cBhvr>
-                                        <p:cTn id="22" dur="1000"/>
-                                        <p:tgtEl>
-                                          <p:spTgt spid="96">
-                                            <p:txEl>
-                                              <p:pRg st="6" end="6"/>
-                                            </p:txEl>
-                                          </p:spTgt>
-                                        </p:tgtEl>
-                                      </p:cBhvr>
-                                    </p:animEffect>
-                                  </p:childTnLst>
-                                </p:cTn>
-                              </p:par>
-                            </p:childTnLst>
-                          </p:cTn>
-                        </p:par>
-                      </p:childTnLst>
-                    </p:cTn>
-                  </p:par>
-                  <p:par>
-                    <p:cTn id="23" fill="hold">
-                      <p:stCondLst>
-                        <p:cond delay="indefinite"/>
-                      </p:stCondLst>
-                      <p:childTnLst>
-                        <p:par>
-                          <p:cTn id="24" fill="hold">
-                            <p:stCondLst>
-                              <p:cond delay="0"/>
-                            </p:stCondLst>
-                            <p:childTnLst>
-                              <p:par>
-                                <p:cTn id="25" presetID="10" presetClass="entr" presetSubtype="0" fill="hold" nodeType="clickEffect">
-                                  <p:stCondLst>
-                                    <p:cond delay="0"/>
-                                  </p:stCondLst>
-                                  <p:childTnLst>
-                                    <p:set>
-                                      <p:cBhvr>
-                                        <p:cTn id="26" dur="1" fill="hold">
-                                          <p:stCondLst>
-                                            <p:cond delay="0"/>
-                                          </p:stCondLst>
-                                        </p:cTn>
-                                        <p:tgtEl>
-                                          <p:spTgt spid="96">
-                                            <p:txEl>
-                                              <p:pRg st="8" end="8"/>
-                                            </p:txEl>
-                                          </p:spTgt>
-                                        </p:tgtEl>
-                                        <p:attrNameLst>
-                                          <p:attrName>style.visibility</p:attrName>
-                                        </p:attrNameLst>
-                                      </p:cBhvr>
-                                      <p:to>
-                                        <p:strVal val="visible"/>
-                                      </p:to>
-                                    </p:set>
-                                    <p:animEffect transition="in" filter="fade">
-                                      <p:cBhvr>
-                                        <p:cTn id="27" dur="1000"/>
-                                        <p:tgtEl>
-                                          <p:spTgt spid="96">
-                                            <p:txEl>
-                                              <p:pRg st="8" end="8"/>
-                                            </p:txEl>
-                                          </p:spTgt>
-                                        </p:tgtEl>
-                                      </p:cBhvr>
-                                    </p:animEffect>
                                   </p:childTnLst>
                                 </p:cTn>
                               </p:par>
@@ -19450,7 +19698,7 @@
                   <a:srgbClr val="E46102"/>
                 </a:solidFill>
               </a:rPr>
-              <a:t>Testing and Validating</a:t>
+              <a:t>Simple Linear Model</a:t>
             </a:r>
             <a:endParaRPr sz="4000" b="1" dirty="0">
               <a:solidFill>
@@ -19468,8 +19716,8 @@
         </p:nvSpPr>
         <p:spPr>
           <a:xfrm>
-            <a:off x="341472" y="1120461"/>
-            <a:ext cx="11348501" cy="5379077"/>
+            <a:off x="311422" y="812930"/>
+            <a:ext cx="11277600" cy="5042664"/>
           </a:xfrm>
           <a:prstGeom prst="rect">
             <a:avLst/>
@@ -19485,14 +19733,49 @@
           </a:bodyPr>
           <a:lstStyle/>
           <a:p>
+            <a:pPr marL="101598">
+              <a:buSzPct val="100000"/>
+            </a:pPr>
+            <a:endParaRPr lang="en-US" sz="2000" dirty="0"/>
+          </a:p>
+          <a:p>
             <a:pPr marL="609585" indent="-507987">
               <a:buSzPct val="100000"/>
               <a:buChar char="●"/>
             </a:pPr>
             <a:r>
+              <a:rPr lang="en-US" sz="2000" dirty="0" err="1"/>
+              <a:t>life_satisfaction</a:t>
+            </a:r>
+            <a:r>
               <a:rPr lang="en-US" sz="2000" dirty="0"/>
-              <a:t>Only way to know how well a model will generalize</a:t>
-            </a:r>
+              <a:t> = </a:t>
+            </a:r>
+            <a:r>
+              <a:rPr lang="en-US" sz="2000" i="1" dirty="0"/>
+              <a:t>θ</a:t>
+            </a:r>
+            <a:r>
+              <a:rPr lang="en-US" sz="2000" i="1" baseline="-25000" dirty="0"/>
+              <a:t>0 + </a:t>
+            </a:r>
+            <a:r>
+              <a:rPr lang="en-US" sz="2000" i="1" dirty="0"/>
+              <a:t>θ</a:t>
+            </a:r>
+            <a:r>
+              <a:rPr lang="en-US" sz="2000" i="1" baseline="-25000" dirty="0"/>
+              <a:t>1</a:t>
+            </a:r>
+            <a:r>
+              <a:rPr lang="en-US" sz="2000" i="1" dirty="0"/>
+              <a:t> x </a:t>
+            </a:r>
+            <a:r>
+              <a:rPr lang="en-US" sz="2000" i="1" dirty="0" err="1"/>
+              <a:t>GDP_per_capita</a:t>
+            </a:r>
+            <a:endParaRPr lang="en-US" sz="2000" i="1" dirty="0"/>
           </a:p>
           <a:p>
             <a:pPr marL="609585" indent="-507987">
@@ -19508,7 +19791,84 @@
             </a:pPr>
             <a:r>
               <a:rPr lang="en-US" sz="2000" dirty="0"/>
-              <a:t>Split data into 2 sets (usually 80:20)</a:t>
+              <a:t>two model parameters, </a:t>
+            </a:r>
+            <a:r>
+              <a:rPr lang="en-US" sz="2000" i="1" dirty="0"/>
+              <a:t>θ</a:t>
+            </a:r>
+            <a:r>
+              <a:rPr lang="en-US" sz="2000" i="1" baseline="-25000" dirty="0"/>
+              <a:t>0</a:t>
+            </a:r>
+            <a:r>
+              <a:rPr lang="en-US" sz="2000" dirty="0"/>
+              <a:t> and </a:t>
+            </a:r>
+            <a:r>
+              <a:rPr lang="en-US" sz="2000" i="1" dirty="0"/>
+              <a:t>θ</a:t>
+            </a:r>
+            <a:r>
+              <a:rPr lang="en-US" sz="2000" i="1" baseline="-25000" dirty="0"/>
+              <a:t>1</a:t>
+            </a:r>
+            <a:r>
+              <a:rPr lang="en-US" sz="2000" i="1" dirty="0"/>
+              <a:t>; </a:t>
+            </a:r>
+            <a:r>
+              <a:rPr lang="en-US" sz="2000" dirty="0"/>
+              <a:t>tweaking them to make your model represent any linear function.</a:t>
+            </a:r>
+          </a:p>
+          <a:p>
+            <a:pPr marL="609585" indent="-507987">
+              <a:buSzPct val="100000"/>
+              <a:buChar char="●"/>
+            </a:pPr>
+            <a:endParaRPr lang="en-US" sz="2000" dirty="0"/>
+          </a:p>
+          <a:p>
+            <a:pPr marL="609585" indent="-507987">
+              <a:buSzPct val="100000"/>
+              <a:buChar char="●"/>
+            </a:pPr>
+            <a:r>
+              <a:rPr lang="en-US" sz="2000" u="sng" dirty="0"/>
+              <a:t>Before</a:t>
+            </a:r>
+            <a:r>
+              <a:rPr lang="en-US" sz="2000" dirty="0"/>
+              <a:t> you use your linear model, you need to define the parameter values of </a:t>
+            </a:r>
+            <a:r>
+              <a:rPr lang="en-US" sz="2000" i="1" dirty="0"/>
+              <a:t>θ</a:t>
+            </a:r>
+            <a:r>
+              <a:rPr lang="en-US" sz="2000" i="1" baseline="-25000" dirty="0"/>
+              <a:t>0</a:t>
+            </a:r>
+            <a:r>
+              <a:rPr lang="en-US" sz="2000" i="1" dirty="0"/>
+              <a:t> </a:t>
+            </a:r>
+            <a:r>
+              <a:rPr lang="en-US" sz="2000" dirty="0"/>
+              <a:t>and</a:t>
+            </a:r>
+            <a:r>
+              <a:rPr lang="en-US" sz="2000" i="1" baseline="-25000" dirty="0"/>
+              <a:t> </a:t>
+            </a:r>
+            <a:r>
+              <a:rPr lang="en-US" sz="2000" i="1" dirty="0"/>
+              <a:t>θ</a:t>
+            </a:r>
+            <a:r>
+              <a:rPr lang="en-US" sz="2000" i="1" baseline="-25000" dirty="0"/>
+              <a:t>1.</a:t>
             </a:r>
           </a:p>
           <a:p>
@@ -19518,89 +19878,75 @@
             </a:pPr>
             <a:r>
               <a:rPr lang="en-US" sz="2000" dirty="0"/>
-              <a:t>Training Set</a:t>
-            </a:r>
-          </a:p>
-          <a:p>
-            <a:pPr marL="1219170" lvl="1" indent="-507987">
-              <a:buSzPct val="100000"/>
-              <a:buChar char="●"/>
-            </a:pPr>
-            <a:r>
-              <a:rPr lang="en-US" sz="2000" dirty="0"/>
-              <a:t>Testing Set</a:t>
-            </a:r>
-          </a:p>
-          <a:p>
-            <a:pPr marL="1219170" lvl="1" indent="-507987">
-              <a:buSzPct val="100000"/>
-              <a:buChar char="●"/>
-            </a:pPr>
-            <a:endParaRPr lang="en-US" sz="2000" dirty="0"/>
-          </a:p>
-          <a:p>
-            <a:pPr marL="609585" indent="-507987">
-              <a:buSzPct val="100000"/>
-              <a:buChar char="●"/>
-            </a:pPr>
-            <a:r>
-              <a:rPr lang="en-US" sz="2000" dirty="0"/>
-              <a:t>Generalization Error – error rate on new cases (also called out-of-sample error)</a:t>
-            </a:r>
-          </a:p>
-          <a:p>
-            <a:pPr marL="1219170" lvl="1" indent="-507987">
-              <a:buSzPct val="100000"/>
-              <a:buChar char="●"/>
-            </a:pPr>
-            <a:r>
-              <a:rPr lang="en-US" sz="2000" dirty="0"/>
-              <a:t>Arrive at it by evaluating model on test data</a:t>
-            </a:r>
-          </a:p>
-          <a:p>
-            <a:pPr marL="1219170" lvl="1" indent="-507987">
-              <a:buSzPct val="100000"/>
-              <a:buChar char="●"/>
-            </a:pPr>
-            <a:endParaRPr lang="en-US" sz="2000" dirty="0"/>
-          </a:p>
-          <a:p>
-            <a:pPr marL="609585" indent="-507987">
-              <a:buSzPct val="100000"/>
-              <a:buChar char="●"/>
-            </a:pPr>
-            <a:r>
-              <a:rPr lang="en-US" sz="2000" dirty="0"/>
-              <a:t>Compare training error with Generalization error - If the training error is low (i.e., your model makes few mistakes on the training set) but the generalization error is high, it means that your model is overfitting the training data.</a:t>
-            </a:r>
-          </a:p>
-          <a:p>
-            <a:pPr marL="101598">
-              <a:buSzPct val="100000"/>
-            </a:pPr>
-            <a:endParaRPr lang="en-US" sz="2000" dirty="0"/>
-          </a:p>
-          <a:p>
-            <a:pPr marL="609585" indent="-507987">
-              <a:buSzPct val="100000"/>
-              <a:buChar char="●"/>
-            </a:pPr>
-            <a:endParaRPr lang="en-US" sz="2000" dirty="0"/>
-          </a:p>
-          <a:p>
-            <a:pPr marL="609585" indent="-507987">
-              <a:buSzPct val="100000"/>
-              <a:buChar char="●"/>
-            </a:pPr>
-            <a:endParaRPr lang="en-US" sz="2000" dirty="0"/>
+              <a:t>those that make your model perform best</a:t>
+            </a:r>
+          </a:p>
+        </p:txBody>
+      </p:sp>
+      <p:sp>
+        <p:nvSpPr>
+          <p:cNvPr id="3" name="TextBox 2">
+            <a:extLst>
+              <a:ext uri="{FF2B5EF4-FFF2-40B4-BE49-F238E27FC236}">
+                <a16:creationId xmlns:a16="http://schemas.microsoft.com/office/drawing/2014/main" id="{8336C952-2ED4-4267-88C4-A6FF51E45930}"/>
+              </a:ext>
+            </a:extLst>
+          </p:cNvPr>
+          <p:cNvSpPr txBox="1"/>
+          <p:nvPr/>
+        </p:nvSpPr>
+        <p:spPr>
+          <a:xfrm>
+            <a:off x="1056068" y="4336234"/>
+            <a:ext cx="9882388" cy="1200329"/>
+          </a:xfrm>
+          <a:prstGeom prst="rect">
+            <a:avLst/>
+          </a:prstGeom>
+          <a:noFill/>
+          <a:ln>
+            <a:solidFill>
+              <a:srgbClr val="E46102"/>
+            </a:solidFill>
+          </a:ln>
+        </p:spPr>
+        <p:txBody>
+          <a:bodyPr wrap="square" rtlCol="0">
+            <a:spAutoFit/>
+          </a:bodyPr>
+          <a:lstStyle/>
+          <a:p>
+            <a:pPr algn="ctr"/>
+            <a:r>
+              <a:rPr lang="en-US" b="1" dirty="0"/>
+              <a:t>Utility Function</a:t>
+            </a:r>
+            <a:r>
+              <a:rPr lang="en-US" dirty="0"/>
+              <a:t> – measures how good your model is</a:t>
+            </a:r>
+          </a:p>
+          <a:p>
+            <a:pPr algn="ctr"/>
+            <a:endParaRPr lang="en-US" dirty="0"/>
+          </a:p>
+          <a:p>
+            <a:pPr algn="ctr"/>
+            <a:r>
+              <a:rPr lang="en-US" b="1" dirty="0"/>
+              <a:t>Cost Function</a:t>
+            </a:r>
+            <a:r>
+              <a:rPr lang="en-US" dirty="0"/>
+              <a:t> – measures how bad your model is</a:t>
+            </a:r>
           </a:p>
         </p:txBody>
       </p:sp>
     </p:spTree>
     <p:extLst>
       <p:ext uri="{BB962C8B-B14F-4D97-AF65-F5344CB8AC3E}">
-        <p14:creationId xmlns:p14="http://schemas.microsoft.com/office/powerpoint/2010/main" val="4123682008"/>
+        <p14:creationId xmlns:p14="http://schemas.microsoft.com/office/powerpoint/2010/main" val="1471025527"/>
       </p:ext>
     </p:extLst>
   </p:cSld>
@@ -19643,7 +19989,7 @@
                                         <p:tgtEl>
                                           <p:spTgt spid="96">
                                             <p:txEl>
-                                              <p:pRg st="0" end="0"/>
+                                              <p:pRg st="3" end="3"/>
                                             </p:txEl>
                                           </p:spTgt>
                                         </p:tgtEl>
@@ -19661,7 +20007,7 @@
                                         <p:tgtEl>
                                           <p:spTgt spid="96">
                                             <p:txEl>
-                                              <p:pRg st="0" end="0"/>
+                                              <p:pRg st="3" end="3"/>
                                             </p:txEl>
                                           </p:spTgt>
                                         </p:tgtEl>
@@ -19704,7 +20050,7 @@
                                         <p:tgtEl>
                                           <p:spTgt spid="96">
                                             <p:txEl>
-                                              <p:pRg st="2" end="2"/>
+                                              <p:pRg st="5" end="5"/>
                                             </p:txEl>
                                           </p:spTgt>
                                         </p:tgtEl>
@@ -19722,7 +20068,7 @@
                                         <p:tgtEl>
                                           <p:spTgt spid="96">
                                             <p:txEl>
-                                              <p:pRg st="2" end="2"/>
+                                              <p:pRg st="5" end="5"/>
                                             </p:txEl>
                                           </p:spTgt>
                                         </p:tgtEl>
@@ -19765,7 +20111,7 @@
                                         <p:tgtEl>
                                           <p:spTgt spid="96">
                                             <p:txEl>
-                                              <p:pRg st="3" end="3"/>
+                                              <p:pRg st="6" end="6"/>
                                             </p:txEl>
                                           </p:spTgt>
                                         </p:tgtEl>
@@ -19783,7 +20129,7 @@
                                         <p:tgtEl>
                                           <p:spTgt spid="96">
                                             <p:txEl>
-                                              <p:pRg st="3" end="3"/>
+                                              <p:pRg st="6" end="6"/>
                                             </p:txEl>
                                           </p:spTgt>
                                         </p:tgtEl>
@@ -19826,7 +20172,7 @@
                                         <p:tgtEl>
                                           <p:spTgt spid="96">
                                             <p:txEl>
-                                              <p:pRg st="4" end="4"/>
+                                              <p:pRg st="1" end="1"/>
                                             </p:txEl>
                                           </p:spTgt>
                                         </p:tgtEl>
@@ -19844,190 +20190,7 @@
                                         <p:tgtEl>
                                           <p:spTgt spid="96">
                                             <p:txEl>
-                                              <p:pRg st="4" end="4"/>
-                                            </p:txEl>
-                                          </p:spTgt>
-                                        </p:tgtEl>
-                                      </p:cBhvr>
-                                    </p:animEffect>
-                                  </p:childTnLst>
-                                </p:cTn>
-                              </p:par>
-                            </p:childTnLst>
-                          </p:cTn>
-                        </p:par>
-                      </p:childTnLst>
-                    </p:cTn>
-                  </p:par>
-                  <p:par>
-                    <p:cTn id="23" fill="hold">
-                      <p:stCondLst>
-                        <p:cond delay="indefinite"/>
-                      </p:stCondLst>
-                      <p:childTnLst>
-                        <p:par>
-                          <p:cTn id="24" fill="hold">
-                            <p:stCondLst>
-                              <p:cond delay="0"/>
-                            </p:stCondLst>
-                            <p:childTnLst>
-                              <p:par>
-                                <p:cTn id="25" presetID="10" presetClass="entr" presetSubtype="0" fill="hold" nodeType="clickEffect">
-                                  <p:stCondLst>
-                                    <p:cond delay="0"/>
-                                  </p:stCondLst>
-                                  <p:childTnLst>
-                                    <p:set>
-                                      <p:cBhvr>
-                                        <p:cTn id="26" dur="1" fill="hold">
-                                          <p:stCondLst>
-                                            <p:cond delay="0"/>
-                                          </p:stCondLst>
-                                        </p:cTn>
-                                        <p:tgtEl>
-                                          <p:spTgt spid="96">
-                                            <p:txEl>
-                                              <p:pRg st="6" end="6"/>
-                                            </p:txEl>
-                                          </p:spTgt>
-                                        </p:tgtEl>
-                                        <p:attrNameLst>
-                                          <p:attrName>style.visibility</p:attrName>
-                                        </p:attrNameLst>
-                                      </p:cBhvr>
-                                      <p:to>
-                                        <p:strVal val="visible"/>
-                                      </p:to>
-                                    </p:set>
-                                    <p:animEffect transition="in" filter="fade">
-                                      <p:cBhvr>
-                                        <p:cTn id="27" dur="1000"/>
-                                        <p:tgtEl>
-                                          <p:spTgt spid="96">
-                                            <p:txEl>
-                                              <p:pRg st="6" end="6"/>
-                                            </p:txEl>
-                                          </p:spTgt>
-                                        </p:tgtEl>
-                                      </p:cBhvr>
-                                    </p:animEffect>
-                                  </p:childTnLst>
-                                </p:cTn>
-                              </p:par>
-                            </p:childTnLst>
-                          </p:cTn>
-                        </p:par>
-                      </p:childTnLst>
-                    </p:cTn>
-                  </p:par>
-                  <p:par>
-                    <p:cTn id="28" fill="hold">
-                      <p:stCondLst>
-                        <p:cond delay="indefinite"/>
-                      </p:stCondLst>
-                      <p:childTnLst>
-                        <p:par>
-                          <p:cTn id="29" fill="hold">
-                            <p:stCondLst>
-                              <p:cond delay="0"/>
-                            </p:stCondLst>
-                            <p:childTnLst>
-                              <p:par>
-                                <p:cTn id="30" presetID="10" presetClass="entr" presetSubtype="0" fill="hold" nodeType="clickEffect">
-                                  <p:stCondLst>
-                                    <p:cond delay="0"/>
-                                  </p:stCondLst>
-                                  <p:childTnLst>
-                                    <p:set>
-                                      <p:cBhvr>
-                                        <p:cTn id="31" dur="1" fill="hold">
-                                          <p:stCondLst>
-                                            <p:cond delay="0"/>
-                                          </p:stCondLst>
-                                        </p:cTn>
-                                        <p:tgtEl>
-                                          <p:spTgt spid="96">
-                                            <p:txEl>
-                                              <p:pRg st="7" end="7"/>
-                                            </p:txEl>
-                                          </p:spTgt>
-                                        </p:tgtEl>
-                                        <p:attrNameLst>
-                                          <p:attrName>style.visibility</p:attrName>
-                                        </p:attrNameLst>
-                                      </p:cBhvr>
-                                      <p:to>
-                                        <p:strVal val="visible"/>
-                                      </p:to>
-                                    </p:set>
-                                    <p:animEffect transition="in" filter="fade">
-                                      <p:cBhvr>
-                                        <p:cTn id="32" dur="1000"/>
-                                        <p:tgtEl>
-                                          <p:spTgt spid="96">
-                                            <p:txEl>
-                                              <p:pRg st="7" end="7"/>
-                                            </p:txEl>
-                                          </p:spTgt>
-                                        </p:tgtEl>
-                                      </p:cBhvr>
-                                    </p:animEffect>
-                                  </p:childTnLst>
-                                </p:cTn>
-                              </p:par>
-                            </p:childTnLst>
-                          </p:cTn>
-                        </p:par>
-                      </p:childTnLst>
-                    </p:cTn>
-                  </p:par>
-                  <p:par>
-                    <p:cTn id="33" fill="hold">
-                      <p:stCondLst>
-                        <p:cond delay="indefinite"/>
-                      </p:stCondLst>
-                      <p:childTnLst>
-                        <p:par>
-                          <p:cTn id="34" fill="hold">
-                            <p:stCondLst>
-                              <p:cond delay="0"/>
-                            </p:stCondLst>
-                            <p:childTnLst>
-                              <p:par>
-                                <p:cTn id="35" presetID="10" presetClass="entr" presetSubtype="0" fill="hold" nodeType="clickEffect">
-                                  <p:stCondLst>
-                                    <p:cond delay="0"/>
-                                  </p:stCondLst>
-                                  <p:childTnLst>
-                                    <p:set>
-                                      <p:cBhvr>
-                                        <p:cTn id="36" dur="1" fill="hold">
-                                          <p:stCondLst>
-                                            <p:cond delay="0"/>
-                                          </p:stCondLst>
-                                        </p:cTn>
-                                        <p:tgtEl>
-                                          <p:spTgt spid="96">
-                                            <p:txEl>
-                                              <p:pRg st="9" end="9"/>
-                                            </p:txEl>
-                                          </p:spTgt>
-                                        </p:tgtEl>
-                                        <p:attrNameLst>
-                                          <p:attrName>style.visibility</p:attrName>
-                                        </p:attrNameLst>
-                                      </p:cBhvr>
-                                      <p:to>
-                                        <p:strVal val="visible"/>
-                                      </p:to>
-                                    </p:set>
-                                    <p:animEffect transition="in" filter="fade">
-                                      <p:cBhvr>
-                                        <p:cTn id="37" dur="1000"/>
-                                        <p:tgtEl>
-                                          <p:spTgt spid="96">
-                                            <p:txEl>
-                                              <p:pRg st="9" end="9"/>
+                                              <p:pRg st="1" end="1"/>
                                             </p:txEl>
                                           </p:spTgt>
                                         </p:tgtEl>
@@ -20115,7 +20278,7 @@
                   <a:srgbClr val="E46102"/>
                 </a:solidFill>
               </a:rPr>
-              <a:t>Build a model - 1</a:t>
+              <a:t>Linear Regression Model</a:t>
             </a:r>
             <a:endParaRPr sz="4000" b="1" dirty="0">
               <a:solidFill>
@@ -20133,8 +20296,8 @@
         </p:nvSpPr>
         <p:spPr>
           <a:xfrm>
-            <a:off x="521776" y="1137532"/>
-            <a:ext cx="11277600" cy="5198874"/>
+            <a:off x="242735" y="851566"/>
+            <a:ext cx="11277600" cy="5042664"/>
           </a:xfrm>
           <a:prstGeom prst="rect">
             <a:avLst/>
@@ -20150,13 +20313,19 @@
           </a:bodyPr>
           <a:lstStyle/>
           <a:p>
+            <a:pPr marL="101598">
+              <a:buSzPct val="100000"/>
+            </a:pPr>
+            <a:endParaRPr lang="en-US" sz="2000" dirty="0"/>
+          </a:p>
+          <a:p>
             <a:pPr marL="609585" indent="-507987">
               <a:buSzPct val="100000"/>
               <a:buChar char="●"/>
             </a:pPr>
             <a:r>
               <a:rPr lang="en-US" sz="2000" dirty="0"/>
-              <a:t>Housing prices in CA</a:t>
+              <a:t>Cost Function : measures the distance between the linear model’s predictions and the training examples; the objective is to minimize this distance.</a:t>
             </a:r>
           </a:p>
           <a:p>
@@ -20173,7 +20342,7 @@
             </a:pPr>
             <a:r>
               <a:rPr lang="en-US" sz="2000" dirty="0"/>
-              <a:t>Data : CA census data, it has metrics such as population, median income, median housing price, and so on for each block group in California</a:t>
+              <a:t>Model Training: Input your training data to a LR model, and it will find the parameters that make the model fit best to your data.</a:t>
             </a:r>
           </a:p>
           <a:p>
@@ -20190,7 +20359,7 @@
             </a:pPr>
             <a:r>
               <a:rPr lang="en-US" sz="2000" dirty="0"/>
-              <a:t>Goal: Predict median housing price in any district, given all the other metrics.</a:t>
+              <a:t>In the figure, model fits the training data closely</a:t>
             </a:r>
           </a:p>
           <a:p>
@@ -20201,12 +20370,42 @@
           </a:p>
         </p:txBody>
       </p:sp>
+      <p:pic>
+        <p:nvPicPr>
+          <p:cNvPr id="2" name="Picture 1">
+            <a:extLst>
+              <a:ext uri="{FF2B5EF4-FFF2-40B4-BE49-F238E27FC236}">
+                <a16:creationId xmlns:a16="http://schemas.microsoft.com/office/drawing/2014/main" id="{BC2C8278-7422-4D2B-9F00-4537AB0686AE}"/>
+              </a:ext>
+            </a:extLst>
+          </p:cNvPr>
+          <p:cNvPicPr>
+            <a:picLocks noChangeAspect="1"/>
+          </p:cNvPicPr>
+          <p:nvPr/>
+        </p:nvPicPr>
+        <p:blipFill>
+          <a:blip r:embed="rId3"/>
+          <a:stretch>
+            <a:fillRect/>
+          </a:stretch>
+        </p:blipFill>
+        <p:spPr>
+          <a:xfrm>
+            <a:off x="7267799" y="2633073"/>
+            <a:ext cx="4195138" cy="2355343"/>
+          </a:xfrm>
+          <a:prstGeom prst="rect">
+            <a:avLst/>
+          </a:prstGeom>
+        </p:spPr>
+      </p:pic>
       <p:sp>
         <p:nvSpPr>
-          <p:cNvPr id="2" name="TextBox 1">
+          <p:cNvPr id="4" name="TextBox 3">
             <a:extLst>
               <a:ext uri="{FF2B5EF4-FFF2-40B4-BE49-F238E27FC236}">
-                <a16:creationId xmlns:a16="http://schemas.microsoft.com/office/drawing/2014/main" id="{3873BCF4-993D-4D20-B935-D19D85DD376F}"/>
+                <a16:creationId xmlns:a16="http://schemas.microsoft.com/office/drawing/2014/main" id="{9A8D91BB-55C7-4831-A05A-19338F66FB78}"/>
               </a:ext>
             </a:extLst>
           </p:cNvPr>
@@ -20214,24 +20413,14 @@
           <p:nvPr/>
         </p:nvSpPr>
         <p:spPr>
-          <a:xfrm flipH="1">
-            <a:off x="3579575" y="4474249"/>
-            <a:ext cx="5032850" cy="461665"/>
+          <a:xfrm>
+            <a:off x="7426205" y="4988416"/>
+            <a:ext cx="4065431" cy="307777"/>
           </a:xfrm>
           <a:prstGeom prst="rect">
             <a:avLst/>
           </a:prstGeom>
-          <a:solidFill>
-            <a:schemeClr val="accent1">
-              <a:lumMod val="40000"/>
-              <a:lumOff val="60000"/>
-            </a:schemeClr>
-          </a:solidFill>
-          <a:ln w="28575">
-            <a:solidFill>
-              <a:srgbClr val="E46102"/>
-            </a:solidFill>
-          </a:ln>
+          <a:noFill/>
         </p:spPr>
         <p:txBody>
           <a:bodyPr wrap="square" rtlCol="0">
@@ -20241,8 +20430,12 @@
           <a:p>
             <a:pPr algn="ctr"/>
             <a:r>
-              <a:rPr lang="en-US" dirty="0"/>
-              <a:t>What should you do next?</a:t>
+              <a:rPr lang="en-US" sz="1400" i="1" dirty="0">
+                <a:solidFill>
+                  <a:srgbClr val="E46102"/>
+                </a:solidFill>
+              </a:rPr>
+              <a:t>Linear model that fits the training data best</a:t>
             </a:r>
           </a:p>
         </p:txBody>
@@ -20250,7 +20443,7 @@
     </p:spTree>
     <p:extLst>
       <p:ext uri="{BB962C8B-B14F-4D97-AF65-F5344CB8AC3E}">
-        <p14:creationId xmlns:p14="http://schemas.microsoft.com/office/powerpoint/2010/main" val="2937816385"/>
+        <p14:creationId xmlns:p14="http://schemas.microsoft.com/office/powerpoint/2010/main" val="436401338"/>
       </p:ext>
     </p:extLst>
   </p:cSld>
@@ -20293,7 +20486,7 @@
                                         <p:tgtEl>
                                           <p:spTgt spid="96">
                                             <p:txEl>
-                                              <p:pRg st="0" end="0"/>
+                                              <p:pRg st="1" end="1"/>
                                             </p:txEl>
                                           </p:spTgt>
                                         </p:tgtEl>
@@ -20311,7 +20504,7 @@
                                         <p:tgtEl>
                                           <p:spTgt spid="96">
                                             <p:txEl>
-                                              <p:pRg st="0" end="0"/>
+                                              <p:pRg st="1" end="1"/>
                                             </p:txEl>
                                           </p:spTgt>
                                         </p:tgtEl>
@@ -20354,7 +20547,7 @@
                                         <p:tgtEl>
                                           <p:spTgt spid="96">
                                             <p:txEl>
-                                              <p:pRg st="2" end="2"/>
+                                              <p:pRg st="3" end="3"/>
                                             </p:txEl>
                                           </p:spTgt>
                                         </p:tgtEl>
@@ -20372,7 +20565,7 @@
                                         <p:tgtEl>
                                           <p:spTgt spid="96">
                                             <p:txEl>
-                                              <p:pRg st="2" end="2"/>
+                                              <p:pRg st="3" end="3"/>
                                             </p:txEl>
                                           </p:spTgt>
                                         </p:tgtEl>
@@ -20415,7 +20608,7 @@
                                         <p:tgtEl>
                                           <p:spTgt spid="96">
                                             <p:txEl>
-                                              <p:pRg st="4" end="4"/>
+                                              <p:pRg st="5" end="5"/>
                                             </p:txEl>
                                           </p:spTgt>
                                         </p:tgtEl>
@@ -20433,7 +20626,7 @@
                                         <p:tgtEl>
                                           <p:spTgt spid="96">
                                             <p:txEl>
-                                              <p:pRg st="4" end="4"/>
+                                              <p:pRg st="5" end="5"/>
                                             </p:txEl>
                                           </p:spTgt>
                                         </p:tgtEl>
@@ -20521,7 +20714,7 @@
                   <a:srgbClr val="E46102"/>
                 </a:solidFill>
               </a:rPr>
-              <a:t>Build a model - 2</a:t>
+              <a:t>Challenges in ML</a:t>
             </a:r>
             <a:endParaRPr sz="4000" b="1" dirty="0">
               <a:solidFill>
@@ -20539,8 +20732,8 @@
         </p:nvSpPr>
         <p:spPr>
           <a:xfrm>
-            <a:off x="521776" y="1137532"/>
-            <a:ext cx="11277600" cy="5198874"/>
+            <a:off x="341472" y="1120461"/>
+            <a:ext cx="11348501" cy="5379077"/>
           </a:xfrm>
           <a:prstGeom prst="rect">
             <a:avLst/>
@@ -20560,39 +20753,385 @@
               <a:buSzPct val="100000"/>
               <a:buChar char="●"/>
             </a:pPr>
+            <a:r>
+              <a:rPr lang="en-US" sz="2000" dirty="0"/>
+              <a:t>Insufficient quantity of training data</a:t>
+            </a:r>
+          </a:p>
+          <a:p>
+            <a:pPr marL="101598">
+              <a:buSzPct val="100000"/>
+            </a:pPr>
             <a:endParaRPr lang="en-US" sz="2000" dirty="0"/>
           </a:p>
           <a:p>
-            <a:pPr marL="558798" indent="-457200">
+            <a:pPr marL="609585" indent="-507987">
               <a:buSzPct val="100000"/>
-              <a:buFont typeface="+mj-lt"/>
-              <a:buAutoNum type="arabicPeriod"/>
+              <a:buChar char="●"/>
             </a:pPr>
             <a:r>
               <a:rPr lang="en-US" sz="2000" dirty="0"/>
-              <a:t>Frame the Problem</a:t>
-            </a:r>
-          </a:p>
-          <a:p>
-            <a:pPr marL="558798" indent="-457200">
+              <a:t>Nonrepresentative Training Data – Can make inaccurate predictions</a:t>
+            </a:r>
+          </a:p>
+          <a:p>
+            <a:pPr marL="1219170" lvl="1" indent="-507987">
               <a:buSzPct val="100000"/>
-              <a:buFont typeface="+mj-lt"/>
-              <a:buAutoNum type="arabicPeriod"/>
+              <a:buChar char="●"/>
+            </a:pPr>
+            <a:r>
+              <a:rPr lang="en-US" sz="2000" dirty="0"/>
+              <a:t>Sampling Noise – sample data too small</a:t>
+            </a:r>
+          </a:p>
+          <a:p>
+            <a:pPr marL="1219170" lvl="1" indent="-507987">
+              <a:buSzPct val="100000"/>
+              <a:buChar char="●"/>
+            </a:pPr>
+            <a:r>
+              <a:rPr lang="en-US" sz="2000" dirty="0"/>
+              <a:t>Sampling Bias – sample data </a:t>
+            </a:r>
+            <a:r>
+              <a:rPr lang="en-US" sz="2000" dirty="0" err="1"/>
+              <a:t>lare</a:t>
+            </a:r>
+            <a:r>
+              <a:rPr lang="en-US" sz="2000" dirty="0"/>
+              <a:t> but non-representative. Due to flawed sampling method</a:t>
+            </a:r>
+          </a:p>
+          <a:p>
+            <a:pPr marL="609585" indent="-507987">
+              <a:buSzPct val="100000"/>
+              <a:buChar char="●"/>
+            </a:pPr>
+            <a:endParaRPr lang="en-US" sz="2000" dirty="0"/>
+          </a:p>
+          <a:p>
+            <a:pPr marL="609585" indent="-507987">
+              <a:buSzPct val="100000"/>
+              <a:buChar char="●"/>
             </a:pPr>
             <a:endParaRPr lang="en-US" sz="2000" dirty="0"/>
           </a:p>
         </p:txBody>
       </p:sp>
+      <p:pic>
+        <p:nvPicPr>
+          <p:cNvPr id="2" name="Picture 1">
+            <a:extLst>
+              <a:ext uri="{FF2B5EF4-FFF2-40B4-BE49-F238E27FC236}">
+                <a16:creationId xmlns:a16="http://schemas.microsoft.com/office/drawing/2014/main" id="{9043E167-4A66-4DD2-8F90-D5996B7E6155}"/>
+              </a:ext>
+            </a:extLst>
+          </p:cNvPr>
+          <p:cNvPicPr>
+            <a:picLocks noChangeAspect="1"/>
+          </p:cNvPicPr>
+          <p:nvPr/>
+        </p:nvPicPr>
+        <p:blipFill>
+          <a:blip r:embed="rId3"/>
+          <a:stretch>
+            <a:fillRect/>
+          </a:stretch>
+        </p:blipFill>
+        <p:spPr>
+          <a:xfrm>
+            <a:off x="4223683" y="3318690"/>
+            <a:ext cx="6841890" cy="2418849"/>
+          </a:xfrm>
+          <a:prstGeom prst="rect">
+            <a:avLst/>
+          </a:prstGeom>
+        </p:spPr>
+      </p:pic>
     </p:spTree>
     <p:extLst>
       <p:ext uri="{BB962C8B-B14F-4D97-AF65-F5344CB8AC3E}">
-        <p14:creationId xmlns:p14="http://schemas.microsoft.com/office/powerpoint/2010/main" val="2923327648"/>
+        <p14:creationId xmlns:p14="http://schemas.microsoft.com/office/powerpoint/2010/main" val="4164504015"/>
       </p:ext>
     </p:extLst>
   </p:cSld>
   <p:clrMapOvr>
     <a:masterClrMapping/>
   </p:clrMapOvr>
+  <p:timing>
+    <p:tnLst>
+      <p:par>
+        <p:cTn id="1" dur="indefinite" restart="never" nodeType="tmRoot">
+          <p:childTnLst>
+            <p:seq concurrent="1" nextAc="seek">
+              <p:cTn id="2" dur="indefinite" nodeType="mainSeq">
+                <p:childTnLst>
+                  <p:par>
+                    <p:cTn id="3" fill="hold">
+                      <p:stCondLst>
+                        <p:cond delay="indefinite"/>
+                      </p:stCondLst>
+                      <p:childTnLst>
+                        <p:par>
+                          <p:cTn id="4" fill="hold">
+                            <p:stCondLst>
+                              <p:cond delay="0"/>
+                            </p:stCondLst>
+                            <p:childTnLst>
+                              <p:par>
+                                <p:cTn id="5" presetID="10" presetClass="entr" presetSubtype="0" fill="hold" nodeType="clickEffect">
+                                  <p:stCondLst>
+                                    <p:cond delay="0"/>
+                                  </p:stCondLst>
+                                  <p:childTnLst>
+                                    <p:set>
+                                      <p:cBhvr>
+                                        <p:cTn id="6" dur="1" fill="hold">
+                                          <p:stCondLst>
+                                            <p:cond delay="0"/>
+                                          </p:stCondLst>
+                                        </p:cTn>
+                                        <p:tgtEl>
+                                          <p:spTgt spid="96">
+                                            <p:txEl>
+                                              <p:pRg st="0" end="0"/>
+                                            </p:txEl>
+                                          </p:spTgt>
+                                        </p:tgtEl>
+                                        <p:attrNameLst>
+                                          <p:attrName>style.visibility</p:attrName>
+                                        </p:attrNameLst>
+                                      </p:cBhvr>
+                                      <p:to>
+                                        <p:strVal val="visible"/>
+                                      </p:to>
+                                    </p:set>
+                                    <p:animEffect transition="in" filter="fade">
+                                      <p:cBhvr>
+                                        <p:cTn id="7" dur="1000"/>
+                                        <p:tgtEl>
+                                          <p:spTgt spid="96">
+                                            <p:txEl>
+                                              <p:pRg st="0" end="0"/>
+                                            </p:txEl>
+                                          </p:spTgt>
+                                        </p:tgtEl>
+                                      </p:cBhvr>
+                                    </p:animEffect>
+                                  </p:childTnLst>
+                                </p:cTn>
+                              </p:par>
+                            </p:childTnLst>
+                          </p:cTn>
+                        </p:par>
+                      </p:childTnLst>
+                    </p:cTn>
+                  </p:par>
+                  <p:par>
+                    <p:cTn id="8" fill="hold">
+                      <p:stCondLst>
+                        <p:cond delay="indefinite"/>
+                      </p:stCondLst>
+                      <p:childTnLst>
+                        <p:par>
+                          <p:cTn id="9" fill="hold">
+                            <p:stCondLst>
+                              <p:cond delay="0"/>
+                            </p:stCondLst>
+                            <p:childTnLst>
+                              <p:par>
+                                <p:cTn id="10" presetID="10" presetClass="entr" presetSubtype="0" fill="hold" nodeType="clickEffect">
+                                  <p:stCondLst>
+                                    <p:cond delay="0"/>
+                                  </p:stCondLst>
+                                  <p:childTnLst>
+                                    <p:set>
+                                      <p:cBhvr>
+                                        <p:cTn id="11" dur="1" fill="hold">
+                                          <p:stCondLst>
+                                            <p:cond delay="0"/>
+                                          </p:stCondLst>
+                                        </p:cTn>
+                                        <p:tgtEl>
+                                          <p:spTgt spid="96">
+                                            <p:txEl>
+                                              <p:pRg st="2" end="2"/>
+                                            </p:txEl>
+                                          </p:spTgt>
+                                        </p:tgtEl>
+                                        <p:attrNameLst>
+                                          <p:attrName>style.visibility</p:attrName>
+                                        </p:attrNameLst>
+                                      </p:cBhvr>
+                                      <p:to>
+                                        <p:strVal val="visible"/>
+                                      </p:to>
+                                    </p:set>
+                                    <p:animEffect transition="in" filter="fade">
+                                      <p:cBhvr>
+                                        <p:cTn id="12" dur="1000"/>
+                                        <p:tgtEl>
+                                          <p:spTgt spid="96">
+                                            <p:txEl>
+                                              <p:pRg st="2" end="2"/>
+                                            </p:txEl>
+                                          </p:spTgt>
+                                        </p:tgtEl>
+                                      </p:cBhvr>
+                                    </p:animEffect>
+                                  </p:childTnLst>
+                                </p:cTn>
+                              </p:par>
+                            </p:childTnLst>
+                          </p:cTn>
+                        </p:par>
+                      </p:childTnLst>
+                    </p:cTn>
+                  </p:par>
+                  <p:par>
+                    <p:cTn id="13" fill="hold">
+                      <p:stCondLst>
+                        <p:cond delay="indefinite"/>
+                      </p:stCondLst>
+                      <p:childTnLst>
+                        <p:par>
+                          <p:cTn id="14" fill="hold">
+                            <p:stCondLst>
+                              <p:cond delay="0"/>
+                            </p:stCondLst>
+                            <p:childTnLst>
+                              <p:par>
+                                <p:cTn id="15" presetID="10" presetClass="entr" presetSubtype="0" fill="hold" nodeType="clickEffect">
+                                  <p:stCondLst>
+                                    <p:cond delay="0"/>
+                                  </p:stCondLst>
+                                  <p:childTnLst>
+                                    <p:set>
+                                      <p:cBhvr>
+                                        <p:cTn id="16" dur="1" fill="hold">
+                                          <p:stCondLst>
+                                            <p:cond delay="0"/>
+                                          </p:stCondLst>
+                                        </p:cTn>
+                                        <p:tgtEl>
+                                          <p:spTgt spid="96">
+                                            <p:txEl>
+                                              <p:pRg st="3" end="3"/>
+                                            </p:txEl>
+                                          </p:spTgt>
+                                        </p:tgtEl>
+                                        <p:attrNameLst>
+                                          <p:attrName>style.visibility</p:attrName>
+                                        </p:attrNameLst>
+                                      </p:cBhvr>
+                                      <p:to>
+                                        <p:strVal val="visible"/>
+                                      </p:to>
+                                    </p:set>
+                                    <p:animEffect transition="in" filter="fade">
+                                      <p:cBhvr>
+                                        <p:cTn id="17" dur="1000"/>
+                                        <p:tgtEl>
+                                          <p:spTgt spid="96">
+                                            <p:txEl>
+                                              <p:pRg st="3" end="3"/>
+                                            </p:txEl>
+                                          </p:spTgt>
+                                        </p:tgtEl>
+                                      </p:cBhvr>
+                                    </p:animEffect>
+                                  </p:childTnLst>
+                                </p:cTn>
+                              </p:par>
+                            </p:childTnLst>
+                          </p:cTn>
+                        </p:par>
+                      </p:childTnLst>
+                    </p:cTn>
+                  </p:par>
+                  <p:par>
+                    <p:cTn id="18" fill="hold">
+                      <p:stCondLst>
+                        <p:cond delay="indefinite"/>
+                      </p:stCondLst>
+                      <p:childTnLst>
+                        <p:par>
+                          <p:cTn id="19" fill="hold">
+                            <p:stCondLst>
+                              <p:cond delay="0"/>
+                            </p:stCondLst>
+                            <p:childTnLst>
+                              <p:par>
+                                <p:cTn id="20" presetID="10" presetClass="entr" presetSubtype="0" fill="hold" nodeType="clickEffect">
+                                  <p:stCondLst>
+                                    <p:cond delay="0"/>
+                                  </p:stCondLst>
+                                  <p:childTnLst>
+                                    <p:set>
+                                      <p:cBhvr>
+                                        <p:cTn id="21" dur="1" fill="hold">
+                                          <p:stCondLst>
+                                            <p:cond delay="0"/>
+                                          </p:stCondLst>
+                                        </p:cTn>
+                                        <p:tgtEl>
+                                          <p:spTgt spid="96">
+                                            <p:txEl>
+                                              <p:pRg st="4" end="4"/>
+                                            </p:txEl>
+                                          </p:spTgt>
+                                        </p:tgtEl>
+                                        <p:attrNameLst>
+                                          <p:attrName>style.visibility</p:attrName>
+                                        </p:attrNameLst>
+                                      </p:cBhvr>
+                                      <p:to>
+                                        <p:strVal val="visible"/>
+                                      </p:to>
+                                    </p:set>
+                                    <p:animEffect transition="in" filter="fade">
+                                      <p:cBhvr>
+                                        <p:cTn id="22" dur="1000"/>
+                                        <p:tgtEl>
+                                          <p:spTgt spid="96">
+                                            <p:txEl>
+                                              <p:pRg st="4" end="4"/>
+                                            </p:txEl>
+                                          </p:spTgt>
+                                        </p:tgtEl>
+                                      </p:cBhvr>
+                                    </p:animEffect>
+                                  </p:childTnLst>
+                                </p:cTn>
+                              </p:par>
+                            </p:childTnLst>
+                          </p:cTn>
+                        </p:par>
+                      </p:childTnLst>
+                    </p:cTn>
+                  </p:par>
+                </p:childTnLst>
+              </p:cTn>
+              <p:prevCondLst>
+                <p:cond evt="onPrev" delay="0">
+                  <p:tgtEl>
+                    <p:sldTgt/>
+                  </p:tgtEl>
+                </p:cond>
+              </p:prevCondLst>
+              <p:nextCondLst>
+                <p:cond evt="onNext" delay="0">
+                  <p:tgtEl>
+                    <p:sldTgt/>
+                  </p:tgtEl>
+                </p:cond>
+              </p:nextCondLst>
+            </p:seq>
+          </p:childTnLst>
+        </p:cTn>
+      </p:par>
+    </p:tnLst>
+  </p:timing>
 </p:sld>
 </file>
 
@@ -20644,7 +21183,7 @@
                   <a:srgbClr val="E46102"/>
                 </a:solidFill>
               </a:rPr>
-              <a:t>Build a model - 2</a:t>
+              <a:t>Challenges in ML contd…</a:t>
             </a:r>
             <a:endParaRPr sz="4000" b="1" dirty="0">
               <a:solidFill>
@@ -20662,8 +21201,8 @@
         </p:nvSpPr>
         <p:spPr>
           <a:xfrm>
-            <a:off x="521776" y="1137532"/>
-            <a:ext cx="11277600" cy="5198874"/>
+            <a:off x="341472" y="1120461"/>
+            <a:ext cx="11348501" cy="5379077"/>
           </a:xfrm>
           <a:prstGeom prst="rect">
             <a:avLst/>
@@ -20683,43 +21222,89 @@
               <a:buSzPct val="100000"/>
               <a:buChar char="●"/>
             </a:pPr>
+            <a:r>
+              <a:rPr lang="en-US" sz="2000" dirty="0"/>
+              <a:t>Poor Quality Data</a:t>
+            </a:r>
+          </a:p>
+          <a:p>
+            <a:pPr marL="101598">
+              <a:buSzPct val="100000"/>
+            </a:pPr>
             <a:endParaRPr lang="en-US" sz="2000" dirty="0"/>
           </a:p>
           <a:p>
-            <a:pPr marL="558798" indent="-457200">
+            <a:pPr marL="609585" indent="-507987">
               <a:buSzPct val="100000"/>
-              <a:buFont typeface="+mj-lt"/>
-              <a:buAutoNum type="arabicPeriod"/>
+              <a:buChar char="●"/>
             </a:pPr>
             <a:r>
               <a:rPr lang="en-US" sz="2000" dirty="0"/>
-              <a:t>Frame the Problem.</a:t>
-            </a:r>
-          </a:p>
-          <a:p>
-            <a:pPr marL="558798" indent="-457200">
+              <a:t>Irrelevant Features</a:t>
+            </a:r>
+          </a:p>
+          <a:p>
+            <a:pPr marL="609585" indent="-507987">
               <a:buSzPct val="100000"/>
-              <a:buFont typeface="+mj-lt"/>
-              <a:buAutoNum type="arabicPeriod"/>
+              <a:buChar char="●"/>
             </a:pPr>
             <a:endParaRPr lang="en-US" sz="2000" dirty="0"/>
           </a:p>
           <a:p>
-            <a:pPr marL="558798" indent="-457200">
+            <a:pPr marL="609585" indent="-507987">
               <a:buSzPct val="100000"/>
-              <a:buFont typeface="+mj-lt"/>
-              <a:buAutoNum type="arabicPeriod"/>
+              <a:buChar char="●"/>
             </a:pPr>
             <a:r>
               <a:rPr lang="en-US" sz="2000" dirty="0"/>
-              <a:t>What is the current solution?</a:t>
-            </a:r>
-          </a:p>
-          <a:p>
-            <a:pPr marL="558798" indent="-457200">
+              <a:t>Overfitting Training Data</a:t>
+            </a:r>
+          </a:p>
+          <a:p>
+            <a:pPr marL="609585" indent="-507987">
               <a:buSzPct val="100000"/>
-              <a:buFont typeface="+mj-lt"/>
-              <a:buAutoNum type="arabicPeriod"/>
+              <a:buChar char="●"/>
+            </a:pPr>
+            <a:endParaRPr lang="en-US" sz="2000" dirty="0"/>
+          </a:p>
+          <a:p>
+            <a:pPr marL="609585" indent="-507987">
+              <a:buSzPct val="100000"/>
+              <a:buChar char="●"/>
+            </a:pPr>
+            <a:r>
+              <a:rPr lang="en-US" sz="2000" dirty="0"/>
+              <a:t>Underfitting Training data</a:t>
+            </a:r>
+          </a:p>
+          <a:p>
+            <a:pPr marL="609585" indent="-507987">
+              <a:buSzPct val="100000"/>
+              <a:buChar char="●"/>
+            </a:pPr>
+            <a:endParaRPr lang="en-US" sz="2000" dirty="0"/>
+          </a:p>
+          <a:p>
+            <a:pPr marL="609585" indent="-507987">
+              <a:buSzPct val="100000"/>
+              <a:buChar char="●"/>
+            </a:pPr>
+            <a:r>
+              <a:rPr lang="en-US" sz="2000" dirty="0"/>
+              <a:t>Data Mismatch</a:t>
+            </a:r>
+          </a:p>
+          <a:p>
+            <a:pPr marL="609585" indent="-507987">
+              <a:buSzPct val="100000"/>
+              <a:buChar char="●"/>
+            </a:pPr>
+            <a:endParaRPr lang="en-US" sz="2000" dirty="0"/>
+          </a:p>
+          <a:p>
+            <a:pPr marL="609585" indent="-507987">
+              <a:buSzPct val="100000"/>
+              <a:buChar char="●"/>
             </a:pPr>
             <a:endParaRPr lang="en-US" sz="2000" dirty="0"/>
           </a:p>
@@ -20728,13 +21313,348 @@
     </p:spTree>
     <p:extLst>
       <p:ext uri="{BB962C8B-B14F-4D97-AF65-F5344CB8AC3E}">
-        <p14:creationId xmlns:p14="http://schemas.microsoft.com/office/powerpoint/2010/main" val="1911188984"/>
+        <p14:creationId xmlns:p14="http://schemas.microsoft.com/office/powerpoint/2010/main" val="1477134502"/>
       </p:ext>
     </p:extLst>
   </p:cSld>
   <p:clrMapOvr>
     <a:masterClrMapping/>
   </p:clrMapOvr>
+  <p:timing>
+    <p:tnLst>
+      <p:par>
+        <p:cTn id="1" dur="indefinite" restart="never" nodeType="tmRoot">
+          <p:childTnLst>
+            <p:seq concurrent="1" nextAc="seek">
+              <p:cTn id="2" dur="indefinite" nodeType="mainSeq">
+                <p:childTnLst>
+                  <p:par>
+                    <p:cTn id="3" fill="hold">
+                      <p:stCondLst>
+                        <p:cond delay="indefinite"/>
+                      </p:stCondLst>
+                      <p:childTnLst>
+                        <p:par>
+                          <p:cTn id="4" fill="hold">
+                            <p:stCondLst>
+                              <p:cond delay="0"/>
+                            </p:stCondLst>
+                            <p:childTnLst>
+                              <p:par>
+                                <p:cTn id="5" presetID="10" presetClass="entr" presetSubtype="0" fill="hold" nodeType="clickEffect">
+                                  <p:stCondLst>
+                                    <p:cond delay="0"/>
+                                  </p:stCondLst>
+                                  <p:childTnLst>
+                                    <p:set>
+                                      <p:cBhvr>
+                                        <p:cTn id="6" dur="1" fill="hold">
+                                          <p:stCondLst>
+                                            <p:cond delay="0"/>
+                                          </p:stCondLst>
+                                        </p:cTn>
+                                        <p:tgtEl>
+                                          <p:spTgt spid="96">
+                                            <p:txEl>
+                                              <p:pRg st="0" end="0"/>
+                                            </p:txEl>
+                                          </p:spTgt>
+                                        </p:tgtEl>
+                                        <p:attrNameLst>
+                                          <p:attrName>style.visibility</p:attrName>
+                                        </p:attrNameLst>
+                                      </p:cBhvr>
+                                      <p:to>
+                                        <p:strVal val="visible"/>
+                                      </p:to>
+                                    </p:set>
+                                    <p:animEffect transition="in" filter="fade">
+                                      <p:cBhvr>
+                                        <p:cTn id="7" dur="1000"/>
+                                        <p:tgtEl>
+                                          <p:spTgt spid="96">
+                                            <p:txEl>
+                                              <p:pRg st="0" end="0"/>
+                                            </p:txEl>
+                                          </p:spTgt>
+                                        </p:tgtEl>
+                                      </p:cBhvr>
+                                    </p:animEffect>
+                                  </p:childTnLst>
+                                </p:cTn>
+                              </p:par>
+                            </p:childTnLst>
+                          </p:cTn>
+                        </p:par>
+                      </p:childTnLst>
+                    </p:cTn>
+                  </p:par>
+                  <p:par>
+                    <p:cTn id="8" fill="hold">
+                      <p:stCondLst>
+                        <p:cond delay="indefinite"/>
+                      </p:stCondLst>
+                      <p:childTnLst>
+                        <p:par>
+                          <p:cTn id="9" fill="hold">
+                            <p:stCondLst>
+                              <p:cond delay="0"/>
+                            </p:stCondLst>
+                            <p:childTnLst>
+                              <p:par>
+                                <p:cTn id="10" presetID="10" presetClass="entr" presetSubtype="0" fill="hold" nodeType="clickEffect">
+                                  <p:stCondLst>
+                                    <p:cond delay="0"/>
+                                  </p:stCondLst>
+                                  <p:childTnLst>
+                                    <p:set>
+                                      <p:cBhvr>
+                                        <p:cTn id="11" dur="1" fill="hold">
+                                          <p:stCondLst>
+                                            <p:cond delay="0"/>
+                                          </p:stCondLst>
+                                        </p:cTn>
+                                        <p:tgtEl>
+                                          <p:spTgt spid="96">
+                                            <p:txEl>
+                                              <p:pRg st="2" end="2"/>
+                                            </p:txEl>
+                                          </p:spTgt>
+                                        </p:tgtEl>
+                                        <p:attrNameLst>
+                                          <p:attrName>style.visibility</p:attrName>
+                                        </p:attrNameLst>
+                                      </p:cBhvr>
+                                      <p:to>
+                                        <p:strVal val="visible"/>
+                                      </p:to>
+                                    </p:set>
+                                    <p:animEffect transition="in" filter="fade">
+                                      <p:cBhvr>
+                                        <p:cTn id="12" dur="1000"/>
+                                        <p:tgtEl>
+                                          <p:spTgt spid="96">
+                                            <p:txEl>
+                                              <p:pRg st="2" end="2"/>
+                                            </p:txEl>
+                                          </p:spTgt>
+                                        </p:tgtEl>
+                                      </p:cBhvr>
+                                    </p:animEffect>
+                                  </p:childTnLst>
+                                </p:cTn>
+                              </p:par>
+                            </p:childTnLst>
+                          </p:cTn>
+                        </p:par>
+                      </p:childTnLst>
+                    </p:cTn>
+                  </p:par>
+                  <p:par>
+                    <p:cTn id="13" fill="hold">
+                      <p:stCondLst>
+                        <p:cond delay="indefinite"/>
+                      </p:stCondLst>
+                      <p:childTnLst>
+                        <p:par>
+                          <p:cTn id="14" fill="hold">
+                            <p:stCondLst>
+                              <p:cond delay="0"/>
+                            </p:stCondLst>
+                            <p:childTnLst>
+                              <p:par>
+                                <p:cTn id="15" presetID="10" presetClass="entr" presetSubtype="0" fill="hold" nodeType="clickEffect">
+                                  <p:stCondLst>
+                                    <p:cond delay="0"/>
+                                  </p:stCondLst>
+                                  <p:childTnLst>
+                                    <p:set>
+                                      <p:cBhvr>
+                                        <p:cTn id="16" dur="1" fill="hold">
+                                          <p:stCondLst>
+                                            <p:cond delay="0"/>
+                                          </p:stCondLst>
+                                        </p:cTn>
+                                        <p:tgtEl>
+                                          <p:spTgt spid="96">
+                                            <p:txEl>
+                                              <p:pRg st="4" end="4"/>
+                                            </p:txEl>
+                                          </p:spTgt>
+                                        </p:tgtEl>
+                                        <p:attrNameLst>
+                                          <p:attrName>style.visibility</p:attrName>
+                                        </p:attrNameLst>
+                                      </p:cBhvr>
+                                      <p:to>
+                                        <p:strVal val="visible"/>
+                                      </p:to>
+                                    </p:set>
+                                    <p:animEffect transition="in" filter="fade">
+                                      <p:cBhvr>
+                                        <p:cTn id="17" dur="1000"/>
+                                        <p:tgtEl>
+                                          <p:spTgt spid="96">
+                                            <p:txEl>
+                                              <p:pRg st="4" end="4"/>
+                                            </p:txEl>
+                                          </p:spTgt>
+                                        </p:tgtEl>
+                                      </p:cBhvr>
+                                    </p:animEffect>
+                                  </p:childTnLst>
+                                </p:cTn>
+                              </p:par>
+                            </p:childTnLst>
+                          </p:cTn>
+                        </p:par>
+                      </p:childTnLst>
+                    </p:cTn>
+                  </p:par>
+                  <p:par>
+                    <p:cTn id="18" fill="hold">
+                      <p:stCondLst>
+                        <p:cond delay="indefinite"/>
+                      </p:stCondLst>
+                      <p:childTnLst>
+                        <p:par>
+                          <p:cTn id="19" fill="hold">
+                            <p:stCondLst>
+                              <p:cond delay="0"/>
+                            </p:stCondLst>
+                            <p:childTnLst>
+                              <p:par>
+                                <p:cTn id="20" presetID="10" presetClass="entr" presetSubtype="0" fill="hold" nodeType="clickEffect">
+                                  <p:stCondLst>
+                                    <p:cond delay="0"/>
+                                  </p:stCondLst>
+                                  <p:childTnLst>
+                                    <p:set>
+                                      <p:cBhvr>
+                                        <p:cTn id="21" dur="1" fill="hold">
+                                          <p:stCondLst>
+                                            <p:cond delay="0"/>
+                                          </p:stCondLst>
+                                        </p:cTn>
+                                        <p:tgtEl>
+                                          <p:spTgt spid="96">
+                                            <p:txEl>
+                                              <p:pRg st="6" end="6"/>
+                                            </p:txEl>
+                                          </p:spTgt>
+                                        </p:tgtEl>
+                                        <p:attrNameLst>
+                                          <p:attrName>style.visibility</p:attrName>
+                                        </p:attrNameLst>
+                                      </p:cBhvr>
+                                      <p:to>
+                                        <p:strVal val="visible"/>
+                                      </p:to>
+                                    </p:set>
+                                    <p:animEffect transition="in" filter="fade">
+                                      <p:cBhvr>
+                                        <p:cTn id="22" dur="1000"/>
+                                        <p:tgtEl>
+                                          <p:spTgt spid="96">
+                                            <p:txEl>
+                                              <p:pRg st="6" end="6"/>
+                                            </p:txEl>
+                                          </p:spTgt>
+                                        </p:tgtEl>
+                                      </p:cBhvr>
+                                    </p:animEffect>
+                                  </p:childTnLst>
+                                </p:cTn>
+                              </p:par>
+                            </p:childTnLst>
+                          </p:cTn>
+                        </p:par>
+                      </p:childTnLst>
+                    </p:cTn>
+                  </p:par>
+                  <p:par>
+                    <p:cTn id="23" fill="hold">
+                      <p:stCondLst>
+                        <p:cond delay="indefinite"/>
+                      </p:stCondLst>
+                      <p:childTnLst>
+                        <p:par>
+                          <p:cTn id="24" fill="hold">
+                            <p:stCondLst>
+                              <p:cond delay="0"/>
+                            </p:stCondLst>
+                            <p:childTnLst>
+                              <p:par>
+                                <p:cTn id="25" presetID="10" presetClass="entr" presetSubtype="0" fill="hold" nodeType="clickEffect">
+                                  <p:stCondLst>
+                                    <p:cond delay="0"/>
+                                  </p:stCondLst>
+                                  <p:childTnLst>
+                                    <p:set>
+                                      <p:cBhvr>
+                                        <p:cTn id="26" dur="1" fill="hold">
+                                          <p:stCondLst>
+                                            <p:cond delay="0"/>
+                                          </p:stCondLst>
+                                        </p:cTn>
+                                        <p:tgtEl>
+                                          <p:spTgt spid="96">
+                                            <p:txEl>
+                                              <p:pRg st="8" end="8"/>
+                                            </p:txEl>
+                                          </p:spTgt>
+                                        </p:tgtEl>
+                                        <p:attrNameLst>
+                                          <p:attrName>style.visibility</p:attrName>
+                                        </p:attrNameLst>
+                                      </p:cBhvr>
+                                      <p:to>
+                                        <p:strVal val="visible"/>
+                                      </p:to>
+                                    </p:set>
+                                    <p:animEffect transition="in" filter="fade">
+                                      <p:cBhvr>
+                                        <p:cTn id="27" dur="1000"/>
+                                        <p:tgtEl>
+                                          <p:spTgt spid="96">
+                                            <p:txEl>
+                                              <p:pRg st="8" end="8"/>
+                                            </p:txEl>
+                                          </p:spTgt>
+                                        </p:tgtEl>
+                                      </p:cBhvr>
+                                    </p:animEffect>
+                                  </p:childTnLst>
+                                </p:cTn>
+                              </p:par>
+                            </p:childTnLst>
+                          </p:cTn>
+                        </p:par>
+                      </p:childTnLst>
+                    </p:cTn>
+                  </p:par>
+                </p:childTnLst>
+              </p:cTn>
+              <p:prevCondLst>
+                <p:cond evt="onPrev" delay="0">
+                  <p:tgtEl>
+                    <p:sldTgt/>
+                  </p:tgtEl>
+                </p:cond>
+              </p:prevCondLst>
+              <p:nextCondLst>
+                <p:cond evt="onNext" delay="0">
+                  <p:tgtEl>
+                    <p:sldTgt/>
+                  </p:tgtEl>
+                </p:cond>
+              </p:nextCondLst>
+            </p:seq>
+          </p:childTnLst>
+        </p:cTn>
+      </p:par>
+    </p:tnLst>
+  </p:timing>
 </p:sld>
 </file>
 
@@ -21736,7 +22656,7 @@
                   <a:srgbClr val="E46102"/>
                 </a:solidFill>
               </a:rPr>
-              <a:t>Build a model - 2</a:t>
+              <a:t>Testing and Validating</a:t>
             </a:r>
             <a:endParaRPr sz="4000" b="1" dirty="0">
               <a:solidFill>
@@ -21754,8 +22674,8 @@
         </p:nvSpPr>
         <p:spPr>
           <a:xfrm>
-            <a:off x="521776" y="1137532"/>
-            <a:ext cx="11277600" cy="5198874"/>
+            <a:off x="341472" y="1120461"/>
+            <a:ext cx="11348501" cy="5379077"/>
           </a:xfrm>
           <a:prstGeom prst="rect">
             <a:avLst/>
@@ -21775,88 +22695,90 @@
               <a:buSzPct val="100000"/>
               <a:buChar char="●"/>
             </a:pPr>
+            <a:r>
+              <a:rPr lang="en-US" sz="2000" dirty="0"/>
+              <a:t>Only way to know how well a model will generalize</a:t>
+            </a:r>
+          </a:p>
+          <a:p>
+            <a:pPr marL="609585" indent="-507987">
+              <a:buSzPct val="100000"/>
+              <a:buChar char="●"/>
+            </a:pPr>
             <a:endParaRPr lang="en-US" sz="2000" dirty="0"/>
           </a:p>
           <a:p>
-            <a:pPr marL="558798" indent="-457200">
+            <a:pPr marL="609585" indent="-507987">
               <a:buSzPct val="100000"/>
-              <a:buFont typeface="+mj-lt"/>
-              <a:buAutoNum type="arabicPeriod"/>
+              <a:buChar char="●"/>
             </a:pPr>
             <a:r>
               <a:rPr lang="en-US" sz="2000" dirty="0"/>
-              <a:t>Frame the Problem.</a:t>
-            </a:r>
-          </a:p>
-          <a:p>
-            <a:pPr marL="558798" indent="-457200">
+              <a:t>Split data into 2 sets (usually 80:20)</a:t>
+            </a:r>
+          </a:p>
+          <a:p>
+            <a:pPr marL="1219170" lvl="1" indent="-507987">
               <a:buSzPct val="100000"/>
-              <a:buFont typeface="+mj-lt"/>
-              <a:buAutoNum type="arabicPeriod"/>
+              <a:buChar char="●"/>
+            </a:pPr>
+            <a:r>
+              <a:rPr lang="en-US" sz="2000" dirty="0"/>
+              <a:t>Training Set</a:t>
+            </a:r>
+          </a:p>
+          <a:p>
+            <a:pPr marL="1219170" lvl="1" indent="-507987">
+              <a:buSzPct val="100000"/>
+              <a:buChar char="●"/>
+            </a:pPr>
+            <a:r>
+              <a:rPr lang="en-US" sz="2000" dirty="0"/>
+              <a:t>Testing Set</a:t>
+            </a:r>
+          </a:p>
+          <a:p>
+            <a:pPr marL="1219170" lvl="1" indent="-507987">
+              <a:buSzPct val="100000"/>
+              <a:buChar char="●"/>
             </a:pPr>
             <a:endParaRPr lang="en-US" sz="2000" dirty="0"/>
           </a:p>
           <a:p>
-            <a:pPr marL="558798" indent="-457200">
+            <a:pPr marL="609585" indent="-507987">
               <a:buSzPct val="100000"/>
-              <a:buFont typeface="+mj-lt"/>
-              <a:buAutoNum type="arabicPeriod"/>
+              <a:buChar char="●"/>
             </a:pPr>
             <a:r>
               <a:rPr lang="en-US" sz="2000" dirty="0"/>
-              <a:t>What is the current solution?</a:t>
-            </a:r>
-          </a:p>
-          <a:p>
-            <a:pPr marL="558798" indent="-457200">
+              <a:t>Generalization Error – error rate on new cases (also called out-of-sample error)</a:t>
+            </a:r>
+          </a:p>
+          <a:p>
+            <a:pPr marL="1219170" lvl="1" indent="-507987">
               <a:buSzPct val="100000"/>
-              <a:buFont typeface="+mj-lt"/>
-              <a:buAutoNum type="arabicPeriod"/>
+              <a:buChar char="●"/>
+            </a:pPr>
+            <a:r>
+              <a:rPr lang="en-US" sz="2000" dirty="0"/>
+              <a:t>Arrive at it by evaluating model on test data</a:t>
+            </a:r>
+          </a:p>
+          <a:p>
+            <a:pPr marL="1219170" lvl="1" indent="-507987">
+              <a:buSzPct val="100000"/>
+              <a:buChar char="●"/>
             </a:pPr>
             <a:endParaRPr lang="en-US" sz="2000" dirty="0"/>
           </a:p>
           <a:p>
-            <a:pPr marL="558798" indent="-457200">
+            <a:pPr marL="609585" indent="-507987">
               <a:buSzPct val="100000"/>
-              <a:buFont typeface="+mj-lt"/>
-              <a:buAutoNum type="arabicPeriod"/>
+              <a:buChar char="●"/>
             </a:pPr>
             <a:r>
               <a:rPr lang="en-US" sz="2000" dirty="0"/>
-              <a:t>Start designing your system – </a:t>
-            </a:r>
-          </a:p>
-          <a:p>
-            <a:pPr marL="1168383" lvl="1" indent="-457200">
-              <a:buSzPct val="100000"/>
-              <a:buFont typeface="+mj-lt"/>
-              <a:buAutoNum type="arabicPeriod"/>
-            </a:pPr>
-            <a:r>
-              <a:rPr lang="en-US" sz="2000" dirty="0"/>
-              <a:t>Is it supervised, unsupervised, or reinforcement learning?</a:t>
-            </a:r>
-          </a:p>
-          <a:p>
-            <a:pPr marL="1168383" lvl="1" indent="-457200">
-              <a:buSzPct val="100000"/>
-              <a:buFont typeface="+mj-lt"/>
-              <a:buAutoNum type="arabicPeriod"/>
-            </a:pPr>
-            <a:r>
-              <a:rPr lang="en-US" sz="2000" dirty="0"/>
-              <a:t>Is it a classification, regression or some other task?</a:t>
-            </a:r>
-          </a:p>
-          <a:p>
-            <a:pPr marL="1168383" lvl="1" indent="-457200">
-              <a:buSzPct val="100000"/>
-              <a:buFont typeface="+mj-lt"/>
-              <a:buAutoNum type="arabicPeriod"/>
-            </a:pPr>
-            <a:r>
-              <a:rPr lang="en-US" sz="2000" dirty="0"/>
-              <a:t>Should you use batch or online learning?</a:t>
+              <a:t>Compare training error with Generalization error - If the training error is low (i.e., your model makes few mistakes on the training set) but the generalization error is high, it means that your model is overfitting the training data.</a:t>
             </a:r>
           </a:p>
           <a:p>
@@ -21865,64 +22787,489 @@
             </a:pPr>
             <a:endParaRPr lang="en-US" sz="2000" dirty="0"/>
           </a:p>
-        </p:txBody>
-      </p:sp>
-      <p:sp>
-        <p:nvSpPr>
-          <p:cNvPr id="2" name="TextBox 1">
-            <a:extLst>
-              <a:ext uri="{FF2B5EF4-FFF2-40B4-BE49-F238E27FC236}">
-                <a16:creationId xmlns:a16="http://schemas.microsoft.com/office/drawing/2014/main" id="{7CF50DEA-DA45-47E8-9F05-20DF72A22AF5}"/>
-              </a:ext>
-            </a:extLst>
-          </p:cNvPr>
-          <p:cNvSpPr txBox="1"/>
-          <p:nvPr/>
-        </p:nvSpPr>
-        <p:spPr>
-          <a:xfrm>
-            <a:off x="2992192" y="4314423"/>
-            <a:ext cx="5941453" cy="461665"/>
-          </a:xfrm>
-          <a:prstGeom prst="rect">
-            <a:avLst/>
-          </a:prstGeom>
-          <a:solidFill>
-            <a:schemeClr val="accent1">
-              <a:lumMod val="40000"/>
-              <a:lumOff val="60000"/>
-            </a:schemeClr>
-          </a:solidFill>
-          <a:ln w="28575">
-            <a:solidFill>
-              <a:srgbClr val="E46102"/>
-            </a:solidFill>
-          </a:ln>
-        </p:spPr>
-        <p:txBody>
-          <a:bodyPr wrap="square" rtlCol="0">
-            <a:spAutoFit/>
-          </a:bodyPr>
-          <a:lstStyle/>
-          <a:p>
-            <a:pPr algn="ctr"/>
-            <a:r>
-              <a:rPr lang="en-US" dirty="0"/>
-              <a:t>Lets Discuss</a:t>
-            </a:r>
+          <a:p>
+            <a:pPr marL="609585" indent="-507987">
+              <a:buSzPct val="100000"/>
+              <a:buChar char="●"/>
+            </a:pPr>
+            <a:endParaRPr lang="en-US" sz="2000" dirty="0"/>
+          </a:p>
+          <a:p>
+            <a:pPr marL="609585" indent="-507987">
+              <a:buSzPct val="100000"/>
+              <a:buChar char="●"/>
+            </a:pPr>
+            <a:endParaRPr lang="en-US" sz="2000" dirty="0"/>
           </a:p>
         </p:txBody>
       </p:sp>
     </p:spTree>
     <p:extLst>
       <p:ext uri="{BB962C8B-B14F-4D97-AF65-F5344CB8AC3E}">
-        <p14:creationId xmlns:p14="http://schemas.microsoft.com/office/powerpoint/2010/main" val="1919109643"/>
+        <p14:creationId xmlns:p14="http://schemas.microsoft.com/office/powerpoint/2010/main" val="4123682008"/>
       </p:ext>
     </p:extLst>
   </p:cSld>
   <p:clrMapOvr>
     <a:masterClrMapping/>
   </p:clrMapOvr>
+  <p:timing>
+    <p:tnLst>
+      <p:par>
+        <p:cTn id="1" dur="indefinite" restart="never" nodeType="tmRoot">
+          <p:childTnLst>
+            <p:seq concurrent="1" nextAc="seek">
+              <p:cTn id="2" dur="indefinite" nodeType="mainSeq">
+                <p:childTnLst>
+                  <p:par>
+                    <p:cTn id="3" fill="hold">
+                      <p:stCondLst>
+                        <p:cond delay="indefinite"/>
+                      </p:stCondLst>
+                      <p:childTnLst>
+                        <p:par>
+                          <p:cTn id="4" fill="hold">
+                            <p:stCondLst>
+                              <p:cond delay="0"/>
+                            </p:stCondLst>
+                            <p:childTnLst>
+                              <p:par>
+                                <p:cTn id="5" presetID="10" presetClass="entr" presetSubtype="0" fill="hold" nodeType="clickEffect">
+                                  <p:stCondLst>
+                                    <p:cond delay="0"/>
+                                  </p:stCondLst>
+                                  <p:childTnLst>
+                                    <p:set>
+                                      <p:cBhvr>
+                                        <p:cTn id="6" dur="1" fill="hold">
+                                          <p:stCondLst>
+                                            <p:cond delay="0"/>
+                                          </p:stCondLst>
+                                        </p:cTn>
+                                        <p:tgtEl>
+                                          <p:spTgt spid="96">
+                                            <p:txEl>
+                                              <p:pRg st="0" end="0"/>
+                                            </p:txEl>
+                                          </p:spTgt>
+                                        </p:tgtEl>
+                                        <p:attrNameLst>
+                                          <p:attrName>style.visibility</p:attrName>
+                                        </p:attrNameLst>
+                                      </p:cBhvr>
+                                      <p:to>
+                                        <p:strVal val="visible"/>
+                                      </p:to>
+                                    </p:set>
+                                    <p:animEffect transition="in" filter="fade">
+                                      <p:cBhvr>
+                                        <p:cTn id="7" dur="1000"/>
+                                        <p:tgtEl>
+                                          <p:spTgt spid="96">
+                                            <p:txEl>
+                                              <p:pRg st="0" end="0"/>
+                                            </p:txEl>
+                                          </p:spTgt>
+                                        </p:tgtEl>
+                                      </p:cBhvr>
+                                    </p:animEffect>
+                                  </p:childTnLst>
+                                </p:cTn>
+                              </p:par>
+                            </p:childTnLst>
+                          </p:cTn>
+                        </p:par>
+                      </p:childTnLst>
+                    </p:cTn>
+                  </p:par>
+                  <p:par>
+                    <p:cTn id="8" fill="hold">
+                      <p:stCondLst>
+                        <p:cond delay="indefinite"/>
+                      </p:stCondLst>
+                      <p:childTnLst>
+                        <p:par>
+                          <p:cTn id="9" fill="hold">
+                            <p:stCondLst>
+                              <p:cond delay="0"/>
+                            </p:stCondLst>
+                            <p:childTnLst>
+                              <p:par>
+                                <p:cTn id="10" presetID="10" presetClass="entr" presetSubtype="0" fill="hold" nodeType="clickEffect">
+                                  <p:stCondLst>
+                                    <p:cond delay="0"/>
+                                  </p:stCondLst>
+                                  <p:childTnLst>
+                                    <p:set>
+                                      <p:cBhvr>
+                                        <p:cTn id="11" dur="1" fill="hold">
+                                          <p:stCondLst>
+                                            <p:cond delay="0"/>
+                                          </p:stCondLst>
+                                        </p:cTn>
+                                        <p:tgtEl>
+                                          <p:spTgt spid="96">
+                                            <p:txEl>
+                                              <p:pRg st="2" end="2"/>
+                                            </p:txEl>
+                                          </p:spTgt>
+                                        </p:tgtEl>
+                                        <p:attrNameLst>
+                                          <p:attrName>style.visibility</p:attrName>
+                                        </p:attrNameLst>
+                                      </p:cBhvr>
+                                      <p:to>
+                                        <p:strVal val="visible"/>
+                                      </p:to>
+                                    </p:set>
+                                    <p:animEffect transition="in" filter="fade">
+                                      <p:cBhvr>
+                                        <p:cTn id="12" dur="1000"/>
+                                        <p:tgtEl>
+                                          <p:spTgt spid="96">
+                                            <p:txEl>
+                                              <p:pRg st="2" end="2"/>
+                                            </p:txEl>
+                                          </p:spTgt>
+                                        </p:tgtEl>
+                                      </p:cBhvr>
+                                    </p:animEffect>
+                                  </p:childTnLst>
+                                </p:cTn>
+                              </p:par>
+                            </p:childTnLst>
+                          </p:cTn>
+                        </p:par>
+                      </p:childTnLst>
+                    </p:cTn>
+                  </p:par>
+                  <p:par>
+                    <p:cTn id="13" fill="hold">
+                      <p:stCondLst>
+                        <p:cond delay="indefinite"/>
+                      </p:stCondLst>
+                      <p:childTnLst>
+                        <p:par>
+                          <p:cTn id="14" fill="hold">
+                            <p:stCondLst>
+                              <p:cond delay="0"/>
+                            </p:stCondLst>
+                            <p:childTnLst>
+                              <p:par>
+                                <p:cTn id="15" presetID="10" presetClass="entr" presetSubtype="0" fill="hold" nodeType="clickEffect">
+                                  <p:stCondLst>
+                                    <p:cond delay="0"/>
+                                  </p:stCondLst>
+                                  <p:childTnLst>
+                                    <p:set>
+                                      <p:cBhvr>
+                                        <p:cTn id="16" dur="1" fill="hold">
+                                          <p:stCondLst>
+                                            <p:cond delay="0"/>
+                                          </p:stCondLst>
+                                        </p:cTn>
+                                        <p:tgtEl>
+                                          <p:spTgt spid="96">
+                                            <p:txEl>
+                                              <p:pRg st="3" end="3"/>
+                                            </p:txEl>
+                                          </p:spTgt>
+                                        </p:tgtEl>
+                                        <p:attrNameLst>
+                                          <p:attrName>style.visibility</p:attrName>
+                                        </p:attrNameLst>
+                                      </p:cBhvr>
+                                      <p:to>
+                                        <p:strVal val="visible"/>
+                                      </p:to>
+                                    </p:set>
+                                    <p:animEffect transition="in" filter="fade">
+                                      <p:cBhvr>
+                                        <p:cTn id="17" dur="1000"/>
+                                        <p:tgtEl>
+                                          <p:spTgt spid="96">
+                                            <p:txEl>
+                                              <p:pRg st="3" end="3"/>
+                                            </p:txEl>
+                                          </p:spTgt>
+                                        </p:tgtEl>
+                                      </p:cBhvr>
+                                    </p:animEffect>
+                                  </p:childTnLst>
+                                </p:cTn>
+                              </p:par>
+                            </p:childTnLst>
+                          </p:cTn>
+                        </p:par>
+                      </p:childTnLst>
+                    </p:cTn>
+                  </p:par>
+                  <p:par>
+                    <p:cTn id="18" fill="hold">
+                      <p:stCondLst>
+                        <p:cond delay="indefinite"/>
+                      </p:stCondLst>
+                      <p:childTnLst>
+                        <p:par>
+                          <p:cTn id="19" fill="hold">
+                            <p:stCondLst>
+                              <p:cond delay="0"/>
+                            </p:stCondLst>
+                            <p:childTnLst>
+                              <p:par>
+                                <p:cTn id="20" presetID="10" presetClass="entr" presetSubtype="0" fill="hold" nodeType="clickEffect">
+                                  <p:stCondLst>
+                                    <p:cond delay="0"/>
+                                  </p:stCondLst>
+                                  <p:childTnLst>
+                                    <p:set>
+                                      <p:cBhvr>
+                                        <p:cTn id="21" dur="1" fill="hold">
+                                          <p:stCondLst>
+                                            <p:cond delay="0"/>
+                                          </p:stCondLst>
+                                        </p:cTn>
+                                        <p:tgtEl>
+                                          <p:spTgt spid="96">
+                                            <p:txEl>
+                                              <p:pRg st="4" end="4"/>
+                                            </p:txEl>
+                                          </p:spTgt>
+                                        </p:tgtEl>
+                                        <p:attrNameLst>
+                                          <p:attrName>style.visibility</p:attrName>
+                                        </p:attrNameLst>
+                                      </p:cBhvr>
+                                      <p:to>
+                                        <p:strVal val="visible"/>
+                                      </p:to>
+                                    </p:set>
+                                    <p:animEffect transition="in" filter="fade">
+                                      <p:cBhvr>
+                                        <p:cTn id="22" dur="1000"/>
+                                        <p:tgtEl>
+                                          <p:spTgt spid="96">
+                                            <p:txEl>
+                                              <p:pRg st="4" end="4"/>
+                                            </p:txEl>
+                                          </p:spTgt>
+                                        </p:tgtEl>
+                                      </p:cBhvr>
+                                    </p:animEffect>
+                                  </p:childTnLst>
+                                </p:cTn>
+                              </p:par>
+                            </p:childTnLst>
+                          </p:cTn>
+                        </p:par>
+                      </p:childTnLst>
+                    </p:cTn>
+                  </p:par>
+                  <p:par>
+                    <p:cTn id="23" fill="hold">
+                      <p:stCondLst>
+                        <p:cond delay="indefinite"/>
+                      </p:stCondLst>
+                      <p:childTnLst>
+                        <p:par>
+                          <p:cTn id="24" fill="hold">
+                            <p:stCondLst>
+                              <p:cond delay="0"/>
+                            </p:stCondLst>
+                            <p:childTnLst>
+                              <p:par>
+                                <p:cTn id="25" presetID="10" presetClass="entr" presetSubtype="0" fill="hold" nodeType="clickEffect">
+                                  <p:stCondLst>
+                                    <p:cond delay="0"/>
+                                  </p:stCondLst>
+                                  <p:childTnLst>
+                                    <p:set>
+                                      <p:cBhvr>
+                                        <p:cTn id="26" dur="1" fill="hold">
+                                          <p:stCondLst>
+                                            <p:cond delay="0"/>
+                                          </p:stCondLst>
+                                        </p:cTn>
+                                        <p:tgtEl>
+                                          <p:spTgt spid="96">
+                                            <p:txEl>
+                                              <p:pRg st="6" end="6"/>
+                                            </p:txEl>
+                                          </p:spTgt>
+                                        </p:tgtEl>
+                                        <p:attrNameLst>
+                                          <p:attrName>style.visibility</p:attrName>
+                                        </p:attrNameLst>
+                                      </p:cBhvr>
+                                      <p:to>
+                                        <p:strVal val="visible"/>
+                                      </p:to>
+                                    </p:set>
+                                    <p:animEffect transition="in" filter="fade">
+                                      <p:cBhvr>
+                                        <p:cTn id="27" dur="1000"/>
+                                        <p:tgtEl>
+                                          <p:spTgt spid="96">
+                                            <p:txEl>
+                                              <p:pRg st="6" end="6"/>
+                                            </p:txEl>
+                                          </p:spTgt>
+                                        </p:tgtEl>
+                                      </p:cBhvr>
+                                    </p:animEffect>
+                                  </p:childTnLst>
+                                </p:cTn>
+                              </p:par>
+                            </p:childTnLst>
+                          </p:cTn>
+                        </p:par>
+                      </p:childTnLst>
+                    </p:cTn>
+                  </p:par>
+                  <p:par>
+                    <p:cTn id="28" fill="hold">
+                      <p:stCondLst>
+                        <p:cond delay="indefinite"/>
+                      </p:stCondLst>
+                      <p:childTnLst>
+                        <p:par>
+                          <p:cTn id="29" fill="hold">
+                            <p:stCondLst>
+                              <p:cond delay="0"/>
+                            </p:stCondLst>
+                            <p:childTnLst>
+                              <p:par>
+                                <p:cTn id="30" presetID="10" presetClass="entr" presetSubtype="0" fill="hold" nodeType="clickEffect">
+                                  <p:stCondLst>
+                                    <p:cond delay="0"/>
+                                  </p:stCondLst>
+                                  <p:childTnLst>
+                                    <p:set>
+                                      <p:cBhvr>
+                                        <p:cTn id="31" dur="1" fill="hold">
+                                          <p:stCondLst>
+                                            <p:cond delay="0"/>
+                                          </p:stCondLst>
+                                        </p:cTn>
+                                        <p:tgtEl>
+                                          <p:spTgt spid="96">
+                                            <p:txEl>
+                                              <p:pRg st="7" end="7"/>
+                                            </p:txEl>
+                                          </p:spTgt>
+                                        </p:tgtEl>
+                                        <p:attrNameLst>
+                                          <p:attrName>style.visibility</p:attrName>
+                                        </p:attrNameLst>
+                                      </p:cBhvr>
+                                      <p:to>
+                                        <p:strVal val="visible"/>
+                                      </p:to>
+                                    </p:set>
+                                    <p:animEffect transition="in" filter="fade">
+                                      <p:cBhvr>
+                                        <p:cTn id="32" dur="1000"/>
+                                        <p:tgtEl>
+                                          <p:spTgt spid="96">
+                                            <p:txEl>
+                                              <p:pRg st="7" end="7"/>
+                                            </p:txEl>
+                                          </p:spTgt>
+                                        </p:tgtEl>
+                                      </p:cBhvr>
+                                    </p:animEffect>
+                                  </p:childTnLst>
+                                </p:cTn>
+                              </p:par>
+                            </p:childTnLst>
+                          </p:cTn>
+                        </p:par>
+                      </p:childTnLst>
+                    </p:cTn>
+                  </p:par>
+                  <p:par>
+                    <p:cTn id="33" fill="hold">
+                      <p:stCondLst>
+                        <p:cond delay="indefinite"/>
+                      </p:stCondLst>
+                      <p:childTnLst>
+                        <p:par>
+                          <p:cTn id="34" fill="hold">
+                            <p:stCondLst>
+                              <p:cond delay="0"/>
+                            </p:stCondLst>
+                            <p:childTnLst>
+                              <p:par>
+                                <p:cTn id="35" presetID="10" presetClass="entr" presetSubtype="0" fill="hold" nodeType="clickEffect">
+                                  <p:stCondLst>
+                                    <p:cond delay="0"/>
+                                  </p:stCondLst>
+                                  <p:childTnLst>
+                                    <p:set>
+                                      <p:cBhvr>
+                                        <p:cTn id="36" dur="1" fill="hold">
+                                          <p:stCondLst>
+                                            <p:cond delay="0"/>
+                                          </p:stCondLst>
+                                        </p:cTn>
+                                        <p:tgtEl>
+                                          <p:spTgt spid="96">
+                                            <p:txEl>
+                                              <p:pRg st="9" end="9"/>
+                                            </p:txEl>
+                                          </p:spTgt>
+                                        </p:tgtEl>
+                                        <p:attrNameLst>
+                                          <p:attrName>style.visibility</p:attrName>
+                                        </p:attrNameLst>
+                                      </p:cBhvr>
+                                      <p:to>
+                                        <p:strVal val="visible"/>
+                                      </p:to>
+                                    </p:set>
+                                    <p:animEffect transition="in" filter="fade">
+                                      <p:cBhvr>
+                                        <p:cTn id="37" dur="1000"/>
+                                        <p:tgtEl>
+                                          <p:spTgt spid="96">
+                                            <p:txEl>
+                                              <p:pRg st="9" end="9"/>
+                                            </p:txEl>
+                                          </p:spTgt>
+                                        </p:tgtEl>
+                                      </p:cBhvr>
+                                    </p:animEffect>
+                                  </p:childTnLst>
+                                </p:cTn>
+                              </p:par>
+                            </p:childTnLst>
+                          </p:cTn>
+                        </p:par>
+                      </p:childTnLst>
+                    </p:cTn>
+                  </p:par>
+                </p:childTnLst>
+              </p:cTn>
+              <p:prevCondLst>
+                <p:cond evt="onPrev" delay="0">
+                  <p:tgtEl>
+                    <p:sldTgt/>
+                  </p:tgtEl>
+                </p:cond>
+              </p:prevCondLst>
+              <p:nextCondLst>
+                <p:cond evt="onNext" delay="0">
+                  <p:tgtEl>
+                    <p:sldTgt/>
+                  </p:tgtEl>
+                </p:cond>
+              </p:nextCondLst>
+            </p:seq>
+          </p:childTnLst>
+        </p:cTn>
+      </p:par>
+    </p:tnLst>
+  </p:timing>
 </p:sld>
 </file>
 
@@ -21974,7 +23321,7 @@
                   <a:srgbClr val="E46102"/>
                 </a:solidFill>
               </a:rPr>
-              <a:t>Build a model - 2</a:t>
+              <a:t>Build a model - 1</a:t>
             </a:r>
             <a:endParaRPr sz="4000" b="1" dirty="0">
               <a:solidFill>
@@ -22009,87 +23356,99 @@
           </a:bodyPr>
           <a:lstStyle/>
           <a:p>
-            <a:pPr lvl="0" algn="ctr">
-              <a:defRPr/>
-            </a:pPr>
-            <a:r>
-              <a:rPr lang="en-US" sz="2000" b="1" u="sng" dirty="0"/>
-              <a:t>One approach</a:t>
-            </a:r>
-          </a:p>
-          <a:p>
-            <a:pPr lvl="0">
-              <a:defRPr/>
+            <a:pPr marL="609585" indent="-507987">
+              <a:buSzPct val="100000"/>
+              <a:buChar char="●"/>
+            </a:pPr>
+            <a:r>
+              <a:rPr lang="en-US" sz="2000" dirty="0"/>
+              <a:t>Housing prices in CA</a:t>
+            </a:r>
+          </a:p>
+          <a:p>
+            <a:pPr marL="609585" indent="-507987">
+              <a:buSzPct val="100000"/>
+              <a:buChar char="●"/>
             </a:pPr>
             <a:endParaRPr lang="en-US" sz="2000" dirty="0"/>
           </a:p>
           <a:p>
-            <a:pPr lvl="0">
-              <a:defRPr/>
+            <a:pPr marL="609585" indent="-507987">
+              <a:buSzPct val="100000"/>
+              <a:buChar char="●"/>
             </a:pPr>
             <a:r>
               <a:rPr lang="en-US" sz="2000" dirty="0"/>
-              <a:t>Supervised learning task - since you are given labeled training examples (each instance comes with the expected output, i.e., the district’s median housing price)</a:t>
-            </a:r>
-          </a:p>
-          <a:p>
-            <a:pPr lvl="0">
-              <a:defRPr/>
+              <a:t>Data : CA census data, it has metrics such as population, median income, median housing price, and so on for each block group in California</a:t>
+            </a:r>
+          </a:p>
+          <a:p>
+            <a:pPr marL="609585" indent="-507987">
+              <a:buSzPct val="100000"/>
+              <a:buChar char="●"/>
             </a:pPr>
             <a:endParaRPr lang="en-US" sz="2000" dirty="0"/>
           </a:p>
           <a:p>
-            <a:pPr lvl="0">
-              <a:defRPr/>
+            <a:pPr marL="609585" indent="-507987">
+              <a:buSzPct val="100000"/>
+              <a:buChar char="●"/>
             </a:pPr>
             <a:r>
               <a:rPr lang="en-US" sz="2000" dirty="0"/>
-              <a:t>Regression task, since you are asked to predict a value. </a:t>
-            </a:r>
-          </a:p>
-          <a:p>
-            <a:pPr lvl="0">
-              <a:defRPr/>
+              <a:t>Goal: Predict median housing price in any district, given all the other metrics.</a:t>
+            </a:r>
+          </a:p>
+          <a:p>
+            <a:pPr marL="101598">
+              <a:buSzPct val="100000"/>
             </a:pPr>
             <a:endParaRPr lang="en-US" sz="2000" dirty="0"/>
           </a:p>
-          <a:p>
-            <a:pPr lvl="0">
-              <a:defRPr/>
-            </a:pPr>
-            <a:r>
-              <a:rPr lang="en-US" sz="2000" dirty="0"/>
-              <a:t>More specifically, this is a multiple regression problem since the system will use multiple features to make a prediction (it will use the district’s population, the median income, etc.). </a:t>
-            </a:r>
-          </a:p>
-          <a:p>
-            <a:pPr lvl="0">
-              <a:defRPr/>
-            </a:pPr>
-            <a:endParaRPr lang="en-US" sz="2000" dirty="0"/>
-          </a:p>
-          <a:p>
-            <a:pPr lvl="0">
-              <a:defRPr/>
-            </a:pPr>
-            <a:r>
-              <a:rPr lang="en-US" sz="2000" dirty="0"/>
-              <a:t>It is also a univariate regression problem since we are only trying to predict a single value for each district. </a:t>
-            </a:r>
-          </a:p>
-          <a:p>
-            <a:pPr lvl="0">
-              <a:defRPr/>
-            </a:pPr>
-            <a:endParaRPr lang="en-US" sz="2000" dirty="0"/>
-          </a:p>
-          <a:p>
-            <a:pPr lvl="0">
-              <a:defRPr/>
-            </a:pPr>
-            <a:r>
-              <a:rPr lang="en-US" sz="2000" dirty="0"/>
-              <a:t>No continuous flow of data coming in the system, there is no particular need to adjust to changing data rapidly, and the data is small enough to fit in memory, so plain batch learning should do just fine.</a:t>
+        </p:txBody>
+      </p:sp>
+      <p:sp>
+        <p:nvSpPr>
+          <p:cNvPr id="2" name="TextBox 1">
+            <a:extLst>
+              <a:ext uri="{FF2B5EF4-FFF2-40B4-BE49-F238E27FC236}">
+                <a16:creationId xmlns:a16="http://schemas.microsoft.com/office/drawing/2014/main" id="{3873BCF4-993D-4D20-B935-D19D85DD376F}"/>
+              </a:ext>
+            </a:extLst>
+          </p:cNvPr>
+          <p:cNvSpPr txBox="1"/>
+          <p:nvPr/>
+        </p:nvSpPr>
+        <p:spPr>
+          <a:xfrm flipH="1">
+            <a:off x="3579575" y="4474249"/>
+            <a:ext cx="5032850" cy="461665"/>
+          </a:xfrm>
+          <a:prstGeom prst="rect">
+            <a:avLst/>
+          </a:prstGeom>
+          <a:solidFill>
+            <a:schemeClr val="accent1">
+              <a:lumMod val="40000"/>
+              <a:lumOff val="60000"/>
+            </a:schemeClr>
+          </a:solidFill>
+          <a:ln w="28575">
+            <a:solidFill>
+              <a:srgbClr val="E46102"/>
+            </a:solidFill>
+          </a:ln>
+        </p:spPr>
+        <p:txBody>
+          <a:bodyPr wrap="square" rtlCol="0">
+            <a:spAutoFit/>
+          </a:bodyPr>
+          <a:lstStyle/>
+          <a:p>
+            <a:pPr algn="ctr"/>
+            <a:r>
+              <a:rPr lang="en-US" dirty="0"/>
+              <a:t>What should you do next?</a:t>
             </a:r>
           </a:p>
         </p:txBody>
@@ -22097,13 +23456,226 @@
     </p:spTree>
     <p:extLst>
       <p:ext uri="{BB962C8B-B14F-4D97-AF65-F5344CB8AC3E}">
-        <p14:creationId xmlns:p14="http://schemas.microsoft.com/office/powerpoint/2010/main" val="1025045661"/>
+        <p14:creationId xmlns:p14="http://schemas.microsoft.com/office/powerpoint/2010/main" val="2937816385"/>
       </p:ext>
     </p:extLst>
   </p:cSld>
   <p:clrMapOvr>
     <a:masterClrMapping/>
   </p:clrMapOvr>
+  <p:timing>
+    <p:tnLst>
+      <p:par>
+        <p:cTn id="1" dur="indefinite" restart="never" nodeType="tmRoot">
+          <p:childTnLst>
+            <p:seq concurrent="1" nextAc="seek">
+              <p:cTn id="2" dur="indefinite" nodeType="mainSeq">
+                <p:childTnLst>
+                  <p:par>
+                    <p:cTn id="3" fill="hold">
+                      <p:stCondLst>
+                        <p:cond delay="indefinite"/>
+                      </p:stCondLst>
+                      <p:childTnLst>
+                        <p:par>
+                          <p:cTn id="4" fill="hold">
+                            <p:stCondLst>
+                              <p:cond delay="0"/>
+                            </p:stCondLst>
+                            <p:childTnLst>
+                              <p:par>
+                                <p:cTn id="5" presetID="10" presetClass="entr" presetSubtype="0" fill="hold" nodeType="clickEffect">
+                                  <p:stCondLst>
+                                    <p:cond delay="0"/>
+                                  </p:stCondLst>
+                                  <p:childTnLst>
+                                    <p:set>
+                                      <p:cBhvr>
+                                        <p:cTn id="6" dur="1" fill="hold">
+                                          <p:stCondLst>
+                                            <p:cond delay="0"/>
+                                          </p:stCondLst>
+                                        </p:cTn>
+                                        <p:tgtEl>
+                                          <p:spTgt spid="96">
+                                            <p:txEl>
+                                              <p:pRg st="0" end="0"/>
+                                            </p:txEl>
+                                          </p:spTgt>
+                                        </p:tgtEl>
+                                        <p:attrNameLst>
+                                          <p:attrName>style.visibility</p:attrName>
+                                        </p:attrNameLst>
+                                      </p:cBhvr>
+                                      <p:to>
+                                        <p:strVal val="visible"/>
+                                      </p:to>
+                                    </p:set>
+                                    <p:animEffect transition="in" filter="fade">
+                                      <p:cBhvr>
+                                        <p:cTn id="7" dur="1000"/>
+                                        <p:tgtEl>
+                                          <p:spTgt spid="96">
+                                            <p:txEl>
+                                              <p:pRg st="0" end="0"/>
+                                            </p:txEl>
+                                          </p:spTgt>
+                                        </p:tgtEl>
+                                      </p:cBhvr>
+                                    </p:animEffect>
+                                  </p:childTnLst>
+                                </p:cTn>
+                              </p:par>
+                            </p:childTnLst>
+                          </p:cTn>
+                        </p:par>
+                      </p:childTnLst>
+                    </p:cTn>
+                  </p:par>
+                  <p:par>
+                    <p:cTn id="8" fill="hold">
+                      <p:stCondLst>
+                        <p:cond delay="indefinite"/>
+                      </p:stCondLst>
+                      <p:childTnLst>
+                        <p:par>
+                          <p:cTn id="9" fill="hold">
+                            <p:stCondLst>
+                              <p:cond delay="0"/>
+                            </p:stCondLst>
+                            <p:childTnLst>
+                              <p:par>
+                                <p:cTn id="10" presetID="10" presetClass="entr" presetSubtype="0" fill="hold" nodeType="clickEffect">
+                                  <p:stCondLst>
+                                    <p:cond delay="0"/>
+                                  </p:stCondLst>
+                                  <p:childTnLst>
+                                    <p:set>
+                                      <p:cBhvr>
+                                        <p:cTn id="11" dur="1" fill="hold">
+                                          <p:stCondLst>
+                                            <p:cond delay="0"/>
+                                          </p:stCondLst>
+                                        </p:cTn>
+                                        <p:tgtEl>
+                                          <p:spTgt spid="96">
+                                            <p:txEl>
+                                              <p:pRg st="2" end="2"/>
+                                            </p:txEl>
+                                          </p:spTgt>
+                                        </p:tgtEl>
+                                        <p:attrNameLst>
+                                          <p:attrName>style.visibility</p:attrName>
+                                        </p:attrNameLst>
+                                      </p:cBhvr>
+                                      <p:to>
+                                        <p:strVal val="visible"/>
+                                      </p:to>
+                                    </p:set>
+                                    <p:animEffect transition="in" filter="fade">
+                                      <p:cBhvr>
+                                        <p:cTn id="12" dur="1000"/>
+                                        <p:tgtEl>
+                                          <p:spTgt spid="96">
+                                            <p:txEl>
+                                              <p:pRg st="2" end="2"/>
+                                            </p:txEl>
+                                          </p:spTgt>
+                                        </p:tgtEl>
+                                      </p:cBhvr>
+                                    </p:animEffect>
+                                  </p:childTnLst>
+                                </p:cTn>
+                              </p:par>
+                            </p:childTnLst>
+                          </p:cTn>
+                        </p:par>
+                      </p:childTnLst>
+                    </p:cTn>
+                  </p:par>
+                  <p:par>
+                    <p:cTn id="13" fill="hold">
+                      <p:stCondLst>
+                        <p:cond delay="indefinite"/>
+                      </p:stCondLst>
+                      <p:childTnLst>
+                        <p:par>
+                          <p:cTn id="14" fill="hold">
+                            <p:stCondLst>
+                              <p:cond delay="0"/>
+                            </p:stCondLst>
+                            <p:childTnLst>
+                              <p:par>
+                                <p:cTn id="15" presetID="10" presetClass="entr" presetSubtype="0" fill="hold" nodeType="clickEffect">
+                                  <p:stCondLst>
+                                    <p:cond delay="0"/>
+                                  </p:stCondLst>
+                                  <p:childTnLst>
+                                    <p:set>
+                                      <p:cBhvr>
+                                        <p:cTn id="16" dur="1" fill="hold">
+                                          <p:stCondLst>
+                                            <p:cond delay="0"/>
+                                          </p:stCondLst>
+                                        </p:cTn>
+                                        <p:tgtEl>
+                                          <p:spTgt spid="96">
+                                            <p:txEl>
+                                              <p:pRg st="4" end="4"/>
+                                            </p:txEl>
+                                          </p:spTgt>
+                                        </p:tgtEl>
+                                        <p:attrNameLst>
+                                          <p:attrName>style.visibility</p:attrName>
+                                        </p:attrNameLst>
+                                      </p:cBhvr>
+                                      <p:to>
+                                        <p:strVal val="visible"/>
+                                      </p:to>
+                                    </p:set>
+                                    <p:animEffect transition="in" filter="fade">
+                                      <p:cBhvr>
+                                        <p:cTn id="17" dur="1000"/>
+                                        <p:tgtEl>
+                                          <p:spTgt spid="96">
+                                            <p:txEl>
+                                              <p:pRg st="4" end="4"/>
+                                            </p:txEl>
+                                          </p:spTgt>
+                                        </p:tgtEl>
+                                      </p:cBhvr>
+                                    </p:animEffect>
+                                  </p:childTnLst>
+                                </p:cTn>
+                              </p:par>
+                            </p:childTnLst>
+                          </p:cTn>
+                        </p:par>
+                      </p:childTnLst>
+                    </p:cTn>
+                  </p:par>
+                </p:childTnLst>
+              </p:cTn>
+              <p:prevCondLst>
+                <p:cond evt="onPrev" delay="0">
+                  <p:tgtEl>
+                    <p:sldTgt/>
+                  </p:tgtEl>
+                </p:cond>
+              </p:prevCondLst>
+              <p:nextCondLst>
+                <p:cond evt="onNext" delay="0">
+                  <p:tgtEl>
+                    <p:sldTgt/>
+                  </p:tgtEl>
+                </p:cond>
+              </p:nextCondLst>
+            </p:seq>
+          </p:childTnLst>
+        </p:cTn>
+      </p:par>
+    </p:tnLst>
+  </p:timing>
 </p:sld>
 </file>
 
@@ -22204,7 +23776,7 @@
             </a:pPr>
             <a:r>
               <a:rPr lang="en-US" sz="2000" dirty="0"/>
-              <a:t>Frame the Problem.</a:t>
+              <a:t>Frame the Problem</a:t>
             </a:r>
           </a:p>
           <a:p>
@@ -22212,100 +23784,6 @@
               <a:buSzPct val="100000"/>
               <a:buFont typeface="+mj-lt"/>
               <a:buAutoNum type="arabicPeriod"/>
-            </a:pPr>
-            <a:endParaRPr lang="en-US" sz="2000" dirty="0"/>
-          </a:p>
-          <a:p>
-            <a:pPr marL="558798" indent="-457200">
-              <a:buSzPct val="100000"/>
-              <a:buFont typeface="+mj-lt"/>
-              <a:buAutoNum type="arabicPeriod"/>
-            </a:pPr>
-            <a:r>
-              <a:rPr lang="en-US" sz="2000" dirty="0"/>
-              <a:t>What is the current solution?</a:t>
-            </a:r>
-          </a:p>
-          <a:p>
-            <a:pPr marL="558798" indent="-457200">
-              <a:buSzPct val="100000"/>
-              <a:buFont typeface="+mj-lt"/>
-              <a:buAutoNum type="arabicPeriod"/>
-            </a:pPr>
-            <a:endParaRPr lang="en-US" sz="2000" dirty="0"/>
-          </a:p>
-          <a:p>
-            <a:pPr marL="558798" indent="-457200">
-              <a:buSzPct val="100000"/>
-              <a:buFont typeface="+mj-lt"/>
-              <a:buAutoNum type="arabicPeriod"/>
-            </a:pPr>
-            <a:r>
-              <a:rPr lang="en-US" sz="2000" dirty="0"/>
-              <a:t>Start designing your system – </a:t>
-            </a:r>
-          </a:p>
-          <a:p>
-            <a:pPr marL="1168383" lvl="1" indent="-457200">
-              <a:buSzPct val="100000"/>
-              <a:buFont typeface="+mj-lt"/>
-              <a:buAutoNum type="arabicPeriod"/>
-            </a:pPr>
-            <a:r>
-              <a:rPr lang="en-US" sz="2000" dirty="0"/>
-              <a:t>Is it supervised, unsupervised, or reinforcement learning?</a:t>
-            </a:r>
-          </a:p>
-          <a:p>
-            <a:pPr marL="1168383" lvl="1" indent="-457200">
-              <a:buSzPct val="100000"/>
-              <a:buFont typeface="+mj-lt"/>
-              <a:buAutoNum type="arabicPeriod"/>
-            </a:pPr>
-            <a:r>
-              <a:rPr lang="en-US" sz="2000" dirty="0"/>
-              <a:t>Is it a classification, regression or some other task?</a:t>
-            </a:r>
-          </a:p>
-          <a:p>
-            <a:pPr marL="1168383" lvl="1" indent="-457200">
-              <a:buSzPct val="100000"/>
-              <a:buFont typeface="+mj-lt"/>
-              <a:buAutoNum type="arabicPeriod"/>
-            </a:pPr>
-            <a:r>
-              <a:rPr lang="en-US" sz="2000" dirty="0"/>
-              <a:t>Should you use batch or online learning?</a:t>
-            </a:r>
-          </a:p>
-          <a:p>
-            <a:pPr marL="711183" lvl="1">
-              <a:buSzPct val="100000"/>
-            </a:pPr>
-            <a:endParaRPr lang="en-US" sz="2000" dirty="0"/>
-          </a:p>
-          <a:p>
-            <a:pPr marL="558798" indent="-457200">
-              <a:buSzPct val="100000"/>
-              <a:buFont typeface="+mj-lt"/>
-              <a:buAutoNum type="arabicPeriod"/>
-            </a:pPr>
-            <a:r>
-              <a:rPr lang="en-US" sz="2000" dirty="0"/>
-              <a:t>Select a Model Performance measure</a:t>
-            </a:r>
-          </a:p>
-          <a:p>
-            <a:pPr marL="1777968" lvl="2" indent="-457200">
-              <a:buSzPct val="100000"/>
-              <a:buFont typeface="Arial" panose="020B0604020202020204" pitchFamily="34" charset="0"/>
-              <a:buChar char="•"/>
-            </a:pPr>
-            <a:endParaRPr lang="en-US" sz="2000" dirty="0"/>
-          </a:p>
-          <a:p>
-            <a:pPr marL="101598">
-              <a:buSzPct val="100000"/>
             </a:pPr>
             <a:endParaRPr lang="en-US" sz="2000" dirty="0"/>
           </a:p>
@@ -22314,7 +23792,7 @@
     </p:spTree>
     <p:extLst>
       <p:ext uri="{BB962C8B-B14F-4D97-AF65-F5344CB8AC3E}">
-        <p14:creationId xmlns:p14="http://schemas.microsoft.com/office/powerpoint/2010/main" val="2179181233"/>
+        <p14:creationId xmlns:p14="http://schemas.microsoft.com/office/powerpoint/2010/main" val="2923327648"/>
       </p:ext>
     </p:extLst>
   </p:cSld>
@@ -22390,6 +23868,784 @@
         </p:nvSpPr>
         <p:spPr>
           <a:xfrm>
+            <a:off x="521776" y="1137532"/>
+            <a:ext cx="11277600" cy="5198874"/>
+          </a:xfrm>
+          <a:prstGeom prst="rect">
+            <a:avLst/>
+          </a:prstGeom>
+          <a:noFill/>
+          <a:ln>
+            <a:noFill/>
+          </a:ln>
+        </p:spPr>
+        <p:txBody>
+          <a:bodyPr spcFirstLastPara="1" wrap="square" lIns="121900" tIns="121900" rIns="121900" bIns="121900" anchor="t" anchorCtr="0">
+            <a:noAutofit/>
+          </a:bodyPr>
+          <a:lstStyle/>
+          <a:p>
+            <a:pPr marL="609585" indent="-507987">
+              <a:buSzPct val="100000"/>
+              <a:buChar char="●"/>
+            </a:pPr>
+            <a:endParaRPr lang="en-US" sz="2000" dirty="0"/>
+          </a:p>
+          <a:p>
+            <a:pPr marL="558798" indent="-457200">
+              <a:buSzPct val="100000"/>
+              <a:buFont typeface="+mj-lt"/>
+              <a:buAutoNum type="arabicPeriod"/>
+            </a:pPr>
+            <a:r>
+              <a:rPr lang="en-US" sz="2000" dirty="0"/>
+              <a:t>Frame the Problem.</a:t>
+            </a:r>
+          </a:p>
+          <a:p>
+            <a:pPr marL="558798" indent="-457200">
+              <a:buSzPct val="100000"/>
+              <a:buFont typeface="+mj-lt"/>
+              <a:buAutoNum type="arabicPeriod"/>
+            </a:pPr>
+            <a:endParaRPr lang="en-US" sz="2000" dirty="0"/>
+          </a:p>
+          <a:p>
+            <a:pPr marL="558798" indent="-457200">
+              <a:buSzPct val="100000"/>
+              <a:buFont typeface="+mj-lt"/>
+              <a:buAutoNum type="arabicPeriod"/>
+            </a:pPr>
+            <a:r>
+              <a:rPr lang="en-US" sz="2000" dirty="0"/>
+              <a:t>What is the current solution?</a:t>
+            </a:r>
+          </a:p>
+          <a:p>
+            <a:pPr marL="558798" indent="-457200">
+              <a:buSzPct val="100000"/>
+              <a:buFont typeface="+mj-lt"/>
+              <a:buAutoNum type="arabicPeriod"/>
+            </a:pPr>
+            <a:endParaRPr lang="en-US" sz="2000" dirty="0"/>
+          </a:p>
+        </p:txBody>
+      </p:sp>
+    </p:spTree>
+    <p:extLst>
+      <p:ext uri="{BB962C8B-B14F-4D97-AF65-F5344CB8AC3E}">
+        <p14:creationId xmlns:p14="http://schemas.microsoft.com/office/powerpoint/2010/main" val="1911188984"/>
+      </p:ext>
+    </p:extLst>
+  </p:cSld>
+  <p:clrMapOvr>
+    <a:masterClrMapping/>
+  </p:clrMapOvr>
+</p:sld>
+</file>
+
+<file path=ppt/slides/slide34.xml><?xml version="1.0" encoding="utf-8"?>
+<p:sld xmlns:a="http://schemas.openxmlformats.org/drawingml/2006/main" xmlns:r="http://schemas.openxmlformats.org/officeDocument/2006/relationships" xmlns:p="http://schemas.openxmlformats.org/presentationml/2006/main">
+  <p:cSld>
+    <p:spTree>
+      <p:nvGrpSpPr>
+        <p:cNvPr id="1" name="Shape 94"/>
+        <p:cNvGrpSpPr/>
+        <p:nvPr/>
+      </p:nvGrpSpPr>
+      <p:grpSpPr>
+        <a:xfrm>
+          <a:off x="0" y="0"/>
+          <a:ext cx="0" cy="0"/>
+          <a:chOff x="0" y="0"/>
+          <a:chExt cx="0" cy="0"/>
+        </a:xfrm>
+      </p:grpSpPr>
+      <p:sp>
+        <p:nvSpPr>
+          <p:cNvPr id="95" name="Google Shape;95;p14"/>
+          <p:cNvSpPr txBox="1">
+            <a:spLocks noGrp="1"/>
+          </p:cNvSpPr>
+          <p:nvPr>
+            <p:ph type="title" idx="4294967295"/>
+          </p:nvPr>
+        </p:nvSpPr>
+        <p:spPr>
+          <a:xfrm>
+            <a:off x="717173" y="559537"/>
+            <a:ext cx="10972800" cy="506789"/>
+          </a:xfrm>
+          <a:prstGeom prst="rect">
+            <a:avLst/>
+          </a:prstGeom>
+        </p:spPr>
+        <p:txBody>
+          <a:bodyPr spcFirstLastPara="1" wrap="square" lIns="121900" tIns="121900" rIns="121900" bIns="121900" anchor="ctr" anchorCtr="0">
+            <a:noAutofit/>
+          </a:bodyPr>
+          <a:lstStyle/>
+          <a:p>
+            <a:r>
+              <a:rPr lang="en-US" sz="4000" b="1" dirty="0">
+                <a:solidFill>
+                  <a:srgbClr val="E46102"/>
+                </a:solidFill>
+              </a:rPr>
+              <a:t>Build a model - 2</a:t>
+            </a:r>
+            <a:endParaRPr sz="4000" b="1" dirty="0">
+              <a:solidFill>
+                <a:srgbClr val="E46102"/>
+              </a:solidFill>
+            </a:endParaRPr>
+          </a:p>
+        </p:txBody>
+      </p:sp>
+      <p:sp>
+        <p:nvSpPr>
+          <p:cNvPr id="96" name="Google Shape;96;p14"/>
+          <p:cNvSpPr txBox="1"/>
+          <p:nvPr/>
+        </p:nvSpPr>
+        <p:spPr>
+          <a:xfrm>
+            <a:off x="521776" y="1137532"/>
+            <a:ext cx="11277600" cy="5198874"/>
+          </a:xfrm>
+          <a:prstGeom prst="rect">
+            <a:avLst/>
+          </a:prstGeom>
+          <a:noFill/>
+          <a:ln>
+            <a:noFill/>
+          </a:ln>
+        </p:spPr>
+        <p:txBody>
+          <a:bodyPr spcFirstLastPara="1" wrap="square" lIns="121900" tIns="121900" rIns="121900" bIns="121900" anchor="t" anchorCtr="0">
+            <a:noAutofit/>
+          </a:bodyPr>
+          <a:lstStyle/>
+          <a:p>
+            <a:pPr marL="609585" indent="-507987">
+              <a:buSzPct val="100000"/>
+              <a:buChar char="●"/>
+            </a:pPr>
+            <a:endParaRPr lang="en-US" sz="2000" dirty="0"/>
+          </a:p>
+          <a:p>
+            <a:pPr marL="558798" indent="-457200">
+              <a:buSzPct val="100000"/>
+              <a:buFont typeface="+mj-lt"/>
+              <a:buAutoNum type="arabicPeriod"/>
+            </a:pPr>
+            <a:r>
+              <a:rPr lang="en-US" sz="2000" dirty="0"/>
+              <a:t>Frame the Problem.</a:t>
+            </a:r>
+          </a:p>
+          <a:p>
+            <a:pPr marL="558798" indent="-457200">
+              <a:buSzPct val="100000"/>
+              <a:buFont typeface="+mj-lt"/>
+              <a:buAutoNum type="arabicPeriod"/>
+            </a:pPr>
+            <a:endParaRPr lang="en-US" sz="2000" dirty="0"/>
+          </a:p>
+          <a:p>
+            <a:pPr marL="558798" indent="-457200">
+              <a:buSzPct val="100000"/>
+              <a:buFont typeface="+mj-lt"/>
+              <a:buAutoNum type="arabicPeriod"/>
+            </a:pPr>
+            <a:r>
+              <a:rPr lang="en-US" sz="2000" dirty="0"/>
+              <a:t>What is the current solution?</a:t>
+            </a:r>
+          </a:p>
+          <a:p>
+            <a:pPr marL="558798" indent="-457200">
+              <a:buSzPct val="100000"/>
+              <a:buFont typeface="+mj-lt"/>
+              <a:buAutoNum type="arabicPeriod"/>
+            </a:pPr>
+            <a:endParaRPr lang="en-US" sz="2000" dirty="0"/>
+          </a:p>
+          <a:p>
+            <a:pPr marL="558798" indent="-457200">
+              <a:buSzPct val="100000"/>
+              <a:buFont typeface="+mj-lt"/>
+              <a:buAutoNum type="arabicPeriod"/>
+            </a:pPr>
+            <a:r>
+              <a:rPr lang="en-US" sz="2000" dirty="0"/>
+              <a:t>Start designing your system – </a:t>
+            </a:r>
+          </a:p>
+          <a:p>
+            <a:pPr marL="1168383" lvl="1" indent="-457200">
+              <a:buSzPct val="100000"/>
+              <a:buFont typeface="+mj-lt"/>
+              <a:buAutoNum type="arabicPeriod"/>
+            </a:pPr>
+            <a:r>
+              <a:rPr lang="en-US" sz="2000" dirty="0"/>
+              <a:t>Is it supervised, unsupervised, or reinforcement learning?</a:t>
+            </a:r>
+          </a:p>
+          <a:p>
+            <a:pPr marL="1168383" lvl="1" indent="-457200">
+              <a:buSzPct val="100000"/>
+              <a:buFont typeface="+mj-lt"/>
+              <a:buAutoNum type="arabicPeriod"/>
+            </a:pPr>
+            <a:r>
+              <a:rPr lang="en-US" sz="2000" dirty="0"/>
+              <a:t>Is it a classification, regression or some other task?</a:t>
+            </a:r>
+          </a:p>
+          <a:p>
+            <a:pPr marL="1168383" lvl="1" indent="-457200">
+              <a:buSzPct val="100000"/>
+              <a:buFont typeface="+mj-lt"/>
+              <a:buAutoNum type="arabicPeriod"/>
+            </a:pPr>
+            <a:r>
+              <a:rPr lang="en-US" sz="2000" dirty="0"/>
+              <a:t>Should you use batch or online learning?</a:t>
+            </a:r>
+          </a:p>
+          <a:p>
+            <a:pPr marL="101598">
+              <a:buSzPct val="100000"/>
+            </a:pPr>
+            <a:endParaRPr lang="en-US" sz="2000" dirty="0"/>
+          </a:p>
+        </p:txBody>
+      </p:sp>
+      <p:sp>
+        <p:nvSpPr>
+          <p:cNvPr id="2" name="TextBox 1">
+            <a:extLst>
+              <a:ext uri="{FF2B5EF4-FFF2-40B4-BE49-F238E27FC236}">
+                <a16:creationId xmlns:a16="http://schemas.microsoft.com/office/drawing/2014/main" id="{7CF50DEA-DA45-47E8-9F05-20DF72A22AF5}"/>
+              </a:ext>
+            </a:extLst>
+          </p:cNvPr>
+          <p:cNvSpPr txBox="1"/>
+          <p:nvPr/>
+        </p:nvSpPr>
+        <p:spPr>
+          <a:xfrm>
+            <a:off x="2992192" y="4314423"/>
+            <a:ext cx="5941453" cy="461665"/>
+          </a:xfrm>
+          <a:prstGeom prst="rect">
+            <a:avLst/>
+          </a:prstGeom>
+          <a:solidFill>
+            <a:schemeClr val="accent1">
+              <a:lumMod val="40000"/>
+              <a:lumOff val="60000"/>
+            </a:schemeClr>
+          </a:solidFill>
+          <a:ln w="28575">
+            <a:solidFill>
+              <a:srgbClr val="E46102"/>
+            </a:solidFill>
+          </a:ln>
+        </p:spPr>
+        <p:txBody>
+          <a:bodyPr wrap="square" rtlCol="0">
+            <a:spAutoFit/>
+          </a:bodyPr>
+          <a:lstStyle/>
+          <a:p>
+            <a:pPr algn="ctr"/>
+            <a:r>
+              <a:rPr lang="en-US" dirty="0"/>
+              <a:t>Lets Discuss</a:t>
+            </a:r>
+          </a:p>
+        </p:txBody>
+      </p:sp>
+    </p:spTree>
+    <p:extLst>
+      <p:ext uri="{BB962C8B-B14F-4D97-AF65-F5344CB8AC3E}">
+        <p14:creationId xmlns:p14="http://schemas.microsoft.com/office/powerpoint/2010/main" val="1919109643"/>
+      </p:ext>
+    </p:extLst>
+  </p:cSld>
+  <p:clrMapOvr>
+    <a:masterClrMapping/>
+  </p:clrMapOvr>
+</p:sld>
+</file>
+
+<file path=ppt/slides/slide35.xml><?xml version="1.0" encoding="utf-8"?>
+<p:sld xmlns:a="http://schemas.openxmlformats.org/drawingml/2006/main" xmlns:r="http://schemas.openxmlformats.org/officeDocument/2006/relationships" xmlns:p="http://schemas.openxmlformats.org/presentationml/2006/main">
+  <p:cSld>
+    <p:spTree>
+      <p:nvGrpSpPr>
+        <p:cNvPr id="1" name="Shape 94"/>
+        <p:cNvGrpSpPr/>
+        <p:nvPr/>
+      </p:nvGrpSpPr>
+      <p:grpSpPr>
+        <a:xfrm>
+          <a:off x="0" y="0"/>
+          <a:ext cx="0" cy="0"/>
+          <a:chOff x="0" y="0"/>
+          <a:chExt cx="0" cy="0"/>
+        </a:xfrm>
+      </p:grpSpPr>
+      <p:sp>
+        <p:nvSpPr>
+          <p:cNvPr id="95" name="Google Shape;95;p14"/>
+          <p:cNvSpPr txBox="1">
+            <a:spLocks noGrp="1"/>
+          </p:cNvSpPr>
+          <p:nvPr>
+            <p:ph type="title" idx="4294967295"/>
+          </p:nvPr>
+        </p:nvSpPr>
+        <p:spPr>
+          <a:xfrm>
+            <a:off x="717173" y="559537"/>
+            <a:ext cx="10972800" cy="506789"/>
+          </a:xfrm>
+          <a:prstGeom prst="rect">
+            <a:avLst/>
+          </a:prstGeom>
+        </p:spPr>
+        <p:txBody>
+          <a:bodyPr spcFirstLastPara="1" wrap="square" lIns="121900" tIns="121900" rIns="121900" bIns="121900" anchor="ctr" anchorCtr="0">
+            <a:noAutofit/>
+          </a:bodyPr>
+          <a:lstStyle/>
+          <a:p>
+            <a:r>
+              <a:rPr lang="en-US" sz="4000" b="1" dirty="0">
+                <a:solidFill>
+                  <a:srgbClr val="E46102"/>
+                </a:solidFill>
+              </a:rPr>
+              <a:t>Build a model - 2</a:t>
+            </a:r>
+            <a:endParaRPr sz="4000" b="1" dirty="0">
+              <a:solidFill>
+                <a:srgbClr val="E46102"/>
+              </a:solidFill>
+            </a:endParaRPr>
+          </a:p>
+        </p:txBody>
+      </p:sp>
+      <p:sp>
+        <p:nvSpPr>
+          <p:cNvPr id="96" name="Google Shape;96;p14"/>
+          <p:cNvSpPr txBox="1"/>
+          <p:nvPr/>
+        </p:nvSpPr>
+        <p:spPr>
+          <a:xfrm>
+            <a:off x="521776" y="1137532"/>
+            <a:ext cx="11277600" cy="5198874"/>
+          </a:xfrm>
+          <a:prstGeom prst="rect">
+            <a:avLst/>
+          </a:prstGeom>
+          <a:noFill/>
+          <a:ln>
+            <a:noFill/>
+          </a:ln>
+        </p:spPr>
+        <p:txBody>
+          <a:bodyPr spcFirstLastPara="1" wrap="square" lIns="121900" tIns="121900" rIns="121900" bIns="121900" anchor="t" anchorCtr="0">
+            <a:noAutofit/>
+          </a:bodyPr>
+          <a:lstStyle/>
+          <a:p>
+            <a:pPr lvl="0" algn="ctr">
+              <a:defRPr/>
+            </a:pPr>
+            <a:r>
+              <a:rPr lang="en-US" sz="2000" b="1" u="sng" dirty="0"/>
+              <a:t>One approach</a:t>
+            </a:r>
+          </a:p>
+          <a:p>
+            <a:pPr lvl="0">
+              <a:defRPr/>
+            </a:pPr>
+            <a:endParaRPr lang="en-US" sz="2000" dirty="0"/>
+          </a:p>
+          <a:p>
+            <a:pPr lvl="0">
+              <a:defRPr/>
+            </a:pPr>
+            <a:r>
+              <a:rPr lang="en-US" sz="2000" dirty="0"/>
+              <a:t>Supervised learning task - since you are given labeled training examples (each instance comes with the expected output, i.e., the district’s median housing price)</a:t>
+            </a:r>
+          </a:p>
+          <a:p>
+            <a:pPr lvl="0">
+              <a:defRPr/>
+            </a:pPr>
+            <a:endParaRPr lang="en-US" sz="2000" dirty="0"/>
+          </a:p>
+          <a:p>
+            <a:pPr lvl="0">
+              <a:defRPr/>
+            </a:pPr>
+            <a:r>
+              <a:rPr lang="en-US" sz="2000" dirty="0"/>
+              <a:t>Regression task, since you are asked to predict a value. </a:t>
+            </a:r>
+          </a:p>
+          <a:p>
+            <a:pPr lvl="0">
+              <a:defRPr/>
+            </a:pPr>
+            <a:endParaRPr lang="en-US" sz="2000" dirty="0"/>
+          </a:p>
+          <a:p>
+            <a:pPr lvl="0">
+              <a:defRPr/>
+            </a:pPr>
+            <a:r>
+              <a:rPr lang="en-US" sz="2000" dirty="0"/>
+              <a:t>More specifically, this is a multiple regression problem since the system will use multiple features to make a prediction (it will use the district’s population, the median income, etc.). </a:t>
+            </a:r>
+          </a:p>
+          <a:p>
+            <a:pPr lvl="0">
+              <a:defRPr/>
+            </a:pPr>
+            <a:endParaRPr lang="en-US" sz="2000" dirty="0"/>
+          </a:p>
+          <a:p>
+            <a:pPr lvl="0">
+              <a:defRPr/>
+            </a:pPr>
+            <a:r>
+              <a:rPr lang="en-US" sz="2000" dirty="0"/>
+              <a:t>It is also a univariate regression problem since we are only trying to predict a single value for each district. </a:t>
+            </a:r>
+          </a:p>
+          <a:p>
+            <a:pPr lvl="0">
+              <a:defRPr/>
+            </a:pPr>
+            <a:endParaRPr lang="en-US" sz="2000" dirty="0"/>
+          </a:p>
+          <a:p>
+            <a:pPr lvl="0">
+              <a:defRPr/>
+            </a:pPr>
+            <a:r>
+              <a:rPr lang="en-US" sz="2000" dirty="0"/>
+              <a:t>No continuous flow of data coming in the system, there is no particular need to adjust to changing data rapidly, and the data is small enough to fit in memory, so plain batch learning should do just fine.</a:t>
+            </a:r>
+          </a:p>
+        </p:txBody>
+      </p:sp>
+    </p:spTree>
+    <p:extLst>
+      <p:ext uri="{BB962C8B-B14F-4D97-AF65-F5344CB8AC3E}">
+        <p14:creationId xmlns:p14="http://schemas.microsoft.com/office/powerpoint/2010/main" val="1025045661"/>
+      </p:ext>
+    </p:extLst>
+  </p:cSld>
+  <p:clrMapOvr>
+    <a:masterClrMapping/>
+  </p:clrMapOvr>
+</p:sld>
+</file>
+
+<file path=ppt/slides/slide36.xml><?xml version="1.0" encoding="utf-8"?>
+<p:sld xmlns:a="http://schemas.openxmlformats.org/drawingml/2006/main" xmlns:r="http://schemas.openxmlformats.org/officeDocument/2006/relationships" xmlns:p="http://schemas.openxmlformats.org/presentationml/2006/main">
+  <p:cSld>
+    <p:spTree>
+      <p:nvGrpSpPr>
+        <p:cNvPr id="1" name="Shape 94"/>
+        <p:cNvGrpSpPr/>
+        <p:nvPr/>
+      </p:nvGrpSpPr>
+      <p:grpSpPr>
+        <a:xfrm>
+          <a:off x="0" y="0"/>
+          <a:ext cx="0" cy="0"/>
+          <a:chOff x="0" y="0"/>
+          <a:chExt cx="0" cy="0"/>
+        </a:xfrm>
+      </p:grpSpPr>
+      <p:sp>
+        <p:nvSpPr>
+          <p:cNvPr id="95" name="Google Shape;95;p14"/>
+          <p:cNvSpPr txBox="1">
+            <a:spLocks noGrp="1"/>
+          </p:cNvSpPr>
+          <p:nvPr>
+            <p:ph type="title" idx="4294967295"/>
+          </p:nvPr>
+        </p:nvSpPr>
+        <p:spPr>
+          <a:xfrm>
+            <a:off x="717173" y="559537"/>
+            <a:ext cx="10972800" cy="506789"/>
+          </a:xfrm>
+          <a:prstGeom prst="rect">
+            <a:avLst/>
+          </a:prstGeom>
+        </p:spPr>
+        <p:txBody>
+          <a:bodyPr spcFirstLastPara="1" wrap="square" lIns="121900" tIns="121900" rIns="121900" bIns="121900" anchor="ctr" anchorCtr="0">
+            <a:noAutofit/>
+          </a:bodyPr>
+          <a:lstStyle/>
+          <a:p>
+            <a:r>
+              <a:rPr lang="en-US" sz="4000" b="1" dirty="0">
+                <a:solidFill>
+                  <a:srgbClr val="E46102"/>
+                </a:solidFill>
+              </a:rPr>
+              <a:t>Build a model - 2</a:t>
+            </a:r>
+            <a:endParaRPr sz="4000" b="1" dirty="0">
+              <a:solidFill>
+                <a:srgbClr val="E46102"/>
+              </a:solidFill>
+            </a:endParaRPr>
+          </a:p>
+        </p:txBody>
+      </p:sp>
+      <p:sp>
+        <p:nvSpPr>
+          <p:cNvPr id="96" name="Google Shape;96;p14"/>
+          <p:cNvSpPr txBox="1"/>
+          <p:nvPr/>
+        </p:nvSpPr>
+        <p:spPr>
+          <a:xfrm>
+            <a:off x="521776" y="1137532"/>
+            <a:ext cx="11277600" cy="5198874"/>
+          </a:xfrm>
+          <a:prstGeom prst="rect">
+            <a:avLst/>
+          </a:prstGeom>
+          <a:noFill/>
+          <a:ln>
+            <a:noFill/>
+          </a:ln>
+        </p:spPr>
+        <p:txBody>
+          <a:bodyPr spcFirstLastPara="1" wrap="square" lIns="121900" tIns="121900" rIns="121900" bIns="121900" anchor="t" anchorCtr="0">
+            <a:noAutofit/>
+          </a:bodyPr>
+          <a:lstStyle/>
+          <a:p>
+            <a:pPr marL="609585" indent="-507987">
+              <a:buSzPct val="100000"/>
+              <a:buChar char="●"/>
+            </a:pPr>
+            <a:endParaRPr lang="en-US" sz="2000" dirty="0"/>
+          </a:p>
+          <a:p>
+            <a:pPr marL="558798" indent="-457200">
+              <a:buSzPct val="100000"/>
+              <a:buFont typeface="+mj-lt"/>
+              <a:buAutoNum type="arabicPeriod"/>
+            </a:pPr>
+            <a:r>
+              <a:rPr lang="en-US" sz="2000" dirty="0"/>
+              <a:t>Frame the Problem.</a:t>
+            </a:r>
+          </a:p>
+          <a:p>
+            <a:pPr marL="558798" indent="-457200">
+              <a:buSzPct val="100000"/>
+              <a:buFont typeface="+mj-lt"/>
+              <a:buAutoNum type="arabicPeriod"/>
+            </a:pPr>
+            <a:endParaRPr lang="en-US" sz="2000" dirty="0"/>
+          </a:p>
+          <a:p>
+            <a:pPr marL="558798" indent="-457200">
+              <a:buSzPct val="100000"/>
+              <a:buFont typeface="+mj-lt"/>
+              <a:buAutoNum type="arabicPeriod"/>
+            </a:pPr>
+            <a:r>
+              <a:rPr lang="en-US" sz="2000" dirty="0"/>
+              <a:t>What is the current solution?</a:t>
+            </a:r>
+          </a:p>
+          <a:p>
+            <a:pPr marL="558798" indent="-457200">
+              <a:buSzPct val="100000"/>
+              <a:buFont typeface="+mj-lt"/>
+              <a:buAutoNum type="arabicPeriod"/>
+            </a:pPr>
+            <a:endParaRPr lang="en-US" sz="2000" dirty="0"/>
+          </a:p>
+          <a:p>
+            <a:pPr marL="558798" indent="-457200">
+              <a:buSzPct val="100000"/>
+              <a:buFont typeface="+mj-lt"/>
+              <a:buAutoNum type="arabicPeriod"/>
+            </a:pPr>
+            <a:r>
+              <a:rPr lang="en-US" sz="2000" dirty="0"/>
+              <a:t>Start designing your system – </a:t>
+            </a:r>
+          </a:p>
+          <a:p>
+            <a:pPr marL="1168383" lvl="1" indent="-457200">
+              <a:buSzPct val="100000"/>
+              <a:buFont typeface="+mj-lt"/>
+              <a:buAutoNum type="arabicPeriod"/>
+            </a:pPr>
+            <a:r>
+              <a:rPr lang="en-US" sz="2000" dirty="0"/>
+              <a:t>Is it supervised, unsupervised, or reinforcement learning?</a:t>
+            </a:r>
+          </a:p>
+          <a:p>
+            <a:pPr marL="1168383" lvl="1" indent="-457200">
+              <a:buSzPct val="100000"/>
+              <a:buFont typeface="+mj-lt"/>
+              <a:buAutoNum type="arabicPeriod"/>
+            </a:pPr>
+            <a:r>
+              <a:rPr lang="en-US" sz="2000" dirty="0"/>
+              <a:t>Is it a classification, regression or some other task?</a:t>
+            </a:r>
+          </a:p>
+          <a:p>
+            <a:pPr marL="1168383" lvl="1" indent="-457200">
+              <a:buSzPct val="100000"/>
+              <a:buFont typeface="+mj-lt"/>
+              <a:buAutoNum type="arabicPeriod"/>
+            </a:pPr>
+            <a:r>
+              <a:rPr lang="en-US" sz="2000" dirty="0"/>
+              <a:t>Should you use batch or online learning?</a:t>
+            </a:r>
+          </a:p>
+          <a:p>
+            <a:pPr marL="711183" lvl="1">
+              <a:buSzPct val="100000"/>
+            </a:pPr>
+            <a:endParaRPr lang="en-US" sz="2000" dirty="0"/>
+          </a:p>
+          <a:p>
+            <a:pPr marL="558798" indent="-457200">
+              <a:buSzPct val="100000"/>
+              <a:buFont typeface="+mj-lt"/>
+              <a:buAutoNum type="arabicPeriod"/>
+            </a:pPr>
+            <a:r>
+              <a:rPr lang="en-US" sz="2000" dirty="0"/>
+              <a:t>Select a Model Performance measure</a:t>
+            </a:r>
+          </a:p>
+          <a:p>
+            <a:pPr marL="1777968" lvl="2" indent="-457200">
+              <a:buSzPct val="100000"/>
+              <a:buFont typeface="Arial" panose="020B0604020202020204" pitchFamily="34" charset="0"/>
+              <a:buChar char="•"/>
+            </a:pPr>
+            <a:endParaRPr lang="en-US" sz="2000" dirty="0"/>
+          </a:p>
+          <a:p>
+            <a:pPr marL="101598">
+              <a:buSzPct val="100000"/>
+            </a:pPr>
+            <a:endParaRPr lang="en-US" sz="2000" dirty="0"/>
+          </a:p>
+        </p:txBody>
+      </p:sp>
+    </p:spTree>
+    <p:extLst>
+      <p:ext uri="{BB962C8B-B14F-4D97-AF65-F5344CB8AC3E}">
+        <p14:creationId xmlns:p14="http://schemas.microsoft.com/office/powerpoint/2010/main" val="2179181233"/>
+      </p:ext>
+    </p:extLst>
+  </p:cSld>
+  <p:clrMapOvr>
+    <a:masterClrMapping/>
+  </p:clrMapOvr>
+</p:sld>
+</file>
+
+<file path=ppt/slides/slide37.xml><?xml version="1.0" encoding="utf-8"?>
+<p:sld xmlns:a="http://schemas.openxmlformats.org/drawingml/2006/main" xmlns:r="http://schemas.openxmlformats.org/officeDocument/2006/relationships" xmlns:p="http://schemas.openxmlformats.org/presentationml/2006/main">
+  <p:cSld>
+    <p:spTree>
+      <p:nvGrpSpPr>
+        <p:cNvPr id="1" name="Shape 94"/>
+        <p:cNvGrpSpPr/>
+        <p:nvPr/>
+      </p:nvGrpSpPr>
+      <p:grpSpPr>
+        <a:xfrm>
+          <a:off x="0" y="0"/>
+          <a:ext cx="0" cy="0"/>
+          <a:chOff x="0" y="0"/>
+          <a:chExt cx="0" cy="0"/>
+        </a:xfrm>
+      </p:grpSpPr>
+      <p:sp>
+        <p:nvSpPr>
+          <p:cNvPr id="95" name="Google Shape;95;p14"/>
+          <p:cNvSpPr txBox="1">
+            <a:spLocks noGrp="1"/>
+          </p:cNvSpPr>
+          <p:nvPr>
+            <p:ph type="title" idx="4294967295"/>
+          </p:nvPr>
+        </p:nvSpPr>
+        <p:spPr>
+          <a:xfrm>
+            <a:off x="717173" y="559537"/>
+            <a:ext cx="10972800" cy="506789"/>
+          </a:xfrm>
+          <a:prstGeom prst="rect">
+            <a:avLst/>
+          </a:prstGeom>
+        </p:spPr>
+        <p:txBody>
+          <a:bodyPr spcFirstLastPara="1" wrap="square" lIns="121900" tIns="121900" rIns="121900" bIns="121900" anchor="ctr" anchorCtr="0">
+            <a:noAutofit/>
+          </a:bodyPr>
+          <a:lstStyle/>
+          <a:p>
+            <a:r>
+              <a:rPr lang="en-US" sz="4000" b="1" dirty="0">
+                <a:solidFill>
+                  <a:srgbClr val="E46102"/>
+                </a:solidFill>
+              </a:rPr>
+              <a:t>Build a model - 2</a:t>
+            </a:r>
+            <a:endParaRPr sz="4000" b="1" dirty="0">
+              <a:solidFill>
+                <a:srgbClr val="E46102"/>
+              </a:solidFill>
+            </a:endParaRPr>
+          </a:p>
+        </p:txBody>
+      </p:sp>
+      <p:sp>
+        <p:nvSpPr>
+          <p:cNvPr id="96" name="Google Shape;96;p14"/>
+          <p:cNvSpPr txBox="1"/>
+          <p:nvPr/>
+        </p:nvSpPr>
+        <p:spPr>
+          <a:xfrm>
             <a:off x="1034394" y="1137532"/>
             <a:ext cx="10252364" cy="5198874"/>
           </a:xfrm>
@@ -22695,7 +24951,7 @@
 </p:sld>
 </file>
 
-<file path=ppt/slides/slide34.xml><?xml version="1.0" encoding="utf-8"?>
+<file path=ppt/slides/slide38.xml><?xml version="1.0" encoding="utf-8"?>
 <p:sld xmlns:a="http://schemas.openxmlformats.org/drawingml/2006/main" xmlns:r="http://schemas.openxmlformats.org/officeDocument/2006/relationships" xmlns:p="http://schemas.openxmlformats.org/presentationml/2006/main">
   <p:cSld>
     <p:spTree>
@@ -23620,7 +25876,7 @@
 </p:sld>
 </file>
 
-<file path=ppt/slides/slide35.xml><?xml version="1.0" encoding="utf-8"?>
+<file path=ppt/slides/slide39.xml><?xml version="1.0" encoding="utf-8"?>
 <p:sld xmlns:a="http://schemas.openxmlformats.org/drawingml/2006/main" xmlns:r="http://schemas.openxmlformats.org/officeDocument/2006/relationships" xmlns:p="http://schemas.openxmlformats.org/presentationml/2006/main">
   <p:cSld>
     <p:spTree>
@@ -24128,346 +26384,6 @@
       <p:bldP spid="21" grpId="0" animBg="1"/>
       <p:bldP spid="22" grpId="0"/>
     </p:bldLst>
-  </p:timing>
-</p:sld>
-</file>
-
-<file path=ppt/slides/slide36.xml><?xml version="1.0" encoding="utf-8"?>
-<p:sld xmlns:a="http://schemas.openxmlformats.org/drawingml/2006/main" xmlns:r="http://schemas.openxmlformats.org/officeDocument/2006/relationships" xmlns:p="http://schemas.openxmlformats.org/presentationml/2006/main">
-  <p:cSld>
-    <p:spTree>
-      <p:nvGrpSpPr>
-        <p:cNvPr id="1" name=""/>
-        <p:cNvGrpSpPr/>
-        <p:nvPr/>
-      </p:nvGrpSpPr>
-      <p:grpSpPr>
-        <a:xfrm>
-          <a:off x="0" y="0"/>
-          <a:ext cx="0" cy="0"/>
-          <a:chOff x="0" y="0"/>
-          <a:chExt cx="0" cy="0"/>
-        </a:xfrm>
-      </p:grpSpPr>
-      <p:sp>
-        <p:nvSpPr>
-          <p:cNvPr id="3" name="Text Placeholder 2">
-            <a:extLst>
-              <a:ext uri="{FF2B5EF4-FFF2-40B4-BE49-F238E27FC236}">
-                <a16:creationId xmlns:a16="http://schemas.microsoft.com/office/drawing/2014/main" id="{E56EF9D8-F9CF-4472-9C2F-EC46482A8261}"/>
-              </a:ext>
-            </a:extLst>
-          </p:cNvPr>
-          <p:cNvSpPr>
-            <a:spLocks noGrp="1"/>
-          </p:cNvSpPr>
-          <p:nvPr>
-            <p:ph type="body" idx="1"/>
-          </p:nvPr>
-        </p:nvSpPr>
-        <p:spPr/>
-        <p:txBody>
-          <a:bodyPr/>
-          <a:lstStyle/>
-          <a:p>
-            <a:pPr marL="101598" indent="0" algn="ctr">
-              <a:buNone/>
-            </a:pPr>
-            <a:r>
-              <a:rPr lang="en-US" b="1" dirty="0"/>
-              <a:t>Questions..</a:t>
-            </a:r>
-          </a:p>
-        </p:txBody>
-      </p:sp>
-    </p:spTree>
-    <p:extLst>
-      <p:ext uri="{BB962C8B-B14F-4D97-AF65-F5344CB8AC3E}">
-        <p14:creationId xmlns:p14="http://schemas.microsoft.com/office/powerpoint/2010/main" val="1884791787"/>
-      </p:ext>
-    </p:extLst>
-  </p:cSld>
-  <p:clrMapOvr>
-    <a:masterClrMapping/>
-  </p:clrMapOvr>
-</p:sld>
-</file>
-
-<file path=ppt/slides/slide37.xml><?xml version="1.0" encoding="utf-8"?>
-<p:sld xmlns:a="http://schemas.openxmlformats.org/drawingml/2006/main" xmlns:r="http://schemas.openxmlformats.org/officeDocument/2006/relationships" xmlns:p="http://schemas.openxmlformats.org/presentationml/2006/main">
-  <p:cSld>
-    <p:spTree>
-      <p:nvGrpSpPr>
-        <p:cNvPr id="1" name="Shape 94"/>
-        <p:cNvGrpSpPr/>
-        <p:nvPr/>
-      </p:nvGrpSpPr>
-      <p:grpSpPr>
-        <a:xfrm>
-          <a:off x="0" y="0"/>
-          <a:ext cx="0" cy="0"/>
-          <a:chOff x="0" y="0"/>
-          <a:chExt cx="0" cy="0"/>
-        </a:xfrm>
-      </p:grpSpPr>
-      <p:sp>
-        <p:nvSpPr>
-          <p:cNvPr id="95" name="Google Shape;95;p14"/>
-          <p:cNvSpPr txBox="1">
-            <a:spLocks noGrp="1"/>
-          </p:cNvSpPr>
-          <p:nvPr>
-            <p:ph type="title" idx="4294967295"/>
-          </p:nvPr>
-        </p:nvSpPr>
-        <p:spPr>
-          <a:xfrm>
-            <a:off x="717173" y="559537"/>
-            <a:ext cx="10972800" cy="506789"/>
-          </a:xfrm>
-          <a:prstGeom prst="rect">
-            <a:avLst/>
-          </a:prstGeom>
-        </p:spPr>
-        <p:txBody>
-          <a:bodyPr spcFirstLastPara="1" wrap="square" lIns="121900" tIns="121900" rIns="121900" bIns="121900" anchor="ctr" anchorCtr="0">
-            <a:noAutofit/>
-          </a:bodyPr>
-          <a:lstStyle/>
-          <a:p>
-            <a:r>
-              <a:rPr lang="en-US" sz="4000" b="1">
-                <a:solidFill>
-                  <a:srgbClr val="E46102"/>
-                </a:solidFill>
-              </a:rPr>
-              <a:t>Class Exercise</a:t>
-            </a:r>
-            <a:endParaRPr sz="4000" b="1" dirty="0">
-              <a:solidFill>
-                <a:srgbClr val="E46102"/>
-              </a:solidFill>
-            </a:endParaRPr>
-          </a:p>
-        </p:txBody>
-      </p:sp>
-      <p:sp>
-        <p:nvSpPr>
-          <p:cNvPr id="96" name="Google Shape;96;p14"/>
-          <p:cNvSpPr txBox="1"/>
-          <p:nvPr/>
-        </p:nvSpPr>
-        <p:spPr>
-          <a:xfrm>
-            <a:off x="521776" y="1137531"/>
-            <a:ext cx="11277600" cy="5104427"/>
-          </a:xfrm>
-          <a:prstGeom prst="rect">
-            <a:avLst/>
-          </a:prstGeom>
-          <a:noFill/>
-          <a:ln>
-            <a:noFill/>
-          </a:ln>
-        </p:spPr>
-        <p:txBody>
-          <a:bodyPr spcFirstLastPara="1" wrap="square" lIns="121900" tIns="121900" rIns="121900" bIns="121900" anchor="t" anchorCtr="0">
-            <a:noAutofit/>
-          </a:bodyPr>
-          <a:lstStyle/>
-          <a:p>
-            <a:pPr marL="101598" algn="ctr">
-              <a:buSzPts val="2400"/>
-            </a:pPr>
-            <a:r>
-              <a:rPr lang="en-US" sz="3200" dirty="0"/>
-              <a:t>Submit responses on </a:t>
-            </a:r>
-            <a:r>
-              <a:rPr lang="en-US" sz="3200" dirty="0" err="1"/>
-              <a:t>mycourses</a:t>
-            </a:r>
-            <a:endParaRPr lang="en-US" sz="3200" dirty="0"/>
-          </a:p>
-          <a:p>
-            <a:pPr marL="101598" algn="ctr">
-              <a:buSzPts val="2400"/>
-            </a:pPr>
-            <a:endParaRPr lang="en-US" sz="3200" dirty="0"/>
-          </a:p>
-          <a:p>
-            <a:pPr marL="101598" algn="ctr">
-              <a:buSzPts val="2400"/>
-            </a:pPr>
-            <a:r>
-              <a:rPr lang="en-US" sz="3200" dirty="0"/>
-              <a:t>What type of Machine Learning algorithm would you use to allow a robot to walk in various unknown terrains</a:t>
-            </a:r>
-            <a:endParaRPr sz="3200" dirty="0"/>
-          </a:p>
-        </p:txBody>
-      </p:sp>
-    </p:spTree>
-    <p:extLst>
-      <p:ext uri="{BB962C8B-B14F-4D97-AF65-F5344CB8AC3E}">
-        <p14:creationId xmlns:p14="http://schemas.microsoft.com/office/powerpoint/2010/main" val="1611311846"/>
-      </p:ext>
-    </p:extLst>
-  </p:cSld>
-  <p:clrMapOvr>
-    <a:masterClrMapping/>
-  </p:clrMapOvr>
-  <p:timing>
-    <p:tnLst>
-      <p:par>
-        <p:cTn id="1" dur="indefinite" restart="never" nodeType="tmRoot">
-          <p:childTnLst>
-            <p:seq concurrent="1" nextAc="seek">
-              <p:cTn id="2" dur="indefinite" nodeType="mainSeq">
-                <p:childTnLst>
-                  <p:par>
-                    <p:cTn id="3" fill="hold">
-                      <p:stCondLst>
-                        <p:cond delay="indefinite"/>
-                      </p:stCondLst>
-                      <p:childTnLst>
-                        <p:par>
-                          <p:cTn id="4" fill="hold">
-                            <p:stCondLst>
-                              <p:cond delay="0"/>
-                            </p:stCondLst>
-                            <p:childTnLst>
-                              <p:par>
-                                <p:cTn id="5" presetID="10" presetClass="entr" presetSubtype="0" fill="hold" nodeType="clickEffect">
-                                  <p:stCondLst>
-                                    <p:cond delay="0"/>
-                                  </p:stCondLst>
-                                  <p:childTnLst>
-                                    <p:set>
-                                      <p:cBhvr>
-                                        <p:cTn id="6" dur="1" fill="hold">
-                                          <p:stCondLst>
-                                            <p:cond delay="0"/>
-                                          </p:stCondLst>
-                                        </p:cTn>
-                                        <p:tgtEl>
-                                          <p:spTgt spid="96">
-                                            <p:txEl>
-                                              <p:pRg st="2" end="2"/>
-                                            </p:txEl>
-                                          </p:spTgt>
-                                        </p:tgtEl>
-                                        <p:attrNameLst>
-                                          <p:attrName>style.visibility</p:attrName>
-                                        </p:attrNameLst>
-                                      </p:cBhvr>
-                                      <p:to>
-                                        <p:strVal val="visible"/>
-                                      </p:to>
-                                    </p:set>
-                                    <p:animEffect transition="in" filter="fade">
-                                      <p:cBhvr>
-                                        <p:cTn id="7" dur="1000"/>
-                                        <p:tgtEl>
-                                          <p:spTgt spid="96">
-                                            <p:txEl>
-                                              <p:pRg st="2" end="2"/>
-                                            </p:txEl>
-                                          </p:spTgt>
-                                        </p:tgtEl>
-                                      </p:cBhvr>
-                                    </p:animEffect>
-                                  </p:childTnLst>
-                                </p:cTn>
-                              </p:par>
-                            </p:childTnLst>
-                          </p:cTn>
-                        </p:par>
-                      </p:childTnLst>
-                    </p:cTn>
-                  </p:par>
-                  <p:par>
-                    <p:cTn id="8" fill="hold">
-                      <p:stCondLst>
-                        <p:cond delay="indefinite"/>
-                      </p:stCondLst>
-                      <p:childTnLst>
-                        <p:par>
-                          <p:cTn id="9" fill="hold">
-                            <p:stCondLst>
-                              <p:cond delay="0"/>
-                            </p:stCondLst>
-                            <p:childTnLst>
-                              <p:par>
-                                <p:cTn id="10" presetID="10" presetClass="entr" presetSubtype="0" fill="hold" nodeType="clickEffect">
-                                  <p:stCondLst>
-                                    <p:cond delay="0"/>
-                                  </p:stCondLst>
-                                  <p:childTnLst>
-                                    <p:set>
-                                      <p:cBhvr>
-                                        <p:cTn id="11" dur="1" fill="hold">
-                                          <p:stCondLst>
-                                            <p:cond delay="0"/>
-                                          </p:stCondLst>
-                                        </p:cTn>
-                                        <p:tgtEl>
-                                          <p:spTgt spid="96">
-                                            <p:txEl>
-                                              <p:pRg st="0" end="0"/>
-                                            </p:txEl>
-                                          </p:spTgt>
-                                        </p:tgtEl>
-                                        <p:attrNameLst>
-                                          <p:attrName>style.visibility</p:attrName>
-                                        </p:attrNameLst>
-                                      </p:cBhvr>
-                                      <p:to>
-                                        <p:strVal val="visible"/>
-                                      </p:to>
-                                    </p:set>
-                                    <p:animEffect transition="in" filter="fade">
-                                      <p:cBhvr>
-                                        <p:cTn id="12" dur="1000"/>
-                                        <p:tgtEl>
-                                          <p:spTgt spid="96">
-                                            <p:txEl>
-                                              <p:pRg st="0" end="0"/>
-                                            </p:txEl>
-                                          </p:spTgt>
-                                        </p:tgtEl>
-                                      </p:cBhvr>
-                                    </p:animEffect>
-                                  </p:childTnLst>
-                                </p:cTn>
-                              </p:par>
-                            </p:childTnLst>
-                          </p:cTn>
-                        </p:par>
-                      </p:childTnLst>
-                    </p:cTn>
-                  </p:par>
-                </p:childTnLst>
-              </p:cTn>
-              <p:prevCondLst>
-                <p:cond evt="onPrev" delay="0">
-                  <p:tgtEl>
-                    <p:sldTgt/>
-                  </p:tgtEl>
-                </p:cond>
-              </p:prevCondLst>
-              <p:nextCondLst>
-                <p:cond evt="onNext" delay="0">
-                  <p:tgtEl>
-                    <p:sldTgt/>
-                  </p:tgtEl>
-                </p:cond>
-              </p:nextCondLst>
-            </p:seq>
-          </p:childTnLst>
-        </p:cTn>
-      </p:par>
-    </p:tnLst>
   </p:timing>
 </p:sld>
 </file>
@@ -24802,6 +26718,289 @@
                                           <p:spTgt spid="7">
                                             <p:txEl>
                                               <p:pRg st="4" end="4"/>
+                                            </p:txEl>
+                                          </p:spTgt>
+                                        </p:tgtEl>
+                                      </p:cBhvr>
+                                    </p:animEffect>
+                                  </p:childTnLst>
+                                </p:cTn>
+                              </p:par>
+                            </p:childTnLst>
+                          </p:cTn>
+                        </p:par>
+                      </p:childTnLst>
+                    </p:cTn>
+                  </p:par>
+                </p:childTnLst>
+              </p:cTn>
+              <p:prevCondLst>
+                <p:cond evt="onPrev" delay="0">
+                  <p:tgtEl>
+                    <p:sldTgt/>
+                  </p:tgtEl>
+                </p:cond>
+              </p:prevCondLst>
+              <p:nextCondLst>
+                <p:cond evt="onNext" delay="0">
+                  <p:tgtEl>
+                    <p:sldTgt/>
+                  </p:tgtEl>
+                </p:cond>
+              </p:nextCondLst>
+            </p:seq>
+          </p:childTnLst>
+        </p:cTn>
+      </p:par>
+    </p:tnLst>
+  </p:timing>
+</p:sld>
+</file>
+
+<file path=ppt/slides/slide40.xml><?xml version="1.0" encoding="utf-8"?>
+<p:sld xmlns:a="http://schemas.openxmlformats.org/drawingml/2006/main" xmlns:r="http://schemas.openxmlformats.org/officeDocument/2006/relationships" xmlns:p="http://schemas.openxmlformats.org/presentationml/2006/main">
+  <p:cSld>
+    <p:spTree>
+      <p:nvGrpSpPr>
+        <p:cNvPr id="1" name=""/>
+        <p:cNvGrpSpPr/>
+        <p:nvPr/>
+      </p:nvGrpSpPr>
+      <p:grpSpPr>
+        <a:xfrm>
+          <a:off x="0" y="0"/>
+          <a:ext cx="0" cy="0"/>
+          <a:chOff x="0" y="0"/>
+          <a:chExt cx="0" cy="0"/>
+        </a:xfrm>
+      </p:grpSpPr>
+      <p:sp>
+        <p:nvSpPr>
+          <p:cNvPr id="3" name="Text Placeholder 2">
+            <a:extLst>
+              <a:ext uri="{FF2B5EF4-FFF2-40B4-BE49-F238E27FC236}">
+                <a16:creationId xmlns:a16="http://schemas.microsoft.com/office/drawing/2014/main" id="{E56EF9D8-F9CF-4472-9C2F-EC46482A8261}"/>
+              </a:ext>
+            </a:extLst>
+          </p:cNvPr>
+          <p:cNvSpPr>
+            <a:spLocks noGrp="1"/>
+          </p:cNvSpPr>
+          <p:nvPr>
+            <p:ph type="body" idx="1"/>
+          </p:nvPr>
+        </p:nvSpPr>
+        <p:spPr/>
+        <p:txBody>
+          <a:bodyPr/>
+          <a:lstStyle/>
+          <a:p>
+            <a:pPr marL="101598" indent="0" algn="ctr">
+              <a:buNone/>
+            </a:pPr>
+            <a:r>
+              <a:rPr lang="en-US" b="1" dirty="0"/>
+              <a:t>Questions..</a:t>
+            </a:r>
+          </a:p>
+        </p:txBody>
+      </p:sp>
+    </p:spTree>
+    <p:extLst>
+      <p:ext uri="{BB962C8B-B14F-4D97-AF65-F5344CB8AC3E}">
+        <p14:creationId xmlns:p14="http://schemas.microsoft.com/office/powerpoint/2010/main" val="1884791787"/>
+      </p:ext>
+    </p:extLst>
+  </p:cSld>
+  <p:clrMapOvr>
+    <a:masterClrMapping/>
+  </p:clrMapOvr>
+</p:sld>
+</file>
+
+<file path=ppt/slides/slide41.xml><?xml version="1.0" encoding="utf-8"?>
+<p:sld xmlns:a="http://schemas.openxmlformats.org/drawingml/2006/main" xmlns:r="http://schemas.openxmlformats.org/officeDocument/2006/relationships" xmlns:p="http://schemas.openxmlformats.org/presentationml/2006/main">
+  <p:cSld>
+    <p:spTree>
+      <p:nvGrpSpPr>
+        <p:cNvPr id="1" name="Shape 94"/>
+        <p:cNvGrpSpPr/>
+        <p:nvPr/>
+      </p:nvGrpSpPr>
+      <p:grpSpPr>
+        <a:xfrm>
+          <a:off x="0" y="0"/>
+          <a:ext cx="0" cy="0"/>
+          <a:chOff x="0" y="0"/>
+          <a:chExt cx="0" cy="0"/>
+        </a:xfrm>
+      </p:grpSpPr>
+      <p:sp>
+        <p:nvSpPr>
+          <p:cNvPr id="95" name="Google Shape;95;p14"/>
+          <p:cNvSpPr txBox="1">
+            <a:spLocks noGrp="1"/>
+          </p:cNvSpPr>
+          <p:nvPr>
+            <p:ph type="title" idx="4294967295"/>
+          </p:nvPr>
+        </p:nvSpPr>
+        <p:spPr>
+          <a:xfrm>
+            <a:off x="717173" y="559537"/>
+            <a:ext cx="10972800" cy="506789"/>
+          </a:xfrm>
+          <a:prstGeom prst="rect">
+            <a:avLst/>
+          </a:prstGeom>
+        </p:spPr>
+        <p:txBody>
+          <a:bodyPr spcFirstLastPara="1" wrap="square" lIns="121900" tIns="121900" rIns="121900" bIns="121900" anchor="ctr" anchorCtr="0">
+            <a:noAutofit/>
+          </a:bodyPr>
+          <a:lstStyle/>
+          <a:p>
+            <a:r>
+              <a:rPr lang="en-US" sz="4000" b="1" dirty="0">
+                <a:solidFill>
+                  <a:srgbClr val="E46102"/>
+                </a:solidFill>
+              </a:rPr>
+              <a:t>Resources</a:t>
+            </a:r>
+            <a:endParaRPr sz="4000" b="1" dirty="0">
+              <a:solidFill>
+                <a:srgbClr val="E46102"/>
+              </a:solidFill>
+            </a:endParaRPr>
+          </a:p>
+        </p:txBody>
+      </p:sp>
+      <p:sp>
+        <p:nvSpPr>
+          <p:cNvPr id="96" name="Google Shape;96;p14"/>
+          <p:cNvSpPr txBox="1"/>
+          <p:nvPr/>
+        </p:nvSpPr>
+        <p:spPr>
+          <a:xfrm>
+            <a:off x="521776" y="1137531"/>
+            <a:ext cx="11277600" cy="5104427"/>
+          </a:xfrm>
+          <a:prstGeom prst="rect">
+            <a:avLst/>
+          </a:prstGeom>
+          <a:noFill/>
+          <a:ln>
+            <a:noFill/>
+          </a:ln>
+        </p:spPr>
+        <p:txBody>
+          <a:bodyPr spcFirstLastPara="1" wrap="square" lIns="121900" tIns="121900" rIns="121900" bIns="121900" anchor="t" anchorCtr="0">
+            <a:noAutofit/>
+          </a:bodyPr>
+          <a:lstStyle/>
+          <a:p>
+            <a:pPr marL="101598">
+              <a:buSzPts val="2400"/>
+            </a:pPr>
+            <a:r>
+              <a:rPr lang="en-US" sz="3200" dirty="0"/>
+              <a:t>Concepts from : Hands-on machine learning with Scikit learn, </a:t>
+            </a:r>
+            <a:r>
+              <a:rPr lang="en-US" sz="3200" dirty="0" err="1"/>
+              <a:t>Keras</a:t>
+            </a:r>
+            <a:r>
+              <a:rPr lang="en-US" sz="3200" dirty="0"/>
+              <a:t> &amp; TensorFlow by </a:t>
+            </a:r>
+            <a:r>
+              <a:rPr lang="en-US" sz="3200" dirty="0" err="1"/>
+              <a:t>Aurelien</a:t>
+            </a:r>
+            <a:r>
+              <a:rPr lang="en-US" sz="3200" dirty="0"/>
+              <a:t> </a:t>
+            </a:r>
+            <a:r>
+              <a:rPr lang="en-US" sz="3200" dirty="0" err="1"/>
+              <a:t>Geron</a:t>
+            </a:r>
+            <a:r>
+              <a:rPr lang="en-US" sz="3200" dirty="0"/>
+              <a:t>, Chapter 1, 2</a:t>
+            </a:r>
+            <a:endParaRPr sz="3200" dirty="0"/>
+          </a:p>
+        </p:txBody>
+      </p:sp>
+    </p:spTree>
+    <p:extLst>
+      <p:ext uri="{BB962C8B-B14F-4D97-AF65-F5344CB8AC3E}">
+        <p14:creationId xmlns:p14="http://schemas.microsoft.com/office/powerpoint/2010/main" val="1611311846"/>
+      </p:ext>
+    </p:extLst>
+  </p:cSld>
+  <p:clrMapOvr>
+    <a:masterClrMapping/>
+  </p:clrMapOvr>
+  <p:timing>
+    <p:tnLst>
+      <p:par>
+        <p:cTn id="1" dur="indefinite" restart="never" nodeType="tmRoot">
+          <p:childTnLst>
+            <p:seq concurrent="1" nextAc="seek">
+              <p:cTn id="2" dur="indefinite" nodeType="mainSeq">
+                <p:childTnLst>
+                  <p:par>
+                    <p:cTn id="3" fill="hold">
+                      <p:stCondLst>
+                        <p:cond delay="indefinite"/>
+                      </p:stCondLst>
+                      <p:childTnLst>
+                        <p:par>
+                          <p:cTn id="4" fill="hold">
+                            <p:stCondLst>
+                              <p:cond delay="0"/>
+                            </p:stCondLst>
+                            <p:childTnLst>
+                              <p:par>
+                                <p:cTn id="5" presetID="10" presetClass="entr" presetSubtype="0" fill="hold" nodeType="clickEffect">
+                                  <p:stCondLst>
+                                    <p:cond delay="0"/>
+                                  </p:stCondLst>
+                                  <p:childTnLst>
+                                    <p:set>
+                                      <p:cBhvr>
+                                        <p:cTn id="6" dur="1" fill="hold">
+                                          <p:stCondLst>
+                                            <p:cond delay="0"/>
+                                          </p:stCondLst>
+                                        </p:cTn>
+                                        <p:tgtEl>
+                                          <p:spTgt spid="96">
+                                            <p:txEl>
+                                              <p:pRg st="0" end="0"/>
+                                            </p:txEl>
+                                          </p:spTgt>
+                                        </p:tgtEl>
+                                        <p:attrNameLst>
+                                          <p:attrName>style.visibility</p:attrName>
+                                        </p:attrNameLst>
+                                      </p:cBhvr>
+                                      <p:to>
+                                        <p:strVal val="visible"/>
+                                      </p:to>
+                                    </p:set>
+                                    <p:animEffect transition="in" filter="fade">
+                                      <p:cBhvr>
+                                        <p:cTn id="7" dur="1000"/>
+                                        <p:tgtEl>
+                                          <p:spTgt spid="96">
+                                            <p:txEl>
+                                              <p:pRg st="0" end="0"/>
                                             </p:txEl>
                                           </p:spTgt>
                                         </p:tgtEl>

--- a/Syllabus/Lecture02/Lec02.pptx
+++ b/Syllabus/Lecture02/Lec02.pptx
@@ -5,10 +5,10 @@
     <p:sldMasterId id="2147483664" r:id="rId1"/>
   </p:sldMasterIdLst>
   <p:notesMasterIdLst>
-    <p:notesMasterId r:id="rId43"/>
+    <p:notesMasterId r:id="rId45"/>
   </p:notesMasterIdLst>
   <p:handoutMasterIdLst>
-    <p:handoutMasterId r:id="rId44"/>
+    <p:handoutMasterId r:id="rId46"/>
   </p:handoutMasterIdLst>
   <p:sldIdLst>
     <p:sldId id="266" r:id="rId2"/>
@@ -36,22 +36,24 @@
     <p:sldId id="350" r:id="rId24"/>
     <p:sldId id="349" r:id="rId25"/>
     <p:sldId id="351" r:id="rId26"/>
-    <p:sldId id="348" r:id="rId27"/>
-    <p:sldId id="330" r:id="rId28"/>
-    <p:sldId id="329" r:id="rId29"/>
-    <p:sldId id="332" r:id="rId30"/>
-    <p:sldId id="333" r:id="rId31"/>
-    <p:sldId id="334" r:id="rId32"/>
-    <p:sldId id="336" r:id="rId33"/>
-    <p:sldId id="337" r:id="rId34"/>
-    <p:sldId id="338" r:id="rId35"/>
-    <p:sldId id="339" r:id="rId36"/>
-    <p:sldId id="340" r:id="rId37"/>
-    <p:sldId id="341" r:id="rId38"/>
-    <p:sldId id="343" r:id="rId39"/>
-    <p:sldId id="342" r:id="rId40"/>
-    <p:sldId id="290" r:id="rId41"/>
-    <p:sldId id="345" r:id="rId42"/>
+    <p:sldId id="352" r:id="rId27"/>
+    <p:sldId id="353" r:id="rId28"/>
+    <p:sldId id="348" r:id="rId29"/>
+    <p:sldId id="330" r:id="rId30"/>
+    <p:sldId id="329" r:id="rId31"/>
+    <p:sldId id="332" r:id="rId32"/>
+    <p:sldId id="333" r:id="rId33"/>
+    <p:sldId id="334" r:id="rId34"/>
+    <p:sldId id="336" r:id="rId35"/>
+    <p:sldId id="337" r:id="rId36"/>
+    <p:sldId id="338" r:id="rId37"/>
+    <p:sldId id="339" r:id="rId38"/>
+    <p:sldId id="340" r:id="rId39"/>
+    <p:sldId id="341" r:id="rId40"/>
+    <p:sldId id="343" r:id="rId41"/>
+    <p:sldId id="342" r:id="rId42"/>
+    <p:sldId id="290" r:id="rId43"/>
+    <p:sldId id="345" r:id="rId44"/>
   </p:sldIdLst>
   <p:sldSz cx="12192000" cy="6858000"/>
   <p:notesSz cx="6858000" cy="9144000"/>
@@ -180,6 +182,8 @@
             <p14:sldId id="350"/>
             <p14:sldId id="349"/>
             <p14:sldId id="351"/>
+            <p14:sldId id="352"/>
+            <p14:sldId id="353"/>
             <p14:sldId id="348"/>
             <p14:sldId id="330"/>
             <p14:sldId id="329"/>
@@ -2634,7 +2638,7 @@
     </p:spTree>
     <p:extLst>
       <p:ext uri="{BB962C8B-B14F-4D97-AF65-F5344CB8AC3E}">
-        <p14:creationId xmlns:p14="http://schemas.microsoft.com/office/powerpoint/2010/main" val="1627882378"/>
+        <p14:creationId xmlns:p14="http://schemas.microsoft.com/office/powerpoint/2010/main" val="205246269"/>
       </p:ext>
     </p:extLst>
   </p:cSld>
@@ -2743,7 +2747,7 @@
     </p:spTree>
     <p:extLst>
       <p:ext uri="{BB962C8B-B14F-4D97-AF65-F5344CB8AC3E}">
-        <p14:creationId xmlns:p14="http://schemas.microsoft.com/office/powerpoint/2010/main" val="104545633"/>
+        <p14:creationId xmlns:p14="http://schemas.microsoft.com/office/powerpoint/2010/main" val="3283904411"/>
       </p:ext>
     </p:extLst>
   </p:cSld>
@@ -2836,22 +2840,14 @@
           </a:bodyPr>
           <a:lstStyle/>
           <a:p>
-            <a:pPr marL="0" marR="0" lvl="0" indent="0" algn="l" defTabSz="609585" rtl="0" eaLnBrk="1" fontAlgn="auto" latinLnBrk="0" hangingPunct="1">
-              <a:lnSpc>
-                <a:spcPct val="100000"/>
-              </a:lnSpc>
+            <a:pPr marL="0" lvl="0" indent="0" algn="l" rtl="0">
               <a:spcBef>
                 <a:spcPts val="0"/>
               </a:spcBef>
               <a:spcAft>
                 <a:spcPts val="0"/>
               </a:spcAft>
-              <a:buClrTx/>
-              <a:buSzTx/>
-              <a:buFontTx/>
               <a:buNone/>
-              <a:tabLst/>
-              <a:defRPr/>
             </a:pPr>
             <a:endParaRPr lang="en-US" dirty="0"/>
           </a:p>
@@ -2860,7 +2856,7 @@
     </p:spTree>
     <p:extLst>
       <p:ext uri="{BB962C8B-B14F-4D97-AF65-F5344CB8AC3E}">
-        <p14:creationId xmlns:p14="http://schemas.microsoft.com/office/powerpoint/2010/main" val="3935206571"/>
+        <p14:creationId xmlns:p14="http://schemas.microsoft.com/office/powerpoint/2010/main" val="1627882378"/>
       </p:ext>
     </p:extLst>
   </p:cSld>
@@ -2953,22 +2949,14 @@
           </a:bodyPr>
           <a:lstStyle/>
           <a:p>
-            <a:pPr marL="0" marR="0" lvl="0" indent="0" algn="l" defTabSz="609585" rtl="0" eaLnBrk="1" fontAlgn="auto" latinLnBrk="0" hangingPunct="1">
-              <a:lnSpc>
-                <a:spcPct val="100000"/>
-              </a:lnSpc>
+            <a:pPr marL="0" lvl="0" indent="0" algn="l" rtl="0">
               <a:spcBef>
                 <a:spcPts val="0"/>
               </a:spcBef>
               <a:spcAft>
                 <a:spcPts val="0"/>
               </a:spcAft>
-              <a:buClrTx/>
-              <a:buSzTx/>
-              <a:buFontTx/>
               <a:buNone/>
-              <a:tabLst/>
-              <a:defRPr/>
             </a:pPr>
             <a:endParaRPr lang="en-US" dirty="0"/>
           </a:p>
@@ -2977,7 +2965,7 @@
     </p:spTree>
     <p:extLst>
       <p:ext uri="{BB962C8B-B14F-4D97-AF65-F5344CB8AC3E}">
-        <p14:creationId xmlns:p14="http://schemas.microsoft.com/office/powerpoint/2010/main" val="3938340473"/>
+        <p14:creationId xmlns:p14="http://schemas.microsoft.com/office/powerpoint/2010/main" val="104545633"/>
       </p:ext>
     </p:extLst>
   </p:cSld>
@@ -3094,7 +3082,7 @@
     </p:spTree>
     <p:extLst>
       <p:ext uri="{BB962C8B-B14F-4D97-AF65-F5344CB8AC3E}">
-        <p14:creationId xmlns:p14="http://schemas.microsoft.com/office/powerpoint/2010/main" val="4216157522"/>
+        <p14:creationId xmlns:p14="http://schemas.microsoft.com/office/powerpoint/2010/main" val="3935206571"/>
       </p:ext>
     </p:extLst>
   </p:cSld>
@@ -3211,7 +3199,7 @@
     </p:spTree>
     <p:extLst>
       <p:ext uri="{BB962C8B-B14F-4D97-AF65-F5344CB8AC3E}">
-        <p14:creationId xmlns:p14="http://schemas.microsoft.com/office/powerpoint/2010/main" val="759372625"/>
+        <p14:creationId xmlns:p14="http://schemas.microsoft.com/office/powerpoint/2010/main" val="3938340473"/>
       </p:ext>
     </p:extLst>
   </p:cSld>
@@ -3440,7 +3428,7 @@
     </p:spTree>
     <p:extLst>
       <p:ext uri="{BB962C8B-B14F-4D97-AF65-F5344CB8AC3E}">
-        <p14:creationId xmlns:p14="http://schemas.microsoft.com/office/powerpoint/2010/main" val="1581552090"/>
+        <p14:creationId xmlns:p14="http://schemas.microsoft.com/office/powerpoint/2010/main" val="4216157522"/>
       </p:ext>
     </p:extLst>
   </p:cSld>
@@ -3557,7 +3545,7 @@
     </p:spTree>
     <p:extLst>
       <p:ext uri="{BB962C8B-B14F-4D97-AF65-F5344CB8AC3E}">
-        <p14:creationId xmlns:p14="http://schemas.microsoft.com/office/powerpoint/2010/main" val="1228587899"/>
+        <p14:creationId xmlns:p14="http://schemas.microsoft.com/office/powerpoint/2010/main" val="759372625"/>
       </p:ext>
     </p:extLst>
   </p:cSld>
@@ -3674,7 +3662,7 @@
     </p:spTree>
     <p:extLst>
       <p:ext uri="{BB962C8B-B14F-4D97-AF65-F5344CB8AC3E}">
-        <p14:creationId xmlns:p14="http://schemas.microsoft.com/office/powerpoint/2010/main" val="230335824"/>
+        <p14:creationId xmlns:p14="http://schemas.microsoft.com/office/powerpoint/2010/main" val="1581552090"/>
       </p:ext>
     </p:extLst>
   </p:cSld>
@@ -3791,7 +3779,7 @@
     </p:spTree>
     <p:extLst>
       <p:ext uri="{BB962C8B-B14F-4D97-AF65-F5344CB8AC3E}">
-        <p14:creationId xmlns:p14="http://schemas.microsoft.com/office/powerpoint/2010/main" val="2918353796"/>
+        <p14:creationId xmlns:p14="http://schemas.microsoft.com/office/powerpoint/2010/main" val="1228587899"/>
       </p:ext>
     </p:extLst>
   </p:cSld>
@@ -3908,7 +3896,7 @@
     </p:spTree>
     <p:extLst>
       <p:ext uri="{BB962C8B-B14F-4D97-AF65-F5344CB8AC3E}">
-        <p14:creationId xmlns:p14="http://schemas.microsoft.com/office/powerpoint/2010/main" val="2110576029"/>
+        <p14:creationId xmlns:p14="http://schemas.microsoft.com/office/powerpoint/2010/main" val="230335824"/>
       </p:ext>
     </p:extLst>
   </p:cSld>
@@ -4025,7 +4013,7 @@
     </p:spTree>
     <p:extLst>
       <p:ext uri="{BB962C8B-B14F-4D97-AF65-F5344CB8AC3E}">
-        <p14:creationId xmlns:p14="http://schemas.microsoft.com/office/powerpoint/2010/main" val="390738873"/>
+        <p14:creationId xmlns:p14="http://schemas.microsoft.com/office/powerpoint/2010/main" val="2918353796"/>
       </p:ext>
     </p:extLst>
   </p:cSld>
@@ -4142,7 +4130,7 @@
     </p:spTree>
     <p:extLst>
       <p:ext uri="{BB962C8B-B14F-4D97-AF65-F5344CB8AC3E}">
-        <p14:creationId xmlns:p14="http://schemas.microsoft.com/office/powerpoint/2010/main" val="926831241"/>
+        <p14:creationId xmlns:p14="http://schemas.microsoft.com/office/powerpoint/2010/main" val="2110576029"/>
       </p:ext>
     </p:extLst>
   </p:cSld>
@@ -4259,7 +4247,7 @@
     </p:spTree>
     <p:extLst>
       <p:ext uri="{BB962C8B-B14F-4D97-AF65-F5344CB8AC3E}">
-        <p14:creationId xmlns:p14="http://schemas.microsoft.com/office/powerpoint/2010/main" val="2921899275"/>
+        <p14:creationId xmlns:p14="http://schemas.microsoft.com/office/powerpoint/2010/main" val="390738873"/>
       </p:ext>
     </p:extLst>
   </p:cSld>
@@ -4352,14 +4340,22 @@
           </a:bodyPr>
           <a:lstStyle/>
           <a:p>
-            <a:pPr marL="0" lvl="0" indent="0" algn="l" rtl="0">
+            <a:pPr marL="0" marR="0" lvl="0" indent="0" algn="l" defTabSz="609585" rtl="0" eaLnBrk="1" fontAlgn="auto" latinLnBrk="0" hangingPunct="1">
+              <a:lnSpc>
+                <a:spcPct val="100000"/>
+              </a:lnSpc>
               <a:spcBef>
                 <a:spcPts val="0"/>
               </a:spcBef>
               <a:spcAft>
                 <a:spcPts val="0"/>
               </a:spcAft>
+              <a:buClrTx/>
+              <a:buSzTx/>
+              <a:buFontTx/>
               <a:buNone/>
+              <a:tabLst/>
+              <a:defRPr/>
             </a:pPr>
             <a:endParaRPr lang="en-US" dirty="0"/>
           </a:p>
@@ -4368,7 +4364,124 @@
     </p:spTree>
     <p:extLst>
       <p:ext uri="{BB962C8B-B14F-4D97-AF65-F5344CB8AC3E}">
-        <p14:creationId xmlns:p14="http://schemas.microsoft.com/office/powerpoint/2010/main" val="290434730"/>
+        <p14:creationId xmlns:p14="http://schemas.microsoft.com/office/powerpoint/2010/main" val="926831241"/>
+      </p:ext>
+    </p:extLst>
+  </p:cSld>
+  <p:clrMapOvr>
+    <a:masterClrMapping/>
+  </p:clrMapOvr>
+</p:notes>
+</file>
+
+<file path=ppt/notesSlides/notesSlide39.xml><?xml version="1.0" encoding="utf-8"?>
+<p:notes xmlns:a="http://schemas.openxmlformats.org/drawingml/2006/main" xmlns:r="http://schemas.openxmlformats.org/officeDocument/2006/relationships" xmlns:p="http://schemas.openxmlformats.org/presentationml/2006/main" showMasterSp="0" showMasterPhAnim="0">
+  <p:cSld>
+    <p:spTree>
+      <p:nvGrpSpPr>
+        <p:cNvPr id="1" name="Shape 91"/>
+        <p:cNvGrpSpPr/>
+        <p:nvPr/>
+      </p:nvGrpSpPr>
+      <p:grpSpPr>
+        <a:xfrm>
+          <a:off x="0" y="0"/>
+          <a:ext cx="0" cy="0"/>
+          <a:chOff x="0" y="0"/>
+          <a:chExt cx="0" cy="0"/>
+        </a:xfrm>
+      </p:grpSpPr>
+      <p:sp>
+        <p:nvSpPr>
+          <p:cNvPr id="92" name="Google Shape;92;g921be16503_9_0:notes"/>
+          <p:cNvSpPr>
+            <a:spLocks noGrp="1" noRot="1" noChangeAspect="1"/>
+          </p:cNvSpPr>
+          <p:nvPr>
+            <p:ph type="sldImg" idx="2"/>
+          </p:nvPr>
+        </p:nvSpPr>
+        <p:spPr>
+          <a:xfrm>
+            <a:off x="381000" y="685800"/>
+            <a:ext cx="6096000" cy="3429000"/>
+          </a:xfrm>
+          <a:custGeom>
+            <a:avLst/>
+            <a:gdLst/>
+            <a:ahLst/>
+            <a:cxnLst/>
+            <a:rect l="l" t="t" r="r" b="b"/>
+            <a:pathLst>
+              <a:path w="120000" h="120000" extrusionOk="0">
+                <a:moveTo>
+                  <a:pt x="0" y="0"/>
+                </a:moveTo>
+                <a:lnTo>
+                  <a:pt x="120000" y="0"/>
+                </a:lnTo>
+                <a:lnTo>
+                  <a:pt x="120000" y="120000"/>
+                </a:lnTo>
+                <a:lnTo>
+                  <a:pt x="0" y="120000"/>
+                </a:lnTo>
+                <a:close/>
+              </a:path>
+            </a:pathLst>
+          </a:custGeom>
+        </p:spPr>
+      </p:sp>
+      <p:sp>
+        <p:nvSpPr>
+          <p:cNvPr id="93" name="Google Shape;93;g921be16503_9_0:notes"/>
+          <p:cNvSpPr txBox="1">
+            <a:spLocks noGrp="1"/>
+          </p:cNvSpPr>
+          <p:nvPr>
+            <p:ph type="body" idx="1"/>
+          </p:nvPr>
+        </p:nvSpPr>
+        <p:spPr>
+          <a:xfrm>
+            <a:off x="685800" y="4343400"/>
+            <a:ext cx="5486400" cy="4114800"/>
+          </a:xfrm>
+          <a:prstGeom prst="rect">
+            <a:avLst/>
+          </a:prstGeom>
+        </p:spPr>
+        <p:txBody>
+          <a:bodyPr spcFirstLastPara="1" wrap="square" lIns="91425" tIns="91425" rIns="91425" bIns="91425" anchor="t" anchorCtr="0">
+            <a:noAutofit/>
+          </a:bodyPr>
+          <a:lstStyle/>
+          <a:p>
+            <a:pPr marL="0" marR="0" lvl="0" indent="0" algn="l" defTabSz="609585" rtl="0" eaLnBrk="1" fontAlgn="auto" latinLnBrk="0" hangingPunct="1">
+              <a:lnSpc>
+                <a:spcPct val="100000"/>
+              </a:lnSpc>
+              <a:spcBef>
+                <a:spcPts val="0"/>
+              </a:spcBef>
+              <a:spcAft>
+                <a:spcPts val="0"/>
+              </a:spcAft>
+              <a:buClrTx/>
+              <a:buSzTx/>
+              <a:buFontTx/>
+              <a:buNone/>
+              <a:tabLst/>
+              <a:defRPr/>
+            </a:pPr>
+            <a:endParaRPr lang="en-US" dirty="0"/>
+          </a:p>
+        </p:txBody>
+      </p:sp>
+    </p:spTree>
+    <p:extLst>
+      <p:ext uri="{BB962C8B-B14F-4D97-AF65-F5344CB8AC3E}">
+        <p14:creationId xmlns:p14="http://schemas.microsoft.com/office/powerpoint/2010/main" val="2921899275"/>
       </p:ext>
     </p:extLst>
   </p:cSld>
@@ -4481,6 +4594,115 @@
     <p:extLst>
       <p:ext uri="{BB962C8B-B14F-4D97-AF65-F5344CB8AC3E}">
         <p14:creationId xmlns:p14="http://schemas.microsoft.com/office/powerpoint/2010/main" val="2635102862"/>
+      </p:ext>
+    </p:extLst>
+  </p:cSld>
+  <p:clrMapOvr>
+    <a:masterClrMapping/>
+  </p:clrMapOvr>
+</p:notes>
+</file>
+
+<file path=ppt/notesSlides/notesSlide40.xml><?xml version="1.0" encoding="utf-8"?>
+<p:notes xmlns:a="http://schemas.openxmlformats.org/drawingml/2006/main" xmlns:r="http://schemas.openxmlformats.org/officeDocument/2006/relationships" xmlns:p="http://schemas.openxmlformats.org/presentationml/2006/main" showMasterSp="0" showMasterPhAnim="0">
+  <p:cSld>
+    <p:spTree>
+      <p:nvGrpSpPr>
+        <p:cNvPr id="1" name="Shape 91"/>
+        <p:cNvGrpSpPr/>
+        <p:nvPr/>
+      </p:nvGrpSpPr>
+      <p:grpSpPr>
+        <a:xfrm>
+          <a:off x="0" y="0"/>
+          <a:ext cx="0" cy="0"/>
+          <a:chOff x="0" y="0"/>
+          <a:chExt cx="0" cy="0"/>
+        </a:xfrm>
+      </p:grpSpPr>
+      <p:sp>
+        <p:nvSpPr>
+          <p:cNvPr id="92" name="Google Shape;92;g921be16503_9_0:notes"/>
+          <p:cNvSpPr>
+            <a:spLocks noGrp="1" noRot="1" noChangeAspect="1"/>
+          </p:cNvSpPr>
+          <p:nvPr>
+            <p:ph type="sldImg" idx="2"/>
+          </p:nvPr>
+        </p:nvSpPr>
+        <p:spPr>
+          <a:xfrm>
+            <a:off x="381000" y="685800"/>
+            <a:ext cx="6096000" cy="3429000"/>
+          </a:xfrm>
+          <a:custGeom>
+            <a:avLst/>
+            <a:gdLst/>
+            <a:ahLst/>
+            <a:cxnLst/>
+            <a:rect l="l" t="t" r="r" b="b"/>
+            <a:pathLst>
+              <a:path w="120000" h="120000" extrusionOk="0">
+                <a:moveTo>
+                  <a:pt x="0" y="0"/>
+                </a:moveTo>
+                <a:lnTo>
+                  <a:pt x="120000" y="0"/>
+                </a:lnTo>
+                <a:lnTo>
+                  <a:pt x="120000" y="120000"/>
+                </a:lnTo>
+                <a:lnTo>
+                  <a:pt x="0" y="120000"/>
+                </a:lnTo>
+                <a:close/>
+              </a:path>
+            </a:pathLst>
+          </a:custGeom>
+        </p:spPr>
+      </p:sp>
+      <p:sp>
+        <p:nvSpPr>
+          <p:cNvPr id="93" name="Google Shape;93;g921be16503_9_0:notes"/>
+          <p:cNvSpPr txBox="1">
+            <a:spLocks noGrp="1"/>
+          </p:cNvSpPr>
+          <p:nvPr>
+            <p:ph type="body" idx="1"/>
+          </p:nvPr>
+        </p:nvSpPr>
+        <p:spPr>
+          <a:xfrm>
+            <a:off x="685800" y="4343400"/>
+            <a:ext cx="5486400" cy="4114800"/>
+          </a:xfrm>
+          <a:prstGeom prst="rect">
+            <a:avLst/>
+          </a:prstGeom>
+        </p:spPr>
+        <p:txBody>
+          <a:bodyPr spcFirstLastPara="1" wrap="square" lIns="91425" tIns="91425" rIns="91425" bIns="91425" anchor="t" anchorCtr="0">
+            <a:noAutofit/>
+          </a:bodyPr>
+          <a:lstStyle/>
+          <a:p>
+            <a:pPr marL="0" lvl="0" indent="0" algn="l" rtl="0">
+              <a:spcBef>
+                <a:spcPts val="0"/>
+              </a:spcBef>
+              <a:spcAft>
+                <a:spcPts val="0"/>
+              </a:spcAft>
+              <a:buNone/>
+            </a:pPr>
+            <a:endParaRPr lang="en-US" dirty="0"/>
+          </a:p>
+        </p:txBody>
+      </p:sp>
+    </p:spTree>
+    <p:extLst>
+      <p:ext uri="{BB962C8B-B14F-4D97-AF65-F5344CB8AC3E}">
+        <p14:creationId xmlns:p14="http://schemas.microsoft.com/office/powerpoint/2010/main" val="290434730"/>
       </p:ext>
     </p:extLst>
   </p:cSld>
@@ -19184,52 +19406,53 @@
               <a:rPr lang="en-US" sz="2800" i="1" dirty="0"/>
               <a:t>p</a:t>
             </a:r>
-            <a:r>
-              <a:rPr lang="en-US" sz="2800" dirty="0"/>
-              <a:t>	</a:t>
-            </a:r>
-          </a:p>
-          <a:p>
-            <a:pPr marL="711183" lvl="1">
+            <a:endParaRPr lang="en-US" sz="2800" dirty="0"/>
+          </a:p>
+          <a:p>
+            <a:pPr marL="101598">
               <a:buSzPct val="100000"/>
             </a:pPr>
             <a:r>
-              <a:rPr lang="en-US" sz="2800" i="1" dirty="0"/>
-              <a:t>			p(C</a:t>
-            </a:r>
-            <a:r>
-              <a:rPr lang="en-US" sz="2800" i="1" baseline="-25000" dirty="0"/>
+              <a:rPr lang="en-US" sz="2800" b="1" i="1" dirty="0"/>
+              <a:t>					</a:t>
+            </a:r>
+            <a:r>
+              <a:rPr lang="en-US" b="1" i="1" dirty="0"/>
+              <a:t>p(C</a:t>
+            </a:r>
+            <a:r>
+              <a:rPr lang="en-US" b="1" i="1" baseline="-25000" dirty="0"/>
               <a:t>k </a:t>
             </a:r>
             <a:r>
-              <a:rPr lang="en-US" sz="2800" i="1" dirty="0"/>
+              <a:rPr lang="en-US" b="1" i="1" dirty="0"/>
               <a:t>|x</a:t>
             </a:r>
             <a:r>
-              <a:rPr lang="en-US" sz="2800" i="1" baseline="-25000" dirty="0"/>
+              <a:rPr lang="en-US" b="1" i="1" baseline="-25000" dirty="0"/>
               <a:t>1</a:t>
             </a:r>
             <a:r>
-              <a:rPr lang="en-US" sz="2800" i="1" dirty="0"/>
+              <a:rPr lang="en-US" b="1" i="1" dirty="0"/>
               <a:t>,x</a:t>
             </a:r>
             <a:r>
-              <a:rPr lang="en-US" sz="2800" i="1" baseline="-25000" dirty="0"/>
+              <a:rPr lang="en-US" b="1" i="1" baseline="-25000" dirty="0"/>
               <a:t>2 ,…,</a:t>
             </a:r>
             <a:r>
-              <a:rPr lang="en-US" sz="2800" i="1" dirty="0" err="1"/>
+              <a:rPr lang="en-US" b="1" i="1" dirty="0" err="1"/>
               <a:t>x</a:t>
             </a:r>
             <a:r>
-              <a:rPr lang="en-US" sz="2800" i="1" baseline="-25000" dirty="0" err="1"/>
+              <a:rPr lang="en-US" b="1" i="1" baseline="-25000" dirty="0" err="1"/>
               <a:t>n</a:t>
             </a:r>
             <a:r>
-              <a:rPr lang="en-US" sz="2800" i="1" dirty="0"/>
+              <a:rPr lang="en-US" b="1" i="1" dirty="0"/>
               <a:t>)</a:t>
             </a:r>
-            <a:endParaRPr lang="en-US" sz="2800" dirty="0"/>
+            <a:endParaRPr lang="en-US" b="1" dirty="0"/>
           </a:p>
           <a:p>
             <a:r>
@@ -19411,13 +19634,8 @@
             </a:r>
             <a:r>
               <a:rPr lang="en-US" sz="2000" dirty="0"/>
-              <a:t> -&gt; </a:t>
-            </a:r>
-            <a:r>
-              <a:rPr lang="en-US" sz="2000"/>
-              <a:t>independent features</a:t>
-            </a:r>
-            <a:endParaRPr lang="en-US" sz="2000" dirty="0"/>
+              <a:t> -&gt; independent features.</a:t>
+            </a:r>
           </a:p>
           <a:p>
             <a:endParaRPr lang="en-US" sz="2000" dirty="0"/>
@@ -19698,7 +19916,7 @@
                   <a:srgbClr val="E46102"/>
                 </a:solidFill>
               </a:rPr>
-              <a:t>Simple Linear Model</a:t>
+              <a:t>Bayes Classifier</a:t>
             </a:r>
             <a:endParaRPr sz="4000" b="1" dirty="0">
               <a:solidFill>
@@ -19716,8 +19934,8 @@
         </p:nvSpPr>
         <p:spPr>
           <a:xfrm>
-            <a:off x="311422" y="812930"/>
-            <a:ext cx="11277600" cy="5042664"/>
+            <a:off x="311422" y="1086679"/>
+            <a:ext cx="11277600" cy="4517124"/>
           </a:xfrm>
           <a:prstGeom prst="rect">
             <a:avLst/>
@@ -19733,162 +19951,321 @@
           </a:bodyPr>
           <a:lstStyle/>
           <a:p>
+            <a:pPr marL="444498" indent="-342900">
+              <a:buSzPct val="100000"/>
+              <a:buFontTx/>
+              <a:buChar char="-"/>
+            </a:pPr>
+            <a:r>
+              <a:rPr lang="en-US" sz="2000" dirty="0">
+                <a:solidFill>
+                  <a:srgbClr val="D95E00"/>
+                </a:solidFill>
+              </a:rPr>
+              <a:t>p(</a:t>
+            </a:r>
+            <a:r>
+              <a:rPr lang="en-US" sz="2000" dirty="0" err="1">
+                <a:solidFill>
+                  <a:srgbClr val="D95E00"/>
+                </a:solidFill>
+              </a:rPr>
+              <a:t>money|spam</a:t>
+            </a:r>
+            <a:r>
+              <a:rPr lang="en-US" sz="2000" dirty="0">
+                <a:solidFill>
+                  <a:srgbClr val="D95E00"/>
+                </a:solidFill>
+              </a:rPr>
+              <a:t>) = 1/8</a:t>
+            </a:r>
+          </a:p>
+          <a:p>
+            <a:pPr marL="444498" indent="-342900">
+              <a:buSzPct val="100000"/>
+              <a:buFontTx/>
+              <a:buChar char="-"/>
+            </a:pPr>
+            <a:r>
+              <a:rPr lang="en-US" sz="2000" dirty="0">
+                <a:solidFill>
+                  <a:srgbClr val="D95E00"/>
+                </a:solidFill>
+              </a:rPr>
+              <a:t>p(</a:t>
+            </a:r>
+            <a:r>
+              <a:rPr lang="en-US" sz="2000" dirty="0" err="1">
+                <a:solidFill>
+                  <a:srgbClr val="D95E00"/>
+                </a:solidFill>
+              </a:rPr>
+              <a:t>dear|ham</a:t>
+            </a:r>
+            <a:r>
+              <a:rPr lang="en-US" sz="2000" dirty="0">
+                <a:solidFill>
+                  <a:srgbClr val="D95E00"/>
+                </a:solidFill>
+              </a:rPr>
+              <a:t>) = 1/10</a:t>
+            </a:r>
+            <a:endParaRPr lang="en-US" sz="2000" dirty="0"/>
+          </a:p>
+          <a:p>
+            <a:pPr marL="444498" indent="-342900">
+              <a:buSzPct val="100000"/>
+              <a:buFontTx/>
+              <a:buChar char="-"/>
+            </a:pPr>
+            <a:r>
+              <a:rPr lang="en-US" sz="2000" dirty="0">
+                <a:solidFill>
+                  <a:srgbClr val="D95E00"/>
+                </a:solidFill>
+              </a:rPr>
+              <a:t>p(</a:t>
+            </a:r>
+            <a:r>
+              <a:rPr lang="en-US" sz="2000" dirty="0" err="1">
+                <a:solidFill>
+                  <a:srgbClr val="D95E00"/>
+                </a:solidFill>
+              </a:rPr>
+              <a:t>send|spam</a:t>
+            </a:r>
+            <a:r>
+              <a:rPr lang="en-US" sz="2000" dirty="0">
+                <a:solidFill>
+                  <a:srgbClr val="D95E00"/>
+                </a:solidFill>
+              </a:rPr>
+              <a:t>) = 1/15</a:t>
+            </a:r>
+            <a:endParaRPr lang="en-US" sz="2000" dirty="0"/>
+          </a:p>
+          <a:p>
+            <a:pPr marL="444498" indent="-342900">
+              <a:buSzPct val="100000"/>
+              <a:buFont typeface="Arial" panose="020B0604020202020204" pitchFamily="34" charset="0"/>
+              <a:buChar char="•"/>
+            </a:pPr>
+            <a:r>
+              <a:rPr lang="en-US" dirty="0"/>
+              <a:t>Also given, 10 out of 15 messages are ”ham”. p(ham) = (10/10+</a:t>
+            </a:r>
+            <a:r>
+              <a:rPr lang="en-US" dirty="0">
+                <a:solidFill>
+                  <a:srgbClr val="D95E00"/>
+                </a:solidFill>
+              </a:rPr>
+              <a:t>5</a:t>
+            </a:r>
+            <a:r>
+              <a:rPr lang="en-US" dirty="0"/>
+              <a:t>) = 0.67</a:t>
+            </a:r>
+          </a:p>
+          <a:p>
+            <a:pPr marL="444498" indent="-342900">
+              <a:buSzPct val="100000"/>
+              <a:buFont typeface="Arial" panose="020B0604020202020204" pitchFamily="34" charset="0"/>
+              <a:buChar char="•"/>
+            </a:pPr>
+            <a:r>
+              <a:rPr lang="en-US" dirty="0"/>
+              <a:t>0.67 is the prior probability of “ham”. therefore, p(spam) = 0.33</a:t>
+            </a:r>
+          </a:p>
+          <a:p>
             <a:pPr marL="101598">
               <a:buSzPct val="100000"/>
             </a:pPr>
-            <a:endParaRPr lang="en-US" sz="2000" dirty="0"/>
-          </a:p>
-          <a:p>
-            <a:pPr marL="609585" indent="-507987">
+            <a:endParaRPr lang="en-US" dirty="0"/>
+          </a:p>
+          <a:p>
+            <a:pPr marL="101598">
               <a:buSzPct val="100000"/>
-              <a:buChar char="●"/>
-            </a:pPr>
-            <a:r>
-              <a:rPr lang="en-US" sz="2000" dirty="0" err="1"/>
-              <a:t>life_satisfaction</a:t>
-            </a:r>
-            <a:r>
-              <a:rPr lang="en-US" sz="2000" dirty="0"/>
-              <a:t> = </a:t>
-            </a:r>
-            <a:r>
-              <a:rPr lang="en-US" sz="2000" i="1" dirty="0"/>
-              <a:t>θ</a:t>
-            </a:r>
-            <a:r>
-              <a:rPr lang="en-US" sz="2000" i="1" baseline="-25000" dirty="0"/>
-              <a:t>0 + </a:t>
-            </a:r>
-            <a:r>
-              <a:rPr lang="en-US" sz="2000" i="1" dirty="0"/>
-              <a:t>θ</a:t>
-            </a:r>
-            <a:r>
-              <a:rPr lang="en-US" sz="2000" i="1" baseline="-25000" dirty="0"/>
-              <a:t>1</a:t>
-            </a:r>
-            <a:r>
-              <a:rPr lang="en-US" sz="2000" i="1" dirty="0"/>
-              <a:t> x </a:t>
-            </a:r>
-            <a:r>
-              <a:rPr lang="en-US" sz="2000" i="1" dirty="0" err="1"/>
-              <a:t>GDP_per_capita</a:t>
-            </a:r>
-            <a:endParaRPr lang="en-US" sz="2000" i="1" dirty="0"/>
-          </a:p>
-          <a:p>
-            <a:pPr marL="609585" indent="-507987">
+            </a:pPr>
+            <a:endParaRPr lang="en-US" dirty="0"/>
+          </a:p>
+          <a:p>
+            <a:pPr marL="101598">
               <a:buSzPct val="100000"/>
-              <a:buChar char="●"/>
-            </a:pPr>
-            <a:endParaRPr lang="en-US" sz="2000" dirty="0"/>
-          </a:p>
-          <a:p>
-            <a:pPr marL="609585" indent="-507987">
+            </a:pPr>
+            <a:endParaRPr lang="en-US" dirty="0"/>
+          </a:p>
+          <a:p>
+            <a:pPr marL="444498" indent="-342900">
               <a:buSzPct val="100000"/>
-              <a:buChar char="●"/>
-            </a:pPr>
-            <a:r>
-              <a:rPr lang="en-US" sz="2000" dirty="0"/>
-              <a:t>two model parameters, </a:t>
-            </a:r>
-            <a:r>
-              <a:rPr lang="en-US" sz="2000" i="1" dirty="0"/>
-              <a:t>θ</a:t>
-            </a:r>
-            <a:r>
-              <a:rPr lang="en-US" sz="2000" i="1" baseline="-25000" dirty="0"/>
-              <a:t>0</a:t>
-            </a:r>
-            <a:r>
-              <a:rPr lang="en-US" sz="2000" dirty="0"/>
-              <a:t> and </a:t>
-            </a:r>
-            <a:r>
-              <a:rPr lang="en-US" sz="2000" i="1" dirty="0"/>
-              <a:t>θ</a:t>
-            </a:r>
-            <a:r>
-              <a:rPr lang="en-US" sz="2000" i="1" baseline="-25000" dirty="0"/>
-              <a:t>1</a:t>
-            </a:r>
-            <a:r>
-              <a:rPr lang="en-US" sz="2000" i="1" dirty="0"/>
-              <a:t>; </a:t>
-            </a:r>
-            <a:r>
-              <a:rPr lang="en-US" sz="2000" dirty="0"/>
-              <a:t>tweaking them to make your model represent any linear function.</a:t>
-            </a:r>
-          </a:p>
-          <a:p>
-            <a:pPr marL="609585" indent="-507987">
+              <a:buFont typeface="Arial" panose="020B0604020202020204" pitchFamily="34" charset="0"/>
+              <a:buChar char="•"/>
+            </a:pPr>
+            <a:endParaRPr lang="en-US" dirty="0"/>
+          </a:p>
+          <a:p>
+            <a:pPr marL="444498" indent="-342900">
               <a:buSzPct val="100000"/>
-              <a:buChar char="●"/>
-            </a:pPr>
-            <a:endParaRPr lang="en-US" sz="2000" dirty="0"/>
-          </a:p>
-          <a:p>
-            <a:pPr marL="609585" indent="-507987">
+              <a:buFont typeface="Arial" panose="020B0604020202020204" pitchFamily="34" charset="0"/>
+              <a:buChar char="•"/>
+            </a:pPr>
+            <a:r>
+              <a:rPr lang="en-US" dirty="0"/>
+              <a:t>Start with a normal guess, “spam” = p(spam) = 0.33</a:t>
+            </a:r>
+          </a:p>
+          <a:p>
+            <a:pPr marL="444498" indent="-342900">
               <a:buSzPct val="100000"/>
-              <a:buChar char="●"/>
-            </a:pPr>
-            <a:r>
-              <a:rPr lang="en-US" sz="2000" u="sng" dirty="0"/>
-              <a:t>Before</a:t>
-            </a:r>
-            <a:r>
-              <a:rPr lang="en-US" sz="2000" dirty="0"/>
-              <a:t> you use your linear model, you need to define the parameter values of </a:t>
-            </a:r>
-            <a:r>
-              <a:rPr lang="en-US" sz="2000" i="1" dirty="0"/>
-              <a:t>θ</a:t>
-            </a:r>
-            <a:r>
-              <a:rPr lang="en-US" sz="2000" i="1" baseline="-25000" dirty="0"/>
-              <a:t>0</a:t>
-            </a:r>
-            <a:r>
-              <a:rPr lang="en-US" sz="2000" i="1" dirty="0"/>
-              <a:t> </a:t>
-            </a:r>
-            <a:r>
-              <a:rPr lang="en-US" sz="2000" dirty="0"/>
-              <a:t>and</a:t>
-            </a:r>
-            <a:r>
-              <a:rPr lang="en-US" sz="2000" i="1" baseline="-25000" dirty="0"/>
-              <a:t> </a:t>
-            </a:r>
-            <a:r>
-              <a:rPr lang="en-US" sz="2000" i="1" dirty="0"/>
-              <a:t>θ</a:t>
-            </a:r>
-            <a:r>
-              <a:rPr lang="en-US" sz="2000" i="1" baseline="-25000" dirty="0"/>
-              <a:t>1.</a:t>
-            </a:r>
-          </a:p>
-          <a:p>
-            <a:pPr marL="1219170" lvl="1" indent="-507987">
+              <a:buFont typeface="Arial" panose="020B0604020202020204" pitchFamily="34" charset="0"/>
+              <a:buChar char="•"/>
+            </a:pPr>
+            <a:r>
+              <a:rPr lang="en-US" dirty="0"/>
+              <a:t>p(s) x p(</a:t>
+            </a:r>
+            <a:r>
+              <a:rPr lang="en-US" dirty="0" err="1"/>
+              <a:t>send|spam</a:t>
+            </a:r>
+            <a:r>
+              <a:rPr lang="en-US" dirty="0"/>
+              <a:t>) x p(</a:t>
+            </a:r>
+            <a:r>
+              <a:rPr lang="en-US" dirty="0" err="1"/>
+              <a:t>money|spam</a:t>
+            </a:r>
+            <a:r>
+              <a:rPr lang="en-US" dirty="0"/>
+              <a:t>) = 0.33 x 0.06 x 0.125 = .0024</a:t>
+            </a:r>
+          </a:p>
+          <a:p>
+            <a:pPr marL="444498" indent="-342900">
               <a:buSzPct val="100000"/>
-              <a:buChar char="●"/>
-            </a:pPr>
-            <a:r>
-              <a:rPr lang="en-US" sz="2000" dirty="0"/>
-              <a:t>those that make your model perform best</a:t>
-            </a:r>
+              <a:buFont typeface="Arial" panose="020B0604020202020204" pitchFamily="34" charset="0"/>
+              <a:buChar char="•"/>
+            </a:pPr>
+            <a:r>
+              <a:rPr lang="en-US" dirty="0"/>
+              <a:t>Repeat for ham and compare result. </a:t>
+            </a:r>
+          </a:p>
+          <a:p>
+            <a:pPr marL="444498" indent="-342900">
+              <a:buSzPct val="100000"/>
+              <a:buFont typeface="Arial" panose="020B0604020202020204" pitchFamily="34" charset="0"/>
+              <a:buChar char="•"/>
+            </a:pPr>
+            <a:r>
+              <a:rPr lang="en-US" dirty="0"/>
+              <a:t>Assign class with greater value to the new email. </a:t>
+            </a:r>
+          </a:p>
+          <a:p>
+            <a:pPr marL="444498" indent="-342900">
+              <a:buSzPct val="100000"/>
+              <a:buFont typeface="Arial" panose="020B0604020202020204" pitchFamily="34" charset="0"/>
+              <a:buChar char="•"/>
+            </a:pPr>
+            <a:r>
+              <a:rPr lang="en-US" dirty="0"/>
+              <a:t>DONE</a:t>
+            </a:r>
+          </a:p>
+          <a:p>
+            <a:pPr marL="101598">
+              <a:buSzPct val="100000"/>
+            </a:pPr>
+            <a:endParaRPr lang="en-US" sz="2800" dirty="0"/>
           </a:p>
         </p:txBody>
       </p:sp>
+      <p:graphicFrame>
+        <p:nvGraphicFramePr>
+          <p:cNvPr id="2" name="Table 2">
+            <a:extLst>
+              <a:ext uri="{FF2B5EF4-FFF2-40B4-BE49-F238E27FC236}">
+                <a16:creationId xmlns:a16="http://schemas.microsoft.com/office/drawing/2014/main" id="{DD5C0D0F-E42B-E6E3-E942-91F40E6977F2}"/>
+              </a:ext>
+            </a:extLst>
+          </p:cNvPr>
+          <p:cNvGraphicFramePr>
+            <a:graphicFrameLocks noGrp="1"/>
+          </p:cNvGraphicFramePr>
+          <p:nvPr>
+            <p:extLst>
+              <p:ext uri="{D42A27DB-BD31-4B8C-83A1-F6EECF244321}">
+                <p14:modId xmlns:p14="http://schemas.microsoft.com/office/powerpoint/2010/main" val="3407924220"/>
+              </p:ext>
+            </p:extLst>
+          </p:nvPr>
+        </p:nvGraphicFramePr>
+        <p:xfrm>
+          <a:off x="764209" y="3084447"/>
+          <a:ext cx="10663583" cy="1005840"/>
+        </p:xfrm>
+        <a:graphic>
+          <a:graphicData uri="http://schemas.openxmlformats.org/drawingml/2006/table">
+            <a:tbl>
+              <a:tblPr firstRow="1" bandRow="1">
+                <a:tableStyleId>{5C22544A-7EE6-4342-B048-85BDC9FD1C3A}</a:tableStyleId>
+              </a:tblPr>
+              <a:tblGrid>
+                <a:gridCol w="10663583">
+                  <a:extLst>
+                    <a:ext uri="{9D8B030D-6E8A-4147-A177-3AD203B41FA5}">
+                      <a16:colId xmlns:a16="http://schemas.microsoft.com/office/drawing/2014/main" val="3400395767"/>
+                    </a:ext>
+                  </a:extLst>
+                </a:gridCol>
+              </a:tblGrid>
+              <a:tr h="370840">
+                <a:tc>
+                  <a:txBody>
+                    <a:bodyPr/>
+                    <a:lstStyle/>
+                    <a:p>
+                      <a:pPr marL="101598" algn="ctr">
+                        <a:buSzPct val="100000"/>
+                      </a:pPr>
+                      <a:r>
+                        <a:rPr lang="en-US" sz="2000" b="0" dirty="0"/>
+                        <a:t>Just built an Email classifier based on naïve bayes.</a:t>
+                      </a:r>
+                    </a:p>
+                    <a:p>
+                      <a:pPr marL="101598" algn="ctr">
+                        <a:buSzPct val="100000"/>
+                      </a:pPr>
+                      <a:r>
+                        <a:rPr lang="en-US" sz="2000" b="0" dirty="0"/>
+                        <a:t>A new email arrives, and your classifier needs to label it as spam or ham. The email has content that says = “send money”</a:t>
+                      </a:r>
+                      <a:endParaRPr lang="en-US" sz="2400" b="0" dirty="0"/>
+                    </a:p>
+                  </a:txBody>
+                  <a:tcPr/>
+                </a:tc>
+                <a:extLst>
+                  <a:ext uri="{0D108BD9-81ED-4DB2-BD59-A6C34878D82A}">
+                    <a16:rowId xmlns:a16="http://schemas.microsoft.com/office/drawing/2014/main" val="2583149207"/>
+                  </a:ext>
+                </a:extLst>
+              </a:tr>
+            </a:tbl>
+          </a:graphicData>
+        </a:graphic>
+      </p:graphicFrame>
       <p:sp>
         <p:nvSpPr>
           <p:cNvPr id="3" name="TextBox 2">
             <a:extLst>
               <a:ext uri="{FF2B5EF4-FFF2-40B4-BE49-F238E27FC236}">
-                <a16:creationId xmlns:a16="http://schemas.microsoft.com/office/drawing/2014/main" id="{8336C952-2ED4-4267-88C4-A6FF51E45930}"/>
+                <a16:creationId xmlns:a16="http://schemas.microsoft.com/office/drawing/2014/main" id="{F8B5CE67-5405-6C33-668D-738F926FEA68}"/>
               </a:ext>
             </a:extLst>
           </p:cNvPr>
@@ -19897,48 +20274,69 @@
         </p:nvSpPr>
         <p:spPr>
           <a:xfrm>
-            <a:off x="1056068" y="4336234"/>
-            <a:ext cx="9882388" cy="1200329"/>
+            <a:off x="172279" y="6550254"/>
+            <a:ext cx="5096267" cy="246221"/>
           </a:xfrm>
           <a:prstGeom prst="rect">
             <a:avLst/>
           </a:prstGeom>
           <a:noFill/>
-          <a:ln>
-            <a:solidFill>
-              <a:srgbClr val="E46102"/>
-            </a:solidFill>
-          </a:ln>
         </p:spPr>
         <p:txBody>
-          <a:bodyPr wrap="square" rtlCol="0">
+          <a:bodyPr wrap="none" rtlCol="0">
             <a:spAutoFit/>
           </a:bodyPr>
           <a:lstStyle/>
           <a:p>
-            <a:pPr algn="ctr"/>
-            <a:r>
-              <a:rPr lang="en-US" b="1" dirty="0"/>
-              <a:t>Utility Function</a:t>
-            </a:r>
-            <a:r>
-              <a:rPr lang="en-US" dirty="0"/>
-              <a:t> – measures how good your model is</a:t>
-            </a:r>
-          </a:p>
-          <a:p>
-            <a:pPr algn="ctr"/>
-            <a:endParaRPr lang="en-US" dirty="0"/>
-          </a:p>
-          <a:p>
-            <a:pPr algn="ctr"/>
-            <a:r>
-              <a:rPr lang="en-US" b="1" dirty="0"/>
-              <a:t>Cost Function</a:t>
-            </a:r>
-            <a:r>
-              <a:rPr lang="en-US" dirty="0"/>
-              <a:t> – measures how bad your model is</a:t>
+            <a:r>
+              <a:rPr lang="en-US" sz="1000" dirty="0">
+                <a:solidFill>
+                  <a:schemeClr val="bg1">
+                    <a:lumMod val="75000"/>
+                  </a:schemeClr>
+                </a:solidFill>
+              </a:rPr>
+              <a:t>Credit:  </a:t>
+            </a:r>
+            <a:r>
+              <a:rPr lang="en-US" sz="1000" dirty="0" err="1">
+                <a:solidFill>
+                  <a:schemeClr val="bg1">
+                    <a:lumMod val="75000"/>
+                  </a:schemeClr>
+                </a:solidFill>
+              </a:rPr>
+              <a:t>Youtube</a:t>
+            </a:r>
+            <a:r>
+              <a:rPr lang="en-US" sz="1000" dirty="0">
+                <a:solidFill>
+                  <a:schemeClr val="bg1">
+                    <a:lumMod val="75000"/>
+                  </a:schemeClr>
+                </a:solidFill>
+              </a:rPr>
+              <a:t> channel </a:t>
+            </a:r>
+            <a:r>
+              <a:rPr lang="en-US" sz="1000" dirty="0" err="1">
+                <a:solidFill>
+                  <a:schemeClr val="bg1">
+                    <a:lumMod val="75000"/>
+                  </a:schemeClr>
+                </a:solidFill>
+              </a:rPr>
+              <a:t>StatQuestwithJoshStarmer</a:t>
+            </a:r>
+            <a:r>
+              <a:rPr lang="en-US" sz="1000" dirty="0">
+                <a:solidFill>
+                  <a:schemeClr val="bg1">
+                    <a:lumMod val="75000"/>
+                  </a:schemeClr>
+                </a:solidFill>
+              </a:rPr>
+              <a:t>, Naive Bayes, Clearly Explained!!!</a:t>
             </a:r>
           </a:p>
         </p:txBody>
@@ -19946,287 +20344,13 @@
     </p:spTree>
     <p:extLst>
       <p:ext uri="{BB962C8B-B14F-4D97-AF65-F5344CB8AC3E}">
-        <p14:creationId xmlns:p14="http://schemas.microsoft.com/office/powerpoint/2010/main" val="1471025527"/>
+        <p14:creationId xmlns:p14="http://schemas.microsoft.com/office/powerpoint/2010/main" val="3662409011"/>
       </p:ext>
     </p:extLst>
   </p:cSld>
   <p:clrMapOvr>
     <a:masterClrMapping/>
   </p:clrMapOvr>
-  <p:timing>
-    <p:tnLst>
-      <p:par>
-        <p:cTn id="1" dur="indefinite" restart="never" nodeType="tmRoot">
-          <p:childTnLst>
-            <p:seq concurrent="1" nextAc="seek">
-              <p:cTn id="2" dur="indefinite" nodeType="mainSeq">
-                <p:childTnLst>
-                  <p:par>
-                    <p:cTn id="3" fill="hold">
-                      <p:stCondLst>
-                        <p:cond delay="indefinite"/>
-                      </p:stCondLst>
-                      <p:childTnLst>
-                        <p:par>
-                          <p:cTn id="4" fill="hold">
-                            <p:stCondLst>
-                              <p:cond delay="0"/>
-                            </p:stCondLst>
-                            <p:childTnLst>
-                              <p:par>
-                                <p:cTn id="5" presetID="10" presetClass="entr" presetSubtype="0" fill="hold" nodeType="clickEffect">
-                                  <p:stCondLst>
-                                    <p:cond delay="0"/>
-                                  </p:stCondLst>
-                                  <p:childTnLst>
-                                    <p:set>
-                                      <p:cBhvr>
-                                        <p:cTn id="6" dur="1" fill="hold">
-                                          <p:stCondLst>
-                                            <p:cond delay="0"/>
-                                          </p:stCondLst>
-                                        </p:cTn>
-                                        <p:tgtEl>
-                                          <p:spTgt spid="96">
-                                            <p:txEl>
-                                              <p:pRg st="3" end="3"/>
-                                            </p:txEl>
-                                          </p:spTgt>
-                                        </p:tgtEl>
-                                        <p:attrNameLst>
-                                          <p:attrName>style.visibility</p:attrName>
-                                        </p:attrNameLst>
-                                      </p:cBhvr>
-                                      <p:to>
-                                        <p:strVal val="visible"/>
-                                      </p:to>
-                                    </p:set>
-                                    <p:animEffect transition="in" filter="fade">
-                                      <p:cBhvr>
-                                        <p:cTn id="7" dur="1000"/>
-                                        <p:tgtEl>
-                                          <p:spTgt spid="96">
-                                            <p:txEl>
-                                              <p:pRg st="3" end="3"/>
-                                            </p:txEl>
-                                          </p:spTgt>
-                                        </p:tgtEl>
-                                      </p:cBhvr>
-                                    </p:animEffect>
-                                  </p:childTnLst>
-                                </p:cTn>
-                              </p:par>
-                            </p:childTnLst>
-                          </p:cTn>
-                        </p:par>
-                      </p:childTnLst>
-                    </p:cTn>
-                  </p:par>
-                  <p:par>
-                    <p:cTn id="8" fill="hold">
-                      <p:stCondLst>
-                        <p:cond delay="indefinite"/>
-                      </p:stCondLst>
-                      <p:childTnLst>
-                        <p:par>
-                          <p:cTn id="9" fill="hold">
-                            <p:stCondLst>
-                              <p:cond delay="0"/>
-                            </p:stCondLst>
-                            <p:childTnLst>
-                              <p:par>
-                                <p:cTn id="10" presetID="10" presetClass="entr" presetSubtype="0" fill="hold" nodeType="clickEffect">
-                                  <p:stCondLst>
-                                    <p:cond delay="0"/>
-                                  </p:stCondLst>
-                                  <p:childTnLst>
-                                    <p:set>
-                                      <p:cBhvr>
-                                        <p:cTn id="11" dur="1" fill="hold">
-                                          <p:stCondLst>
-                                            <p:cond delay="0"/>
-                                          </p:stCondLst>
-                                        </p:cTn>
-                                        <p:tgtEl>
-                                          <p:spTgt spid="96">
-                                            <p:txEl>
-                                              <p:pRg st="5" end="5"/>
-                                            </p:txEl>
-                                          </p:spTgt>
-                                        </p:tgtEl>
-                                        <p:attrNameLst>
-                                          <p:attrName>style.visibility</p:attrName>
-                                        </p:attrNameLst>
-                                      </p:cBhvr>
-                                      <p:to>
-                                        <p:strVal val="visible"/>
-                                      </p:to>
-                                    </p:set>
-                                    <p:animEffect transition="in" filter="fade">
-                                      <p:cBhvr>
-                                        <p:cTn id="12" dur="1000"/>
-                                        <p:tgtEl>
-                                          <p:spTgt spid="96">
-                                            <p:txEl>
-                                              <p:pRg st="5" end="5"/>
-                                            </p:txEl>
-                                          </p:spTgt>
-                                        </p:tgtEl>
-                                      </p:cBhvr>
-                                    </p:animEffect>
-                                  </p:childTnLst>
-                                </p:cTn>
-                              </p:par>
-                            </p:childTnLst>
-                          </p:cTn>
-                        </p:par>
-                      </p:childTnLst>
-                    </p:cTn>
-                  </p:par>
-                  <p:par>
-                    <p:cTn id="13" fill="hold">
-                      <p:stCondLst>
-                        <p:cond delay="indefinite"/>
-                      </p:stCondLst>
-                      <p:childTnLst>
-                        <p:par>
-                          <p:cTn id="14" fill="hold">
-                            <p:stCondLst>
-                              <p:cond delay="0"/>
-                            </p:stCondLst>
-                            <p:childTnLst>
-                              <p:par>
-                                <p:cTn id="15" presetID="10" presetClass="entr" presetSubtype="0" fill="hold" nodeType="clickEffect">
-                                  <p:stCondLst>
-                                    <p:cond delay="0"/>
-                                  </p:stCondLst>
-                                  <p:childTnLst>
-                                    <p:set>
-                                      <p:cBhvr>
-                                        <p:cTn id="16" dur="1" fill="hold">
-                                          <p:stCondLst>
-                                            <p:cond delay="0"/>
-                                          </p:stCondLst>
-                                        </p:cTn>
-                                        <p:tgtEl>
-                                          <p:spTgt spid="96">
-                                            <p:txEl>
-                                              <p:pRg st="6" end="6"/>
-                                            </p:txEl>
-                                          </p:spTgt>
-                                        </p:tgtEl>
-                                        <p:attrNameLst>
-                                          <p:attrName>style.visibility</p:attrName>
-                                        </p:attrNameLst>
-                                      </p:cBhvr>
-                                      <p:to>
-                                        <p:strVal val="visible"/>
-                                      </p:to>
-                                    </p:set>
-                                    <p:animEffect transition="in" filter="fade">
-                                      <p:cBhvr>
-                                        <p:cTn id="17" dur="1000"/>
-                                        <p:tgtEl>
-                                          <p:spTgt spid="96">
-                                            <p:txEl>
-                                              <p:pRg st="6" end="6"/>
-                                            </p:txEl>
-                                          </p:spTgt>
-                                        </p:tgtEl>
-                                      </p:cBhvr>
-                                    </p:animEffect>
-                                  </p:childTnLst>
-                                </p:cTn>
-                              </p:par>
-                            </p:childTnLst>
-                          </p:cTn>
-                        </p:par>
-                      </p:childTnLst>
-                    </p:cTn>
-                  </p:par>
-                  <p:par>
-                    <p:cTn id="18" fill="hold">
-                      <p:stCondLst>
-                        <p:cond delay="indefinite"/>
-                      </p:stCondLst>
-                      <p:childTnLst>
-                        <p:par>
-                          <p:cTn id="19" fill="hold">
-                            <p:stCondLst>
-                              <p:cond delay="0"/>
-                            </p:stCondLst>
-                            <p:childTnLst>
-                              <p:par>
-                                <p:cTn id="20" presetID="10" presetClass="entr" presetSubtype="0" fill="hold" nodeType="clickEffect">
-                                  <p:stCondLst>
-                                    <p:cond delay="0"/>
-                                  </p:stCondLst>
-                                  <p:childTnLst>
-                                    <p:set>
-                                      <p:cBhvr>
-                                        <p:cTn id="21" dur="1" fill="hold">
-                                          <p:stCondLst>
-                                            <p:cond delay="0"/>
-                                          </p:stCondLst>
-                                        </p:cTn>
-                                        <p:tgtEl>
-                                          <p:spTgt spid="96">
-                                            <p:txEl>
-                                              <p:pRg st="1" end="1"/>
-                                            </p:txEl>
-                                          </p:spTgt>
-                                        </p:tgtEl>
-                                        <p:attrNameLst>
-                                          <p:attrName>style.visibility</p:attrName>
-                                        </p:attrNameLst>
-                                      </p:cBhvr>
-                                      <p:to>
-                                        <p:strVal val="visible"/>
-                                      </p:to>
-                                    </p:set>
-                                    <p:animEffect transition="in" filter="fade">
-                                      <p:cBhvr>
-                                        <p:cTn id="22" dur="1000"/>
-                                        <p:tgtEl>
-                                          <p:spTgt spid="96">
-                                            <p:txEl>
-                                              <p:pRg st="1" end="1"/>
-                                            </p:txEl>
-                                          </p:spTgt>
-                                        </p:tgtEl>
-                                      </p:cBhvr>
-                                    </p:animEffect>
-                                  </p:childTnLst>
-                                </p:cTn>
-                              </p:par>
-                            </p:childTnLst>
-                          </p:cTn>
-                        </p:par>
-                      </p:childTnLst>
-                    </p:cTn>
-                  </p:par>
-                </p:childTnLst>
-              </p:cTn>
-              <p:prevCondLst>
-                <p:cond evt="onPrev" delay="0">
-                  <p:tgtEl>
-                    <p:sldTgt/>
-                  </p:tgtEl>
-                </p:cond>
-              </p:prevCondLst>
-              <p:nextCondLst>
-                <p:cond evt="onNext" delay="0">
-                  <p:tgtEl>
-                    <p:sldTgt/>
-                  </p:tgtEl>
-                </p:cond>
-              </p:nextCondLst>
-            </p:seq>
-          </p:childTnLst>
-        </p:cTn>
-      </p:par>
-    </p:tnLst>
-  </p:timing>
 </p:sld>
 </file>
 
@@ -20278,7 +20402,7 @@
                   <a:srgbClr val="E46102"/>
                 </a:solidFill>
               </a:rPr>
-              <a:t>Linear Regression Model</a:t>
+              <a:t>Bayes Classifier</a:t>
             </a:r>
             <a:endParaRPr sz="4000" b="1" dirty="0">
               <a:solidFill>
@@ -20296,8 +20420,8 @@
         </p:nvSpPr>
         <p:spPr>
           <a:xfrm>
-            <a:off x="242735" y="851566"/>
-            <a:ext cx="11277600" cy="5042664"/>
+            <a:off x="311422" y="1086679"/>
+            <a:ext cx="11277600" cy="4517124"/>
           </a:xfrm>
           <a:prstGeom prst="rect">
             <a:avLst/>
@@ -20313,129 +20437,99 @@
           </a:bodyPr>
           <a:lstStyle/>
           <a:p>
+            <a:pPr marL="101598" algn="ctr">
+              <a:buSzPct val="100000"/>
+            </a:pPr>
+            <a:r>
+              <a:rPr lang="en-US" sz="2800" dirty="0"/>
+              <a:t>Class exercise</a:t>
+            </a:r>
+          </a:p>
+          <a:p>
+            <a:pPr marL="615948" indent="-514350">
+              <a:buSzPct val="100000"/>
+              <a:buAutoNum type="arabicPeriod"/>
+            </a:pPr>
+            <a:r>
+              <a:rPr lang="en-US" sz="2800" dirty="0"/>
+              <a:t>Use famous iris dataset. Link: https://</a:t>
+            </a:r>
+            <a:r>
+              <a:rPr lang="en-US" sz="2800" dirty="0" err="1"/>
+              <a:t>archive.ics.uci.edu</a:t>
+            </a:r>
+            <a:r>
+              <a:rPr lang="en-US" sz="2800" dirty="0"/>
+              <a:t>/ml/datasets/iris</a:t>
+            </a:r>
+          </a:p>
+          <a:p>
+            <a:pPr lvl="1"/>
+            <a:r>
+              <a:rPr lang="en-US" dirty="0"/>
+              <a:t>The iris dataset contains the following data</a:t>
+            </a:r>
+          </a:p>
+          <a:p>
+            <a:pPr lvl="1"/>
+            <a:r>
+              <a:rPr lang="en-US" dirty="0"/>
+              <a:t>50 samples of 3 different species of iris (150 samples total)</a:t>
+            </a:r>
+          </a:p>
+          <a:p>
+            <a:pPr lvl="1"/>
+            <a:r>
+              <a:rPr lang="en-US" dirty="0"/>
+              <a:t>Measurements: sepal length, sepal width, petal length, petal width</a:t>
+            </a:r>
+          </a:p>
+          <a:p>
+            <a:pPr lvl="1"/>
+            <a:r>
+              <a:rPr lang="en-US" dirty="0"/>
+              <a:t>The format for the data: (sepal length, sepal width, petal length, petal width)</a:t>
+            </a:r>
+            <a:endParaRPr lang="en-US" sz="2800" dirty="0"/>
+          </a:p>
+          <a:p>
             <a:pPr marL="101598">
               <a:buSzPct val="100000"/>
             </a:pPr>
-            <a:endParaRPr lang="en-US" sz="2000" dirty="0"/>
-          </a:p>
-          <a:p>
-            <a:pPr marL="609585" indent="-507987">
-              <a:buSzPct val="100000"/>
-              <a:buChar char="●"/>
-            </a:pPr>
-            <a:r>
-              <a:rPr lang="en-US" sz="2000" dirty="0"/>
-              <a:t>Cost Function : measures the distance between the linear model’s predictions and the training examples; the objective is to minimize this distance.</a:t>
-            </a:r>
-          </a:p>
-          <a:p>
-            <a:pPr marL="609585" indent="-507987">
-              <a:buSzPct val="100000"/>
-              <a:buChar char="●"/>
-            </a:pPr>
-            <a:endParaRPr lang="en-US" sz="2000" dirty="0"/>
-          </a:p>
-          <a:p>
-            <a:pPr marL="609585" indent="-507987">
-              <a:buSzPct val="100000"/>
-              <a:buChar char="●"/>
-            </a:pPr>
-            <a:r>
-              <a:rPr lang="en-US" sz="2000" dirty="0"/>
-              <a:t>Model Training: Input your training data to a LR model, and it will find the parameters that make the model fit best to your data.</a:t>
-            </a:r>
-          </a:p>
-          <a:p>
-            <a:pPr marL="609585" indent="-507987">
-              <a:buSzPct val="100000"/>
-              <a:buChar char="●"/>
-            </a:pPr>
-            <a:endParaRPr lang="en-US" sz="2000" dirty="0"/>
-          </a:p>
-          <a:p>
-            <a:pPr marL="609585" indent="-507987">
-              <a:buSzPct val="100000"/>
-              <a:buChar char="●"/>
-            </a:pPr>
-            <a:r>
-              <a:rPr lang="en-US" sz="2000" dirty="0"/>
-              <a:t>In the figure, model fits the training data closely</a:t>
-            </a:r>
+            <a:r>
+              <a:rPr lang="en-US" sz="2800" dirty="0"/>
+              <a:t>2. Open google </a:t>
+            </a:r>
+            <a:r>
+              <a:rPr lang="en-US" sz="2800" dirty="0" err="1"/>
+              <a:t>colab</a:t>
+            </a:r>
+            <a:endParaRPr lang="en-US" sz="2800" dirty="0"/>
           </a:p>
           <a:p>
             <a:pPr marL="101598">
               <a:buSzPct val="100000"/>
             </a:pPr>
-            <a:endParaRPr lang="en-US" sz="2000" dirty="0"/>
-          </a:p>
-        </p:txBody>
-      </p:sp>
-      <p:pic>
-        <p:nvPicPr>
-          <p:cNvPr id="2" name="Picture 1">
-            <a:extLst>
-              <a:ext uri="{FF2B5EF4-FFF2-40B4-BE49-F238E27FC236}">
-                <a16:creationId xmlns:a16="http://schemas.microsoft.com/office/drawing/2014/main" id="{BC2C8278-7422-4D2B-9F00-4537AB0686AE}"/>
-              </a:ext>
-            </a:extLst>
-          </p:cNvPr>
-          <p:cNvPicPr>
-            <a:picLocks noChangeAspect="1"/>
-          </p:cNvPicPr>
-          <p:nvPr/>
-        </p:nvPicPr>
-        <p:blipFill>
-          <a:blip r:embed="rId3"/>
-          <a:stretch>
-            <a:fillRect/>
-          </a:stretch>
-        </p:blipFill>
-        <p:spPr>
-          <a:xfrm>
-            <a:off x="7267799" y="2633073"/>
-            <a:ext cx="4195138" cy="2355343"/>
-          </a:xfrm>
-          <a:prstGeom prst="rect">
-            <a:avLst/>
-          </a:prstGeom>
-        </p:spPr>
-      </p:pic>
-      <p:sp>
-        <p:nvSpPr>
-          <p:cNvPr id="4" name="TextBox 3">
-            <a:extLst>
-              <a:ext uri="{FF2B5EF4-FFF2-40B4-BE49-F238E27FC236}">
-                <a16:creationId xmlns:a16="http://schemas.microsoft.com/office/drawing/2014/main" id="{9A8D91BB-55C7-4831-A05A-19338F66FB78}"/>
-              </a:ext>
-            </a:extLst>
-          </p:cNvPr>
-          <p:cNvSpPr txBox="1"/>
-          <p:nvPr/>
-        </p:nvSpPr>
-        <p:spPr>
-          <a:xfrm>
-            <a:off x="7426205" y="4988416"/>
-            <a:ext cx="4065431" cy="307777"/>
-          </a:xfrm>
-          <a:prstGeom prst="rect">
-            <a:avLst/>
-          </a:prstGeom>
-          <a:noFill/>
-        </p:spPr>
-        <p:txBody>
-          <a:bodyPr wrap="square" rtlCol="0">
-            <a:spAutoFit/>
-          </a:bodyPr>
-          <a:lstStyle/>
-          <a:p>
-            <a:pPr algn="ctr"/>
-            <a:r>
-              <a:rPr lang="en-US" sz="1400" i="1" dirty="0">
-                <a:solidFill>
-                  <a:srgbClr val="E46102"/>
-                </a:solidFill>
-              </a:rPr>
-              <a:t>Linear model that fits the training data best</a:t>
+            <a:r>
+              <a:rPr lang="en-US" sz="2800" dirty="0"/>
+              <a:t>3. Upload the </a:t>
+            </a:r>
+            <a:r>
+              <a:rPr lang="en-US" sz="2800" dirty="0" err="1"/>
+              <a:t>ipython</a:t>
+            </a:r>
+            <a:r>
+              <a:rPr lang="en-US" sz="2800" dirty="0"/>
+              <a:t> notebook provided</a:t>
+            </a:r>
+          </a:p>
+          <a:p>
+            <a:pPr marL="101598">
+              <a:buSzPct val="100000"/>
+            </a:pPr>
+            <a:r>
+              <a:rPr lang="en-US" sz="2800" dirty="0"/>
+              <a:t>4. </a:t>
             </a:r>
           </a:p>
         </p:txBody>
@@ -20443,226 +20537,13 @@
     </p:spTree>
     <p:extLst>
       <p:ext uri="{BB962C8B-B14F-4D97-AF65-F5344CB8AC3E}">
-        <p14:creationId xmlns:p14="http://schemas.microsoft.com/office/powerpoint/2010/main" val="436401338"/>
+        <p14:creationId xmlns:p14="http://schemas.microsoft.com/office/powerpoint/2010/main" val="1643733331"/>
       </p:ext>
     </p:extLst>
   </p:cSld>
   <p:clrMapOvr>
     <a:masterClrMapping/>
   </p:clrMapOvr>
-  <p:timing>
-    <p:tnLst>
-      <p:par>
-        <p:cTn id="1" dur="indefinite" restart="never" nodeType="tmRoot">
-          <p:childTnLst>
-            <p:seq concurrent="1" nextAc="seek">
-              <p:cTn id="2" dur="indefinite" nodeType="mainSeq">
-                <p:childTnLst>
-                  <p:par>
-                    <p:cTn id="3" fill="hold">
-                      <p:stCondLst>
-                        <p:cond delay="indefinite"/>
-                      </p:stCondLst>
-                      <p:childTnLst>
-                        <p:par>
-                          <p:cTn id="4" fill="hold">
-                            <p:stCondLst>
-                              <p:cond delay="0"/>
-                            </p:stCondLst>
-                            <p:childTnLst>
-                              <p:par>
-                                <p:cTn id="5" presetID="10" presetClass="entr" presetSubtype="0" fill="hold" nodeType="clickEffect">
-                                  <p:stCondLst>
-                                    <p:cond delay="0"/>
-                                  </p:stCondLst>
-                                  <p:childTnLst>
-                                    <p:set>
-                                      <p:cBhvr>
-                                        <p:cTn id="6" dur="1" fill="hold">
-                                          <p:stCondLst>
-                                            <p:cond delay="0"/>
-                                          </p:stCondLst>
-                                        </p:cTn>
-                                        <p:tgtEl>
-                                          <p:spTgt spid="96">
-                                            <p:txEl>
-                                              <p:pRg st="1" end="1"/>
-                                            </p:txEl>
-                                          </p:spTgt>
-                                        </p:tgtEl>
-                                        <p:attrNameLst>
-                                          <p:attrName>style.visibility</p:attrName>
-                                        </p:attrNameLst>
-                                      </p:cBhvr>
-                                      <p:to>
-                                        <p:strVal val="visible"/>
-                                      </p:to>
-                                    </p:set>
-                                    <p:animEffect transition="in" filter="fade">
-                                      <p:cBhvr>
-                                        <p:cTn id="7" dur="1000"/>
-                                        <p:tgtEl>
-                                          <p:spTgt spid="96">
-                                            <p:txEl>
-                                              <p:pRg st="1" end="1"/>
-                                            </p:txEl>
-                                          </p:spTgt>
-                                        </p:tgtEl>
-                                      </p:cBhvr>
-                                    </p:animEffect>
-                                  </p:childTnLst>
-                                </p:cTn>
-                              </p:par>
-                            </p:childTnLst>
-                          </p:cTn>
-                        </p:par>
-                      </p:childTnLst>
-                    </p:cTn>
-                  </p:par>
-                  <p:par>
-                    <p:cTn id="8" fill="hold">
-                      <p:stCondLst>
-                        <p:cond delay="indefinite"/>
-                      </p:stCondLst>
-                      <p:childTnLst>
-                        <p:par>
-                          <p:cTn id="9" fill="hold">
-                            <p:stCondLst>
-                              <p:cond delay="0"/>
-                            </p:stCondLst>
-                            <p:childTnLst>
-                              <p:par>
-                                <p:cTn id="10" presetID="10" presetClass="entr" presetSubtype="0" fill="hold" nodeType="clickEffect">
-                                  <p:stCondLst>
-                                    <p:cond delay="0"/>
-                                  </p:stCondLst>
-                                  <p:childTnLst>
-                                    <p:set>
-                                      <p:cBhvr>
-                                        <p:cTn id="11" dur="1" fill="hold">
-                                          <p:stCondLst>
-                                            <p:cond delay="0"/>
-                                          </p:stCondLst>
-                                        </p:cTn>
-                                        <p:tgtEl>
-                                          <p:spTgt spid="96">
-                                            <p:txEl>
-                                              <p:pRg st="3" end="3"/>
-                                            </p:txEl>
-                                          </p:spTgt>
-                                        </p:tgtEl>
-                                        <p:attrNameLst>
-                                          <p:attrName>style.visibility</p:attrName>
-                                        </p:attrNameLst>
-                                      </p:cBhvr>
-                                      <p:to>
-                                        <p:strVal val="visible"/>
-                                      </p:to>
-                                    </p:set>
-                                    <p:animEffect transition="in" filter="fade">
-                                      <p:cBhvr>
-                                        <p:cTn id="12" dur="1000"/>
-                                        <p:tgtEl>
-                                          <p:spTgt spid="96">
-                                            <p:txEl>
-                                              <p:pRg st="3" end="3"/>
-                                            </p:txEl>
-                                          </p:spTgt>
-                                        </p:tgtEl>
-                                      </p:cBhvr>
-                                    </p:animEffect>
-                                  </p:childTnLst>
-                                </p:cTn>
-                              </p:par>
-                            </p:childTnLst>
-                          </p:cTn>
-                        </p:par>
-                      </p:childTnLst>
-                    </p:cTn>
-                  </p:par>
-                  <p:par>
-                    <p:cTn id="13" fill="hold">
-                      <p:stCondLst>
-                        <p:cond delay="indefinite"/>
-                      </p:stCondLst>
-                      <p:childTnLst>
-                        <p:par>
-                          <p:cTn id="14" fill="hold">
-                            <p:stCondLst>
-                              <p:cond delay="0"/>
-                            </p:stCondLst>
-                            <p:childTnLst>
-                              <p:par>
-                                <p:cTn id="15" presetID="10" presetClass="entr" presetSubtype="0" fill="hold" nodeType="clickEffect">
-                                  <p:stCondLst>
-                                    <p:cond delay="0"/>
-                                  </p:stCondLst>
-                                  <p:childTnLst>
-                                    <p:set>
-                                      <p:cBhvr>
-                                        <p:cTn id="16" dur="1" fill="hold">
-                                          <p:stCondLst>
-                                            <p:cond delay="0"/>
-                                          </p:stCondLst>
-                                        </p:cTn>
-                                        <p:tgtEl>
-                                          <p:spTgt spid="96">
-                                            <p:txEl>
-                                              <p:pRg st="5" end="5"/>
-                                            </p:txEl>
-                                          </p:spTgt>
-                                        </p:tgtEl>
-                                        <p:attrNameLst>
-                                          <p:attrName>style.visibility</p:attrName>
-                                        </p:attrNameLst>
-                                      </p:cBhvr>
-                                      <p:to>
-                                        <p:strVal val="visible"/>
-                                      </p:to>
-                                    </p:set>
-                                    <p:animEffect transition="in" filter="fade">
-                                      <p:cBhvr>
-                                        <p:cTn id="17" dur="1000"/>
-                                        <p:tgtEl>
-                                          <p:spTgt spid="96">
-                                            <p:txEl>
-                                              <p:pRg st="5" end="5"/>
-                                            </p:txEl>
-                                          </p:spTgt>
-                                        </p:tgtEl>
-                                      </p:cBhvr>
-                                    </p:animEffect>
-                                  </p:childTnLst>
-                                </p:cTn>
-                              </p:par>
-                            </p:childTnLst>
-                          </p:cTn>
-                        </p:par>
-                      </p:childTnLst>
-                    </p:cTn>
-                  </p:par>
-                </p:childTnLst>
-              </p:cTn>
-              <p:prevCondLst>
-                <p:cond evt="onPrev" delay="0">
-                  <p:tgtEl>
-                    <p:sldTgt/>
-                  </p:tgtEl>
-                </p:cond>
-              </p:prevCondLst>
-              <p:nextCondLst>
-                <p:cond evt="onNext" delay="0">
-                  <p:tgtEl>
-                    <p:sldTgt/>
-                  </p:tgtEl>
-                </p:cond>
-              </p:nextCondLst>
-            </p:seq>
-          </p:childTnLst>
-        </p:cTn>
-      </p:par>
-    </p:tnLst>
-  </p:timing>
 </p:sld>
 </file>
 
@@ -20714,7 +20595,7 @@
                   <a:srgbClr val="E46102"/>
                 </a:solidFill>
               </a:rPr>
-              <a:t>Challenges in ML</a:t>
+              <a:t>Simple Linear Model</a:t>
             </a:r>
             <a:endParaRPr sz="4000" b="1" dirty="0">
               <a:solidFill>
@@ -20732,8 +20613,8 @@
         </p:nvSpPr>
         <p:spPr>
           <a:xfrm>
-            <a:off x="341472" y="1120461"/>
-            <a:ext cx="11348501" cy="5379077"/>
+            <a:off x="311422" y="812930"/>
+            <a:ext cx="11277600" cy="5042664"/>
           </a:xfrm>
           <a:prstGeom prst="rect">
             <a:avLst/>
@@ -20749,29 +20630,142 @@
           </a:bodyPr>
           <a:lstStyle/>
           <a:p>
+            <a:pPr marL="101598">
+              <a:buSzPct val="100000"/>
+            </a:pPr>
+            <a:endParaRPr lang="en-US" sz="2000" dirty="0"/>
+          </a:p>
+          <a:p>
             <a:pPr marL="609585" indent="-507987">
               <a:buSzPct val="100000"/>
               <a:buChar char="●"/>
             </a:pPr>
             <a:r>
+              <a:rPr lang="en-US" sz="2000" dirty="0" err="1"/>
+              <a:t>life_satisfaction</a:t>
+            </a:r>
+            <a:r>
               <a:rPr lang="en-US" sz="2000" dirty="0"/>
-              <a:t>Insufficient quantity of training data</a:t>
-            </a:r>
-          </a:p>
-          <a:p>
-            <a:pPr marL="101598">
-              <a:buSzPct val="100000"/>
-            </a:pPr>
-            <a:endParaRPr lang="en-US" sz="2000" dirty="0"/>
+              <a:t> = </a:t>
+            </a:r>
+            <a:r>
+              <a:rPr lang="en-US" sz="2000" i="1" dirty="0"/>
+              <a:t>θ</a:t>
+            </a:r>
+            <a:r>
+              <a:rPr lang="en-US" sz="2000" i="1" baseline="-25000" dirty="0"/>
+              <a:t>0 + </a:t>
+            </a:r>
+            <a:r>
+              <a:rPr lang="en-US" sz="2000" i="1" dirty="0"/>
+              <a:t>θ</a:t>
+            </a:r>
+            <a:r>
+              <a:rPr lang="en-US" sz="2000" i="1" baseline="-25000" dirty="0"/>
+              <a:t>1</a:t>
+            </a:r>
+            <a:r>
+              <a:rPr lang="en-US" sz="2000" i="1" dirty="0"/>
+              <a:t> x </a:t>
+            </a:r>
+            <a:r>
+              <a:rPr lang="en-US" sz="2000" i="1" dirty="0" err="1"/>
+              <a:t>GDP_per_capita</a:t>
+            </a:r>
+            <a:endParaRPr lang="en-US" sz="2000" i="1" dirty="0"/>
           </a:p>
           <a:p>
             <a:pPr marL="609585" indent="-507987">
               <a:buSzPct val="100000"/>
               <a:buChar char="●"/>
             </a:pPr>
+            <a:endParaRPr lang="en-US" sz="2000" dirty="0"/>
+          </a:p>
+          <a:p>
+            <a:pPr marL="609585" indent="-507987">
+              <a:buSzPct val="100000"/>
+              <a:buChar char="●"/>
+            </a:pPr>
             <a:r>
               <a:rPr lang="en-US" sz="2000" dirty="0"/>
-              <a:t>Nonrepresentative Training Data – Can make inaccurate predictions</a:t>
+              <a:t>two model parameters, </a:t>
+            </a:r>
+            <a:r>
+              <a:rPr lang="en-US" sz="2000" i="1" dirty="0"/>
+              <a:t>θ</a:t>
+            </a:r>
+            <a:r>
+              <a:rPr lang="en-US" sz="2000" i="1" baseline="-25000" dirty="0"/>
+              <a:t>0</a:t>
+            </a:r>
+            <a:r>
+              <a:rPr lang="en-US" sz="2000" dirty="0"/>
+              <a:t> and </a:t>
+            </a:r>
+            <a:r>
+              <a:rPr lang="en-US" sz="2000" i="1" dirty="0"/>
+              <a:t>θ</a:t>
+            </a:r>
+            <a:r>
+              <a:rPr lang="en-US" sz="2000" i="1" baseline="-25000" dirty="0"/>
+              <a:t>1</a:t>
+            </a:r>
+            <a:r>
+              <a:rPr lang="en-US" sz="2000" i="1" dirty="0"/>
+              <a:t>; </a:t>
+            </a:r>
+            <a:r>
+              <a:rPr lang="en-US" sz="2000" dirty="0"/>
+              <a:t>tweaking them to make your model represent any linear function.</a:t>
+            </a:r>
+          </a:p>
+          <a:p>
+            <a:pPr marL="609585" indent="-507987">
+              <a:buSzPct val="100000"/>
+              <a:buChar char="●"/>
+            </a:pPr>
+            <a:endParaRPr lang="en-US" sz="2000" dirty="0"/>
+          </a:p>
+          <a:p>
+            <a:pPr marL="609585" indent="-507987">
+              <a:buSzPct val="100000"/>
+              <a:buChar char="●"/>
+            </a:pPr>
+            <a:r>
+              <a:rPr lang="en-US" sz="2000" u="sng" dirty="0"/>
+              <a:t>Before</a:t>
+            </a:r>
+            <a:r>
+              <a:rPr lang="en-US" sz="2000" dirty="0"/>
+              <a:t> you use your linear model, you need to define the parameter values of </a:t>
+            </a:r>
+            <a:r>
+              <a:rPr lang="en-US" sz="2000" i="1" dirty="0"/>
+              <a:t>θ</a:t>
+            </a:r>
+            <a:r>
+              <a:rPr lang="en-US" sz="2000" i="1" baseline="-25000" dirty="0"/>
+              <a:t>0</a:t>
+            </a:r>
+            <a:r>
+              <a:rPr lang="en-US" sz="2000" i="1" dirty="0"/>
+              <a:t> </a:t>
+            </a:r>
+            <a:r>
+              <a:rPr lang="en-US" sz="2000" dirty="0"/>
+              <a:t>and</a:t>
+            </a:r>
+            <a:r>
+              <a:rPr lang="en-US" sz="2000" i="1" baseline="-25000" dirty="0"/>
+              <a:t> </a:t>
+            </a:r>
+            <a:r>
+              <a:rPr lang="en-US" sz="2000" i="1" dirty="0"/>
+              <a:t>θ</a:t>
+            </a:r>
+            <a:r>
+              <a:rPr lang="en-US" sz="2000" i="1" baseline="-25000" dirty="0"/>
+              <a:t>1.</a:t>
             </a:r>
           </a:p>
           <a:p>
@@ -20781,77 +20775,75 @@
             </a:pPr>
             <a:r>
               <a:rPr lang="en-US" sz="2000" dirty="0"/>
-              <a:t>Sampling Noise – sample data too small</a:t>
-            </a:r>
-          </a:p>
-          <a:p>
-            <a:pPr marL="1219170" lvl="1" indent="-507987">
-              <a:buSzPct val="100000"/>
-              <a:buChar char="●"/>
-            </a:pPr>
-            <a:r>
-              <a:rPr lang="en-US" sz="2000" dirty="0"/>
-              <a:t>Sampling Bias – sample data </a:t>
-            </a:r>
-            <a:r>
-              <a:rPr lang="en-US" sz="2000" dirty="0" err="1"/>
-              <a:t>lare</a:t>
-            </a:r>
-            <a:r>
-              <a:rPr lang="en-US" sz="2000" dirty="0"/>
-              <a:t> but non-representative. Due to flawed sampling method</a:t>
-            </a:r>
-          </a:p>
-          <a:p>
-            <a:pPr marL="609585" indent="-507987">
-              <a:buSzPct val="100000"/>
-              <a:buChar char="●"/>
-            </a:pPr>
-            <a:endParaRPr lang="en-US" sz="2000" dirty="0"/>
-          </a:p>
-          <a:p>
-            <a:pPr marL="609585" indent="-507987">
-              <a:buSzPct val="100000"/>
-              <a:buChar char="●"/>
-            </a:pPr>
-            <a:endParaRPr lang="en-US" sz="2000" dirty="0"/>
+              <a:t>those that make your model perform best</a:t>
+            </a:r>
           </a:p>
         </p:txBody>
       </p:sp>
-      <p:pic>
-        <p:nvPicPr>
-          <p:cNvPr id="2" name="Picture 1">
+      <p:sp>
+        <p:nvSpPr>
+          <p:cNvPr id="3" name="TextBox 2">
             <a:extLst>
               <a:ext uri="{FF2B5EF4-FFF2-40B4-BE49-F238E27FC236}">
-                <a16:creationId xmlns:a16="http://schemas.microsoft.com/office/drawing/2014/main" id="{9043E167-4A66-4DD2-8F90-D5996B7E6155}"/>
+                <a16:creationId xmlns:a16="http://schemas.microsoft.com/office/drawing/2014/main" id="{8336C952-2ED4-4267-88C4-A6FF51E45930}"/>
               </a:ext>
             </a:extLst>
           </p:cNvPr>
-          <p:cNvPicPr>
-            <a:picLocks noChangeAspect="1"/>
-          </p:cNvPicPr>
+          <p:cNvSpPr txBox="1"/>
           <p:nvPr/>
-        </p:nvPicPr>
-        <p:blipFill>
-          <a:blip r:embed="rId3"/>
-          <a:stretch>
-            <a:fillRect/>
-          </a:stretch>
-        </p:blipFill>
+        </p:nvSpPr>
         <p:spPr>
           <a:xfrm>
-            <a:off x="4223683" y="3318690"/>
-            <a:ext cx="6841890" cy="2418849"/>
+            <a:off x="1056068" y="4336234"/>
+            <a:ext cx="9882388" cy="1200329"/>
           </a:xfrm>
           <a:prstGeom prst="rect">
             <a:avLst/>
           </a:prstGeom>
+          <a:noFill/>
+          <a:ln>
+            <a:solidFill>
+              <a:srgbClr val="E46102"/>
+            </a:solidFill>
+          </a:ln>
         </p:spPr>
-      </p:pic>
+        <p:txBody>
+          <a:bodyPr wrap="square" rtlCol="0">
+            <a:spAutoFit/>
+          </a:bodyPr>
+          <a:lstStyle/>
+          <a:p>
+            <a:pPr algn="ctr"/>
+            <a:r>
+              <a:rPr lang="en-US" b="1" dirty="0"/>
+              <a:t>Utility Function</a:t>
+            </a:r>
+            <a:r>
+              <a:rPr lang="en-US" dirty="0"/>
+              <a:t> – measures how good your model is</a:t>
+            </a:r>
+          </a:p>
+          <a:p>
+            <a:pPr algn="ctr"/>
+            <a:endParaRPr lang="en-US" dirty="0"/>
+          </a:p>
+          <a:p>
+            <a:pPr algn="ctr"/>
+            <a:r>
+              <a:rPr lang="en-US" b="1" dirty="0"/>
+              <a:t>Cost Function</a:t>
+            </a:r>
+            <a:r>
+              <a:rPr lang="en-US" dirty="0"/>
+              <a:t> – measures how bad your model is</a:t>
+            </a:r>
+          </a:p>
+        </p:txBody>
+      </p:sp>
     </p:spTree>
     <p:extLst>
       <p:ext uri="{BB962C8B-B14F-4D97-AF65-F5344CB8AC3E}">
-        <p14:creationId xmlns:p14="http://schemas.microsoft.com/office/powerpoint/2010/main" val="4164504015"/>
+        <p14:creationId xmlns:p14="http://schemas.microsoft.com/office/powerpoint/2010/main" val="1471025527"/>
       </p:ext>
     </p:extLst>
   </p:cSld>
@@ -20894,7 +20886,7 @@
                                         <p:tgtEl>
                                           <p:spTgt spid="96">
                                             <p:txEl>
-                                              <p:pRg st="0" end="0"/>
+                                              <p:pRg st="3" end="3"/>
                                             </p:txEl>
                                           </p:spTgt>
                                         </p:tgtEl>
@@ -20912,7 +20904,7 @@
                                         <p:tgtEl>
                                           <p:spTgt spid="96">
                                             <p:txEl>
-                                              <p:pRg st="0" end="0"/>
+                                              <p:pRg st="3" end="3"/>
                                             </p:txEl>
                                           </p:spTgt>
                                         </p:tgtEl>
@@ -20955,7 +20947,7 @@
                                         <p:tgtEl>
                                           <p:spTgt spid="96">
                                             <p:txEl>
-                                              <p:pRg st="2" end="2"/>
+                                              <p:pRg st="5" end="5"/>
                                             </p:txEl>
                                           </p:spTgt>
                                         </p:tgtEl>
@@ -20973,7 +20965,7 @@
                                         <p:tgtEl>
                                           <p:spTgt spid="96">
                                             <p:txEl>
-                                              <p:pRg st="2" end="2"/>
+                                              <p:pRg st="5" end="5"/>
                                             </p:txEl>
                                           </p:spTgt>
                                         </p:tgtEl>
@@ -21016,7 +21008,7 @@
                                         <p:tgtEl>
                                           <p:spTgt spid="96">
                                             <p:txEl>
-                                              <p:pRg st="3" end="3"/>
+                                              <p:pRg st="6" end="6"/>
                                             </p:txEl>
                                           </p:spTgt>
                                         </p:tgtEl>
@@ -21034,7 +21026,7 @@
                                         <p:tgtEl>
                                           <p:spTgt spid="96">
                                             <p:txEl>
-                                              <p:pRg st="3" end="3"/>
+                                              <p:pRg st="6" end="6"/>
                                             </p:txEl>
                                           </p:spTgt>
                                         </p:tgtEl>
@@ -21077,7 +21069,7 @@
                                         <p:tgtEl>
                                           <p:spTgt spid="96">
                                             <p:txEl>
-                                              <p:pRg st="4" end="4"/>
+                                              <p:pRg st="1" end="1"/>
                                             </p:txEl>
                                           </p:spTgt>
                                         </p:tgtEl>
@@ -21095,7 +21087,7 @@
                                         <p:tgtEl>
                                           <p:spTgt spid="96">
                                             <p:txEl>
-                                              <p:pRg st="4" end="4"/>
+                                              <p:pRg st="1" end="1"/>
                                             </p:txEl>
                                           </p:spTgt>
                                         </p:tgtEl>
@@ -21183,7 +21175,7 @@
                   <a:srgbClr val="E46102"/>
                 </a:solidFill>
               </a:rPr>
-              <a:t>Challenges in ML contd…</a:t>
+              <a:t>Linear Regression Model</a:t>
             </a:r>
             <a:endParaRPr sz="4000" b="1" dirty="0">
               <a:solidFill>
@@ -21201,8 +21193,8 @@
         </p:nvSpPr>
         <p:spPr>
           <a:xfrm>
-            <a:off x="341472" y="1120461"/>
-            <a:ext cx="11348501" cy="5379077"/>
+            <a:off x="242735" y="851566"/>
+            <a:ext cx="11277600" cy="5042664"/>
           </a:xfrm>
           <a:prstGeom prst="rect">
             <a:avLst/>
@@ -21218,102 +21210,137 @@
           </a:bodyPr>
           <a:lstStyle/>
           <a:p>
+            <a:pPr marL="101598">
+              <a:buSzPct val="100000"/>
+            </a:pPr>
+            <a:endParaRPr lang="en-US" sz="2000" dirty="0"/>
+          </a:p>
+          <a:p>
             <a:pPr marL="609585" indent="-507987">
               <a:buSzPct val="100000"/>
               <a:buChar char="●"/>
             </a:pPr>
             <a:r>
               <a:rPr lang="en-US" sz="2000" dirty="0"/>
-              <a:t>Poor Quality Data</a:t>
-            </a:r>
-          </a:p>
-          <a:p>
-            <a:pPr marL="101598">
-              <a:buSzPct val="100000"/>
-            </a:pPr>
-            <a:endParaRPr lang="en-US" sz="2000" dirty="0"/>
+              <a:t>Cost Function : measures the distance between the linear model’s predictions and the training examples; the objective is to minimize this distance.</a:t>
+            </a:r>
           </a:p>
           <a:p>
             <a:pPr marL="609585" indent="-507987">
               <a:buSzPct val="100000"/>
               <a:buChar char="●"/>
             </a:pPr>
-            <a:r>
-              <a:rPr lang="en-US" sz="2000" dirty="0"/>
-              <a:t>Irrelevant Features</a:t>
-            </a:r>
+            <a:endParaRPr lang="en-US" sz="2000" dirty="0"/>
           </a:p>
           <a:p>
             <a:pPr marL="609585" indent="-507987">
               <a:buSzPct val="100000"/>
               <a:buChar char="●"/>
             </a:pPr>
-            <a:endParaRPr lang="en-US" sz="2000" dirty="0"/>
+            <a:r>
+              <a:rPr lang="en-US" sz="2000" dirty="0"/>
+              <a:t>Model Training: Input your training data to a LR model, and it will find the parameters that make the model fit best to your data.</a:t>
+            </a:r>
           </a:p>
           <a:p>
             <a:pPr marL="609585" indent="-507987">
               <a:buSzPct val="100000"/>
               <a:buChar char="●"/>
             </a:pPr>
-            <a:r>
-              <a:rPr lang="en-US" sz="2000" dirty="0"/>
-              <a:t>Overfitting Training Data</a:t>
-            </a:r>
+            <a:endParaRPr lang="en-US" sz="2000" dirty="0"/>
           </a:p>
           <a:p>
             <a:pPr marL="609585" indent="-507987">
               <a:buSzPct val="100000"/>
               <a:buChar char="●"/>
             </a:pPr>
+            <a:r>
+              <a:rPr lang="en-US" sz="2000" dirty="0"/>
+              <a:t>In the figure, model fits the training data closely</a:t>
+            </a:r>
+          </a:p>
+          <a:p>
+            <a:pPr marL="101598">
+              <a:buSzPct val="100000"/>
+            </a:pPr>
             <a:endParaRPr lang="en-US" sz="2000" dirty="0"/>
           </a:p>
-          <a:p>
-            <a:pPr marL="609585" indent="-507987">
-              <a:buSzPct val="100000"/>
-              <a:buChar char="●"/>
-            </a:pPr>
-            <a:r>
-              <a:rPr lang="en-US" sz="2000" dirty="0"/>
-              <a:t>Underfitting Training data</a:t>
-            </a:r>
-          </a:p>
-          <a:p>
-            <a:pPr marL="609585" indent="-507987">
-              <a:buSzPct val="100000"/>
-              <a:buChar char="●"/>
-            </a:pPr>
-            <a:endParaRPr lang="en-US" sz="2000" dirty="0"/>
-          </a:p>
-          <a:p>
-            <a:pPr marL="609585" indent="-507987">
-              <a:buSzPct val="100000"/>
-              <a:buChar char="●"/>
-            </a:pPr>
-            <a:r>
-              <a:rPr lang="en-US" sz="2000" dirty="0"/>
-              <a:t>Data Mismatch</a:t>
-            </a:r>
-          </a:p>
-          <a:p>
-            <a:pPr marL="609585" indent="-507987">
-              <a:buSzPct val="100000"/>
-              <a:buChar char="●"/>
-            </a:pPr>
-            <a:endParaRPr lang="en-US" sz="2000" dirty="0"/>
-          </a:p>
-          <a:p>
-            <a:pPr marL="609585" indent="-507987">
-              <a:buSzPct val="100000"/>
-              <a:buChar char="●"/>
-            </a:pPr>
-            <a:endParaRPr lang="en-US" sz="2000" dirty="0"/>
+        </p:txBody>
+      </p:sp>
+      <p:pic>
+        <p:nvPicPr>
+          <p:cNvPr id="2" name="Picture 1">
+            <a:extLst>
+              <a:ext uri="{FF2B5EF4-FFF2-40B4-BE49-F238E27FC236}">
+                <a16:creationId xmlns:a16="http://schemas.microsoft.com/office/drawing/2014/main" id="{BC2C8278-7422-4D2B-9F00-4537AB0686AE}"/>
+              </a:ext>
+            </a:extLst>
+          </p:cNvPr>
+          <p:cNvPicPr>
+            <a:picLocks noChangeAspect="1"/>
+          </p:cNvPicPr>
+          <p:nvPr/>
+        </p:nvPicPr>
+        <p:blipFill>
+          <a:blip r:embed="rId3"/>
+          <a:stretch>
+            <a:fillRect/>
+          </a:stretch>
+        </p:blipFill>
+        <p:spPr>
+          <a:xfrm>
+            <a:off x="7267799" y="2633073"/>
+            <a:ext cx="4195138" cy="2355343"/>
+          </a:xfrm>
+          <a:prstGeom prst="rect">
+            <a:avLst/>
+          </a:prstGeom>
+        </p:spPr>
+      </p:pic>
+      <p:sp>
+        <p:nvSpPr>
+          <p:cNvPr id="4" name="TextBox 3">
+            <a:extLst>
+              <a:ext uri="{FF2B5EF4-FFF2-40B4-BE49-F238E27FC236}">
+                <a16:creationId xmlns:a16="http://schemas.microsoft.com/office/drawing/2014/main" id="{9A8D91BB-55C7-4831-A05A-19338F66FB78}"/>
+              </a:ext>
+            </a:extLst>
+          </p:cNvPr>
+          <p:cNvSpPr txBox="1"/>
+          <p:nvPr/>
+        </p:nvSpPr>
+        <p:spPr>
+          <a:xfrm>
+            <a:off x="7426205" y="4988416"/>
+            <a:ext cx="4065431" cy="307777"/>
+          </a:xfrm>
+          <a:prstGeom prst="rect">
+            <a:avLst/>
+          </a:prstGeom>
+          <a:noFill/>
+        </p:spPr>
+        <p:txBody>
+          <a:bodyPr wrap="square" rtlCol="0">
+            <a:spAutoFit/>
+          </a:bodyPr>
+          <a:lstStyle/>
+          <a:p>
+            <a:pPr algn="ctr"/>
+            <a:r>
+              <a:rPr lang="en-US" sz="1400" i="1" dirty="0">
+                <a:solidFill>
+                  <a:srgbClr val="E46102"/>
+                </a:solidFill>
+              </a:rPr>
+              <a:t>Linear model that fits the training data best</a:t>
+            </a:r>
           </a:p>
         </p:txBody>
       </p:sp>
     </p:spTree>
     <p:extLst>
       <p:ext uri="{BB962C8B-B14F-4D97-AF65-F5344CB8AC3E}">
-        <p14:creationId xmlns:p14="http://schemas.microsoft.com/office/powerpoint/2010/main" val="1477134502"/>
+        <p14:creationId xmlns:p14="http://schemas.microsoft.com/office/powerpoint/2010/main" val="436401338"/>
       </p:ext>
     </p:extLst>
   </p:cSld>
@@ -21356,7 +21383,7 @@
                                         <p:tgtEl>
                                           <p:spTgt spid="96">
                                             <p:txEl>
-                                              <p:pRg st="0" end="0"/>
+                                              <p:pRg st="1" end="1"/>
                                             </p:txEl>
                                           </p:spTgt>
                                         </p:tgtEl>
@@ -21374,7 +21401,7 @@
                                         <p:tgtEl>
                                           <p:spTgt spid="96">
                                             <p:txEl>
-                                              <p:pRg st="0" end="0"/>
+                                              <p:pRg st="1" end="1"/>
                                             </p:txEl>
                                           </p:spTgt>
                                         </p:tgtEl>
@@ -21417,7 +21444,7 @@
                                         <p:tgtEl>
                                           <p:spTgt spid="96">
                                             <p:txEl>
-                                              <p:pRg st="2" end="2"/>
+                                              <p:pRg st="3" end="3"/>
                                             </p:txEl>
                                           </p:spTgt>
                                         </p:tgtEl>
@@ -21435,7 +21462,7 @@
                                         <p:tgtEl>
                                           <p:spTgt spid="96">
                                             <p:txEl>
-                                              <p:pRg st="2" end="2"/>
+                                              <p:pRg st="3" end="3"/>
                                             </p:txEl>
                                           </p:spTgt>
                                         </p:tgtEl>
@@ -21478,7 +21505,7 @@
                                         <p:tgtEl>
                                           <p:spTgt spid="96">
                                             <p:txEl>
-                                              <p:pRg st="4" end="4"/>
+                                              <p:pRg st="5" end="5"/>
                                             </p:txEl>
                                           </p:spTgt>
                                         </p:tgtEl>
@@ -21496,129 +21523,7 @@
                                         <p:tgtEl>
                                           <p:spTgt spid="96">
                                             <p:txEl>
-                                              <p:pRg st="4" end="4"/>
-                                            </p:txEl>
-                                          </p:spTgt>
-                                        </p:tgtEl>
-                                      </p:cBhvr>
-                                    </p:animEffect>
-                                  </p:childTnLst>
-                                </p:cTn>
-                              </p:par>
-                            </p:childTnLst>
-                          </p:cTn>
-                        </p:par>
-                      </p:childTnLst>
-                    </p:cTn>
-                  </p:par>
-                  <p:par>
-                    <p:cTn id="18" fill="hold">
-                      <p:stCondLst>
-                        <p:cond delay="indefinite"/>
-                      </p:stCondLst>
-                      <p:childTnLst>
-                        <p:par>
-                          <p:cTn id="19" fill="hold">
-                            <p:stCondLst>
-                              <p:cond delay="0"/>
-                            </p:stCondLst>
-                            <p:childTnLst>
-                              <p:par>
-                                <p:cTn id="20" presetID="10" presetClass="entr" presetSubtype="0" fill="hold" nodeType="clickEffect">
-                                  <p:stCondLst>
-                                    <p:cond delay="0"/>
-                                  </p:stCondLst>
-                                  <p:childTnLst>
-                                    <p:set>
-                                      <p:cBhvr>
-                                        <p:cTn id="21" dur="1" fill="hold">
-                                          <p:stCondLst>
-                                            <p:cond delay="0"/>
-                                          </p:stCondLst>
-                                        </p:cTn>
-                                        <p:tgtEl>
-                                          <p:spTgt spid="96">
-                                            <p:txEl>
-                                              <p:pRg st="6" end="6"/>
-                                            </p:txEl>
-                                          </p:spTgt>
-                                        </p:tgtEl>
-                                        <p:attrNameLst>
-                                          <p:attrName>style.visibility</p:attrName>
-                                        </p:attrNameLst>
-                                      </p:cBhvr>
-                                      <p:to>
-                                        <p:strVal val="visible"/>
-                                      </p:to>
-                                    </p:set>
-                                    <p:animEffect transition="in" filter="fade">
-                                      <p:cBhvr>
-                                        <p:cTn id="22" dur="1000"/>
-                                        <p:tgtEl>
-                                          <p:spTgt spid="96">
-                                            <p:txEl>
-                                              <p:pRg st="6" end="6"/>
-                                            </p:txEl>
-                                          </p:spTgt>
-                                        </p:tgtEl>
-                                      </p:cBhvr>
-                                    </p:animEffect>
-                                  </p:childTnLst>
-                                </p:cTn>
-                              </p:par>
-                            </p:childTnLst>
-                          </p:cTn>
-                        </p:par>
-                      </p:childTnLst>
-                    </p:cTn>
-                  </p:par>
-                  <p:par>
-                    <p:cTn id="23" fill="hold">
-                      <p:stCondLst>
-                        <p:cond delay="indefinite"/>
-                      </p:stCondLst>
-                      <p:childTnLst>
-                        <p:par>
-                          <p:cTn id="24" fill="hold">
-                            <p:stCondLst>
-                              <p:cond delay="0"/>
-                            </p:stCondLst>
-                            <p:childTnLst>
-                              <p:par>
-                                <p:cTn id="25" presetID="10" presetClass="entr" presetSubtype="0" fill="hold" nodeType="clickEffect">
-                                  <p:stCondLst>
-                                    <p:cond delay="0"/>
-                                  </p:stCondLst>
-                                  <p:childTnLst>
-                                    <p:set>
-                                      <p:cBhvr>
-                                        <p:cTn id="26" dur="1" fill="hold">
-                                          <p:stCondLst>
-                                            <p:cond delay="0"/>
-                                          </p:stCondLst>
-                                        </p:cTn>
-                                        <p:tgtEl>
-                                          <p:spTgt spid="96">
-                                            <p:txEl>
-                                              <p:pRg st="8" end="8"/>
-                                            </p:txEl>
-                                          </p:spTgt>
-                                        </p:tgtEl>
-                                        <p:attrNameLst>
-                                          <p:attrName>style.visibility</p:attrName>
-                                        </p:attrNameLst>
-                                      </p:cBhvr>
-                                      <p:to>
-                                        <p:strVal val="visible"/>
-                                      </p:to>
-                                    </p:set>
-                                    <p:animEffect transition="in" filter="fade">
-                                      <p:cBhvr>
-                                        <p:cTn id="27" dur="1000"/>
-                                        <p:tgtEl>
-                                          <p:spTgt spid="96">
-                                            <p:txEl>
-                                              <p:pRg st="8" end="8"/>
+                                              <p:pRg st="5" end="5"/>
                                             </p:txEl>
                                           </p:spTgt>
                                         </p:tgtEl>
@@ -22656,7 +22561,7 @@
                   <a:srgbClr val="E46102"/>
                 </a:solidFill>
               </a:rPr>
-              <a:t>Testing and Validating</a:t>
+              <a:t>Challenges in ML</a:t>
             </a:r>
             <a:endParaRPr sz="4000" b="1" dirty="0">
               <a:solidFill>
@@ -22697,51 +22602,58 @@
             </a:pPr>
             <a:r>
               <a:rPr lang="en-US" sz="2000" dirty="0"/>
-              <a:t>Only way to know how well a model will generalize</a:t>
-            </a:r>
+              <a:t>Insufficient quantity of training data</a:t>
+            </a:r>
+          </a:p>
+          <a:p>
+            <a:pPr marL="101598">
+              <a:buSzPct val="100000"/>
+            </a:pPr>
+            <a:endParaRPr lang="en-US" sz="2000" dirty="0"/>
           </a:p>
           <a:p>
             <a:pPr marL="609585" indent="-507987">
               <a:buSzPct val="100000"/>
               <a:buChar char="●"/>
             </a:pPr>
-            <a:endParaRPr lang="en-US" sz="2000" dirty="0"/>
+            <a:r>
+              <a:rPr lang="en-US" sz="2000" dirty="0"/>
+              <a:t>Nonrepresentative Training Data – Can make inaccurate predictions</a:t>
+            </a:r>
+          </a:p>
+          <a:p>
+            <a:pPr marL="1219170" lvl="1" indent="-507987">
+              <a:buSzPct val="100000"/>
+              <a:buChar char="●"/>
+            </a:pPr>
+            <a:r>
+              <a:rPr lang="en-US" sz="2000" dirty="0"/>
+              <a:t>Sampling Noise – sample data too small</a:t>
+            </a:r>
+          </a:p>
+          <a:p>
+            <a:pPr marL="1219170" lvl="1" indent="-507987">
+              <a:buSzPct val="100000"/>
+              <a:buChar char="●"/>
+            </a:pPr>
+            <a:r>
+              <a:rPr lang="en-US" sz="2000" dirty="0"/>
+              <a:t>Sampling Bias – sample data </a:t>
+            </a:r>
+            <a:r>
+              <a:rPr lang="en-US" sz="2000" dirty="0" err="1"/>
+              <a:t>lare</a:t>
+            </a:r>
+            <a:r>
+              <a:rPr lang="en-US" sz="2000" dirty="0"/>
+              <a:t> but non-representative. Due to flawed sampling method</a:t>
+            </a:r>
           </a:p>
           <a:p>
             <a:pPr marL="609585" indent="-507987">
               <a:buSzPct val="100000"/>
               <a:buChar char="●"/>
             </a:pPr>
-            <a:r>
-              <a:rPr lang="en-US" sz="2000" dirty="0"/>
-              <a:t>Split data into 2 sets (usually 80:20)</a:t>
-            </a:r>
-          </a:p>
-          <a:p>
-            <a:pPr marL="1219170" lvl="1" indent="-507987">
-              <a:buSzPct val="100000"/>
-              <a:buChar char="●"/>
-            </a:pPr>
-            <a:r>
-              <a:rPr lang="en-US" sz="2000" dirty="0"/>
-              <a:t>Training Set</a:t>
-            </a:r>
-          </a:p>
-          <a:p>
-            <a:pPr marL="1219170" lvl="1" indent="-507987">
-              <a:buSzPct val="100000"/>
-              <a:buChar char="●"/>
-            </a:pPr>
-            <a:r>
-              <a:rPr lang="en-US" sz="2000" dirty="0"/>
-              <a:t>Testing Set</a:t>
-            </a:r>
-          </a:p>
-          <a:p>
-            <a:pPr marL="1219170" lvl="1" indent="-507987">
-              <a:buSzPct val="100000"/>
-              <a:buChar char="●"/>
-            </a:pPr>
             <a:endParaRPr lang="en-US" sz="2000" dirty="0"/>
           </a:p>
           <a:p>
@@ -22749,64 +22661,44 @@
               <a:buSzPct val="100000"/>
               <a:buChar char="●"/>
             </a:pPr>
-            <a:r>
-              <a:rPr lang="en-US" sz="2000" dirty="0"/>
-              <a:t>Generalization Error – error rate on new cases (also called out-of-sample error)</a:t>
-            </a:r>
-          </a:p>
-          <a:p>
-            <a:pPr marL="1219170" lvl="1" indent="-507987">
-              <a:buSzPct val="100000"/>
-              <a:buChar char="●"/>
-            </a:pPr>
-            <a:r>
-              <a:rPr lang="en-US" sz="2000" dirty="0"/>
-              <a:t>Arrive at it by evaluating model on test data</a:t>
-            </a:r>
-          </a:p>
-          <a:p>
-            <a:pPr marL="1219170" lvl="1" indent="-507987">
-              <a:buSzPct val="100000"/>
-              <a:buChar char="●"/>
-            </a:pPr>
-            <a:endParaRPr lang="en-US" sz="2000" dirty="0"/>
-          </a:p>
-          <a:p>
-            <a:pPr marL="609585" indent="-507987">
-              <a:buSzPct val="100000"/>
-              <a:buChar char="●"/>
-            </a:pPr>
-            <a:r>
-              <a:rPr lang="en-US" sz="2000" dirty="0"/>
-              <a:t>Compare training error with Generalization error - If the training error is low (i.e., your model makes few mistakes on the training set) but the generalization error is high, it means that your model is overfitting the training data.</a:t>
-            </a:r>
-          </a:p>
-          <a:p>
-            <a:pPr marL="101598">
-              <a:buSzPct val="100000"/>
-            </a:pPr>
-            <a:endParaRPr lang="en-US" sz="2000" dirty="0"/>
-          </a:p>
-          <a:p>
-            <a:pPr marL="609585" indent="-507987">
-              <a:buSzPct val="100000"/>
-              <a:buChar char="●"/>
-            </a:pPr>
-            <a:endParaRPr lang="en-US" sz="2000" dirty="0"/>
-          </a:p>
-          <a:p>
-            <a:pPr marL="609585" indent="-507987">
-              <a:buSzPct val="100000"/>
-              <a:buChar char="●"/>
-            </a:pPr>
             <a:endParaRPr lang="en-US" sz="2000" dirty="0"/>
           </a:p>
         </p:txBody>
       </p:sp>
+      <p:pic>
+        <p:nvPicPr>
+          <p:cNvPr id="2" name="Picture 1">
+            <a:extLst>
+              <a:ext uri="{FF2B5EF4-FFF2-40B4-BE49-F238E27FC236}">
+                <a16:creationId xmlns:a16="http://schemas.microsoft.com/office/drawing/2014/main" id="{9043E167-4A66-4DD2-8F90-D5996B7E6155}"/>
+              </a:ext>
+            </a:extLst>
+          </p:cNvPr>
+          <p:cNvPicPr>
+            <a:picLocks noChangeAspect="1"/>
+          </p:cNvPicPr>
+          <p:nvPr/>
+        </p:nvPicPr>
+        <p:blipFill>
+          <a:blip r:embed="rId3"/>
+          <a:stretch>
+            <a:fillRect/>
+          </a:stretch>
+        </p:blipFill>
+        <p:spPr>
+          <a:xfrm>
+            <a:off x="4223683" y="3318690"/>
+            <a:ext cx="6841890" cy="2418849"/>
+          </a:xfrm>
+          <a:prstGeom prst="rect">
+            <a:avLst/>
+          </a:prstGeom>
+        </p:spPr>
+      </p:pic>
     </p:spTree>
     <p:extLst>
       <p:ext uri="{BB962C8B-B14F-4D97-AF65-F5344CB8AC3E}">
-        <p14:creationId xmlns:p14="http://schemas.microsoft.com/office/powerpoint/2010/main" val="4123682008"/>
+        <p14:creationId xmlns:p14="http://schemas.microsoft.com/office/powerpoint/2010/main" val="4164504015"/>
       </p:ext>
     </p:extLst>
   </p:cSld>
@@ -23051,189 +22943,6 @@
                                           <p:spTgt spid="96">
                                             <p:txEl>
                                               <p:pRg st="4" end="4"/>
-                                            </p:txEl>
-                                          </p:spTgt>
-                                        </p:tgtEl>
-                                      </p:cBhvr>
-                                    </p:animEffect>
-                                  </p:childTnLst>
-                                </p:cTn>
-                              </p:par>
-                            </p:childTnLst>
-                          </p:cTn>
-                        </p:par>
-                      </p:childTnLst>
-                    </p:cTn>
-                  </p:par>
-                  <p:par>
-                    <p:cTn id="23" fill="hold">
-                      <p:stCondLst>
-                        <p:cond delay="indefinite"/>
-                      </p:stCondLst>
-                      <p:childTnLst>
-                        <p:par>
-                          <p:cTn id="24" fill="hold">
-                            <p:stCondLst>
-                              <p:cond delay="0"/>
-                            </p:stCondLst>
-                            <p:childTnLst>
-                              <p:par>
-                                <p:cTn id="25" presetID="10" presetClass="entr" presetSubtype="0" fill="hold" nodeType="clickEffect">
-                                  <p:stCondLst>
-                                    <p:cond delay="0"/>
-                                  </p:stCondLst>
-                                  <p:childTnLst>
-                                    <p:set>
-                                      <p:cBhvr>
-                                        <p:cTn id="26" dur="1" fill="hold">
-                                          <p:stCondLst>
-                                            <p:cond delay="0"/>
-                                          </p:stCondLst>
-                                        </p:cTn>
-                                        <p:tgtEl>
-                                          <p:spTgt spid="96">
-                                            <p:txEl>
-                                              <p:pRg st="6" end="6"/>
-                                            </p:txEl>
-                                          </p:spTgt>
-                                        </p:tgtEl>
-                                        <p:attrNameLst>
-                                          <p:attrName>style.visibility</p:attrName>
-                                        </p:attrNameLst>
-                                      </p:cBhvr>
-                                      <p:to>
-                                        <p:strVal val="visible"/>
-                                      </p:to>
-                                    </p:set>
-                                    <p:animEffect transition="in" filter="fade">
-                                      <p:cBhvr>
-                                        <p:cTn id="27" dur="1000"/>
-                                        <p:tgtEl>
-                                          <p:spTgt spid="96">
-                                            <p:txEl>
-                                              <p:pRg st="6" end="6"/>
-                                            </p:txEl>
-                                          </p:spTgt>
-                                        </p:tgtEl>
-                                      </p:cBhvr>
-                                    </p:animEffect>
-                                  </p:childTnLst>
-                                </p:cTn>
-                              </p:par>
-                            </p:childTnLst>
-                          </p:cTn>
-                        </p:par>
-                      </p:childTnLst>
-                    </p:cTn>
-                  </p:par>
-                  <p:par>
-                    <p:cTn id="28" fill="hold">
-                      <p:stCondLst>
-                        <p:cond delay="indefinite"/>
-                      </p:stCondLst>
-                      <p:childTnLst>
-                        <p:par>
-                          <p:cTn id="29" fill="hold">
-                            <p:stCondLst>
-                              <p:cond delay="0"/>
-                            </p:stCondLst>
-                            <p:childTnLst>
-                              <p:par>
-                                <p:cTn id="30" presetID="10" presetClass="entr" presetSubtype="0" fill="hold" nodeType="clickEffect">
-                                  <p:stCondLst>
-                                    <p:cond delay="0"/>
-                                  </p:stCondLst>
-                                  <p:childTnLst>
-                                    <p:set>
-                                      <p:cBhvr>
-                                        <p:cTn id="31" dur="1" fill="hold">
-                                          <p:stCondLst>
-                                            <p:cond delay="0"/>
-                                          </p:stCondLst>
-                                        </p:cTn>
-                                        <p:tgtEl>
-                                          <p:spTgt spid="96">
-                                            <p:txEl>
-                                              <p:pRg st="7" end="7"/>
-                                            </p:txEl>
-                                          </p:spTgt>
-                                        </p:tgtEl>
-                                        <p:attrNameLst>
-                                          <p:attrName>style.visibility</p:attrName>
-                                        </p:attrNameLst>
-                                      </p:cBhvr>
-                                      <p:to>
-                                        <p:strVal val="visible"/>
-                                      </p:to>
-                                    </p:set>
-                                    <p:animEffect transition="in" filter="fade">
-                                      <p:cBhvr>
-                                        <p:cTn id="32" dur="1000"/>
-                                        <p:tgtEl>
-                                          <p:spTgt spid="96">
-                                            <p:txEl>
-                                              <p:pRg st="7" end="7"/>
-                                            </p:txEl>
-                                          </p:spTgt>
-                                        </p:tgtEl>
-                                      </p:cBhvr>
-                                    </p:animEffect>
-                                  </p:childTnLst>
-                                </p:cTn>
-                              </p:par>
-                            </p:childTnLst>
-                          </p:cTn>
-                        </p:par>
-                      </p:childTnLst>
-                    </p:cTn>
-                  </p:par>
-                  <p:par>
-                    <p:cTn id="33" fill="hold">
-                      <p:stCondLst>
-                        <p:cond delay="indefinite"/>
-                      </p:stCondLst>
-                      <p:childTnLst>
-                        <p:par>
-                          <p:cTn id="34" fill="hold">
-                            <p:stCondLst>
-                              <p:cond delay="0"/>
-                            </p:stCondLst>
-                            <p:childTnLst>
-                              <p:par>
-                                <p:cTn id="35" presetID="10" presetClass="entr" presetSubtype="0" fill="hold" nodeType="clickEffect">
-                                  <p:stCondLst>
-                                    <p:cond delay="0"/>
-                                  </p:stCondLst>
-                                  <p:childTnLst>
-                                    <p:set>
-                                      <p:cBhvr>
-                                        <p:cTn id="36" dur="1" fill="hold">
-                                          <p:stCondLst>
-                                            <p:cond delay="0"/>
-                                          </p:stCondLst>
-                                        </p:cTn>
-                                        <p:tgtEl>
-                                          <p:spTgt spid="96">
-                                            <p:txEl>
-                                              <p:pRg st="9" end="9"/>
-                                            </p:txEl>
-                                          </p:spTgt>
-                                        </p:tgtEl>
-                                        <p:attrNameLst>
-                                          <p:attrName>style.visibility</p:attrName>
-                                        </p:attrNameLst>
-                                      </p:cBhvr>
-                                      <p:to>
-                                        <p:strVal val="visible"/>
-                                      </p:to>
-                                    </p:set>
-                                    <p:animEffect transition="in" filter="fade">
-                                      <p:cBhvr>
-                                        <p:cTn id="37" dur="1000"/>
-                                        <p:tgtEl>
-                                          <p:spTgt spid="96">
-                                            <p:txEl>
-                                              <p:pRg st="9" end="9"/>
                                             </p:txEl>
                                           </p:spTgt>
                                         </p:tgtEl>
@@ -23321,7 +23030,7 @@
                   <a:srgbClr val="E46102"/>
                 </a:solidFill>
               </a:rPr>
-              <a:t>Build a model - 1</a:t>
+              <a:t>Challenges in ML contd…</a:t>
             </a:r>
             <a:endParaRPr sz="4000" b="1" dirty="0">
               <a:solidFill>
@@ -23339,8 +23048,8 @@
         </p:nvSpPr>
         <p:spPr>
           <a:xfrm>
-            <a:off x="521776" y="1137532"/>
-            <a:ext cx="11277600" cy="5198874"/>
+            <a:off x="341472" y="1120461"/>
+            <a:ext cx="11348501" cy="5379077"/>
           </a:xfrm>
           <a:prstGeom prst="rect">
             <a:avLst/>
@@ -23362,101 +23071,96 @@
             </a:pPr>
             <a:r>
               <a:rPr lang="en-US" sz="2000" dirty="0"/>
-              <a:t>Housing prices in CA</a:t>
-            </a:r>
+              <a:t>Poor Quality Data</a:t>
+            </a:r>
+          </a:p>
+          <a:p>
+            <a:pPr marL="101598">
+              <a:buSzPct val="100000"/>
+            </a:pPr>
+            <a:endParaRPr lang="en-US" sz="2000" dirty="0"/>
           </a:p>
           <a:p>
             <a:pPr marL="609585" indent="-507987">
               <a:buSzPct val="100000"/>
               <a:buChar char="●"/>
             </a:pPr>
-            <a:endParaRPr lang="en-US" sz="2000" dirty="0"/>
+            <a:r>
+              <a:rPr lang="en-US" sz="2000" dirty="0"/>
+              <a:t>Irrelevant Features</a:t>
+            </a:r>
           </a:p>
           <a:p>
             <a:pPr marL="609585" indent="-507987">
               <a:buSzPct val="100000"/>
               <a:buChar char="●"/>
             </a:pPr>
-            <a:r>
-              <a:rPr lang="en-US" sz="2000" dirty="0"/>
-              <a:t>Data : CA census data, it has metrics such as population, median income, median housing price, and so on for each block group in California</a:t>
-            </a:r>
+            <a:endParaRPr lang="en-US" sz="2000" dirty="0"/>
           </a:p>
           <a:p>
             <a:pPr marL="609585" indent="-507987">
               <a:buSzPct val="100000"/>
               <a:buChar char="●"/>
             </a:pPr>
-            <a:endParaRPr lang="en-US" sz="2000" dirty="0"/>
+            <a:r>
+              <a:rPr lang="en-US" sz="2000" dirty="0"/>
+              <a:t>Overfitting Training Data</a:t>
+            </a:r>
           </a:p>
           <a:p>
             <a:pPr marL="609585" indent="-507987">
               <a:buSzPct val="100000"/>
               <a:buChar char="●"/>
             </a:pPr>
+            <a:endParaRPr lang="en-US" sz="2000" dirty="0"/>
+          </a:p>
+          <a:p>
+            <a:pPr marL="609585" indent="-507987">
+              <a:buSzPct val="100000"/>
+              <a:buChar char="●"/>
+            </a:pPr>
             <a:r>
               <a:rPr lang="en-US" sz="2000" dirty="0"/>
-              <a:t>Goal: Predict median housing price in any district, given all the other metrics.</a:t>
-            </a:r>
-          </a:p>
-          <a:p>
-            <a:pPr marL="101598">
+              <a:t>Underfitting Training data</a:t>
+            </a:r>
+          </a:p>
+          <a:p>
+            <a:pPr marL="609585" indent="-507987">
               <a:buSzPct val="100000"/>
+              <a:buChar char="●"/>
             </a:pPr>
             <a:endParaRPr lang="en-US" sz="2000" dirty="0"/>
           </a:p>
-        </p:txBody>
-      </p:sp>
-      <p:sp>
-        <p:nvSpPr>
-          <p:cNvPr id="2" name="TextBox 1">
-            <a:extLst>
-              <a:ext uri="{FF2B5EF4-FFF2-40B4-BE49-F238E27FC236}">
-                <a16:creationId xmlns:a16="http://schemas.microsoft.com/office/drawing/2014/main" id="{3873BCF4-993D-4D20-B935-D19D85DD376F}"/>
-              </a:ext>
-            </a:extLst>
-          </p:cNvPr>
-          <p:cNvSpPr txBox="1"/>
-          <p:nvPr/>
-        </p:nvSpPr>
-        <p:spPr>
-          <a:xfrm flipH="1">
-            <a:off x="3579575" y="4474249"/>
-            <a:ext cx="5032850" cy="461665"/>
-          </a:xfrm>
-          <a:prstGeom prst="rect">
-            <a:avLst/>
-          </a:prstGeom>
-          <a:solidFill>
-            <a:schemeClr val="accent1">
-              <a:lumMod val="40000"/>
-              <a:lumOff val="60000"/>
-            </a:schemeClr>
-          </a:solidFill>
-          <a:ln w="28575">
-            <a:solidFill>
-              <a:srgbClr val="E46102"/>
-            </a:solidFill>
-          </a:ln>
-        </p:spPr>
-        <p:txBody>
-          <a:bodyPr wrap="square" rtlCol="0">
-            <a:spAutoFit/>
-          </a:bodyPr>
-          <a:lstStyle/>
-          <a:p>
-            <a:pPr algn="ctr"/>
-            <a:r>
-              <a:rPr lang="en-US" dirty="0"/>
-              <a:t>What should you do next?</a:t>
-            </a:r>
+          <a:p>
+            <a:pPr marL="609585" indent="-507987">
+              <a:buSzPct val="100000"/>
+              <a:buChar char="●"/>
+            </a:pPr>
+            <a:r>
+              <a:rPr lang="en-US" sz="2000" dirty="0"/>
+              <a:t>Data Mismatch</a:t>
+            </a:r>
+          </a:p>
+          <a:p>
+            <a:pPr marL="609585" indent="-507987">
+              <a:buSzPct val="100000"/>
+              <a:buChar char="●"/>
+            </a:pPr>
+            <a:endParaRPr lang="en-US" sz="2000" dirty="0"/>
+          </a:p>
+          <a:p>
+            <a:pPr marL="609585" indent="-507987">
+              <a:buSzPct val="100000"/>
+              <a:buChar char="●"/>
+            </a:pPr>
+            <a:endParaRPr lang="en-US" sz="2000" dirty="0"/>
           </a:p>
         </p:txBody>
       </p:sp>
     </p:spTree>
     <p:extLst>
       <p:ext uri="{BB962C8B-B14F-4D97-AF65-F5344CB8AC3E}">
-        <p14:creationId xmlns:p14="http://schemas.microsoft.com/office/powerpoint/2010/main" val="2937816385"/>
+        <p14:creationId xmlns:p14="http://schemas.microsoft.com/office/powerpoint/2010/main" val="1477134502"/>
       </p:ext>
     </p:extLst>
   </p:cSld>
@@ -23640,6 +23344,128 @@
                                           <p:spTgt spid="96">
                                             <p:txEl>
                                               <p:pRg st="4" end="4"/>
+                                            </p:txEl>
+                                          </p:spTgt>
+                                        </p:tgtEl>
+                                      </p:cBhvr>
+                                    </p:animEffect>
+                                  </p:childTnLst>
+                                </p:cTn>
+                              </p:par>
+                            </p:childTnLst>
+                          </p:cTn>
+                        </p:par>
+                      </p:childTnLst>
+                    </p:cTn>
+                  </p:par>
+                  <p:par>
+                    <p:cTn id="18" fill="hold">
+                      <p:stCondLst>
+                        <p:cond delay="indefinite"/>
+                      </p:stCondLst>
+                      <p:childTnLst>
+                        <p:par>
+                          <p:cTn id="19" fill="hold">
+                            <p:stCondLst>
+                              <p:cond delay="0"/>
+                            </p:stCondLst>
+                            <p:childTnLst>
+                              <p:par>
+                                <p:cTn id="20" presetID="10" presetClass="entr" presetSubtype="0" fill="hold" nodeType="clickEffect">
+                                  <p:stCondLst>
+                                    <p:cond delay="0"/>
+                                  </p:stCondLst>
+                                  <p:childTnLst>
+                                    <p:set>
+                                      <p:cBhvr>
+                                        <p:cTn id="21" dur="1" fill="hold">
+                                          <p:stCondLst>
+                                            <p:cond delay="0"/>
+                                          </p:stCondLst>
+                                        </p:cTn>
+                                        <p:tgtEl>
+                                          <p:spTgt spid="96">
+                                            <p:txEl>
+                                              <p:pRg st="6" end="6"/>
+                                            </p:txEl>
+                                          </p:spTgt>
+                                        </p:tgtEl>
+                                        <p:attrNameLst>
+                                          <p:attrName>style.visibility</p:attrName>
+                                        </p:attrNameLst>
+                                      </p:cBhvr>
+                                      <p:to>
+                                        <p:strVal val="visible"/>
+                                      </p:to>
+                                    </p:set>
+                                    <p:animEffect transition="in" filter="fade">
+                                      <p:cBhvr>
+                                        <p:cTn id="22" dur="1000"/>
+                                        <p:tgtEl>
+                                          <p:spTgt spid="96">
+                                            <p:txEl>
+                                              <p:pRg st="6" end="6"/>
+                                            </p:txEl>
+                                          </p:spTgt>
+                                        </p:tgtEl>
+                                      </p:cBhvr>
+                                    </p:animEffect>
+                                  </p:childTnLst>
+                                </p:cTn>
+                              </p:par>
+                            </p:childTnLst>
+                          </p:cTn>
+                        </p:par>
+                      </p:childTnLst>
+                    </p:cTn>
+                  </p:par>
+                  <p:par>
+                    <p:cTn id="23" fill="hold">
+                      <p:stCondLst>
+                        <p:cond delay="indefinite"/>
+                      </p:stCondLst>
+                      <p:childTnLst>
+                        <p:par>
+                          <p:cTn id="24" fill="hold">
+                            <p:stCondLst>
+                              <p:cond delay="0"/>
+                            </p:stCondLst>
+                            <p:childTnLst>
+                              <p:par>
+                                <p:cTn id="25" presetID="10" presetClass="entr" presetSubtype="0" fill="hold" nodeType="clickEffect">
+                                  <p:stCondLst>
+                                    <p:cond delay="0"/>
+                                  </p:stCondLst>
+                                  <p:childTnLst>
+                                    <p:set>
+                                      <p:cBhvr>
+                                        <p:cTn id="26" dur="1" fill="hold">
+                                          <p:stCondLst>
+                                            <p:cond delay="0"/>
+                                          </p:stCondLst>
+                                        </p:cTn>
+                                        <p:tgtEl>
+                                          <p:spTgt spid="96">
+                                            <p:txEl>
+                                              <p:pRg st="8" end="8"/>
+                                            </p:txEl>
+                                          </p:spTgt>
+                                        </p:tgtEl>
+                                        <p:attrNameLst>
+                                          <p:attrName>style.visibility</p:attrName>
+                                        </p:attrNameLst>
+                                      </p:cBhvr>
+                                      <p:to>
+                                        <p:strVal val="visible"/>
+                                      </p:to>
+                                    </p:set>
+                                    <p:animEffect transition="in" filter="fade">
+                                      <p:cBhvr>
+                                        <p:cTn id="27" dur="1000"/>
+                                        <p:tgtEl>
+                                          <p:spTgt spid="96">
+                                            <p:txEl>
+                                              <p:pRg st="8" end="8"/>
                                             </p:txEl>
                                           </p:spTgt>
                                         </p:tgtEl>
@@ -23727,7 +23553,7 @@
                   <a:srgbClr val="E46102"/>
                 </a:solidFill>
               </a:rPr>
-              <a:t>Build a model - 2</a:t>
+              <a:t>Testing and Validating</a:t>
             </a:r>
             <a:endParaRPr sz="4000" b="1" dirty="0">
               <a:solidFill>
@@ -23745,8 +23571,8 @@
         </p:nvSpPr>
         <p:spPr>
           <a:xfrm>
-            <a:off x="521776" y="1137532"/>
-            <a:ext cx="11277600" cy="5198874"/>
+            <a:off x="341472" y="1120461"/>
+            <a:ext cx="11348501" cy="5379077"/>
           </a:xfrm>
           <a:prstGeom prst="rect">
             <a:avLst/>
@@ -23766,24 +23592,109 @@
               <a:buSzPct val="100000"/>
               <a:buChar char="●"/>
             </a:pPr>
+            <a:r>
+              <a:rPr lang="en-US" sz="2000" dirty="0"/>
+              <a:t>Only way to know how well a model will generalize</a:t>
+            </a:r>
+          </a:p>
+          <a:p>
+            <a:pPr marL="609585" indent="-507987">
+              <a:buSzPct val="100000"/>
+              <a:buChar char="●"/>
+            </a:pPr>
             <a:endParaRPr lang="en-US" sz="2000" dirty="0"/>
           </a:p>
           <a:p>
-            <a:pPr marL="558798" indent="-457200">
+            <a:pPr marL="609585" indent="-507987">
               <a:buSzPct val="100000"/>
-              <a:buFont typeface="+mj-lt"/>
-              <a:buAutoNum type="arabicPeriod"/>
+              <a:buChar char="●"/>
             </a:pPr>
             <a:r>
               <a:rPr lang="en-US" sz="2000" dirty="0"/>
-              <a:t>Frame the Problem</a:t>
-            </a:r>
-          </a:p>
-          <a:p>
-            <a:pPr marL="558798" indent="-457200">
+              <a:t>Split data into 2 sets (usually 80:20)</a:t>
+            </a:r>
+          </a:p>
+          <a:p>
+            <a:pPr marL="1219170" lvl="1" indent="-507987">
               <a:buSzPct val="100000"/>
-              <a:buFont typeface="+mj-lt"/>
-              <a:buAutoNum type="arabicPeriod"/>
+              <a:buChar char="●"/>
+            </a:pPr>
+            <a:r>
+              <a:rPr lang="en-US" sz="2000" dirty="0"/>
+              <a:t>Training Set</a:t>
+            </a:r>
+          </a:p>
+          <a:p>
+            <a:pPr marL="1219170" lvl="1" indent="-507987">
+              <a:buSzPct val="100000"/>
+              <a:buChar char="●"/>
+            </a:pPr>
+            <a:r>
+              <a:rPr lang="en-US" sz="2000" dirty="0"/>
+              <a:t>Testing Set</a:t>
+            </a:r>
+          </a:p>
+          <a:p>
+            <a:pPr marL="1219170" lvl="1" indent="-507987">
+              <a:buSzPct val="100000"/>
+              <a:buChar char="●"/>
+            </a:pPr>
+            <a:endParaRPr lang="en-US" sz="2000" dirty="0"/>
+          </a:p>
+          <a:p>
+            <a:pPr marL="609585" indent="-507987">
+              <a:buSzPct val="100000"/>
+              <a:buChar char="●"/>
+            </a:pPr>
+            <a:r>
+              <a:rPr lang="en-US" sz="2000" dirty="0"/>
+              <a:t>Generalization Error – error rate on new cases (also called out-of-sample error)</a:t>
+            </a:r>
+          </a:p>
+          <a:p>
+            <a:pPr marL="1219170" lvl="1" indent="-507987">
+              <a:buSzPct val="100000"/>
+              <a:buChar char="●"/>
+            </a:pPr>
+            <a:r>
+              <a:rPr lang="en-US" sz="2000" dirty="0"/>
+              <a:t>Arrive at it by evaluating model on test data</a:t>
+            </a:r>
+          </a:p>
+          <a:p>
+            <a:pPr marL="1219170" lvl="1" indent="-507987">
+              <a:buSzPct val="100000"/>
+              <a:buChar char="●"/>
+            </a:pPr>
+            <a:endParaRPr lang="en-US" sz="2000" dirty="0"/>
+          </a:p>
+          <a:p>
+            <a:pPr marL="609585" indent="-507987">
+              <a:buSzPct val="100000"/>
+              <a:buChar char="●"/>
+            </a:pPr>
+            <a:r>
+              <a:rPr lang="en-US" sz="2000" dirty="0"/>
+              <a:t>Compare training error with Generalization error - If the training error is low (i.e., your model makes few mistakes on the training set) but the generalization error is high, it means that your model is overfitting the training data.</a:t>
+            </a:r>
+          </a:p>
+          <a:p>
+            <a:pPr marL="101598">
+              <a:buSzPct val="100000"/>
+            </a:pPr>
+            <a:endParaRPr lang="en-US" sz="2000" dirty="0"/>
+          </a:p>
+          <a:p>
+            <a:pPr marL="609585" indent="-507987">
+              <a:buSzPct val="100000"/>
+              <a:buChar char="●"/>
+            </a:pPr>
+            <a:endParaRPr lang="en-US" sz="2000" dirty="0"/>
+          </a:p>
+          <a:p>
+            <a:pPr marL="609585" indent="-507987">
+              <a:buSzPct val="100000"/>
+              <a:buChar char="●"/>
             </a:pPr>
             <a:endParaRPr lang="en-US" sz="2000" dirty="0"/>
           </a:p>
@@ -23792,13 +23703,470 @@
     </p:spTree>
     <p:extLst>
       <p:ext uri="{BB962C8B-B14F-4D97-AF65-F5344CB8AC3E}">
-        <p14:creationId xmlns:p14="http://schemas.microsoft.com/office/powerpoint/2010/main" val="2923327648"/>
+        <p14:creationId xmlns:p14="http://schemas.microsoft.com/office/powerpoint/2010/main" val="4123682008"/>
       </p:ext>
     </p:extLst>
   </p:cSld>
   <p:clrMapOvr>
     <a:masterClrMapping/>
   </p:clrMapOvr>
+  <p:timing>
+    <p:tnLst>
+      <p:par>
+        <p:cTn id="1" dur="indefinite" restart="never" nodeType="tmRoot">
+          <p:childTnLst>
+            <p:seq concurrent="1" nextAc="seek">
+              <p:cTn id="2" dur="indefinite" nodeType="mainSeq">
+                <p:childTnLst>
+                  <p:par>
+                    <p:cTn id="3" fill="hold">
+                      <p:stCondLst>
+                        <p:cond delay="indefinite"/>
+                      </p:stCondLst>
+                      <p:childTnLst>
+                        <p:par>
+                          <p:cTn id="4" fill="hold">
+                            <p:stCondLst>
+                              <p:cond delay="0"/>
+                            </p:stCondLst>
+                            <p:childTnLst>
+                              <p:par>
+                                <p:cTn id="5" presetID="10" presetClass="entr" presetSubtype="0" fill="hold" nodeType="clickEffect">
+                                  <p:stCondLst>
+                                    <p:cond delay="0"/>
+                                  </p:stCondLst>
+                                  <p:childTnLst>
+                                    <p:set>
+                                      <p:cBhvr>
+                                        <p:cTn id="6" dur="1" fill="hold">
+                                          <p:stCondLst>
+                                            <p:cond delay="0"/>
+                                          </p:stCondLst>
+                                        </p:cTn>
+                                        <p:tgtEl>
+                                          <p:spTgt spid="96">
+                                            <p:txEl>
+                                              <p:pRg st="0" end="0"/>
+                                            </p:txEl>
+                                          </p:spTgt>
+                                        </p:tgtEl>
+                                        <p:attrNameLst>
+                                          <p:attrName>style.visibility</p:attrName>
+                                        </p:attrNameLst>
+                                      </p:cBhvr>
+                                      <p:to>
+                                        <p:strVal val="visible"/>
+                                      </p:to>
+                                    </p:set>
+                                    <p:animEffect transition="in" filter="fade">
+                                      <p:cBhvr>
+                                        <p:cTn id="7" dur="1000"/>
+                                        <p:tgtEl>
+                                          <p:spTgt spid="96">
+                                            <p:txEl>
+                                              <p:pRg st="0" end="0"/>
+                                            </p:txEl>
+                                          </p:spTgt>
+                                        </p:tgtEl>
+                                      </p:cBhvr>
+                                    </p:animEffect>
+                                  </p:childTnLst>
+                                </p:cTn>
+                              </p:par>
+                            </p:childTnLst>
+                          </p:cTn>
+                        </p:par>
+                      </p:childTnLst>
+                    </p:cTn>
+                  </p:par>
+                  <p:par>
+                    <p:cTn id="8" fill="hold">
+                      <p:stCondLst>
+                        <p:cond delay="indefinite"/>
+                      </p:stCondLst>
+                      <p:childTnLst>
+                        <p:par>
+                          <p:cTn id="9" fill="hold">
+                            <p:stCondLst>
+                              <p:cond delay="0"/>
+                            </p:stCondLst>
+                            <p:childTnLst>
+                              <p:par>
+                                <p:cTn id="10" presetID="10" presetClass="entr" presetSubtype="0" fill="hold" nodeType="clickEffect">
+                                  <p:stCondLst>
+                                    <p:cond delay="0"/>
+                                  </p:stCondLst>
+                                  <p:childTnLst>
+                                    <p:set>
+                                      <p:cBhvr>
+                                        <p:cTn id="11" dur="1" fill="hold">
+                                          <p:stCondLst>
+                                            <p:cond delay="0"/>
+                                          </p:stCondLst>
+                                        </p:cTn>
+                                        <p:tgtEl>
+                                          <p:spTgt spid="96">
+                                            <p:txEl>
+                                              <p:pRg st="2" end="2"/>
+                                            </p:txEl>
+                                          </p:spTgt>
+                                        </p:tgtEl>
+                                        <p:attrNameLst>
+                                          <p:attrName>style.visibility</p:attrName>
+                                        </p:attrNameLst>
+                                      </p:cBhvr>
+                                      <p:to>
+                                        <p:strVal val="visible"/>
+                                      </p:to>
+                                    </p:set>
+                                    <p:animEffect transition="in" filter="fade">
+                                      <p:cBhvr>
+                                        <p:cTn id="12" dur="1000"/>
+                                        <p:tgtEl>
+                                          <p:spTgt spid="96">
+                                            <p:txEl>
+                                              <p:pRg st="2" end="2"/>
+                                            </p:txEl>
+                                          </p:spTgt>
+                                        </p:tgtEl>
+                                      </p:cBhvr>
+                                    </p:animEffect>
+                                  </p:childTnLst>
+                                </p:cTn>
+                              </p:par>
+                            </p:childTnLst>
+                          </p:cTn>
+                        </p:par>
+                      </p:childTnLst>
+                    </p:cTn>
+                  </p:par>
+                  <p:par>
+                    <p:cTn id="13" fill="hold">
+                      <p:stCondLst>
+                        <p:cond delay="indefinite"/>
+                      </p:stCondLst>
+                      <p:childTnLst>
+                        <p:par>
+                          <p:cTn id="14" fill="hold">
+                            <p:stCondLst>
+                              <p:cond delay="0"/>
+                            </p:stCondLst>
+                            <p:childTnLst>
+                              <p:par>
+                                <p:cTn id="15" presetID="10" presetClass="entr" presetSubtype="0" fill="hold" nodeType="clickEffect">
+                                  <p:stCondLst>
+                                    <p:cond delay="0"/>
+                                  </p:stCondLst>
+                                  <p:childTnLst>
+                                    <p:set>
+                                      <p:cBhvr>
+                                        <p:cTn id="16" dur="1" fill="hold">
+                                          <p:stCondLst>
+                                            <p:cond delay="0"/>
+                                          </p:stCondLst>
+                                        </p:cTn>
+                                        <p:tgtEl>
+                                          <p:spTgt spid="96">
+                                            <p:txEl>
+                                              <p:pRg st="3" end="3"/>
+                                            </p:txEl>
+                                          </p:spTgt>
+                                        </p:tgtEl>
+                                        <p:attrNameLst>
+                                          <p:attrName>style.visibility</p:attrName>
+                                        </p:attrNameLst>
+                                      </p:cBhvr>
+                                      <p:to>
+                                        <p:strVal val="visible"/>
+                                      </p:to>
+                                    </p:set>
+                                    <p:animEffect transition="in" filter="fade">
+                                      <p:cBhvr>
+                                        <p:cTn id="17" dur="1000"/>
+                                        <p:tgtEl>
+                                          <p:spTgt spid="96">
+                                            <p:txEl>
+                                              <p:pRg st="3" end="3"/>
+                                            </p:txEl>
+                                          </p:spTgt>
+                                        </p:tgtEl>
+                                      </p:cBhvr>
+                                    </p:animEffect>
+                                  </p:childTnLst>
+                                </p:cTn>
+                              </p:par>
+                            </p:childTnLst>
+                          </p:cTn>
+                        </p:par>
+                      </p:childTnLst>
+                    </p:cTn>
+                  </p:par>
+                  <p:par>
+                    <p:cTn id="18" fill="hold">
+                      <p:stCondLst>
+                        <p:cond delay="indefinite"/>
+                      </p:stCondLst>
+                      <p:childTnLst>
+                        <p:par>
+                          <p:cTn id="19" fill="hold">
+                            <p:stCondLst>
+                              <p:cond delay="0"/>
+                            </p:stCondLst>
+                            <p:childTnLst>
+                              <p:par>
+                                <p:cTn id="20" presetID="10" presetClass="entr" presetSubtype="0" fill="hold" nodeType="clickEffect">
+                                  <p:stCondLst>
+                                    <p:cond delay="0"/>
+                                  </p:stCondLst>
+                                  <p:childTnLst>
+                                    <p:set>
+                                      <p:cBhvr>
+                                        <p:cTn id="21" dur="1" fill="hold">
+                                          <p:stCondLst>
+                                            <p:cond delay="0"/>
+                                          </p:stCondLst>
+                                        </p:cTn>
+                                        <p:tgtEl>
+                                          <p:spTgt spid="96">
+                                            <p:txEl>
+                                              <p:pRg st="4" end="4"/>
+                                            </p:txEl>
+                                          </p:spTgt>
+                                        </p:tgtEl>
+                                        <p:attrNameLst>
+                                          <p:attrName>style.visibility</p:attrName>
+                                        </p:attrNameLst>
+                                      </p:cBhvr>
+                                      <p:to>
+                                        <p:strVal val="visible"/>
+                                      </p:to>
+                                    </p:set>
+                                    <p:animEffect transition="in" filter="fade">
+                                      <p:cBhvr>
+                                        <p:cTn id="22" dur="1000"/>
+                                        <p:tgtEl>
+                                          <p:spTgt spid="96">
+                                            <p:txEl>
+                                              <p:pRg st="4" end="4"/>
+                                            </p:txEl>
+                                          </p:spTgt>
+                                        </p:tgtEl>
+                                      </p:cBhvr>
+                                    </p:animEffect>
+                                  </p:childTnLst>
+                                </p:cTn>
+                              </p:par>
+                            </p:childTnLst>
+                          </p:cTn>
+                        </p:par>
+                      </p:childTnLst>
+                    </p:cTn>
+                  </p:par>
+                  <p:par>
+                    <p:cTn id="23" fill="hold">
+                      <p:stCondLst>
+                        <p:cond delay="indefinite"/>
+                      </p:stCondLst>
+                      <p:childTnLst>
+                        <p:par>
+                          <p:cTn id="24" fill="hold">
+                            <p:stCondLst>
+                              <p:cond delay="0"/>
+                            </p:stCondLst>
+                            <p:childTnLst>
+                              <p:par>
+                                <p:cTn id="25" presetID="10" presetClass="entr" presetSubtype="0" fill="hold" nodeType="clickEffect">
+                                  <p:stCondLst>
+                                    <p:cond delay="0"/>
+                                  </p:stCondLst>
+                                  <p:childTnLst>
+                                    <p:set>
+                                      <p:cBhvr>
+                                        <p:cTn id="26" dur="1" fill="hold">
+                                          <p:stCondLst>
+                                            <p:cond delay="0"/>
+                                          </p:stCondLst>
+                                        </p:cTn>
+                                        <p:tgtEl>
+                                          <p:spTgt spid="96">
+                                            <p:txEl>
+                                              <p:pRg st="6" end="6"/>
+                                            </p:txEl>
+                                          </p:spTgt>
+                                        </p:tgtEl>
+                                        <p:attrNameLst>
+                                          <p:attrName>style.visibility</p:attrName>
+                                        </p:attrNameLst>
+                                      </p:cBhvr>
+                                      <p:to>
+                                        <p:strVal val="visible"/>
+                                      </p:to>
+                                    </p:set>
+                                    <p:animEffect transition="in" filter="fade">
+                                      <p:cBhvr>
+                                        <p:cTn id="27" dur="1000"/>
+                                        <p:tgtEl>
+                                          <p:spTgt spid="96">
+                                            <p:txEl>
+                                              <p:pRg st="6" end="6"/>
+                                            </p:txEl>
+                                          </p:spTgt>
+                                        </p:tgtEl>
+                                      </p:cBhvr>
+                                    </p:animEffect>
+                                  </p:childTnLst>
+                                </p:cTn>
+                              </p:par>
+                            </p:childTnLst>
+                          </p:cTn>
+                        </p:par>
+                      </p:childTnLst>
+                    </p:cTn>
+                  </p:par>
+                  <p:par>
+                    <p:cTn id="28" fill="hold">
+                      <p:stCondLst>
+                        <p:cond delay="indefinite"/>
+                      </p:stCondLst>
+                      <p:childTnLst>
+                        <p:par>
+                          <p:cTn id="29" fill="hold">
+                            <p:stCondLst>
+                              <p:cond delay="0"/>
+                            </p:stCondLst>
+                            <p:childTnLst>
+                              <p:par>
+                                <p:cTn id="30" presetID="10" presetClass="entr" presetSubtype="0" fill="hold" nodeType="clickEffect">
+                                  <p:stCondLst>
+                                    <p:cond delay="0"/>
+                                  </p:stCondLst>
+                                  <p:childTnLst>
+                                    <p:set>
+                                      <p:cBhvr>
+                                        <p:cTn id="31" dur="1" fill="hold">
+                                          <p:stCondLst>
+                                            <p:cond delay="0"/>
+                                          </p:stCondLst>
+                                        </p:cTn>
+                                        <p:tgtEl>
+                                          <p:spTgt spid="96">
+                                            <p:txEl>
+                                              <p:pRg st="7" end="7"/>
+                                            </p:txEl>
+                                          </p:spTgt>
+                                        </p:tgtEl>
+                                        <p:attrNameLst>
+                                          <p:attrName>style.visibility</p:attrName>
+                                        </p:attrNameLst>
+                                      </p:cBhvr>
+                                      <p:to>
+                                        <p:strVal val="visible"/>
+                                      </p:to>
+                                    </p:set>
+                                    <p:animEffect transition="in" filter="fade">
+                                      <p:cBhvr>
+                                        <p:cTn id="32" dur="1000"/>
+                                        <p:tgtEl>
+                                          <p:spTgt spid="96">
+                                            <p:txEl>
+                                              <p:pRg st="7" end="7"/>
+                                            </p:txEl>
+                                          </p:spTgt>
+                                        </p:tgtEl>
+                                      </p:cBhvr>
+                                    </p:animEffect>
+                                  </p:childTnLst>
+                                </p:cTn>
+                              </p:par>
+                            </p:childTnLst>
+                          </p:cTn>
+                        </p:par>
+                      </p:childTnLst>
+                    </p:cTn>
+                  </p:par>
+                  <p:par>
+                    <p:cTn id="33" fill="hold">
+                      <p:stCondLst>
+                        <p:cond delay="indefinite"/>
+                      </p:stCondLst>
+                      <p:childTnLst>
+                        <p:par>
+                          <p:cTn id="34" fill="hold">
+                            <p:stCondLst>
+                              <p:cond delay="0"/>
+                            </p:stCondLst>
+                            <p:childTnLst>
+                              <p:par>
+                                <p:cTn id="35" presetID="10" presetClass="entr" presetSubtype="0" fill="hold" nodeType="clickEffect">
+                                  <p:stCondLst>
+                                    <p:cond delay="0"/>
+                                  </p:stCondLst>
+                                  <p:childTnLst>
+                                    <p:set>
+                                      <p:cBhvr>
+                                        <p:cTn id="36" dur="1" fill="hold">
+                                          <p:stCondLst>
+                                            <p:cond delay="0"/>
+                                          </p:stCondLst>
+                                        </p:cTn>
+                                        <p:tgtEl>
+                                          <p:spTgt spid="96">
+                                            <p:txEl>
+                                              <p:pRg st="9" end="9"/>
+                                            </p:txEl>
+                                          </p:spTgt>
+                                        </p:tgtEl>
+                                        <p:attrNameLst>
+                                          <p:attrName>style.visibility</p:attrName>
+                                        </p:attrNameLst>
+                                      </p:cBhvr>
+                                      <p:to>
+                                        <p:strVal val="visible"/>
+                                      </p:to>
+                                    </p:set>
+                                    <p:animEffect transition="in" filter="fade">
+                                      <p:cBhvr>
+                                        <p:cTn id="37" dur="1000"/>
+                                        <p:tgtEl>
+                                          <p:spTgt spid="96">
+                                            <p:txEl>
+                                              <p:pRg st="9" end="9"/>
+                                            </p:txEl>
+                                          </p:spTgt>
+                                        </p:tgtEl>
+                                      </p:cBhvr>
+                                    </p:animEffect>
+                                  </p:childTnLst>
+                                </p:cTn>
+                              </p:par>
+                            </p:childTnLst>
+                          </p:cTn>
+                        </p:par>
+                      </p:childTnLst>
+                    </p:cTn>
+                  </p:par>
+                </p:childTnLst>
+              </p:cTn>
+              <p:prevCondLst>
+                <p:cond evt="onPrev" delay="0">
+                  <p:tgtEl>
+                    <p:sldTgt/>
+                  </p:tgtEl>
+                </p:cond>
+              </p:prevCondLst>
+              <p:nextCondLst>
+                <p:cond evt="onNext" delay="0">
+                  <p:tgtEl>
+                    <p:sldTgt/>
+                  </p:tgtEl>
+                </p:cond>
+              </p:nextCondLst>
+            </p:seq>
+          </p:childTnLst>
+        </p:cTn>
+      </p:par>
+    </p:tnLst>
+  </p:timing>
 </p:sld>
 </file>
 
@@ -23850,7 +24218,7 @@
                   <a:srgbClr val="E46102"/>
                 </a:solidFill>
               </a:rPr>
-              <a:t>Build a model - 2</a:t>
+              <a:t>Build a model - 1</a:t>
             </a:r>
             <a:endParaRPr sz="4000" b="1" dirty="0">
               <a:solidFill>
@@ -23889,58 +24257,322 @@
               <a:buSzPct val="100000"/>
               <a:buChar char="●"/>
             </a:pPr>
+            <a:r>
+              <a:rPr lang="en-US" sz="2000" dirty="0"/>
+              <a:t>Housing prices in CA</a:t>
+            </a:r>
+          </a:p>
+          <a:p>
+            <a:pPr marL="609585" indent="-507987">
+              <a:buSzPct val="100000"/>
+              <a:buChar char="●"/>
+            </a:pPr>
             <a:endParaRPr lang="en-US" sz="2000" dirty="0"/>
           </a:p>
           <a:p>
-            <a:pPr marL="558798" indent="-457200">
+            <a:pPr marL="609585" indent="-507987">
               <a:buSzPct val="100000"/>
-              <a:buFont typeface="+mj-lt"/>
-              <a:buAutoNum type="arabicPeriod"/>
+              <a:buChar char="●"/>
             </a:pPr>
             <a:r>
               <a:rPr lang="en-US" sz="2000" dirty="0"/>
-              <a:t>Frame the Problem.</a:t>
-            </a:r>
-          </a:p>
-          <a:p>
-            <a:pPr marL="558798" indent="-457200">
+              <a:t>Data : CA census data, it has metrics such as population, median income, median housing price, and so on for each block group in California</a:t>
+            </a:r>
+          </a:p>
+          <a:p>
+            <a:pPr marL="609585" indent="-507987">
               <a:buSzPct val="100000"/>
-              <a:buFont typeface="+mj-lt"/>
-              <a:buAutoNum type="arabicPeriod"/>
+              <a:buChar char="●"/>
             </a:pPr>
             <a:endParaRPr lang="en-US" sz="2000" dirty="0"/>
           </a:p>
           <a:p>
-            <a:pPr marL="558798" indent="-457200">
+            <a:pPr marL="609585" indent="-507987">
               <a:buSzPct val="100000"/>
-              <a:buFont typeface="+mj-lt"/>
-              <a:buAutoNum type="arabicPeriod"/>
+              <a:buChar char="●"/>
             </a:pPr>
             <a:r>
               <a:rPr lang="en-US" sz="2000" dirty="0"/>
-              <a:t>What is the current solution?</a:t>
-            </a:r>
-          </a:p>
-          <a:p>
-            <a:pPr marL="558798" indent="-457200">
+              <a:t>Goal: Predict median housing price in any district, given all the other metrics.</a:t>
+            </a:r>
+          </a:p>
+          <a:p>
+            <a:pPr marL="101598">
               <a:buSzPct val="100000"/>
-              <a:buFont typeface="+mj-lt"/>
-              <a:buAutoNum type="arabicPeriod"/>
             </a:pPr>
             <a:endParaRPr lang="en-US" sz="2000" dirty="0"/>
+          </a:p>
+        </p:txBody>
+      </p:sp>
+      <p:sp>
+        <p:nvSpPr>
+          <p:cNvPr id="2" name="TextBox 1">
+            <a:extLst>
+              <a:ext uri="{FF2B5EF4-FFF2-40B4-BE49-F238E27FC236}">
+                <a16:creationId xmlns:a16="http://schemas.microsoft.com/office/drawing/2014/main" id="{3873BCF4-993D-4D20-B935-D19D85DD376F}"/>
+              </a:ext>
+            </a:extLst>
+          </p:cNvPr>
+          <p:cNvSpPr txBox="1"/>
+          <p:nvPr/>
+        </p:nvSpPr>
+        <p:spPr>
+          <a:xfrm flipH="1">
+            <a:off x="3579575" y="4474249"/>
+            <a:ext cx="5032850" cy="461665"/>
+          </a:xfrm>
+          <a:prstGeom prst="rect">
+            <a:avLst/>
+          </a:prstGeom>
+          <a:solidFill>
+            <a:schemeClr val="accent1">
+              <a:lumMod val="40000"/>
+              <a:lumOff val="60000"/>
+            </a:schemeClr>
+          </a:solidFill>
+          <a:ln w="28575">
+            <a:solidFill>
+              <a:srgbClr val="E46102"/>
+            </a:solidFill>
+          </a:ln>
+        </p:spPr>
+        <p:txBody>
+          <a:bodyPr wrap="square" rtlCol="0">
+            <a:spAutoFit/>
+          </a:bodyPr>
+          <a:lstStyle/>
+          <a:p>
+            <a:pPr algn="ctr"/>
+            <a:r>
+              <a:rPr lang="en-US" dirty="0"/>
+              <a:t>What should you do next?</a:t>
+            </a:r>
           </a:p>
         </p:txBody>
       </p:sp>
     </p:spTree>
     <p:extLst>
       <p:ext uri="{BB962C8B-B14F-4D97-AF65-F5344CB8AC3E}">
-        <p14:creationId xmlns:p14="http://schemas.microsoft.com/office/powerpoint/2010/main" val="1911188984"/>
+        <p14:creationId xmlns:p14="http://schemas.microsoft.com/office/powerpoint/2010/main" val="2937816385"/>
       </p:ext>
     </p:extLst>
   </p:cSld>
   <p:clrMapOvr>
     <a:masterClrMapping/>
   </p:clrMapOvr>
+  <p:timing>
+    <p:tnLst>
+      <p:par>
+        <p:cTn id="1" dur="indefinite" restart="never" nodeType="tmRoot">
+          <p:childTnLst>
+            <p:seq concurrent="1" nextAc="seek">
+              <p:cTn id="2" dur="indefinite" nodeType="mainSeq">
+                <p:childTnLst>
+                  <p:par>
+                    <p:cTn id="3" fill="hold">
+                      <p:stCondLst>
+                        <p:cond delay="indefinite"/>
+                      </p:stCondLst>
+                      <p:childTnLst>
+                        <p:par>
+                          <p:cTn id="4" fill="hold">
+                            <p:stCondLst>
+                              <p:cond delay="0"/>
+                            </p:stCondLst>
+                            <p:childTnLst>
+                              <p:par>
+                                <p:cTn id="5" presetID="10" presetClass="entr" presetSubtype="0" fill="hold" nodeType="clickEffect">
+                                  <p:stCondLst>
+                                    <p:cond delay="0"/>
+                                  </p:stCondLst>
+                                  <p:childTnLst>
+                                    <p:set>
+                                      <p:cBhvr>
+                                        <p:cTn id="6" dur="1" fill="hold">
+                                          <p:stCondLst>
+                                            <p:cond delay="0"/>
+                                          </p:stCondLst>
+                                        </p:cTn>
+                                        <p:tgtEl>
+                                          <p:spTgt spid="96">
+                                            <p:txEl>
+                                              <p:pRg st="0" end="0"/>
+                                            </p:txEl>
+                                          </p:spTgt>
+                                        </p:tgtEl>
+                                        <p:attrNameLst>
+                                          <p:attrName>style.visibility</p:attrName>
+                                        </p:attrNameLst>
+                                      </p:cBhvr>
+                                      <p:to>
+                                        <p:strVal val="visible"/>
+                                      </p:to>
+                                    </p:set>
+                                    <p:animEffect transition="in" filter="fade">
+                                      <p:cBhvr>
+                                        <p:cTn id="7" dur="1000"/>
+                                        <p:tgtEl>
+                                          <p:spTgt spid="96">
+                                            <p:txEl>
+                                              <p:pRg st="0" end="0"/>
+                                            </p:txEl>
+                                          </p:spTgt>
+                                        </p:tgtEl>
+                                      </p:cBhvr>
+                                    </p:animEffect>
+                                  </p:childTnLst>
+                                </p:cTn>
+                              </p:par>
+                            </p:childTnLst>
+                          </p:cTn>
+                        </p:par>
+                      </p:childTnLst>
+                    </p:cTn>
+                  </p:par>
+                  <p:par>
+                    <p:cTn id="8" fill="hold">
+                      <p:stCondLst>
+                        <p:cond delay="indefinite"/>
+                      </p:stCondLst>
+                      <p:childTnLst>
+                        <p:par>
+                          <p:cTn id="9" fill="hold">
+                            <p:stCondLst>
+                              <p:cond delay="0"/>
+                            </p:stCondLst>
+                            <p:childTnLst>
+                              <p:par>
+                                <p:cTn id="10" presetID="10" presetClass="entr" presetSubtype="0" fill="hold" nodeType="clickEffect">
+                                  <p:stCondLst>
+                                    <p:cond delay="0"/>
+                                  </p:stCondLst>
+                                  <p:childTnLst>
+                                    <p:set>
+                                      <p:cBhvr>
+                                        <p:cTn id="11" dur="1" fill="hold">
+                                          <p:stCondLst>
+                                            <p:cond delay="0"/>
+                                          </p:stCondLst>
+                                        </p:cTn>
+                                        <p:tgtEl>
+                                          <p:spTgt spid="96">
+                                            <p:txEl>
+                                              <p:pRg st="2" end="2"/>
+                                            </p:txEl>
+                                          </p:spTgt>
+                                        </p:tgtEl>
+                                        <p:attrNameLst>
+                                          <p:attrName>style.visibility</p:attrName>
+                                        </p:attrNameLst>
+                                      </p:cBhvr>
+                                      <p:to>
+                                        <p:strVal val="visible"/>
+                                      </p:to>
+                                    </p:set>
+                                    <p:animEffect transition="in" filter="fade">
+                                      <p:cBhvr>
+                                        <p:cTn id="12" dur="1000"/>
+                                        <p:tgtEl>
+                                          <p:spTgt spid="96">
+                                            <p:txEl>
+                                              <p:pRg st="2" end="2"/>
+                                            </p:txEl>
+                                          </p:spTgt>
+                                        </p:tgtEl>
+                                      </p:cBhvr>
+                                    </p:animEffect>
+                                  </p:childTnLst>
+                                </p:cTn>
+                              </p:par>
+                            </p:childTnLst>
+                          </p:cTn>
+                        </p:par>
+                      </p:childTnLst>
+                    </p:cTn>
+                  </p:par>
+                  <p:par>
+                    <p:cTn id="13" fill="hold">
+                      <p:stCondLst>
+                        <p:cond delay="indefinite"/>
+                      </p:stCondLst>
+                      <p:childTnLst>
+                        <p:par>
+                          <p:cTn id="14" fill="hold">
+                            <p:stCondLst>
+                              <p:cond delay="0"/>
+                            </p:stCondLst>
+                            <p:childTnLst>
+                              <p:par>
+                                <p:cTn id="15" presetID="10" presetClass="entr" presetSubtype="0" fill="hold" nodeType="clickEffect">
+                                  <p:stCondLst>
+                                    <p:cond delay="0"/>
+                                  </p:stCondLst>
+                                  <p:childTnLst>
+                                    <p:set>
+                                      <p:cBhvr>
+                                        <p:cTn id="16" dur="1" fill="hold">
+                                          <p:stCondLst>
+                                            <p:cond delay="0"/>
+                                          </p:stCondLst>
+                                        </p:cTn>
+                                        <p:tgtEl>
+                                          <p:spTgt spid="96">
+                                            <p:txEl>
+                                              <p:pRg st="4" end="4"/>
+                                            </p:txEl>
+                                          </p:spTgt>
+                                        </p:tgtEl>
+                                        <p:attrNameLst>
+                                          <p:attrName>style.visibility</p:attrName>
+                                        </p:attrNameLst>
+                                      </p:cBhvr>
+                                      <p:to>
+                                        <p:strVal val="visible"/>
+                                      </p:to>
+                                    </p:set>
+                                    <p:animEffect transition="in" filter="fade">
+                                      <p:cBhvr>
+                                        <p:cTn id="17" dur="1000"/>
+                                        <p:tgtEl>
+                                          <p:spTgt spid="96">
+                                            <p:txEl>
+                                              <p:pRg st="4" end="4"/>
+                                            </p:txEl>
+                                          </p:spTgt>
+                                        </p:tgtEl>
+                                      </p:cBhvr>
+                                    </p:animEffect>
+                                  </p:childTnLst>
+                                </p:cTn>
+                              </p:par>
+                            </p:childTnLst>
+                          </p:cTn>
+                        </p:par>
+                      </p:childTnLst>
+                    </p:cTn>
+                  </p:par>
+                </p:childTnLst>
+              </p:cTn>
+              <p:prevCondLst>
+                <p:cond evt="onPrev" delay="0">
+                  <p:tgtEl>
+                    <p:sldTgt/>
+                  </p:tgtEl>
+                </p:cond>
+              </p:prevCondLst>
+              <p:nextCondLst>
+                <p:cond evt="onNext" delay="0">
+                  <p:tgtEl>
+                    <p:sldTgt/>
+                  </p:tgtEl>
+                </p:cond>
+              </p:nextCondLst>
+            </p:seq>
+          </p:childTnLst>
+        </p:cTn>
+      </p:par>
+    </p:tnLst>
+  </p:timing>
 </p:sld>
 </file>
 
@@ -24041,7 +24673,7 @@
             </a:pPr>
             <a:r>
               <a:rPr lang="en-US" sz="2000" dirty="0"/>
-              <a:t>Frame the Problem.</a:t>
+              <a:t>Frame the Problem</a:t>
             </a:r>
           </a:p>
           <a:p>
@@ -24051,128 +24683,13 @@
               <a:buAutoNum type="arabicPeriod"/>
             </a:pPr>
             <a:endParaRPr lang="en-US" sz="2000" dirty="0"/>
-          </a:p>
-          <a:p>
-            <a:pPr marL="558798" indent="-457200">
-              <a:buSzPct val="100000"/>
-              <a:buFont typeface="+mj-lt"/>
-              <a:buAutoNum type="arabicPeriod"/>
-            </a:pPr>
-            <a:r>
-              <a:rPr lang="en-US" sz="2000" dirty="0"/>
-              <a:t>What is the current solution?</a:t>
-            </a:r>
-          </a:p>
-          <a:p>
-            <a:pPr marL="558798" indent="-457200">
-              <a:buSzPct val="100000"/>
-              <a:buFont typeface="+mj-lt"/>
-              <a:buAutoNum type="arabicPeriod"/>
-            </a:pPr>
-            <a:endParaRPr lang="en-US" sz="2000" dirty="0"/>
-          </a:p>
-          <a:p>
-            <a:pPr marL="558798" indent="-457200">
-              <a:buSzPct val="100000"/>
-              <a:buFont typeface="+mj-lt"/>
-              <a:buAutoNum type="arabicPeriod"/>
-            </a:pPr>
-            <a:r>
-              <a:rPr lang="en-US" sz="2000" dirty="0"/>
-              <a:t>Start designing your system – </a:t>
-            </a:r>
-          </a:p>
-          <a:p>
-            <a:pPr marL="1168383" lvl="1" indent="-457200">
-              <a:buSzPct val="100000"/>
-              <a:buFont typeface="+mj-lt"/>
-              <a:buAutoNum type="arabicPeriod"/>
-            </a:pPr>
-            <a:r>
-              <a:rPr lang="en-US" sz="2000" dirty="0"/>
-              <a:t>Is it supervised, unsupervised, or reinforcement learning?</a:t>
-            </a:r>
-          </a:p>
-          <a:p>
-            <a:pPr marL="1168383" lvl="1" indent="-457200">
-              <a:buSzPct val="100000"/>
-              <a:buFont typeface="+mj-lt"/>
-              <a:buAutoNum type="arabicPeriod"/>
-            </a:pPr>
-            <a:r>
-              <a:rPr lang="en-US" sz="2000" dirty="0"/>
-              <a:t>Is it a classification, regression or some other task?</a:t>
-            </a:r>
-          </a:p>
-          <a:p>
-            <a:pPr marL="1168383" lvl="1" indent="-457200">
-              <a:buSzPct val="100000"/>
-              <a:buFont typeface="+mj-lt"/>
-              <a:buAutoNum type="arabicPeriod"/>
-            </a:pPr>
-            <a:r>
-              <a:rPr lang="en-US" sz="2000" dirty="0"/>
-              <a:t>Should you use batch or online learning?</a:t>
-            </a:r>
-          </a:p>
-          <a:p>
-            <a:pPr marL="101598">
-              <a:buSzPct val="100000"/>
-            </a:pPr>
-            <a:endParaRPr lang="en-US" sz="2000" dirty="0"/>
-          </a:p>
-        </p:txBody>
-      </p:sp>
-      <p:sp>
-        <p:nvSpPr>
-          <p:cNvPr id="2" name="TextBox 1">
-            <a:extLst>
-              <a:ext uri="{FF2B5EF4-FFF2-40B4-BE49-F238E27FC236}">
-                <a16:creationId xmlns:a16="http://schemas.microsoft.com/office/drawing/2014/main" id="{7CF50DEA-DA45-47E8-9F05-20DF72A22AF5}"/>
-              </a:ext>
-            </a:extLst>
-          </p:cNvPr>
-          <p:cNvSpPr txBox="1"/>
-          <p:nvPr/>
-        </p:nvSpPr>
-        <p:spPr>
-          <a:xfrm>
-            <a:off x="2992192" y="4314423"/>
-            <a:ext cx="5941453" cy="461665"/>
-          </a:xfrm>
-          <a:prstGeom prst="rect">
-            <a:avLst/>
-          </a:prstGeom>
-          <a:solidFill>
-            <a:schemeClr val="accent1">
-              <a:lumMod val="40000"/>
-              <a:lumOff val="60000"/>
-            </a:schemeClr>
-          </a:solidFill>
-          <a:ln w="28575">
-            <a:solidFill>
-              <a:srgbClr val="E46102"/>
-            </a:solidFill>
-          </a:ln>
-        </p:spPr>
-        <p:txBody>
-          <a:bodyPr wrap="square" rtlCol="0">
-            <a:spAutoFit/>
-          </a:bodyPr>
-          <a:lstStyle/>
-          <a:p>
-            <a:pPr algn="ctr"/>
-            <a:r>
-              <a:rPr lang="en-US" dirty="0"/>
-              <a:t>Lets Discuss</a:t>
-            </a:r>
           </a:p>
         </p:txBody>
       </p:sp>
     </p:spTree>
     <p:extLst>
       <p:ext uri="{BB962C8B-B14F-4D97-AF65-F5344CB8AC3E}">
-        <p14:creationId xmlns:p14="http://schemas.microsoft.com/office/powerpoint/2010/main" val="1919109643"/>
+        <p14:creationId xmlns:p14="http://schemas.microsoft.com/office/powerpoint/2010/main" val="2923327648"/>
       </p:ext>
     </p:extLst>
   </p:cSld>
@@ -24265,95 +24782,56 @@
           </a:bodyPr>
           <a:lstStyle/>
           <a:p>
-            <a:pPr lvl="0" algn="ctr">
-              <a:defRPr/>
-            </a:pPr>
-            <a:r>
-              <a:rPr lang="en-US" sz="2000" b="1" u="sng" dirty="0"/>
-              <a:t>One approach</a:t>
-            </a:r>
-          </a:p>
-          <a:p>
-            <a:pPr lvl="0">
-              <a:defRPr/>
+            <a:pPr marL="609585" indent="-507987">
+              <a:buSzPct val="100000"/>
+              <a:buChar char="●"/>
             </a:pPr>
             <a:endParaRPr lang="en-US" sz="2000" dirty="0"/>
           </a:p>
           <a:p>
-            <a:pPr lvl="0">
-              <a:defRPr/>
+            <a:pPr marL="558798" indent="-457200">
+              <a:buSzPct val="100000"/>
+              <a:buFont typeface="+mj-lt"/>
+              <a:buAutoNum type="arabicPeriod"/>
             </a:pPr>
             <a:r>
               <a:rPr lang="en-US" sz="2000" dirty="0"/>
-              <a:t>Supervised learning task - since you are given labeled training examples (each instance comes with the expected output, i.e., the district’s median housing price)</a:t>
-            </a:r>
-          </a:p>
-          <a:p>
-            <a:pPr lvl="0">
-              <a:defRPr/>
+              <a:t>Frame the Problem.</a:t>
+            </a:r>
+          </a:p>
+          <a:p>
+            <a:pPr marL="558798" indent="-457200">
+              <a:buSzPct val="100000"/>
+              <a:buFont typeface="+mj-lt"/>
+              <a:buAutoNum type="arabicPeriod"/>
             </a:pPr>
             <a:endParaRPr lang="en-US" sz="2000" dirty="0"/>
           </a:p>
           <a:p>
-            <a:pPr lvl="0">
-              <a:defRPr/>
+            <a:pPr marL="558798" indent="-457200">
+              <a:buSzPct val="100000"/>
+              <a:buFont typeface="+mj-lt"/>
+              <a:buAutoNum type="arabicPeriod"/>
             </a:pPr>
             <a:r>
               <a:rPr lang="en-US" sz="2000" dirty="0"/>
-              <a:t>Regression task, since you are asked to predict a value. </a:t>
-            </a:r>
-          </a:p>
-          <a:p>
-            <a:pPr lvl="0">
-              <a:defRPr/>
+              <a:t>What is the current solution?</a:t>
+            </a:r>
+          </a:p>
+          <a:p>
+            <a:pPr marL="558798" indent="-457200">
+              <a:buSzPct val="100000"/>
+              <a:buFont typeface="+mj-lt"/>
+              <a:buAutoNum type="arabicPeriod"/>
             </a:pPr>
             <a:endParaRPr lang="en-US" sz="2000" dirty="0"/>
-          </a:p>
-          <a:p>
-            <a:pPr lvl="0">
-              <a:defRPr/>
-            </a:pPr>
-            <a:r>
-              <a:rPr lang="en-US" sz="2000" dirty="0"/>
-              <a:t>More specifically, this is a multiple regression problem since the system will use multiple features to make a prediction (it will use the district’s population, the median income, etc.). </a:t>
-            </a:r>
-          </a:p>
-          <a:p>
-            <a:pPr lvl="0">
-              <a:defRPr/>
-            </a:pPr>
-            <a:endParaRPr lang="en-US" sz="2000" dirty="0"/>
-          </a:p>
-          <a:p>
-            <a:pPr lvl="0">
-              <a:defRPr/>
-            </a:pPr>
-            <a:r>
-              <a:rPr lang="en-US" sz="2000" dirty="0"/>
-              <a:t>It is also a univariate regression problem since we are only trying to predict a single value for each district. </a:t>
-            </a:r>
-          </a:p>
-          <a:p>
-            <a:pPr lvl="0">
-              <a:defRPr/>
-            </a:pPr>
-            <a:endParaRPr lang="en-US" sz="2000" dirty="0"/>
-          </a:p>
-          <a:p>
-            <a:pPr lvl="0">
-              <a:defRPr/>
-            </a:pPr>
-            <a:r>
-              <a:rPr lang="en-US" sz="2000" dirty="0"/>
-              <a:t>No continuous flow of data coming in the system, there is no particular need to adjust to changing data rapidly, and the data is small enough to fit in memory, so plain batch learning should do just fine.</a:t>
-            </a:r>
           </a:p>
         </p:txBody>
       </p:sp>
     </p:spTree>
     <p:extLst>
       <p:ext uri="{BB962C8B-B14F-4D97-AF65-F5344CB8AC3E}">
-        <p14:creationId xmlns:p14="http://schemas.microsoft.com/office/powerpoint/2010/main" val="1025045661"/>
+        <p14:creationId xmlns:p14="http://schemas.microsoft.com/office/powerpoint/2010/main" val="1911188984"/>
       </p:ext>
     </p:extLst>
   </p:cSld>
@@ -24535,42 +25013,63 @@
             </a:r>
           </a:p>
           <a:p>
-            <a:pPr marL="711183" lvl="1">
-              <a:buSzPct val="100000"/>
-            </a:pPr>
-            <a:endParaRPr lang="en-US" sz="2000" dirty="0"/>
-          </a:p>
-          <a:p>
-            <a:pPr marL="558798" indent="-457200">
-              <a:buSzPct val="100000"/>
-              <a:buFont typeface="+mj-lt"/>
-              <a:buAutoNum type="arabicPeriod"/>
-            </a:pPr>
-            <a:r>
-              <a:rPr lang="en-US" sz="2000" dirty="0"/>
-              <a:t>Select a Model Performance measure</a:t>
-            </a:r>
-          </a:p>
-          <a:p>
-            <a:pPr marL="1777968" lvl="2" indent="-457200">
-              <a:buSzPct val="100000"/>
-              <a:buFont typeface="Arial" panose="020B0604020202020204" pitchFamily="34" charset="0"/>
-              <a:buChar char="•"/>
-            </a:pPr>
-            <a:endParaRPr lang="en-US" sz="2000" dirty="0"/>
-          </a:p>
-          <a:p>
             <a:pPr marL="101598">
               <a:buSzPct val="100000"/>
             </a:pPr>
             <a:endParaRPr lang="en-US" sz="2000" dirty="0"/>
+          </a:p>
+        </p:txBody>
+      </p:sp>
+      <p:sp>
+        <p:nvSpPr>
+          <p:cNvPr id="2" name="TextBox 1">
+            <a:extLst>
+              <a:ext uri="{FF2B5EF4-FFF2-40B4-BE49-F238E27FC236}">
+                <a16:creationId xmlns:a16="http://schemas.microsoft.com/office/drawing/2014/main" id="{7CF50DEA-DA45-47E8-9F05-20DF72A22AF5}"/>
+              </a:ext>
+            </a:extLst>
+          </p:cNvPr>
+          <p:cNvSpPr txBox="1"/>
+          <p:nvPr/>
+        </p:nvSpPr>
+        <p:spPr>
+          <a:xfrm>
+            <a:off x="2992192" y="4314423"/>
+            <a:ext cx="5941453" cy="461665"/>
+          </a:xfrm>
+          <a:prstGeom prst="rect">
+            <a:avLst/>
+          </a:prstGeom>
+          <a:solidFill>
+            <a:schemeClr val="accent1">
+              <a:lumMod val="40000"/>
+              <a:lumOff val="60000"/>
+            </a:schemeClr>
+          </a:solidFill>
+          <a:ln w="28575">
+            <a:solidFill>
+              <a:srgbClr val="E46102"/>
+            </a:solidFill>
+          </a:ln>
+        </p:spPr>
+        <p:txBody>
+          <a:bodyPr wrap="square" rtlCol="0">
+            <a:spAutoFit/>
+          </a:bodyPr>
+          <a:lstStyle/>
+          <a:p>
+            <a:pPr algn="ctr"/>
+            <a:r>
+              <a:rPr lang="en-US" dirty="0"/>
+              <a:t>Lets Discuss</a:t>
+            </a:r>
           </a:p>
         </p:txBody>
       </p:sp>
     </p:spTree>
     <p:extLst>
       <p:ext uri="{BB962C8B-B14F-4D97-AF65-F5344CB8AC3E}">
-        <p14:creationId xmlns:p14="http://schemas.microsoft.com/office/powerpoint/2010/main" val="2179181233"/>
+        <p14:creationId xmlns:p14="http://schemas.microsoft.com/office/powerpoint/2010/main" val="1919109643"/>
       </p:ext>
     </p:extLst>
   </p:cSld>
@@ -24646,6 +25145,404 @@
         </p:nvSpPr>
         <p:spPr>
           <a:xfrm>
+            <a:off x="521776" y="1137532"/>
+            <a:ext cx="11277600" cy="5198874"/>
+          </a:xfrm>
+          <a:prstGeom prst="rect">
+            <a:avLst/>
+          </a:prstGeom>
+          <a:noFill/>
+          <a:ln>
+            <a:noFill/>
+          </a:ln>
+        </p:spPr>
+        <p:txBody>
+          <a:bodyPr spcFirstLastPara="1" wrap="square" lIns="121900" tIns="121900" rIns="121900" bIns="121900" anchor="t" anchorCtr="0">
+            <a:noAutofit/>
+          </a:bodyPr>
+          <a:lstStyle/>
+          <a:p>
+            <a:pPr lvl="0" algn="ctr">
+              <a:defRPr/>
+            </a:pPr>
+            <a:r>
+              <a:rPr lang="en-US" sz="2000" b="1" u="sng" dirty="0"/>
+              <a:t>One approach</a:t>
+            </a:r>
+          </a:p>
+          <a:p>
+            <a:pPr lvl="0">
+              <a:defRPr/>
+            </a:pPr>
+            <a:endParaRPr lang="en-US" sz="2000" dirty="0"/>
+          </a:p>
+          <a:p>
+            <a:pPr lvl="0">
+              <a:defRPr/>
+            </a:pPr>
+            <a:r>
+              <a:rPr lang="en-US" sz="2000" dirty="0"/>
+              <a:t>Supervised learning task - since you are given labeled training examples (each instance comes with the expected output, i.e., the district’s median housing price)</a:t>
+            </a:r>
+          </a:p>
+          <a:p>
+            <a:pPr lvl="0">
+              <a:defRPr/>
+            </a:pPr>
+            <a:endParaRPr lang="en-US" sz="2000" dirty="0"/>
+          </a:p>
+          <a:p>
+            <a:pPr lvl="0">
+              <a:defRPr/>
+            </a:pPr>
+            <a:r>
+              <a:rPr lang="en-US" sz="2000" dirty="0"/>
+              <a:t>Regression task, since you are asked to predict a value. </a:t>
+            </a:r>
+          </a:p>
+          <a:p>
+            <a:pPr lvl="0">
+              <a:defRPr/>
+            </a:pPr>
+            <a:endParaRPr lang="en-US" sz="2000" dirty="0"/>
+          </a:p>
+          <a:p>
+            <a:pPr lvl="0">
+              <a:defRPr/>
+            </a:pPr>
+            <a:r>
+              <a:rPr lang="en-US" sz="2000" dirty="0"/>
+              <a:t>More specifically, this is a multiple regression problem since the system will use multiple features to make a prediction (it will use the district’s population, the median income, etc.). </a:t>
+            </a:r>
+          </a:p>
+          <a:p>
+            <a:pPr lvl="0">
+              <a:defRPr/>
+            </a:pPr>
+            <a:endParaRPr lang="en-US" sz="2000" dirty="0"/>
+          </a:p>
+          <a:p>
+            <a:pPr lvl="0">
+              <a:defRPr/>
+            </a:pPr>
+            <a:r>
+              <a:rPr lang="en-US" sz="2000" dirty="0"/>
+              <a:t>It is also a univariate regression problem since we are only trying to predict a single value for each district. </a:t>
+            </a:r>
+          </a:p>
+          <a:p>
+            <a:pPr lvl="0">
+              <a:defRPr/>
+            </a:pPr>
+            <a:endParaRPr lang="en-US" sz="2000" dirty="0"/>
+          </a:p>
+          <a:p>
+            <a:pPr lvl="0">
+              <a:defRPr/>
+            </a:pPr>
+            <a:r>
+              <a:rPr lang="en-US" sz="2000" dirty="0"/>
+              <a:t>No continuous flow of data coming in the system, there is no particular need to adjust to changing data rapidly, and the data is small enough to fit in memory, so plain batch learning should do just fine.</a:t>
+            </a:r>
+          </a:p>
+        </p:txBody>
+      </p:sp>
+    </p:spTree>
+    <p:extLst>
+      <p:ext uri="{BB962C8B-B14F-4D97-AF65-F5344CB8AC3E}">
+        <p14:creationId xmlns:p14="http://schemas.microsoft.com/office/powerpoint/2010/main" val="1025045661"/>
+      </p:ext>
+    </p:extLst>
+  </p:cSld>
+  <p:clrMapOvr>
+    <a:masterClrMapping/>
+  </p:clrMapOvr>
+</p:sld>
+</file>
+
+<file path=ppt/slides/slide38.xml><?xml version="1.0" encoding="utf-8"?>
+<p:sld xmlns:a="http://schemas.openxmlformats.org/drawingml/2006/main" xmlns:r="http://schemas.openxmlformats.org/officeDocument/2006/relationships" xmlns:p="http://schemas.openxmlformats.org/presentationml/2006/main">
+  <p:cSld>
+    <p:spTree>
+      <p:nvGrpSpPr>
+        <p:cNvPr id="1" name="Shape 94"/>
+        <p:cNvGrpSpPr/>
+        <p:nvPr/>
+      </p:nvGrpSpPr>
+      <p:grpSpPr>
+        <a:xfrm>
+          <a:off x="0" y="0"/>
+          <a:ext cx="0" cy="0"/>
+          <a:chOff x="0" y="0"/>
+          <a:chExt cx="0" cy="0"/>
+        </a:xfrm>
+      </p:grpSpPr>
+      <p:sp>
+        <p:nvSpPr>
+          <p:cNvPr id="95" name="Google Shape;95;p14"/>
+          <p:cNvSpPr txBox="1">
+            <a:spLocks noGrp="1"/>
+          </p:cNvSpPr>
+          <p:nvPr>
+            <p:ph type="title" idx="4294967295"/>
+          </p:nvPr>
+        </p:nvSpPr>
+        <p:spPr>
+          <a:xfrm>
+            <a:off x="717173" y="559537"/>
+            <a:ext cx="10972800" cy="506789"/>
+          </a:xfrm>
+          <a:prstGeom prst="rect">
+            <a:avLst/>
+          </a:prstGeom>
+        </p:spPr>
+        <p:txBody>
+          <a:bodyPr spcFirstLastPara="1" wrap="square" lIns="121900" tIns="121900" rIns="121900" bIns="121900" anchor="ctr" anchorCtr="0">
+            <a:noAutofit/>
+          </a:bodyPr>
+          <a:lstStyle/>
+          <a:p>
+            <a:r>
+              <a:rPr lang="en-US" sz="4000" b="1" dirty="0">
+                <a:solidFill>
+                  <a:srgbClr val="E46102"/>
+                </a:solidFill>
+              </a:rPr>
+              <a:t>Build a model - 2</a:t>
+            </a:r>
+            <a:endParaRPr sz="4000" b="1" dirty="0">
+              <a:solidFill>
+                <a:srgbClr val="E46102"/>
+              </a:solidFill>
+            </a:endParaRPr>
+          </a:p>
+        </p:txBody>
+      </p:sp>
+      <p:sp>
+        <p:nvSpPr>
+          <p:cNvPr id="96" name="Google Shape;96;p14"/>
+          <p:cNvSpPr txBox="1"/>
+          <p:nvPr/>
+        </p:nvSpPr>
+        <p:spPr>
+          <a:xfrm>
+            <a:off x="521776" y="1137532"/>
+            <a:ext cx="11277600" cy="5198874"/>
+          </a:xfrm>
+          <a:prstGeom prst="rect">
+            <a:avLst/>
+          </a:prstGeom>
+          <a:noFill/>
+          <a:ln>
+            <a:noFill/>
+          </a:ln>
+        </p:spPr>
+        <p:txBody>
+          <a:bodyPr spcFirstLastPara="1" wrap="square" lIns="121900" tIns="121900" rIns="121900" bIns="121900" anchor="t" anchorCtr="0">
+            <a:noAutofit/>
+          </a:bodyPr>
+          <a:lstStyle/>
+          <a:p>
+            <a:pPr marL="609585" indent="-507987">
+              <a:buSzPct val="100000"/>
+              <a:buChar char="●"/>
+            </a:pPr>
+            <a:endParaRPr lang="en-US" sz="2000" dirty="0"/>
+          </a:p>
+          <a:p>
+            <a:pPr marL="558798" indent="-457200">
+              <a:buSzPct val="100000"/>
+              <a:buFont typeface="+mj-lt"/>
+              <a:buAutoNum type="arabicPeriod"/>
+            </a:pPr>
+            <a:r>
+              <a:rPr lang="en-US" sz="2000" dirty="0"/>
+              <a:t>Frame the Problem.</a:t>
+            </a:r>
+          </a:p>
+          <a:p>
+            <a:pPr marL="558798" indent="-457200">
+              <a:buSzPct val="100000"/>
+              <a:buFont typeface="+mj-lt"/>
+              <a:buAutoNum type="arabicPeriod"/>
+            </a:pPr>
+            <a:endParaRPr lang="en-US" sz="2000" dirty="0"/>
+          </a:p>
+          <a:p>
+            <a:pPr marL="558798" indent="-457200">
+              <a:buSzPct val="100000"/>
+              <a:buFont typeface="+mj-lt"/>
+              <a:buAutoNum type="arabicPeriod"/>
+            </a:pPr>
+            <a:r>
+              <a:rPr lang="en-US" sz="2000" dirty="0"/>
+              <a:t>What is the current solution?</a:t>
+            </a:r>
+          </a:p>
+          <a:p>
+            <a:pPr marL="558798" indent="-457200">
+              <a:buSzPct val="100000"/>
+              <a:buFont typeface="+mj-lt"/>
+              <a:buAutoNum type="arabicPeriod"/>
+            </a:pPr>
+            <a:endParaRPr lang="en-US" sz="2000" dirty="0"/>
+          </a:p>
+          <a:p>
+            <a:pPr marL="558798" indent="-457200">
+              <a:buSzPct val="100000"/>
+              <a:buFont typeface="+mj-lt"/>
+              <a:buAutoNum type="arabicPeriod"/>
+            </a:pPr>
+            <a:r>
+              <a:rPr lang="en-US" sz="2000" dirty="0"/>
+              <a:t>Start designing your system – </a:t>
+            </a:r>
+          </a:p>
+          <a:p>
+            <a:pPr marL="1168383" lvl="1" indent="-457200">
+              <a:buSzPct val="100000"/>
+              <a:buFont typeface="+mj-lt"/>
+              <a:buAutoNum type="arabicPeriod"/>
+            </a:pPr>
+            <a:r>
+              <a:rPr lang="en-US" sz="2000" dirty="0"/>
+              <a:t>Is it supervised, unsupervised, or reinforcement learning?</a:t>
+            </a:r>
+          </a:p>
+          <a:p>
+            <a:pPr marL="1168383" lvl="1" indent="-457200">
+              <a:buSzPct val="100000"/>
+              <a:buFont typeface="+mj-lt"/>
+              <a:buAutoNum type="arabicPeriod"/>
+            </a:pPr>
+            <a:r>
+              <a:rPr lang="en-US" sz="2000" dirty="0"/>
+              <a:t>Is it a classification, regression or some other task?</a:t>
+            </a:r>
+          </a:p>
+          <a:p>
+            <a:pPr marL="1168383" lvl="1" indent="-457200">
+              <a:buSzPct val="100000"/>
+              <a:buFont typeface="+mj-lt"/>
+              <a:buAutoNum type="arabicPeriod"/>
+            </a:pPr>
+            <a:r>
+              <a:rPr lang="en-US" sz="2000" dirty="0"/>
+              <a:t>Should you use batch or online learning?</a:t>
+            </a:r>
+          </a:p>
+          <a:p>
+            <a:pPr marL="711183" lvl="1">
+              <a:buSzPct val="100000"/>
+            </a:pPr>
+            <a:endParaRPr lang="en-US" sz="2000" dirty="0"/>
+          </a:p>
+          <a:p>
+            <a:pPr marL="558798" indent="-457200">
+              <a:buSzPct val="100000"/>
+              <a:buFont typeface="+mj-lt"/>
+              <a:buAutoNum type="arabicPeriod"/>
+            </a:pPr>
+            <a:r>
+              <a:rPr lang="en-US" sz="2000" dirty="0"/>
+              <a:t>Select a Model Performance measure</a:t>
+            </a:r>
+          </a:p>
+          <a:p>
+            <a:pPr marL="1777968" lvl="2" indent="-457200">
+              <a:buSzPct val="100000"/>
+              <a:buFont typeface="Arial" panose="020B0604020202020204" pitchFamily="34" charset="0"/>
+              <a:buChar char="•"/>
+            </a:pPr>
+            <a:endParaRPr lang="en-US" sz="2000" dirty="0"/>
+          </a:p>
+          <a:p>
+            <a:pPr marL="101598">
+              <a:buSzPct val="100000"/>
+            </a:pPr>
+            <a:endParaRPr lang="en-US" sz="2000" dirty="0"/>
+          </a:p>
+        </p:txBody>
+      </p:sp>
+    </p:spTree>
+    <p:extLst>
+      <p:ext uri="{BB962C8B-B14F-4D97-AF65-F5344CB8AC3E}">
+        <p14:creationId xmlns:p14="http://schemas.microsoft.com/office/powerpoint/2010/main" val="2179181233"/>
+      </p:ext>
+    </p:extLst>
+  </p:cSld>
+  <p:clrMapOvr>
+    <a:masterClrMapping/>
+  </p:clrMapOvr>
+</p:sld>
+</file>
+
+<file path=ppt/slides/slide39.xml><?xml version="1.0" encoding="utf-8"?>
+<p:sld xmlns:a="http://schemas.openxmlformats.org/drawingml/2006/main" xmlns:r="http://schemas.openxmlformats.org/officeDocument/2006/relationships" xmlns:p="http://schemas.openxmlformats.org/presentationml/2006/main">
+  <p:cSld>
+    <p:spTree>
+      <p:nvGrpSpPr>
+        <p:cNvPr id="1" name="Shape 94"/>
+        <p:cNvGrpSpPr/>
+        <p:nvPr/>
+      </p:nvGrpSpPr>
+      <p:grpSpPr>
+        <a:xfrm>
+          <a:off x="0" y="0"/>
+          <a:ext cx="0" cy="0"/>
+          <a:chOff x="0" y="0"/>
+          <a:chExt cx="0" cy="0"/>
+        </a:xfrm>
+      </p:grpSpPr>
+      <p:sp>
+        <p:nvSpPr>
+          <p:cNvPr id="95" name="Google Shape;95;p14"/>
+          <p:cNvSpPr txBox="1">
+            <a:spLocks noGrp="1"/>
+          </p:cNvSpPr>
+          <p:nvPr>
+            <p:ph type="title" idx="4294967295"/>
+          </p:nvPr>
+        </p:nvSpPr>
+        <p:spPr>
+          <a:xfrm>
+            <a:off x="717173" y="559537"/>
+            <a:ext cx="10972800" cy="506789"/>
+          </a:xfrm>
+          <a:prstGeom prst="rect">
+            <a:avLst/>
+          </a:prstGeom>
+        </p:spPr>
+        <p:txBody>
+          <a:bodyPr spcFirstLastPara="1" wrap="square" lIns="121900" tIns="121900" rIns="121900" bIns="121900" anchor="ctr" anchorCtr="0">
+            <a:noAutofit/>
+          </a:bodyPr>
+          <a:lstStyle/>
+          <a:p>
+            <a:r>
+              <a:rPr lang="en-US" sz="4000" b="1" dirty="0">
+                <a:solidFill>
+                  <a:srgbClr val="E46102"/>
+                </a:solidFill>
+              </a:rPr>
+              <a:t>Build a model - 2</a:t>
+            </a:r>
+            <a:endParaRPr sz="4000" b="1" dirty="0">
+              <a:solidFill>
+                <a:srgbClr val="E46102"/>
+              </a:solidFill>
+            </a:endParaRPr>
+          </a:p>
+        </p:txBody>
+      </p:sp>
+      <p:sp>
+        <p:nvSpPr>
+          <p:cNvPr id="96" name="Google Shape;96;p14"/>
+          <p:cNvSpPr txBox="1"/>
+          <p:nvPr/>
+        </p:nvSpPr>
+        <p:spPr>
+          <a:xfrm>
             <a:off x="1034394" y="1137532"/>
             <a:ext cx="10252364" cy="5198874"/>
           </a:xfrm>
@@ -24951,7 +25848,376 @@
 </p:sld>
 </file>
 
-<file path=ppt/slides/slide38.xml><?xml version="1.0" encoding="utf-8"?>
+<file path=ppt/slides/slide4.xml><?xml version="1.0" encoding="utf-8"?>
+<p:sld xmlns:a="http://schemas.openxmlformats.org/drawingml/2006/main" xmlns:r="http://schemas.openxmlformats.org/officeDocument/2006/relationships" xmlns:p="http://schemas.openxmlformats.org/presentationml/2006/main">
+  <p:cSld>
+    <p:spTree>
+      <p:nvGrpSpPr>
+        <p:cNvPr id="1" name="Shape 94"/>
+        <p:cNvGrpSpPr/>
+        <p:nvPr/>
+      </p:nvGrpSpPr>
+      <p:grpSpPr>
+        <a:xfrm>
+          <a:off x="0" y="0"/>
+          <a:ext cx="0" cy="0"/>
+          <a:chOff x="0" y="0"/>
+          <a:chExt cx="0" cy="0"/>
+        </a:xfrm>
+      </p:grpSpPr>
+      <p:sp>
+        <p:nvSpPr>
+          <p:cNvPr id="95" name="Google Shape;95;p14"/>
+          <p:cNvSpPr txBox="1">
+            <a:spLocks noGrp="1"/>
+          </p:cNvSpPr>
+          <p:nvPr>
+            <p:ph type="title" idx="4294967295"/>
+          </p:nvPr>
+        </p:nvSpPr>
+        <p:spPr>
+          <a:xfrm>
+            <a:off x="717173" y="559537"/>
+            <a:ext cx="10972800" cy="506789"/>
+          </a:xfrm>
+          <a:prstGeom prst="rect">
+            <a:avLst/>
+          </a:prstGeom>
+        </p:spPr>
+        <p:txBody>
+          <a:bodyPr spcFirstLastPara="1" wrap="square" lIns="121900" tIns="121900" rIns="121900" bIns="121900" anchor="ctr" anchorCtr="0">
+            <a:noAutofit/>
+          </a:bodyPr>
+          <a:lstStyle/>
+          <a:p>
+            <a:r>
+              <a:rPr lang="en-US" sz="4000" b="1" dirty="0">
+                <a:solidFill>
+                  <a:srgbClr val="E46102"/>
+                </a:solidFill>
+              </a:rPr>
+              <a:t>Types of Machine Learning </a:t>
+            </a:r>
+            <a:r>
+              <a:rPr lang="en-US" sz="4000" b="1" u="sng" dirty="0">
+                <a:solidFill>
+                  <a:srgbClr val="E46102"/>
+                </a:solidFill>
+              </a:rPr>
+              <a:t>Systems</a:t>
+            </a:r>
+            <a:endParaRPr sz="4000" b="1" u="sng" dirty="0">
+              <a:solidFill>
+                <a:srgbClr val="E46102"/>
+              </a:solidFill>
+            </a:endParaRPr>
+          </a:p>
+        </p:txBody>
+      </p:sp>
+      <p:sp>
+        <p:nvSpPr>
+          <p:cNvPr id="7" name="Google Shape;96;p14">
+            <a:extLst>
+              <a:ext uri="{FF2B5EF4-FFF2-40B4-BE49-F238E27FC236}">
+                <a16:creationId xmlns:a16="http://schemas.microsoft.com/office/drawing/2014/main" id="{8C6EEC46-F378-4AE6-9BE9-CB7DD17A2827}"/>
+              </a:ext>
+            </a:extLst>
+          </p:cNvPr>
+          <p:cNvSpPr txBox="1"/>
+          <p:nvPr/>
+        </p:nvSpPr>
+        <p:spPr>
+          <a:xfrm>
+            <a:off x="521776" y="1137531"/>
+            <a:ext cx="11277600" cy="5104427"/>
+          </a:xfrm>
+          <a:prstGeom prst="rect">
+            <a:avLst/>
+          </a:prstGeom>
+          <a:noFill/>
+          <a:ln>
+            <a:noFill/>
+          </a:ln>
+        </p:spPr>
+        <p:txBody>
+          <a:bodyPr spcFirstLastPara="1" wrap="square" lIns="121900" tIns="121900" rIns="121900" bIns="121900" anchor="t" anchorCtr="0">
+            <a:noAutofit/>
+          </a:bodyPr>
+          <a:lstStyle/>
+          <a:p>
+            <a:pPr marL="342900" indent="-342900">
+              <a:buFontTx/>
+              <a:buChar char="-"/>
+            </a:pPr>
+            <a:r>
+              <a:rPr lang="en-US" dirty="0"/>
+              <a:t>Whether or not they are trained with human supervision (Supervised, Unsupervised, Semi-supervised, and Reinforcement Learning)</a:t>
+            </a:r>
+          </a:p>
+          <a:p>
+            <a:pPr marL="342900" indent="-342900">
+              <a:buFontTx/>
+              <a:buChar char="-"/>
+            </a:pPr>
+            <a:endParaRPr lang="en-US" dirty="0"/>
+          </a:p>
+          <a:p>
+            <a:pPr marL="342900" indent="-342900">
+              <a:buFontTx/>
+              <a:buChar char="-"/>
+            </a:pPr>
+            <a:r>
+              <a:rPr lang="en-US" dirty="0"/>
+              <a:t>Whether or not they can learn incrementally on the fly (online versus batch learning)</a:t>
+            </a:r>
+          </a:p>
+          <a:p>
+            <a:pPr marL="342900" indent="-342900">
+              <a:buFontTx/>
+              <a:buChar char="-"/>
+            </a:pPr>
+            <a:endParaRPr lang="en-US" dirty="0"/>
+          </a:p>
+          <a:p>
+            <a:pPr marL="342900" indent="-342900">
+              <a:buFontTx/>
+              <a:buChar char="-"/>
+            </a:pPr>
+            <a:r>
+              <a:rPr lang="en-US" dirty="0"/>
+              <a:t>Whether they work by simply comparing new data points to known data points, or instead detect patterns in the training data and build a predictive model, much like scientists do (instance-based versus model-based learning).</a:t>
+            </a:r>
+            <a:endParaRPr sz="3200" dirty="0"/>
+          </a:p>
+        </p:txBody>
+      </p:sp>
+    </p:spTree>
+    <p:extLst>
+      <p:ext uri="{BB962C8B-B14F-4D97-AF65-F5344CB8AC3E}">
+        <p14:creationId xmlns:p14="http://schemas.microsoft.com/office/powerpoint/2010/main" val="1867217539"/>
+      </p:ext>
+    </p:extLst>
+  </p:cSld>
+  <p:clrMapOvr>
+    <a:masterClrMapping/>
+  </p:clrMapOvr>
+  <p:timing>
+    <p:tnLst>
+      <p:par>
+        <p:cTn id="1" dur="indefinite" restart="never" nodeType="tmRoot">
+          <p:childTnLst>
+            <p:seq concurrent="1" nextAc="seek">
+              <p:cTn id="2" dur="indefinite" nodeType="mainSeq">
+                <p:childTnLst>
+                  <p:par>
+                    <p:cTn id="3" fill="hold">
+                      <p:stCondLst>
+                        <p:cond delay="indefinite"/>
+                      </p:stCondLst>
+                      <p:childTnLst>
+                        <p:par>
+                          <p:cTn id="4" fill="hold">
+                            <p:stCondLst>
+                              <p:cond delay="0"/>
+                            </p:stCondLst>
+                            <p:childTnLst>
+                              <p:par>
+                                <p:cTn id="5" presetID="10" presetClass="entr" presetSubtype="0" fill="hold" nodeType="clickEffect">
+                                  <p:stCondLst>
+                                    <p:cond delay="0"/>
+                                  </p:stCondLst>
+                                  <p:childTnLst>
+                                    <p:set>
+                                      <p:cBhvr>
+                                        <p:cTn id="6" dur="1" fill="hold">
+                                          <p:stCondLst>
+                                            <p:cond delay="0"/>
+                                          </p:stCondLst>
+                                        </p:cTn>
+                                        <p:tgtEl>
+                                          <p:spTgt spid="7">
+                                            <p:txEl>
+                                              <p:pRg st="0" end="0"/>
+                                            </p:txEl>
+                                          </p:spTgt>
+                                        </p:tgtEl>
+                                        <p:attrNameLst>
+                                          <p:attrName>style.visibility</p:attrName>
+                                        </p:attrNameLst>
+                                      </p:cBhvr>
+                                      <p:to>
+                                        <p:strVal val="visible"/>
+                                      </p:to>
+                                    </p:set>
+                                    <p:animEffect transition="in" filter="fade">
+                                      <p:cBhvr>
+                                        <p:cTn id="7" dur="1000"/>
+                                        <p:tgtEl>
+                                          <p:spTgt spid="7">
+                                            <p:txEl>
+                                              <p:pRg st="0" end="0"/>
+                                            </p:txEl>
+                                          </p:spTgt>
+                                        </p:tgtEl>
+                                      </p:cBhvr>
+                                    </p:animEffect>
+                                  </p:childTnLst>
+                                </p:cTn>
+                              </p:par>
+                            </p:childTnLst>
+                          </p:cTn>
+                        </p:par>
+                      </p:childTnLst>
+                    </p:cTn>
+                  </p:par>
+                  <p:par>
+                    <p:cTn id="8" fill="hold">
+                      <p:stCondLst>
+                        <p:cond delay="indefinite"/>
+                      </p:stCondLst>
+                      <p:childTnLst>
+                        <p:par>
+                          <p:cTn id="9" fill="hold">
+                            <p:stCondLst>
+                              <p:cond delay="0"/>
+                            </p:stCondLst>
+                            <p:childTnLst>
+                              <p:par>
+                                <p:cTn id="10" presetID="10" presetClass="entr" presetSubtype="0" fill="hold" nodeType="clickEffect">
+                                  <p:stCondLst>
+                                    <p:cond delay="0"/>
+                                  </p:stCondLst>
+                                  <p:childTnLst>
+                                    <p:set>
+                                      <p:cBhvr>
+                                        <p:cTn id="11" dur="1" fill="hold">
+                                          <p:stCondLst>
+                                            <p:cond delay="0"/>
+                                          </p:stCondLst>
+                                        </p:cTn>
+                                        <p:tgtEl>
+                                          <p:spTgt spid="7">
+                                            <p:txEl>
+                                              <p:pRg st="2" end="2"/>
+                                            </p:txEl>
+                                          </p:spTgt>
+                                        </p:tgtEl>
+                                        <p:attrNameLst>
+                                          <p:attrName>style.visibility</p:attrName>
+                                        </p:attrNameLst>
+                                      </p:cBhvr>
+                                      <p:to>
+                                        <p:strVal val="visible"/>
+                                      </p:to>
+                                    </p:set>
+                                    <p:animEffect transition="in" filter="fade">
+                                      <p:cBhvr>
+                                        <p:cTn id="12" dur="1000"/>
+                                        <p:tgtEl>
+                                          <p:spTgt spid="7">
+                                            <p:txEl>
+                                              <p:pRg st="2" end="2"/>
+                                            </p:txEl>
+                                          </p:spTgt>
+                                        </p:tgtEl>
+                                      </p:cBhvr>
+                                    </p:animEffect>
+                                  </p:childTnLst>
+                                </p:cTn>
+                              </p:par>
+                            </p:childTnLst>
+                          </p:cTn>
+                        </p:par>
+                      </p:childTnLst>
+                    </p:cTn>
+                  </p:par>
+                  <p:par>
+                    <p:cTn id="13" fill="hold">
+                      <p:stCondLst>
+                        <p:cond delay="indefinite"/>
+                      </p:stCondLst>
+                      <p:childTnLst>
+                        <p:par>
+                          <p:cTn id="14" fill="hold">
+                            <p:stCondLst>
+                              <p:cond delay="0"/>
+                            </p:stCondLst>
+                            <p:childTnLst>
+                              <p:par>
+                                <p:cTn id="15" presetID="10" presetClass="entr" presetSubtype="0" fill="hold" nodeType="clickEffect">
+                                  <p:stCondLst>
+                                    <p:cond delay="0"/>
+                                  </p:stCondLst>
+                                  <p:childTnLst>
+                                    <p:set>
+                                      <p:cBhvr>
+                                        <p:cTn id="16" dur="1" fill="hold">
+                                          <p:stCondLst>
+                                            <p:cond delay="0"/>
+                                          </p:stCondLst>
+                                        </p:cTn>
+                                        <p:tgtEl>
+                                          <p:spTgt spid="7">
+                                            <p:txEl>
+                                              <p:pRg st="4" end="4"/>
+                                            </p:txEl>
+                                          </p:spTgt>
+                                        </p:tgtEl>
+                                        <p:attrNameLst>
+                                          <p:attrName>style.visibility</p:attrName>
+                                        </p:attrNameLst>
+                                      </p:cBhvr>
+                                      <p:to>
+                                        <p:strVal val="visible"/>
+                                      </p:to>
+                                    </p:set>
+                                    <p:animEffect transition="in" filter="fade">
+                                      <p:cBhvr>
+                                        <p:cTn id="17" dur="1000"/>
+                                        <p:tgtEl>
+                                          <p:spTgt spid="7">
+                                            <p:txEl>
+                                              <p:pRg st="4" end="4"/>
+                                            </p:txEl>
+                                          </p:spTgt>
+                                        </p:tgtEl>
+                                      </p:cBhvr>
+                                    </p:animEffect>
+                                  </p:childTnLst>
+                                </p:cTn>
+                              </p:par>
+                            </p:childTnLst>
+                          </p:cTn>
+                        </p:par>
+                      </p:childTnLst>
+                    </p:cTn>
+                  </p:par>
+                </p:childTnLst>
+              </p:cTn>
+              <p:prevCondLst>
+                <p:cond evt="onPrev" delay="0">
+                  <p:tgtEl>
+                    <p:sldTgt/>
+                  </p:tgtEl>
+                </p:cond>
+              </p:prevCondLst>
+              <p:nextCondLst>
+                <p:cond evt="onNext" delay="0">
+                  <p:tgtEl>
+                    <p:sldTgt/>
+                  </p:tgtEl>
+                </p:cond>
+              </p:nextCondLst>
+            </p:seq>
+          </p:childTnLst>
+        </p:cTn>
+      </p:par>
+    </p:tnLst>
+  </p:timing>
+</p:sld>
+</file>
+
+<file path=ppt/slides/slide40.xml><?xml version="1.0" encoding="utf-8"?>
 <p:sld xmlns:a="http://schemas.openxmlformats.org/drawingml/2006/main" xmlns:r="http://schemas.openxmlformats.org/officeDocument/2006/relationships" xmlns:p="http://schemas.openxmlformats.org/presentationml/2006/main">
   <p:cSld>
     <p:spTree>
@@ -25876,7 +27142,7 @@
 </p:sld>
 </file>
 
-<file path=ppt/slides/slide39.xml><?xml version="1.0" encoding="utf-8"?>
+<file path=ppt/slides/slide41.xml><?xml version="1.0" encoding="utf-8"?>
 <p:sld xmlns:a="http://schemas.openxmlformats.org/drawingml/2006/main" xmlns:r="http://schemas.openxmlformats.org/officeDocument/2006/relationships" xmlns:p="http://schemas.openxmlformats.org/presentationml/2006/main">
   <p:cSld>
     <p:spTree>
@@ -26388,376 +27654,7 @@
 </p:sld>
 </file>
 
-<file path=ppt/slides/slide4.xml><?xml version="1.0" encoding="utf-8"?>
-<p:sld xmlns:a="http://schemas.openxmlformats.org/drawingml/2006/main" xmlns:r="http://schemas.openxmlformats.org/officeDocument/2006/relationships" xmlns:p="http://schemas.openxmlformats.org/presentationml/2006/main">
-  <p:cSld>
-    <p:spTree>
-      <p:nvGrpSpPr>
-        <p:cNvPr id="1" name="Shape 94"/>
-        <p:cNvGrpSpPr/>
-        <p:nvPr/>
-      </p:nvGrpSpPr>
-      <p:grpSpPr>
-        <a:xfrm>
-          <a:off x="0" y="0"/>
-          <a:ext cx="0" cy="0"/>
-          <a:chOff x="0" y="0"/>
-          <a:chExt cx="0" cy="0"/>
-        </a:xfrm>
-      </p:grpSpPr>
-      <p:sp>
-        <p:nvSpPr>
-          <p:cNvPr id="95" name="Google Shape;95;p14"/>
-          <p:cNvSpPr txBox="1">
-            <a:spLocks noGrp="1"/>
-          </p:cNvSpPr>
-          <p:nvPr>
-            <p:ph type="title" idx="4294967295"/>
-          </p:nvPr>
-        </p:nvSpPr>
-        <p:spPr>
-          <a:xfrm>
-            <a:off x="717173" y="559537"/>
-            <a:ext cx="10972800" cy="506789"/>
-          </a:xfrm>
-          <a:prstGeom prst="rect">
-            <a:avLst/>
-          </a:prstGeom>
-        </p:spPr>
-        <p:txBody>
-          <a:bodyPr spcFirstLastPara="1" wrap="square" lIns="121900" tIns="121900" rIns="121900" bIns="121900" anchor="ctr" anchorCtr="0">
-            <a:noAutofit/>
-          </a:bodyPr>
-          <a:lstStyle/>
-          <a:p>
-            <a:r>
-              <a:rPr lang="en-US" sz="4000" b="1" dirty="0">
-                <a:solidFill>
-                  <a:srgbClr val="E46102"/>
-                </a:solidFill>
-              </a:rPr>
-              <a:t>Types of Machine Learning </a:t>
-            </a:r>
-            <a:r>
-              <a:rPr lang="en-US" sz="4000" b="1" u="sng" dirty="0">
-                <a:solidFill>
-                  <a:srgbClr val="E46102"/>
-                </a:solidFill>
-              </a:rPr>
-              <a:t>Systems</a:t>
-            </a:r>
-            <a:endParaRPr sz="4000" b="1" u="sng" dirty="0">
-              <a:solidFill>
-                <a:srgbClr val="E46102"/>
-              </a:solidFill>
-            </a:endParaRPr>
-          </a:p>
-        </p:txBody>
-      </p:sp>
-      <p:sp>
-        <p:nvSpPr>
-          <p:cNvPr id="7" name="Google Shape;96;p14">
-            <a:extLst>
-              <a:ext uri="{FF2B5EF4-FFF2-40B4-BE49-F238E27FC236}">
-                <a16:creationId xmlns:a16="http://schemas.microsoft.com/office/drawing/2014/main" id="{8C6EEC46-F378-4AE6-9BE9-CB7DD17A2827}"/>
-              </a:ext>
-            </a:extLst>
-          </p:cNvPr>
-          <p:cNvSpPr txBox="1"/>
-          <p:nvPr/>
-        </p:nvSpPr>
-        <p:spPr>
-          <a:xfrm>
-            <a:off x="521776" y="1137531"/>
-            <a:ext cx="11277600" cy="5104427"/>
-          </a:xfrm>
-          <a:prstGeom prst="rect">
-            <a:avLst/>
-          </a:prstGeom>
-          <a:noFill/>
-          <a:ln>
-            <a:noFill/>
-          </a:ln>
-        </p:spPr>
-        <p:txBody>
-          <a:bodyPr spcFirstLastPara="1" wrap="square" lIns="121900" tIns="121900" rIns="121900" bIns="121900" anchor="t" anchorCtr="0">
-            <a:noAutofit/>
-          </a:bodyPr>
-          <a:lstStyle/>
-          <a:p>
-            <a:pPr marL="342900" indent="-342900">
-              <a:buFontTx/>
-              <a:buChar char="-"/>
-            </a:pPr>
-            <a:r>
-              <a:rPr lang="en-US" dirty="0"/>
-              <a:t>Whether or not they are trained with human supervision (Supervised, Unsupervised, Semi-supervised, and Reinforcement Learning)</a:t>
-            </a:r>
-          </a:p>
-          <a:p>
-            <a:pPr marL="342900" indent="-342900">
-              <a:buFontTx/>
-              <a:buChar char="-"/>
-            </a:pPr>
-            <a:endParaRPr lang="en-US" dirty="0"/>
-          </a:p>
-          <a:p>
-            <a:pPr marL="342900" indent="-342900">
-              <a:buFontTx/>
-              <a:buChar char="-"/>
-            </a:pPr>
-            <a:r>
-              <a:rPr lang="en-US" dirty="0"/>
-              <a:t>Whether or not they can learn incrementally on the fly (online versus batch learning)</a:t>
-            </a:r>
-          </a:p>
-          <a:p>
-            <a:pPr marL="342900" indent="-342900">
-              <a:buFontTx/>
-              <a:buChar char="-"/>
-            </a:pPr>
-            <a:endParaRPr lang="en-US" dirty="0"/>
-          </a:p>
-          <a:p>
-            <a:pPr marL="342900" indent="-342900">
-              <a:buFontTx/>
-              <a:buChar char="-"/>
-            </a:pPr>
-            <a:r>
-              <a:rPr lang="en-US" dirty="0"/>
-              <a:t>Whether they work by simply comparing new data points to known data points, or instead detect patterns in the training data and build a predictive model, much like scientists do (instance-based versus model-based learning).</a:t>
-            </a:r>
-            <a:endParaRPr sz="3200" dirty="0"/>
-          </a:p>
-        </p:txBody>
-      </p:sp>
-    </p:spTree>
-    <p:extLst>
-      <p:ext uri="{BB962C8B-B14F-4D97-AF65-F5344CB8AC3E}">
-        <p14:creationId xmlns:p14="http://schemas.microsoft.com/office/powerpoint/2010/main" val="1867217539"/>
-      </p:ext>
-    </p:extLst>
-  </p:cSld>
-  <p:clrMapOvr>
-    <a:masterClrMapping/>
-  </p:clrMapOvr>
-  <p:timing>
-    <p:tnLst>
-      <p:par>
-        <p:cTn id="1" dur="indefinite" restart="never" nodeType="tmRoot">
-          <p:childTnLst>
-            <p:seq concurrent="1" nextAc="seek">
-              <p:cTn id="2" dur="indefinite" nodeType="mainSeq">
-                <p:childTnLst>
-                  <p:par>
-                    <p:cTn id="3" fill="hold">
-                      <p:stCondLst>
-                        <p:cond delay="indefinite"/>
-                      </p:stCondLst>
-                      <p:childTnLst>
-                        <p:par>
-                          <p:cTn id="4" fill="hold">
-                            <p:stCondLst>
-                              <p:cond delay="0"/>
-                            </p:stCondLst>
-                            <p:childTnLst>
-                              <p:par>
-                                <p:cTn id="5" presetID="10" presetClass="entr" presetSubtype="0" fill="hold" nodeType="clickEffect">
-                                  <p:stCondLst>
-                                    <p:cond delay="0"/>
-                                  </p:stCondLst>
-                                  <p:childTnLst>
-                                    <p:set>
-                                      <p:cBhvr>
-                                        <p:cTn id="6" dur="1" fill="hold">
-                                          <p:stCondLst>
-                                            <p:cond delay="0"/>
-                                          </p:stCondLst>
-                                        </p:cTn>
-                                        <p:tgtEl>
-                                          <p:spTgt spid="7">
-                                            <p:txEl>
-                                              <p:pRg st="0" end="0"/>
-                                            </p:txEl>
-                                          </p:spTgt>
-                                        </p:tgtEl>
-                                        <p:attrNameLst>
-                                          <p:attrName>style.visibility</p:attrName>
-                                        </p:attrNameLst>
-                                      </p:cBhvr>
-                                      <p:to>
-                                        <p:strVal val="visible"/>
-                                      </p:to>
-                                    </p:set>
-                                    <p:animEffect transition="in" filter="fade">
-                                      <p:cBhvr>
-                                        <p:cTn id="7" dur="1000"/>
-                                        <p:tgtEl>
-                                          <p:spTgt spid="7">
-                                            <p:txEl>
-                                              <p:pRg st="0" end="0"/>
-                                            </p:txEl>
-                                          </p:spTgt>
-                                        </p:tgtEl>
-                                      </p:cBhvr>
-                                    </p:animEffect>
-                                  </p:childTnLst>
-                                </p:cTn>
-                              </p:par>
-                            </p:childTnLst>
-                          </p:cTn>
-                        </p:par>
-                      </p:childTnLst>
-                    </p:cTn>
-                  </p:par>
-                  <p:par>
-                    <p:cTn id="8" fill="hold">
-                      <p:stCondLst>
-                        <p:cond delay="indefinite"/>
-                      </p:stCondLst>
-                      <p:childTnLst>
-                        <p:par>
-                          <p:cTn id="9" fill="hold">
-                            <p:stCondLst>
-                              <p:cond delay="0"/>
-                            </p:stCondLst>
-                            <p:childTnLst>
-                              <p:par>
-                                <p:cTn id="10" presetID="10" presetClass="entr" presetSubtype="0" fill="hold" nodeType="clickEffect">
-                                  <p:stCondLst>
-                                    <p:cond delay="0"/>
-                                  </p:stCondLst>
-                                  <p:childTnLst>
-                                    <p:set>
-                                      <p:cBhvr>
-                                        <p:cTn id="11" dur="1" fill="hold">
-                                          <p:stCondLst>
-                                            <p:cond delay="0"/>
-                                          </p:stCondLst>
-                                        </p:cTn>
-                                        <p:tgtEl>
-                                          <p:spTgt spid="7">
-                                            <p:txEl>
-                                              <p:pRg st="2" end="2"/>
-                                            </p:txEl>
-                                          </p:spTgt>
-                                        </p:tgtEl>
-                                        <p:attrNameLst>
-                                          <p:attrName>style.visibility</p:attrName>
-                                        </p:attrNameLst>
-                                      </p:cBhvr>
-                                      <p:to>
-                                        <p:strVal val="visible"/>
-                                      </p:to>
-                                    </p:set>
-                                    <p:animEffect transition="in" filter="fade">
-                                      <p:cBhvr>
-                                        <p:cTn id="12" dur="1000"/>
-                                        <p:tgtEl>
-                                          <p:spTgt spid="7">
-                                            <p:txEl>
-                                              <p:pRg st="2" end="2"/>
-                                            </p:txEl>
-                                          </p:spTgt>
-                                        </p:tgtEl>
-                                      </p:cBhvr>
-                                    </p:animEffect>
-                                  </p:childTnLst>
-                                </p:cTn>
-                              </p:par>
-                            </p:childTnLst>
-                          </p:cTn>
-                        </p:par>
-                      </p:childTnLst>
-                    </p:cTn>
-                  </p:par>
-                  <p:par>
-                    <p:cTn id="13" fill="hold">
-                      <p:stCondLst>
-                        <p:cond delay="indefinite"/>
-                      </p:stCondLst>
-                      <p:childTnLst>
-                        <p:par>
-                          <p:cTn id="14" fill="hold">
-                            <p:stCondLst>
-                              <p:cond delay="0"/>
-                            </p:stCondLst>
-                            <p:childTnLst>
-                              <p:par>
-                                <p:cTn id="15" presetID="10" presetClass="entr" presetSubtype="0" fill="hold" nodeType="clickEffect">
-                                  <p:stCondLst>
-                                    <p:cond delay="0"/>
-                                  </p:stCondLst>
-                                  <p:childTnLst>
-                                    <p:set>
-                                      <p:cBhvr>
-                                        <p:cTn id="16" dur="1" fill="hold">
-                                          <p:stCondLst>
-                                            <p:cond delay="0"/>
-                                          </p:stCondLst>
-                                        </p:cTn>
-                                        <p:tgtEl>
-                                          <p:spTgt spid="7">
-                                            <p:txEl>
-                                              <p:pRg st="4" end="4"/>
-                                            </p:txEl>
-                                          </p:spTgt>
-                                        </p:tgtEl>
-                                        <p:attrNameLst>
-                                          <p:attrName>style.visibility</p:attrName>
-                                        </p:attrNameLst>
-                                      </p:cBhvr>
-                                      <p:to>
-                                        <p:strVal val="visible"/>
-                                      </p:to>
-                                    </p:set>
-                                    <p:animEffect transition="in" filter="fade">
-                                      <p:cBhvr>
-                                        <p:cTn id="17" dur="1000"/>
-                                        <p:tgtEl>
-                                          <p:spTgt spid="7">
-                                            <p:txEl>
-                                              <p:pRg st="4" end="4"/>
-                                            </p:txEl>
-                                          </p:spTgt>
-                                        </p:tgtEl>
-                                      </p:cBhvr>
-                                    </p:animEffect>
-                                  </p:childTnLst>
-                                </p:cTn>
-                              </p:par>
-                            </p:childTnLst>
-                          </p:cTn>
-                        </p:par>
-                      </p:childTnLst>
-                    </p:cTn>
-                  </p:par>
-                </p:childTnLst>
-              </p:cTn>
-              <p:prevCondLst>
-                <p:cond evt="onPrev" delay="0">
-                  <p:tgtEl>
-                    <p:sldTgt/>
-                  </p:tgtEl>
-                </p:cond>
-              </p:prevCondLst>
-              <p:nextCondLst>
-                <p:cond evt="onNext" delay="0">
-                  <p:tgtEl>
-                    <p:sldTgt/>
-                  </p:tgtEl>
-                </p:cond>
-              </p:nextCondLst>
-            </p:seq>
-          </p:childTnLst>
-        </p:cTn>
-      </p:par>
-    </p:tnLst>
-  </p:timing>
-</p:sld>
-</file>
-
-<file path=ppt/slides/slide40.xml><?xml version="1.0" encoding="utf-8"?>
+<file path=ppt/slides/slide42.xml><?xml version="1.0" encoding="utf-8"?>
 <p:sld xmlns:a="http://schemas.openxmlformats.org/drawingml/2006/main" xmlns:r="http://schemas.openxmlformats.org/officeDocument/2006/relationships" xmlns:p="http://schemas.openxmlformats.org/presentationml/2006/main">
   <p:cSld>
     <p:spTree>
@@ -26818,7 +27715,7 @@
 </p:sld>
 </file>
 
-<file path=ppt/slides/slide41.xml><?xml version="1.0" encoding="utf-8"?>
+<file path=ppt/slides/slide43.xml><?xml version="1.0" encoding="utf-8"?>
 <p:sld xmlns:a="http://schemas.openxmlformats.org/drawingml/2006/main" xmlns:r="http://schemas.openxmlformats.org/officeDocument/2006/relationships" xmlns:p="http://schemas.openxmlformats.org/presentationml/2006/main">
   <p:cSld>
     <p:spTree>

--- a/Syllabus/Lecture02/Lec02.pptx
+++ b/Syllabus/Lecture02/Lec02.pptx
@@ -16291,7 +16291,7 @@
             </a:pPr>
             <a:r>
               <a:rPr lang="en-US" dirty="0"/>
-              <a:t>Links for this class and next class reading added to course webpage.</a:t>
+              <a:t>Reference material for most classes added to course webpage.</a:t>
             </a:r>
           </a:p>
           <a:p>
@@ -16302,7 +16302,15 @@
             </a:pPr>
             <a:r>
               <a:rPr lang="en-US" dirty="0"/>
-              <a:t>Contact TA for any questions, raise on slack channel.</a:t>
+              <a:t>Contact TA for any questions, ask </a:t>
+            </a:r>
+            <a:r>
+              <a:rPr lang="en-US" dirty="0" err="1"/>
+              <a:t>qs</a:t>
+            </a:r>
+            <a:r>
+              <a:rPr lang="en-US" dirty="0"/>
+              <a:t>. on slack channel.</a:t>
             </a:r>
           </a:p>
           <a:p>
@@ -16313,7 +16321,7 @@
             </a:pPr>
             <a:r>
               <a:rPr lang="en-US" dirty="0"/>
-              <a:t>Python assessment end of class.</a:t>
+              <a:t>Python assessment end of class for those that scored &lt;=21.</a:t>
             </a:r>
           </a:p>
           <a:p>
@@ -16324,7 +16332,7 @@
             </a:pPr>
             <a:r>
               <a:rPr lang="en-US" dirty="0"/>
-              <a:t>First assignment visible after class today. </a:t>
+              <a:t>First assignment visible before EOD. </a:t>
             </a:r>
           </a:p>
           <a:p>
@@ -16335,8 +16343,13 @@
             </a:pPr>
             <a:r>
               <a:rPr lang="en-US" dirty="0"/>
-              <a:t>Submission deadline on webpage</a:t>
-            </a:r>
+              <a:t>Submission deadline </a:t>
+            </a:r>
+            <a:r>
+              <a:rPr lang="en-US"/>
+              <a:t>on webpage.</a:t>
+            </a:r>
+            <a:endParaRPr lang="en-US" dirty="0"/>
           </a:p>
           <a:p>
             <a:pPr marL="444498" indent="-342900">

--- a/Syllabus/Lecture02/Lec02.pptx
+++ b/Syllabus/Lecture02/Lec02.pptx
@@ -14,19 +14,19 @@
     <p:sldId id="266" r:id="rId2"/>
     <p:sldId id="293" r:id="rId3"/>
     <p:sldId id="298" r:id="rId4"/>
-    <p:sldId id="309" r:id="rId5"/>
-    <p:sldId id="314" r:id="rId6"/>
-    <p:sldId id="346" r:id="rId7"/>
-    <p:sldId id="315" r:id="rId8"/>
-    <p:sldId id="313" r:id="rId9"/>
-    <p:sldId id="316" r:id="rId10"/>
-    <p:sldId id="318" r:id="rId11"/>
-    <p:sldId id="320" r:id="rId12"/>
-    <p:sldId id="321" r:id="rId13"/>
-    <p:sldId id="317" r:id="rId14"/>
-    <p:sldId id="322" r:id="rId15"/>
-    <p:sldId id="323" r:id="rId16"/>
-    <p:sldId id="347" r:id="rId17"/>
+    <p:sldId id="314" r:id="rId5"/>
+    <p:sldId id="346" r:id="rId6"/>
+    <p:sldId id="315" r:id="rId7"/>
+    <p:sldId id="313" r:id="rId8"/>
+    <p:sldId id="316" r:id="rId9"/>
+    <p:sldId id="318" r:id="rId10"/>
+    <p:sldId id="320" r:id="rId11"/>
+    <p:sldId id="321" r:id="rId12"/>
+    <p:sldId id="317" r:id="rId13"/>
+    <p:sldId id="322" r:id="rId14"/>
+    <p:sldId id="323" r:id="rId15"/>
+    <p:sldId id="347" r:id="rId16"/>
+    <p:sldId id="309" r:id="rId17"/>
     <p:sldId id="324" r:id="rId18"/>
     <p:sldId id="326" r:id="rId19"/>
     <p:sldId id="344" r:id="rId20"/>
@@ -160,7 +160,6 @@
             <p14:sldId id="266"/>
             <p14:sldId id="293"/>
             <p14:sldId id="298"/>
-            <p14:sldId id="309"/>
             <p14:sldId id="314"/>
             <p14:sldId id="346"/>
             <p14:sldId id="315"/>
@@ -173,6 +172,7 @@
             <p14:sldId id="322"/>
             <p14:sldId id="323"/>
             <p14:sldId id="347"/>
+            <p14:sldId id="309"/>
             <p14:sldId id="324"/>
             <p14:sldId id="326"/>
             <p14:sldId id="344"/>
@@ -955,14 +955,22 @@
           </a:bodyPr>
           <a:lstStyle/>
           <a:p>
-            <a:pPr marL="0" lvl="0" indent="0" algn="l" rtl="0">
+            <a:pPr marL="0" marR="0" lvl="0" indent="0" algn="l" defTabSz="609585" rtl="0" eaLnBrk="1" fontAlgn="auto" latinLnBrk="0" hangingPunct="1">
+              <a:lnSpc>
+                <a:spcPct val="100000"/>
+              </a:lnSpc>
               <a:spcBef>
                 <a:spcPts val="0"/>
               </a:spcBef>
               <a:spcAft>
                 <a:spcPts val="0"/>
               </a:spcAft>
+              <a:buClrTx/>
+              <a:buSzTx/>
+              <a:buFontTx/>
               <a:buNone/>
+              <a:tabLst/>
+              <a:defRPr/>
             </a:pPr>
             <a:endParaRPr lang="en-US" dirty="0"/>
           </a:p>
@@ -971,7 +979,7 @@
     </p:spTree>
     <p:extLst>
       <p:ext uri="{BB962C8B-B14F-4D97-AF65-F5344CB8AC3E}">
-        <p14:creationId xmlns:p14="http://schemas.microsoft.com/office/powerpoint/2010/main" val="1597826688"/>
+        <p14:creationId xmlns:p14="http://schemas.microsoft.com/office/powerpoint/2010/main" val="3722263288"/>
       </p:ext>
     </p:extLst>
   </p:cSld>
@@ -1064,22 +1072,14 @@
           </a:bodyPr>
           <a:lstStyle/>
           <a:p>
-            <a:pPr marL="0" marR="0" lvl="0" indent="0" algn="l" defTabSz="609585" rtl="0" eaLnBrk="1" fontAlgn="auto" latinLnBrk="0" hangingPunct="1">
-              <a:lnSpc>
-                <a:spcPct val="100000"/>
-              </a:lnSpc>
+            <a:pPr marL="0" lvl="0" indent="0" algn="l" rtl="0">
               <a:spcBef>
                 <a:spcPts val="0"/>
               </a:spcBef>
               <a:spcAft>
                 <a:spcPts val="0"/>
               </a:spcAft>
-              <a:buClrTx/>
-              <a:buSzTx/>
-              <a:buFontTx/>
               <a:buNone/>
-              <a:tabLst/>
-              <a:defRPr/>
             </a:pPr>
             <a:endParaRPr lang="en-US" dirty="0"/>
           </a:p>
@@ -1088,7 +1088,7 @@
     </p:spTree>
     <p:extLst>
       <p:ext uri="{BB962C8B-B14F-4D97-AF65-F5344CB8AC3E}">
-        <p14:creationId xmlns:p14="http://schemas.microsoft.com/office/powerpoint/2010/main" val="3722263288"/>
+        <p14:creationId xmlns:p14="http://schemas.microsoft.com/office/powerpoint/2010/main" val="2322174024"/>
       </p:ext>
     </p:extLst>
   </p:cSld>
@@ -1197,7 +1197,7 @@
     </p:spTree>
     <p:extLst>
       <p:ext uri="{BB962C8B-B14F-4D97-AF65-F5344CB8AC3E}">
-        <p14:creationId xmlns:p14="http://schemas.microsoft.com/office/powerpoint/2010/main" val="2322174024"/>
+        <p14:creationId xmlns:p14="http://schemas.microsoft.com/office/powerpoint/2010/main" val="2896877746"/>
       </p:ext>
     </p:extLst>
   </p:cSld>
@@ -1306,7 +1306,7 @@
     </p:spTree>
     <p:extLst>
       <p:ext uri="{BB962C8B-B14F-4D97-AF65-F5344CB8AC3E}">
-        <p14:creationId xmlns:p14="http://schemas.microsoft.com/office/powerpoint/2010/main" val="2896877746"/>
+        <p14:creationId xmlns:p14="http://schemas.microsoft.com/office/powerpoint/2010/main" val="3855024112"/>
       </p:ext>
     </p:extLst>
   </p:cSld>
@@ -1415,7 +1415,7 @@
     </p:spTree>
     <p:extLst>
       <p:ext uri="{BB962C8B-B14F-4D97-AF65-F5344CB8AC3E}">
-        <p14:creationId xmlns:p14="http://schemas.microsoft.com/office/powerpoint/2010/main" val="3855024112"/>
+        <p14:creationId xmlns:p14="http://schemas.microsoft.com/office/powerpoint/2010/main" val="3337934680"/>
       </p:ext>
     </p:extLst>
   </p:cSld>
@@ -2086,14 +2086,17 @@
               </a:spcAft>
               <a:buNone/>
             </a:pPr>
-            <a:endParaRPr lang="en-US" dirty="0"/>
+            <a:r>
+              <a:rPr lang="en-US" dirty="0"/>
+              <a:t>In supervised learning, the training data you feed to the algorithm includes the desired solutions, called labels</a:t>
+            </a:r>
           </a:p>
         </p:txBody>
       </p:sp>
     </p:spTree>
     <p:extLst>
       <p:ext uri="{BB962C8B-B14F-4D97-AF65-F5344CB8AC3E}">
-        <p14:creationId xmlns:p14="http://schemas.microsoft.com/office/powerpoint/2010/main" val="3337934680"/>
+        <p14:creationId xmlns:p14="http://schemas.microsoft.com/office/powerpoint/2010/main" val="2276235431"/>
       </p:ext>
     </p:extLst>
   </p:cSld>
@@ -3311,7 +3314,7 @@
     </p:spTree>
     <p:extLst>
       <p:ext uri="{BB962C8B-B14F-4D97-AF65-F5344CB8AC3E}">
-        <p14:creationId xmlns:p14="http://schemas.microsoft.com/office/powerpoint/2010/main" val="2276235431"/>
+        <p14:creationId xmlns:p14="http://schemas.microsoft.com/office/powerpoint/2010/main" val="2635102862"/>
       </p:ext>
     </p:extLst>
   </p:cSld>
@@ -4583,17 +4586,14 @@
               </a:spcAft>
               <a:buNone/>
             </a:pPr>
-            <a:r>
-              <a:rPr lang="en-US" dirty="0"/>
-              <a:t>In supervised learning, the training data you feed to the algorithm includes the desired solutions, called labels</a:t>
-            </a:r>
+            <a:endParaRPr lang="en-US" dirty="0"/>
           </a:p>
         </p:txBody>
       </p:sp>
     </p:spTree>
     <p:extLst>
       <p:ext uri="{BB962C8B-B14F-4D97-AF65-F5344CB8AC3E}">
-        <p14:creationId xmlns:p14="http://schemas.microsoft.com/office/powerpoint/2010/main" val="2635102862"/>
+        <p14:creationId xmlns:p14="http://schemas.microsoft.com/office/powerpoint/2010/main" val="392412698"/>
       </p:ext>
     </p:extLst>
   </p:cSld>
@@ -4811,7 +4811,7 @@
     </p:spTree>
     <p:extLst>
       <p:ext uri="{BB962C8B-B14F-4D97-AF65-F5344CB8AC3E}">
-        <p14:creationId xmlns:p14="http://schemas.microsoft.com/office/powerpoint/2010/main" val="392412698"/>
+        <p14:creationId xmlns:p14="http://schemas.microsoft.com/office/powerpoint/2010/main" val="3085278135"/>
       </p:ext>
     </p:extLst>
   </p:cSld>
@@ -4920,7 +4920,7 @@
     </p:spTree>
     <p:extLst>
       <p:ext uri="{BB962C8B-B14F-4D97-AF65-F5344CB8AC3E}">
-        <p14:creationId xmlns:p14="http://schemas.microsoft.com/office/powerpoint/2010/main" val="3085278135"/>
+        <p14:creationId xmlns:p14="http://schemas.microsoft.com/office/powerpoint/2010/main" val="592134372"/>
       </p:ext>
     </p:extLst>
   </p:cSld>
@@ -5029,7 +5029,7 @@
     </p:spTree>
     <p:extLst>
       <p:ext uri="{BB962C8B-B14F-4D97-AF65-F5344CB8AC3E}">
-        <p14:creationId xmlns:p14="http://schemas.microsoft.com/office/powerpoint/2010/main" val="592134372"/>
+        <p14:creationId xmlns:p14="http://schemas.microsoft.com/office/powerpoint/2010/main" val="4030846315"/>
       </p:ext>
     </p:extLst>
   </p:cSld>
@@ -5138,7 +5138,7 @@
     </p:spTree>
     <p:extLst>
       <p:ext uri="{BB962C8B-B14F-4D97-AF65-F5344CB8AC3E}">
-        <p14:creationId xmlns:p14="http://schemas.microsoft.com/office/powerpoint/2010/main" val="4030846315"/>
+        <p14:creationId xmlns:p14="http://schemas.microsoft.com/office/powerpoint/2010/main" val="3841114944"/>
       </p:ext>
     </p:extLst>
   </p:cSld>
@@ -5247,7 +5247,7 @@
     </p:spTree>
     <p:extLst>
       <p:ext uri="{BB962C8B-B14F-4D97-AF65-F5344CB8AC3E}">
-        <p14:creationId xmlns:p14="http://schemas.microsoft.com/office/powerpoint/2010/main" val="3841114944"/>
+        <p14:creationId xmlns:p14="http://schemas.microsoft.com/office/powerpoint/2010/main" val="1597826688"/>
       </p:ext>
     </p:extLst>
   </p:cSld>
@@ -9382,240 +9382,6 @@
                   <a:srgbClr val="E46102"/>
                 </a:solidFill>
               </a:rPr>
-              <a:t>Clustering</a:t>
-            </a:r>
-            <a:endParaRPr sz="4000" b="1" dirty="0">
-              <a:solidFill>
-                <a:srgbClr val="E46102"/>
-              </a:solidFill>
-            </a:endParaRPr>
-          </a:p>
-        </p:txBody>
-      </p:sp>
-      <p:grpSp>
-        <p:nvGrpSpPr>
-          <p:cNvPr id="7" name="Group 6">
-            <a:extLst>
-              <a:ext uri="{FF2B5EF4-FFF2-40B4-BE49-F238E27FC236}">
-                <a16:creationId xmlns:a16="http://schemas.microsoft.com/office/drawing/2014/main" id="{CE16B6AE-7316-4FF7-99F3-1CBD36C3498E}"/>
-              </a:ext>
-            </a:extLst>
-          </p:cNvPr>
-          <p:cNvGrpSpPr/>
-          <p:nvPr/>
-        </p:nvGrpSpPr>
-        <p:grpSpPr>
-          <a:xfrm>
-            <a:off x="2477129" y="2603052"/>
-            <a:ext cx="7545226" cy="1498364"/>
-            <a:chOff x="946779" y="2253802"/>
-            <a:chExt cx="7545226" cy="1498364"/>
-          </a:xfrm>
-        </p:grpSpPr>
-        <p:pic>
-          <p:nvPicPr>
-            <p:cNvPr id="2" name="Picture 1">
-              <a:extLst>
-                <a:ext uri="{FF2B5EF4-FFF2-40B4-BE49-F238E27FC236}">
-                  <a16:creationId xmlns:a16="http://schemas.microsoft.com/office/drawing/2014/main" id="{F823EAF0-8F4A-41FD-8552-3CBE91ADF49B}"/>
-                </a:ext>
-              </a:extLst>
-            </p:cNvPr>
-            <p:cNvPicPr>
-              <a:picLocks noChangeAspect="1"/>
-            </p:cNvPicPr>
-            <p:nvPr/>
-          </p:nvPicPr>
-          <p:blipFill rotWithShape="1">
-            <a:blip r:embed="rId3"/>
-            <a:srcRect l="17780" t="3286" r="12968"/>
-            <a:stretch/>
-          </p:blipFill>
-          <p:spPr>
-            <a:xfrm>
-              <a:off x="946779" y="2253802"/>
-              <a:ext cx="2841938" cy="1348746"/>
-            </a:xfrm>
-            <a:prstGeom prst="rect">
-              <a:avLst/>
-            </a:prstGeom>
-          </p:spPr>
-        </p:pic>
-        <p:pic>
-          <p:nvPicPr>
-            <p:cNvPr id="3" name="Picture 2">
-              <a:extLst>
-                <a:ext uri="{FF2B5EF4-FFF2-40B4-BE49-F238E27FC236}">
-                  <a16:creationId xmlns:a16="http://schemas.microsoft.com/office/drawing/2014/main" id="{82A4A288-D0CB-4F4D-9CEB-57BAB315379B}"/>
-                </a:ext>
-              </a:extLst>
-            </p:cNvPr>
-            <p:cNvPicPr>
-              <a:picLocks noChangeAspect="1"/>
-            </p:cNvPicPr>
-            <p:nvPr/>
-          </p:nvPicPr>
-          <p:blipFill>
-            <a:blip r:embed="rId4"/>
-            <a:stretch>
-              <a:fillRect/>
-            </a:stretch>
-          </p:blipFill>
-          <p:spPr>
-            <a:xfrm>
-              <a:off x="5664740" y="2253802"/>
-              <a:ext cx="2827265" cy="1425063"/>
-            </a:xfrm>
-            <a:prstGeom prst="rect">
-              <a:avLst/>
-            </a:prstGeom>
-          </p:spPr>
-        </p:pic>
-        <p:cxnSp>
-          <p:nvCxnSpPr>
-            <p:cNvPr id="5" name="Straight Arrow Connector 4">
-              <a:extLst>
-                <a:ext uri="{FF2B5EF4-FFF2-40B4-BE49-F238E27FC236}">
-                  <a16:creationId xmlns:a16="http://schemas.microsoft.com/office/drawing/2014/main" id="{67C01131-21C9-497C-97D9-25C85D4CCDEF}"/>
-                </a:ext>
-              </a:extLst>
-            </p:cNvPr>
-            <p:cNvCxnSpPr>
-              <a:stCxn id="2" idx="3"/>
-            </p:cNvCxnSpPr>
-            <p:nvPr/>
-          </p:nvCxnSpPr>
-          <p:spPr>
-            <a:xfrm>
-              <a:off x="3788717" y="2928175"/>
-              <a:ext cx="1876023" cy="0"/>
-            </a:xfrm>
-            <a:prstGeom prst="straightConnector1">
-              <a:avLst/>
-            </a:prstGeom>
-            <a:ln>
-              <a:tailEnd type="triangle"/>
-            </a:ln>
-          </p:spPr>
-          <p:style>
-            <a:lnRef idx="2">
-              <a:schemeClr val="accent1"/>
-            </a:lnRef>
-            <a:fillRef idx="0">
-              <a:schemeClr val="accent1"/>
-            </a:fillRef>
-            <a:effectRef idx="1">
-              <a:schemeClr val="accent1"/>
-            </a:effectRef>
-            <a:fontRef idx="minor">
-              <a:schemeClr val="tx1"/>
-            </a:fontRef>
-          </p:style>
-        </p:cxnSp>
-        <p:sp>
-          <p:nvSpPr>
-            <p:cNvPr id="6" name="Rectangle 5">
-              <a:extLst>
-                <a:ext uri="{FF2B5EF4-FFF2-40B4-BE49-F238E27FC236}">
-                  <a16:creationId xmlns:a16="http://schemas.microsoft.com/office/drawing/2014/main" id="{92A39F36-2506-44B1-8C4A-B0C2BDA0CD7C}"/>
-                </a:ext>
-              </a:extLst>
-            </p:cNvPr>
-            <p:cNvSpPr/>
-            <p:nvPr/>
-          </p:nvSpPr>
-          <p:spPr>
-            <a:xfrm>
-              <a:off x="3331338" y="3013502"/>
-              <a:ext cx="2721735" cy="738664"/>
-            </a:xfrm>
-            <a:prstGeom prst="rect">
-              <a:avLst/>
-            </a:prstGeom>
-          </p:spPr>
-          <p:txBody>
-            <a:bodyPr wrap="square">
-              <a:spAutoFit/>
-            </a:bodyPr>
-            <a:lstStyle/>
-            <a:p>
-              <a:pPr algn="ctr"/>
-              <a:r>
-                <a:rPr lang="en-US" sz="1400" dirty="0"/>
-                <a:t>run a clustering algorithm</a:t>
-              </a:r>
-            </a:p>
-            <a:p>
-              <a:pPr algn="ctr"/>
-              <a:r>
-                <a:rPr lang="en-US" sz="1400" dirty="0"/>
-                <a:t>to detect groups of similar visitors</a:t>
-              </a:r>
-            </a:p>
-          </p:txBody>
-        </p:sp>
-      </p:grpSp>
-    </p:spTree>
-    <p:extLst>
-      <p:ext uri="{BB962C8B-B14F-4D97-AF65-F5344CB8AC3E}">
-        <p14:creationId xmlns:p14="http://schemas.microsoft.com/office/powerpoint/2010/main" val="2823917293"/>
-      </p:ext>
-    </p:extLst>
-  </p:cSld>
-  <p:clrMapOvr>
-    <a:masterClrMapping/>
-  </p:clrMapOvr>
-</p:sld>
-</file>
-
-<file path=ppt/slides/slide11.xml><?xml version="1.0" encoding="utf-8"?>
-<p:sld xmlns:a="http://schemas.openxmlformats.org/drawingml/2006/main" xmlns:r="http://schemas.openxmlformats.org/officeDocument/2006/relationships" xmlns:p="http://schemas.openxmlformats.org/presentationml/2006/main">
-  <p:cSld>
-    <p:spTree>
-      <p:nvGrpSpPr>
-        <p:cNvPr id="1" name="Shape 94"/>
-        <p:cNvGrpSpPr/>
-        <p:nvPr/>
-      </p:nvGrpSpPr>
-      <p:grpSpPr>
-        <a:xfrm>
-          <a:off x="0" y="0"/>
-          <a:ext cx="0" cy="0"/>
-          <a:chOff x="0" y="0"/>
-          <a:chExt cx="0" cy="0"/>
-        </a:xfrm>
-      </p:grpSpPr>
-      <p:sp>
-        <p:nvSpPr>
-          <p:cNvPr id="95" name="Google Shape;95;p14"/>
-          <p:cNvSpPr txBox="1">
-            <a:spLocks noGrp="1"/>
-          </p:cNvSpPr>
-          <p:nvPr>
-            <p:ph type="title" idx="4294967295"/>
-          </p:nvPr>
-        </p:nvSpPr>
-        <p:spPr>
-          <a:xfrm>
-            <a:off x="717173" y="559537"/>
-            <a:ext cx="10972800" cy="506789"/>
-          </a:xfrm>
-          <a:prstGeom prst="rect">
-            <a:avLst/>
-          </a:prstGeom>
-        </p:spPr>
-        <p:txBody>
-          <a:bodyPr spcFirstLastPara="1" wrap="square" lIns="121900" tIns="121900" rIns="121900" bIns="121900" anchor="ctr" anchorCtr="0">
-            <a:noAutofit/>
-          </a:bodyPr>
-          <a:lstStyle/>
-          <a:p>
-            <a:r>
-              <a:rPr lang="en-US" sz="4000" b="1" dirty="0">
-                <a:solidFill>
-                  <a:srgbClr val="E46102"/>
-                </a:solidFill>
-              </a:rPr>
               <a:t>Anomaly Detection</a:t>
             </a:r>
             <a:endParaRPr sz="4000" b="1" dirty="0">
@@ -10246,7 +10012,7 @@
 </p:sld>
 </file>
 
-<file path=ppt/slides/slide12.xml><?xml version="1.0" encoding="utf-8"?>
+<file path=ppt/slides/slide11.xml><?xml version="1.0" encoding="utf-8"?>
 <p:sld xmlns:a="http://schemas.openxmlformats.org/drawingml/2006/main" xmlns:r="http://schemas.openxmlformats.org/officeDocument/2006/relationships" xmlns:p="http://schemas.openxmlformats.org/presentationml/2006/main">
   <p:cSld>
     <p:spTree>
@@ -10670,7 +10436,7 @@
 </p:sld>
 </file>
 
-<file path=ppt/slides/slide13.xml><?xml version="1.0" encoding="utf-8"?>
+<file path=ppt/slides/slide12.xml><?xml version="1.0" encoding="utf-8"?>
 <p:sld xmlns:a="http://schemas.openxmlformats.org/drawingml/2006/main" xmlns:r="http://schemas.openxmlformats.org/officeDocument/2006/relationships" xmlns:p="http://schemas.openxmlformats.org/presentationml/2006/main">
   <p:cSld>
     <p:spTree>
@@ -11542,7 +11308,7 @@
 </p:sld>
 </file>
 
-<file path=ppt/slides/slide14.xml><?xml version="1.0" encoding="utf-8"?>
+<file path=ppt/slides/slide13.xml><?xml version="1.0" encoding="utf-8"?>
 <p:sld xmlns:a="http://schemas.openxmlformats.org/drawingml/2006/main" xmlns:r="http://schemas.openxmlformats.org/officeDocument/2006/relationships" xmlns:p="http://schemas.openxmlformats.org/presentationml/2006/main">
   <p:cSld>
     <p:spTree>
@@ -12061,7 +11827,7 @@
 </p:sld>
 </file>
 
-<file path=ppt/slides/slide15.xml><?xml version="1.0" encoding="utf-8"?>
+<file path=ppt/slides/slide14.xml><?xml version="1.0" encoding="utf-8"?>
 <p:sld xmlns:a="http://schemas.openxmlformats.org/drawingml/2006/main" xmlns:r="http://schemas.openxmlformats.org/officeDocument/2006/relationships" xmlns:p="http://schemas.openxmlformats.org/presentationml/2006/main">
   <p:cSld>
     <p:spTree>
@@ -12721,7 +12487,7 @@
 </p:sld>
 </file>
 
-<file path=ppt/slides/slide16.xml><?xml version="1.0" encoding="utf-8"?>
+<file path=ppt/slides/slide15.xml><?xml version="1.0" encoding="utf-8"?>
 <p:sld xmlns:a="http://schemas.openxmlformats.org/drawingml/2006/main" xmlns:r="http://schemas.openxmlformats.org/officeDocument/2006/relationships" xmlns:p="http://schemas.openxmlformats.org/presentationml/2006/main">
   <p:cSld>
     <p:spTree>
@@ -13404,6 +13170,375 @@
                                           <p:spTgt spid="96">
                                             <p:txEl>
                                               <p:pRg st="7" end="7"/>
+                                            </p:txEl>
+                                          </p:spTgt>
+                                        </p:tgtEl>
+                                      </p:cBhvr>
+                                    </p:animEffect>
+                                  </p:childTnLst>
+                                </p:cTn>
+                              </p:par>
+                            </p:childTnLst>
+                          </p:cTn>
+                        </p:par>
+                      </p:childTnLst>
+                    </p:cTn>
+                  </p:par>
+                </p:childTnLst>
+              </p:cTn>
+              <p:prevCondLst>
+                <p:cond evt="onPrev" delay="0">
+                  <p:tgtEl>
+                    <p:sldTgt/>
+                  </p:tgtEl>
+                </p:cond>
+              </p:prevCondLst>
+              <p:nextCondLst>
+                <p:cond evt="onNext" delay="0">
+                  <p:tgtEl>
+                    <p:sldTgt/>
+                  </p:tgtEl>
+                </p:cond>
+              </p:nextCondLst>
+            </p:seq>
+          </p:childTnLst>
+        </p:cTn>
+      </p:par>
+    </p:tnLst>
+  </p:timing>
+</p:sld>
+</file>
+
+<file path=ppt/slides/slide16.xml><?xml version="1.0" encoding="utf-8"?>
+<p:sld xmlns:a="http://schemas.openxmlformats.org/drawingml/2006/main" xmlns:r="http://schemas.openxmlformats.org/officeDocument/2006/relationships" xmlns:p="http://schemas.openxmlformats.org/presentationml/2006/main">
+  <p:cSld>
+    <p:spTree>
+      <p:nvGrpSpPr>
+        <p:cNvPr id="1" name="Shape 94"/>
+        <p:cNvGrpSpPr/>
+        <p:nvPr/>
+      </p:nvGrpSpPr>
+      <p:grpSpPr>
+        <a:xfrm>
+          <a:off x="0" y="0"/>
+          <a:ext cx="0" cy="0"/>
+          <a:chOff x="0" y="0"/>
+          <a:chExt cx="0" cy="0"/>
+        </a:xfrm>
+      </p:grpSpPr>
+      <p:sp>
+        <p:nvSpPr>
+          <p:cNvPr id="95" name="Google Shape;95;p14"/>
+          <p:cNvSpPr txBox="1">
+            <a:spLocks noGrp="1"/>
+          </p:cNvSpPr>
+          <p:nvPr>
+            <p:ph type="title" idx="4294967295"/>
+          </p:nvPr>
+        </p:nvSpPr>
+        <p:spPr>
+          <a:xfrm>
+            <a:off x="717173" y="559537"/>
+            <a:ext cx="10972800" cy="506789"/>
+          </a:xfrm>
+          <a:prstGeom prst="rect">
+            <a:avLst/>
+          </a:prstGeom>
+        </p:spPr>
+        <p:txBody>
+          <a:bodyPr spcFirstLastPara="1" wrap="square" lIns="121900" tIns="121900" rIns="121900" bIns="121900" anchor="ctr" anchorCtr="0">
+            <a:noAutofit/>
+          </a:bodyPr>
+          <a:lstStyle/>
+          <a:p>
+            <a:r>
+              <a:rPr lang="en-US" sz="4000" b="1" dirty="0">
+                <a:solidFill>
+                  <a:srgbClr val="E46102"/>
+                </a:solidFill>
+              </a:rPr>
+              <a:t>Types of Machine Learning </a:t>
+            </a:r>
+            <a:r>
+              <a:rPr lang="en-US" sz="4000" b="1" u="sng" dirty="0">
+                <a:solidFill>
+                  <a:srgbClr val="E46102"/>
+                </a:solidFill>
+              </a:rPr>
+              <a:t>Systems</a:t>
+            </a:r>
+            <a:endParaRPr sz="4000" b="1" u="sng" dirty="0">
+              <a:solidFill>
+                <a:srgbClr val="E46102"/>
+              </a:solidFill>
+            </a:endParaRPr>
+          </a:p>
+        </p:txBody>
+      </p:sp>
+      <p:sp>
+        <p:nvSpPr>
+          <p:cNvPr id="7" name="Google Shape;96;p14">
+            <a:extLst>
+              <a:ext uri="{FF2B5EF4-FFF2-40B4-BE49-F238E27FC236}">
+                <a16:creationId xmlns:a16="http://schemas.microsoft.com/office/drawing/2014/main" id="{8C6EEC46-F378-4AE6-9BE9-CB7DD17A2827}"/>
+              </a:ext>
+            </a:extLst>
+          </p:cNvPr>
+          <p:cNvSpPr txBox="1"/>
+          <p:nvPr/>
+        </p:nvSpPr>
+        <p:spPr>
+          <a:xfrm>
+            <a:off x="521776" y="1137531"/>
+            <a:ext cx="11277600" cy="5104427"/>
+          </a:xfrm>
+          <a:prstGeom prst="rect">
+            <a:avLst/>
+          </a:prstGeom>
+          <a:noFill/>
+          <a:ln>
+            <a:noFill/>
+          </a:ln>
+        </p:spPr>
+        <p:txBody>
+          <a:bodyPr spcFirstLastPara="1" wrap="square" lIns="121900" tIns="121900" rIns="121900" bIns="121900" anchor="t" anchorCtr="0">
+            <a:noAutofit/>
+          </a:bodyPr>
+          <a:lstStyle/>
+          <a:p>
+            <a:pPr marL="342900" indent="-342900">
+              <a:buFontTx/>
+              <a:buChar char="-"/>
+            </a:pPr>
+            <a:r>
+              <a:rPr lang="en-US" dirty="0"/>
+              <a:t>Whether or not they are trained with human supervision (Supervised, Unsupervised, Semi-supervised, and Reinforcement Learning)</a:t>
+            </a:r>
+          </a:p>
+          <a:p>
+            <a:pPr marL="342900" indent="-342900">
+              <a:buFontTx/>
+              <a:buChar char="-"/>
+            </a:pPr>
+            <a:endParaRPr lang="en-US" dirty="0"/>
+          </a:p>
+          <a:p>
+            <a:pPr marL="342900" indent="-342900">
+              <a:buFontTx/>
+              <a:buChar char="-"/>
+            </a:pPr>
+            <a:r>
+              <a:rPr lang="en-US" dirty="0"/>
+              <a:t>Whether or not they can learn incrementally on the fly (online versus batch learning)</a:t>
+            </a:r>
+          </a:p>
+          <a:p>
+            <a:pPr marL="342900" indent="-342900">
+              <a:buFontTx/>
+              <a:buChar char="-"/>
+            </a:pPr>
+            <a:endParaRPr lang="en-US" dirty="0"/>
+          </a:p>
+          <a:p>
+            <a:pPr marL="342900" indent="-342900">
+              <a:buFontTx/>
+              <a:buChar char="-"/>
+            </a:pPr>
+            <a:r>
+              <a:rPr lang="en-US" dirty="0"/>
+              <a:t>Whether they work by simply comparing new data points to known data points, or instead detect patterns in the training data and build a predictive model, much like scientists do (instance-based versus model-based learning).</a:t>
+            </a:r>
+            <a:endParaRPr sz="3200" dirty="0"/>
+          </a:p>
+        </p:txBody>
+      </p:sp>
+    </p:spTree>
+    <p:extLst>
+      <p:ext uri="{BB962C8B-B14F-4D97-AF65-F5344CB8AC3E}">
+        <p14:creationId xmlns:p14="http://schemas.microsoft.com/office/powerpoint/2010/main" val="1867217539"/>
+      </p:ext>
+    </p:extLst>
+  </p:cSld>
+  <p:clrMapOvr>
+    <a:masterClrMapping/>
+  </p:clrMapOvr>
+  <p:timing>
+    <p:tnLst>
+      <p:par>
+        <p:cTn id="1" dur="indefinite" restart="never" nodeType="tmRoot">
+          <p:childTnLst>
+            <p:seq concurrent="1" nextAc="seek">
+              <p:cTn id="2" dur="indefinite" nodeType="mainSeq">
+                <p:childTnLst>
+                  <p:par>
+                    <p:cTn id="3" fill="hold">
+                      <p:stCondLst>
+                        <p:cond delay="indefinite"/>
+                      </p:stCondLst>
+                      <p:childTnLst>
+                        <p:par>
+                          <p:cTn id="4" fill="hold">
+                            <p:stCondLst>
+                              <p:cond delay="0"/>
+                            </p:stCondLst>
+                            <p:childTnLst>
+                              <p:par>
+                                <p:cTn id="5" presetID="10" presetClass="entr" presetSubtype="0" fill="hold" nodeType="clickEffect">
+                                  <p:stCondLst>
+                                    <p:cond delay="0"/>
+                                  </p:stCondLst>
+                                  <p:childTnLst>
+                                    <p:set>
+                                      <p:cBhvr>
+                                        <p:cTn id="6" dur="1" fill="hold">
+                                          <p:stCondLst>
+                                            <p:cond delay="0"/>
+                                          </p:stCondLst>
+                                        </p:cTn>
+                                        <p:tgtEl>
+                                          <p:spTgt spid="7">
+                                            <p:txEl>
+                                              <p:pRg st="0" end="0"/>
+                                            </p:txEl>
+                                          </p:spTgt>
+                                        </p:tgtEl>
+                                        <p:attrNameLst>
+                                          <p:attrName>style.visibility</p:attrName>
+                                        </p:attrNameLst>
+                                      </p:cBhvr>
+                                      <p:to>
+                                        <p:strVal val="visible"/>
+                                      </p:to>
+                                    </p:set>
+                                    <p:animEffect transition="in" filter="fade">
+                                      <p:cBhvr>
+                                        <p:cTn id="7" dur="1000"/>
+                                        <p:tgtEl>
+                                          <p:spTgt spid="7">
+                                            <p:txEl>
+                                              <p:pRg st="0" end="0"/>
+                                            </p:txEl>
+                                          </p:spTgt>
+                                        </p:tgtEl>
+                                      </p:cBhvr>
+                                    </p:animEffect>
+                                  </p:childTnLst>
+                                </p:cTn>
+                              </p:par>
+                            </p:childTnLst>
+                          </p:cTn>
+                        </p:par>
+                      </p:childTnLst>
+                    </p:cTn>
+                  </p:par>
+                  <p:par>
+                    <p:cTn id="8" fill="hold">
+                      <p:stCondLst>
+                        <p:cond delay="indefinite"/>
+                      </p:stCondLst>
+                      <p:childTnLst>
+                        <p:par>
+                          <p:cTn id="9" fill="hold">
+                            <p:stCondLst>
+                              <p:cond delay="0"/>
+                            </p:stCondLst>
+                            <p:childTnLst>
+                              <p:par>
+                                <p:cTn id="10" presetID="10" presetClass="entr" presetSubtype="0" fill="hold" nodeType="clickEffect">
+                                  <p:stCondLst>
+                                    <p:cond delay="0"/>
+                                  </p:stCondLst>
+                                  <p:childTnLst>
+                                    <p:set>
+                                      <p:cBhvr>
+                                        <p:cTn id="11" dur="1" fill="hold">
+                                          <p:stCondLst>
+                                            <p:cond delay="0"/>
+                                          </p:stCondLst>
+                                        </p:cTn>
+                                        <p:tgtEl>
+                                          <p:spTgt spid="7">
+                                            <p:txEl>
+                                              <p:pRg st="2" end="2"/>
+                                            </p:txEl>
+                                          </p:spTgt>
+                                        </p:tgtEl>
+                                        <p:attrNameLst>
+                                          <p:attrName>style.visibility</p:attrName>
+                                        </p:attrNameLst>
+                                      </p:cBhvr>
+                                      <p:to>
+                                        <p:strVal val="visible"/>
+                                      </p:to>
+                                    </p:set>
+                                    <p:animEffect transition="in" filter="fade">
+                                      <p:cBhvr>
+                                        <p:cTn id="12" dur="1000"/>
+                                        <p:tgtEl>
+                                          <p:spTgt spid="7">
+                                            <p:txEl>
+                                              <p:pRg st="2" end="2"/>
+                                            </p:txEl>
+                                          </p:spTgt>
+                                        </p:tgtEl>
+                                      </p:cBhvr>
+                                    </p:animEffect>
+                                  </p:childTnLst>
+                                </p:cTn>
+                              </p:par>
+                            </p:childTnLst>
+                          </p:cTn>
+                        </p:par>
+                      </p:childTnLst>
+                    </p:cTn>
+                  </p:par>
+                  <p:par>
+                    <p:cTn id="13" fill="hold">
+                      <p:stCondLst>
+                        <p:cond delay="indefinite"/>
+                      </p:stCondLst>
+                      <p:childTnLst>
+                        <p:par>
+                          <p:cTn id="14" fill="hold">
+                            <p:stCondLst>
+                              <p:cond delay="0"/>
+                            </p:stCondLst>
+                            <p:childTnLst>
+                              <p:par>
+                                <p:cTn id="15" presetID="10" presetClass="entr" presetSubtype="0" fill="hold" nodeType="clickEffect">
+                                  <p:stCondLst>
+                                    <p:cond delay="0"/>
+                                  </p:stCondLst>
+                                  <p:childTnLst>
+                                    <p:set>
+                                      <p:cBhvr>
+                                        <p:cTn id="16" dur="1" fill="hold">
+                                          <p:stCondLst>
+                                            <p:cond delay="0"/>
+                                          </p:stCondLst>
+                                        </p:cTn>
+                                        <p:tgtEl>
+                                          <p:spTgt spid="7">
+                                            <p:txEl>
+                                              <p:pRg st="4" end="4"/>
+                                            </p:txEl>
+                                          </p:spTgt>
+                                        </p:tgtEl>
+                                        <p:attrNameLst>
+                                          <p:attrName>style.visibility</p:attrName>
+                                        </p:attrNameLst>
+                                      </p:cBhvr>
+                                      <p:to>
+                                        <p:strVal val="visible"/>
+                                      </p:to>
+                                    </p:set>
+                                    <p:animEffect transition="in" filter="fade">
+                                      <p:cBhvr>
+                                        <p:cTn id="17" dur="1000"/>
+                                        <p:tgtEl>
+                                          <p:spTgt spid="7">
+                                            <p:txEl>
+                                              <p:pRg st="4" end="4"/>
                                             </p:txEl>
                                           </p:spTgt>
                                         </p:tgtEl>
@@ -16343,13 +16478,8 @@
             </a:pPr>
             <a:r>
               <a:rPr lang="en-US" dirty="0"/>
-              <a:t>Submission deadline </a:t>
-            </a:r>
-            <a:r>
-              <a:rPr lang="en-US"/>
-              <a:t>on webpage.</a:t>
-            </a:r>
-            <a:endParaRPr lang="en-US" dirty="0"/>
+              <a:t>Submission deadline on webpage.</a:t>
+            </a:r>
           </a:p>
           <a:p>
             <a:pPr marL="444498" indent="-342900">
@@ -19667,79 +19797,6 @@
           </a:p>
         </p:txBody>
       </p:sp>
-      <p:sp>
-        <p:nvSpPr>
-          <p:cNvPr id="4" name="TextBox 3">
-            <a:extLst>
-              <a:ext uri="{FF2B5EF4-FFF2-40B4-BE49-F238E27FC236}">
-                <a16:creationId xmlns:a16="http://schemas.microsoft.com/office/drawing/2014/main" id="{504F4A0D-9E47-8110-3DFE-FCAC1B655E8E}"/>
-              </a:ext>
-            </a:extLst>
-          </p:cNvPr>
-          <p:cNvSpPr txBox="1"/>
-          <p:nvPr/>
-        </p:nvSpPr>
-        <p:spPr>
-          <a:xfrm>
-            <a:off x="311422" y="6298463"/>
-            <a:ext cx="6434775" cy="430887"/>
-          </a:xfrm>
-          <a:prstGeom prst="rect">
-            <a:avLst/>
-          </a:prstGeom>
-          <a:noFill/>
-        </p:spPr>
-        <p:txBody>
-          <a:bodyPr wrap="none" rtlCol="0">
-            <a:spAutoFit/>
-          </a:bodyPr>
-          <a:lstStyle/>
-          <a:p>
-            <a:r>
-              <a:rPr lang="en-US" sz="1100" dirty="0">
-                <a:solidFill>
-                  <a:schemeClr val="bg1">
-                    <a:lumMod val="75000"/>
-                  </a:schemeClr>
-                </a:solidFill>
-              </a:rPr>
-              <a:t>Credit: https://towardsdatascience.com/introduction-to-na%C3%AFve-bayes-classifier-fa59e3e24aaf</a:t>
-            </a:r>
-          </a:p>
-          <a:p>
-            <a:r>
-              <a:rPr lang="en-US" sz="1100" dirty="0">
-                <a:solidFill>
-                  <a:schemeClr val="bg1">
-                    <a:lumMod val="75000"/>
-                  </a:schemeClr>
-                </a:solidFill>
-              </a:rPr>
-              <a:t>https://</a:t>
-            </a:r>
-            <a:r>
-              <a:rPr lang="en-US" sz="1100" dirty="0" err="1">
-                <a:solidFill>
-                  <a:schemeClr val="bg1">
-                    <a:lumMod val="75000"/>
-                  </a:schemeClr>
-                </a:solidFill>
-              </a:rPr>
-              <a:t>thatware.co</a:t>
-            </a:r>
-            <a:r>
-              <a:rPr lang="en-US" sz="1100" dirty="0">
-                <a:solidFill>
-                  <a:schemeClr val="bg1">
-                    <a:lumMod val="75000"/>
-                  </a:schemeClr>
-                </a:solidFill>
-              </a:rPr>
-              <a:t>/naive-bayes/</a:t>
-            </a:r>
-          </a:p>
-        </p:txBody>
-      </p:sp>
     </p:spTree>
     <p:extLst>
       <p:ext uri="{BB962C8B-B14F-4D97-AF65-F5344CB8AC3E}">
@@ -20212,7 +20269,7 @@
           <p:nvPr>
             <p:extLst>
               <p:ext uri="{D42A27DB-BD31-4B8C-83A1-F6EECF244321}">
-                <p14:modId xmlns:p14="http://schemas.microsoft.com/office/powerpoint/2010/main" val="3407924220"/>
+                <p14:modId xmlns:p14="http://schemas.microsoft.com/office/powerpoint/2010/main" val="3301020934"/>
               </p:ext>
             </p:extLst>
           </p:nvPr>
@@ -20246,7 +20303,11 @@
                         <a:buSzPct val="100000"/>
                       </a:pPr>
                       <a:r>
-                        <a:rPr lang="en-US" sz="2000" b="0" dirty="0"/>
+                        <a:rPr lang="en-US" sz="2000" b="0" dirty="0">
+                          <a:solidFill>
+                            <a:schemeClr val="tx1"/>
+                          </a:solidFill>
+                        </a:rPr>
                         <a:t>Just built an Email classifier based on naïve bayes.</a:t>
                       </a:r>
                     </a:p>
@@ -20255,13 +20316,28 @@
                         <a:buSzPct val="100000"/>
                       </a:pPr>
                       <a:r>
-                        <a:rPr lang="en-US" sz="2000" b="0" dirty="0"/>
+                        <a:rPr lang="en-US" sz="2000" b="0" dirty="0">
+                          <a:solidFill>
+                            <a:schemeClr val="tx1"/>
+                          </a:solidFill>
+                        </a:rPr>
                         <a:t>A new email arrives, and your classifier needs to label it as spam or ham. The email has content that says = “send money”</a:t>
                       </a:r>
-                      <a:endParaRPr lang="en-US" sz="2400" b="0" dirty="0"/>
+                      <a:endParaRPr lang="en-US" sz="2400" b="0" dirty="0">
+                        <a:solidFill>
+                          <a:schemeClr val="tx1"/>
+                        </a:solidFill>
+                      </a:endParaRPr>
                     </a:p>
                   </a:txBody>
-                  <a:tcPr/>
+                  <a:tcPr>
+                    <a:solidFill>
+                      <a:schemeClr val="tx2">
+                        <a:lumMod val="20000"/>
+                        <a:lumOff val="80000"/>
+                      </a:schemeClr>
+                    </a:solidFill>
+                  </a:tcPr>
                 </a:tc>
                 <a:extLst>
                   <a:ext uri="{0D108BD9-81ED-4DB2-BD59-A6C34878D82A}">
@@ -20354,6 +20430,35 @@
           </a:p>
         </p:txBody>
       </p:sp>
+      <p:pic>
+        <p:nvPicPr>
+          <p:cNvPr id="5" name="Picture 4">
+            <a:extLst>
+              <a:ext uri="{FF2B5EF4-FFF2-40B4-BE49-F238E27FC236}">
+                <a16:creationId xmlns:a16="http://schemas.microsoft.com/office/drawing/2014/main" id="{14359B71-6696-F2DA-F653-4845B5B253DF}"/>
+              </a:ext>
+            </a:extLst>
+          </p:cNvPr>
+          <p:cNvPicPr>
+            <a:picLocks noChangeAspect="1"/>
+          </p:cNvPicPr>
+          <p:nvPr/>
+        </p:nvPicPr>
+        <p:blipFill rotWithShape="1">
+          <a:blip r:embed="rId3"/>
+          <a:srcRect l="3114" t="27912" r="7793" b="12993"/>
+          <a:stretch/>
+        </p:blipFill>
+        <p:spPr>
+          <a:xfrm>
+            <a:off x="8279037" y="559537"/>
+            <a:ext cx="3703943" cy="1259235"/>
+          </a:xfrm>
+          <a:prstGeom prst="rect">
+            <a:avLst/>
+          </a:prstGeom>
+        </p:spPr>
+      </p:pic>
     </p:spTree>
     <p:extLst>
       <p:ext uri="{BB962C8B-B14F-4D97-AF65-F5344CB8AC3E}">
@@ -20534,15 +20639,6 @@
             <a:r>
               <a:rPr lang="en-US" sz="2800" dirty="0"/>
               <a:t> notebook provided</a:t>
-            </a:r>
-          </a:p>
-          <a:p>
-            <a:pPr marL="101598">
-              <a:buSzPct val="100000"/>
-            </a:pPr>
-            <a:r>
-              <a:rPr lang="en-US" sz="2800" dirty="0"/>
-              <a:t>4. </a:t>
             </a:r>
           </a:p>
         </p:txBody>
@@ -20653,6 +20749,13 @@
               <a:buSzPct val="100000"/>
               <a:buChar char="●"/>
             </a:pPr>
+            <a:endParaRPr lang="en-US" sz="2000" dirty="0"/>
+          </a:p>
+          <a:p>
+            <a:pPr marL="609585" indent="-507987">
+              <a:buSzPct val="100000"/>
+              <a:buChar char="●"/>
+            </a:pPr>
             <a:r>
               <a:rPr lang="en-US" sz="2000" dirty="0" err="1"/>
               <a:t>life_satisfaction</a:t>
@@ -20863,280 +20966,6 @@
   <p:clrMapOvr>
     <a:masterClrMapping/>
   </p:clrMapOvr>
-  <p:timing>
-    <p:tnLst>
-      <p:par>
-        <p:cTn id="1" dur="indefinite" restart="never" nodeType="tmRoot">
-          <p:childTnLst>
-            <p:seq concurrent="1" nextAc="seek">
-              <p:cTn id="2" dur="indefinite" nodeType="mainSeq">
-                <p:childTnLst>
-                  <p:par>
-                    <p:cTn id="3" fill="hold">
-                      <p:stCondLst>
-                        <p:cond delay="indefinite"/>
-                      </p:stCondLst>
-                      <p:childTnLst>
-                        <p:par>
-                          <p:cTn id="4" fill="hold">
-                            <p:stCondLst>
-                              <p:cond delay="0"/>
-                            </p:stCondLst>
-                            <p:childTnLst>
-                              <p:par>
-                                <p:cTn id="5" presetID="10" presetClass="entr" presetSubtype="0" fill="hold" nodeType="clickEffect">
-                                  <p:stCondLst>
-                                    <p:cond delay="0"/>
-                                  </p:stCondLst>
-                                  <p:childTnLst>
-                                    <p:set>
-                                      <p:cBhvr>
-                                        <p:cTn id="6" dur="1" fill="hold">
-                                          <p:stCondLst>
-                                            <p:cond delay="0"/>
-                                          </p:stCondLst>
-                                        </p:cTn>
-                                        <p:tgtEl>
-                                          <p:spTgt spid="96">
-                                            <p:txEl>
-                                              <p:pRg st="3" end="3"/>
-                                            </p:txEl>
-                                          </p:spTgt>
-                                        </p:tgtEl>
-                                        <p:attrNameLst>
-                                          <p:attrName>style.visibility</p:attrName>
-                                        </p:attrNameLst>
-                                      </p:cBhvr>
-                                      <p:to>
-                                        <p:strVal val="visible"/>
-                                      </p:to>
-                                    </p:set>
-                                    <p:animEffect transition="in" filter="fade">
-                                      <p:cBhvr>
-                                        <p:cTn id="7" dur="1000"/>
-                                        <p:tgtEl>
-                                          <p:spTgt spid="96">
-                                            <p:txEl>
-                                              <p:pRg st="3" end="3"/>
-                                            </p:txEl>
-                                          </p:spTgt>
-                                        </p:tgtEl>
-                                      </p:cBhvr>
-                                    </p:animEffect>
-                                  </p:childTnLst>
-                                </p:cTn>
-                              </p:par>
-                            </p:childTnLst>
-                          </p:cTn>
-                        </p:par>
-                      </p:childTnLst>
-                    </p:cTn>
-                  </p:par>
-                  <p:par>
-                    <p:cTn id="8" fill="hold">
-                      <p:stCondLst>
-                        <p:cond delay="indefinite"/>
-                      </p:stCondLst>
-                      <p:childTnLst>
-                        <p:par>
-                          <p:cTn id="9" fill="hold">
-                            <p:stCondLst>
-                              <p:cond delay="0"/>
-                            </p:stCondLst>
-                            <p:childTnLst>
-                              <p:par>
-                                <p:cTn id="10" presetID="10" presetClass="entr" presetSubtype="0" fill="hold" nodeType="clickEffect">
-                                  <p:stCondLst>
-                                    <p:cond delay="0"/>
-                                  </p:stCondLst>
-                                  <p:childTnLst>
-                                    <p:set>
-                                      <p:cBhvr>
-                                        <p:cTn id="11" dur="1" fill="hold">
-                                          <p:stCondLst>
-                                            <p:cond delay="0"/>
-                                          </p:stCondLst>
-                                        </p:cTn>
-                                        <p:tgtEl>
-                                          <p:spTgt spid="96">
-                                            <p:txEl>
-                                              <p:pRg st="5" end="5"/>
-                                            </p:txEl>
-                                          </p:spTgt>
-                                        </p:tgtEl>
-                                        <p:attrNameLst>
-                                          <p:attrName>style.visibility</p:attrName>
-                                        </p:attrNameLst>
-                                      </p:cBhvr>
-                                      <p:to>
-                                        <p:strVal val="visible"/>
-                                      </p:to>
-                                    </p:set>
-                                    <p:animEffect transition="in" filter="fade">
-                                      <p:cBhvr>
-                                        <p:cTn id="12" dur="1000"/>
-                                        <p:tgtEl>
-                                          <p:spTgt spid="96">
-                                            <p:txEl>
-                                              <p:pRg st="5" end="5"/>
-                                            </p:txEl>
-                                          </p:spTgt>
-                                        </p:tgtEl>
-                                      </p:cBhvr>
-                                    </p:animEffect>
-                                  </p:childTnLst>
-                                </p:cTn>
-                              </p:par>
-                            </p:childTnLst>
-                          </p:cTn>
-                        </p:par>
-                      </p:childTnLst>
-                    </p:cTn>
-                  </p:par>
-                  <p:par>
-                    <p:cTn id="13" fill="hold">
-                      <p:stCondLst>
-                        <p:cond delay="indefinite"/>
-                      </p:stCondLst>
-                      <p:childTnLst>
-                        <p:par>
-                          <p:cTn id="14" fill="hold">
-                            <p:stCondLst>
-                              <p:cond delay="0"/>
-                            </p:stCondLst>
-                            <p:childTnLst>
-                              <p:par>
-                                <p:cTn id="15" presetID="10" presetClass="entr" presetSubtype="0" fill="hold" nodeType="clickEffect">
-                                  <p:stCondLst>
-                                    <p:cond delay="0"/>
-                                  </p:stCondLst>
-                                  <p:childTnLst>
-                                    <p:set>
-                                      <p:cBhvr>
-                                        <p:cTn id="16" dur="1" fill="hold">
-                                          <p:stCondLst>
-                                            <p:cond delay="0"/>
-                                          </p:stCondLst>
-                                        </p:cTn>
-                                        <p:tgtEl>
-                                          <p:spTgt spid="96">
-                                            <p:txEl>
-                                              <p:pRg st="6" end="6"/>
-                                            </p:txEl>
-                                          </p:spTgt>
-                                        </p:tgtEl>
-                                        <p:attrNameLst>
-                                          <p:attrName>style.visibility</p:attrName>
-                                        </p:attrNameLst>
-                                      </p:cBhvr>
-                                      <p:to>
-                                        <p:strVal val="visible"/>
-                                      </p:to>
-                                    </p:set>
-                                    <p:animEffect transition="in" filter="fade">
-                                      <p:cBhvr>
-                                        <p:cTn id="17" dur="1000"/>
-                                        <p:tgtEl>
-                                          <p:spTgt spid="96">
-                                            <p:txEl>
-                                              <p:pRg st="6" end="6"/>
-                                            </p:txEl>
-                                          </p:spTgt>
-                                        </p:tgtEl>
-                                      </p:cBhvr>
-                                    </p:animEffect>
-                                  </p:childTnLst>
-                                </p:cTn>
-                              </p:par>
-                            </p:childTnLst>
-                          </p:cTn>
-                        </p:par>
-                      </p:childTnLst>
-                    </p:cTn>
-                  </p:par>
-                  <p:par>
-                    <p:cTn id="18" fill="hold">
-                      <p:stCondLst>
-                        <p:cond delay="indefinite"/>
-                      </p:stCondLst>
-                      <p:childTnLst>
-                        <p:par>
-                          <p:cTn id="19" fill="hold">
-                            <p:stCondLst>
-                              <p:cond delay="0"/>
-                            </p:stCondLst>
-                            <p:childTnLst>
-                              <p:par>
-                                <p:cTn id="20" presetID="10" presetClass="entr" presetSubtype="0" fill="hold" nodeType="clickEffect">
-                                  <p:stCondLst>
-                                    <p:cond delay="0"/>
-                                  </p:stCondLst>
-                                  <p:childTnLst>
-                                    <p:set>
-                                      <p:cBhvr>
-                                        <p:cTn id="21" dur="1" fill="hold">
-                                          <p:stCondLst>
-                                            <p:cond delay="0"/>
-                                          </p:stCondLst>
-                                        </p:cTn>
-                                        <p:tgtEl>
-                                          <p:spTgt spid="96">
-                                            <p:txEl>
-                                              <p:pRg st="1" end="1"/>
-                                            </p:txEl>
-                                          </p:spTgt>
-                                        </p:tgtEl>
-                                        <p:attrNameLst>
-                                          <p:attrName>style.visibility</p:attrName>
-                                        </p:attrNameLst>
-                                      </p:cBhvr>
-                                      <p:to>
-                                        <p:strVal val="visible"/>
-                                      </p:to>
-                                    </p:set>
-                                    <p:animEffect transition="in" filter="fade">
-                                      <p:cBhvr>
-                                        <p:cTn id="22" dur="1000"/>
-                                        <p:tgtEl>
-                                          <p:spTgt spid="96">
-                                            <p:txEl>
-                                              <p:pRg st="1" end="1"/>
-                                            </p:txEl>
-                                          </p:spTgt>
-                                        </p:tgtEl>
-                                      </p:cBhvr>
-                                    </p:animEffect>
-                                  </p:childTnLst>
-                                </p:cTn>
-                              </p:par>
-                            </p:childTnLst>
-                          </p:cTn>
-                        </p:par>
-                      </p:childTnLst>
-                    </p:cTn>
-                  </p:par>
-                </p:childTnLst>
-              </p:cTn>
-              <p:prevCondLst>
-                <p:cond evt="onPrev" delay="0">
-                  <p:tgtEl>
-                    <p:sldTgt/>
-                  </p:tgtEl>
-                </p:cond>
-              </p:prevCondLst>
-              <p:nextCondLst>
-                <p:cond evt="onNext" delay="0">
-                  <p:tgtEl>
-                    <p:sldTgt/>
-                  </p:tgtEl>
-                </p:cond>
-              </p:nextCondLst>
-            </p:seq>
-          </p:childTnLst>
-        </p:cTn>
-      </p:par>
-    </p:tnLst>
-  </p:timing>
 </p:sld>
 </file>
 
@@ -25909,17 +25738,9 @@
                   <a:srgbClr val="E46102"/>
                 </a:solidFill>
               </a:rPr>
-              <a:t>Types of Machine Learning </a:t>
-            </a:r>
-            <a:r>
-              <a:rPr lang="en-US" sz="4000" b="1" u="sng" dirty="0">
-                <a:solidFill>
-                  <a:srgbClr val="E46102"/>
-                </a:solidFill>
-              </a:rPr>
-              <a:t>Systems</a:t>
-            </a:r>
-            <a:endParaRPr sz="4000" b="1" u="sng" dirty="0">
+              <a:t>Types of Machine Learning models</a:t>
+            </a:r>
+            <a:endParaRPr sz="4000" b="1" dirty="0">
               <a:solidFill>
                 <a:srgbClr val="E46102"/>
               </a:solidFill>
@@ -25929,20 +25750,14 @@
       </p:sp>
       <p:sp>
         <p:nvSpPr>
-          <p:cNvPr id="7" name="Google Shape;96;p14">
-            <a:extLst>
-              <a:ext uri="{FF2B5EF4-FFF2-40B4-BE49-F238E27FC236}">
-                <a16:creationId xmlns:a16="http://schemas.microsoft.com/office/drawing/2014/main" id="{8C6EEC46-F378-4AE6-9BE9-CB7DD17A2827}"/>
-              </a:ext>
-            </a:extLst>
-          </p:cNvPr>
+          <p:cNvPr id="96" name="Google Shape;96;p14"/>
           <p:cNvSpPr txBox="1"/>
           <p:nvPr/>
         </p:nvSpPr>
         <p:spPr>
           <a:xfrm>
             <a:off x="521776" y="1137531"/>
-            <a:ext cx="11277600" cy="5104427"/>
+            <a:ext cx="10660574" cy="5104427"/>
           </a:xfrm>
           <a:prstGeom prst="rect">
             <a:avLst/>
@@ -25958,56 +25773,67 @@
           </a:bodyPr>
           <a:lstStyle/>
           <a:p>
-            <a:pPr marL="342900" indent="-342900">
-              <a:buFontTx/>
-              <a:buChar char="-"/>
-            </a:pPr>
-            <a:r>
-              <a:rPr lang="en-US" dirty="0"/>
-              <a:t>Whether or not they are trained with human supervision (Supervised, Unsupervised, Semi-supervised, and Reinforcement Learning)</a:t>
-            </a:r>
-          </a:p>
-          <a:p>
-            <a:pPr marL="342900" indent="-342900">
-              <a:buFontTx/>
-              <a:buChar char="-"/>
-            </a:pPr>
-            <a:endParaRPr lang="en-US" dirty="0"/>
-          </a:p>
-          <a:p>
-            <a:pPr marL="342900" indent="-342900">
-              <a:buFontTx/>
-              <a:buChar char="-"/>
-            </a:pPr>
-            <a:r>
-              <a:rPr lang="en-US" dirty="0"/>
-              <a:t>Whether or not they can learn incrementally on the fly (online versus batch learning)</a:t>
-            </a:r>
-          </a:p>
-          <a:p>
-            <a:pPr marL="342900" indent="-342900">
-              <a:buFontTx/>
-              <a:buChar char="-"/>
-            </a:pPr>
-            <a:endParaRPr lang="en-US" dirty="0"/>
-          </a:p>
-          <a:p>
-            <a:pPr marL="342900" indent="-342900">
-              <a:buFontTx/>
-              <a:buChar char="-"/>
-            </a:pPr>
-            <a:r>
-              <a:rPr lang="en-US" dirty="0"/>
-              <a:t>Whether they work by simply comparing new data points to known data points, or instead detect patterns in the training data and build a predictive model, much like scientists do (instance-based versus model-based learning).</a:t>
-            </a:r>
-            <a:endParaRPr sz="3200" dirty="0"/>
+            <a:pPr marL="101598">
+              <a:buSzPts val="2400"/>
+            </a:pPr>
+            <a:endParaRPr lang="en-US" sz="2000" b="1" dirty="0"/>
+          </a:p>
+          <a:p>
+            <a:pPr marL="609585" indent="-507987">
+              <a:buSzPts val="2400"/>
+              <a:buFont typeface="Arial" panose="020B0604020202020204" pitchFamily="34" charset="0"/>
+              <a:buChar char="•"/>
+            </a:pPr>
+            <a:r>
+              <a:rPr lang="en-US" sz="2800" dirty="0"/>
+              <a:t>Supervised</a:t>
+            </a:r>
+          </a:p>
+          <a:p>
+            <a:pPr marL="609585" indent="-507987">
+              <a:buSzPts val="2400"/>
+              <a:buFont typeface="Arial" panose="020B0604020202020204" pitchFamily="34" charset="0"/>
+              <a:buChar char="•"/>
+            </a:pPr>
+            <a:r>
+              <a:rPr lang="en-US" sz="2800" dirty="0"/>
+              <a:t>Unsupervised</a:t>
+            </a:r>
+          </a:p>
+          <a:p>
+            <a:pPr marL="609585" indent="-507987">
+              <a:buSzPts val="2400"/>
+              <a:buFont typeface="Arial" panose="020B0604020202020204" pitchFamily="34" charset="0"/>
+              <a:buChar char="•"/>
+            </a:pPr>
+            <a:r>
+              <a:rPr lang="en-US" sz="2800" dirty="0"/>
+              <a:t>Anomaly Detection</a:t>
+            </a:r>
+          </a:p>
+          <a:p>
+            <a:pPr marL="609585" indent="-507987">
+              <a:buSzPts val="2400"/>
+              <a:buFont typeface="Arial" panose="020B0604020202020204" pitchFamily="34" charset="0"/>
+              <a:buChar char="•"/>
+            </a:pPr>
+            <a:r>
+              <a:rPr lang="en-US" sz="2800" dirty="0"/>
+              <a:t>Reinforcement Learning</a:t>
+            </a:r>
+          </a:p>
+          <a:p>
+            <a:pPr marL="101598">
+              <a:buSzPts val="2400"/>
+            </a:pPr>
+            <a:endParaRPr sz="2000" dirty="0"/>
           </a:p>
         </p:txBody>
       </p:sp>
     </p:spTree>
     <p:extLst>
       <p:ext uri="{BB962C8B-B14F-4D97-AF65-F5344CB8AC3E}">
-        <p14:creationId xmlns:p14="http://schemas.microsoft.com/office/powerpoint/2010/main" val="1867217539"/>
+        <p14:creationId xmlns:p14="http://schemas.microsoft.com/office/powerpoint/2010/main" val="3088836636"/>
       </p:ext>
     </p:extLst>
   </p:cSld>
@@ -26048,9 +25874,9 @@
                                           </p:stCondLst>
                                         </p:cTn>
                                         <p:tgtEl>
-                                          <p:spTgt spid="7">
+                                          <p:spTgt spid="96">
                                             <p:txEl>
-                                              <p:pRg st="0" end="0"/>
+                                              <p:pRg st="1" end="1"/>
                                             </p:txEl>
                                           </p:spTgt>
                                         </p:tgtEl>
@@ -26066,9 +25892,9 @@
                                       <p:cBhvr>
                                         <p:cTn id="7" dur="1000"/>
                                         <p:tgtEl>
-                                          <p:spTgt spid="7">
+                                          <p:spTgt spid="96">
                                             <p:txEl>
-                                              <p:pRg st="0" end="0"/>
+                                              <p:pRg st="1" end="1"/>
                                             </p:txEl>
                                           </p:spTgt>
                                         </p:tgtEl>
@@ -26109,7 +25935,7 @@
                                           </p:stCondLst>
                                         </p:cTn>
                                         <p:tgtEl>
-                                          <p:spTgt spid="7">
+                                          <p:spTgt spid="96">
                                             <p:txEl>
                                               <p:pRg st="2" end="2"/>
                                             </p:txEl>
@@ -26127,7 +25953,7 @@
                                       <p:cBhvr>
                                         <p:cTn id="12" dur="1000"/>
                                         <p:tgtEl>
-                                          <p:spTgt spid="7">
+                                          <p:spTgt spid="96">
                                             <p:txEl>
                                               <p:pRg st="2" end="2"/>
                                             </p:txEl>
@@ -26170,9 +25996,9 @@
                                           </p:stCondLst>
                                         </p:cTn>
                                         <p:tgtEl>
-                                          <p:spTgt spid="7">
+                                          <p:spTgt spid="96">
                                             <p:txEl>
-                                              <p:pRg st="4" end="4"/>
+                                              <p:pRg st="3" end="3"/>
                                             </p:txEl>
                                           </p:spTgt>
                                         </p:tgtEl>
@@ -26188,7 +26014,68 @@
                                       <p:cBhvr>
                                         <p:cTn id="17" dur="1000"/>
                                         <p:tgtEl>
-                                          <p:spTgt spid="7">
+                                          <p:spTgt spid="96">
+                                            <p:txEl>
+                                              <p:pRg st="3" end="3"/>
+                                            </p:txEl>
+                                          </p:spTgt>
+                                        </p:tgtEl>
+                                      </p:cBhvr>
+                                    </p:animEffect>
+                                  </p:childTnLst>
+                                </p:cTn>
+                              </p:par>
+                            </p:childTnLst>
+                          </p:cTn>
+                        </p:par>
+                      </p:childTnLst>
+                    </p:cTn>
+                  </p:par>
+                  <p:par>
+                    <p:cTn id="18" fill="hold">
+                      <p:stCondLst>
+                        <p:cond delay="indefinite"/>
+                      </p:stCondLst>
+                      <p:childTnLst>
+                        <p:par>
+                          <p:cTn id="19" fill="hold">
+                            <p:stCondLst>
+                              <p:cond delay="0"/>
+                            </p:stCondLst>
+                            <p:childTnLst>
+                              <p:par>
+                                <p:cTn id="20" presetID="10" presetClass="entr" presetSubtype="0" fill="hold" nodeType="clickEffect">
+                                  <p:stCondLst>
+                                    <p:cond delay="0"/>
+                                  </p:stCondLst>
+                                  <p:childTnLst>
+                                    <p:set>
+                                      <p:cBhvr>
+                                        <p:cTn id="21" dur="1" fill="hold">
+                                          <p:stCondLst>
+                                            <p:cond delay="0"/>
+                                          </p:stCondLst>
+                                        </p:cTn>
+                                        <p:tgtEl>
+                                          <p:spTgt spid="96">
+                                            <p:txEl>
+                                              <p:pRg st="4" end="4"/>
+                                            </p:txEl>
+                                          </p:spTgt>
+                                        </p:tgtEl>
+                                        <p:attrNameLst>
+                                          <p:attrName>style.visibility</p:attrName>
+                                        </p:attrNameLst>
+                                      </p:cBhvr>
+                                      <p:to>
+                                        <p:strVal val="visible"/>
+                                      </p:to>
+                                    </p:set>
+                                    <p:animEffect transition="in" filter="fade">
+                                      <p:cBhvr>
+                                        <p:cTn id="22" dur="1000"/>
+                                        <p:tgtEl>
+                                          <p:spTgt spid="96">
                                             <p:txEl>
                                               <p:pRg st="4" end="4"/>
                                             </p:txEl>
@@ -27998,7 +27885,7 @@
                   <a:srgbClr val="E46102"/>
                 </a:solidFill>
               </a:rPr>
-              <a:t>Types of Machine Learning models</a:t>
+              <a:t>Supervised Learning</a:t>
             </a:r>
             <a:endParaRPr sz="4000" b="1" dirty="0">
               <a:solidFill>
@@ -28033,54 +27920,57 @@
           </a:bodyPr>
           <a:lstStyle/>
           <a:p>
+            <a:pPr marL="609585" indent="-507987">
+              <a:buSzPts val="2400"/>
+              <a:buChar char="●"/>
+            </a:pPr>
+            <a:r>
+              <a:rPr lang="en-US" sz="2000" b="1" dirty="0"/>
+              <a:t>Classification</a:t>
+            </a:r>
+          </a:p>
+          <a:p>
             <a:pPr marL="101598">
               <a:buSzPts val="2400"/>
             </a:pPr>
             <a:endParaRPr lang="en-US" sz="2000" b="1" dirty="0"/>
           </a:p>
           <a:p>
-            <a:pPr marL="609585" indent="-507987">
+            <a:pPr marL="1054083" lvl="1" indent="-342900">
               <a:buSzPts val="2400"/>
               <a:buFont typeface="Arial" panose="020B0604020202020204" pitchFamily="34" charset="0"/>
               <a:buChar char="•"/>
             </a:pPr>
             <a:r>
-              <a:rPr lang="en-US" sz="2800" dirty="0"/>
-              <a:t>Supervised</a:t>
-            </a:r>
-          </a:p>
-          <a:p>
-            <a:pPr marL="609585" indent="-507987">
+              <a:rPr lang="en-US" sz="2000" dirty="0"/>
+              <a:t>Trained with many example emails along with their class (spam or ham)</a:t>
+            </a:r>
+          </a:p>
+          <a:p>
+            <a:pPr marL="444498" indent="-342900">
               <a:buSzPts val="2400"/>
               <a:buFont typeface="Arial" panose="020B0604020202020204" pitchFamily="34" charset="0"/>
               <a:buChar char="•"/>
             </a:pPr>
-            <a:r>
-              <a:rPr lang="en-US" sz="2800" dirty="0"/>
-              <a:t>Unsupervised</a:t>
-            </a:r>
-          </a:p>
-          <a:p>
-            <a:pPr marL="609585" indent="-507987">
+            <a:endParaRPr lang="en-US" sz="2000" dirty="0"/>
+          </a:p>
+          <a:p>
+            <a:pPr marL="1054083" lvl="1" indent="-342900">
               <a:buSzPts val="2400"/>
               <a:buFont typeface="Arial" panose="020B0604020202020204" pitchFamily="34" charset="0"/>
               <a:buChar char="•"/>
             </a:pPr>
             <a:r>
-              <a:rPr lang="en-US" sz="2800" dirty="0"/>
-              <a:t>Anomaly Detection</a:t>
+              <a:rPr lang="en-US" sz="2000" dirty="0"/>
+              <a:t>It must learn how to classify new emails</a:t>
             </a:r>
           </a:p>
           <a:p>
             <a:pPr marL="609585" indent="-507987">
               <a:buSzPts val="2400"/>
-              <a:buFont typeface="Arial" panose="020B0604020202020204" pitchFamily="34" charset="0"/>
-              <a:buChar char="•"/>
-            </a:pPr>
-            <a:r>
-              <a:rPr lang="en-US" sz="2800" dirty="0"/>
-              <a:t>Reinforcement Learning</a:t>
-            </a:r>
+              <a:buChar char="●"/>
+            </a:pPr>
+            <a:endParaRPr lang="en-US" sz="2000" dirty="0"/>
           </a:p>
           <a:p>
             <a:pPr marL="101598">
@@ -28090,10 +27980,39 @@
           </a:p>
         </p:txBody>
       </p:sp>
+      <p:pic>
+        <p:nvPicPr>
+          <p:cNvPr id="5" name="Picture 4">
+            <a:extLst>
+              <a:ext uri="{FF2B5EF4-FFF2-40B4-BE49-F238E27FC236}">
+                <a16:creationId xmlns:a16="http://schemas.microsoft.com/office/drawing/2014/main" id="{5444EBC1-1E81-4A33-8BF4-9A93762CFEB5}"/>
+              </a:ext>
+            </a:extLst>
+          </p:cNvPr>
+          <p:cNvPicPr>
+            <a:picLocks noChangeAspect="1"/>
+          </p:cNvPicPr>
+          <p:nvPr/>
+        </p:nvPicPr>
+        <p:blipFill rotWithShape="1">
+          <a:blip r:embed="rId3"/>
+          <a:srcRect l="3114" t="27912" r="7793" b="12993"/>
+          <a:stretch/>
+        </p:blipFill>
+        <p:spPr>
+          <a:xfrm>
+            <a:off x="3009899" y="3256668"/>
+            <a:ext cx="7247082" cy="2463801"/>
+          </a:xfrm>
+          <a:prstGeom prst="rect">
+            <a:avLst/>
+          </a:prstGeom>
+        </p:spPr>
+      </p:pic>
     </p:spTree>
     <p:extLst>
       <p:ext uri="{BB962C8B-B14F-4D97-AF65-F5344CB8AC3E}">
-        <p14:creationId xmlns:p14="http://schemas.microsoft.com/office/powerpoint/2010/main" val="3088836636"/>
+        <p14:creationId xmlns:p14="http://schemas.microsoft.com/office/powerpoint/2010/main" val="3652239211"/>
       </p:ext>
     </p:extLst>
   </p:cSld>
@@ -28136,7 +28055,7 @@
                                         <p:tgtEl>
                                           <p:spTgt spid="96">
                                             <p:txEl>
-                                              <p:pRg st="1" end="1"/>
+                                              <p:pRg st="0" end="0"/>
                                             </p:txEl>
                                           </p:spTgt>
                                         </p:tgtEl>
@@ -28154,7 +28073,7 @@
                                         <p:tgtEl>
                                           <p:spTgt spid="96">
                                             <p:txEl>
-                                              <p:pRg st="1" end="1"/>
+                                              <p:pRg st="0" end="0"/>
                                             </p:txEl>
                                           </p:spTgt>
                                         </p:tgtEl>
@@ -28258,7 +28177,7 @@
                                         <p:tgtEl>
                                           <p:spTgt spid="96">
                                             <p:txEl>
-                                              <p:pRg st="3" end="3"/>
+                                              <p:pRg st="4" end="4"/>
                                             </p:txEl>
                                           </p:spTgt>
                                         </p:tgtEl>
@@ -28273,67 +28192,6 @@
                                     <p:animEffect transition="in" filter="fade">
                                       <p:cBhvr>
                                         <p:cTn id="17" dur="1000"/>
-                                        <p:tgtEl>
-                                          <p:spTgt spid="96">
-                                            <p:txEl>
-                                              <p:pRg st="3" end="3"/>
-                                            </p:txEl>
-                                          </p:spTgt>
-                                        </p:tgtEl>
-                                      </p:cBhvr>
-                                    </p:animEffect>
-                                  </p:childTnLst>
-                                </p:cTn>
-                              </p:par>
-                            </p:childTnLst>
-                          </p:cTn>
-                        </p:par>
-                      </p:childTnLst>
-                    </p:cTn>
-                  </p:par>
-                  <p:par>
-                    <p:cTn id="18" fill="hold">
-                      <p:stCondLst>
-                        <p:cond delay="indefinite"/>
-                      </p:stCondLst>
-                      <p:childTnLst>
-                        <p:par>
-                          <p:cTn id="19" fill="hold">
-                            <p:stCondLst>
-                              <p:cond delay="0"/>
-                            </p:stCondLst>
-                            <p:childTnLst>
-                              <p:par>
-                                <p:cTn id="20" presetID="10" presetClass="entr" presetSubtype="0" fill="hold" nodeType="clickEffect">
-                                  <p:stCondLst>
-                                    <p:cond delay="0"/>
-                                  </p:stCondLst>
-                                  <p:childTnLst>
-                                    <p:set>
-                                      <p:cBhvr>
-                                        <p:cTn id="21" dur="1" fill="hold">
-                                          <p:stCondLst>
-                                            <p:cond delay="0"/>
-                                          </p:stCondLst>
-                                        </p:cTn>
-                                        <p:tgtEl>
-                                          <p:spTgt spid="96">
-                                            <p:txEl>
-                                              <p:pRg st="4" end="4"/>
-                                            </p:txEl>
-                                          </p:spTgt>
-                                        </p:tgtEl>
-                                        <p:attrNameLst>
-                                          <p:attrName>style.visibility</p:attrName>
-                                        </p:attrNameLst>
-                                      </p:cBhvr>
-                                      <p:to>
-                                        <p:strVal val="visible"/>
-                                      </p:to>
-                                    </p:set>
-                                    <p:animEffect transition="in" filter="fade">
-                                      <p:cBhvr>
-                                        <p:cTn id="22" dur="1000"/>
                                         <p:tgtEl>
                                           <p:spTgt spid="96">
                                             <p:txEl>
@@ -28444,7 +28302,7 @@
         <p:spPr>
           <a:xfrm>
             <a:off x="521776" y="1137531"/>
-            <a:ext cx="10660574" cy="5104427"/>
+            <a:ext cx="5934832" cy="5104427"/>
           </a:xfrm>
           <a:prstGeom prst="rect">
             <a:avLst/>
@@ -28461,56 +28319,86 @@
           <a:lstStyle/>
           <a:p>
             <a:pPr marL="609585" indent="-507987">
-              <a:buSzPts val="2400"/>
-              <a:buChar char="●"/>
+              <a:buSzPct val="100000"/>
+              <a:buFont typeface="Arial" panose="020B0604020202020204" pitchFamily="34" charset="0"/>
+              <a:buChar char="•"/>
             </a:pPr>
             <a:r>
               <a:rPr lang="en-US" sz="2000" b="1" dirty="0"/>
-              <a:t>Classification</a:t>
+              <a:t>Regression</a:t>
+            </a:r>
+          </a:p>
+          <a:p>
+            <a:pPr marL="444498" indent="-342900">
+              <a:buSzPct val="100000"/>
+              <a:buFont typeface="Arial" panose="020B0604020202020204" pitchFamily="34" charset="0"/>
+              <a:buChar char="•"/>
+            </a:pPr>
+            <a:endParaRPr lang="en-US" sz="2000" dirty="0"/>
+          </a:p>
+          <a:p>
+            <a:pPr marL="609585" indent="-507987">
+              <a:buSzPct val="100000"/>
+              <a:buFont typeface="Arial" panose="020B0604020202020204" pitchFamily="34" charset="0"/>
+              <a:buChar char="•"/>
+            </a:pPr>
+            <a:r>
+              <a:rPr lang="en-US" sz="2000" dirty="0"/>
+              <a:t>Predict  target numeric value price of a car, given a set of features (mileage, age, brand, etc.) called predictors.</a:t>
             </a:r>
           </a:p>
           <a:p>
             <a:pPr marL="101598">
-              <a:buSzPts val="2400"/>
-            </a:pPr>
-            <a:endParaRPr lang="en-US" sz="2000" b="1" dirty="0"/>
+              <a:buSzPct val="100000"/>
+            </a:pPr>
+            <a:endParaRPr lang="en-US" sz="2000" dirty="0"/>
           </a:p>
           <a:p>
             <a:pPr marL="609585" indent="-507987">
-              <a:buSzPts val="2400"/>
-              <a:buChar char="●"/>
+              <a:buSzPct val="100000"/>
+              <a:buFont typeface="Arial" panose="020B0604020202020204" pitchFamily="34" charset="0"/>
+              <a:buChar char="•"/>
             </a:pPr>
             <a:r>
               <a:rPr lang="en-US" sz="2000" dirty="0"/>
-              <a:t>Trained with many example emails along with their class (spam or ham)</a:t>
-            </a:r>
-          </a:p>
-          <a:p>
-            <a:pPr marL="101598">
-              <a:buSzPts val="2400"/>
+              <a:t>Some regression algorithms can be used for classification as well</a:t>
+            </a:r>
+          </a:p>
+          <a:p>
+            <a:pPr marL="609585" indent="-507987">
+              <a:buSzPct val="100000"/>
+              <a:buFont typeface="Arial" panose="020B0604020202020204" pitchFamily="34" charset="0"/>
+              <a:buChar char="•"/>
             </a:pPr>
             <a:endParaRPr lang="en-US" sz="2000" dirty="0"/>
           </a:p>
           <a:p>
             <a:pPr marL="609585" indent="-507987">
-              <a:buSzPts val="2400"/>
-              <a:buChar char="●"/>
+              <a:buSzPct val="100000"/>
+              <a:buFont typeface="Arial" panose="020B0604020202020204" pitchFamily="34" charset="0"/>
+              <a:buChar char="•"/>
             </a:pPr>
             <a:r>
               <a:rPr lang="en-US" sz="2000" dirty="0"/>
-              <a:t>It must learn how to classify new emails</a:t>
-            </a:r>
-          </a:p>
-          <a:p>
-            <a:pPr marL="609585" indent="-507987">
-              <a:buSzPts val="2400"/>
-              <a:buChar char="●"/>
-            </a:pPr>
-            <a:endParaRPr lang="en-US" sz="2000" dirty="0"/>
-          </a:p>
-          <a:p>
-            <a:pPr marL="101598">
-              <a:buSzPts val="2400"/>
+              <a:t>Logistic Regression: can output a value that corresponds to the probability of belonging to a given class </a:t>
+            </a:r>
+          </a:p>
+          <a:p>
+            <a:pPr marL="1219170" lvl="1" indent="-507987">
+              <a:buSzPct val="100000"/>
+              <a:buFont typeface="Arial" panose="020B0604020202020204" pitchFamily="34" charset="0"/>
+              <a:buChar char="•"/>
+            </a:pPr>
+            <a:r>
+              <a:rPr lang="en-US" sz="2000" dirty="0"/>
+              <a:t>e.g., 20% chance of being spam</a:t>
+            </a:r>
+          </a:p>
+          <a:p>
+            <a:pPr marL="444498" indent="-342900">
+              <a:buSzPct val="100000"/>
+              <a:buFont typeface="Arial" panose="020B0604020202020204" pitchFamily="34" charset="0"/>
+              <a:buChar char="•"/>
             </a:pPr>
             <a:endParaRPr sz="2000" dirty="0"/>
           </a:p>
@@ -28518,10 +28406,10 @@
       </p:sp>
       <p:pic>
         <p:nvPicPr>
-          <p:cNvPr id="5" name="Picture 4">
+          <p:cNvPr id="2" name="Picture 1">
             <a:extLst>
               <a:ext uri="{FF2B5EF4-FFF2-40B4-BE49-F238E27FC236}">
-                <a16:creationId xmlns:a16="http://schemas.microsoft.com/office/drawing/2014/main" id="{5444EBC1-1E81-4A33-8BF4-9A93762CFEB5}"/>
+                <a16:creationId xmlns:a16="http://schemas.microsoft.com/office/drawing/2014/main" id="{5A21013E-7013-4682-A8D1-5A9D2AD17F3E}"/>
               </a:ext>
             </a:extLst>
           </p:cNvPr>
@@ -28532,13 +28420,13 @@
         </p:nvPicPr>
         <p:blipFill rotWithShape="1">
           <a:blip r:embed="rId3"/>
-          <a:srcRect l="3114" t="27912" r="7793" b="12993"/>
+          <a:srcRect l="2926" t="2145" r="9060" b="9137"/>
           <a:stretch/>
         </p:blipFill>
         <p:spPr>
           <a:xfrm>
-            <a:off x="3009899" y="3256668"/>
-            <a:ext cx="7247082" cy="2463801"/>
+            <a:off x="6997700" y="1549399"/>
+            <a:ext cx="4470400" cy="2298701"/>
           </a:xfrm>
           <a:prstGeom prst="rect">
             <a:avLst/>
@@ -28548,7 +28436,7 @@
     </p:spTree>
     <p:extLst>
       <p:ext uri="{BB962C8B-B14F-4D97-AF65-F5344CB8AC3E}">
-        <p14:creationId xmlns:p14="http://schemas.microsoft.com/office/powerpoint/2010/main" val="3652239211"/>
+        <p14:creationId xmlns:p14="http://schemas.microsoft.com/office/powerpoint/2010/main" val="2097126601"/>
       </p:ext>
     </p:extLst>
   </p:cSld>
@@ -28732,6 +28620,128 @@
                                           <p:spTgt spid="96">
                                             <p:txEl>
                                               <p:pRg st="4" end="4"/>
+                                            </p:txEl>
+                                          </p:spTgt>
+                                        </p:tgtEl>
+                                      </p:cBhvr>
+                                    </p:animEffect>
+                                  </p:childTnLst>
+                                </p:cTn>
+                              </p:par>
+                            </p:childTnLst>
+                          </p:cTn>
+                        </p:par>
+                      </p:childTnLst>
+                    </p:cTn>
+                  </p:par>
+                  <p:par>
+                    <p:cTn id="18" fill="hold">
+                      <p:stCondLst>
+                        <p:cond delay="indefinite"/>
+                      </p:stCondLst>
+                      <p:childTnLst>
+                        <p:par>
+                          <p:cTn id="19" fill="hold">
+                            <p:stCondLst>
+                              <p:cond delay="0"/>
+                            </p:stCondLst>
+                            <p:childTnLst>
+                              <p:par>
+                                <p:cTn id="20" presetID="10" presetClass="entr" presetSubtype="0" fill="hold" nodeType="clickEffect">
+                                  <p:stCondLst>
+                                    <p:cond delay="0"/>
+                                  </p:stCondLst>
+                                  <p:childTnLst>
+                                    <p:set>
+                                      <p:cBhvr>
+                                        <p:cTn id="21" dur="1" fill="hold">
+                                          <p:stCondLst>
+                                            <p:cond delay="0"/>
+                                          </p:stCondLst>
+                                        </p:cTn>
+                                        <p:tgtEl>
+                                          <p:spTgt spid="96">
+                                            <p:txEl>
+                                              <p:pRg st="6" end="6"/>
+                                            </p:txEl>
+                                          </p:spTgt>
+                                        </p:tgtEl>
+                                        <p:attrNameLst>
+                                          <p:attrName>style.visibility</p:attrName>
+                                        </p:attrNameLst>
+                                      </p:cBhvr>
+                                      <p:to>
+                                        <p:strVal val="visible"/>
+                                      </p:to>
+                                    </p:set>
+                                    <p:animEffect transition="in" filter="fade">
+                                      <p:cBhvr>
+                                        <p:cTn id="22" dur="1000"/>
+                                        <p:tgtEl>
+                                          <p:spTgt spid="96">
+                                            <p:txEl>
+                                              <p:pRg st="6" end="6"/>
+                                            </p:txEl>
+                                          </p:spTgt>
+                                        </p:tgtEl>
+                                      </p:cBhvr>
+                                    </p:animEffect>
+                                  </p:childTnLst>
+                                </p:cTn>
+                              </p:par>
+                            </p:childTnLst>
+                          </p:cTn>
+                        </p:par>
+                      </p:childTnLst>
+                    </p:cTn>
+                  </p:par>
+                  <p:par>
+                    <p:cTn id="23" fill="hold">
+                      <p:stCondLst>
+                        <p:cond delay="indefinite"/>
+                      </p:stCondLst>
+                      <p:childTnLst>
+                        <p:par>
+                          <p:cTn id="24" fill="hold">
+                            <p:stCondLst>
+                              <p:cond delay="0"/>
+                            </p:stCondLst>
+                            <p:childTnLst>
+                              <p:par>
+                                <p:cTn id="25" presetID="10" presetClass="entr" presetSubtype="0" fill="hold" nodeType="clickEffect">
+                                  <p:stCondLst>
+                                    <p:cond delay="0"/>
+                                  </p:stCondLst>
+                                  <p:childTnLst>
+                                    <p:set>
+                                      <p:cBhvr>
+                                        <p:cTn id="26" dur="1" fill="hold">
+                                          <p:stCondLst>
+                                            <p:cond delay="0"/>
+                                          </p:stCondLst>
+                                        </p:cTn>
+                                        <p:tgtEl>
+                                          <p:spTgt spid="96">
+                                            <p:txEl>
+                                              <p:pRg st="7" end="7"/>
+                                            </p:txEl>
+                                          </p:spTgt>
+                                        </p:tgtEl>
+                                        <p:attrNameLst>
+                                          <p:attrName>style.visibility</p:attrName>
+                                        </p:attrNameLst>
+                                      </p:cBhvr>
+                                      <p:to>
+                                        <p:strVal val="visible"/>
+                                      </p:to>
+                                    </p:set>
+                                    <p:animEffect transition="in" filter="fade">
+                                      <p:cBhvr>
+                                        <p:cTn id="27" dur="1000"/>
+                                        <p:tgtEl>
+                                          <p:spTgt spid="96">
+                                            <p:txEl>
+                                              <p:pRg st="7" end="7"/>
                                             </p:txEl>
                                           </p:spTgt>
                                         </p:tgtEl>
@@ -28819,7 +28829,7 @@
                   <a:srgbClr val="E46102"/>
                 </a:solidFill>
               </a:rPr>
-              <a:t>Supervised Learning</a:t>
+              <a:t>Supervised Learning we will study</a:t>
             </a:r>
             <a:endParaRPr sz="4000" b="1" dirty="0">
               <a:solidFill>
@@ -28837,8 +28847,8 @@
         </p:nvSpPr>
         <p:spPr>
           <a:xfrm>
-            <a:off x="521776" y="1137531"/>
-            <a:ext cx="5934832" cy="5104427"/>
+            <a:off x="521776" y="1283581"/>
+            <a:ext cx="11277600" cy="5104427"/>
           </a:xfrm>
           <a:prstGeom prst="rect">
             <a:avLst/>
@@ -28855,124 +28865,84 @@
           <a:lstStyle/>
           <a:p>
             <a:pPr marL="609585" indent="-507987">
-              <a:buSzPct val="100000"/>
-              <a:buFont typeface="Arial" panose="020B0604020202020204" pitchFamily="34" charset="0"/>
-              <a:buChar char="•"/>
-            </a:pPr>
-            <a:r>
-              <a:rPr lang="en-US" sz="2000" b="1" dirty="0"/>
-              <a:t>Regression</a:t>
-            </a:r>
-          </a:p>
-          <a:p>
-            <a:pPr marL="444498" indent="-342900">
-              <a:buSzPct val="100000"/>
-              <a:buFont typeface="Arial" panose="020B0604020202020204" pitchFamily="34" charset="0"/>
-              <a:buChar char="•"/>
-            </a:pPr>
-            <a:endParaRPr lang="en-US" sz="2000" dirty="0"/>
+              <a:buSzPts val="2400"/>
+              <a:buChar char="●"/>
+            </a:pPr>
+            <a:r>
+              <a:rPr lang="en-US" sz="3200" dirty="0"/>
+              <a:t>Regression – Simple, Linear, Logistic</a:t>
+            </a:r>
           </a:p>
           <a:p>
             <a:pPr marL="609585" indent="-507987">
-              <a:buSzPct val="100000"/>
-              <a:buFont typeface="Arial" panose="020B0604020202020204" pitchFamily="34" charset="0"/>
-              <a:buChar char="•"/>
-            </a:pPr>
-            <a:r>
-              <a:rPr lang="en-US" sz="2000" dirty="0"/>
-              <a:t>Predict  target numeric value price of a car, given a set of features (mileage, age, brand, etc.) called predictors.</a:t>
-            </a:r>
-          </a:p>
-          <a:p>
-            <a:pPr marL="101598">
-              <a:buSzPct val="100000"/>
-            </a:pPr>
-            <a:endParaRPr lang="en-US" sz="2000" dirty="0"/>
+              <a:buSzPts val="2400"/>
+              <a:buFontTx/>
+              <a:buChar char="●"/>
+            </a:pPr>
+            <a:r>
+              <a:rPr lang="en-US" sz="3200" dirty="0"/>
+              <a:t>Decision Trees</a:t>
+            </a:r>
           </a:p>
           <a:p>
             <a:pPr marL="609585" indent="-507987">
-              <a:buSzPct val="100000"/>
-              <a:buFont typeface="Arial" panose="020B0604020202020204" pitchFamily="34" charset="0"/>
-              <a:buChar char="•"/>
-            </a:pPr>
-            <a:r>
-              <a:rPr lang="en-US" sz="2000" dirty="0"/>
-              <a:t>Some regression algorithms can be used for classification as well</a:t>
+              <a:buSzPts val="2400"/>
+              <a:buChar char="●"/>
+            </a:pPr>
+            <a:r>
+              <a:rPr lang="en-US" sz="3200" dirty="0"/>
+              <a:t>Support Vector Machines (SVMs)</a:t>
             </a:r>
           </a:p>
           <a:p>
             <a:pPr marL="609585" indent="-507987">
-              <a:buSzPct val="100000"/>
-              <a:buFont typeface="Arial" panose="020B0604020202020204" pitchFamily="34" charset="0"/>
-              <a:buChar char="•"/>
-            </a:pPr>
-            <a:endParaRPr lang="en-US" sz="2000" dirty="0"/>
+              <a:buSzPts val="2400"/>
+              <a:buFontTx/>
+              <a:buChar char="●"/>
+            </a:pPr>
+            <a:r>
+              <a:rPr lang="en-US" sz="3200" dirty="0"/>
+              <a:t>Nearest Neighbors</a:t>
+            </a:r>
           </a:p>
           <a:p>
             <a:pPr marL="609585" indent="-507987">
-              <a:buSzPct val="100000"/>
-              <a:buFont typeface="Arial" panose="020B0604020202020204" pitchFamily="34" charset="0"/>
-              <a:buChar char="•"/>
-            </a:pPr>
-            <a:r>
-              <a:rPr lang="en-US" sz="2000" dirty="0"/>
-              <a:t>Logistic Regression: can output a value that corresponds to the probability of belonging to a given class </a:t>
-            </a:r>
-          </a:p>
-          <a:p>
-            <a:pPr marL="1219170" lvl="1" indent="-507987">
-              <a:buSzPct val="100000"/>
-              <a:buFont typeface="Arial" panose="020B0604020202020204" pitchFamily="34" charset="0"/>
-              <a:buChar char="•"/>
-            </a:pPr>
-            <a:r>
-              <a:rPr lang="en-US" sz="2000" dirty="0"/>
-              <a:t>e.g., 20% chance of being spam</a:t>
-            </a:r>
-          </a:p>
-          <a:p>
-            <a:pPr marL="444498" indent="-342900">
-              <a:buSzPct val="100000"/>
-              <a:buFont typeface="Arial" panose="020B0604020202020204" pitchFamily="34" charset="0"/>
-              <a:buChar char="•"/>
-            </a:pPr>
-            <a:endParaRPr sz="2000" dirty="0"/>
+              <a:buSzPts val="2400"/>
+              <a:buFontTx/>
+              <a:buChar char="●"/>
+            </a:pPr>
+            <a:r>
+              <a:rPr lang="en-US" sz="3200" dirty="0"/>
+              <a:t>Ensemble Learning</a:t>
+            </a:r>
+          </a:p>
+          <a:p>
+            <a:pPr marL="609585" indent="-507987">
+              <a:buSzPts val="2400"/>
+              <a:buChar char="●"/>
+            </a:pPr>
+            <a:r>
+              <a:rPr lang="en-US" sz="3200" dirty="0"/>
+              <a:t>Random Forests</a:t>
+            </a:r>
+          </a:p>
+          <a:p>
+            <a:pPr marL="609585" indent="-507987">
+              <a:buSzPts val="2400"/>
+              <a:buChar char="●"/>
+            </a:pPr>
+            <a:r>
+              <a:rPr lang="en-US" sz="3200" dirty="0"/>
+              <a:t>Neural networks (later)</a:t>
+            </a:r>
+            <a:endParaRPr sz="3200" dirty="0"/>
           </a:p>
         </p:txBody>
       </p:sp>
-      <p:pic>
-        <p:nvPicPr>
-          <p:cNvPr id="2" name="Picture 1">
-            <a:extLst>
-              <a:ext uri="{FF2B5EF4-FFF2-40B4-BE49-F238E27FC236}">
-                <a16:creationId xmlns:a16="http://schemas.microsoft.com/office/drawing/2014/main" id="{5A21013E-7013-4682-A8D1-5A9D2AD17F3E}"/>
-              </a:ext>
-            </a:extLst>
-          </p:cNvPr>
-          <p:cNvPicPr>
-            <a:picLocks noChangeAspect="1"/>
-          </p:cNvPicPr>
-          <p:nvPr/>
-        </p:nvPicPr>
-        <p:blipFill rotWithShape="1">
-          <a:blip r:embed="rId3"/>
-          <a:srcRect l="2926" t="2145" r="9060" b="9137"/>
-          <a:stretch/>
-        </p:blipFill>
-        <p:spPr>
-          <a:xfrm>
-            <a:off x="6997700" y="1549399"/>
-            <a:ext cx="4470400" cy="2298701"/>
-          </a:xfrm>
-          <a:prstGeom prst="rect">
-            <a:avLst/>
-          </a:prstGeom>
-        </p:spPr>
-      </p:pic>
     </p:spTree>
     <p:extLst>
       <p:ext uri="{BB962C8B-B14F-4D97-AF65-F5344CB8AC3E}">
-        <p14:creationId xmlns:p14="http://schemas.microsoft.com/office/powerpoint/2010/main" val="2097126601"/>
+        <p14:creationId xmlns:p14="http://schemas.microsoft.com/office/powerpoint/2010/main" val="142459094"/>
       </p:ext>
     </p:extLst>
   </p:cSld>
@@ -29137,7 +29107,7 @@
                                         <p:tgtEl>
                                           <p:spTgt spid="96">
                                             <p:txEl>
-                                              <p:pRg st="4" end="4"/>
+                                              <p:pRg st="1" end="1"/>
                                             </p:txEl>
                                           </p:spTgt>
                                         </p:tgtEl>
@@ -29155,7 +29125,7 @@
                                         <p:tgtEl>
                                           <p:spTgt spid="96">
                                             <p:txEl>
-                                              <p:pRg st="4" end="4"/>
+                                              <p:pRg st="1" end="1"/>
                                             </p:txEl>
                                           </p:spTgt>
                                         </p:tgtEl>
@@ -29198,7 +29168,7 @@
                                         <p:tgtEl>
                                           <p:spTgt spid="96">
                                             <p:txEl>
-                                              <p:pRg st="6" end="6"/>
+                                              <p:pRg st="3" end="3"/>
                                             </p:txEl>
                                           </p:spTgt>
                                         </p:tgtEl>
@@ -29216,7 +29186,7 @@
                                         <p:tgtEl>
                                           <p:spTgt spid="96">
                                             <p:txEl>
-                                              <p:pRg st="6" end="6"/>
+                                              <p:pRg st="3" end="3"/>
                                             </p:txEl>
                                           </p:spTgt>
                                         </p:tgtEl>
@@ -29259,7 +29229,7 @@
                                         <p:tgtEl>
                                           <p:spTgt spid="96">
                                             <p:txEl>
-                                              <p:pRg st="7" end="7"/>
+                                              <p:pRg st="4" end="4"/>
                                             </p:txEl>
                                           </p:spTgt>
                                         </p:tgtEl>
@@ -29277,7 +29247,129 @@
                                         <p:tgtEl>
                                           <p:spTgt spid="96">
                                             <p:txEl>
-                                              <p:pRg st="7" end="7"/>
+                                              <p:pRg st="4" end="4"/>
+                                            </p:txEl>
+                                          </p:spTgt>
+                                        </p:tgtEl>
+                                      </p:cBhvr>
+                                    </p:animEffect>
+                                  </p:childTnLst>
+                                </p:cTn>
+                              </p:par>
+                            </p:childTnLst>
+                          </p:cTn>
+                        </p:par>
+                      </p:childTnLst>
+                    </p:cTn>
+                  </p:par>
+                  <p:par>
+                    <p:cTn id="28" fill="hold">
+                      <p:stCondLst>
+                        <p:cond delay="indefinite"/>
+                      </p:stCondLst>
+                      <p:childTnLst>
+                        <p:par>
+                          <p:cTn id="29" fill="hold">
+                            <p:stCondLst>
+                              <p:cond delay="0"/>
+                            </p:stCondLst>
+                            <p:childTnLst>
+                              <p:par>
+                                <p:cTn id="30" presetID="10" presetClass="entr" presetSubtype="0" fill="hold" nodeType="clickEffect">
+                                  <p:stCondLst>
+                                    <p:cond delay="0"/>
+                                  </p:stCondLst>
+                                  <p:childTnLst>
+                                    <p:set>
+                                      <p:cBhvr>
+                                        <p:cTn id="31" dur="1" fill="hold">
+                                          <p:stCondLst>
+                                            <p:cond delay="0"/>
+                                          </p:stCondLst>
+                                        </p:cTn>
+                                        <p:tgtEl>
+                                          <p:spTgt spid="96">
+                                            <p:txEl>
+                                              <p:pRg st="5" end="5"/>
+                                            </p:txEl>
+                                          </p:spTgt>
+                                        </p:tgtEl>
+                                        <p:attrNameLst>
+                                          <p:attrName>style.visibility</p:attrName>
+                                        </p:attrNameLst>
+                                      </p:cBhvr>
+                                      <p:to>
+                                        <p:strVal val="visible"/>
+                                      </p:to>
+                                    </p:set>
+                                    <p:animEffect transition="in" filter="fade">
+                                      <p:cBhvr>
+                                        <p:cTn id="32" dur="1000"/>
+                                        <p:tgtEl>
+                                          <p:spTgt spid="96">
+                                            <p:txEl>
+                                              <p:pRg st="5" end="5"/>
+                                            </p:txEl>
+                                          </p:spTgt>
+                                        </p:tgtEl>
+                                      </p:cBhvr>
+                                    </p:animEffect>
+                                  </p:childTnLst>
+                                </p:cTn>
+                              </p:par>
+                            </p:childTnLst>
+                          </p:cTn>
+                        </p:par>
+                      </p:childTnLst>
+                    </p:cTn>
+                  </p:par>
+                  <p:par>
+                    <p:cTn id="33" fill="hold">
+                      <p:stCondLst>
+                        <p:cond delay="indefinite"/>
+                      </p:stCondLst>
+                      <p:childTnLst>
+                        <p:par>
+                          <p:cTn id="34" fill="hold">
+                            <p:stCondLst>
+                              <p:cond delay="0"/>
+                            </p:stCondLst>
+                            <p:childTnLst>
+                              <p:par>
+                                <p:cTn id="35" presetID="10" presetClass="entr" presetSubtype="0" fill="hold" nodeType="clickEffect">
+                                  <p:stCondLst>
+                                    <p:cond delay="0"/>
+                                  </p:stCondLst>
+                                  <p:childTnLst>
+                                    <p:set>
+                                      <p:cBhvr>
+                                        <p:cTn id="36" dur="1" fill="hold">
+                                          <p:stCondLst>
+                                            <p:cond delay="0"/>
+                                          </p:stCondLst>
+                                        </p:cTn>
+                                        <p:tgtEl>
+                                          <p:spTgt spid="96">
+                                            <p:txEl>
+                                              <p:pRg st="6" end="6"/>
+                                            </p:txEl>
+                                          </p:spTgt>
+                                        </p:tgtEl>
+                                        <p:attrNameLst>
+                                          <p:attrName>style.visibility</p:attrName>
+                                        </p:attrNameLst>
+                                      </p:cBhvr>
+                                      <p:to>
+                                        <p:strVal val="visible"/>
+                                      </p:to>
+                                    </p:set>
+                                    <p:animEffect transition="in" filter="fade">
+                                      <p:cBhvr>
+                                        <p:cTn id="37" dur="1000"/>
+                                        <p:tgtEl>
+                                          <p:spTgt spid="96">
+                                            <p:txEl>
+                                              <p:pRg st="6" end="6"/>
                                             </p:txEl>
                                           </p:spTgt>
                                         </p:tgtEl>
@@ -29365,7 +29457,7 @@
                   <a:srgbClr val="E46102"/>
                 </a:solidFill>
               </a:rPr>
-              <a:t>Supervised Learning we will study</a:t>
+              <a:t>Unsupervised Learning</a:t>
             </a:r>
             <a:endParaRPr sz="4000" b="1" dirty="0">
               <a:solidFill>
@@ -29383,7 +29475,7 @@
         </p:nvSpPr>
         <p:spPr>
           <a:xfrm>
-            <a:off x="521776" y="1283581"/>
+            <a:off x="521776" y="1137531"/>
             <a:ext cx="11277600" cy="5104427"/>
           </a:xfrm>
           <a:prstGeom prst="rect">
@@ -29405,19 +29497,8 @@
               <a:buChar char="●"/>
             </a:pPr>
             <a:r>
-              <a:rPr lang="en-US" sz="3200" dirty="0"/>
-              <a:t>Regression – Simple, Linear, Logistic</a:t>
-            </a:r>
-          </a:p>
-          <a:p>
-            <a:pPr marL="609585" indent="-507987">
-              <a:buSzPts val="2400"/>
-              <a:buFontTx/>
-              <a:buChar char="●"/>
-            </a:pPr>
-            <a:r>
-              <a:rPr lang="en-US" sz="3200" dirty="0"/>
-              <a:t>Decision Trees</a:t>
+              <a:rPr lang="en-US" dirty="0"/>
+              <a:t>Learn without a teacher</a:t>
             </a:r>
           </a:p>
           <a:p>
@@ -29425,32 +29506,7 @@
               <a:buSzPts val="2400"/>
               <a:buChar char="●"/>
             </a:pPr>
-            <a:r>
-              <a:rPr lang="en-US" sz="3200" dirty="0"/>
-              <a:t>Support Vector Machines (SVMs)</a:t>
-            </a:r>
-          </a:p>
-          <a:p>
-            <a:pPr marL="609585" indent="-507987">
-              <a:buSzPts val="2400"/>
-              <a:buFontTx/>
-              <a:buChar char="●"/>
-            </a:pPr>
-            <a:r>
-              <a:rPr lang="en-US" sz="3200" dirty="0"/>
-              <a:t>Nearest Neighbors</a:t>
-            </a:r>
-          </a:p>
-          <a:p>
-            <a:pPr marL="609585" indent="-507987">
-              <a:buSzPts val="2400"/>
-              <a:buFontTx/>
-              <a:buChar char="●"/>
-            </a:pPr>
-            <a:r>
-              <a:rPr lang="en-US" sz="3200" dirty="0"/>
-              <a:t>Ensemble Learning</a:t>
-            </a:r>
+            <a:endParaRPr lang="en-US" dirty="0"/>
           </a:p>
           <a:p>
             <a:pPr marL="609585" indent="-507987">
@@ -29458,8 +29514,18 @@
               <a:buChar char="●"/>
             </a:pPr>
             <a:r>
-              <a:rPr lang="en-US" sz="3200" dirty="0"/>
-              <a:t>Random Forests</a:t>
+              <a:rPr lang="en-US" dirty="0"/>
+              <a:t>Clustering </a:t>
+            </a:r>
+          </a:p>
+          <a:p>
+            <a:pPr marL="1219170" lvl="1" indent="-507987">
+              <a:buSzPts val="2400"/>
+              <a:buChar char="●"/>
+            </a:pPr>
+            <a:r>
+              <a:rPr lang="en-US" sz="2000" dirty="0"/>
+              <a:t>K-Means, DBSCAN, Hierarchical Cluster Analysis (HCA)</a:t>
             </a:r>
           </a:p>
           <a:p>
@@ -29467,18 +29533,91 @@
               <a:buSzPts val="2400"/>
               <a:buChar char="●"/>
             </a:pPr>
-            <a:r>
-              <a:rPr lang="en-US" sz="3200" dirty="0"/>
-              <a:t>Neural networks (later)</a:t>
-            </a:r>
-            <a:endParaRPr sz="3200" dirty="0"/>
+            <a:endParaRPr lang="en-US" dirty="0"/>
+          </a:p>
+          <a:p>
+            <a:pPr marL="609585" indent="-507987">
+              <a:buSzPts val="2400"/>
+              <a:buChar char="●"/>
+            </a:pPr>
+            <a:r>
+              <a:rPr lang="en-US" dirty="0"/>
+              <a:t>Anomaly detection and novelty detection </a:t>
+            </a:r>
+          </a:p>
+          <a:p>
+            <a:pPr marL="1219170" lvl="1" indent="-507987">
+              <a:buSzPts val="2400"/>
+              <a:buChar char="●"/>
+            </a:pPr>
+            <a:r>
+              <a:rPr lang="en-US" sz="2000" dirty="0"/>
+              <a:t>One-class SVM, Isolation Forest</a:t>
+            </a:r>
+          </a:p>
+          <a:p>
+            <a:pPr marL="609585" indent="-507987">
+              <a:buSzPts val="2400"/>
+              <a:buChar char="●"/>
+            </a:pPr>
+            <a:endParaRPr lang="en-US" dirty="0"/>
+          </a:p>
+          <a:p>
+            <a:pPr marL="609585" indent="-507987">
+              <a:buSzPts val="2400"/>
+              <a:buChar char="●"/>
+            </a:pPr>
+            <a:r>
+              <a:rPr lang="en-US" dirty="0"/>
+              <a:t>Visualization and dimensionality reduction </a:t>
+            </a:r>
+          </a:p>
+          <a:p>
+            <a:pPr marL="1219170" lvl="1" indent="-507987">
+              <a:buSzPts val="2400"/>
+              <a:buChar char="●"/>
+            </a:pPr>
+            <a:r>
+              <a:rPr lang="en-US" sz="2000" dirty="0"/>
+              <a:t>Principal Component Analysis (PCA), Kernel PCA, Locally-Linear Embedding (LLE), t-distributed Stochastic Neighbor Embedding (t-SNE)</a:t>
+            </a:r>
+            <a:endParaRPr lang="en-US" dirty="0"/>
           </a:p>
         </p:txBody>
       </p:sp>
+      <p:pic>
+        <p:nvPicPr>
+          <p:cNvPr id="2" name="Picture 1">
+            <a:extLst>
+              <a:ext uri="{FF2B5EF4-FFF2-40B4-BE49-F238E27FC236}">
+                <a16:creationId xmlns:a16="http://schemas.microsoft.com/office/drawing/2014/main" id="{F823EAF0-8F4A-41FD-8552-3CBE91ADF49B}"/>
+              </a:ext>
+            </a:extLst>
+          </p:cNvPr>
+          <p:cNvPicPr>
+            <a:picLocks noChangeAspect="1"/>
+          </p:cNvPicPr>
+          <p:nvPr/>
+        </p:nvPicPr>
+        <p:blipFill rotWithShape="1">
+          <a:blip r:embed="rId3"/>
+          <a:srcRect l="17780" t="3286" r="12968"/>
+          <a:stretch/>
+        </p:blipFill>
+        <p:spPr>
+          <a:xfrm>
+            <a:off x="8777134" y="1395211"/>
+            <a:ext cx="2841938" cy="1348746"/>
+          </a:xfrm>
+          <a:prstGeom prst="rect">
+            <a:avLst/>
+          </a:prstGeom>
+        </p:spPr>
+      </p:pic>
     </p:spTree>
     <p:extLst>
       <p:ext uri="{BB962C8B-B14F-4D97-AF65-F5344CB8AC3E}">
-        <p14:creationId xmlns:p14="http://schemas.microsoft.com/office/powerpoint/2010/main" val="142459094"/>
+        <p14:creationId xmlns:p14="http://schemas.microsoft.com/office/powerpoint/2010/main" val="2821791727"/>
       </p:ext>
     </p:extLst>
   </p:cSld>
@@ -29643,7 +29782,7 @@
                                         <p:tgtEl>
                                           <p:spTgt spid="96">
                                             <p:txEl>
-                                              <p:pRg st="1" end="1"/>
+                                              <p:pRg st="3" end="3"/>
                                             </p:txEl>
                                           </p:spTgt>
                                         </p:tgtEl>
@@ -29661,7 +29800,7 @@
                                         <p:tgtEl>
                                           <p:spTgt spid="96">
                                             <p:txEl>
-                                              <p:pRg st="1" end="1"/>
+                                              <p:pRg st="3" end="3"/>
                                             </p:txEl>
                                           </p:spTgt>
                                         </p:tgtEl>
@@ -29704,7 +29843,7 @@
                                         <p:tgtEl>
                                           <p:spTgt spid="96">
                                             <p:txEl>
-                                              <p:pRg st="3" end="3"/>
+                                              <p:pRg st="5" end="5"/>
                                             </p:txEl>
                                           </p:spTgt>
                                         </p:tgtEl>
@@ -29722,7 +29861,7 @@
                                         <p:tgtEl>
                                           <p:spTgt spid="96">
                                             <p:txEl>
-                                              <p:pRg st="3" end="3"/>
+                                              <p:pRg st="5" end="5"/>
                                             </p:txEl>
                                           </p:spTgt>
                                         </p:tgtEl>
@@ -29765,7 +29904,7 @@
                                         <p:tgtEl>
                                           <p:spTgt spid="96">
                                             <p:txEl>
-                                              <p:pRg st="4" end="4"/>
+                                              <p:pRg st="6" end="6"/>
                                             </p:txEl>
                                           </p:spTgt>
                                         </p:tgtEl>
@@ -29783,7 +29922,7 @@
                                         <p:tgtEl>
                                           <p:spTgt spid="96">
                                             <p:txEl>
-                                              <p:pRg st="4" end="4"/>
+                                              <p:pRg st="6" end="6"/>
                                             </p:txEl>
                                           </p:spTgt>
                                         </p:tgtEl>
@@ -29826,7 +29965,7 @@
                                         <p:tgtEl>
                                           <p:spTgt spid="96">
                                             <p:txEl>
-                                              <p:pRg st="5" end="5"/>
+                                              <p:pRg st="8" end="8"/>
                                             </p:txEl>
                                           </p:spTgt>
                                         </p:tgtEl>
@@ -29844,7 +29983,7 @@
                                         <p:tgtEl>
                                           <p:spTgt spid="96">
                                             <p:txEl>
-                                              <p:pRg st="5" end="5"/>
+                                              <p:pRg st="8" end="8"/>
                                             </p:txEl>
                                           </p:spTgt>
                                         </p:tgtEl>
@@ -29887,7 +30026,7 @@
                                         <p:tgtEl>
                                           <p:spTgt spid="96">
                                             <p:txEl>
-                                              <p:pRg st="6" end="6"/>
+                                              <p:pRg st="9" end="9"/>
                                             </p:txEl>
                                           </p:spTgt>
                                         </p:tgtEl>
@@ -29905,7 +30044,7 @@
                                         <p:tgtEl>
                                           <p:spTgt spid="96">
                                             <p:txEl>
-                                              <p:pRg st="6" end="6"/>
+                                              <p:pRg st="9" end="9"/>
                                             </p:txEl>
                                           </p:spTgt>
                                         </p:tgtEl>
@@ -29993,7 +30132,7 @@
                   <a:srgbClr val="E46102"/>
                 </a:solidFill>
               </a:rPr>
-              <a:t>Unsupervised Learning</a:t>
+              <a:t>Clustering</a:t>
             </a:r>
             <a:endParaRPr sz="4000" b="1" dirty="0">
               <a:solidFill>
@@ -30003,620 +30142,179 @@
           </a:p>
         </p:txBody>
       </p:sp>
-      <p:sp>
-        <p:nvSpPr>
-          <p:cNvPr id="96" name="Google Shape;96;p14"/>
-          <p:cNvSpPr txBox="1"/>
-          <p:nvPr/>
-        </p:nvSpPr>
-        <p:spPr>
-          <a:xfrm>
-            <a:off x="521776" y="1137531"/>
-            <a:ext cx="11277600" cy="5104427"/>
-          </a:xfrm>
-          <a:prstGeom prst="rect">
-            <a:avLst/>
-          </a:prstGeom>
-          <a:noFill/>
-          <a:ln>
-            <a:noFill/>
-          </a:ln>
-        </p:spPr>
-        <p:txBody>
-          <a:bodyPr spcFirstLastPara="1" wrap="square" lIns="121900" tIns="121900" rIns="121900" bIns="121900" anchor="t" anchorCtr="0">
-            <a:noAutofit/>
-          </a:bodyPr>
-          <a:lstStyle/>
-          <a:p>
-            <a:pPr marL="609585" indent="-507987">
-              <a:buSzPts val="2400"/>
-              <a:buChar char="●"/>
-            </a:pPr>
-            <a:r>
-              <a:rPr lang="en-US" dirty="0"/>
-              <a:t>Learn without a teacher</a:t>
-            </a:r>
-          </a:p>
-          <a:p>
-            <a:pPr marL="609585" indent="-507987">
-              <a:buSzPts val="2400"/>
-              <a:buChar char="●"/>
-            </a:pPr>
-            <a:endParaRPr lang="en-US" dirty="0"/>
-          </a:p>
-          <a:p>
-            <a:pPr marL="609585" indent="-507987">
-              <a:buSzPts val="2400"/>
-              <a:buChar char="●"/>
-            </a:pPr>
-            <a:r>
-              <a:rPr lang="en-US" dirty="0"/>
-              <a:t>Clustering </a:t>
-            </a:r>
-          </a:p>
-          <a:p>
-            <a:pPr marL="1219170" lvl="1" indent="-507987">
-              <a:buSzPts val="2400"/>
-              <a:buChar char="●"/>
-            </a:pPr>
-            <a:r>
-              <a:rPr lang="en-US" sz="2000" dirty="0"/>
-              <a:t>K-Means, DBSCAN, Hierarchical Cluster Analysis (HCA)</a:t>
-            </a:r>
-          </a:p>
-          <a:p>
-            <a:pPr marL="609585" indent="-507987">
-              <a:buSzPts val="2400"/>
-              <a:buChar char="●"/>
-            </a:pPr>
-            <a:endParaRPr lang="en-US" dirty="0"/>
-          </a:p>
-          <a:p>
-            <a:pPr marL="609585" indent="-507987">
-              <a:buSzPts val="2400"/>
-              <a:buChar char="●"/>
-            </a:pPr>
-            <a:r>
-              <a:rPr lang="en-US" dirty="0"/>
-              <a:t>Anomaly detection and novelty detection </a:t>
-            </a:r>
-          </a:p>
-          <a:p>
-            <a:pPr marL="1219170" lvl="1" indent="-507987">
-              <a:buSzPts val="2400"/>
-              <a:buChar char="●"/>
-            </a:pPr>
-            <a:r>
-              <a:rPr lang="en-US" sz="2000" dirty="0"/>
-              <a:t>One-class SVM, Isolation Forest</a:t>
-            </a:r>
-          </a:p>
-          <a:p>
-            <a:pPr marL="609585" indent="-507987">
-              <a:buSzPts val="2400"/>
-              <a:buChar char="●"/>
-            </a:pPr>
-            <a:endParaRPr lang="en-US" dirty="0"/>
-          </a:p>
-          <a:p>
-            <a:pPr marL="609585" indent="-507987">
-              <a:buSzPts val="2400"/>
-              <a:buChar char="●"/>
-            </a:pPr>
-            <a:r>
-              <a:rPr lang="en-US" dirty="0"/>
-              <a:t>Visualization and dimensionality reduction </a:t>
-            </a:r>
-          </a:p>
-          <a:p>
-            <a:pPr marL="1219170" lvl="1" indent="-507987">
-              <a:buSzPts val="2400"/>
-              <a:buChar char="●"/>
-            </a:pPr>
-            <a:r>
-              <a:rPr lang="en-US" sz="2000" dirty="0"/>
-              <a:t>Principal Component Analysis (PCA), Kernel PCA, Locally-Linear Embedding (LLE), t-distributed Stochastic Neighbor Embedding (t-SNE)</a:t>
-            </a:r>
-            <a:endParaRPr lang="en-US" dirty="0"/>
-          </a:p>
-        </p:txBody>
-      </p:sp>
-      <p:pic>
-        <p:nvPicPr>
-          <p:cNvPr id="2" name="Picture 1">
+      <p:grpSp>
+        <p:nvGrpSpPr>
+          <p:cNvPr id="7" name="Group 6">
             <a:extLst>
               <a:ext uri="{FF2B5EF4-FFF2-40B4-BE49-F238E27FC236}">
-                <a16:creationId xmlns:a16="http://schemas.microsoft.com/office/drawing/2014/main" id="{F823EAF0-8F4A-41FD-8552-3CBE91ADF49B}"/>
+                <a16:creationId xmlns:a16="http://schemas.microsoft.com/office/drawing/2014/main" id="{CE16B6AE-7316-4FF7-99F3-1CBD36C3498E}"/>
               </a:ext>
             </a:extLst>
           </p:cNvPr>
-          <p:cNvPicPr>
-            <a:picLocks noChangeAspect="1"/>
-          </p:cNvPicPr>
+          <p:cNvGrpSpPr/>
           <p:nvPr/>
-        </p:nvPicPr>
-        <p:blipFill rotWithShape="1">
-          <a:blip r:embed="rId3"/>
-          <a:srcRect l="17780" t="3286" r="12968"/>
-          <a:stretch/>
-        </p:blipFill>
-        <p:spPr>
+        </p:nvGrpSpPr>
+        <p:grpSpPr>
           <a:xfrm>
-            <a:off x="8777134" y="1395211"/>
-            <a:ext cx="2841938" cy="1348746"/>
+            <a:off x="2477129" y="2603052"/>
+            <a:ext cx="7545226" cy="1498364"/>
+            <a:chOff x="946779" y="2253802"/>
+            <a:chExt cx="7545226" cy="1498364"/>
           </a:xfrm>
-          <a:prstGeom prst="rect">
-            <a:avLst/>
-          </a:prstGeom>
-        </p:spPr>
-      </p:pic>
+        </p:grpSpPr>
+        <p:pic>
+          <p:nvPicPr>
+            <p:cNvPr id="2" name="Picture 1">
+              <a:extLst>
+                <a:ext uri="{FF2B5EF4-FFF2-40B4-BE49-F238E27FC236}">
+                  <a16:creationId xmlns:a16="http://schemas.microsoft.com/office/drawing/2014/main" id="{F823EAF0-8F4A-41FD-8552-3CBE91ADF49B}"/>
+                </a:ext>
+              </a:extLst>
+            </p:cNvPr>
+            <p:cNvPicPr>
+              <a:picLocks noChangeAspect="1"/>
+            </p:cNvPicPr>
+            <p:nvPr/>
+          </p:nvPicPr>
+          <p:blipFill rotWithShape="1">
+            <a:blip r:embed="rId3"/>
+            <a:srcRect l="17780" t="3286" r="12968"/>
+            <a:stretch/>
+          </p:blipFill>
+          <p:spPr>
+            <a:xfrm>
+              <a:off x="946779" y="2253802"/>
+              <a:ext cx="2841938" cy="1348746"/>
+            </a:xfrm>
+            <a:prstGeom prst="rect">
+              <a:avLst/>
+            </a:prstGeom>
+          </p:spPr>
+        </p:pic>
+        <p:pic>
+          <p:nvPicPr>
+            <p:cNvPr id="3" name="Picture 2">
+              <a:extLst>
+                <a:ext uri="{FF2B5EF4-FFF2-40B4-BE49-F238E27FC236}">
+                  <a16:creationId xmlns:a16="http://schemas.microsoft.com/office/drawing/2014/main" id="{82A4A288-D0CB-4F4D-9CEB-57BAB315379B}"/>
+                </a:ext>
+              </a:extLst>
+            </p:cNvPr>
+            <p:cNvPicPr>
+              <a:picLocks noChangeAspect="1"/>
+            </p:cNvPicPr>
+            <p:nvPr/>
+          </p:nvPicPr>
+          <p:blipFill>
+            <a:blip r:embed="rId4"/>
+            <a:stretch>
+              <a:fillRect/>
+            </a:stretch>
+          </p:blipFill>
+          <p:spPr>
+            <a:xfrm>
+              <a:off x="5664740" y="2253802"/>
+              <a:ext cx="2827265" cy="1425063"/>
+            </a:xfrm>
+            <a:prstGeom prst="rect">
+              <a:avLst/>
+            </a:prstGeom>
+          </p:spPr>
+        </p:pic>
+        <p:cxnSp>
+          <p:nvCxnSpPr>
+            <p:cNvPr id="5" name="Straight Arrow Connector 4">
+              <a:extLst>
+                <a:ext uri="{FF2B5EF4-FFF2-40B4-BE49-F238E27FC236}">
+                  <a16:creationId xmlns:a16="http://schemas.microsoft.com/office/drawing/2014/main" id="{67C01131-21C9-497C-97D9-25C85D4CCDEF}"/>
+                </a:ext>
+              </a:extLst>
+            </p:cNvPr>
+            <p:cNvCxnSpPr>
+              <a:stCxn id="2" idx="3"/>
+            </p:cNvCxnSpPr>
+            <p:nvPr/>
+          </p:nvCxnSpPr>
+          <p:spPr>
+            <a:xfrm>
+              <a:off x="3788717" y="2928175"/>
+              <a:ext cx="1876023" cy="0"/>
+            </a:xfrm>
+            <a:prstGeom prst="straightConnector1">
+              <a:avLst/>
+            </a:prstGeom>
+            <a:ln>
+              <a:tailEnd type="triangle"/>
+            </a:ln>
+          </p:spPr>
+          <p:style>
+            <a:lnRef idx="2">
+              <a:schemeClr val="accent1"/>
+            </a:lnRef>
+            <a:fillRef idx="0">
+              <a:schemeClr val="accent1"/>
+            </a:fillRef>
+            <a:effectRef idx="1">
+              <a:schemeClr val="accent1"/>
+            </a:effectRef>
+            <a:fontRef idx="minor">
+              <a:schemeClr val="tx1"/>
+            </a:fontRef>
+          </p:style>
+        </p:cxnSp>
+        <p:sp>
+          <p:nvSpPr>
+            <p:cNvPr id="6" name="Rectangle 5">
+              <a:extLst>
+                <a:ext uri="{FF2B5EF4-FFF2-40B4-BE49-F238E27FC236}">
+                  <a16:creationId xmlns:a16="http://schemas.microsoft.com/office/drawing/2014/main" id="{92A39F36-2506-44B1-8C4A-B0C2BDA0CD7C}"/>
+                </a:ext>
+              </a:extLst>
+            </p:cNvPr>
+            <p:cNvSpPr/>
+            <p:nvPr/>
+          </p:nvSpPr>
+          <p:spPr>
+            <a:xfrm>
+              <a:off x="3331338" y="3013502"/>
+              <a:ext cx="2721735" cy="738664"/>
+            </a:xfrm>
+            <a:prstGeom prst="rect">
+              <a:avLst/>
+            </a:prstGeom>
+          </p:spPr>
+          <p:txBody>
+            <a:bodyPr wrap="square">
+              <a:spAutoFit/>
+            </a:bodyPr>
+            <a:lstStyle/>
+            <a:p>
+              <a:pPr algn="ctr"/>
+              <a:r>
+                <a:rPr lang="en-US" sz="1400" dirty="0"/>
+                <a:t>run a clustering algorithm</a:t>
+              </a:r>
+            </a:p>
+            <a:p>
+              <a:pPr algn="ctr"/>
+              <a:r>
+                <a:rPr lang="en-US" sz="1400" dirty="0"/>
+                <a:t>to detect groups of similar visitors</a:t>
+              </a:r>
+            </a:p>
+          </p:txBody>
+        </p:sp>
+      </p:grpSp>
     </p:spTree>
     <p:extLst>
       <p:ext uri="{BB962C8B-B14F-4D97-AF65-F5344CB8AC3E}">
-        <p14:creationId xmlns:p14="http://schemas.microsoft.com/office/powerpoint/2010/main" val="2821791727"/>
+        <p14:creationId xmlns:p14="http://schemas.microsoft.com/office/powerpoint/2010/main" val="2823917293"/>
       </p:ext>
     </p:extLst>
   </p:cSld>
   <p:clrMapOvr>
     <a:masterClrMapping/>
   </p:clrMapOvr>
-  <p:timing>
-    <p:tnLst>
-      <p:par>
-        <p:cTn id="1" dur="indefinite" restart="never" nodeType="tmRoot">
-          <p:childTnLst>
-            <p:seq concurrent="1" nextAc="seek">
-              <p:cTn id="2" dur="indefinite" nodeType="mainSeq">
-                <p:childTnLst>
-                  <p:par>
-                    <p:cTn id="3" fill="hold">
-                      <p:stCondLst>
-                        <p:cond delay="indefinite"/>
-                      </p:stCondLst>
-                      <p:childTnLst>
-                        <p:par>
-                          <p:cTn id="4" fill="hold">
-                            <p:stCondLst>
-                              <p:cond delay="0"/>
-                            </p:stCondLst>
-                            <p:childTnLst>
-                              <p:par>
-                                <p:cTn id="5" presetID="10" presetClass="entr" presetSubtype="0" fill="hold" nodeType="clickEffect">
-                                  <p:stCondLst>
-                                    <p:cond delay="0"/>
-                                  </p:stCondLst>
-                                  <p:childTnLst>
-                                    <p:set>
-                                      <p:cBhvr>
-                                        <p:cTn id="6" dur="1" fill="hold">
-                                          <p:stCondLst>
-                                            <p:cond delay="0"/>
-                                          </p:stCondLst>
-                                        </p:cTn>
-                                        <p:tgtEl>
-                                          <p:spTgt spid="96">
-                                            <p:txEl>
-                                              <p:pRg st="0" end="0"/>
-                                            </p:txEl>
-                                          </p:spTgt>
-                                        </p:tgtEl>
-                                        <p:attrNameLst>
-                                          <p:attrName>style.visibility</p:attrName>
-                                        </p:attrNameLst>
-                                      </p:cBhvr>
-                                      <p:to>
-                                        <p:strVal val="visible"/>
-                                      </p:to>
-                                    </p:set>
-                                    <p:animEffect transition="in" filter="fade">
-                                      <p:cBhvr>
-                                        <p:cTn id="7" dur="1000"/>
-                                        <p:tgtEl>
-                                          <p:spTgt spid="96">
-                                            <p:txEl>
-                                              <p:pRg st="0" end="0"/>
-                                            </p:txEl>
-                                          </p:spTgt>
-                                        </p:tgtEl>
-                                      </p:cBhvr>
-                                    </p:animEffect>
-                                  </p:childTnLst>
-                                </p:cTn>
-                              </p:par>
-                            </p:childTnLst>
-                          </p:cTn>
-                        </p:par>
-                      </p:childTnLst>
-                    </p:cTn>
-                  </p:par>
-                  <p:par>
-                    <p:cTn id="8" fill="hold">
-                      <p:stCondLst>
-                        <p:cond delay="indefinite"/>
-                      </p:stCondLst>
-                      <p:childTnLst>
-                        <p:par>
-                          <p:cTn id="9" fill="hold">
-                            <p:stCondLst>
-                              <p:cond delay="0"/>
-                            </p:stCondLst>
-                            <p:childTnLst>
-                              <p:par>
-                                <p:cTn id="10" presetID="10" presetClass="entr" presetSubtype="0" fill="hold" nodeType="clickEffect">
-                                  <p:stCondLst>
-                                    <p:cond delay="0"/>
-                                  </p:stCondLst>
-                                  <p:childTnLst>
-                                    <p:set>
-                                      <p:cBhvr>
-                                        <p:cTn id="11" dur="1" fill="hold">
-                                          <p:stCondLst>
-                                            <p:cond delay="0"/>
-                                          </p:stCondLst>
-                                        </p:cTn>
-                                        <p:tgtEl>
-                                          <p:spTgt spid="96">
-                                            <p:txEl>
-                                              <p:pRg st="2" end="2"/>
-                                            </p:txEl>
-                                          </p:spTgt>
-                                        </p:tgtEl>
-                                        <p:attrNameLst>
-                                          <p:attrName>style.visibility</p:attrName>
-                                        </p:attrNameLst>
-                                      </p:cBhvr>
-                                      <p:to>
-                                        <p:strVal val="visible"/>
-                                      </p:to>
-                                    </p:set>
-                                    <p:animEffect transition="in" filter="fade">
-                                      <p:cBhvr>
-                                        <p:cTn id="12" dur="1000"/>
-                                        <p:tgtEl>
-                                          <p:spTgt spid="96">
-                                            <p:txEl>
-                                              <p:pRg st="2" end="2"/>
-                                            </p:txEl>
-                                          </p:spTgt>
-                                        </p:tgtEl>
-                                      </p:cBhvr>
-                                    </p:animEffect>
-                                  </p:childTnLst>
-                                </p:cTn>
-                              </p:par>
-                            </p:childTnLst>
-                          </p:cTn>
-                        </p:par>
-                      </p:childTnLst>
-                    </p:cTn>
-                  </p:par>
-                  <p:par>
-                    <p:cTn id="13" fill="hold">
-                      <p:stCondLst>
-                        <p:cond delay="indefinite"/>
-                      </p:stCondLst>
-                      <p:childTnLst>
-                        <p:par>
-                          <p:cTn id="14" fill="hold">
-                            <p:stCondLst>
-                              <p:cond delay="0"/>
-                            </p:stCondLst>
-                            <p:childTnLst>
-                              <p:par>
-                                <p:cTn id="15" presetID="10" presetClass="entr" presetSubtype="0" fill="hold" nodeType="clickEffect">
-                                  <p:stCondLst>
-                                    <p:cond delay="0"/>
-                                  </p:stCondLst>
-                                  <p:childTnLst>
-                                    <p:set>
-                                      <p:cBhvr>
-                                        <p:cTn id="16" dur="1" fill="hold">
-                                          <p:stCondLst>
-                                            <p:cond delay="0"/>
-                                          </p:stCondLst>
-                                        </p:cTn>
-                                        <p:tgtEl>
-                                          <p:spTgt spid="96">
-                                            <p:txEl>
-                                              <p:pRg st="3" end="3"/>
-                                            </p:txEl>
-                                          </p:spTgt>
-                                        </p:tgtEl>
-                                        <p:attrNameLst>
-                                          <p:attrName>style.visibility</p:attrName>
-                                        </p:attrNameLst>
-                                      </p:cBhvr>
-                                      <p:to>
-                                        <p:strVal val="visible"/>
-                                      </p:to>
-                                    </p:set>
-                                    <p:animEffect transition="in" filter="fade">
-                                      <p:cBhvr>
-                                        <p:cTn id="17" dur="1000"/>
-                                        <p:tgtEl>
-                                          <p:spTgt spid="96">
-                                            <p:txEl>
-                                              <p:pRg st="3" end="3"/>
-                                            </p:txEl>
-                                          </p:spTgt>
-                                        </p:tgtEl>
-                                      </p:cBhvr>
-                                    </p:animEffect>
-                                  </p:childTnLst>
-                                </p:cTn>
-                              </p:par>
-                            </p:childTnLst>
-                          </p:cTn>
-                        </p:par>
-                      </p:childTnLst>
-                    </p:cTn>
-                  </p:par>
-                  <p:par>
-                    <p:cTn id="18" fill="hold">
-                      <p:stCondLst>
-                        <p:cond delay="indefinite"/>
-                      </p:stCondLst>
-                      <p:childTnLst>
-                        <p:par>
-                          <p:cTn id="19" fill="hold">
-                            <p:stCondLst>
-                              <p:cond delay="0"/>
-                            </p:stCondLst>
-                            <p:childTnLst>
-                              <p:par>
-                                <p:cTn id="20" presetID="10" presetClass="entr" presetSubtype="0" fill="hold" nodeType="clickEffect">
-                                  <p:stCondLst>
-                                    <p:cond delay="0"/>
-                                  </p:stCondLst>
-                                  <p:childTnLst>
-                                    <p:set>
-                                      <p:cBhvr>
-                                        <p:cTn id="21" dur="1" fill="hold">
-                                          <p:stCondLst>
-                                            <p:cond delay="0"/>
-                                          </p:stCondLst>
-                                        </p:cTn>
-                                        <p:tgtEl>
-                                          <p:spTgt spid="96">
-                                            <p:txEl>
-                                              <p:pRg st="5" end="5"/>
-                                            </p:txEl>
-                                          </p:spTgt>
-                                        </p:tgtEl>
-                                        <p:attrNameLst>
-                                          <p:attrName>style.visibility</p:attrName>
-                                        </p:attrNameLst>
-                                      </p:cBhvr>
-                                      <p:to>
-                                        <p:strVal val="visible"/>
-                                      </p:to>
-                                    </p:set>
-                                    <p:animEffect transition="in" filter="fade">
-                                      <p:cBhvr>
-                                        <p:cTn id="22" dur="1000"/>
-                                        <p:tgtEl>
-                                          <p:spTgt spid="96">
-                                            <p:txEl>
-                                              <p:pRg st="5" end="5"/>
-                                            </p:txEl>
-                                          </p:spTgt>
-                                        </p:tgtEl>
-                                      </p:cBhvr>
-                                    </p:animEffect>
-                                  </p:childTnLst>
-                                </p:cTn>
-                              </p:par>
-                            </p:childTnLst>
-                          </p:cTn>
-                        </p:par>
-                      </p:childTnLst>
-                    </p:cTn>
-                  </p:par>
-                  <p:par>
-                    <p:cTn id="23" fill="hold">
-                      <p:stCondLst>
-                        <p:cond delay="indefinite"/>
-                      </p:stCondLst>
-                      <p:childTnLst>
-                        <p:par>
-                          <p:cTn id="24" fill="hold">
-                            <p:stCondLst>
-                              <p:cond delay="0"/>
-                            </p:stCondLst>
-                            <p:childTnLst>
-                              <p:par>
-                                <p:cTn id="25" presetID="10" presetClass="entr" presetSubtype="0" fill="hold" nodeType="clickEffect">
-                                  <p:stCondLst>
-                                    <p:cond delay="0"/>
-                                  </p:stCondLst>
-                                  <p:childTnLst>
-                                    <p:set>
-                                      <p:cBhvr>
-                                        <p:cTn id="26" dur="1" fill="hold">
-                                          <p:stCondLst>
-                                            <p:cond delay="0"/>
-                                          </p:stCondLst>
-                                        </p:cTn>
-                                        <p:tgtEl>
-                                          <p:spTgt spid="96">
-                                            <p:txEl>
-                                              <p:pRg st="6" end="6"/>
-                                            </p:txEl>
-                                          </p:spTgt>
-                                        </p:tgtEl>
-                                        <p:attrNameLst>
-                                          <p:attrName>style.visibility</p:attrName>
-                                        </p:attrNameLst>
-                                      </p:cBhvr>
-                                      <p:to>
-                                        <p:strVal val="visible"/>
-                                      </p:to>
-                                    </p:set>
-                                    <p:animEffect transition="in" filter="fade">
-                                      <p:cBhvr>
-                                        <p:cTn id="27" dur="1000"/>
-                                        <p:tgtEl>
-                                          <p:spTgt spid="96">
-                                            <p:txEl>
-                                              <p:pRg st="6" end="6"/>
-                                            </p:txEl>
-                                          </p:spTgt>
-                                        </p:tgtEl>
-                                      </p:cBhvr>
-                                    </p:animEffect>
-                                  </p:childTnLst>
-                                </p:cTn>
-                              </p:par>
-                            </p:childTnLst>
-                          </p:cTn>
-                        </p:par>
-                      </p:childTnLst>
-                    </p:cTn>
-                  </p:par>
-                  <p:par>
-                    <p:cTn id="28" fill="hold">
-                      <p:stCondLst>
-                        <p:cond delay="indefinite"/>
-                      </p:stCondLst>
-                      <p:childTnLst>
-                        <p:par>
-                          <p:cTn id="29" fill="hold">
-                            <p:stCondLst>
-                              <p:cond delay="0"/>
-                            </p:stCondLst>
-                            <p:childTnLst>
-                              <p:par>
-                                <p:cTn id="30" presetID="10" presetClass="entr" presetSubtype="0" fill="hold" nodeType="clickEffect">
-                                  <p:stCondLst>
-                                    <p:cond delay="0"/>
-                                  </p:stCondLst>
-                                  <p:childTnLst>
-                                    <p:set>
-                                      <p:cBhvr>
-                                        <p:cTn id="31" dur="1" fill="hold">
-                                          <p:stCondLst>
-                                            <p:cond delay="0"/>
-                                          </p:stCondLst>
-                                        </p:cTn>
-                                        <p:tgtEl>
-                                          <p:spTgt spid="96">
-                                            <p:txEl>
-                                              <p:pRg st="8" end="8"/>
-                                            </p:txEl>
-                                          </p:spTgt>
-                                        </p:tgtEl>
-                                        <p:attrNameLst>
-                                          <p:attrName>style.visibility</p:attrName>
-                                        </p:attrNameLst>
-                                      </p:cBhvr>
-                                      <p:to>
-                                        <p:strVal val="visible"/>
-                                      </p:to>
-                                    </p:set>
-                                    <p:animEffect transition="in" filter="fade">
-                                      <p:cBhvr>
-                                        <p:cTn id="32" dur="1000"/>
-                                        <p:tgtEl>
-                                          <p:spTgt spid="96">
-                                            <p:txEl>
-                                              <p:pRg st="8" end="8"/>
-                                            </p:txEl>
-                                          </p:spTgt>
-                                        </p:tgtEl>
-                                      </p:cBhvr>
-                                    </p:animEffect>
-                                  </p:childTnLst>
-                                </p:cTn>
-                              </p:par>
-                            </p:childTnLst>
-                          </p:cTn>
-                        </p:par>
-                      </p:childTnLst>
-                    </p:cTn>
-                  </p:par>
-                  <p:par>
-                    <p:cTn id="33" fill="hold">
-                      <p:stCondLst>
-                        <p:cond delay="indefinite"/>
-                      </p:stCondLst>
-                      <p:childTnLst>
-                        <p:par>
-                          <p:cTn id="34" fill="hold">
-                            <p:stCondLst>
-                              <p:cond delay="0"/>
-                            </p:stCondLst>
-                            <p:childTnLst>
-                              <p:par>
-                                <p:cTn id="35" presetID="10" presetClass="entr" presetSubtype="0" fill="hold" nodeType="clickEffect">
-                                  <p:stCondLst>
-                                    <p:cond delay="0"/>
-                                  </p:stCondLst>
-                                  <p:childTnLst>
-                                    <p:set>
-                                      <p:cBhvr>
-                                        <p:cTn id="36" dur="1" fill="hold">
-                                          <p:stCondLst>
-                                            <p:cond delay="0"/>
-                                          </p:stCondLst>
-                                        </p:cTn>
-                                        <p:tgtEl>
-                                          <p:spTgt spid="96">
-                                            <p:txEl>
-                                              <p:pRg st="9" end="9"/>
-                                            </p:txEl>
-                                          </p:spTgt>
-                                        </p:tgtEl>
-                                        <p:attrNameLst>
-                                          <p:attrName>style.visibility</p:attrName>
-                                        </p:attrNameLst>
-                                      </p:cBhvr>
-                                      <p:to>
-                                        <p:strVal val="visible"/>
-                                      </p:to>
-                                    </p:set>
-                                    <p:animEffect transition="in" filter="fade">
-                                      <p:cBhvr>
-                                        <p:cTn id="37" dur="1000"/>
-                                        <p:tgtEl>
-                                          <p:spTgt spid="96">
-                                            <p:txEl>
-                                              <p:pRg st="9" end="9"/>
-                                            </p:txEl>
-                                          </p:spTgt>
-                                        </p:tgtEl>
-                                      </p:cBhvr>
-                                    </p:animEffect>
-                                  </p:childTnLst>
-                                </p:cTn>
-                              </p:par>
-                            </p:childTnLst>
-                          </p:cTn>
-                        </p:par>
-                      </p:childTnLst>
-                    </p:cTn>
-                  </p:par>
-                </p:childTnLst>
-              </p:cTn>
-              <p:prevCondLst>
-                <p:cond evt="onPrev" delay="0">
-                  <p:tgtEl>
-                    <p:sldTgt/>
-                  </p:tgtEl>
-                </p:cond>
-              </p:prevCondLst>
-              <p:nextCondLst>
-                <p:cond evt="onNext" delay="0">
-                  <p:tgtEl>
-                    <p:sldTgt/>
-                  </p:tgtEl>
-                </p:cond>
-              </p:nextCondLst>
-            </p:seq>
-          </p:childTnLst>
-        </p:cTn>
-      </p:par>
-    </p:tnLst>
-  </p:timing>
 </p:sld>
 </file>
 

--- a/Syllabus/Lecture02/Lec02.pptx
+++ b/Syllabus/Lecture02/Lec02.pptx
@@ -20570,7 +20570,15 @@
             </a:pPr>
             <a:r>
               <a:rPr lang="en-US" sz="2800" dirty="0"/>
-              <a:t>Use famous iris dataset. Link: https://</a:t>
+              <a:t>Use famous iris dataset. </a:t>
+            </a:r>
+            <a:r>
+              <a:rPr lang="en-US" sz="2800" dirty="0" err="1"/>
+              <a:t>Link:https</a:t>
+            </a:r>
+            <a:r>
+              <a:rPr lang="en-US" sz="2800" dirty="0"/>
+              <a:t>://</a:t>
             </a:r>
             <a:r>
               <a:rPr lang="en-US" sz="2800" dirty="0" err="1"/>
@@ -20582,39 +20590,48 @@
             </a:r>
           </a:p>
           <a:p>
-            <a:pPr lvl="1"/>
-            <a:r>
-              <a:rPr lang="en-US" dirty="0"/>
-              <a:t>The iris dataset contains the following data</a:t>
-            </a:r>
-          </a:p>
-          <a:p>
-            <a:pPr lvl="1"/>
-            <a:r>
-              <a:rPr lang="en-US" dirty="0"/>
-              <a:t>50 samples of 3 different species of iris (150 samples total)</a:t>
-            </a:r>
-          </a:p>
-          <a:p>
-            <a:pPr lvl="1"/>
-            <a:r>
-              <a:rPr lang="en-US" dirty="0"/>
-              <a:t>Measurements: sepal length, sepal width, petal length, petal width</a:t>
-            </a:r>
-          </a:p>
-          <a:p>
-            <a:pPr lvl="1"/>
-            <a:r>
-              <a:rPr lang="en-US" dirty="0"/>
-              <a:t>The format for the data: (sepal length, sepal width, petal length, petal width)</a:t>
-            </a:r>
-            <a:endParaRPr lang="en-US" sz="2800" dirty="0"/>
-          </a:p>
-          <a:p>
             <a:pPr marL="101598">
               <a:buSzPct val="100000"/>
             </a:pPr>
             <a:r>
+              <a:rPr lang="en-US" dirty="0"/>
+              <a:t>     (I’ve added it in dataset folder for ease of use)</a:t>
+            </a:r>
+          </a:p>
+          <a:p>
+            <a:pPr lvl="1"/>
+            <a:r>
+              <a:rPr lang="en-US" sz="2800" dirty="0"/>
+              <a:t>The iris dataset contains the following data</a:t>
+            </a:r>
+          </a:p>
+          <a:p>
+            <a:pPr lvl="1"/>
+            <a:r>
+              <a:rPr lang="en-US" sz="2800" dirty="0"/>
+              <a:t>50 samples of 3 different species of iris (150 samples total)</a:t>
+            </a:r>
+          </a:p>
+          <a:p>
+            <a:pPr lvl="1"/>
+            <a:r>
+              <a:rPr lang="en-US" sz="2800" dirty="0"/>
+              <a:t>Measurements: sepal length, sepal width, petal length, petal width</a:t>
+            </a:r>
+          </a:p>
+          <a:p>
+            <a:pPr lvl="1"/>
+            <a:r>
+              <a:rPr lang="en-US" sz="2800"/>
+              <a:t>The format for the data: (sepal length, sepal width, petal length, petal width)</a:t>
+            </a:r>
+            <a:endParaRPr lang="en-US" sz="2800" dirty="0"/>
+          </a:p>
+          <a:p>
+            <a:pPr marL="101598">
+              <a:buSzPct val="100000"/>
+            </a:pPr>
+            <a:r>
               <a:rPr lang="en-US" sz="2800" dirty="0"/>
               <a:t>2. Open google </a:t>
             </a:r>
@@ -20630,15 +20647,7 @@
             </a:pPr>
             <a:r>
               <a:rPr lang="en-US" sz="2800" dirty="0"/>
-              <a:t>3. Upload the </a:t>
-            </a:r>
-            <a:r>
-              <a:rPr lang="en-US" sz="2800" dirty="0" err="1"/>
-              <a:t>ipython</a:t>
-            </a:r>
-            <a:r>
-              <a:rPr lang="en-US" sz="2800" dirty="0"/>
-              <a:t> notebook provided</a:t>
+              <a:t>3. Follow along the code</a:t>
             </a:r>
           </a:p>
         </p:txBody>

--- a/Syllabus/Lecture02/Lec02.pptx
+++ b/Syllabus/Lecture02/Lec02.pptx
@@ -20622,10 +20622,9 @@
           <a:p>
             <a:pPr lvl="1"/>
             <a:r>
-              <a:rPr lang="en-US" sz="2800"/>
+              <a:rPr lang="en-US" sz="2800" dirty="0"/>
               <a:t>The format for the data: (sepal length, sepal width, petal length, petal width)</a:t>
             </a:r>
-            <a:endParaRPr lang="en-US" sz="2800" dirty="0"/>
           </a:p>
           <a:p>
             <a:pPr marL="101598">
@@ -20647,7 +20646,7 @@
             </a:pPr>
             <a:r>
               <a:rPr lang="en-US" sz="2800" dirty="0"/>
-              <a:t>3. Follow along the code</a:t>
+              <a:t>3. Follow along the code in class</a:t>
             </a:r>
           </a:p>
         </p:txBody>
@@ -22489,15 +22488,7 @@
             </a:pPr>
             <a:r>
               <a:rPr lang="en-US" sz="2000" dirty="0"/>
-              <a:t>Sampling Bias – sample data </a:t>
-            </a:r>
-            <a:r>
-              <a:rPr lang="en-US" sz="2000" dirty="0" err="1"/>
-              <a:t>lare</a:t>
-            </a:r>
-            <a:r>
-              <a:rPr lang="en-US" sz="2000" dirty="0"/>
-              <a:t> but non-representative. Due to flawed sampling method</a:t>
+              <a:t>Sampling Bias – sample data there but non-representative. Due to flawed sampling method</a:t>
             </a:r>
           </a:p>
           <a:p>

--- a/Syllabus/Lecture02/Lec02.pptx
+++ b/Syllabus/Lecture02/Lec02.pptx
@@ -38,17 +38,17 @@
     <p:sldId id="351" r:id="rId26"/>
     <p:sldId id="352" r:id="rId27"/>
     <p:sldId id="353" r:id="rId28"/>
-    <p:sldId id="348" r:id="rId29"/>
-    <p:sldId id="330" r:id="rId30"/>
-    <p:sldId id="329" r:id="rId31"/>
-    <p:sldId id="332" r:id="rId32"/>
-    <p:sldId id="333" r:id="rId33"/>
-    <p:sldId id="334" r:id="rId34"/>
-    <p:sldId id="336" r:id="rId35"/>
-    <p:sldId id="337" r:id="rId36"/>
-    <p:sldId id="338" r:id="rId37"/>
-    <p:sldId id="339" r:id="rId38"/>
-    <p:sldId id="340" r:id="rId39"/>
+    <p:sldId id="354" r:id="rId29"/>
+    <p:sldId id="348" r:id="rId30"/>
+    <p:sldId id="330" r:id="rId31"/>
+    <p:sldId id="329" r:id="rId32"/>
+    <p:sldId id="332" r:id="rId33"/>
+    <p:sldId id="333" r:id="rId34"/>
+    <p:sldId id="355" r:id="rId35"/>
+    <p:sldId id="334" r:id="rId36"/>
+    <p:sldId id="336" r:id="rId37"/>
+    <p:sldId id="338" r:id="rId38"/>
+    <p:sldId id="339" r:id="rId39"/>
     <p:sldId id="341" r:id="rId40"/>
     <p:sldId id="343" r:id="rId41"/>
     <p:sldId id="342" r:id="rId42"/>
@@ -184,17 +184,17 @@
             <p14:sldId id="351"/>
             <p14:sldId id="352"/>
             <p14:sldId id="353"/>
+            <p14:sldId id="354"/>
             <p14:sldId id="348"/>
             <p14:sldId id="330"/>
             <p14:sldId id="329"/>
             <p14:sldId id="332"/>
             <p14:sldId id="333"/>
+            <p14:sldId id="355"/>
             <p14:sldId id="334"/>
             <p14:sldId id="336"/>
-            <p14:sldId id="337"/>
             <p14:sldId id="338"/>
             <p14:sldId id="339"/>
-            <p14:sldId id="340"/>
             <p14:sldId id="341"/>
             <p14:sldId id="343"/>
             <p14:sldId id="342"/>
@@ -319,7 +319,7 @@
           <a:p>
             <a:fld id="{DF9C6931-D0F6-AB40-9D7F-95567148A5C2}" type="datetimeFigureOut">
               <a:rPr lang="en-US" smtClean="0"/>
-              <a:t>8/29/22</a:t>
+              <a:t>8/31/22</a:t>
             </a:fld>
             <a:endParaRPr lang="en-US"/>
           </a:p>
@@ -496,7 +496,7 @@
           <a:p>
             <a:fld id="{736C18F2-6801-5147-A332-A6E1C7D69D18}" type="datetimeFigureOut">
               <a:rPr lang="en-US" smtClean="0"/>
-              <a:t>8/29/22</a:t>
+              <a:t>8/31/22</a:t>
             </a:fld>
             <a:endParaRPr lang="en-US"/>
           </a:p>
@@ -2843,14 +2843,22 @@
           </a:bodyPr>
           <a:lstStyle/>
           <a:p>
-            <a:pPr marL="0" lvl="0" indent="0" algn="l" rtl="0">
+            <a:pPr marL="0" marR="0" lvl="0" indent="0" algn="l" defTabSz="609585" rtl="0" eaLnBrk="1" fontAlgn="auto" latinLnBrk="0" hangingPunct="1">
+              <a:lnSpc>
+                <a:spcPct val="100000"/>
+              </a:lnSpc>
               <a:spcBef>
                 <a:spcPts val="0"/>
               </a:spcBef>
               <a:spcAft>
                 <a:spcPts val="0"/>
               </a:spcAft>
+              <a:buClrTx/>
+              <a:buSzTx/>
+              <a:buFontTx/>
               <a:buNone/>
+              <a:tabLst/>
+              <a:defRPr/>
             </a:pPr>
             <a:endParaRPr lang="en-US" dirty="0"/>
           </a:p>
@@ -2859,7 +2867,7 @@
     </p:spTree>
     <p:extLst>
       <p:ext uri="{BB962C8B-B14F-4D97-AF65-F5344CB8AC3E}">
-        <p14:creationId xmlns:p14="http://schemas.microsoft.com/office/powerpoint/2010/main" val="1627882378"/>
+        <p14:creationId xmlns:p14="http://schemas.microsoft.com/office/powerpoint/2010/main" val="3079414395"/>
       </p:ext>
     </p:extLst>
   </p:cSld>
@@ -2968,7 +2976,7 @@
     </p:spTree>
     <p:extLst>
       <p:ext uri="{BB962C8B-B14F-4D97-AF65-F5344CB8AC3E}">
-        <p14:creationId xmlns:p14="http://schemas.microsoft.com/office/powerpoint/2010/main" val="104545633"/>
+        <p14:creationId xmlns:p14="http://schemas.microsoft.com/office/powerpoint/2010/main" val="1627882378"/>
       </p:ext>
     </p:extLst>
   </p:cSld>
@@ -3061,22 +3069,14 @@
           </a:bodyPr>
           <a:lstStyle/>
           <a:p>
-            <a:pPr marL="0" marR="0" lvl="0" indent="0" algn="l" defTabSz="609585" rtl="0" eaLnBrk="1" fontAlgn="auto" latinLnBrk="0" hangingPunct="1">
-              <a:lnSpc>
-                <a:spcPct val="100000"/>
-              </a:lnSpc>
+            <a:pPr marL="0" lvl="0" indent="0" algn="l" rtl="0">
               <a:spcBef>
                 <a:spcPts val="0"/>
               </a:spcBef>
               <a:spcAft>
                 <a:spcPts val="0"/>
               </a:spcAft>
-              <a:buClrTx/>
-              <a:buSzTx/>
-              <a:buFontTx/>
               <a:buNone/>
-              <a:tabLst/>
-              <a:defRPr/>
             </a:pPr>
             <a:endParaRPr lang="en-US" dirty="0"/>
           </a:p>
@@ -3085,7 +3085,7 @@
     </p:spTree>
     <p:extLst>
       <p:ext uri="{BB962C8B-B14F-4D97-AF65-F5344CB8AC3E}">
-        <p14:creationId xmlns:p14="http://schemas.microsoft.com/office/powerpoint/2010/main" val="3935206571"/>
+        <p14:creationId xmlns:p14="http://schemas.microsoft.com/office/powerpoint/2010/main" val="104545633"/>
       </p:ext>
     </p:extLst>
   </p:cSld>
@@ -3202,7 +3202,7 @@
     </p:spTree>
     <p:extLst>
       <p:ext uri="{BB962C8B-B14F-4D97-AF65-F5344CB8AC3E}">
-        <p14:creationId xmlns:p14="http://schemas.microsoft.com/office/powerpoint/2010/main" val="3938340473"/>
+        <p14:creationId xmlns:p14="http://schemas.microsoft.com/office/powerpoint/2010/main" val="3935206571"/>
       </p:ext>
     </p:extLst>
   </p:cSld>
@@ -3431,7 +3431,7 @@
     </p:spTree>
     <p:extLst>
       <p:ext uri="{BB962C8B-B14F-4D97-AF65-F5344CB8AC3E}">
-        <p14:creationId xmlns:p14="http://schemas.microsoft.com/office/powerpoint/2010/main" val="4216157522"/>
+        <p14:creationId xmlns:p14="http://schemas.microsoft.com/office/powerpoint/2010/main" val="3938340473"/>
       </p:ext>
     </p:extLst>
   </p:cSld>
@@ -3548,7 +3548,7 @@
     </p:spTree>
     <p:extLst>
       <p:ext uri="{BB962C8B-B14F-4D97-AF65-F5344CB8AC3E}">
-        <p14:creationId xmlns:p14="http://schemas.microsoft.com/office/powerpoint/2010/main" val="759372625"/>
+        <p14:creationId xmlns:p14="http://schemas.microsoft.com/office/powerpoint/2010/main" val="4216157522"/>
       </p:ext>
     </p:extLst>
   </p:cSld>
@@ -3665,7 +3665,7 @@
     </p:spTree>
     <p:extLst>
       <p:ext uri="{BB962C8B-B14F-4D97-AF65-F5344CB8AC3E}">
-        <p14:creationId xmlns:p14="http://schemas.microsoft.com/office/powerpoint/2010/main" val="1581552090"/>
+        <p14:creationId xmlns:p14="http://schemas.microsoft.com/office/powerpoint/2010/main" val="1569997163"/>
       </p:ext>
     </p:extLst>
   </p:cSld>
@@ -3782,7 +3782,7 @@
     </p:spTree>
     <p:extLst>
       <p:ext uri="{BB962C8B-B14F-4D97-AF65-F5344CB8AC3E}">
-        <p14:creationId xmlns:p14="http://schemas.microsoft.com/office/powerpoint/2010/main" val="1228587899"/>
+        <p14:creationId xmlns:p14="http://schemas.microsoft.com/office/powerpoint/2010/main" val="759372625"/>
       </p:ext>
     </p:extLst>
   </p:cSld>
@@ -3899,7 +3899,7 @@
     </p:spTree>
     <p:extLst>
       <p:ext uri="{BB962C8B-B14F-4D97-AF65-F5344CB8AC3E}">
-        <p14:creationId xmlns:p14="http://schemas.microsoft.com/office/powerpoint/2010/main" val="230335824"/>
+        <p14:creationId xmlns:p14="http://schemas.microsoft.com/office/powerpoint/2010/main" val="1581552090"/>
       </p:ext>
     </p:extLst>
   </p:cSld>
@@ -4016,7 +4016,7 @@
     </p:spTree>
     <p:extLst>
       <p:ext uri="{BB962C8B-B14F-4D97-AF65-F5344CB8AC3E}">
-        <p14:creationId xmlns:p14="http://schemas.microsoft.com/office/powerpoint/2010/main" val="2918353796"/>
+        <p14:creationId xmlns:p14="http://schemas.microsoft.com/office/powerpoint/2010/main" val="230335824"/>
       </p:ext>
     </p:extLst>
   </p:cSld>
@@ -4133,7 +4133,7 @@
     </p:spTree>
     <p:extLst>
       <p:ext uri="{BB962C8B-B14F-4D97-AF65-F5344CB8AC3E}">
-        <p14:creationId xmlns:p14="http://schemas.microsoft.com/office/powerpoint/2010/main" val="2110576029"/>
+        <p14:creationId xmlns:p14="http://schemas.microsoft.com/office/powerpoint/2010/main" val="2918353796"/>
       </p:ext>
     </p:extLst>
   </p:cSld>
@@ -20730,8 +20730,8 @@
         </p:nvSpPr>
         <p:spPr>
           <a:xfrm>
-            <a:off x="311422" y="812930"/>
-            <a:ext cx="11277600" cy="5042664"/>
+            <a:off x="261621" y="1066326"/>
+            <a:ext cx="11277600" cy="741009"/>
           </a:xfrm>
           <a:prstGeom prst="rect">
             <a:avLst/>
@@ -20747,10 +20747,59 @@
           </a:bodyPr>
           <a:lstStyle/>
           <a:p>
-            <a:pPr marL="101598">
+            <a:pPr marL="444498" indent="-342900">
               <a:buSzPct val="100000"/>
-            </a:pPr>
-            <a:endParaRPr lang="en-US" sz="2000" dirty="0"/>
+              <a:buFont typeface="Arial" panose="020B0604020202020204" pitchFamily="34" charset="0"/>
+              <a:buChar char="•"/>
+            </a:pPr>
+            <a:r>
+              <a:rPr lang="en-US" sz="2000" dirty="0"/>
+              <a:t>Example: Does money makes people happy?</a:t>
+            </a:r>
+          </a:p>
+          <a:p>
+            <a:pPr marL="1054083" lvl="1" indent="-342900">
+              <a:buSzPct val="100000"/>
+              <a:buFont typeface="Arial" panose="020B0604020202020204" pitchFamily="34" charset="0"/>
+              <a:buChar char="•"/>
+            </a:pPr>
+            <a:r>
+              <a:rPr lang="en-US" sz="2000" dirty="0"/>
+              <a:t>Download </a:t>
+            </a:r>
+          </a:p>
+          <a:p>
+            <a:pPr marL="1663668" lvl="2" indent="-342900">
+              <a:buSzPct val="100000"/>
+              <a:buFont typeface="Arial" panose="020B0604020202020204" pitchFamily="34" charset="0"/>
+              <a:buChar char="•"/>
+            </a:pPr>
+            <a:r>
+              <a:rPr lang="en-US" sz="2000" dirty="0"/>
+              <a:t>“Better Life Index” data from the OECD’s website </a:t>
+            </a:r>
+          </a:p>
+          <a:p>
+            <a:pPr marL="1663668" lvl="2" indent="-342900">
+              <a:buSzPct val="100000"/>
+              <a:buFont typeface="Arial" panose="020B0604020202020204" pitchFamily="34" charset="0"/>
+              <a:buChar char="•"/>
+            </a:pPr>
+            <a:r>
+              <a:rPr lang="en-US" sz="2000" dirty="0"/>
+              <a:t>GDP per capita from the IMF’s website. </a:t>
+            </a:r>
+          </a:p>
+          <a:p>
+            <a:pPr marL="1054083" lvl="1" indent="-342900">
+              <a:buSzPct val="100000"/>
+              <a:buFont typeface="Arial" panose="020B0604020202020204" pitchFamily="34" charset="0"/>
+              <a:buChar char="•"/>
+            </a:pPr>
+            <a:r>
+              <a:rPr lang="en-US" sz="2000" dirty="0"/>
+              <a:t>Plot the data for a few random countries</a:t>
+            </a:r>
           </a:p>
           <a:p>
             <a:pPr marL="609585" indent="-507987">
@@ -20759,157 +20808,74 @@
             </a:pPr>
             <a:endParaRPr lang="en-US" sz="2000" dirty="0"/>
           </a:p>
-          <a:p>
-            <a:pPr marL="609585" indent="-507987">
-              <a:buSzPct val="100000"/>
-              <a:buChar char="●"/>
-            </a:pPr>
-            <a:r>
-              <a:rPr lang="en-US" sz="2000" dirty="0" err="1"/>
-              <a:t>life_satisfaction</a:t>
-            </a:r>
-            <a:r>
-              <a:rPr lang="en-US" sz="2000" dirty="0"/>
-              <a:t> = </a:t>
-            </a:r>
-            <a:r>
-              <a:rPr lang="en-US" sz="2000" i="1" dirty="0"/>
-              <a:t>θ</a:t>
-            </a:r>
-            <a:r>
-              <a:rPr lang="en-US" sz="2000" i="1" baseline="-25000" dirty="0"/>
-              <a:t>0 + </a:t>
-            </a:r>
-            <a:r>
-              <a:rPr lang="en-US" sz="2000" i="1" dirty="0"/>
-              <a:t>θ</a:t>
-            </a:r>
-            <a:r>
-              <a:rPr lang="en-US" sz="2000" i="1" baseline="-25000" dirty="0"/>
-              <a:t>1</a:t>
-            </a:r>
-            <a:r>
-              <a:rPr lang="en-US" sz="2000" i="1" dirty="0"/>
-              <a:t> x </a:t>
-            </a:r>
-            <a:r>
-              <a:rPr lang="en-US" sz="2000" i="1" dirty="0" err="1"/>
-              <a:t>GDP_per_capita</a:t>
-            </a:r>
-            <a:endParaRPr lang="en-US" sz="2000" i="1" dirty="0"/>
-          </a:p>
-          <a:p>
-            <a:pPr marL="609585" indent="-507987">
-              <a:buSzPct val="100000"/>
-              <a:buChar char="●"/>
-            </a:pPr>
-            <a:endParaRPr lang="en-US" sz="2000" dirty="0"/>
-          </a:p>
-          <a:p>
-            <a:pPr marL="609585" indent="-507987">
-              <a:buSzPct val="100000"/>
-              <a:buChar char="●"/>
-            </a:pPr>
-            <a:r>
-              <a:rPr lang="en-US" sz="2000" dirty="0"/>
-              <a:t>two model parameters, </a:t>
-            </a:r>
-            <a:r>
-              <a:rPr lang="en-US" sz="2000" i="1" dirty="0"/>
-              <a:t>θ</a:t>
-            </a:r>
-            <a:r>
-              <a:rPr lang="en-US" sz="2000" i="1" baseline="-25000" dirty="0"/>
-              <a:t>0</a:t>
-            </a:r>
-            <a:r>
-              <a:rPr lang="en-US" sz="2000" dirty="0"/>
-              <a:t> and </a:t>
-            </a:r>
-            <a:r>
-              <a:rPr lang="en-US" sz="2000" i="1" dirty="0"/>
-              <a:t>θ</a:t>
-            </a:r>
-            <a:r>
-              <a:rPr lang="en-US" sz="2000" i="1" baseline="-25000" dirty="0"/>
-              <a:t>1</a:t>
-            </a:r>
-            <a:r>
-              <a:rPr lang="en-US" sz="2000" i="1" dirty="0"/>
-              <a:t>; </a:t>
-            </a:r>
-            <a:r>
-              <a:rPr lang="en-US" sz="2000" dirty="0"/>
-              <a:t>tweaking them to make your model represent any linear function.</a:t>
-            </a:r>
-          </a:p>
-          <a:p>
-            <a:pPr marL="609585" indent="-507987">
-              <a:buSzPct val="100000"/>
-              <a:buChar char="●"/>
-            </a:pPr>
-            <a:endParaRPr lang="en-US" sz="2000" dirty="0"/>
-          </a:p>
-          <a:p>
-            <a:pPr marL="609585" indent="-507987">
-              <a:buSzPct val="100000"/>
-              <a:buChar char="●"/>
-            </a:pPr>
-            <a:r>
-              <a:rPr lang="en-US" sz="2000" u="sng" dirty="0"/>
-              <a:t>Before</a:t>
-            </a:r>
-            <a:r>
-              <a:rPr lang="en-US" sz="2000" dirty="0"/>
-              <a:t> you use your linear model, you need to define the parameter values of </a:t>
-            </a:r>
-            <a:r>
-              <a:rPr lang="en-US" sz="2000" i="1" dirty="0"/>
-              <a:t>θ</a:t>
-            </a:r>
-            <a:r>
-              <a:rPr lang="en-US" sz="2000" i="1" baseline="-25000" dirty="0"/>
-              <a:t>0</a:t>
-            </a:r>
-            <a:r>
-              <a:rPr lang="en-US" sz="2000" i="1" dirty="0"/>
-              <a:t> </a:t>
-            </a:r>
-            <a:r>
-              <a:rPr lang="en-US" sz="2000" dirty="0"/>
-              <a:t>and</a:t>
-            </a:r>
-            <a:r>
-              <a:rPr lang="en-US" sz="2000" i="1" baseline="-25000" dirty="0"/>
-              <a:t> </a:t>
-            </a:r>
-            <a:r>
-              <a:rPr lang="en-US" sz="2000" i="1" dirty="0"/>
-              <a:t>θ</a:t>
-            </a:r>
-            <a:r>
-              <a:rPr lang="en-US" sz="2000" i="1" baseline="-25000" dirty="0"/>
-              <a:t>1.</a:t>
-            </a:r>
-          </a:p>
-          <a:p>
-            <a:pPr marL="1219170" lvl="1" indent="-507987">
-              <a:buSzPct val="100000"/>
-              <a:buChar char="●"/>
-            </a:pPr>
-            <a:r>
-              <a:rPr lang="en-US" sz="2000" dirty="0"/>
-              <a:t>those that make your model perform best</a:t>
-            </a:r>
-          </a:p>
         </p:txBody>
       </p:sp>
+      <p:pic>
+        <p:nvPicPr>
+          <p:cNvPr id="4" name="Picture 3">
+            <a:extLst>
+              <a:ext uri="{FF2B5EF4-FFF2-40B4-BE49-F238E27FC236}">
+                <a16:creationId xmlns:a16="http://schemas.microsoft.com/office/drawing/2014/main" id="{60B38C88-E0BE-4C55-B635-E8A900C9B2ED}"/>
+              </a:ext>
+            </a:extLst>
+          </p:cNvPr>
+          <p:cNvPicPr>
+            <a:picLocks noChangeAspect="1"/>
+          </p:cNvPicPr>
+          <p:nvPr/>
+        </p:nvPicPr>
+        <p:blipFill>
+          <a:blip r:embed="rId3"/>
+          <a:stretch>
+            <a:fillRect/>
+          </a:stretch>
+        </p:blipFill>
+        <p:spPr>
+          <a:xfrm>
+            <a:off x="8157998" y="1344714"/>
+            <a:ext cx="3240046" cy="1727273"/>
+          </a:xfrm>
+          <a:prstGeom prst="rect">
+            <a:avLst/>
+          </a:prstGeom>
+        </p:spPr>
+      </p:pic>
+      <p:pic>
+        <p:nvPicPr>
+          <p:cNvPr id="5" name="Picture 4">
+            <a:extLst>
+              <a:ext uri="{FF2B5EF4-FFF2-40B4-BE49-F238E27FC236}">
+                <a16:creationId xmlns:a16="http://schemas.microsoft.com/office/drawing/2014/main" id="{01344AFE-8459-4DB9-8E92-1A3336B39BC1}"/>
+              </a:ext>
+            </a:extLst>
+          </p:cNvPr>
+          <p:cNvPicPr>
+            <a:picLocks noChangeAspect="1"/>
+          </p:cNvPicPr>
+          <p:nvPr/>
+        </p:nvPicPr>
+        <p:blipFill>
+          <a:blip r:embed="rId4"/>
+          <a:stretch>
+            <a:fillRect/>
+          </a:stretch>
+        </p:blipFill>
+        <p:spPr>
+          <a:xfrm>
+            <a:off x="3579111" y="3429000"/>
+            <a:ext cx="3612865" cy="2004280"/>
+          </a:xfrm>
+          <a:prstGeom prst="rect">
+            <a:avLst/>
+          </a:prstGeom>
+        </p:spPr>
+      </p:pic>
       <p:sp>
         <p:nvSpPr>
-          <p:cNvPr id="3" name="TextBox 2">
+          <p:cNvPr id="6" name="TextBox 5">
             <a:extLst>
               <a:ext uri="{FF2B5EF4-FFF2-40B4-BE49-F238E27FC236}">
-                <a16:creationId xmlns:a16="http://schemas.microsoft.com/office/drawing/2014/main" id="{8336C952-2ED4-4267-88C4-A6FF51E45930}"/>
+                <a16:creationId xmlns:a16="http://schemas.microsoft.com/office/drawing/2014/main" id="{9F3F8E88-98A6-499B-ABE5-694F5B6D6A31}"/>
               </a:ext>
             </a:extLst>
           </p:cNvPr>
@@ -20918,48 +20884,26 @@
         </p:nvSpPr>
         <p:spPr>
           <a:xfrm>
-            <a:off x="1056068" y="4336234"/>
-            <a:ext cx="9882388" cy="1200329"/>
+            <a:off x="7937029" y="4331116"/>
+            <a:ext cx="3112145" cy="707886"/>
           </a:xfrm>
           <a:prstGeom prst="rect">
             <a:avLst/>
           </a:prstGeom>
-          <a:noFill/>
-          <a:ln>
-            <a:solidFill>
-              <a:srgbClr val="E46102"/>
-            </a:solidFill>
-          </a:ln>
+          <a:solidFill>
+            <a:srgbClr val="E46102"/>
+          </a:solidFill>
         </p:spPr>
         <p:txBody>
-          <a:bodyPr wrap="square" rtlCol="0">
+          <a:bodyPr wrap="square" rtlCol="0" anchor="ctr">
             <a:spAutoFit/>
           </a:bodyPr>
           <a:lstStyle/>
           <a:p>
             <a:pPr algn="ctr"/>
             <a:r>
-              <a:rPr lang="en-US" b="1" dirty="0"/>
-              <a:t>Utility Function</a:t>
-            </a:r>
-            <a:r>
-              <a:rPr lang="en-US" dirty="0"/>
-              <a:t> – measures how good your model is</a:t>
-            </a:r>
-          </a:p>
-          <a:p>
-            <a:pPr algn="ctr"/>
-            <a:endParaRPr lang="en-US" dirty="0"/>
-          </a:p>
-          <a:p>
-            <a:pPr algn="ctr"/>
-            <a:r>
-              <a:rPr lang="en-US" b="1" dirty="0"/>
-              <a:t>Cost Function</a:t>
-            </a:r>
-            <a:r>
-              <a:rPr lang="en-US" dirty="0"/>
-              <a:t> – measures how bad your model is</a:t>
+              <a:rPr lang="en-US" sz="2000" b="1" dirty="0"/>
+              <a:t>Model Selection – Linear Model</a:t>
             </a:r>
           </a:p>
         </p:txBody>
@@ -20967,7 +20911,7 @@
     </p:spTree>
     <p:extLst>
       <p:ext uri="{BB962C8B-B14F-4D97-AF65-F5344CB8AC3E}">
-        <p14:creationId xmlns:p14="http://schemas.microsoft.com/office/powerpoint/2010/main" val="1471025527"/>
+        <p14:creationId xmlns:p14="http://schemas.microsoft.com/office/powerpoint/2010/main" val="185618136"/>
       </p:ext>
     </p:extLst>
   </p:cSld>
@@ -21025,7 +20969,7 @@
                   <a:srgbClr val="E46102"/>
                 </a:solidFill>
               </a:rPr>
-              <a:t>Linear Regression Model</a:t>
+              <a:t>Simple Linear Model</a:t>
             </a:r>
             <a:endParaRPr sz="4000" b="1" dirty="0">
               <a:solidFill>
@@ -21043,7 +20987,7 @@
         </p:nvSpPr>
         <p:spPr>
           <a:xfrm>
-            <a:off x="242735" y="851566"/>
+            <a:off x="311422" y="812930"/>
             <a:ext cx="11277600" cy="5042664"/>
           </a:xfrm>
           <a:prstGeom prst="rect">
@@ -21070,26 +21014,100 @@
               <a:buSzPct val="100000"/>
               <a:buChar char="●"/>
             </a:pPr>
-            <a:r>
-              <a:rPr lang="en-US" sz="2000" dirty="0"/>
-              <a:t>Cost Function : measures the distance between the linear model’s predictions and the training examples; the objective is to minimize this distance.</a:t>
-            </a:r>
+            <a:endParaRPr lang="en-US" sz="2000" dirty="0"/>
           </a:p>
           <a:p>
             <a:pPr marL="609585" indent="-507987">
               <a:buSzPct val="100000"/>
               <a:buChar char="●"/>
             </a:pPr>
-            <a:endParaRPr lang="en-US" sz="2000" dirty="0"/>
+            <a:r>
+              <a:rPr lang="en-US" sz="2000" dirty="0"/>
+              <a:t>A linear model for Life satisfaction:</a:t>
+            </a:r>
+          </a:p>
+          <a:p>
+            <a:pPr marL="711183" lvl="1">
+              <a:buSzPct val="100000"/>
+            </a:pPr>
+            <a:r>
+              <a:rPr lang="en-US" sz="2000" dirty="0" err="1"/>
+              <a:t>life_satisfaction</a:t>
+            </a:r>
+            <a:r>
+              <a:rPr lang="en-US" sz="2000" dirty="0"/>
+              <a:t> = </a:t>
+            </a:r>
+            <a:r>
+              <a:rPr lang="en-US" sz="2000" i="1" dirty="0"/>
+              <a:t>θ</a:t>
+            </a:r>
+            <a:r>
+              <a:rPr lang="en-US" sz="2000" i="1" baseline="-25000" dirty="0"/>
+              <a:t>0 + </a:t>
+            </a:r>
+            <a:r>
+              <a:rPr lang="en-US" sz="2000" i="1" dirty="0"/>
+              <a:t>θ</a:t>
+            </a:r>
+            <a:r>
+              <a:rPr lang="en-US" sz="2000" i="1" baseline="-25000" dirty="0"/>
+              <a:t>1</a:t>
+            </a:r>
+            <a:r>
+              <a:rPr lang="en-US" sz="2000" i="1" dirty="0"/>
+              <a:t> x </a:t>
+            </a:r>
+            <a:r>
+              <a:rPr lang="en-US" sz="2000" i="1" dirty="0" err="1"/>
+              <a:t>GDP_per_capita</a:t>
+            </a:r>
+            <a:endParaRPr lang="en-US" sz="2000" i="1" dirty="0"/>
           </a:p>
           <a:p>
             <a:pPr marL="609585" indent="-507987">
               <a:buSzPct val="100000"/>
               <a:buChar char="●"/>
             </a:pPr>
+            <a:endParaRPr lang="en-US" sz="2000" dirty="0"/>
+          </a:p>
+          <a:p>
+            <a:pPr marL="101598">
+              <a:buSzPct val="100000"/>
+            </a:pPr>
             <a:r>
               <a:rPr lang="en-US" sz="2000" dirty="0"/>
-              <a:t>Model Training: Input your training data to a LR model, and it will find the parameters that make the model fit best to your data.</a:t>
+              <a:t>	where, the two model parameters are, </a:t>
+            </a:r>
+            <a:r>
+              <a:rPr lang="en-US" sz="2000" i="1" dirty="0"/>
+              <a:t>θ</a:t>
+            </a:r>
+            <a:r>
+              <a:rPr lang="en-US" sz="2000" i="1" baseline="-25000" dirty="0"/>
+              <a:t>0</a:t>
+            </a:r>
+            <a:r>
+              <a:rPr lang="en-US" sz="2000" dirty="0"/>
+              <a:t> and </a:t>
+            </a:r>
+            <a:r>
+              <a:rPr lang="en-US" sz="2000" i="1" dirty="0"/>
+              <a:t>θ</a:t>
+            </a:r>
+            <a:r>
+              <a:rPr lang="en-US" sz="2000" i="1" baseline="-25000" dirty="0"/>
+              <a:t>1</a:t>
+            </a:r>
+            <a:endParaRPr lang="en-US" sz="2000" i="1" dirty="0"/>
+          </a:p>
+          <a:p>
+            <a:pPr marL="101598">
+              <a:buSzPct val="100000"/>
+            </a:pPr>
+            <a:r>
+              <a:rPr lang="en-US" sz="2000" dirty="0"/>
+              <a:t>		, tweak them to make your model represent any linear function.</a:t>
             </a:r>
           </a:p>
           <a:p>
@@ -21105,15 +21123,111 @@
               <a:buChar char="●"/>
             </a:pPr>
             <a:r>
+              <a:rPr lang="en-US" sz="2000" u="sng" dirty="0"/>
+              <a:t>Before you use your linear model, </a:t>
+            </a:r>
+            <a:r>
               <a:rPr lang="en-US" sz="2000" dirty="0"/>
-              <a:t>In the figure, model fits the training data closely</a:t>
-            </a:r>
-          </a:p>
-          <a:p>
-            <a:pPr marL="101598">
+              <a:t>you need to define the parameter values of </a:t>
+            </a:r>
+            <a:r>
+              <a:rPr lang="en-US" sz="2000" i="1" dirty="0"/>
+              <a:t>θ</a:t>
+            </a:r>
+            <a:r>
+              <a:rPr lang="en-US" sz="2000" i="1" baseline="-25000" dirty="0"/>
+              <a:t>0</a:t>
+            </a:r>
+            <a:r>
+              <a:rPr lang="en-US" sz="2000" i="1" dirty="0"/>
+              <a:t> </a:t>
+            </a:r>
+            <a:r>
+              <a:rPr lang="en-US" sz="2000" dirty="0"/>
+              <a:t>and</a:t>
+            </a:r>
+            <a:r>
+              <a:rPr lang="en-US" sz="2000" i="1" baseline="-25000" dirty="0"/>
+              <a:t> </a:t>
+            </a:r>
+            <a:r>
+              <a:rPr lang="en-US" sz="2000" i="1" dirty="0"/>
+              <a:t>θ</a:t>
+            </a:r>
+            <a:r>
+              <a:rPr lang="en-US" sz="2000" i="1" baseline="-25000" dirty="0"/>
+              <a:t>1.</a:t>
+            </a:r>
+          </a:p>
+          <a:p>
+            <a:pPr marL="1219170" lvl="1" indent="-507987">
               <a:buSzPct val="100000"/>
-            </a:pPr>
-            <a:endParaRPr lang="en-US" sz="2000" dirty="0"/>
+              <a:buChar char="●"/>
+            </a:pPr>
+            <a:r>
+              <a:rPr lang="en-US" sz="2000" dirty="0"/>
+              <a:t>those that make your model perform best</a:t>
+            </a:r>
+          </a:p>
+        </p:txBody>
+      </p:sp>
+      <p:sp>
+        <p:nvSpPr>
+          <p:cNvPr id="3" name="TextBox 2">
+            <a:extLst>
+              <a:ext uri="{FF2B5EF4-FFF2-40B4-BE49-F238E27FC236}">
+                <a16:creationId xmlns:a16="http://schemas.microsoft.com/office/drawing/2014/main" id="{8336C952-2ED4-4267-88C4-A6FF51E45930}"/>
+              </a:ext>
+            </a:extLst>
+          </p:cNvPr>
+          <p:cNvSpPr txBox="1"/>
+          <p:nvPr/>
+        </p:nvSpPr>
+        <p:spPr>
+          <a:xfrm>
+            <a:off x="1056068" y="4336234"/>
+            <a:ext cx="9882388" cy="1200329"/>
+          </a:xfrm>
+          <a:prstGeom prst="rect">
+            <a:avLst/>
+          </a:prstGeom>
+          <a:noFill/>
+          <a:ln>
+            <a:solidFill>
+              <a:srgbClr val="E46102"/>
+            </a:solidFill>
+          </a:ln>
+        </p:spPr>
+        <p:txBody>
+          <a:bodyPr wrap="square" rtlCol="0">
+            <a:spAutoFit/>
+          </a:bodyPr>
+          <a:lstStyle/>
+          <a:p>
+            <a:pPr algn="ctr"/>
+            <a:r>
+              <a:rPr lang="en-US" b="1" dirty="0"/>
+              <a:t>Utility Function</a:t>
+            </a:r>
+            <a:r>
+              <a:rPr lang="en-US" dirty="0"/>
+              <a:t> – measures how good your model is</a:t>
+            </a:r>
+          </a:p>
+          <a:p>
+            <a:pPr algn="ctr"/>
+            <a:endParaRPr lang="en-US" dirty="0"/>
+          </a:p>
+          <a:p>
+            <a:pPr algn="ctr"/>
+            <a:r>
+              <a:rPr lang="en-US" b="1" dirty="0"/>
+              <a:t>Cost Function</a:t>
+            </a:r>
+            <a:r>
+              <a:rPr lang="en-US" dirty="0"/>
+              <a:t> – measures how bad your model is</a:t>
+            </a:r>
           </a:p>
         </p:txBody>
       </p:sp>
@@ -21122,7 +21236,7 @@
           <p:cNvPr id="2" name="Picture 1">
             <a:extLst>
               <a:ext uri="{FF2B5EF4-FFF2-40B4-BE49-F238E27FC236}">
-                <a16:creationId xmlns:a16="http://schemas.microsoft.com/office/drawing/2014/main" id="{BC2C8278-7422-4D2B-9F00-4537AB0686AE}"/>
+                <a16:creationId xmlns:a16="http://schemas.microsoft.com/office/drawing/2014/main" id="{451FF91E-8153-17F0-92DC-911F7B4C6D36}"/>
               </a:ext>
             </a:extLst>
           </p:cNvPr>
@@ -21139,277 +21253,24 @@
         </p:blipFill>
         <p:spPr>
           <a:xfrm>
-            <a:off x="7267799" y="2633073"/>
-            <a:ext cx="4195138" cy="2355343"/>
+            <a:off x="8579135" y="1066326"/>
+            <a:ext cx="3612865" cy="2004280"/>
           </a:xfrm>
           <a:prstGeom prst="rect">
             <a:avLst/>
           </a:prstGeom>
         </p:spPr>
       </p:pic>
-      <p:sp>
-        <p:nvSpPr>
-          <p:cNvPr id="4" name="TextBox 3">
-            <a:extLst>
-              <a:ext uri="{FF2B5EF4-FFF2-40B4-BE49-F238E27FC236}">
-                <a16:creationId xmlns:a16="http://schemas.microsoft.com/office/drawing/2014/main" id="{9A8D91BB-55C7-4831-A05A-19338F66FB78}"/>
-              </a:ext>
-            </a:extLst>
-          </p:cNvPr>
-          <p:cNvSpPr txBox="1"/>
-          <p:nvPr/>
-        </p:nvSpPr>
-        <p:spPr>
-          <a:xfrm>
-            <a:off x="7426205" y="4988416"/>
-            <a:ext cx="4065431" cy="307777"/>
-          </a:xfrm>
-          <a:prstGeom prst="rect">
-            <a:avLst/>
-          </a:prstGeom>
-          <a:noFill/>
-        </p:spPr>
-        <p:txBody>
-          <a:bodyPr wrap="square" rtlCol="0">
-            <a:spAutoFit/>
-          </a:bodyPr>
-          <a:lstStyle/>
-          <a:p>
-            <a:pPr algn="ctr"/>
-            <a:r>
-              <a:rPr lang="en-US" sz="1400" i="1" dirty="0">
-                <a:solidFill>
-                  <a:srgbClr val="E46102"/>
-                </a:solidFill>
-              </a:rPr>
-              <a:t>Linear model that fits the training data best</a:t>
-            </a:r>
-          </a:p>
-        </p:txBody>
-      </p:sp>
     </p:spTree>
     <p:extLst>
       <p:ext uri="{BB962C8B-B14F-4D97-AF65-F5344CB8AC3E}">
-        <p14:creationId xmlns:p14="http://schemas.microsoft.com/office/powerpoint/2010/main" val="436401338"/>
+        <p14:creationId xmlns:p14="http://schemas.microsoft.com/office/powerpoint/2010/main" val="1471025527"/>
       </p:ext>
     </p:extLst>
   </p:cSld>
   <p:clrMapOvr>
     <a:masterClrMapping/>
   </p:clrMapOvr>
-  <p:timing>
-    <p:tnLst>
-      <p:par>
-        <p:cTn id="1" dur="indefinite" restart="never" nodeType="tmRoot">
-          <p:childTnLst>
-            <p:seq concurrent="1" nextAc="seek">
-              <p:cTn id="2" dur="indefinite" nodeType="mainSeq">
-                <p:childTnLst>
-                  <p:par>
-                    <p:cTn id="3" fill="hold">
-                      <p:stCondLst>
-                        <p:cond delay="indefinite"/>
-                      </p:stCondLst>
-                      <p:childTnLst>
-                        <p:par>
-                          <p:cTn id="4" fill="hold">
-                            <p:stCondLst>
-                              <p:cond delay="0"/>
-                            </p:stCondLst>
-                            <p:childTnLst>
-                              <p:par>
-                                <p:cTn id="5" presetID="10" presetClass="entr" presetSubtype="0" fill="hold" nodeType="clickEffect">
-                                  <p:stCondLst>
-                                    <p:cond delay="0"/>
-                                  </p:stCondLst>
-                                  <p:childTnLst>
-                                    <p:set>
-                                      <p:cBhvr>
-                                        <p:cTn id="6" dur="1" fill="hold">
-                                          <p:stCondLst>
-                                            <p:cond delay="0"/>
-                                          </p:stCondLst>
-                                        </p:cTn>
-                                        <p:tgtEl>
-                                          <p:spTgt spid="96">
-                                            <p:txEl>
-                                              <p:pRg st="1" end="1"/>
-                                            </p:txEl>
-                                          </p:spTgt>
-                                        </p:tgtEl>
-                                        <p:attrNameLst>
-                                          <p:attrName>style.visibility</p:attrName>
-                                        </p:attrNameLst>
-                                      </p:cBhvr>
-                                      <p:to>
-                                        <p:strVal val="visible"/>
-                                      </p:to>
-                                    </p:set>
-                                    <p:animEffect transition="in" filter="fade">
-                                      <p:cBhvr>
-                                        <p:cTn id="7" dur="1000"/>
-                                        <p:tgtEl>
-                                          <p:spTgt spid="96">
-                                            <p:txEl>
-                                              <p:pRg st="1" end="1"/>
-                                            </p:txEl>
-                                          </p:spTgt>
-                                        </p:tgtEl>
-                                      </p:cBhvr>
-                                    </p:animEffect>
-                                  </p:childTnLst>
-                                </p:cTn>
-                              </p:par>
-                            </p:childTnLst>
-                          </p:cTn>
-                        </p:par>
-                      </p:childTnLst>
-                    </p:cTn>
-                  </p:par>
-                  <p:par>
-                    <p:cTn id="8" fill="hold">
-                      <p:stCondLst>
-                        <p:cond delay="indefinite"/>
-                      </p:stCondLst>
-                      <p:childTnLst>
-                        <p:par>
-                          <p:cTn id="9" fill="hold">
-                            <p:stCondLst>
-                              <p:cond delay="0"/>
-                            </p:stCondLst>
-                            <p:childTnLst>
-                              <p:par>
-                                <p:cTn id="10" presetID="10" presetClass="entr" presetSubtype="0" fill="hold" nodeType="clickEffect">
-                                  <p:stCondLst>
-                                    <p:cond delay="0"/>
-                                  </p:stCondLst>
-                                  <p:childTnLst>
-                                    <p:set>
-                                      <p:cBhvr>
-                                        <p:cTn id="11" dur="1" fill="hold">
-                                          <p:stCondLst>
-                                            <p:cond delay="0"/>
-                                          </p:stCondLst>
-                                        </p:cTn>
-                                        <p:tgtEl>
-                                          <p:spTgt spid="96">
-                                            <p:txEl>
-                                              <p:pRg st="3" end="3"/>
-                                            </p:txEl>
-                                          </p:spTgt>
-                                        </p:tgtEl>
-                                        <p:attrNameLst>
-                                          <p:attrName>style.visibility</p:attrName>
-                                        </p:attrNameLst>
-                                      </p:cBhvr>
-                                      <p:to>
-                                        <p:strVal val="visible"/>
-                                      </p:to>
-                                    </p:set>
-                                    <p:animEffect transition="in" filter="fade">
-                                      <p:cBhvr>
-                                        <p:cTn id="12" dur="1000"/>
-                                        <p:tgtEl>
-                                          <p:spTgt spid="96">
-                                            <p:txEl>
-                                              <p:pRg st="3" end="3"/>
-                                            </p:txEl>
-                                          </p:spTgt>
-                                        </p:tgtEl>
-                                      </p:cBhvr>
-                                    </p:animEffect>
-                                  </p:childTnLst>
-                                </p:cTn>
-                              </p:par>
-                            </p:childTnLst>
-                          </p:cTn>
-                        </p:par>
-                      </p:childTnLst>
-                    </p:cTn>
-                  </p:par>
-                  <p:par>
-                    <p:cTn id="13" fill="hold">
-                      <p:stCondLst>
-                        <p:cond delay="indefinite"/>
-                      </p:stCondLst>
-                      <p:childTnLst>
-                        <p:par>
-                          <p:cTn id="14" fill="hold">
-                            <p:stCondLst>
-                              <p:cond delay="0"/>
-                            </p:stCondLst>
-                            <p:childTnLst>
-                              <p:par>
-                                <p:cTn id="15" presetID="10" presetClass="entr" presetSubtype="0" fill="hold" nodeType="clickEffect">
-                                  <p:stCondLst>
-                                    <p:cond delay="0"/>
-                                  </p:stCondLst>
-                                  <p:childTnLst>
-                                    <p:set>
-                                      <p:cBhvr>
-                                        <p:cTn id="16" dur="1" fill="hold">
-                                          <p:stCondLst>
-                                            <p:cond delay="0"/>
-                                          </p:stCondLst>
-                                        </p:cTn>
-                                        <p:tgtEl>
-                                          <p:spTgt spid="96">
-                                            <p:txEl>
-                                              <p:pRg st="5" end="5"/>
-                                            </p:txEl>
-                                          </p:spTgt>
-                                        </p:tgtEl>
-                                        <p:attrNameLst>
-                                          <p:attrName>style.visibility</p:attrName>
-                                        </p:attrNameLst>
-                                      </p:cBhvr>
-                                      <p:to>
-                                        <p:strVal val="visible"/>
-                                      </p:to>
-                                    </p:set>
-                                    <p:animEffect transition="in" filter="fade">
-                                      <p:cBhvr>
-                                        <p:cTn id="17" dur="1000"/>
-                                        <p:tgtEl>
-                                          <p:spTgt spid="96">
-                                            <p:txEl>
-                                              <p:pRg st="5" end="5"/>
-                                            </p:txEl>
-                                          </p:spTgt>
-                                        </p:tgtEl>
-                                      </p:cBhvr>
-                                    </p:animEffect>
-                                  </p:childTnLst>
-                                </p:cTn>
-                              </p:par>
-                            </p:childTnLst>
-                          </p:cTn>
-                        </p:par>
-                      </p:childTnLst>
-                    </p:cTn>
-                  </p:par>
-                </p:childTnLst>
-              </p:cTn>
-              <p:prevCondLst>
-                <p:cond evt="onPrev" delay="0">
-                  <p:tgtEl>
-                    <p:sldTgt/>
-                  </p:tgtEl>
-                </p:cond>
-              </p:prevCondLst>
-              <p:nextCondLst>
-                <p:cond evt="onNext" delay="0">
-                  <p:tgtEl>
-                    <p:sldTgt/>
-                  </p:tgtEl>
-                </p:cond>
-              </p:nextCondLst>
-            </p:seq>
-          </p:childTnLst>
-        </p:cTn>
-      </p:par>
-    </p:tnLst>
-  </p:timing>
 </p:sld>
 </file>
 
@@ -22411,6 +22272,449 @@
                   <a:srgbClr val="E46102"/>
                 </a:solidFill>
               </a:rPr>
+              <a:t>Linear Regression Model</a:t>
+            </a:r>
+            <a:endParaRPr sz="4000" b="1" dirty="0">
+              <a:solidFill>
+                <a:srgbClr val="E46102"/>
+              </a:solidFill>
+            </a:endParaRPr>
+          </a:p>
+        </p:txBody>
+      </p:sp>
+      <p:sp>
+        <p:nvSpPr>
+          <p:cNvPr id="96" name="Google Shape;96;p14"/>
+          <p:cNvSpPr txBox="1"/>
+          <p:nvPr/>
+        </p:nvSpPr>
+        <p:spPr>
+          <a:xfrm>
+            <a:off x="437321" y="1090106"/>
+            <a:ext cx="10778213" cy="5042664"/>
+          </a:xfrm>
+          <a:prstGeom prst="rect">
+            <a:avLst/>
+          </a:prstGeom>
+          <a:noFill/>
+          <a:ln>
+            <a:noFill/>
+          </a:ln>
+        </p:spPr>
+        <p:txBody>
+          <a:bodyPr spcFirstLastPara="1" wrap="square" lIns="121900" tIns="121900" rIns="121900" bIns="121900" anchor="t" anchorCtr="0">
+            <a:noAutofit/>
+          </a:bodyPr>
+          <a:lstStyle/>
+          <a:p>
+            <a:pPr marL="444498" indent="-342900">
+              <a:buSzPct val="100000"/>
+              <a:buFont typeface="Arial" panose="020B0604020202020204" pitchFamily="34" charset="0"/>
+              <a:buChar char="•"/>
+            </a:pPr>
+            <a:endParaRPr lang="en-US" sz="2000" dirty="0"/>
+          </a:p>
+          <a:p>
+            <a:pPr marL="444498" indent="-342900">
+              <a:buSzPct val="100000"/>
+              <a:buFont typeface="Arial" panose="020B0604020202020204" pitchFamily="34" charset="0"/>
+              <a:buChar char="•"/>
+            </a:pPr>
+            <a:r>
+              <a:rPr lang="en-US" sz="2000" dirty="0"/>
+              <a:t>Cost Function : measures the distance between the linear model’s predictions and the training examples; the objective is to minimize this distance.</a:t>
+            </a:r>
+          </a:p>
+          <a:p>
+            <a:pPr marL="444498" indent="-342900">
+              <a:buSzPct val="100000"/>
+              <a:buFont typeface="Arial" panose="020B0604020202020204" pitchFamily="34" charset="0"/>
+              <a:buChar char="•"/>
+            </a:pPr>
+            <a:endParaRPr lang="en-US" sz="2000" dirty="0"/>
+          </a:p>
+          <a:p>
+            <a:pPr marL="444498" indent="-342900">
+              <a:buSzPct val="100000"/>
+              <a:buFont typeface="Arial" panose="020B0604020202020204" pitchFamily="34" charset="0"/>
+              <a:buChar char="•"/>
+            </a:pPr>
+            <a:r>
+              <a:rPr lang="en-US" sz="2000" dirty="0"/>
+              <a:t>Model Training: Input your training data to a LR model, and it will find the parameters that make the model fit best to your data.</a:t>
+            </a:r>
+          </a:p>
+          <a:p>
+            <a:pPr marL="444498" indent="-342900">
+              <a:buSzPct val="100000"/>
+              <a:buFont typeface="Arial" panose="020B0604020202020204" pitchFamily="34" charset="0"/>
+              <a:buChar char="•"/>
+            </a:pPr>
+            <a:endParaRPr lang="en-US" sz="2000" dirty="0"/>
+          </a:p>
+          <a:p>
+            <a:pPr marL="444498" indent="-342900">
+              <a:buSzPct val="100000"/>
+              <a:buFont typeface="Arial" panose="020B0604020202020204" pitchFamily="34" charset="0"/>
+              <a:buChar char="•"/>
+            </a:pPr>
+            <a:r>
+              <a:rPr lang="en-US" sz="2000" dirty="0"/>
+              <a:t>In the figure, model fits the training data closely</a:t>
+            </a:r>
+          </a:p>
+          <a:p>
+            <a:pPr marL="101598">
+              <a:buSzPct val="100000"/>
+            </a:pPr>
+            <a:endParaRPr lang="en-US" sz="2000" dirty="0"/>
+          </a:p>
+        </p:txBody>
+      </p:sp>
+      <p:pic>
+        <p:nvPicPr>
+          <p:cNvPr id="2" name="Picture 1">
+            <a:extLst>
+              <a:ext uri="{FF2B5EF4-FFF2-40B4-BE49-F238E27FC236}">
+                <a16:creationId xmlns:a16="http://schemas.microsoft.com/office/drawing/2014/main" id="{BC2C8278-7422-4D2B-9F00-4537AB0686AE}"/>
+              </a:ext>
+            </a:extLst>
+          </p:cNvPr>
+          <p:cNvPicPr>
+            <a:picLocks noChangeAspect="1"/>
+          </p:cNvPicPr>
+          <p:nvPr/>
+        </p:nvPicPr>
+        <p:blipFill>
+          <a:blip r:embed="rId3"/>
+          <a:stretch>
+            <a:fillRect/>
+          </a:stretch>
+        </p:blipFill>
+        <p:spPr>
+          <a:xfrm>
+            <a:off x="7267799" y="3401700"/>
+            <a:ext cx="4195138" cy="2355343"/>
+          </a:xfrm>
+          <a:prstGeom prst="rect">
+            <a:avLst/>
+          </a:prstGeom>
+        </p:spPr>
+      </p:pic>
+      <p:sp>
+        <p:nvSpPr>
+          <p:cNvPr id="4" name="TextBox 3">
+            <a:extLst>
+              <a:ext uri="{FF2B5EF4-FFF2-40B4-BE49-F238E27FC236}">
+                <a16:creationId xmlns:a16="http://schemas.microsoft.com/office/drawing/2014/main" id="{9A8D91BB-55C7-4831-A05A-19338F66FB78}"/>
+              </a:ext>
+            </a:extLst>
+          </p:cNvPr>
+          <p:cNvSpPr txBox="1"/>
+          <p:nvPr/>
+        </p:nvSpPr>
+        <p:spPr>
+          <a:xfrm>
+            <a:off x="7426205" y="5757043"/>
+            <a:ext cx="4065431" cy="307777"/>
+          </a:xfrm>
+          <a:prstGeom prst="rect">
+            <a:avLst/>
+          </a:prstGeom>
+          <a:noFill/>
+        </p:spPr>
+        <p:txBody>
+          <a:bodyPr wrap="square" rtlCol="0">
+            <a:spAutoFit/>
+          </a:bodyPr>
+          <a:lstStyle/>
+          <a:p>
+            <a:pPr algn="ctr"/>
+            <a:r>
+              <a:rPr lang="en-US" sz="1400" i="1" dirty="0">
+                <a:solidFill>
+                  <a:srgbClr val="E46102"/>
+                </a:solidFill>
+              </a:rPr>
+              <a:t>Linear model that fits the training data best</a:t>
+            </a:r>
+          </a:p>
+        </p:txBody>
+      </p:sp>
+    </p:spTree>
+    <p:extLst>
+      <p:ext uri="{BB962C8B-B14F-4D97-AF65-F5344CB8AC3E}">
+        <p14:creationId xmlns:p14="http://schemas.microsoft.com/office/powerpoint/2010/main" val="436401338"/>
+      </p:ext>
+    </p:extLst>
+  </p:cSld>
+  <p:clrMapOvr>
+    <a:masterClrMapping/>
+  </p:clrMapOvr>
+  <p:timing>
+    <p:tnLst>
+      <p:par>
+        <p:cTn id="1" dur="indefinite" restart="never" nodeType="tmRoot">
+          <p:childTnLst>
+            <p:seq concurrent="1" nextAc="seek">
+              <p:cTn id="2" dur="indefinite" nodeType="mainSeq">
+                <p:childTnLst>
+                  <p:par>
+                    <p:cTn id="3" fill="hold">
+                      <p:stCondLst>
+                        <p:cond delay="indefinite"/>
+                      </p:stCondLst>
+                      <p:childTnLst>
+                        <p:par>
+                          <p:cTn id="4" fill="hold">
+                            <p:stCondLst>
+                              <p:cond delay="0"/>
+                            </p:stCondLst>
+                            <p:childTnLst>
+                              <p:par>
+                                <p:cTn id="5" presetID="10" presetClass="entr" presetSubtype="0" fill="hold" nodeType="clickEffect">
+                                  <p:stCondLst>
+                                    <p:cond delay="0"/>
+                                  </p:stCondLst>
+                                  <p:childTnLst>
+                                    <p:set>
+                                      <p:cBhvr>
+                                        <p:cTn id="6" dur="1" fill="hold">
+                                          <p:stCondLst>
+                                            <p:cond delay="0"/>
+                                          </p:stCondLst>
+                                        </p:cTn>
+                                        <p:tgtEl>
+                                          <p:spTgt spid="96">
+                                            <p:txEl>
+                                              <p:pRg st="1" end="1"/>
+                                            </p:txEl>
+                                          </p:spTgt>
+                                        </p:tgtEl>
+                                        <p:attrNameLst>
+                                          <p:attrName>style.visibility</p:attrName>
+                                        </p:attrNameLst>
+                                      </p:cBhvr>
+                                      <p:to>
+                                        <p:strVal val="visible"/>
+                                      </p:to>
+                                    </p:set>
+                                    <p:animEffect transition="in" filter="fade">
+                                      <p:cBhvr>
+                                        <p:cTn id="7" dur="1000"/>
+                                        <p:tgtEl>
+                                          <p:spTgt spid="96">
+                                            <p:txEl>
+                                              <p:pRg st="1" end="1"/>
+                                            </p:txEl>
+                                          </p:spTgt>
+                                        </p:tgtEl>
+                                      </p:cBhvr>
+                                    </p:animEffect>
+                                  </p:childTnLst>
+                                </p:cTn>
+                              </p:par>
+                            </p:childTnLst>
+                          </p:cTn>
+                        </p:par>
+                      </p:childTnLst>
+                    </p:cTn>
+                  </p:par>
+                  <p:par>
+                    <p:cTn id="8" fill="hold">
+                      <p:stCondLst>
+                        <p:cond delay="indefinite"/>
+                      </p:stCondLst>
+                      <p:childTnLst>
+                        <p:par>
+                          <p:cTn id="9" fill="hold">
+                            <p:stCondLst>
+                              <p:cond delay="0"/>
+                            </p:stCondLst>
+                            <p:childTnLst>
+                              <p:par>
+                                <p:cTn id="10" presetID="10" presetClass="entr" presetSubtype="0" fill="hold" nodeType="clickEffect">
+                                  <p:stCondLst>
+                                    <p:cond delay="0"/>
+                                  </p:stCondLst>
+                                  <p:childTnLst>
+                                    <p:set>
+                                      <p:cBhvr>
+                                        <p:cTn id="11" dur="1" fill="hold">
+                                          <p:stCondLst>
+                                            <p:cond delay="0"/>
+                                          </p:stCondLst>
+                                        </p:cTn>
+                                        <p:tgtEl>
+                                          <p:spTgt spid="96">
+                                            <p:txEl>
+                                              <p:pRg st="3" end="3"/>
+                                            </p:txEl>
+                                          </p:spTgt>
+                                        </p:tgtEl>
+                                        <p:attrNameLst>
+                                          <p:attrName>style.visibility</p:attrName>
+                                        </p:attrNameLst>
+                                      </p:cBhvr>
+                                      <p:to>
+                                        <p:strVal val="visible"/>
+                                      </p:to>
+                                    </p:set>
+                                    <p:animEffect transition="in" filter="fade">
+                                      <p:cBhvr>
+                                        <p:cTn id="12" dur="1000"/>
+                                        <p:tgtEl>
+                                          <p:spTgt spid="96">
+                                            <p:txEl>
+                                              <p:pRg st="3" end="3"/>
+                                            </p:txEl>
+                                          </p:spTgt>
+                                        </p:tgtEl>
+                                      </p:cBhvr>
+                                    </p:animEffect>
+                                  </p:childTnLst>
+                                </p:cTn>
+                              </p:par>
+                            </p:childTnLst>
+                          </p:cTn>
+                        </p:par>
+                      </p:childTnLst>
+                    </p:cTn>
+                  </p:par>
+                  <p:par>
+                    <p:cTn id="13" fill="hold">
+                      <p:stCondLst>
+                        <p:cond delay="indefinite"/>
+                      </p:stCondLst>
+                      <p:childTnLst>
+                        <p:par>
+                          <p:cTn id="14" fill="hold">
+                            <p:stCondLst>
+                              <p:cond delay="0"/>
+                            </p:stCondLst>
+                            <p:childTnLst>
+                              <p:par>
+                                <p:cTn id="15" presetID="10" presetClass="entr" presetSubtype="0" fill="hold" nodeType="clickEffect">
+                                  <p:stCondLst>
+                                    <p:cond delay="0"/>
+                                  </p:stCondLst>
+                                  <p:childTnLst>
+                                    <p:set>
+                                      <p:cBhvr>
+                                        <p:cTn id="16" dur="1" fill="hold">
+                                          <p:stCondLst>
+                                            <p:cond delay="0"/>
+                                          </p:stCondLst>
+                                        </p:cTn>
+                                        <p:tgtEl>
+                                          <p:spTgt spid="96">
+                                            <p:txEl>
+                                              <p:pRg st="5" end="5"/>
+                                            </p:txEl>
+                                          </p:spTgt>
+                                        </p:tgtEl>
+                                        <p:attrNameLst>
+                                          <p:attrName>style.visibility</p:attrName>
+                                        </p:attrNameLst>
+                                      </p:cBhvr>
+                                      <p:to>
+                                        <p:strVal val="visible"/>
+                                      </p:to>
+                                    </p:set>
+                                    <p:animEffect transition="in" filter="fade">
+                                      <p:cBhvr>
+                                        <p:cTn id="17" dur="1000"/>
+                                        <p:tgtEl>
+                                          <p:spTgt spid="96">
+                                            <p:txEl>
+                                              <p:pRg st="5" end="5"/>
+                                            </p:txEl>
+                                          </p:spTgt>
+                                        </p:tgtEl>
+                                      </p:cBhvr>
+                                    </p:animEffect>
+                                  </p:childTnLst>
+                                </p:cTn>
+                              </p:par>
+                            </p:childTnLst>
+                          </p:cTn>
+                        </p:par>
+                      </p:childTnLst>
+                    </p:cTn>
+                  </p:par>
+                </p:childTnLst>
+              </p:cTn>
+              <p:prevCondLst>
+                <p:cond evt="onPrev" delay="0">
+                  <p:tgtEl>
+                    <p:sldTgt/>
+                  </p:tgtEl>
+                </p:cond>
+              </p:prevCondLst>
+              <p:nextCondLst>
+                <p:cond evt="onNext" delay="0">
+                  <p:tgtEl>
+                    <p:sldTgt/>
+                  </p:tgtEl>
+                </p:cond>
+              </p:nextCondLst>
+            </p:seq>
+          </p:childTnLst>
+        </p:cTn>
+      </p:par>
+    </p:tnLst>
+  </p:timing>
+</p:sld>
+</file>
+
+<file path=ppt/slides/slide31.xml><?xml version="1.0" encoding="utf-8"?>
+<p:sld xmlns:a="http://schemas.openxmlformats.org/drawingml/2006/main" xmlns:r="http://schemas.openxmlformats.org/officeDocument/2006/relationships" xmlns:p="http://schemas.openxmlformats.org/presentationml/2006/main">
+  <p:cSld>
+    <p:spTree>
+      <p:nvGrpSpPr>
+        <p:cNvPr id="1" name="Shape 94"/>
+        <p:cNvGrpSpPr/>
+        <p:nvPr/>
+      </p:nvGrpSpPr>
+      <p:grpSpPr>
+        <a:xfrm>
+          <a:off x="0" y="0"/>
+          <a:ext cx="0" cy="0"/>
+          <a:chOff x="0" y="0"/>
+          <a:chExt cx="0" cy="0"/>
+        </a:xfrm>
+      </p:grpSpPr>
+      <p:sp>
+        <p:nvSpPr>
+          <p:cNvPr id="95" name="Google Shape;95;p14"/>
+          <p:cNvSpPr txBox="1">
+            <a:spLocks noGrp="1"/>
+          </p:cNvSpPr>
+          <p:nvPr>
+            <p:ph type="title" idx="4294967295"/>
+          </p:nvPr>
+        </p:nvSpPr>
+        <p:spPr>
+          <a:xfrm>
+            <a:off x="717173" y="559537"/>
+            <a:ext cx="10972800" cy="506789"/>
+          </a:xfrm>
+          <a:prstGeom prst="rect">
+            <a:avLst/>
+          </a:prstGeom>
+        </p:spPr>
+        <p:txBody>
+          <a:bodyPr spcFirstLastPara="1" wrap="square" lIns="121900" tIns="121900" rIns="121900" bIns="121900" anchor="ctr" anchorCtr="0">
+            <a:noAutofit/>
+          </a:bodyPr>
+          <a:lstStyle/>
+          <a:p>
+            <a:r>
+              <a:rPr lang="en-US" sz="4000" b="1" dirty="0">
+                <a:solidFill>
+                  <a:srgbClr val="E46102"/>
+                </a:solidFill>
+              </a:rPr>
               <a:t>Challenges in ML</a:t>
             </a:r>
             <a:endParaRPr sz="4000" b="1" dirty="0">
@@ -22824,7 +23128,7 @@
 </p:sld>
 </file>
 
-<file path=ppt/slides/slide31.xml><?xml version="1.0" encoding="utf-8"?>
+<file path=ppt/slides/slide32.xml><?xml version="1.0" encoding="utf-8"?>
 <p:sld xmlns:a="http://schemas.openxmlformats.org/drawingml/2006/main" xmlns:r="http://schemas.openxmlformats.org/officeDocument/2006/relationships" xmlns:p="http://schemas.openxmlformats.org/presentationml/2006/main">
   <p:cSld>
     <p:spTree>
@@ -23347,7 +23651,7 @@
 </p:sld>
 </file>
 
-<file path=ppt/slides/slide32.xml><?xml version="1.0" encoding="utf-8"?>
+<file path=ppt/slides/slide33.xml><?xml version="1.0" encoding="utf-8"?>
 <p:sld xmlns:a="http://schemas.openxmlformats.org/drawingml/2006/main" xmlns:r="http://schemas.openxmlformats.org/officeDocument/2006/relationships" xmlns:p="http://schemas.openxmlformats.org/presentationml/2006/main">
   <p:cSld>
     <p:spTree>
@@ -24012,412 +24316,6 @@
 </p:sld>
 </file>
 
-<file path=ppt/slides/slide33.xml><?xml version="1.0" encoding="utf-8"?>
-<p:sld xmlns:a="http://schemas.openxmlformats.org/drawingml/2006/main" xmlns:r="http://schemas.openxmlformats.org/officeDocument/2006/relationships" xmlns:p="http://schemas.openxmlformats.org/presentationml/2006/main">
-  <p:cSld>
-    <p:spTree>
-      <p:nvGrpSpPr>
-        <p:cNvPr id="1" name="Shape 94"/>
-        <p:cNvGrpSpPr/>
-        <p:nvPr/>
-      </p:nvGrpSpPr>
-      <p:grpSpPr>
-        <a:xfrm>
-          <a:off x="0" y="0"/>
-          <a:ext cx="0" cy="0"/>
-          <a:chOff x="0" y="0"/>
-          <a:chExt cx="0" cy="0"/>
-        </a:xfrm>
-      </p:grpSpPr>
-      <p:sp>
-        <p:nvSpPr>
-          <p:cNvPr id="95" name="Google Shape;95;p14"/>
-          <p:cNvSpPr txBox="1">
-            <a:spLocks noGrp="1"/>
-          </p:cNvSpPr>
-          <p:nvPr>
-            <p:ph type="title" idx="4294967295"/>
-          </p:nvPr>
-        </p:nvSpPr>
-        <p:spPr>
-          <a:xfrm>
-            <a:off x="717173" y="559537"/>
-            <a:ext cx="10972800" cy="506789"/>
-          </a:xfrm>
-          <a:prstGeom prst="rect">
-            <a:avLst/>
-          </a:prstGeom>
-        </p:spPr>
-        <p:txBody>
-          <a:bodyPr spcFirstLastPara="1" wrap="square" lIns="121900" tIns="121900" rIns="121900" bIns="121900" anchor="ctr" anchorCtr="0">
-            <a:noAutofit/>
-          </a:bodyPr>
-          <a:lstStyle/>
-          <a:p>
-            <a:r>
-              <a:rPr lang="en-US" sz="4000" b="1" dirty="0">
-                <a:solidFill>
-                  <a:srgbClr val="E46102"/>
-                </a:solidFill>
-              </a:rPr>
-              <a:t>Build a model - 1</a:t>
-            </a:r>
-            <a:endParaRPr sz="4000" b="1" dirty="0">
-              <a:solidFill>
-                <a:srgbClr val="E46102"/>
-              </a:solidFill>
-            </a:endParaRPr>
-          </a:p>
-        </p:txBody>
-      </p:sp>
-      <p:sp>
-        <p:nvSpPr>
-          <p:cNvPr id="96" name="Google Shape;96;p14"/>
-          <p:cNvSpPr txBox="1"/>
-          <p:nvPr/>
-        </p:nvSpPr>
-        <p:spPr>
-          <a:xfrm>
-            <a:off x="521776" y="1137532"/>
-            <a:ext cx="11277600" cy="5198874"/>
-          </a:xfrm>
-          <a:prstGeom prst="rect">
-            <a:avLst/>
-          </a:prstGeom>
-          <a:noFill/>
-          <a:ln>
-            <a:noFill/>
-          </a:ln>
-        </p:spPr>
-        <p:txBody>
-          <a:bodyPr spcFirstLastPara="1" wrap="square" lIns="121900" tIns="121900" rIns="121900" bIns="121900" anchor="t" anchorCtr="0">
-            <a:noAutofit/>
-          </a:bodyPr>
-          <a:lstStyle/>
-          <a:p>
-            <a:pPr marL="609585" indent="-507987">
-              <a:buSzPct val="100000"/>
-              <a:buChar char="●"/>
-            </a:pPr>
-            <a:r>
-              <a:rPr lang="en-US" sz="2000" dirty="0"/>
-              <a:t>Housing prices in CA</a:t>
-            </a:r>
-          </a:p>
-          <a:p>
-            <a:pPr marL="609585" indent="-507987">
-              <a:buSzPct val="100000"/>
-              <a:buChar char="●"/>
-            </a:pPr>
-            <a:endParaRPr lang="en-US" sz="2000" dirty="0"/>
-          </a:p>
-          <a:p>
-            <a:pPr marL="609585" indent="-507987">
-              <a:buSzPct val="100000"/>
-              <a:buChar char="●"/>
-            </a:pPr>
-            <a:r>
-              <a:rPr lang="en-US" sz="2000" dirty="0"/>
-              <a:t>Data : CA census data, it has metrics such as population, median income, median housing price, and so on for each block group in California</a:t>
-            </a:r>
-          </a:p>
-          <a:p>
-            <a:pPr marL="609585" indent="-507987">
-              <a:buSzPct val="100000"/>
-              <a:buChar char="●"/>
-            </a:pPr>
-            <a:endParaRPr lang="en-US" sz="2000" dirty="0"/>
-          </a:p>
-          <a:p>
-            <a:pPr marL="609585" indent="-507987">
-              <a:buSzPct val="100000"/>
-              <a:buChar char="●"/>
-            </a:pPr>
-            <a:r>
-              <a:rPr lang="en-US" sz="2000" dirty="0"/>
-              <a:t>Goal: Predict median housing price in any district, given all the other metrics.</a:t>
-            </a:r>
-          </a:p>
-          <a:p>
-            <a:pPr marL="101598">
-              <a:buSzPct val="100000"/>
-            </a:pPr>
-            <a:endParaRPr lang="en-US" sz="2000" dirty="0"/>
-          </a:p>
-        </p:txBody>
-      </p:sp>
-      <p:sp>
-        <p:nvSpPr>
-          <p:cNvPr id="2" name="TextBox 1">
-            <a:extLst>
-              <a:ext uri="{FF2B5EF4-FFF2-40B4-BE49-F238E27FC236}">
-                <a16:creationId xmlns:a16="http://schemas.microsoft.com/office/drawing/2014/main" id="{3873BCF4-993D-4D20-B935-D19D85DD376F}"/>
-              </a:ext>
-            </a:extLst>
-          </p:cNvPr>
-          <p:cNvSpPr txBox="1"/>
-          <p:nvPr/>
-        </p:nvSpPr>
-        <p:spPr>
-          <a:xfrm flipH="1">
-            <a:off x="3579575" y="4474249"/>
-            <a:ext cx="5032850" cy="461665"/>
-          </a:xfrm>
-          <a:prstGeom prst="rect">
-            <a:avLst/>
-          </a:prstGeom>
-          <a:solidFill>
-            <a:schemeClr val="accent1">
-              <a:lumMod val="40000"/>
-              <a:lumOff val="60000"/>
-            </a:schemeClr>
-          </a:solidFill>
-          <a:ln w="28575">
-            <a:solidFill>
-              <a:srgbClr val="E46102"/>
-            </a:solidFill>
-          </a:ln>
-        </p:spPr>
-        <p:txBody>
-          <a:bodyPr wrap="square" rtlCol="0">
-            <a:spAutoFit/>
-          </a:bodyPr>
-          <a:lstStyle/>
-          <a:p>
-            <a:pPr algn="ctr"/>
-            <a:r>
-              <a:rPr lang="en-US" dirty="0"/>
-              <a:t>What should you do next?</a:t>
-            </a:r>
-          </a:p>
-        </p:txBody>
-      </p:sp>
-    </p:spTree>
-    <p:extLst>
-      <p:ext uri="{BB962C8B-B14F-4D97-AF65-F5344CB8AC3E}">
-        <p14:creationId xmlns:p14="http://schemas.microsoft.com/office/powerpoint/2010/main" val="2937816385"/>
-      </p:ext>
-    </p:extLst>
-  </p:cSld>
-  <p:clrMapOvr>
-    <a:masterClrMapping/>
-  </p:clrMapOvr>
-  <p:timing>
-    <p:tnLst>
-      <p:par>
-        <p:cTn id="1" dur="indefinite" restart="never" nodeType="tmRoot">
-          <p:childTnLst>
-            <p:seq concurrent="1" nextAc="seek">
-              <p:cTn id="2" dur="indefinite" nodeType="mainSeq">
-                <p:childTnLst>
-                  <p:par>
-                    <p:cTn id="3" fill="hold">
-                      <p:stCondLst>
-                        <p:cond delay="indefinite"/>
-                      </p:stCondLst>
-                      <p:childTnLst>
-                        <p:par>
-                          <p:cTn id="4" fill="hold">
-                            <p:stCondLst>
-                              <p:cond delay="0"/>
-                            </p:stCondLst>
-                            <p:childTnLst>
-                              <p:par>
-                                <p:cTn id="5" presetID="10" presetClass="entr" presetSubtype="0" fill="hold" nodeType="clickEffect">
-                                  <p:stCondLst>
-                                    <p:cond delay="0"/>
-                                  </p:stCondLst>
-                                  <p:childTnLst>
-                                    <p:set>
-                                      <p:cBhvr>
-                                        <p:cTn id="6" dur="1" fill="hold">
-                                          <p:stCondLst>
-                                            <p:cond delay="0"/>
-                                          </p:stCondLst>
-                                        </p:cTn>
-                                        <p:tgtEl>
-                                          <p:spTgt spid="96">
-                                            <p:txEl>
-                                              <p:pRg st="0" end="0"/>
-                                            </p:txEl>
-                                          </p:spTgt>
-                                        </p:tgtEl>
-                                        <p:attrNameLst>
-                                          <p:attrName>style.visibility</p:attrName>
-                                        </p:attrNameLst>
-                                      </p:cBhvr>
-                                      <p:to>
-                                        <p:strVal val="visible"/>
-                                      </p:to>
-                                    </p:set>
-                                    <p:animEffect transition="in" filter="fade">
-                                      <p:cBhvr>
-                                        <p:cTn id="7" dur="1000"/>
-                                        <p:tgtEl>
-                                          <p:spTgt spid="96">
-                                            <p:txEl>
-                                              <p:pRg st="0" end="0"/>
-                                            </p:txEl>
-                                          </p:spTgt>
-                                        </p:tgtEl>
-                                      </p:cBhvr>
-                                    </p:animEffect>
-                                  </p:childTnLst>
-                                </p:cTn>
-                              </p:par>
-                            </p:childTnLst>
-                          </p:cTn>
-                        </p:par>
-                      </p:childTnLst>
-                    </p:cTn>
-                  </p:par>
-                  <p:par>
-                    <p:cTn id="8" fill="hold">
-                      <p:stCondLst>
-                        <p:cond delay="indefinite"/>
-                      </p:stCondLst>
-                      <p:childTnLst>
-                        <p:par>
-                          <p:cTn id="9" fill="hold">
-                            <p:stCondLst>
-                              <p:cond delay="0"/>
-                            </p:stCondLst>
-                            <p:childTnLst>
-                              <p:par>
-                                <p:cTn id="10" presetID="10" presetClass="entr" presetSubtype="0" fill="hold" nodeType="clickEffect">
-                                  <p:stCondLst>
-                                    <p:cond delay="0"/>
-                                  </p:stCondLst>
-                                  <p:childTnLst>
-                                    <p:set>
-                                      <p:cBhvr>
-                                        <p:cTn id="11" dur="1" fill="hold">
-                                          <p:stCondLst>
-                                            <p:cond delay="0"/>
-                                          </p:stCondLst>
-                                        </p:cTn>
-                                        <p:tgtEl>
-                                          <p:spTgt spid="96">
-                                            <p:txEl>
-                                              <p:pRg st="2" end="2"/>
-                                            </p:txEl>
-                                          </p:spTgt>
-                                        </p:tgtEl>
-                                        <p:attrNameLst>
-                                          <p:attrName>style.visibility</p:attrName>
-                                        </p:attrNameLst>
-                                      </p:cBhvr>
-                                      <p:to>
-                                        <p:strVal val="visible"/>
-                                      </p:to>
-                                    </p:set>
-                                    <p:animEffect transition="in" filter="fade">
-                                      <p:cBhvr>
-                                        <p:cTn id="12" dur="1000"/>
-                                        <p:tgtEl>
-                                          <p:spTgt spid="96">
-                                            <p:txEl>
-                                              <p:pRg st="2" end="2"/>
-                                            </p:txEl>
-                                          </p:spTgt>
-                                        </p:tgtEl>
-                                      </p:cBhvr>
-                                    </p:animEffect>
-                                  </p:childTnLst>
-                                </p:cTn>
-                              </p:par>
-                            </p:childTnLst>
-                          </p:cTn>
-                        </p:par>
-                      </p:childTnLst>
-                    </p:cTn>
-                  </p:par>
-                  <p:par>
-                    <p:cTn id="13" fill="hold">
-                      <p:stCondLst>
-                        <p:cond delay="indefinite"/>
-                      </p:stCondLst>
-                      <p:childTnLst>
-                        <p:par>
-                          <p:cTn id="14" fill="hold">
-                            <p:stCondLst>
-                              <p:cond delay="0"/>
-                            </p:stCondLst>
-                            <p:childTnLst>
-                              <p:par>
-                                <p:cTn id="15" presetID="10" presetClass="entr" presetSubtype="0" fill="hold" nodeType="clickEffect">
-                                  <p:stCondLst>
-                                    <p:cond delay="0"/>
-                                  </p:stCondLst>
-                                  <p:childTnLst>
-                                    <p:set>
-                                      <p:cBhvr>
-                                        <p:cTn id="16" dur="1" fill="hold">
-                                          <p:stCondLst>
-                                            <p:cond delay="0"/>
-                                          </p:stCondLst>
-                                        </p:cTn>
-                                        <p:tgtEl>
-                                          <p:spTgt spid="96">
-                                            <p:txEl>
-                                              <p:pRg st="4" end="4"/>
-                                            </p:txEl>
-                                          </p:spTgt>
-                                        </p:tgtEl>
-                                        <p:attrNameLst>
-                                          <p:attrName>style.visibility</p:attrName>
-                                        </p:attrNameLst>
-                                      </p:cBhvr>
-                                      <p:to>
-                                        <p:strVal val="visible"/>
-                                      </p:to>
-                                    </p:set>
-                                    <p:animEffect transition="in" filter="fade">
-                                      <p:cBhvr>
-                                        <p:cTn id="17" dur="1000"/>
-                                        <p:tgtEl>
-                                          <p:spTgt spid="96">
-                                            <p:txEl>
-                                              <p:pRg st="4" end="4"/>
-                                            </p:txEl>
-                                          </p:spTgt>
-                                        </p:tgtEl>
-                                      </p:cBhvr>
-                                    </p:animEffect>
-                                  </p:childTnLst>
-                                </p:cTn>
-                              </p:par>
-                            </p:childTnLst>
-                          </p:cTn>
-                        </p:par>
-                      </p:childTnLst>
-                    </p:cTn>
-                  </p:par>
-                </p:childTnLst>
-              </p:cTn>
-              <p:prevCondLst>
-                <p:cond evt="onPrev" delay="0">
-                  <p:tgtEl>
-                    <p:sldTgt/>
-                  </p:tgtEl>
-                </p:cond>
-              </p:prevCondLst>
-              <p:nextCondLst>
-                <p:cond evt="onNext" delay="0">
-                  <p:tgtEl>
-                    <p:sldTgt/>
-                  </p:tgtEl>
-                </p:cond>
-              </p:nextCondLst>
-            </p:seq>
-          </p:childTnLst>
-        </p:cTn>
-      </p:par>
-    </p:tnLst>
-  </p:timing>
-</p:sld>
-</file>
-
 <file path=ppt/slides/slide34.xml><?xml version="1.0" encoding="utf-8"?>
 <p:sld xmlns:a="http://schemas.openxmlformats.org/drawingml/2006/main" xmlns:r="http://schemas.openxmlformats.org/officeDocument/2006/relationships" xmlns:p="http://schemas.openxmlformats.org/presentationml/2006/main">
   <p:cSld>
@@ -24447,7 +24345,7 @@
         </p:nvSpPr>
         <p:spPr>
           <a:xfrm>
-            <a:off x="717173" y="559537"/>
+            <a:off x="609600" y="2922211"/>
             <a:ext cx="10972800" cy="506789"/>
           </a:xfrm>
           <a:prstGeom prst="rect">
@@ -24466,7 +24364,29 @@
                   <a:srgbClr val="E46102"/>
                 </a:solidFill>
               </a:rPr>
-              <a:t>Build a model - 2</a:t>
+              <a:t>Put it all together</a:t>
+            </a:r>
+            <a:br>
+              <a:rPr lang="en-US" sz="4000" b="1" dirty="0">
+                <a:solidFill>
+                  <a:srgbClr val="E46102"/>
+                </a:solidFill>
+              </a:rPr>
+            </a:br>
+            <a:br>
+              <a:rPr lang="en-US" sz="4000" b="1" dirty="0">
+                <a:solidFill>
+                  <a:srgbClr val="E46102"/>
+                </a:solidFill>
+              </a:rPr>
+            </a:br>
+            <a:r>
+              <a:rPr lang="en-US" sz="4000" b="1" dirty="0">
+                <a:solidFill>
+                  <a:srgbClr val="E46102"/>
+                </a:solidFill>
+              </a:rPr>
+              <a:t>Let’s build a model</a:t>
             </a:r>
             <a:endParaRPr sz="4000" b="1" dirty="0">
               <a:solidFill>
@@ -24476,62 +24396,10 @@
           </a:p>
         </p:txBody>
       </p:sp>
-      <p:sp>
-        <p:nvSpPr>
-          <p:cNvPr id="96" name="Google Shape;96;p14"/>
-          <p:cNvSpPr txBox="1"/>
-          <p:nvPr/>
-        </p:nvSpPr>
-        <p:spPr>
-          <a:xfrm>
-            <a:off x="521776" y="1137532"/>
-            <a:ext cx="11277600" cy="5198874"/>
-          </a:xfrm>
-          <a:prstGeom prst="rect">
-            <a:avLst/>
-          </a:prstGeom>
-          <a:noFill/>
-          <a:ln>
-            <a:noFill/>
-          </a:ln>
-        </p:spPr>
-        <p:txBody>
-          <a:bodyPr spcFirstLastPara="1" wrap="square" lIns="121900" tIns="121900" rIns="121900" bIns="121900" anchor="t" anchorCtr="0">
-            <a:noAutofit/>
-          </a:bodyPr>
-          <a:lstStyle/>
-          <a:p>
-            <a:pPr marL="609585" indent="-507987">
-              <a:buSzPct val="100000"/>
-              <a:buChar char="●"/>
-            </a:pPr>
-            <a:endParaRPr lang="en-US" sz="2000" dirty="0"/>
-          </a:p>
-          <a:p>
-            <a:pPr marL="558798" indent="-457200">
-              <a:buSzPct val="100000"/>
-              <a:buFont typeface="+mj-lt"/>
-              <a:buAutoNum type="arabicPeriod"/>
-            </a:pPr>
-            <a:r>
-              <a:rPr lang="en-US" sz="2000" dirty="0"/>
-              <a:t>Frame the Problem</a:t>
-            </a:r>
-          </a:p>
-          <a:p>
-            <a:pPr marL="558798" indent="-457200">
-              <a:buSzPct val="100000"/>
-              <a:buFont typeface="+mj-lt"/>
-              <a:buAutoNum type="arabicPeriod"/>
-            </a:pPr>
-            <a:endParaRPr lang="en-US" sz="2000" dirty="0"/>
-          </a:p>
-        </p:txBody>
-      </p:sp>
     </p:spTree>
     <p:extLst>
       <p:ext uri="{BB962C8B-B14F-4D97-AF65-F5344CB8AC3E}">
-        <p14:creationId xmlns:p14="http://schemas.microsoft.com/office/powerpoint/2010/main" val="2923327648"/>
+        <p14:creationId xmlns:p14="http://schemas.microsoft.com/office/powerpoint/2010/main" val="769438773"/>
       </p:ext>
     </p:extLst>
   </p:cSld>
@@ -24589,7 +24457,7 @@
                   <a:srgbClr val="E46102"/>
                 </a:solidFill>
               </a:rPr>
-              <a:t>Build a model - 2</a:t>
+              <a:t>Build a model</a:t>
             </a:r>
             <a:endParaRPr sz="4000" b="1" dirty="0">
               <a:solidFill>
@@ -24624,62 +24492,274 @@
           </a:bodyPr>
           <a:lstStyle/>
           <a:p>
-            <a:pPr marL="609585" indent="-507987">
+            <a:pPr marL="444498" indent="-342900">
               <a:buSzPct val="100000"/>
-              <a:buChar char="●"/>
+              <a:buFont typeface="Arial" panose="020B0604020202020204" pitchFamily="34" charset="0"/>
+              <a:buChar char="•"/>
+            </a:pPr>
+            <a:r>
+              <a:rPr lang="en-US" sz="2000" dirty="0"/>
+              <a:t>Housing prices in California (CA)</a:t>
+            </a:r>
+          </a:p>
+          <a:p>
+            <a:pPr marL="101598">
+              <a:buSzPct val="100000"/>
             </a:pPr>
             <a:endParaRPr lang="en-US" sz="2000" dirty="0"/>
           </a:p>
           <a:p>
-            <a:pPr marL="558798" indent="-457200">
+            <a:pPr marL="444498" indent="-342900">
               <a:buSzPct val="100000"/>
-              <a:buFont typeface="+mj-lt"/>
-              <a:buAutoNum type="arabicPeriod"/>
+              <a:buFont typeface="Arial" panose="020B0604020202020204" pitchFamily="34" charset="0"/>
+              <a:buChar char="•"/>
             </a:pPr>
             <a:r>
               <a:rPr lang="en-US" sz="2000" dirty="0"/>
-              <a:t>Frame the Problem.</a:t>
-            </a:r>
-          </a:p>
-          <a:p>
-            <a:pPr marL="558798" indent="-457200">
+              <a:t>Data : CA census data, it has metrics such as population, median income, median housing price, and so on for each block group in California. Snapshot below:</a:t>
+            </a:r>
+          </a:p>
+          <a:p>
+            <a:pPr marL="444498" indent="-342900">
               <a:buSzPct val="100000"/>
-              <a:buFont typeface="+mj-lt"/>
-              <a:buAutoNum type="arabicPeriod"/>
+              <a:buFont typeface="Arial" panose="020B0604020202020204" pitchFamily="34" charset="0"/>
+              <a:buChar char="•"/>
             </a:pPr>
             <a:endParaRPr lang="en-US" sz="2000" dirty="0"/>
           </a:p>
           <a:p>
-            <a:pPr marL="558798" indent="-457200">
+            <a:pPr marL="444498" indent="-342900">
               <a:buSzPct val="100000"/>
-              <a:buFont typeface="+mj-lt"/>
-              <a:buAutoNum type="arabicPeriod"/>
+              <a:buFont typeface="Arial" panose="020B0604020202020204" pitchFamily="34" charset="0"/>
+              <a:buChar char="•"/>
+            </a:pPr>
+            <a:endParaRPr lang="en-US" sz="2000" dirty="0"/>
+          </a:p>
+          <a:p>
+            <a:pPr marL="444498" indent="-342900">
+              <a:buSzPct val="100000"/>
+              <a:buFont typeface="Arial" panose="020B0604020202020204" pitchFamily="34" charset="0"/>
+              <a:buChar char="•"/>
+            </a:pPr>
+            <a:endParaRPr lang="en-US" sz="2000" dirty="0"/>
+          </a:p>
+          <a:p>
+            <a:pPr marL="444498" indent="-342900">
+              <a:buSzPct val="100000"/>
+              <a:buFont typeface="Arial" panose="020B0604020202020204" pitchFamily="34" charset="0"/>
+              <a:buChar char="•"/>
+            </a:pPr>
+            <a:endParaRPr lang="en-US" sz="2000" dirty="0"/>
+          </a:p>
+          <a:p>
+            <a:pPr marL="444498" indent="-342900">
+              <a:buSzPct val="100000"/>
+              <a:buFont typeface="Arial" panose="020B0604020202020204" pitchFamily="34" charset="0"/>
+              <a:buChar char="•"/>
+            </a:pPr>
+            <a:endParaRPr lang="en-US" sz="2000" dirty="0"/>
+          </a:p>
+          <a:p>
+            <a:pPr marL="444498" indent="-342900">
+              <a:buSzPct val="100000"/>
+              <a:buFont typeface="Arial" panose="020B0604020202020204" pitchFamily="34" charset="0"/>
+              <a:buChar char="•"/>
+            </a:pPr>
+            <a:endParaRPr lang="en-US" sz="2000" dirty="0"/>
+          </a:p>
+          <a:p>
+            <a:pPr marL="444498" indent="-342900">
+              <a:buSzPct val="100000"/>
+              <a:buFont typeface="Arial" panose="020B0604020202020204" pitchFamily="34" charset="0"/>
+              <a:buChar char="•"/>
+            </a:pPr>
+            <a:endParaRPr lang="en-US" sz="2000" dirty="0"/>
+          </a:p>
+          <a:p>
+            <a:pPr marL="444498" indent="-342900">
+              <a:buSzPct val="100000"/>
+              <a:buFont typeface="Arial" panose="020B0604020202020204" pitchFamily="34" charset="0"/>
+              <a:buChar char="•"/>
             </a:pPr>
             <a:r>
               <a:rPr lang="en-US" sz="2000" dirty="0"/>
-              <a:t>What is the current solution?</a:t>
-            </a:r>
-          </a:p>
-          <a:p>
-            <a:pPr marL="558798" indent="-457200">
+              <a:t>Goal: Predict median housing price in any district, given all the other metrics.</a:t>
+            </a:r>
+          </a:p>
+          <a:p>
+            <a:pPr marL="444498" indent="-342900">
               <a:buSzPct val="100000"/>
-              <a:buFont typeface="+mj-lt"/>
-              <a:buAutoNum type="arabicPeriod"/>
+              <a:buFont typeface="Arial" panose="020B0604020202020204" pitchFamily="34" charset="0"/>
+              <a:buChar char="•"/>
             </a:pPr>
             <a:endParaRPr lang="en-US" sz="2000" dirty="0"/>
           </a:p>
         </p:txBody>
       </p:sp>
+      <p:sp>
+        <p:nvSpPr>
+          <p:cNvPr id="2" name="TextBox 1">
+            <a:extLst>
+              <a:ext uri="{FF2B5EF4-FFF2-40B4-BE49-F238E27FC236}">
+                <a16:creationId xmlns:a16="http://schemas.microsoft.com/office/drawing/2014/main" id="{3873BCF4-993D-4D20-B935-D19D85DD376F}"/>
+              </a:ext>
+            </a:extLst>
+          </p:cNvPr>
+          <p:cNvSpPr txBox="1"/>
+          <p:nvPr/>
+        </p:nvSpPr>
+        <p:spPr>
+          <a:xfrm flipH="1">
+            <a:off x="3433801" y="5258803"/>
+            <a:ext cx="5032850" cy="461665"/>
+          </a:xfrm>
+          <a:prstGeom prst="rect">
+            <a:avLst/>
+          </a:prstGeom>
+          <a:solidFill>
+            <a:schemeClr val="accent1">
+              <a:lumMod val="40000"/>
+              <a:lumOff val="60000"/>
+            </a:schemeClr>
+          </a:solidFill>
+          <a:ln w="28575">
+            <a:solidFill>
+              <a:srgbClr val="E46102"/>
+            </a:solidFill>
+          </a:ln>
+        </p:spPr>
+        <p:txBody>
+          <a:bodyPr wrap="square" rtlCol="0">
+            <a:spAutoFit/>
+          </a:bodyPr>
+          <a:lstStyle/>
+          <a:p>
+            <a:pPr algn="ctr"/>
+            <a:r>
+              <a:rPr lang="en-US" dirty="0"/>
+              <a:t>What should you do next?</a:t>
+            </a:r>
+          </a:p>
+        </p:txBody>
+      </p:sp>
+      <p:pic>
+        <p:nvPicPr>
+          <p:cNvPr id="4" name="Picture 3">
+            <a:extLst>
+              <a:ext uri="{FF2B5EF4-FFF2-40B4-BE49-F238E27FC236}">
+                <a16:creationId xmlns:a16="http://schemas.microsoft.com/office/drawing/2014/main" id="{3D764D2E-5210-924C-5A99-9117EE7C85AC}"/>
+              </a:ext>
+            </a:extLst>
+          </p:cNvPr>
+          <p:cNvPicPr>
+            <a:picLocks noChangeAspect="1"/>
+          </p:cNvPicPr>
+          <p:nvPr/>
+        </p:nvPicPr>
+        <p:blipFill>
+          <a:blip r:embed="rId3"/>
+          <a:stretch>
+            <a:fillRect/>
+          </a:stretch>
+        </p:blipFill>
+        <p:spPr>
+          <a:xfrm>
+            <a:off x="1868557" y="2583822"/>
+            <a:ext cx="7772400" cy="1690355"/>
+          </a:xfrm>
+          <a:prstGeom prst="rect">
+            <a:avLst/>
+          </a:prstGeom>
+        </p:spPr>
+      </p:pic>
     </p:spTree>
     <p:extLst>
       <p:ext uri="{BB962C8B-B14F-4D97-AF65-F5344CB8AC3E}">
-        <p14:creationId xmlns:p14="http://schemas.microsoft.com/office/powerpoint/2010/main" val="1911188984"/>
+        <p14:creationId xmlns:p14="http://schemas.microsoft.com/office/powerpoint/2010/main" val="2937816385"/>
       </p:ext>
     </p:extLst>
   </p:cSld>
   <p:clrMapOvr>
     <a:masterClrMapping/>
   </p:clrMapOvr>
+  <p:timing>
+    <p:tnLst>
+      <p:par>
+        <p:cTn id="1" dur="indefinite" restart="never" nodeType="tmRoot">
+          <p:childTnLst>
+            <p:seq concurrent="1" nextAc="seek">
+              <p:cTn id="2" dur="indefinite" nodeType="mainSeq">
+                <p:childTnLst>
+                  <p:par>
+                    <p:cTn id="3" fill="hold">
+                      <p:stCondLst>
+                        <p:cond delay="indefinite"/>
+                      </p:stCondLst>
+                      <p:childTnLst>
+                        <p:par>
+                          <p:cTn id="4" fill="hold">
+                            <p:stCondLst>
+                              <p:cond delay="0"/>
+                            </p:stCondLst>
+                            <p:childTnLst>
+                              <p:par>
+                                <p:cTn id="5" presetID="1" presetClass="entr" presetSubtype="0" fill="hold" grpId="0" nodeType="clickEffect">
+                                  <p:stCondLst>
+                                    <p:cond delay="0"/>
+                                  </p:stCondLst>
+                                  <p:childTnLst>
+                                    <p:set>
+                                      <p:cBhvr>
+                                        <p:cTn id="6" dur="1" fill="hold">
+                                          <p:stCondLst>
+                                            <p:cond delay="0"/>
+                                          </p:stCondLst>
+                                        </p:cTn>
+                                        <p:tgtEl>
+                                          <p:spTgt spid="2"/>
+                                        </p:tgtEl>
+                                        <p:attrNameLst>
+                                          <p:attrName>style.visibility</p:attrName>
+                                        </p:attrNameLst>
+                                      </p:cBhvr>
+                                      <p:to>
+                                        <p:strVal val="visible"/>
+                                      </p:to>
+                                    </p:set>
+                                  </p:childTnLst>
+                                </p:cTn>
+                              </p:par>
+                            </p:childTnLst>
+                          </p:cTn>
+                        </p:par>
+                      </p:childTnLst>
+                    </p:cTn>
+                  </p:par>
+                </p:childTnLst>
+              </p:cTn>
+              <p:prevCondLst>
+                <p:cond evt="onPrev" delay="0">
+                  <p:tgtEl>
+                    <p:sldTgt/>
+                  </p:tgtEl>
+                </p:cond>
+              </p:prevCondLst>
+              <p:nextCondLst>
+                <p:cond evt="onNext" delay="0">
+                  <p:tgtEl>
+                    <p:sldTgt/>
+                  </p:tgtEl>
+                </p:cond>
+              </p:nextCondLst>
+            </p:seq>
+          </p:childTnLst>
+        </p:cTn>
+      </p:par>
+    </p:tnLst>
+    <p:bldLst>
+      <p:bldP spid="2" grpId="0" animBg="1"/>
+    </p:bldLst>
+  </p:timing>
 </p:sld>
 </file>
 
@@ -24731,7 +24811,7 @@
                   <a:srgbClr val="E46102"/>
                 </a:solidFill>
               </a:rPr>
-              <a:t>Build a model - 2</a:t>
+              <a:t>Build a model</a:t>
             </a:r>
             <a:endParaRPr sz="4000" b="1" dirty="0">
               <a:solidFill>
@@ -24780,7 +24860,7 @@
             </a:pPr>
             <a:r>
               <a:rPr lang="en-US" sz="2000" dirty="0"/>
-              <a:t>Frame the Problem.</a:t>
+              <a:t>Understand the data</a:t>
             </a:r>
           </a:p>
           <a:p>
@@ -24789,7 +24869,10 @@
               <a:buFont typeface="+mj-lt"/>
               <a:buAutoNum type="arabicPeriod"/>
             </a:pPr>
-            <a:endParaRPr lang="en-US" sz="2000" dirty="0"/>
+            <a:r>
+              <a:rPr lang="en-US" sz="2000" dirty="0"/>
+              <a:t>What are the features and label?</a:t>
+            </a:r>
           </a:p>
           <a:p>
             <a:pPr marL="558798" indent="-457200">
@@ -24797,10 +24880,7 @@
               <a:buFont typeface="+mj-lt"/>
               <a:buAutoNum type="arabicPeriod"/>
             </a:pPr>
-            <a:r>
-              <a:rPr lang="en-US" sz="2000" dirty="0"/>
-              <a:t>What is the current solution?</a:t>
-            </a:r>
+            <a:endParaRPr lang="en-US" sz="2000" dirty="0"/>
           </a:p>
           <a:p>
             <a:pPr marL="558798" indent="-457200">
@@ -24816,58 +24896,201 @@
               <a:buFont typeface="+mj-lt"/>
               <a:buAutoNum type="arabicPeriod"/>
             </a:pPr>
-            <a:r>
-              <a:rPr lang="en-US" sz="2000" dirty="0"/>
-              <a:t>Start designing your system – </a:t>
-            </a:r>
-          </a:p>
-          <a:p>
-            <a:pPr marL="1168383" lvl="1" indent="-457200">
+            <a:endParaRPr lang="en-US" sz="2000" dirty="0"/>
+          </a:p>
+          <a:p>
+            <a:pPr marL="558798" indent="-457200">
               <a:buSzPct val="100000"/>
               <a:buFont typeface="+mj-lt"/>
               <a:buAutoNum type="arabicPeriod"/>
             </a:pPr>
-            <a:r>
-              <a:rPr lang="en-US" sz="2000" dirty="0"/>
-              <a:t>Is it supervised, unsupervised, or reinforcement learning?</a:t>
-            </a:r>
-          </a:p>
-          <a:p>
-            <a:pPr marL="1168383" lvl="1" indent="-457200">
+            <a:endParaRPr lang="en-US" sz="2000" dirty="0"/>
+          </a:p>
+          <a:p>
+            <a:pPr marL="558798" indent="-457200">
               <a:buSzPct val="100000"/>
               <a:buFont typeface="+mj-lt"/>
               <a:buAutoNum type="arabicPeriod"/>
             </a:pPr>
-            <a:r>
-              <a:rPr lang="en-US" sz="2000" dirty="0"/>
-              <a:t>Is it a classification, regression or some other task?</a:t>
-            </a:r>
-          </a:p>
-          <a:p>
-            <a:pPr marL="1168383" lvl="1" indent="-457200">
+            <a:endParaRPr lang="en-US" sz="2000" dirty="0"/>
+          </a:p>
+          <a:p>
+            <a:pPr marL="558798" indent="-457200">
               <a:buSzPct val="100000"/>
               <a:buFont typeface="+mj-lt"/>
               <a:buAutoNum type="arabicPeriod"/>
             </a:pPr>
+            <a:endParaRPr lang="en-US" sz="2000" dirty="0"/>
+          </a:p>
+          <a:p>
+            <a:pPr marL="558798" indent="-457200">
+              <a:buSzPct val="100000"/>
+              <a:buFont typeface="+mj-lt"/>
+              <a:buAutoNum type="arabicPeriod"/>
+            </a:pPr>
+            <a:endParaRPr lang="en-US" sz="2000" dirty="0"/>
+          </a:p>
+          <a:p>
+            <a:pPr marL="558798" indent="-457200">
+              <a:buSzPct val="100000"/>
+              <a:buFont typeface="+mj-lt"/>
+              <a:buAutoNum type="arabicPeriod"/>
+            </a:pPr>
+            <a:endParaRPr lang="en-US" sz="2000" dirty="0"/>
+          </a:p>
+          <a:p>
+            <a:pPr marL="558798" indent="-457200">
+              <a:buSzPct val="100000"/>
+              <a:buFont typeface="+mj-lt"/>
+              <a:buAutoNum type="arabicPeriod"/>
+            </a:pPr>
+            <a:endParaRPr lang="en-US" sz="2000" dirty="0"/>
+          </a:p>
+          <a:p>
+            <a:pPr marL="558798" indent="-457200">
+              <a:buSzPct val="100000"/>
+              <a:buFont typeface="+mj-lt"/>
+              <a:buAutoNum type="arabicPeriod"/>
+            </a:pPr>
             <a:r>
               <a:rPr lang="en-US" sz="2000" dirty="0"/>
-              <a:t>Should you use batch or online learning?</a:t>
-            </a:r>
-          </a:p>
-          <a:p>
-            <a:pPr marL="101598">
+              <a:t>Frame the Problem</a:t>
+            </a:r>
+          </a:p>
+          <a:p>
+            <a:pPr marL="558798" indent="-457200">
               <a:buSzPct val="100000"/>
+              <a:buFont typeface="+mj-lt"/>
+              <a:buAutoNum type="arabicPeriod"/>
             </a:pPr>
             <a:endParaRPr lang="en-US" sz="2000" dirty="0"/>
+          </a:p>
+        </p:txBody>
+      </p:sp>
+      <p:pic>
+        <p:nvPicPr>
+          <p:cNvPr id="2" name="Picture 1">
+            <a:extLst>
+              <a:ext uri="{FF2B5EF4-FFF2-40B4-BE49-F238E27FC236}">
+                <a16:creationId xmlns:a16="http://schemas.microsoft.com/office/drawing/2014/main" id="{7D2FB967-14F7-0058-DD4F-5822435B86A6}"/>
+              </a:ext>
+            </a:extLst>
+          </p:cNvPr>
+          <p:cNvPicPr>
+            <a:picLocks noChangeAspect="1"/>
+          </p:cNvPicPr>
+          <p:nvPr/>
+        </p:nvPicPr>
+        <p:blipFill>
+          <a:blip r:embed="rId3"/>
+          <a:stretch>
+            <a:fillRect/>
+          </a:stretch>
+        </p:blipFill>
+        <p:spPr>
+          <a:xfrm>
+            <a:off x="4026976" y="2318779"/>
+            <a:ext cx="7772400" cy="1690355"/>
+          </a:xfrm>
+          <a:prstGeom prst="rect">
+            <a:avLst/>
+          </a:prstGeom>
+        </p:spPr>
+      </p:pic>
+      <p:sp>
+        <p:nvSpPr>
+          <p:cNvPr id="9" name="Right Brace 8">
+            <a:extLst>
+              <a:ext uri="{FF2B5EF4-FFF2-40B4-BE49-F238E27FC236}">
+                <a16:creationId xmlns:a16="http://schemas.microsoft.com/office/drawing/2014/main" id="{10EB67D0-245C-E5B7-154D-66AD6CFCA739}"/>
+              </a:ext>
+            </a:extLst>
+          </p:cNvPr>
+          <p:cNvSpPr/>
+          <p:nvPr/>
+        </p:nvSpPr>
+        <p:spPr>
+          <a:xfrm rot="5400000">
+            <a:off x="6864136" y="1376408"/>
+            <a:ext cx="252767" cy="5658679"/>
+          </a:xfrm>
+          <a:prstGeom prst="rightBrace">
+            <a:avLst/>
+          </a:prstGeom>
+        </p:spPr>
+        <p:style>
+          <a:lnRef idx="2">
+            <a:schemeClr val="accent1"/>
+          </a:lnRef>
+          <a:fillRef idx="0">
+            <a:schemeClr val="accent1"/>
+          </a:fillRef>
+          <a:effectRef idx="1">
+            <a:schemeClr val="accent1"/>
+          </a:effectRef>
+          <a:fontRef idx="minor">
+            <a:schemeClr val="tx1"/>
+          </a:fontRef>
+        </p:style>
+        <p:txBody>
+          <a:bodyPr rtlCol="0" anchor="ctr"/>
+          <a:lstStyle/>
+          <a:p>
+            <a:pPr algn="ctr"/>
+            <a:endParaRPr lang="en-US"/>
           </a:p>
         </p:txBody>
       </p:sp>
       <p:sp>
         <p:nvSpPr>
-          <p:cNvPr id="2" name="TextBox 1">
+          <p:cNvPr id="10" name="Right Brace 9">
             <a:extLst>
               <a:ext uri="{FF2B5EF4-FFF2-40B4-BE49-F238E27FC236}">
-                <a16:creationId xmlns:a16="http://schemas.microsoft.com/office/drawing/2014/main" id="{7CF50DEA-DA45-47E8-9F05-20DF72A22AF5}"/>
+                <a16:creationId xmlns:a16="http://schemas.microsoft.com/office/drawing/2014/main" id="{A2C1B55E-8FA6-6FA1-8DFE-C51F6C50D186}"/>
+              </a:ext>
+            </a:extLst>
+          </p:cNvPr>
+          <p:cNvSpPr/>
+          <p:nvPr/>
+        </p:nvSpPr>
+        <p:spPr>
+          <a:xfrm rot="5400000">
+            <a:off x="11173960" y="3777925"/>
+            <a:ext cx="323972" cy="926858"/>
+          </a:xfrm>
+          <a:prstGeom prst="rightBrace">
+            <a:avLst/>
+          </a:prstGeom>
+        </p:spPr>
+        <p:style>
+          <a:lnRef idx="2">
+            <a:schemeClr val="accent1"/>
+          </a:lnRef>
+          <a:fillRef idx="0">
+            <a:schemeClr val="accent1"/>
+          </a:fillRef>
+          <a:effectRef idx="1">
+            <a:schemeClr val="accent1"/>
+          </a:effectRef>
+          <a:fontRef idx="minor">
+            <a:schemeClr val="tx1"/>
+          </a:fontRef>
+        </p:style>
+        <p:txBody>
+          <a:bodyPr rtlCol="0" anchor="ctr"/>
+          <a:lstStyle/>
+          <a:p>
+            <a:pPr algn="ctr"/>
+            <a:endParaRPr lang="en-US"/>
+          </a:p>
+        </p:txBody>
+      </p:sp>
+      <p:sp>
+        <p:nvSpPr>
+          <p:cNvPr id="11" name="TextBox 10">
+            <a:extLst>
+              <a:ext uri="{FF2B5EF4-FFF2-40B4-BE49-F238E27FC236}">
+                <a16:creationId xmlns:a16="http://schemas.microsoft.com/office/drawing/2014/main" id="{ABEB23EA-D0B9-B524-7C4B-FDD93399C104}"/>
               </a:ext>
             </a:extLst>
           </p:cNvPr>
@@ -24876,48 +25099,541 @@
         </p:nvSpPr>
         <p:spPr>
           <a:xfrm>
-            <a:off x="2992192" y="4314423"/>
-            <a:ext cx="5941453" cy="461665"/>
+            <a:off x="6096000" y="4403337"/>
+            <a:ext cx="2194832" cy="338554"/>
           </a:xfrm>
           <a:prstGeom prst="rect">
             <a:avLst/>
           </a:prstGeom>
-          <a:solidFill>
-            <a:schemeClr val="accent1">
-              <a:lumMod val="40000"/>
-              <a:lumOff val="60000"/>
-            </a:schemeClr>
-          </a:solidFill>
-          <a:ln w="28575">
-            <a:solidFill>
-              <a:srgbClr val="E46102"/>
-            </a:solidFill>
-          </a:ln>
+          <a:noFill/>
         </p:spPr>
         <p:txBody>
-          <a:bodyPr wrap="square" rtlCol="0">
+          <a:bodyPr wrap="none" rtlCol="0">
             <a:spAutoFit/>
           </a:bodyPr>
           <a:lstStyle/>
           <a:p>
-            <a:pPr algn="ctr"/>
-            <a:r>
-              <a:rPr lang="en-US" dirty="0"/>
-              <a:t>Lets Discuss</a:t>
-            </a:r>
+            <a:r>
+              <a:rPr lang="en-US" sz="1600" dirty="0">
+                <a:solidFill>
+                  <a:srgbClr val="E46102"/>
+                </a:solidFill>
+              </a:rPr>
+              <a:t>Features – X=</a:t>
+            </a:r>
+            <a:r>
+              <a:rPr lang="en-US" sz="1600" i="1" dirty="0">
+                <a:solidFill>
+                  <a:srgbClr val="E46102"/>
+                </a:solidFill>
+              </a:rPr>
+              <a:t>x</a:t>
+            </a:r>
+            <a:r>
+              <a:rPr lang="en-US" sz="1600" i="1" baseline="-25000" dirty="0">
+                <a:solidFill>
+                  <a:srgbClr val="E46102"/>
+                </a:solidFill>
+              </a:rPr>
+              <a:t>1</a:t>
+            </a:r>
+            <a:r>
+              <a:rPr lang="en-US" sz="1600" i="1" dirty="0">
+                <a:solidFill>
+                  <a:srgbClr val="E46102"/>
+                </a:solidFill>
+              </a:rPr>
+              <a:t>,x</a:t>
+            </a:r>
+            <a:r>
+              <a:rPr lang="en-US" sz="1600" i="1" baseline="-25000" dirty="0">
+                <a:solidFill>
+                  <a:srgbClr val="E46102"/>
+                </a:solidFill>
+              </a:rPr>
+              <a:t>2</a:t>
+            </a:r>
+            <a:r>
+              <a:rPr lang="en-US" sz="1600" i="1" dirty="0">
+                <a:solidFill>
+                  <a:srgbClr val="E46102"/>
+                </a:solidFill>
+              </a:rPr>
+              <a:t>,…</a:t>
+            </a:r>
+            <a:endParaRPr lang="en-US" i="1" dirty="0">
+              <a:solidFill>
+                <a:srgbClr val="E46102"/>
+              </a:solidFill>
+            </a:endParaRPr>
           </a:p>
         </p:txBody>
       </p:sp>
+      <p:sp>
+        <p:nvSpPr>
+          <p:cNvPr id="12" name="TextBox 11">
+            <a:extLst>
+              <a:ext uri="{FF2B5EF4-FFF2-40B4-BE49-F238E27FC236}">
+                <a16:creationId xmlns:a16="http://schemas.microsoft.com/office/drawing/2014/main" id="{F578D46F-CB2C-DF82-250F-92CFE897B453}"/>
+              </a:ext>
+            </a:extLst>
+          </p:cNvPr>
+          <p:cNvSpPr txBox="1"/>
+          <p:nvPr/>
+        </p:nvSpPr>
+        <p:spPr>
+          <a:xfrm>
+            <a:off x="11177088" y="4519300"/>
+            <a:ext cx="317716" cy="338554"/>
+          </a:xfrm>
+          <a:prstGeom prst="rect">
+            <a:avLst/>
+          </a:prstGeom>
+          <a:noFill/>
+        </p:spPr>
+        <p:txBody>
+          <a:bodyPr wrap="none" rtlCol="0">
+            <a:spAutoFit/>
+          </a:bodyPr>
+          <a:lstStyle/>
+          <a:p>
+            <a:r>
+              <a:rPr lang="en-US" sz="1600" i="1" dirty="0">
+                <a:solidFill>
+                  <a:srgbClr val="E46102"/>
+                </a:solidFill>
+              </a:rPr>
+              <a:t>x</a:t>
+            </a:r>
+            <a:r>
+              <a:rPr lang="en-US" sz="1600" i="1" baseline="-25000" dirty="0">
+                <a:solidFill>
+                  <a:srgbClr val="E46102"/>
+                </a:solidFill>
+              </a:rPr>
+              <a:t>i</a:t>
+            </a:r>
+            <a:endParaRPr lang="en-US" i="1" baseline="-25000" dirty="0">
+              <a:solidFill>
+                <a:srgbClr val="E46102"/>
+              </a:solidFill>
+            </a:endParaRPr>
+          </a:p>
+        </p:txBody>
+      </p:sp>
+      <p:sp>
+        <p:nvSpPr>
+          <p:cNvPr id="13" name="TextBox 12">
+            <a:extLst>
+              <a:ext uri="{FF2B5EF4-FFF2-40B4-BE49-F238E27FC236}">
+                <a16:creationId xmlns:a16="http://schemas.microsoft.com/office/drawing/2014/main" id="{9602E832-2519-7C4F-DAE5-788880BE46BA}"/>
+              </a:ext>
+            </a:extLst>
+          </p:cNvPr>
+          <p:cNvSpPr txBox="1"/>
+          <p:nvPr/>
+        </p:nvSpPr>
+        <p:spPr>
+          <a:xfrm>
+            <a:off x="10019253" y="1300782"/>
+            <a:ext cx="902811" cy="338554"/>
+          </a:xfrm>
+          <a:prstGeom prst="rect">
+            <a:avLst/>
+          </a:prstGeom>
+          <a:noFill/>
+        </p:spPr>
+        <p:txBody>
+          <a:bodyPr wrap="none" rtlCol="0">
+            <a:spAutoFit/>
+          </a:bodyPr>
+          <a:lstStyle/>
+          <a:p>
+            <a:r>
+              <a:rPr lang="en-US" sz="1600" dirty="0"/>
+              <a:t>Label, </a:t>
+            </a:r>
+            <a:r>
+              <a:rPr lang="en-US" sz="1600" i="1" dirty="0"/>
+              <a:t>y</a:t>
+            </a:r>
+            <a:endParaRPr lang="en-US" i="1" dirty="0"/>
+          </a:p>
+        </p:txBody>
+      </p:sp>
+      <p:cxnSp>
+        <p:nvCxnSpPr>
+          <p:cNvPr id="15" name="Straight Arrow Connector 14">
+            <a:extLst>
+              <a:ext uri="{FF2B5EF4-FFF2-40B4-BE49-F238E27FC236}">
+                <a16:creationId xmlns:a16="http://schemas.microsoft.com/office/drawing/2014/main" id="{16508A27-3FBF-FD16-B8A1-35E02CFF0405}"/>
+              </a:ext>
+            </a:extLst>
+          </p:cNvPr>
+          <p:cNvCxnSpPr/>
+          <p:nvPr/>
+        </p:nvCxnSpPr>
+        <p:spPr>
+          <a:xfrm>
+            <a:off x="10327190" y="1639336"/>
+            <a:ext cx="0" cy="679443"/>
+          </a:xfrm>
+          <a:prstGeom prst="straightConnector1">
+            <a:avLst/>
+          </a:prstGeom>
+          <a:ln>
+            <a:solidFill>
+              <a:schemeClr val="tx1"/>
+            </a:solidFill>
+            <a:tailEnd type="triangle"/>
+          </a:ln>
+        </p:spPr>
+        <p:style>
+          <a:lnRef idx="2">
+            <a:schemeClr val="accent1"/>
+          </a:lnRef>
+          <a:fillRef idx="0">
+            <a:schemeClr val="accent1"/>
+          </a:fillRef>
+          <a:effectRef idx="1">
+            <a:schemeClr val="accent1"/>
+          </a:effectRef>
+          <a:fontRef idx="minor">
+            <a:schemeClr val="tx1"/>
+          </a:fontRef>
+        </p:style>
+      </p:cxnSp>
+      <p:pic>
+        <p:nvPicPr>
+          <p:cNvPr id="1026" name="Picture 2" descr="Feature matrix and label | Download Scientific Diagram">
+            <a:extLst>
+              <a:ext uri="{FF2B5EF4-FFF2-40B4-BE49-F238E27FC236}">
+                <a16:creationId xmlns:a16="http://schemas.microsoft.com/office/drawing/2014/main" id="{5A5DBE8E-0C95-BE80-70BD-D1C5A183DA76}"/>
+              </a:ext>
+            </a:extLst>
+          </p:cNvPr>
+          <p:cNvPicPr>
+            <a:picLocks noChangeAspect="1" noChangeArrowheads="1"/>
+          </p:cNvPicPr>
+          <p:nvPr/>
+        </p:nvPicPr>
+        <p:blipFill>
+          <a:blip r:embed="rId4">
+            <a:extLst>
+              <a:ext uri="{BEBA8EAE-BF5A-486C-A8C5-ECC9F3942E4B}">
+                <a14:imgProps xmlns:a14="http://schemas.microsoft.com/office/drawing/2010/main">
+                  <a14:imgLayer r:embed="rId5">
+                    <a14:imgEffect>
+                      <a14:sharpenSoften amount="50000"/>
+                    </a14:imgEffect>
+                    <a14:imgEffect>
+                      <a14:saturation sat="66000"/>
+                    </a14:imgEffect>
+                  </a14:imgLayer>
+                </a14:imgProps>
+              </a:ext>
+              <a:ext uri="{28A0092B-C50C-407E-A947-70E740481C1C}">
+                <a14:useLocalDpi xmlns:a14="http://schemas.microsoft.com/office/drawing/2010/main" val="0"/>
+              </a:ext>
+            </a:extLst>
+          </a:blip>
+          <a:srcRect/>
+          <a:stretch>
+            <a:fillRect/>
+          </a:stretch>
+        </p:blipFill>
+        <p:spPr bwMode="auto">
+          <a:xfrm>
+            <a:off x="8592553" y="4514641"/>
+            <a:ext cx="2036358" cy="2151624"/>
+          </a:xfrm>
+          <a:prstGeom prst="rect">
+            <a:avLst/>
+          </a:prstGeom>
+          <a:noFill/>
+          <a:extLst>
+            <a:ext uri="{909E8E84-426E-40DD-AFC4-6F175D3DCCD1}">
+              <a14:hiddenFill xmlns:a14="http://schemas.microsoft.com/office/drawing/2010/main">
+                <a:solidFill>
+                  <a:srgbClr val="FFFFFF"/>
+                </a:solidFill>
+              </a14:hiddenFill>
+            </a:ext>
+          </a:extLst>
+        </p:spPr>
+      </p:pic>
     </p:spTree>
     <p:extLst>
       <p:ext uri="{BB962C8B-B14F-4D97-AF65-F5344CB8AC3E}">
-        <p14:creationId xmlns:p14="http://schemas.microsoft.com/office/powerpoint/2010/main" val="1919109643"/>
+        <p14:creationId xmlns:p14="http://schemas.microsoft.com/office/powerpoint/2010/main" val="2923327648"/>
       </p:ext>
     </p:extLst>
   </p:cSld>
   <p:clrMapOvr>
     <a:masterClrMapping/>
   </p:clrMapOvr>
+  <p:timing>
+    <p:tnLst>
+      <p:par>
+        <p:cTn id="1" dur="indefinite" restart="never" nodeType="tmRoot">
+          <p:childTnLst>
+            <p:seq concurrent="1" nextAc="seek">
+              <p:cTn id="2" dur="indefinite" nodeType="mainSeq">
+                <p:childTnLst>
+                  <p:par>
+                    <p:cTn id="3" fill="hold">
+                      <p:stCondLst>
+                        <p:cond delay="indefinite"/>
+                      </p:stCondLst>
+                      <p:childTnLst>
+                        <p:par>
+                          <p:cTn id="4" fill="hold">
+                            <p:stCondLst>
+                              <p:cond delay="0"/>
+                            </p:stCondLst>
+                            <p:childTnLst>
+                              <p:par>
+                                <p:cTn id="5" presetID="1" presetClass="entr" presetSubtype="0" fill="hold" grpId="0" nodeType="clickEffect">
+                                  <p:stCondLst>
+                                    <p:cond delay="0"/>
+                                  </p:stCondLst>
+                                  <p:childTnLst>
+                                    <p:set>
+                                      <p:cBhvr>
+                                        <p:cTn id="6" dur="1" fill="hold">
+                                          <p:stCondLst>
+                                            <p:cond delay="0"/>
+                                          </p:stCondLst>
+                                        </p:cTn>
+                                        <p:tgtEl>
+                                          <p:spTgt spid="13"/>
+                                        </p:tgtEl>
+                                        <p:attrNameLst>
+                                          <p:attrName>style.visibility</p:attrName>
+                                        </p:attrNameLst>
+                                      </p:cBhvr>
+                                      <p:to>
+                                        <p:strVal val="visible"/>
+                                      </p:to>
+                                    </p:set>
+                                  </p:childTnLst>
+                                </p:cTn>
+                              </p:par>
+                              <p:par>
+                                <p:cTn id="7" presetID="1" presetClass="entr" presetSubtype="0" fill="hold" nodeType="withEffect">
+                                  <p:stCondLst>
+                                    <p:cond delay="0"/>
+                                  </p:stCondLst>
+                                  <p:childTnLst>
+                                    <p:set>
+                                      <p:cBhvr>
+                                        <p:cTn id="8" dur="1" fill="hold">
+                                          <p:stCondLst>
+                                            <p:cond delay="0"/>
+                                          </p:stCondLst>
+                                        </p:cTn>
+                                        <p:tgtEl>
+                                          <p:spTgt spid="15"/>
+                                        </p:tgtEl>
+                                        <p:attrNameLst>
+                                          <p:attrName>style.visibility</p:attrName>
+                                        </p:attrNameLst>
+                                      </p:cBhvr>
+                                      <p:to>
+                                        <p:strVal val="visible"/>
+                                      </p:to>
+                                    </p:set>
+                                  </p:childTnLst>
+                                </p:cTn>
+                              </p:par>
+                              <p:par>
+                                <p:cTn id="9" presetID="1" presetClass="entr" presetSubtype="0" fill="hold" grpId="0" nodeType="withEffect">
+                                  <p:stCondLst>
+                                    <p:cond delay="0"/>
+                                  </p:stCondLst>
+                                  <p:childTnLst>
+                                    <p:set>
+                                      <p:cBhvr>
+                                        <p:cTn id="10" dur="1" fill="hold">
+                                          <p:stCondLst>
+                                            <p:cond delay="0"/>
+                                          </p:stCondLst>
+                                        </p:cTn>
+                                        <p:tgtEl>
+                                          <p:spTgt spid="9"/>
+                                        </p:tgtEl>
+                                        <p:attrNameLst>
+                                          <p:attrName>style.visibility</p:attrName>
+                                        </p:attrNameLst>
+                                      </p:cBhvr>
+                                      <p:to>
+                                        <p:strVal val="visible"/>
+                                      </p:to>
+                                    </p:set>
+                                  </p:childTnLst>
+                                </p:cTn>
+                              </p:par>
+                              <p:par>
+                                <p:cTn id="11" presetID="1" presetClass="entr" presetSubtype="0" fill="hold" grpId="0" nodeType="withEffect">
+                                  <p:stCondLst>
+                                    <p:cond delay="0"/>
+                                  </p:stCondLst>
+                                  <p:childTnLst>
+                                    <p:set>
+                                      <p:cBhvr>
+                                        <p:cTn id="12" dur="1" fill="hold">
+                                          <p:stCondLst>
+                                            <p:cond delay="0"/>
+                                          </p:stCondLst>
+                                        </p:cTn>
+                                        <p:tgtEl>
+                                          <p:spTgt spid="11"/>
+                                        </p:tgtEl>
+                                        <p:attrNameLst>
+                                          <p:attrName>style.visibility</p:attrName>
+                                        </p:attrNameLst>
+                                      </p:cBhvr>
+                                      <p:to>
+                                        <p:strVal val="visible"/>
+                                      </p:to>
+                                    </p:set>
+                                  </p:childTnLst>
+                                </p:cTn>
+                              </p:par>
+                              <p:par>
+                                <p:cTn id="13" presetID="1" presetClass="entr" presetSubtype="0" fill="hold" grpId="0" nodeType="withEffect">
+                                  <p:stCondLst>
+                                    <p:cond delay="0"/>
+                                  </p:stCondLst>
+                                  <p:childTnLst>
+                                    <p:set>
+                                      <p:cBhvr>
+                                        <p:cTn id="14" dur="1" fill="hold">
+                                          <p:stCondLst>
+                                            <p:cond delay="0"/>
+                                          </p:stCondLst>
+                                        </p:cTn>
+                                        <p:tgtEl>
+                                          <p:spTgt spid="10"/>
+                                        </p:tgtEl>
+                                        <p:attrNameLst>
+                                          <p:attrName>style.visibility</p:attrName>
+                                        </p:attrNameLst>
+                                      </p:cBhvr>
+                                      <p:to>
+                                        <p:strVal val="visible"/>
+                                      </p:to>
+                                    </p:set>
+                                  </p:childTnLst>
+                                </p:cTn>
+                              </p:par>
+                              <p:par>
+                                <p:cTn id="15" presetID="1" presetClass="entr" presetSubtype="0" fill="hold" grpId="0" nodeType="withEffect">
+                                  <p:stCondLst>
+                                    <p:cond delay="0"/>
+                                  </p:stCondLst>
+                                  <p:childTnLst>
+                                    <p:set>
+                                      <p:cBhvr>
+                                        <p:cTn id="16" dur="1" fill="hold">
+                                          <p:stCondLst>
+                                            <p:cond delay="0"/>
+                                          </p:stCondLst>
+                                        </p:cTn>
+                                        <p:tgtEl>
+                                          <p:spTgt spid="12"/>
+                                        </p:tgtEl>
+                                        <p:attrNameLst>
+                                          <p:attrName>style.visibility</p:attrName>
+                                        </p:attrNameLst>
+                                      </p:cBhvr>
+                                      <p:to>
+                                        <p:strVal val="visible"/>
+                                      </p:to>
+                                    </p:set>
+                                  </p:childTnLst>
+                                </p:cTn>
+                              </p:par>
+                            </p:childTnLst>
+                          </p:cTn>
+                        </p:par>
+                      </p:childTnLst>
+                    </p:cTn>
+                  </p:par>
+                  <p:par>
+                    <p:cTn id="17" fill="hold">
+                      <p:stCondLst>
+                        <p:cond delay="indefinite"/>
+                      </p:stCondLst>
+                      <p:childTnLst>
+                        <p:par>
+                          <p:cTn id="18" fill="hold">
+                            <p:stCondLst>
+                              <p:cond delay="0"/>
+                            </p:stCondLst>
+                            <p:childTnLst>
+                              <p:par>
+                                <p:cTn id="19" presetID="1" presetClass="entr" presetSubtype="0" fill="hold" nodeType="clickEffect">
+                                  <p:stCondLst>
+                                    <p:cond delay="0"/>
+                                  </p:stCondLst>
+                                  <p:childTnLst>
+                                    <p:set>
+                                      <p:cBhvr>
+                                        <p:cTn id="20" dur="1" fill="hold">
+                                          <p:stCondLst>
+                                            <p:cond delay="0"/>
+                                          </p:stCondLst>
+                                        </p:cTn>
+                                        <p:tgtEl>
+                                          <p:spTgt spid="1026"/>
+                                        </p:tgtEl>
+                                        <p:attrNameLst>
+                                          <p:attrName>style.visibility</p:attrName>
+                                        </p:attrNameLst>
+                                      </p:cBhvr>
+                                      <p:to>
+                                        <p:strVal val="visible"/>
+                                      </p:to>
+                                    </p:set>
+                                  </p:childTnLst>
+                                </p:cTn>
+                              </p:par>
+                            </p:childTnLst>
+                          </p:cTn>
+                        </p:par>
+                      </p:childTnLst>
+                    </p:cTn>
+                  </p:par>
+                </p:childTnLst>
+              </p:cTn>
+              <p:prevCondLst>
+                <p:cond evt="onPrev" delay="0">
+                  <p:tgtEl>
+                    <p:sldTgt/>
+                  </p:tgtEl>
+                </p:cond>
+              </p:prevCondLst>
+              <p:nextCondLst>
+                <p:cond evt="onNext" delay="0">
+                  <p:tgtEl>
+                    <p:sldTgt/>
+                  </p:tgtEl>
+                </p:cond>
+              </p:nextCondLst>
+            </p:seq>
+          </p:childTnLst>
+        </p:cTn>
+      </p:par>
+    </p:tnLst>
+    <p:bldLst>
+      <p:bldP spid="9" grpId="0" animBg="1"/>
+      <p:bldP spid="10" grpId="0" animBg="1"/>
+      <p:bldP spid="11" grpId="0"/>
+      <p:bldP spid="12" grpId="0"/>
+      <p:bldP spid="13" grpId="0"/>
+    </p:bldLst>
+  </p:timing>
 </p:sld>
 </file>
 
@@ -24969,7 +25685,7 @@
                   <a:srgbClr val="E46102"/>
                 </a:solidFill>
               </a:rPr>
-              <a:t>Build a model - 2</a:t>
+              <a:t>Build a model</a:t>
             </a:r>
             <a:endParaRPr sz="4000" b="1" dirty="0">
               <a:solidFill>
@@ -25004,87 +25720,122 @@
           </a:bodyPr>
           <a:lstStyle/>
           <a:p>
-            <a:pPr lvl="0" algn="ctr">
-              <a:defRPr/>
-            </a:pPr>
-            <a:r>
-              <a:rPr lang="en-US" sz="2000" b="1" u="sng" dirty="0"/>
-              <a:t>One approach</a:t>
-            </a:r>
-          </a:p>
-          <a:p>
-            <a:pPr lvl="0">
-              <a:defRPr/>
+            <a:pPr marL="609585" indent="-507987">
+              <a:buSzPct val="100000"/>
+              <a:buChar char="●"/>
             </a:pPr>
             <a:endParaRPr lang="en-US" sz="2000" dirty="0"/>
           </a:p>
           <a:p>
-            <a:pPr lvl="0">
-              <a:defRPr/>
+            <a:pPr marL="558798" indent="-457200">
+              <a:buSzPct val="100000"/>
+              <a:buAutoNum type="arabicPeriod" startAt="3"/>
             </a:pPr>
             <a:r>
               <a:rPr lang="en-US" sz="2000" dirty="0"/>
-              <a:t>Supervised learning task - since you are given labeled training examples (each instance comes with the expected output, i.e., the district’s median housing price)</a:t>
-            </a:r>
-          </a:p>
-          <a:p>
-            <a:pPr lvl="0">
-              <a:defRPr/>
+              <a:t>Frame the Problem - Design a model that takes the features as input and predicts the median housing price. </a:t>
+            </a:r>
+          </a:p>
+          <a:p>
+            <a:pPr marL="558798" indent="-457200">
+              <a:buSzPct val="100000"/>
+              <a:buAutoNum type="arabicPeriod" startAt="3"/>
             </a:pPr>
             <a:endParaRPr lang="en-US" sz="2000" dirty="0"/>
           </a:p>
           <a:p>
-            <a:pPr lvl="0">
-              <a:defRPr/>
+            <a:pPr marL="558798" indent="-457200">
+              <a:buSzPct val="100000"/>
+              <a:buAutoNum type="arabicPeriod" startAt="3"/>
             </a:pPr>
             <a:r>
               <a:rPr lang="en-US" sz="2000" dirty="0"/>
-              <a:t>Regression task, since you are asked to predict a value. </a:t>
-            </a:r>
-          </a:p>
-          <a:p>
-            <a:pPr lvl="0">
-              <a:defRPr/>
+              <a:t>Start designing your system – </a:t>
+            </a:r>
+          </a:p>
+          <a:p>
+            <a:pPr marL="1168383" lvl="1" indent="-457200">
+              <a:buSzPct val="100000"/>
+              <a:buFont typeface="+mj-lt"/>
+              <a:buAutoNum type="arabicPeriod"/>
+            </a:pPr>
+            <a:r>
+              <a:rPr lang="en-US" sz="2000" dirty="0"/>
+              <a:t>Is it supervised, unsupervised, or reinforcement learning?</a:t>
+            </a:r>
+          </a:p>
+          <a:p>
+            <a:pPr marL="1168383" lvl="1" indent="-457200">
+              <a:buSzPct val="100000"/>
+              <a:buFont typeface="+mj-lt"/>
+              <a:buAutoNum type="arabicPeriod"/>
+            </a:pPr>
+            <a:r>
+              <a:rPr lang="en-US" sz="2000" dirty="0"/>
+              <a:t>Is it a classification, regression or some other task?</a:t>
+            </a:r>
+          </a:p>
+          <a:p>
+            <a:pPr marL="1168383" lvl="1" indent="-457200">
+              <a:buSzPct val="100000"/>
+              <a:buFont typeface="+mj-lt"/>
+              <a:buAutoNum type="arabicPeriod"/>
+            </a:pPr>
+            <a:r>
+              <a:rPr lang="en-US" sz="2000" dirty="0"/>
+              <a:t>Should you use batch or online learning?</a:t>
+            </a:r>
+          </a:p>
+          <a:p>
+            <a:pPr marL="101598">
+              <a:buSzPct val="100000"/>
             </a:pPr>
             <a:endParaRPr lang="en-US" sz="2000" dirty="0"/>
           </a:p>
-          <a:p>
-            <a:pPr lvl="0">
-              <a:defRPr/>
-            </a:pPr>
-            <a:r>
-              <a:rPr lang="en-US" sz="2000" dirty="0"/>
-              <a:t>More specifically, this is a multiple regression problem since the system will use multiple features to make a prediction (it will use the district’s population, the median income, etc.). </a:t>
-            </a:r>
-          </a:p>
-          <a:p>
-            <a:pPr lvl="0">
-              <a:defRPr/>
-            </a:pPr>
-            <a:endParaRPr lang="en-US" sz="2000" dirty="0"/>
-          </a:p>
-          <a:p>
-            <a:pPr lvl="0">
-              <a:defRPr/>
-            </a:pPr>
-            <a:r>
-              <a:rPr lang="en-US" sz="2000" dirty="0"/>
-              <a:t>It is also a univariate regression problem since we are only trying to predict a single value for each district. </a:t>
-            </a:r>
-          </a:p>
-          <a:p>
-            <a:pPr lvl="0">
-              <a:defRPr/>
-            </a:pPr>
-            <a:endParaRPr lang="en-US" sz="2000" dirty="0"/>
-          </a:p>
-          <a:p>
-            <a:pPr lvl="0">
-              <a:defRPr/>
-            </a:pPr>
-            <a:r>
-              <a:rPr lang="en-US" sz="2000" dirty="0"/>
-              <a:t>No continuous flow of data coming in the system, there is no particular need to adjust to changing data rapidly, and the data is small enough to fit in memory, so plain batch learning should do just fine.</a:t>
+        </p:txBody>
+      </p:sp>
+      <p:sp>
+        <p:nvSpPr>
+          <p:cNvPr id="2" name="TextBox 1">
+            <a:extLst>
+              <a:ext uri="{FF2B5EF4-FFF2-40B4-BE49-F238E27FC236}">
+                <a16:creationId xmlns:a16="http://schemas.microsoft.com/office/drawing/2014/main" id="{7CF50DEA-DA45-47E8-9F05-20DF72A22AF5}"/>
+              </a:ext>
+            </a:extLst>
+          </p:cNvPr>
+          <p:cNvSpPr txBox="1"/>
+          <p:nvPr/>
+        </p:nvSpPr>
+        <p:spPr>
+          <a:xfrm>
+            <a:off x="2992192" y="4314423"/>
+            <a:ext cx="5941453" cy="461665"/>
+          </a:xfrm>
+          <a:prstGeom prst="rect">
+            <a:avLst/>
+          </a:prstGeom>
+          <a:solidFill>
+            <a:schemeClr val="accent1">
+              <a:lumMod val="40000"/>
+              <a:lumOff val="60000"/>
+            </a:schemeClr>
+          </a:solidFill>
+          <a:ln w="28575">
+            <a:solidFill>
+              <a:srgbClr val="E46102"/>
+            </a:solidFill>
+          </a:ln>
+        </p:spPr>
+        <p:txBody>
+          <a:bodyPr wrap="square" rtlCol="0">
+            <a:spAutoFit/>
+          </a:bodyPr>
+          <a:lstStyle/>
+          <a:p>
+            <a:pPr algn="ctr"/>
+            <a:r>
+              <a:rPr lang="en-US" dirty="0"/>
+              <a:t>Lets Discuss</a:t>
             </a:r>
           </a:p>
         </p:txBody>
@@ -25092,7 +25843,7 @@
     </p:spTree>
     <p:extLst>
       <p:ext uri="{BB962C8B-B14F-4D97-AF65-F5344CB8AC3E}">
-        <p14:creationId xmlns:p14="http://schemas.microsoft.com/office/powerpoint/2010/main" val="1025045661"/>
+        <p14:creationId xmlns:p14="http://schemas.microsoft.com/office/powerpoint/2010/main" val="1919109643"/>
       </p:ext>
     </p:extLst>
   </p:cSld>
@@ -25150,7 +25901,7 @@
                   <a:srgbClr val="E46102"/>
                 </a:solidFill>
               </a:rPr>
-              <a:t>Build a model - 2</a:t>
+              <a:t>Build a model</a:t>
             </a:r>
             <a:endParaRPr sz="4000" b="1" dirty="0">
               <a:solidFill>
@@ -25185,131 +25936,95 @@
           </a:bodyPr>
           <a:lstStyle/>
           <a:p>
-            <a:pPr marL="609585" indent="-507987">
-              <a:buSzPct val="100000"/>
-              <a:buChar char="●"/>
+            <a:pPr lvl="0" algn="ctr">
+              <a:defRPr/>
+            </a:pPr>
+            <a:r>
+              <a:rPr lang="en-US" sz="2000" b="1" u="sng" dirty="0"/>
+              <a:t>One approach</a:t>
+            </a:r>
+          </a:p>
+          <a:p>
+            <a:pPr lvl="0">
+              <a:defRPr/>
             </a:pPr>
             <a:endParaRPr lang="en-US" sz="2000" dirty="0"/>
           </a:p>
           <a:p>
-            <a:pPr marL="558798" indent="-457200">
-              <a:buSzPct val="100000"/>
-              <a:buFont typeface="+mj-lt"/>
-              <a:buAutoNum type="arabicPeriod"/>
+            <a:pPr lvl="0">
+              <a:defRPr/>
             </a:pPr>
             <a:r>
               <a:rPr lang="en-US" sz="2000" dirty="0"/>
-              <a:t>Frame the Problem.</a:t>
-            </a:r>
-          </a:p>
-          <a:p>
-            <a:pPr marL="558798" indent="-457200">
-              <a:buSzPct val="100000"/>
-              <a:buFont typeface="+mj-lt"/>
-              <a:buAutoNum type="arabicPeriod"/>
+              <a:t>Supervised learning task - since you are given labeled training examples (each instance comes with the expected output, i.e., the district’s median housing price)</a:t>
+            </a:r>
+          </a:p>
+          <a:p>
+            <a:pPr lvl="0">
+              <a:defRPr/>
             </a:pPr>
             <a:endParaRPr lang="en-US" sz="2000" dirty="0"/>
           </a:p>
           <a:p>
-            <a:pPr marL="558798" indent="-457200">
-              <a:buSzPct val="100000"/>
-              <a:buFont typeface="+mj-lt"/>
-              <a:buAutoNum type="arabicPeriod"/>
+            <a:pPr lvl="0">
+              <a:defRPr/>
             </a:pPr>
             <a:r>
               <a:rPr lang="en-US" sz="2000" dirty="0"/>
-              <a:t>What is the current solution?</a:t>
-            </a:r>
-          </a:p>
-          <a:p>
-            <a:pPr marL="558798" indent="-457200">
-              <a:buSzPct val="100000"/>
-              <a:buFont typeface="+mj-lt"/>
-              <a:buAutoNum type="arabicPeriod"/>
+              <a:t>Regression task, since you are asked to predict a value. </a:t>
+            </a:r>
+          </a:p>
+          <a:p>
+            <a:pPr lvl="0">
+              <a:defRPr/>
             </a:pPr>
             <a:endParaRPr lang="en-US" sz="2000" dirty="0"/>
           </a:p>
           <a:p>
-            <a:pPr marL="558798" indent="-457200">
-              <a:buSzPct val="100000"/>
-              <a:buFont typeface="+mj-lt"/>
-              <a:buAutoNum type="arabicPeriod"/>
+            <a:pPr lvl="0">
+              <a:defRPr/>
             </a:pPr>
             <a:r>
               <a:rPr lang="en-US" sz="2000" dirty="0"/>
-              <a:t>Start designing your system – </a:t>
-            </a:r>
-          </a:p>
-          <a:p>
-            <a:pPr marL="1168383" lvl="1" indent="-457200">
-              <a:buSzPct val="100000"/>
-              <a:buFont typeface="+mj-lt"/>
-              <a:buAutoNum type="arabicPeriod"/>
+              <a:t>More specifically, this is a multiple regression problem since the system will use multiple features to make a prediction (it will use the district’s population, the median income, etc.). </a:t>
+            </a:r>
+          </a:p>
+          <a:p>
+            <a:pPr lvl="0">
+              <a:defRPr/>
+            </a:pPr>
+            <a:endParaRPr lang="en-US" sz="2000" dirty="0"/>
+          </a:p>
+          <a:p>
+            <a:pPr lvl="0">
+              <a:defRPr/>
             </a:pPr>
             <a:r>
               <a:rPr lang="en-US" sz="2000" dirty="0"/>
-              <a:t>Is it supervised, unsupervised, or reinforcement learning?</a:t>
-            </a:r>
-          </a:p>
-          <a:p>
-            <a:pPr marL="1168383" lvl="1" indent="-457200">
-              <a:buSzPct val="100000"/>
-              <a:buFont typeface="+mj-lt"/>
-              <a:buAutoNum type="arabicPeriod"/>
+              <a:t>It is also a univariate regression problem since we are only trying to predict a single value for each district. </a:t>
+            </a:r>
+          </a:p>
+          <a:p>
+            <a:pPr lvl="0">
+              <a:defRPr/>
+            </a:pPr>
+            <a:endParaRPr lang="en-US" sz="2000" dirty="0"/>
+          </a:p>
+          <a:p>
+            <a:pPr lvl="0">
+              <a:defRPr/>
             </a:pPr>
             <a:r>
               <a:rPr lang="en-US" sz="2000" dirty="0"/>
-              <a:t>Is it a classification, regression or some other task?</a:t>
-            </a:r>
-          </a:p>
-          <a:p>
-            <a:pPr marL="1168383" lvl="1" indent="-457200">
-              <a:buSzPct val="100000"/>
-              <a:buFont typeface="+mj-lt"/>
-              <a:buAutoNum type="arabicPeriod"/>
-            </a:pPr>
-            <a:r>
-              <a:rPr lang="en-US" sz="2000" dirty="0"/>
-              <a:t>Should you use batch or online learning?</a:t>
-            </a:r>
-          </a:p>
-          <a:p>
-            <a:pPr marL="711183" lvl="1">
-              <a:buSzPct val="100000"/>
-            </a:pPr>
-            <a:endParaRPr lang="en-US" sz="2000" dirty="0"/>
-          </a:p>
-          <a:p>
-            <a:pPr marL="558798" indent="-457200">
-              <a:buSzPct val="100000"/>
-              <a:buFont typeface="+mj-lt"/>
-              <a:buAutoNum type="arabicPeriod"/>
-            </a:pPr>
-            <a:r>
-              <a:rPr lang="en-US" sz="2000" dirty="0"/>
-              <a:t>Select a Model Performance measure</a:t>
-            </a:r>
-          </a:p>
-          <a:p>
-            <a:pPr marL="1777968" lvl="2" indent="-457200">
-              <a:buSzPct val="100000"/>
-              <a:buFont typeface="Arial" panose="020B0604020202020204" pitchFamily="34" charset="0"/>
-              <a:buChar char="•"/>
-            </a:pPr>
-            <a:endParaRPr lang="en-US" sz="2000" dirty="0"/>
-          </a:p>
-          <a:p>
-            <a:pPr marL="101598">
-              <a:buSzPct val="100000"/>
-            </a:pPr>
-            <a:endParaRPr lang="en-US" sz="2000" dirty="0"/>
+              <a:t>No continuous flow of data coming in the system, there is no particular need to adjust to changing data rapidly, and the data is small enough to fit in memory, so plain batch learning should do just fine.</a:t>
+            </a:r>
           </a:p>
         </p:txBody>
       </p:sp>
     </p:spTree>
     <p:extLst>
       <p:ext uri="{BB962C8B-B14F-4D97-AF65-F5344CB8AC3E}">
-        <p14:creationId xmlns:p14="http://schemas.microsoft.com/office/powerpoint/2010/main" val="2179181233"/>
+        <p14:creationId xmlns:p14="http://schemas.microsoft.com/office/powerpoint/2010/main" val="1025045661"/>
       </p:ext>
     </p:extLst>
   </p:cSld>
@@ -25367,7 +26082,7 @@
                   <a:srgbClr val="E46102"/>
                 </a:solidFill>
               </a:rPr>
-              <a:t>Build a model - 2</a:t>
+              <a:t>Model Performance</a:t>
             </a:r>
             <a:endParaRPr sz="4000" b="1" dirty="0">
               <a:solidFill>
@@ -25385,8 +26100,8 @@
         </p:nvSpPr>
         <p:spPr>
           <a:xfrm>
-            <a:off x="1034394" y="1137532"/>
-            <a:ext cx="10252364" cy="5198874"/>
+            <a:off x="111436" y="1137532"/>
+            <a:ext cx="10140928" cy="5198874"/>
           </a:xfrm>
           <a:prstGeom prst="rect">
             <a:avLst/>
@@ -25402,14 +26117,12 @@
           </a:bodyPr>
           <a:lstStyle/>
           <a:p>
-            <a:pPr marL="558798" indent="-457200">
+            <a:pPr marL="101598">
               <a:buSzPct val="100000"/>
-              <a:buFont typeface="+mj-lt"/>
-              <a:buAutoNum type="arabicPeriod" startAt="4"/>
             </a:pPr>
             <a:r>
               <a:rPr lang="en-US" sz="2000" dirty="0"/>
-              <a:t>Select a Model Performance measure</a:t>
+              <a:t>5.	Select a Model Performance measure</a:t>
             </a:r>
           </a:p>
           <a:p>
@@ -25419,8 +26132,12 @@
               <a:buAutoNum type="alphaLcParenR"/>
             </a:pPr>
             <a:r>
+              <a:rPr lang="en-US" sz="2000" b="1" dirty="0"/>
+              <a:t>Root mean square error (RMSE) </a:t>
+            </a:r>
+            <a:r>
               <a:rPr lang="en-US" sz="2000" dirty="0"/>
-              <a:t>Root mean square error (RMSE) – gives you an idea of how much error a system typically makes in its predictions</a:t>
+              <a:t>– gives you an idea of how much error a system typically makes in its predictions</a:t>
             </a:r>
           </a:p>
           <a:p>
@@ -25556,64 +26273,9 @@
             </a:r>
             <a:r>
               <a:rPr lang="en-US" sz="2000" dirty="0"/>
-              <a:t> is a matrix containing all the feature values (excluding labels) of all instances in the dataset. There is one row per instance and the </a:t>
-            </a:r>
-            <a:r>
-              <a:rPr lang="en-US" sz="2000" i="1" dirty="0" err="1"/>
-              <a:t>i</a:t>
-            </a:r>
-            <a:r>
-              <a:rPr lang="en-US" sz="2000" i="1" baseline="30000" dirty="0" err="1"/>
-              <a:t>th</a:t>
-            </a:r>
-            <a:r>
-              <a:rPr lang="en-US" sz="2000" dirty="0"/>
-              <a:t> row is equal to the transpose of </a:t>
-            </a:r>
-            <a:r>
-              <a:rPr lang="en-US" sz="2000" b="1" dirty="0"/>
-              <a:t>x</a:t>
-            </a:r>
-            <a:r>
-              <a:rPr lang="en-US" sz="2000" i="1" baseline="30000" dirty="0"/>
-              <a:t>(</a:t>
-            </a:r>
-            <a:r>
-              <a:rPr lang="en-US" sz="2000" i="1" baseline="30000" dirty="0" err="1"/>
-              <a:t>i</a:t>
-            </a:r>
-            <a:r>
-              <a:rPr lang="en-US" sz="2000" i="1" baseline="30000" dirty="0"/>
-              <a:t>)</a:t>
-            </a:r>
-            <a:r>
-              <a:rPr lang="en-US" sz="2000" dirty="0"/>
-              <a:t>, noted (</a:t>
-            </a:r>
-            <a:r>
-              <a:rPr lang="en-US" sz="2000" b="1" dirty="0"/>
-              <a:t>x</a:t>
-            </a:r>
-            <a:r>
-              <a:rPr lang="en-US" sz="2000" i="1" baseline="30000" dirty="0"/>
-              <a:t>(</a:t>
-            </a:r>
-            <a:r>
-              <a:rPr lang="en-US" sz="2000" i="1" baseline="30000" dirty="0" err="1"/>
-              <a:t>i</a:t>
-            </a:r>
-            <a:r>
-              <a:rPr lang="en-US" sz="2000" i="1" baseline="30000" dirty="0"/>
-              <a:t>)</a:t>
-            </a:r>
-            <a:r>
-              <a:rPr lang="en-US" sz="2000" dirty="0"/>
-              <a:t>)</a:t>
-            </a:r>
-            <a:r>
-              <a:rPr lang="en-US" sz="2000" baseline="30000" dirty="0"/>
-              <a:t>T.4</a:t>
-            </a:r>
+              <a:t> is a matrix containing all the feature values (excluding labels) of all instances in the dataset.</a:t>
+            </a:r>
+            <a:endParaRPr lang="en-US" sz="2000" baseline="30000" dirty="0"/>
           </a:p>
           <a:p>
             <a:pPr marL="1777968" lvl="2" indent="-457200">
@@ -25675,6 +26337,65 @@
           <a:prstGeom prst="rect">
             <a:avLst/>
           </a:prstGeom>
+        </p:spPr>
+      </p:pic>
+      <p:pic>
+        <p:nvPicPr>
+          <p:cNvPr id="2" name="Picture 2" descr="Feature matrix and label | Download Scientific Diagram">
+            <a:extLst>
+              <a:ext uri="{FF2B5EF4-FFF2-40B4-BE49-F238E27FC236}">
+                <a16:creationId xmlns:a16="http://schemas.microsoft.com/office/drawing/2014/main" id="{FEBD7C1C-2E4B-7678-18AC-54FFBC443AE1}"/>
+              </a:ext>
+            </a:extLst>
+          </p:cNvPr>
+          <p:cNvPicPr>
+            <a:picLocks noChangeAspect="1" noChangeArrowheads="1"/>
+          </p:cNvPicPr>
+          <p:nvPr/>
+        </p:nvPicPr>
+        <p:blipFill>
+          <a:blip r:embed="rId4">
+            <a:extLst>
+              <a:ext uri="{BEBA8EAE-BF5A-486C-A8C5-ECC9F3942E4B}">
+                <a14:imgProps xmlns:a14="http://schemas.microsoft.com/office/drawing/2010/main">
+                  <a14:imgLayer r:embed="rId5">
+                    <a14:imgEffect>
+                      <a14:sharpenSoften amount="50000"/>
+                    </a14:imgEffect>
+                    <a14:imgEffect>
+                      <a14:saturation sat="66000"/>
+                    </a14:imgEffect>
+                  </a14:imgLayer>
+                </a14:imgProps>
+              </a:ext>
+              <a:ext uri="{28A0092B-C50C-407E-A947-70E740481C1C}">
+                <a14:useLocalDpi xmlns:a14="http://schemas.microsoft.com/office/drawing/2010/main" val="0"/>
+              </a:ext>
+            </a:extLst>
+          </a:blip>
+          <a:srcRect/>
+          <a:stretch>
+            <a:fillRect/>
+          </a:stretch>
+        </p:blipFill>
+        <p:spPr bwMode="auto">
+          <a:xfrm>
+            <a:off x="10033425" y="951012"/>
+            <a:ext cx="2036358" cy="2151624"/>
+          </a:xfrm>
+          <a:prstGeom prst="rect">
+            <a:avLst/>
+          </a:prstGeom>
+          <a:noFill/>
+          <a:extLst>
+            <a:ext uri="{909E8E84-426E-40DD-AFC4-6F175D3DCCD1}">
+              <a14:hiddenFill xmlns:a14="http://schemas.microsoft.com/office/drawing/2010/main">
+                <a:solidFill>
+                  <a:srgbClr val="FFFFFF"/>
+                </a:solidFill>
+              </a14:hiddenFill>
+            </a:ext>
+          </a:extLst>
         </p:spPr>
       </p:pic>
     </p:spTree>
@@ -26165,7 +26886,7 @@
                   <a:srgbClr val="E46102"/>
                 </a:solidFill>
               </a:rPr>
-              <a:t>Build a model - 2</a:t>
+              <a:t>Model Performance</a:t>
             </a:r>
             <a:endParaRPr sz="4000" b="1" dirty="0">
               <a:solidFill>
@@ -27090,7 +27811,7 @@
                   <a:srgbClr val="E46102"/>
                 </a:solidFill>
               </a:rPr>
-              <a:t>Build a model - 2</a:t>
+              <a:t>Model Performance</a:t>
             </a:r>
             <a:endParaRPr sz="4000" b="1" dirty="0">
               <a:solidFill>
@@ -27114,8 +27835,8 @@
         </p:nvSpPr>
         <p:spPr>
           <a:xfrm>
-            <a:off x="495646" y="2956357"/>
-            <a:ext cx="5776913" cy="1323439"/>
+            <a:off x="1039091" y="2486156"/>
+            <a:ext cx="5233468" cy="2308324"/>
           </a:xfrm>
           <a:prstGeom prst="rect">
             <a:avLst/>
@@ -27129,83 +27850,83 @@
           <a:lstStyle/>
           <a:p>
             <a:r>
-              <a:rPr lang="en-US" sz="2000" i="1" dirty="0"/>
+              <a:rPr lang="en-US" i="1" dirty="0"/>
               <a:t>h</a:t>
             </a:r>
             <a:r>
-              <a:rPr lang="en-US" sz="2000" dirty="0"/>
+              <a:rPr lang="en-US" dirty="0"/>
               <a:t> is your system’s prediction function, also called a </a:t>
             </a:r>
             <a:r>
-              <a:rPr lang="en-US" sz="2000" i="1" dirty="0"/>
+              <a:rPr lang="en-US" i="1" dirty="0"/>
               <a:t>hypothesis</a:t>
             </a:r>
             <a:r>
-              <a:rPr lang="en-US" sz="2000" dirty="0"/>
+              <a:rPr lang="en-US" dirty="0"/>
               <a:t>. When your system is given an instance’s feature vector </a:t>
             </a:r>
             <a:r>
-              <a:rPr lang="en-US" sz="2000" b="1" dirty="0"/>
+              <a:rPr lang="en-US" b="1" dirty="0"/>
               <a:t>x</a:t>
             </a:r>
             <a:r>
-              <a:rPr lang="en-US" sz="2000" i="1" baseline="30000" dirty="0"/>
+              <a:rPr lang="en-US" i="1" baseline="30000" dirty="0"/>
               <a:t>(</a:t>
             </a:r>
             <a:r>
-              <a:rPr lang="en-US" sz="2000" i="1" baseline="30000" dirty="0" err="1"/>
+              <a:rPr lang="en-US" i="1" baseline="30000" dirty="0" err="1"/>
               <a:t>i</a:t>
             </a:r>
             <a:r>
-              <a:rPr lang="en-US" sz="2000" i="1" baseline="30000" dirty="0"/>
+              <a:rPr lang="en-US" i="1" baseline="30000" dirty="0"/>
               <a:t>)</a:t>
             </a:r>
             <a:r>
-              <a:rPr lang="en-US" sz="2000" dirty="0"/>
+              <a:rPr lang="en-US" dirty="0"/>
               <a:t>, it outputs a predicted value </a:t>
             </a:r>
             <a:r>
-              <a:rPr lang="en-US" sz="2000" i="1" dirty="0"/>
+              <a:rPr lang="en-US" i="1" dirty="0"/>
               <a:t>ŷ</a:t>
             </a:r>
             <a:r>
-              <a:rPr lang="en-US" sz="2000" i="1" baseline="30000" dirty="0"/>
+              <a:rPr lang="en-US" i="1" baseline="30000" dirty="0"/>
               <a:t>(</a:t>
             </a:r>
             <a:r>
-              <a:rPr lang="en-US" sz="2000" i="1" baseline="30000" dirty="0" err="1"/>
+              <a:rPr lang="en-US" i="1" baseline="30000" dirty="0" err="1"/>
               <a:t>i</a:t>
             </a:r>
             <a:r>
-              <a:rPr lang="en-US" sz="2000" i="1" baseline="30000" dirty="0"/>
+              <a:rPr lang="en-US" i="1" baseline="30000" dirty="0"/>
               <a:t>)</a:t>
             </a:r>
             <a:r>
-              <a:rPr lang="en-US" sz="2000" i="1" dirty="0"/>
+              <a:rPr lang="en-US" i="1" dirty="0"/>
               <a:t> = h(</a:t>
             </a:r>
             <a:r>
-              <a:rPr lang="en-US" sz="2000" b="1" i="1" dirty="0"/>
+              <a:rPr lang="en-US" b="1" i="1" dirty="0"/>
               <a:t>x</a:t>
             </a:r>
             <a:r>
-              <a:rPr lang="en-US" sz="2000" i="1" baseline="30000" dirty="0"/>
+              <a:rPr lang="en-US" i="1" baseline="30000" dirty="0"/>
               <a:t>(</a:t>
             </a:r>
             <a:r>
-              <a:rPr lang="en-US" sz="2000" i="1" baseline="30000" dirty="0" err="1"/>
+              <a:rPr lang="en-US" i="1" baseline="30000" dirty="0" err="1"/>
               <a:t>i</a:t>
             </a:r>
             <a:r>
-              <a:rPr lang="en-US" sz="2000" i="1" baseline="30000" dirty="0"/>
+              <a:rPr lang="en-US" i="1" baseline="30000" dirty="0"/>
               <a:t>)</a:t>
             </a:r>
             <a:r>
-              <a:rPr lang="en-US" sz="2000" i="1" dirty="0"/>
+              <a:rPr lang="en-US" i="1" dirty="0"/>
               <a:t>)</a:t>
             </a:r>
             <a:r>
-              <a:rPr lang="en-US" sz="2000" dirty="0"/>
+              <a:rPr lang="en-US" dirty="0"/>
               <a:t> for that instance</a:t>
             </a:r>
           </a:p>
@@ -27225,7 +27946,7 @@
         </p:nvSpPr>
         <p:spPr>
           <a:xfrm>
-            <a:off x="6241674" y="3419934"/>
+            <a:off x="6241674" y="3498519"/>
             <a:ext cx="647700" cy="283599"/>
           </a:xfrm>
           <a:prstGeom prst="rightArrow">
@@ -27269,8 +27990,8 @@
         </p:nvSpPr>
         <p:spPr>
           <a:xfrm>
-            <a:off x="7048846" y="2856345"/>
-            <a:ext cx="4641127" cy="1631216"/>
+            <a:off x="7048846" y="2670822"/>
+            <a:ext cx="4641127" cy="1938992"/>
           </a:xfrm>
           <a:prstGeom prst="rect">
             <a:avLst/>
@@ -27284,90 +28005,90 @@
           <a:lstStyle/>
           <a:p>
             <a:r>
-              <a:rPr lang="en-US" sz="2000" dirty="0"/>
+              <a:rPr lang="en-US" dirty="0"/>
               <a:t>If your system predicts that the median housing price in the first district is $158,400, then </a:t>
             </a:r>
           </a:p>
           <a:p>
             <a:r>
-              <a:rPr lang="en-US" sz="2000" i="1" dirty="0"/>
+              <a:rPr lang="en-US" i="1" dirty="0"/>
               <a:t>ŷ</a:t>
             </a:r>
             <a:r>
-              <a:rPr lang="en-US" sz="2000" i="1" baseline="30000" dirty="0"/>
+              <a:rPr lang="en-US" i="1" baseline="30000" dirty="0"/>
               <a:t>(</a:t>
             </a:r>
             <a:r>
-              <a:rPr lang="en-US" sz="2000" i="1" baseline="30000" dirty="0" err="1"/>
+              <a:rPr lang="en-US" i="1" baseline="30000" dirty="0" err="1"/>
               <a:t>i</a:t>
             </a:r>
             <a:r>
-              <a:rPr lang="en-US" sz="2000" i="1" baseline="30000" dirty="0"/>
+              <a:rPr lang="en-US" i="1" baseline="30000" dirty="0"/>
               <a:t>)</a:t>
             </a:r>
             <a:r>
-              <a:rPr lang="en-US" sz="2000" i="1" dirty="0"/>
+              <a:rPr lang="en-US" i="1" dirty="0"/>
               <a:t> = h(</a:t>
             </a:r>
             <a:r>
-              <a:rPr lang="en-US" sz="2000" b="1" i="1" dirty="0"/>
+              <a:rPr lang="en-US" b="1" i="1" dirty="0"/>
               <a:t>x</a:t>
             </a:r>
             <a:r>
-              <a:rPr lang="en-US" sz="2000" i="1" baseline="30000" dirty="0"/>
+              <a:rPr lang="en-US" i="1" baseline="30000" dirty="0"/>
               <a:t>(</a:t>
             </a:r>
             <a:r>
-              <a:rPr lang="en-US" sz="2000" i="1" baseline="30000" dirty="0" err="1"/>
+              <a:rPr lang="en-US" i="1" baseline="30000" dirty="0" err="1"/>
               <a:t>i</a:t>
             </a:r>
             <a:r>
-              <a:rPr lang="en-US" sz="2000" i="1" baseline="30000" dirty="0"/>
+              <a:rPr lang="en-US" i="1" baseline="30000" dirty="0"/>
               <a:t>)</a:t>
             </a:r>
             <a:r>
-              <a:rPr lang="en-US" sz="2000" i="1" dirty="0"/>
+              <a:rPr lang="en-US" i="1" dirty="0"/>
               <a:t>) =&gt; $158,400</a:t>
             </a:r>
           </a:p>
           <a:p>
             <a:r>
-              <a:rPr lang="en-US" sz="2000" i="1" dirty="0"/>
+              <a:rPr lang="en-US" i="1" dirty="0"/>
               <a:t>Prediction rate: ŷ</a:t>
             </a:r>
             <a:r>
-              <a:rPr lang="en-US" sz="2000" i="1" baseline="30000" dirty="0"/>
+              <a:rPr lang="en-US" i="1" baseline="30000" dirty="0"/>
               <a:t>(</a:t>
             </a:r>
             <a:r>
-              <a:rPr lang="en-US" sz="2000" i="1" baseline="30000" dirty="0" err="1"/>
+              <a:rPr lang="en-US" i="1" baseline="30000" dirty="0" err="1"/>
               <a:t>i</a:t>
             </a:r>
             <a:r>
-              <a:rPr lang="en-US" sz="2000" i="1" baseline="30000" dirty="0"/>
+              <a:rPr lang="en-US" i="1" baseline="30000" dirty="0"/>
               <a:t>)</a:t>
             </a:r>
             <a:r>
-              <a:rPr lang="en-US" sz="2000" i="1" dirty="0"/>
+              <a:rPr lang="en-US" i="1" dirty="0"/>
               <a:t> -y</a:t>
             </a:r>
             <a:r>
-              <a:rPr lang="en-US" sz="2000" i="1" baseline="30000" dirty="0"/>
+              <a:rPr lang="en-US" i="1" baseline="30000" dirty="0"/>
               <a:t>(</a:t>
             </a:r>
             <a:r>
-              <a:rPr lang="en-US" sz="2000" i="1" baseline="30000" dirty="0" err="1"/>
+              <a:rPr lang="en-US" i="1" baseline="30000" dirty="0" err="1"/>
               <a:t>i</a:t>
             </a:r>
             <a:r>
-              <a:rPr lang="en-US" sz="2000" i="1" baseline="30000" dirty="0"/>
+              <a:rPr lang="en-US" i="1" baseline="30000" dirty="0"/>
               <a:t>)</a:t>
             </a:r>
             <a:r>
-              <a:rPr lang="en-US" sz="2000" i="1" dirty="0"/>
+              <a:rPr lang="en-US" i="1" dirty="0"/>
               <a:t> = $2,000</a:t>
             </a:r>
-            <a:endParaRPr lang="en-US" sz="2000" dirty="0"/>
+            <a:endParaRPr lang="en-US" dirty="0"/>
           </a:p>
         </p:txBody>
       </p:sp>

--- a/Syllabus/Lecture02/Lec02.pptx
+++ b/Syllabus/Lecture02/Lec02.pptx
@@ -319,7 +319,7 @@
           <a:p>
             <a:fld id="{DF9C6931-D0F6-AB40-9D7F-95567148A5C2}" type="datetimeFigureOut">
               <a:rPr lang="en-US" smtClean="0"/>
-              <a:t>8/31/22</a:t>
+              <a:t>9/1/22</a:t>
             </a:fld>
             <a:endParaRPr lang="en-US"/>
           </a:p>
@@ -496,7 +496,7 @@
           <a:p>
             <a:fld id="{736C18F2-6801-5147-A332-A6E1C7D69D18}" type="datetimeFigureOut">
               <a:rPr lang="en-US" smtClean="0"/>
-              <a:t>8/31/22</a:t>
+              <a:t>9/1/22</a:t>
             </a:fld>
             <a:endParaRPr lang="en-US"/>
           </a:p>
@@ -9292,30 +9292,19 @@
                   <a:srgbClr val="E46102"/>
                 </a:solidFill>
               </a:rPr>
-              <a:t>Assistant Professor, GCCIS, RIT</a:t>
-            </a:r>
-          </a:p>
-          <a:p>
-            <a:pPr marL="0" indent="0" algn="ctr">
-              <a:buNone/>
-            </a:pPr>
-            <a:r>
-              <a:rPr lang="en-US" sz="1800" dirty="0">
+              <a:t>Assistant Professor, GCCIS</a:t>
+            </a:r>
+            <a:r>
+              <a:rPr lang="en-US" sz="2400">
                 <a:solidFill>
-                  <a:schemeClr val="tx1">
-                    <a:lumMod val="50000"/>
-                    <a:lumOff val="50000"/>
-                  </a:schemeClr>
+                  <a:srgbClr val="E46102"/>
                 </a:solidFill>
               </a:rPr>
-              <a:t>August 30, 2022</a:t>
-            </a:r>
-            <a:endParaRPr lang="en-US" sz="3200" dirty="0">
+              <a:t>, RIT</a:t>
+            </a:r>
+            <a:endParaRPr lang="en-US" sz="2400" dirty="0">
               <a:solidFill>
-                <a:schemeClr val="tx1">
-                  <a:lumMod val="50000"/>
-                  <a:lumOff val="50000"/>
-                </a:schemeClr>
+                <a:srgbClr val="E46102"/>
               </a:solidFill>
             </a:endParaRPr>
           </a:p>
@@ -20753,7 +20742,7 @@
               <a:buChar char="•"/>
             </a:pPr>
             <a:r>
-              <a:rPr lang="en-US" sz="2000" dirty="0"/>
+              <a:rPr lang="en-US" dirty="0"/>
               <a:t>Example: Does money makes people happy?</a:t>
             </a:r>
           </a:p>
@@ -20764,8 +20753,8 @@
               <a:buChar char="•"/>
             </a:pPr>
             <a:r>
-              <a:rPr lang="en-US" sz="2000" dirty="0"/>
-              <a:t>Download </a:t>
+              <a:rPr lang="en-US" dirty="0"/>
+              <a:t>Data available for Download </a:t>
             </a:r>
           </a:p>
           <a:p>
@@ -20775,7 +20764,7 @@
               <a:buChar char="•"/>
             </a:pPr>
             <a:r>
-              <a:rPr lang="en-US" sz="2000" dirty="0"/>
+              <a:rPr lang="en-US" dirty="0"/>
               <a:t>“Better Life Index” data from the OECD’s website </a:t>
             </a:r>
           </a:p>
@@ -20786,7 +20775,7 @@
               <a:buChar char="•"/>
             </a:pPr>
             <a:r>
-              <a:rPr lang="en-US" sz="2000" dirty="0"/>
+              <a:rPr lang="en-US" dirty="0"/>
               <a:t>GDP per capita from the IMF’s website. </a:t>
             </a:r>
           </a:p>
@@ -20797,7 +20786,7 @@
               <a:buChar char="•"/>
             </a:pPr>
             <a:r>
-              <a:rPr lang="en-US" sz="2000" dirty="0"/>
+              <a:rPr lang="en-US" dirty="0"/>
               <a:t>Plot the data for a few random countries</a:t>
             </a:r>
           </a:p>
@@ -20806,7 +20795,7 @@
               <a:buSzPct val="100000"/>
               <a:buChar char="●"/>
             </a:pPr>
-            <a:endParaRPr lang="en-US" sz="2000" dirty="0"/>
+            <a:endParaRPr lang="en-US" dirty="0"/>
           </a:p>
         </p:txBody>
       </p:sp>
@@ -20832,7 +20821,7 @@
         </p:blipFill>
         <p:spPr>
           <a:xfrm>
-            <a:off x="8157998" y="1344714"/>
+            <a:off x="1456715" y="3470033"/>
             <a:ext cx="3240046" cy="1727273"/>
           </a:xfrm>
           <a:prstGeom prst="rect">
@@ -20862,7 +20851,7 @@
         </p:blipFill>
         <p:spPr>
           <a:xfrm>
-            <a:off x="3579111" y="3429000"/>
+            <a:off x="6203573" y="3331529"/>
             <a:ext cx="3612865" cy="2004280"/>
           </a:xfrm>
           <a:prstGeom prst="rect">
@@ -20884,8 +20873,8 @@
         </p:nvSpPr>
         <p:spPr>
           <a:xfrm>
-            <a:off x="7937029" y="4331116"/>
-            <a:ext cx="3112145" cy="707886"/>
+            <a:off x="3305611" y="5869974"/>
+            <a:ext cx="5580779" cy="400110"/>
           </a:xfrm>
           <a:prstGeom prst="rect">
             <a:avLst/>

--- a/Syllabus/Lecture02/Lec02.pptx
+++ b/Syllabus/Lecture02/Lec02.pptx
@@ -319,7 +319,7 @@
           <a:p>
             <a:fld id="{DF9C6931-D0F6-AB40-9D7F-95567148A5C2}" type="datetimeFigureOut">
               <a:rPr lang="en-US" smtClean="0"/>
-              <a:t>9/1/22</a:t>
+              <a:t>9/6/22</a:t>
             </a:fld>
             <a:endParaRPr lang="en-US"/>
           </a:p>
@@ -496,7 +496,7 @@
           <a:p>
             <a:fld id="{736C18F2-6801-5147-A332-A6E1C7D69D18}" type="datetimeFigureOut">
               <a:rPr lang="en-US" smtClean="0"/>
-              <a:t>9/1/22</a:t>
+              <a:t>9/6/22</a:t>
             </a:fld>
             <a:endParaRPr lang="en-US"/>
           </a:p>
@@ -20183,7 +20183,7 @@
             </a:pPr>
             <a:r>
               <a:rPr lang="en-US" dirty="0"/>
-              <a:t>p(s) x p(</a:t>
+              <a:t>p(spam) x p(</a:t>
             </a:r>
             <a:r>
               <a:rPr lang="en-US" dirty="0" err="1"/>
